--- a/R/スライド/第29回.pptx
+++ b/R/スライド/第29回.pptx
@@ -5,15 +5,16 @@
     <p:sldMasterId id="2147483648" r:id="rId1"/>
   </p:sldMasterIdLst>
   <p:notesMasterIdLst>
-    <p:notesMasterId r:id="rId8"/>
+    <p:notesMasterId r:id="rId9"/>
   </p:notesMasterIdLst>
   <p:sldIdLst>
     <p:sldId id="256" r:id="rId2"/>
-    <p:sldId id="267" r:id="rId3"/>
-    <p:sldId id="268" r:id="rId4"/>
-    <p:sldId id="270" r:id="rId5"/>
-    <p:sldId id="269" r:id="rId6"/>
-    <p:sldId id="271" r:id="rId7"/>
+    <p:sldId id="257" r:id="rId3"/>
+    <p:sldId id="258" r:id="rId4"/>
+    <p:sldId id="259" r:id="rId5"/>
+    <p:sldId id="261" r:id="rId6"/>
+    <p:sldId id="260" r:id="rId7"/>
+    <p:sldId id="262" r:id="rId8"/>
   </p:sldIdLst>
   <p:sldSz cx="12192000" cy="6858000"/>
   <p:notesSz cx="6858000" cy="9144000"/>
@@ -123,103 +124,236 @@
 <file path=ppt/changesInfos/changesInfo1.xml><?xml version="1.0" encoding="utf-8"?>
 <pc:chgInfo xmlns:a="http://schemas.openxmlformats.org/drawingml/2006/main" xmlns:r="http://schemas.openxmlformats.org/officeDocument/2006/relationships" xmlns:ac="http://schemas.microsoft.com/office/drawing/2013/main/command" xmlns:pc="http://schemas.microsoft.com/office/powerpoint/2013/main/command">
   <pc:docChgLst>
-    <pc:chgData name="Fukui Shin" userId="6902ee70c48ce296" providerId="LiveId" clId="{F22A17EE-4167-2B41-B996-C345E89EEFB0}"/>
-    <pc:docChg chg="undo custSel modSld">
-      <pc:chgData name="Fukui Shin" userId="6902ee70c48ce296" providerId="LiveId" clId="{F22A17EE-4167-2B41-B996-C345E89EEFB0}" dt="2021-11-24T15:18:30.217" v="413" actId="20577"/>
+    <pc:chgData name="Fukui Shin" userId="6902ee70c48ce296" providerId="LiveId" clId="{3563161F-D15E-4A4A-B8D2-4F599856B73C}"/>
+    <pc:docChg chg="undo redo custSel addSld delSld modSld">
+      <pc:chgData name="Fukui Shin" userId="6902ee70c48ce296" providerId="LiveId" clId="{3563161F-D15E-4A4A-B8D2-4F599856B73C}" dt="2021-11-22T06:10:02.338" v="4355" actId="20577"/>
       <pc:docMkLst>
         <pc:docMk/>
       </pc:docMkLst>
       <pc:sldChg chg="modSp mod">
-        <pc:chgData name="Fukui Shin" userId="6902ee70c48ce296" providerId="LiveId" clId="{F22A17EE-4167-2B41-B996-C345E89EEFB0}" dt="2021-11-24T15:18:30.217" v="413" actId="20577"/>
+        <pc:chgData name="Fukui Shin" userId="6902ee70c48ce296" providerId="LiveId" clId="{3563161F-D15E-4A4A-B8D2-4F599856B73C}" dt="2021-11-17T14:54:59.137" v="4018" actId="20577"/>
         <pc:sldMkLst>
           <pc:docMk/>
-          <pc:sldMk cId="3669137468" sldId="256"/>
+          <pc:sldMk cId="571653398" sldId="257"/>
         </pc:sldMkLst>
         <pc:spChg chg="mod">
-          <ac:chgData name="Fukui Shin" userId="6902ee70c48ce296" providerId="LiveId" clId="{F22A17EE-4167-2B41-B996-C345E89EEFB0}" dt="2021-11-24T15:18:30.217" v="413" actId="20577"/>
+          <ac:chgData name="Fukui Shin" userId="6902ee70c48ce296" providerId="LiveId" clId="{3563161F-D15E-4A4A-B8D2-4F599856B73C}" dt="2021-11-15T04:46:05.370" v="26" actId="20577"/>
           <ac:spMkLst>
             <pc:docMk/>
-            <pc:sldMk cId="3669137468" sldId="256"/>
-            <ac:spMk id="2" creationId="{E042A3A6-0337-7240-9493-91CB7D731C49}"/>
+            <pc:sldMk cId="571653398" sldId="257"/>
+            <ac:spMk id="2" creationId="{7EEF70A2-80E1-5D42-B09A-7B3C2212747A}"/>
+          </ac:spMkLst>
+        </pc:spChg>
+        <pc:spChg chg="mod">
+          <ac:chgData name="Fukui Shin" userId="6902ee70c48ce296" providerId="LiveId" clId="{3563161F-D15E-4A4A-B8D2-4F599856B73C}" dt="2021-11-17T14:54:59.137" v="4018" actId="20577"/>
+          <ac:spMkLst>
+            <pc:docMk/>
+            <pc:sldMk cId="571653398" sldId="257"/>
+            <ac:spMk id="3" creationId="{A186CAFC-0030-2E49-8268-A98CF64FBA05}"/>
           </ac:spMkLst>
         </pc:spChg>
       </pc:sldChg>
-      <pc:sldChg chg="modSp mod">
-        <pc:chgData name="Fukui Shin" userId="6902ee70c48ce296" providerId="LiveId" clId="{F22A17EE-4167-2B41-B996-C345E89EEFB0}" dt="2021-11-24T15:12:41.983" v="293" actId="20577"/>
+      <pc:sldChg chg="modSp new mod">
+        <pc:chgData name="Fukui Shin" userId="6902ee70c48ce296" providerId="LiveId" clId="{3563161F-D15E-4A4A-B8D2-4F599856B73C}" dt="2021-11-17T14:57:59.362" v="4052" actId="20577"/>
         <pc:sldMkLst>
           <pc:docMk/>
-          <pc:sldMk cId="2426103001" sldId="264"/>
+          <pc:sldMk cId="1216965000" sldId="258"/>
         </pc:sldMkLst>
         <pc:spChg chg="mod">
-          <ac:chgData name="Fukui Shin" userId="6902ee70c48ce296" providerId="LiveId" clId="{F22A17EE-4167-2B41-B996-C345E89EEFB0}" dt="2021-11-24T15:12:41.983" v="293" actId="20577"/>
+          <ac:chgData name="Fukui Shin" userId="6902ee70c48ce296" providerId="LiveId" clId="{3563161F-D15E-4A4A-B8D2-4F599856B73C}" dt="2021-11-17T08:47:26.749" v="1585" actId="20577"/>
           <ac:spMkLst>
             <pc:docMk/>
-            <pc:sldMk cId="2426103001" sldId="264"/>
-            <ac:spMk id="3" creationId="{6AB6596B-E717-A84A-851A-50C924979FEB}"/>
+            <pc:sldMk cId="1216965000" sldId="258"/>
+            <ac:spMk id="2" creationId="{7D1CB8DE-7E37-8843-9926-BCCB00963A6E}"/>
+          </ac:spMkLst>
+        </pc:spChg>
+        <pc:spChg chg="mod">
+          <ac:chgData name="Fukui Shin" userId="6902ee70c48ce296" providerId="LiveId" clId="{3563161F-D15E-4A4A-B8D2-4F599856B73C}" dt="2021-11-17T14:57:59.362" v="4052" actId="20577"/>
+          <ac:spMkLst>
+            <pc:docMk/>
+            <pc:sldMk cId="1216965000" sldId="258"/>
+            <ac:spMk id="3" creationId="{C92B07B6-339F-834A-BA51-25593D8DC76C}"/>
           </ac:spMkLst>
         </pc:spChg>
       </pc:sldChg>
-      <pc:sldChg chg="modSp mod">
-        <pc:chgData name="Fukui Shin" userId="6902ee70c48ce296" providerId="LiveId" clId="{F22A17EE-4167-2B41-B996-C345E89EEFB0}" dt="2021-11-24T15:15:26.448" v="411" actId="20577"/>
+      <pc:sldChg chg="modSp new mod">
+        <pc:chgData name="Fukui Shin" userId="6902ee70c48ce296" providerId="LiveId" clId="{3563161F-D15E-4A4A-B8D2-4F599856B73C}" dt="2021-11-17T14:59:15.600" v="4074" actId="58"/>
         <pc:sldMkLst>
           <pc:docMk/>
-          <pc:sldMk cId="1777339200" sldId="265"/>
+          <pc:sldMk cId="672173733" sldId="259"/>
         </pc:sldMkLst>
         <pc:spChg chg="mod">
-          <ac:chgData name="Fukui Shin" userId="6902ee70c48ce296" providerId="LiveId" clId="{F22A17EE-4167-2B41-B996-C345E89EEFB0}" dt="2021-11-24T15:15:26.448" v="411" actId="20577"/>
+          <ac:chgData name="Fukui Shin" userId="6902ee70c48ce296" providerId="LiveId" clId="{3563161F-D15E-4A4A-B8D2-4F599856B73C}" dt="2021-11-15T07:37:34.477" v="976" actId="20577"/>
           <ac:spMkLst>
             <pc:docMk/>
-            <pc:sldMk cId="1777339200" sldId="265"/>
-            <ac:spMk id="3" creationId="{6B5549BF-3578-5C45-9242-2BFB7DB143DA}"/>
+            <pc:sldMk cId="672173733" sldId="259"/>
+            <ac:spMk id="2" creationId="{8735B3ED-534B-9148-BE43-146E345053C2}"/>
+          </ac:spMkLst>
+        </pc:spChg>
+        <pc:spChg chg="mod">
+          <ac:chgData name="Fukui Shin" userId="6902ee70c48ce296" providerId="LiveId" clId="{3563161F-D15E-4A4A-B8D2-4F599856B73C}" dt="2021-11-17T14:59:15.600" v="4074" actId="58"/>
+          <ac:spMkLst>
+            <pc:docMk/>
+            <pc:sldMk cId="672173733" sldId="259"/>
+            <ac:spMk id="3" creationId="{53329B6A-02E6-674F-BCF0-66057978508F}"/>
           </ac:spMkLst>
         </pc:spChg>
       </pc:sldChg>
-      <pc:sldChg chg="modSp mod">
-        <pc:chgData name="Fukui Shin" userId="6902ee70c48ce296" providerId="LiveId" clId="{F22A17EE-4167-2B41-B996-C345E89EEFB0}" dt="2021-11-24T15:06:37.872" v="263" actId="20577"/>
+      <pc:sldChg chg="modSp new mod">
+        <pc:chgData name="Fukui Shin" userId="6902ee70c48ce296" providerId="LiveId" clId="{3563161F-D15E-4A4A-B8D2-4F599856B73C}" dt="2021-11-22T06:10:02.338" v="4355" actId="20577"/>
         <pc:sldMkLst>
           <pc:docMk/>
-          <pc:sldMk cId="2857971315" sldId="266"/>
+          <pc:sldMk cId="4234602352" sldId="260"/>
         </pc:sldMkLst>
         <pc:spChg chg="mod">
-          <ac:chgData name="Fukui Shin" userId="6902ee70c48ce296" providerId="LiveId" clId="{F22A17EE-4167-2B41-B996-C345E89EEFB0}" dt="2021-11-24T15:06:37.872" v="263" actId="20577"/>
+          <ac:chgData name="Fukui Shin" userId="6902ee70c48ce296" providerId="LiveId" clId="{3563161F-D15E-4A4A-B8D2-4F599856B73C}" dt="2021-11-17T09:57:43.533" v="3542" actId="20577"/>
           <ac:spMkLst>
             <pc:docMk/>
-            <pc:sldMk cId="2857971315" sldId="266"/>
-            <ac:spMk id="3" creationId="{2900A259-287C-8746-BCB8-549AD2ECEA48}"/>
+            <pc:sldMk cId="4234602352" sldId="260"/>
+            <ac:spMk id="2" creationId="{C09836D2-1796-FB42-A1C5-8E63CADB49EB}"/>
+          </ac:spMkLst>
+        </pc:spChg>
+        <pc:spChg chg="mod">
+          <ac:chgData name="Fukui Shin" userId="6902ee70c48ce296" providerId="LiveId" clId="{3563161F-D15E-4A4A-B8D2-4F599856B73C}" dt="2021-11-22T06:10:02.338" v="4355" actId="20577"/>
+          <ac:spMkLst>
+            <pc:docMk/>
+            <pc:sldMk cId="4234602352" sldId="260"/>
+            <ac:spMk id="3" creationId="{98987442-2918-D04B-BB5D-BD5790BC103F}"/>
+          </ac:spMkLst>
+        </pc:spChg>
+      </pc:sldChg>
+      <pc:sldChg chg="addSp delSp modSp new mod">
+        <pc:chgData name="Fukui Shin" userId="6902ee70c48ce296" providerId="LiveId" clId="{3563161F-D15E-4A4A-B8D2-4F599856B73C}" dt="2021-11-17T16:16:06.152" v="4319" actId="20577"/>
+        <pc:sldMkLst>
+          <pc:docMk/>
+          <pc:sldMk cId="3185156017" sldId="261"/>
+        </pc:sldMkLst>
+        <pc:spChg chg="mod">
+          <ac:chgData name="Fukui Shin" userId="6902ee70c48ce296" providerId="LiveId" clId="{3563161F-D15E-4A4A-B8D2-4F599856B73C}" dt="2021-11-17T09:14:38.779" v="2269"/>
+          <ac:spMkLst>
+            <pc:docMk/>
+            <pc:sldMk cId="3185156017" sldId="261"/>
+            <ac:spMk id="2" creationId="{3C700D43-7914-8B49-B1EE-F2FE8202DB90}"/>
+          </ac:spMkLst>
+        </pc:spChg>
+        <pc:spChg chg="del">
+          <ac:chgData name="Fukui Shin" userId="6902ee70c48ce296" providerId="LiveId" clId="{3563161F-D15E-4A4A-B8D2-4F599856B73C}" dt="2021-11-17T09:05:31.683" v="2088" actId="3680"/>
+          <ac:spMkLst>
+            <pc:docMk/>
+            <pc:sldMk cId="3185156017" sldId="261"/>
+            <ac:spMk id="3" creationId="{E1DD4FF8-1667-0D46-AEC6-0B5B3DB8876A}"/>
+          </ac:spMkLst>
+        </pc:spChg>
+        <pc:spChg chg="add del mod">
+          <ac:chgData name="Fukui Shin" userId="6902ee70c48ce296" providerId="LiveId" clId="{3563161F-D15E-4A4A-B8D2-4F599856B73C}" dt="2021-11-17T09:07:59.144" v="2230"/>
+          <ac:spMkLst>
+            <pc:docMk/>
+            <pc:sldMk cId="3185156017" sldId="261"/>
+            <ac:spMk id="5" creationId="{98D531CB-25E3-8C4C-84F7-5CF85AAAF111}"/>
+          </ac:spMkLst>
+        </pc:spChg>
+        <pc:spChg chg="add del mod">
+          <ac:chgData name="Fukui Shin" userId="6902ee70c48ce296" providerId="LiveId" clId="{3563161F-D15E-4A4A-B8D2-4F599856B73C}" dt="2021-11-17T09:22:15.546" v="2622"/>
+          <ac:spMkLst>
+            <pc:docMk/>
+            <pc:sldMk cId="3185156017" sldId="261"/>
+            <ac:spMk id="6" creationId="{62BC719E-E9FF-8943-BF71-336F71B4757E}"/>
+          </ac:spMkLst>
+        </pc:spChg>
+        <pc:spChg chg="add mod">
+          <ac:chgData name="Fukui Shin" userId="6902ee70c48ce296" providerId="LiveId" clId="{3563161F-D15E-4A4A-B8D2-4F599856B73C}" dt="2021-11-17T16:16:06.152" v="4319" actId="20577"/>
+          <ac:spMkLst>
+            <pc:docMk/>
+            <pc:sldMk cId="3185156017" sldId="261"/>
+            <ac:spMk id="7" creationId="{3B3CE665-52A0-C342-89A8-B18E5AC153D9}"/>
+          </ac:spMkLst>
+        </pc:spChg>
+        <pc:graphicFrameChg chg="add mod ord modGraphic">
+          <ac:chgData name="Fukui Shin" userId="6902ee70c48ce296" providerId="LiveId" clId="{3563161F-D15E-4A4A-B8D2-4F599856B73C}" dt="2021-11-17T14:54:28.369" v="4017" actId="255"/>
+          <ac:graphicFrameMkLst>
+            <pc:docMk/>
+            <pc:sldMk cId="3185156017" sldId="261"/>
+            <ac:graphicFrameMk id="4" creationId="{407B999C-F742-4C4B-8A08-6B24FE0BC9FB}"/>
+          </ac:graphicFrameMkLst>
+        </pc:graphicFrameChg>
+      </pc:sldChg>
+      <pc:sldChg chg="modSp new mod">
+        <pc:chgData name="Fukui Shin" userId="6902ee70c48ce296" providerId="LiveId" clId="{3563161F-D15E-4A4A-B8D2-4F599856B73C}" dt="2021-11-22T06:09:28.992" v="4340" actId="20577"/>
+        <pc:sldMkLst>
+          <pc:docMk/>
+          <pc:sldMk cId="2859020871" sldId="262"/>
+        </pc:sldMkLst>
+        <pc:spChg chg="mod">
+          <ac:chgData name="Fukui Shin" userId="6902ee70c48ce296" providerId="LiveId" clId="{3563161F-D15E-4A4A-B8D2-4F599856B73C}" dt="2021-11-17T09:59:35.240" v="3692" actId="20577"/>
+          <ac:spMkLst>
+            <pc:docMk/>
+            <pc:sldMk cId="2859020871" sldId="262"/>
+            <ac:spMk id="2" creationId="{14F383C1-F4F6-F143-BB59-4370B86BFFD5}"/>
+          </ac:spMkLst>
+        </pc:spChg>
+        <pc:spChg chg="mod">
+          <ac:chgData name="Fukui Shin" userId="6902ee70c48ce296" providerId="LiveId" clId="{3563161F-D15E-4A4A-B8D2-4F599856B73C}" dt="2021-11-22T06:09:28.992" v="4340" actId="20577"/>
+          <ac:spMkLst>
+            <pc:docMk/>
+            <pc:sldMk cId="2859020871" sldId="262"/>
+            <ac:spMk id="3" creationId="{3BC21B0A-101C-D044-A534-0DE9DD86BA80}"/>
+          </ac:spMkLst>
+        </pc:spChg>
+      </pc:sldChg>
+      <pc:sldChg chg="modSp new del mod">
+        <pc:chgData name="Fukui Shin" userId="6902ee70c48ce296" providerId="LiveId" clId="{3563161F-D15E-4A4A-B8D2-4F599856B73C}" dt="2021-11-17T15:13:35.038" v="4317" actId="2696"/>
+        <pc:sldMkLst>
+          <pc:docMk/>
+          <pc:sldMk cId="1660451074" sldId="263"/>
+        </pc:sldMkLst>
+        <pc:spChg chg="mod">
+          <ac:chgData name="Fukui Shin" userId="6902ee70c48ce296" providerId="LiveId" clId="{3563161F-D15E-4A4A-B8D2-4F599856B73C}" dt="2021-11-17T15:02:52.051" v="4316" actId="20577"/>
+          <ac:spMkLst>
+            <pc:docMk/>
+            <pc:sldMk cId="1660451074" sldId="263"/>
+            <ac:spMk id="2" creationId="{7E8786A5-99FE-694E-8FC0-336E57357EBA}"/>
           </ac:spMkLst>
         </pc:spChg>
       </pc:sldChg>
     </pc:docChg>
   </pc:docChgLst>
   <pc:docChgLst>
-    <pc:chgData name="Fukui Shin" userId="6902ee70c48ce296" providerId="LiveId" clId="{D52BCF81-B572-AB4D-B26F-B9A5584626ED}"/>
-    <pc:docChg chg="addSld modSld">
-      <pc:chgData name="Fukui Shin" userId="6902ee70c48ce296" providerId="LiveId" clId="{D52BCF81-B572-AB4D-B26F-B9A5584626ED}" dt="2021-11-29T09:26:32.175" v="500" actId="20577"/>
+    <pc:chgData name="Fukui Shin" userId="6902ee70c48ce296" providerId="LiveId" clId="{C171A0A8-2E99-C24B-9E1C-D9FFA0DC05D0}"/>
+    <pc:docChg chg="undo custSel modSld">
+      <pc:chgData name="Fukui Shin" userId="6902ee70c48ce296" providerId="LiveId" clId="{C171A0A8-2E99-C24B-9E1C-D9FFA0DC05D0}" dt="2021-11-18T02:26:17.784" v="297" actId="20577"/>
       <pc:docMkLst>
         <pc:docMk/>
       </pc:docMkLst>
-      <pc:sldChg chg="modSp new mod">
-        <pc:chgData name="Fukui Shin" userId="6902ee70c48ce296" providerId="LiveId" clId="{D52BCF81-B572-AB4D-B26F-B9A5584626ED}" dt="2021-11-29T09:26:32.175" v="500" actId="20577"/>
+      <pc:sldChg chg="modSp mod">
+        <pc:chgData name="Fukui Shin" userId="6902ee70c48ce296" providerId="LiveId" clId="{C171A0A8-2E99-C24B-9E1C-D9FFA0DC05D0}" dt="2021-11-18T02:26:17.784" v="297" actId="20577"/>
         <pc:sldMkLst>
           <pc:docMk/>
-          <pc:sldMk cId="2398466739" sldId="269"/>
+          <pc:sldMk cId="3185156017" sldId="261"/>
         </pc:sldMkLst>
         <pc:spChg chg="mod">
-          <ac:chgData name="Fukui Shin" userId="6902ee70c48ce296" providerId="LiveId" clId="{D52BCF81-B572-AB4D-B26F-B9A5584626ED}" dt="2021-11-29T09:22:09.913" v="18" actId="20577"/>
+          <ac:chgData name="Fukui Shin" userId="6902ee70c48ce296" providerId="LiveId" clId="{C171A0A8-2E99-C24B-9E1C-D9FFA0DC05D0}" dt="2021-11-18T02:26:17.784" v="297" actId="20577"/>
           <ac:spMkLst>
             <pc:docMk/>
-            <pc:sldMk cId="2398466739" sldId="269"/>
-            <ac:spMk id="2" creationId="{55DD35BD-511B-684E-8DB0-A76E37B3E267}"/>
+            <pc:sldMk cId="3185156017" sldId="261"/>
+            <ac:spMk id="2" creationId="{3C700D43-7914-8B49-B1EE-F2FE8202DB90}"/>
           </ac:spMkLst>
         </pc:spChg>
         <pc:spChg chg="mod">
-          <ac:chgData name="Fukui Shin" userId="6902ee70c48ce296" providerId="LiveId" clId="{D52BCF81-B572-AB4D-B26F-B9A5584626ED}" dt="2021-11-29T09:26:32.175" v="500" actId="20577"/>
+          <ac:chgData name="Fukui Shin" userId="6902ee70c48ce296" providerId="LiveId" clId="{C171A0A8-2E99-C24B-9E1C-D9FFA0DC05D0}" dt="2021-11-18T02:24:43.279" v="275" actId="20577"/>
           <ac:spMkLst>
             <pc:docMk/>
-            <pc:sldMk cId="2398466739" sldId="269"/>
-            <ac:spMk id="3" creationId="{71F17145-1FBD-1548-9E78-BAF5FB429AED}"/>
+            <pc:sldMk cId="3185156017" sldId="261"/>
+            <ac:spMk id="7" creationId="{3B3CE665-52A0-C342-89A8-B18E5AC153D9}"/>
           </ac:spMkLst>
         </pc:spChg>
+        <pc:graphicFrameChg chg="mod modGraphic">
+          <ac:chgData name="Fukui Shin" userId="6902ee70c48ce296" providerId="LiveId" clId="{C171A0A8-2E99-C24B-9E1C-D9FFA0DC05D0}" dt="2021-11-18T02:16:45.210" v="12" actId="1076"/>
+          <ac:graphicFrameMkLst>
+            <pc:docMk/>
+            <pc:sldMk cId="3185156017" sldId="261"/>
+            <ac:graphicFrameMk id="4" creationId="{407B999C-F742-4C4B-8A08-6B24FE0BC9FB}"/>
+          </ac:graphicFrameMkLst>
+        </pc:graphicFrameChg>
       </pc:sldChg>
     </pc:docChg>
   </pc:docChgLst>
@@ -306,9 +440,9 @@
             </a:lvl1pPr>
           </a:lstStyle>
           <a:p>
-            <a:fld id="{F41C2A34-CE68-FD4E-BC01-FE443B276CDB}" type="datetimeFigureOut">
+            <a:fld id="{E6CC64AC-381B-1940-A2A3-3BC52AC77BCA}" type="datetimeFigureOut">
               <a:rPr kumimoji="1" lang="ja-JP" altLang="en-US" smtClean="0"/>
-              <a:t>2021/11/30</a:t>
+              <a:t>2022/9/14</a:t>
             </a:fld>
             <a:endParaRPr kumimoji="1" lang="ja-JP" altLang="en-US"/>
           </a:p>
@@ -496,7 +630,7 @@
             </a:lvl1pPr>
           </a:lstStyle>
           <a:p>
-            <a:fld id="{4F78AA7F-8E32-9F43-88CC-02DD02F6000E}" type="slidenum">
+            <a:fld id="{C9FA6667-A6C9-A248-A58F-2989437BD211}" type="slidenum">
               <a:rPr kumimoji="1" lang="ja-JP" altLang="en-US" smtClean="0"/>
               <a:t>‹#›</a:t>
             </a:fld>
@@ -507,7 +641,7 @@
     </p:spTree>
     <p:extLst>
       <p:ext uri="{BB962C8B-B14F-4D97-AF65-F5344CB8AC3E}">
-        <p14:creationId xmlns:p14="http://schemas.microsoft.com/office/powerpoint/2010/main" val="2261299334"/>
+        <p14:creationId xmlns:p14="http://schemas.microsoft.com/office/powerpoint/2010/main" val="990334637"/>
       </p:ext>
     </p:extLst>
   </p:cSld>
@@ -651,6 +785,22 @@
           <a:bodyPr/>
           <a:lstStyle/>
           <a:p>
+            <a:r>
+              <a:rPr kumimoji="1" lang="ja-JP" altLang="en-US"/>
+              <a:t>（</a:t>
+            </a:r>
+            <a:r>
+              <a:rPr kumimoji="1" lang="en-US" altLang="ja-JP" dirty="0"/>
+              <a:t>O-E</a:t>
+            </a:r>
+            <a:r>
+              <a:rPr kumimoji="1" lang="ja-JP" altLang="en-US"/>
+              <a:t>）</a:t>
+            </a:r>
+            <a:r>
+              <a:rPr kumimoji="1" lang="en-US" altLang="ja-JP" dirty="0"/>
+              <a:t>^2?</a:t>
+            </a:r>
             <a:endParaRPr kumimoji="1" lang="ja-JP" altLang="en-US"/>
           </a:p>
         </p:txBody>
@@ -670,7 +820,94 @@
           <a:bodyPr/>
           <a:lstStyle/>
           <a:p>
-            <a:fld id="{4F78AA7F-8E32-9F43-88CC-02DD02F6000E}" type="slidenum">
+            <a:fld id="{C9FA6667-A6C9-A248-A58F-2989437BD211}" type="slidenum">
+              <a:rPr kumimoji="1" lang="ja-JP" altLang="en-US" smtClean="0"/>
+              <a:t>4</a:t>
+            </a:fld>
+            <a:endParaRPr kumimoji="1" lang="ja-JP" altLang="en-US"/>
+          </a:p>
+        </p:txBody>
+      </p:sp>
+    </p:spTree>
+    <p:extLst>
+      <p:ext uri="{BB962C8B-B14F-4D97-AF65-F5344CB8AC3E}">
+        <p14:creationId xmlns:p14="http://schemas.microsoft.com/office/powerpoint/2010/main" val="569031379"/>
+      </p:ext>
+    </p:extLst>
+  </p:cSld>
+  <p:clrMapOvr>
+    <a:masterClrMapping/>
+  </p:clrMapOvr>
+</p:notes>
+</file>
+
+<file path=ppt/notesSlides/notesSlide2.xml><?xml version="1.0" encoding="utf-8"?>
+<p:notes xmlns:a="http://schemas.openxmlformats.org/drawingml/2006/main" xmlns:r="http://schemas.openxmlformats.org/officeDocument/2006/relationships" xmlns:p="http://schemas.openxmlformats.org/presentationml/2006/main">
+  <p:cSld>
+    <p:spTree>
+      <p:nvGrpSpPr>
+        <p:cNvPr id="1" name=""/>
+        <p:cNvGrpSpPr/>
+        <p:nvPr/>
+      </p:nvGrpSpPr>
+      <p:grpSpPr>
+        <a:xfrm>
+          <a:off x="0" y="0"/>
+          <a:ext cx="0" cy="0"/>
+          <a:chOff x="0" y="0"/>
+          <a:chExt cx="0" cy="0"/>
+        </a:xfrm>
+      </p:grpSpPr>
+      <p:sp>
+        <p:nvSpPr>
+          <p:cNvPr id="2" name="スライド イメージ プレースホルダー 1"/>
+          <p:cNvSpPr>
+            <a:spLocks noGrp="1" noRot="1" noChangeAspect="1"/>
+          </p:cNvSpPr>
+          <p:nvPr>
+            <p:ph type="sldImg"/>
+          </p:nvPr>
+        </p:nvSpPr>
+        <p:spPr/>
+      </p:sp>
+      <p:sp>
+        <p:nvSpPr>
+          <p:cNvPr id="3" name="ノート プレースホルダー 2"/>
+          <p:cNvSpPr>
+            <a:spLocks noGrp="1"/>
+          </p:cNvSpPr>
+          <p:nvPr>
+            <p:ph type="body" idx="1"/>
+          </p:nvPr>
+        </p:nvSpPr>
+        <p:spPr/>
+        <p:txBody>
+          <a:bodyPr/>
+          <a:lstStyle/>
+          <a:p>
+            <a:r>
+              <a:rPr kumimoji="1" lang="ja-JP" altLang="en-US"/>
+              <a:t>たしか、任意の期待度数を帰無仮説として与えられたような</a:t>
+            </a:r>
+          </a:p>
+        </p:txBody>
+      </p:sp>
+      <p:sp>
+        <p:nvSpPr>
+          <p:cNvPr id="4" name="スライド番号プレースホルダー 3"/>
+          <p:cNvSpPr>
+            <a:spLocks noGrp="1"/>
+          </p:cNvSpPr>
+          <p:nvPr>
+            <p:ph type="sldNum" sz="quarter" idx="5"/>
+          </p:nvPr>
+        </p:nvSpPr>
+        <p:spPr/>
+        <p:txBody>
+          <a:bodyPr/>
+          <a:lstStyle/>
+          <a:p>
+            <a:fld id="{C9FA6667-A6C9-A248-A58F-2989437BD211}" type="slidenum">
               <a:rPr kumimoji="1" lang="ja-JP" altLang="en-US" smtClean="0"/>
               <a:t>5</a:t>
             </a:fld>
@@ -681,7 +918,7 @@
     </p:spTree>
     <p:extLst>
       <p:ext uri="{BB962C8B-B14F-4D97-AF65-F5344CB8AC3E}">
-        <p14:creationId xmlns:p14="http://schemas.microsoft.com/office/powerpoint/2010/main" val="1094378622"/>
+        <p14:creationId xmlns:p14="http://schemas.microsoft.com/office/powerpoint/2010/main" val="4069314633"/>
       </p:ext>
     </p:extLst>
   </p:cSld>
@@ -713,7 +950,7 @@
           <p:cNvPr id="2" name="タイトル 1">
             <a:extLst>
               <a:ext uri="{FF2B5EF4-FFF2-40B4-BE49-F238E27FC236}">
-                <a16:creationId xmlns:a16="http://schemas.microsoft.com/office/drawing/2014/main" id="{408B69B6-2E12-EF43-8558-D71A4756C866}"/>
+                <a16:creationId xmlns:a16="http://schemas.microsoft.com/office/drawing/2014/main" id="{730570FC-1B8F-DA4C-805F-27D6AD0E8A4C}"/>
               </a:ext>
             </a:extLst>
           </p:cNvPr>
@@ -750,7 +987,7 @@
           <p:cNvPr id="3" name="字幕 2">
             <a:extLst>
               <a:ext uri="{FF2B5EF4-FFF2-40B4-BE49-F238E27FC236}">
-                <a16:creationId xmlns:a16="http://schemas.microsoft.com/office/drawing/2014/main" id="{CF15A90B-D5C2-3249-9C4F-3F4C551DFF03}"/>
+                <a16:creationId xmlns:a16="http://schemas.microsoft.com/office/drawing/2014/main" id="{E4E31D2C-82E9-9C4B-B146-1EECA166322E}"/>
               </a:ext>
             </a:extLst>
           </p:cNvPr>
@@ -820,7 +1057,7 @@
           <p:cNvPr id="4" name="日付プレースホルダー 3">
             <a:extLst>
               <a:ext uri="{FF2B5EF4-FFF2-40B4-BE49-F238E27FC236}">
-                <a16:creationId xmlns:a16="http://schemas.microsoft.com/office/drawing/2014/main" id="{C8FF354F-8F0E-D145-9061-CB9059F233AD}"/>
+                <a16:creationId xmlns:a16="http://schemas.microsoft.com/office/drawing/2014/main" id="{0180BADE-8DAA-8C42-BE97-C1B4E6079DE4}"/>
               </a:ext>
             </a:extLst>
           </p:cNvPr>
@@ -836,9 +1073,9 @@
           <a:bodyPr/>
           <a:lstStyle/>
           <a:p>
-            <a:fld id="{E7AA294B-5299-B042-9CE8-0D364E0B4401}" type="datetimeFigureOut">
+            <a:fld id="{109D021F-6DA5-0F41-8FDE-4263179E1E47}" type="datetimeFigureOut">
               <a:rPr kumimoji="1" lang="ja-JP" altLang="en-US" smtClean="0"/>
-              <a:t>2021/11/30</a:t>
+              <a:t>2022/9/14</a:t>
             </a:fld>
             <a:endParaRPr kumimoji="1" lang="ja-JP" altLang="en-US"/>
           </a:p>
@@ -849,7 +1086,7 @@
           <p:cNvPr id="5" name="フッター プレースホルダー 4">
             <a:extLst>
               <a:ext uri="{FF2B5EF4-FFF2-40B4-BE49-F238E27FC236}">
-                <a16:creationId xmlns:a16="http://schemas.microsoft.com/office/drawing/2014/main" id="{97537B64-403E-1F4D-BC3D-34885EB08C82}"/>
+                <a16:creationId xmlns:a16="http://schemas.microsoft.com/office/drawing/2014/main" id="{22197273-5205-7A4C-815D-A12439F54182}"/>
               </a:ext>
             </a:extLst>
           </p:cNvPr>
@@ -874,7 +1111,7 @@
           <p:cNvPr id="6" name="スライド番号プレースホルダー 5">
             <a:extLst>
               <a:ext uri="{FF2B5EF4-FFF2-40B4-BE49-F238E27FC236}">
-                <a16:creationId xmlns:a16="http://schemas.microsoft.com/office/drawing/2014/main" id="{59CE57B2-11D2-E946-ABE0-3FFFC52AABAC}"/>
+                <a16:creationId xmlns:a16="http://schemas.microsoft.com/office/drawing/2014/main" id="{C485851B-6198-B44D-84BF-C254237E8F59}"/>
               </a:ext>
             </a:extLst>
           </p:cNvPr>
@@ -890,7 +1127,7 @@
           <a:bodyPr/>
           <a:lstStyle/>
           <a:p>
-            <a:fld id="{645F6BEC-B8B4-264E-90F7-A838F087B47C}" type="slidenum">
+            <a:fld id="{76ADF933-266D-E746-99F4-C7579547FB03}" type="slidenum">
               <a:rPr kumimoji="1" lang="ja-JP" altLang="en-US" smtClean="0"/>
               <a:t>‹#›</a:t>
             </a:fld>
@@ -901,7 +1138,7 @@
     </p:spTree>
     <p:extLst>
       <p:ext uri="{BB962C8B-B14F-4D97-AF65-F5344CB8AC3E}">
-        <p14:creationId xmlns:p14="http://schemas.microsoft.com/office/powerpoint/2010/main" val="2365897059"/>
+        <p14:creationId xmlns:p14="http://schemas.microsoft.com/office/powerpoint/2010/main" val="1404797208"/>
       </p:ext>
     </p:extLst>
   </p:cSld>
@@ -933,7 +1170,7 @@
           <p:cNvPr id="2" name="タイトル 1">
             <a:extLst>
               <a:ext uri="{FF2B5EF4-FFF2-40B4-BE49-F238E27FC236}">
-                <a16:creationId xmlns:a16="http://schemas.microsoft.com/office/drawing/2014/main" id="{AF0C9E08-E886-E544-87E3-200F65793074}"/>
+                <a16:creationId xmlns:a16="http://schemas.microsoft.com/office/drawing/2014/main" id="{407F9CCF-BCA7-AF48-876A-B8DA7872E276}"/>
               </a:ext>
             </a:extLst>
           </p:cNvPr>
@@ -961,7 +1198,7 @@
           <p:cNvPr id="3" name="縦書きテキスト プレースホルダー 2">
             <a:extLst>
               <a:ext uri="{FF2B5EF4-FFF2-40B4-BE49-F238E27FC236}">
-                <a16:creationId xmlns:a16="http://schemas.microsoft.com/office/drawing/2014/main" id="{009AC05B-2ADF-D14C-A692-D6D2D31B6C95}"/>
+                <a16:creationId xmlns:a16="http://schemas.microsoft.com/office/drawing/2014/main" id="{BFB900FC-05F6-7843-B917-753A3C9C140F}"/>
               </a:ext>
             </a:extLst>
           </p:cNvPr>
@@ -1050,7 +1287,7 @@
           <p:cNvPr id="4" name="日付プレースホルダー 3">
             <a:extLst>
               <a:ext uri="{FF2B5EF4-FFF2-40B4-BE49-F238E27FC236}">
-                <a16:creationId xmlns:a16="http://schemas.microsoft.com/office/drawing/2014/main" id="{FD1AE541-19EE-1C4C-B820-D6150771BED0}"/>
+                <a16:creationId xmlns:a16="http://schemas.microsoft.com/office/drawing/2014/main" id="{108AA086-1729-E741-A141-CE7BA4381942}"/>
               </a:ext>
             </a:extLst>
           </p:cNvPr>
@@ -1066,9 +1303,9 @@
           <a:bodyPr/>
           <a:lstStyle/>
           <a:p>
-            <a:fld id="{E7AA294B-5299-B042-9CE8-0D364E0B4401}" type="datetimeFigureOut">
+            <a:fld id="{109D021F-6DA5-0F41-8FDE-4263179E1E47}" type="datetimeFigureOut">
               <a:rPr kumimoji="1" lang="ja-JP" altLang="en-US" smtClean="0"/>
-              <a:t>2021/11/30</a:t>
+              <a:t>2022/9/14</a:t>
             </a:fld>
             <a:endParaRPr kumimoji="1" lang="ja-JP" altLang="en-US"/>
           </a:p>
@@ -1079,7 +1316,7 @@
           <p:cNvPr id="5" name="フッター プレースホルダー 4">
             <a:extLst>
               <a:ext uri="{FF2B5EF4-FFF2-40B4-BE49-F238E27FC236}">
-                <a16:creationId xmlns:a16="http://schemas.microsoft.com/office/drawing/2014/main" id="{DA4FFFC4-62C6-4A4E-860F-4A45274F23B2}"/>
+                <a16:creationId xmlns:a16="http://schemas.microsoft.com/office/drawing/2014/main" id="{6F6E0E40-3843-3D40-8398-A31C8729B1B3}"/>
               </a:ext>
             </a:extLst>
           </p:cNvPr>
@@ -1104,7 +1341,7 @@
           <p:cNvPr id="6" name="スライド番号プレースホルダー 5">
             <a:extLst>
               <a:ext uri="{FF2B5EF4-FFF2-40B4-BE49-F238E27FC236}">
-                <a16:creationId xmlns:a16="http://schemas.microsoft.com/office/drawing/2014/main" id="{6D1884EE-D32E-5E40-B00D-71542ED8C114}"/>
+                <a16:creationId xmlns:a16="http://schemas.microsoft.com/office/drawing/2014/main" id="{A5131E5A-4119-9448-85DE-83F7F5D5DC40}"/>
               </a:ext>
             </a:extLst>
           </p:cNvPr>
@@ -1120,7 +1357,7 @@
           <a:bodyPr/>
           <a:lstStyle/>
           <a:p>
-            <a:fld id="{645F6BEC-B8B4-264E-90F7-A838F087B47C}" type="slidenum">
+            <a:fld id="{76ADF933-266D-E746-99F4-C7579547FB03}" type="slidenum">
               <a:rPr kumimoji="1" lang="ja-JP" altLang="en-US" smtClean="0"/>
               <a:t>‹#›</a:t>
             </a:fld>
@@ -1131,7 +1368,7 @@
     </p:spTree>
     <p:extLst>
       <p:ext uri="{BB962C8B-B14F-4D97-AF65-F5344CB8AC3E}">
-        <p14:creationId xmlns:p14="http://schemas.microsoft.com/office/powerpoint/2010/main" val="1845248324"/>
+        <p14:creationId xmlns:p14="http://schemas.microsoft.com/office/powerpoint/2010/main" val="2173639389"/>
       </p:ext>
     </p:extLst>
   </p:cSld>
@@ -1163,7 +1400,7 @@
           <p:cNvPr id="2" name="縦書きタイトル 1">
             <a:extLst>
               <a:ext uri="{FF2B5EF4-FFF2-40B4-BE49-F238E27FC236}">
-                <a16:creationId xmlns:a16="http://schemas.microsoft.com/office/drawing/2014/main" id="{545328D3-1FD6-3649-AA6C-980B2768F1EA}"/>
+                <a16:creationId xmlns:a16="http://schemas.microsoft.com/office/drawing/2014/main" id="{934FA9CA-CF6B-D048-8591-256D6FE1A9DD}"/>
               </a:ext>
             </a:extLst>
           </p:cNvPr>
@@ -1196,7 +1433,7 @@
           <p:cNvPr id="3" name="縦書きテキスト プレースホルダー 2">
             <a:extLst>
               <a:ext uri="{FF2B5EF4-FFF2-40B4-BE49-F238E27FC236}">
-                <a16:creationId xmlns:a16="http://schemas.microsoft.com/office/drawing/2014/main" id="{DAE14FB7-F4E7-9E45-BF8A-7530BB3A2980}"/>
+                <a16:creationId xmlns:a16="http://schemas.microsoft.com/office/drawing/2014/main" id="{67A7481A-C7F7-CC40-9211-5C67FA40A9F2}"/>
               </a:ext>
             </a:extLst>
           </p:cNvPr>
@@ -1290,7 +1527,7 @@
           <p:cNvPr id="4" name="日付プレースホルダー 3">
             <a:extLst>
               <a:ext uri="{FF2B5EF4-FFF2-40B4-BE49-F238E27FC236}">
-                <a16:creationId xmlns:a16="http://schemas.microsoft.com/office/drawing/2014/main" id="{113F8D36-14D9-B842-B3CF-690D49E39BE4}"/>
+                <a16:creationId xmlns:a16="http://schemas.microsoft.com/office/drawing/2014/main" id="{C5B19D48-3715-8949-A952-5709B49853EC}"/>
               </a:ext>
             </a:extLst>
           </p:cNvPr>
@@ -1306,9 +1543,9 @@
           <a:bodyPr/>
           <a:lstStyle/>
           <a:p>
-            <a:fld id="{E7AA294B-5299-B042-9CE8-0D364E0B4401}" type="datetimeFigureOut">
+            <a:fld id="{109D021F-6DA5-0F41-8FDE-4263179E1E47}" type="datetimeFigureOut">
               <a:rPr kumimoji="1" lang="ja-JP" altLang="en-US" smtClean="0"/>
-              <a:t>2021/11/30</a:t>
+              <a:t>2022/9/14</a:t>
             </a:fld>
             <a:endParaRPr kumimoji="1" lang="ja-JP" altLang="en-US"/>
           </a:p>
@@ -1319,7 +1556,7 @@
           <p:cNvPr id="5" name="フッター プレースホルダー 4">
             <a:extLst>
               <a:ext uri="{FF2B5EF4-FFF2-40B4-BE49-F238E27FC236}">
-                <a16:creationId xmlns:a16="http://schemas.microsoft.com/office/drawing/2014/main" id="{96FD9D4B-521E-954A-8DC6-323CFDA56CA7}"/>
+                <a16:creationId xmlns:a16="http://schemas.microsoft.com/office/drawing/2014/main" id="{BBE37608-FC26-8845-AF86-4E1651EFE195}"/>
               </a:ext>
             </a:extLst>
           </p:cNvPr>
@@ -1344,7 +1581,7 @@
           <p:cNvPr id="6" name="スライド番号プレースホルダー 5">
             <a:extLst>
               <a:ext uri="{FF2B5EF4-FFF2-40B4-BE49-F238E27FC236}">
-                <a16:creationId xmlns:a16="http://schemas.microsoft.com/office/drawing/2014/main" id="{87C94A67-EC90-0446-8A55-CAB56CC62557}"/>
+                <a16:creationId xmlns:a16="http://schemas.microsoft.com/office/drawing/2014/main" id="{40F9403D-0975-E44B-A5E5-F9B88394312F}"/>
               </a:ext>
             </a:extLst>
           </p:cNvPr>
@@ -1360,7 +1597,7 @@
           <a:bodyPr/>
           <a:lstStyle/>
           <a:p>
-            <a:fld id="{645F6BEC-B8B4-264E-90F7-A838F087B47C}" type="slidenum">
+            <a:fld id="{76ADF933-266D-E746-99F4-C7579547FB03}" type="slidenum">
               <a:rPr kumimoji="1" lang="ja-JP" altLang="en-US" smtClean="0"/>
               <a:t>‹#›</a:t>
             </a:fld>
@@ -1371,7 +1608,7 @@
     </p:spTree>
     <p:extLst>
       <p:ext uri="{BB962C8B-B14F-4D97-AF65-F5344CB8AC3E}">
-        <p14:creationId xmlns:p14="http://schemas.microsoft.com/office/powerpoint/2010/main" val="2272940551"/>
+        <p14:creationId xmlns:p14="http://schemas.microsoft.com/office/powerpoint/2010/main" val="97482404"/>
       </p:ext>
     </p:extLst>
   </p:cSld>
@@ -1403,7 +1640,7 @@
           <p:cNvPr id="2" name="タイトル 1">
             <a:extLst>
               <a:ext uri="{FF2B5EF4-FFF2-40B4-BE49-F238E27FC236}">
-                <a16:creationId xmlns:a16="http://schemas.microsoft.com/office/drawing/2014/main" id="{2B3AE04F-4FCE-754F-9CE2-267F60560722}"/>
+                <a16:creationId xmlns:a16="http://schemas.microsoft.com/office/drawing/2014/main" id="{24838409-1998-A945-9243-F98A6A1479DA}"/>
               </a:ext>
             </a:extLst>
           </p:cNvPr>
@@ -1431,7 +1668,7 @@
           <p:cNvPr id="3" name="コンテンツ プレースホルダー 2">
             <a:extLst>
               <a:ext uri="{FF2B5EF4-FFF2-40B4-BE49-F238E27FC236}">
-                <a16:creationId xmlns:a16="http://schemas.microsoft.com/office/drawing/2014/main" id="{E9205C78-1F6F-0A42-92B1-4E4627EB5EEE}"/>
+                <a16:creationId xmlns:a16="http://schemas.microsoft.com/office/drawing/2014/main" id="{D7A90038-BBB6-2143-A549-A48BEAD27711}"/>
               </a:ext>
             </a:extLst>
           </p:cNvPr>
@@ -1520,7 +1757,7 @@
           <p:cNvPr id="4" name="日付プレースホルダー 3">
             <a:extLst>
               <a:ext uri="{FF2B5EF4-FFF2-40B4-BE49-F238E27FC236}">
-                <a16:creationId xmlns:a16="http://schemas.microsoft.com/office/drawing/2014/main" id="{7BF6AF23-D31A-9442-8F0B-77E865110495}"/>
+                <a16:creationId xmlns:a16="http://schemas.microsoft.com/office/drawing/2014/main" id="{563A8E0E-9DBB-D049-A75A-3306E484E357}"/>
               </a:ext>
             </a:extLst>
           </p:cNvPr>
@@ -1536,9 +1773,9 @@
           <a:bodyPr/>
           <a:lstStyle/>
           <a:p>
-            <a:fld id="{E7AA294B-5299-B042-9CE8-0D364E0B4401}" type="datetimeFigureOut">
+            <a:fld id="{109D021F-6DA5-0F41-8FDE-4263179E1E47}" type="datetimeFigureOut">
               <a:rPr kumimoji="1" lang="ja-JP" altLang="en-US" smtClean="0"/>
-              <a:t>2021/11/30</a:t>
+              <a:t>2022/9/14</a:t>
             </a:fld>
             <a:endParaRPr kumimoji="1" lang="ja-JP" altLang="en-US"/>
           </a:p>
@@ -1549,7 +1786,7 @@
           <p:cNvPr id="5" name="フッター プレースホルダー 4">
             <a:extLst>
               <a:ext uri="{FF2B5EF4-FFF2-40B4-BE49-F238E27FC236}">
-                <a16:creationId xmlns:a16="http://schemas.microsoft.com/office/drawing/2014/main" id="{BB4EE53A-07F8-9647-B993-8C66978AEFDC}"/>
+                <a16:creationId xmlns:a16="http://schemas.microsoft.com/office/drawing/2014/main" id="{3CD3BDB6-B2F9-E943-A869-E97CE78EEA6F}"/>
               </a:ext>
             </a:extLst>
           </p:cNvPr>
@@ -1574,7 +1811,7 @@
           <p:cNvPr id="6" name="スライド番号プレースホルダー 5">
             <a:extLst>
               <a:ext uri="{FF2B5EF4-FFF2-40B4-BE49-F238E27FC236}">
-                <a16:creationId xmlns:a16="http://schemas.microsoft.com/office/drawing/2014/main" id="{CB5A33E9-C3B9-6D41-82F9-869B5CF68372}"/>
+                <a16:creationId xmlns:a16="http://schemas.microsoft.com/office/drawing/2014/main" id="{95867D05-7060-2240-86BF-F7D9A675B5DE}"/>
               </a:ext>
             </a:extLst>
           </p:cNvPr>
@@ -1590,7 +1827,7 @@
           <a:bodyPr/>
           <a:lstStyle/>
           <a:p>
-            <a:fld id="{645F6BEC-B8B4-264E-90F7-A838F087B47C}" type="slidenum">
+            <a:fld id="{76ADF933-266D-E746-99F4-C7579547FB03}" type="slidenum">
               <a:rPr kumimoji="1" lang="ja-JP" altLang="en-US" smtClean="0"/>
               <a:t>‹#›</a:t>
             </a:fld>
@@ -1601,7 +1838,7 @@
     </p:spTree>
     <p:extLst>
       <p:ext uri="{BB962C8B-B14F-4D97-AF65-F5344CB8AC3E}">
-        <p14:creationId xmlns:p14="http://schemas.microsoft.com/office/powerpoint/2010/main" val="1414944107"/>
+        <p14:creationId xmlns:p14="http://schemas.microsoft.com/office/powerpoint/2010/main" val="2860744901"/>
       </p:ext>
     </p:extLst>
   </p:cSld>
@@ -1633,7 +1870,7 @@
           <p:cNvPr id="2" name="タイトル 1">
             <a:extLst>
               <a:ext uri="{FF2B5EF4-FFF2-40B4-BE49-F238E27FC236}">
-                <a16:creationId xmlns:a16="http://schemas.microsoft.com/office/drawing/2014/main" id="{DCC1780F-8CF6-4A44-8EA8-DD57B5879BF5}"/>
+                <a16:creationId xmlns:a16="http://schemas.microsoft.com/office/drawing/2014/main" id="{C995488E-4363-5547-840D-24EB14DF7471}"/>
               </a:ext>
             </a:extLst>
           </p:cNvPr>
@@ -1670,7 +1907,7 @@
           <p:cNvPr id="3" name="テキスト プレースホルダー 2">
             <a:extLst>
               <a:ext uri="{FF2B5EF4-FFF2-40B4-BE49-F238E27FC236}">
-                <a16:creationId xmlns:a16="http://schemas.microsoft.com/office/drawing/2014/main" id="{E3E66E36-3014-B249-A7E9-B5553C1491D9}"/>
+                <a16:creationId xmlns:a16="http://schemas.microsoft.com/office/drawing/2014/main" id="{417E81A1-203C-8849-B2EB-A2F00C0FD677}"/>
               </a:ext>
             </a:extLst>
           </p:cNvPr>
@@ -1795,7 +2032,7 @@
           <p:cNvPr id="4" name="日付プレースホルダー 3">
             <a:extLst>
               <a:ext uri="{FF2B5EF4-FFF2-40B4-BE49-F238E27FC236}">
-                <a16:creationId xmlns:a16="http://schemas.microsoft.com/office/drawing/2014/main" id="{7D9E4307-49BF-E646-9491-97E7E2D1F282}"/>
+                <a16:creationId xmlns:a16="http://schemas.microsoft.com/office/drawing/2014/main" id="{B1A84F72-57AA-9E41-A7C9-0754AC2DF2CD}"/>
               </a:ext>
             </a:extLst>
           </p:cNvPr>
@@ -1811,9 +2048,9 @@
           <a:bodyPr/>
           <a:lstStyle/>
           <a:p>
-            <a:fld id="{E7AA294B-5299-B042-9CE8-0D364E0B4401}" type="datetimeFigureOut">
+            <a:fld id="{109D021F-6DA5-0F41-8FDE-4263179E1E47}" type="datetimeFigureOut">
               <a:rPr kumimoji="1" lang="ja-JP" altLang="en-US" smtClean="0"/>
-              <a:t>2021/11/30</a:t>
+              <a:t>2022/9/14</a:t>
             </a:fld>
             <a:endParaRPr kumimoji="1" lang="ja-JP" altLang="en-US"/>
           </a:p>
@@ -1824,7 +2061,7 @@
           <p:cNvPr id="5" name="フッター プレースホルダー 4">
             <a:extLst>
               <a:ext uri="{FF2B5EF4-FFF2-40B4-BE49-F238E27FC236}">
-                <a16:creationId xmlns:a16="http://schemas.microsoft.com/office/drawing/2014/main" id="{09542C9F-CFC8-2943-B0DF-1C095114211A}"/>
+                <a16:creationId xmlns:a16="http://schemas.microsoft.com/office/drawing/2014/main" id="{EE7F14E7-3207-CF45-8DD0-2F444D5F5D71}"/>
               </a:ext>
             </a:extLst>
           </p:cNvPr>
@@ -1849,7 +2086,7 @@
           <p:cNvPr id="6" name="スライド番号プレースホルダー 5">
             <a:extLst>
               <a:ext uri="{FF2B5EF4-FFF2-40B4-BE49-F238E27FC236}">
-                <a16:creationId xmlns:a16="http://schemas.microsoft.com/office/drawing/2014/main" id="{C6418644-808E-D947-AE37-75511CB436F0}"/>
+                <a16:creationId xmlns:a16="http://schemas.microsoft.com/office/drawing/2014/main" id="{A9A40A7A-A412-DC4E-B1D8-F21CF5D9E69C}"/>
               </a:ext>
             </a:extLst>
           </p:cNvPr>
@@ -1865,7 +2102,7 @@
           <a:bodyPr/>
           <a:lstStyle/>
           <a:p>
-            <a:fld id="{645F6BEC-B8B4-264E-90F7-A838F087B47C}" type="slidenum">
+            <a:fld id="{76ADF933-266D-E746-99F4-C7579547FB03}" type="slidenum">
               <a:rPr kumimoji="1" lang="ja-JP" altLang="en-US" smtClean="0"/>
               <a:t>‹#›</a:t>
             </a:fld>
@@ -1876,7 +2113,7 @@
     </p:spTree>
     <p:extLst>
       <p:ext uri="{BB962C8B-B14F-4D97-AF65-F5344CB8AC3E}">
-        <p14:creationId xmlns:p14="http://schemas.microsoft.com/office/powerpoint/2010/main" val="1070949096"/>
+        <p14:creationId xmlns:p14="http://schemas.microsoft.com/office/powerpoint/2010/main" val="3489931564"/>
       </p:ext>
     </p:extLst>
   </p:cSld>
@@ -1908,7 +2145,7 @@
           <p:cNvPr id="2" name="タイトル 1">
             <a:extLst>
               <a:ext uri="{FF2B5EF4-FFF2-40B4-BE49-F238E27FC236}">
-                <a16:creationId xmlns:a16="http://schemas.microsoft.com/office/drawing/2014/main" id="{61FB0931-25FB-A34C-84CA-B484D474B158}"/>
+                <a16:creationId xmlns:a16="http://schemas.microsoft.com/office/drawing/2014/main" id="{F663162B-A68F-534F-B1EB-BAA8ADEEFA18}"/>
               </a:ext>
             </a:extLst>
           </p:cNvPr>
@@ -1936,7 +2173,7 @@
           <p:cNvPr id="3" name="コンテンツ プレースホルダー 2">
             <a:extLst>
               <a:ext uri="{FF2B5EF4-FFF2-40B4-BE49-F238E27FC236}">
-                <a16:creationId xmlns:a16="http://schemas.microsoft.com/office/drawing/2014/main" id="{1B4794FE-624C-F34A-8773-DC5CA6B0C307}"/>
+                <a16:creationId xmlns:a16="http://schemas.microsoft.com/office/drawing/2014/main" id="{E3735642-BEA4-5345-8CD2-AEC19B2010AF}"/>
               </a:ext>
             </a:extLst>
           </p:cNvPr>
@@ -2030,7 +2267,7 @@
           <p:cNvPr id="4" name="コンテンツ プレースホルダー 3">
             <a:extLst>
               <a:ext uri="{FF2B5EF4-FFF2-40B4-BE49-F238E27FC236}">
-                <a16:creationId xmlns:a16="http://schemas.microsoft.com/office/drawing/2014/main" id="{4810466B-347B-5845-965E-B8504EAF0D42}"/>
+                <a16:creationId xmlns:a16="http://schemas.microsoft.com/office/drawing/2014/main" id="{A2EC377E-4895-FA41-A955-9FFFB2E910EB}"/>
               </a:ext>
             </a:extLst>
           </p:cNvPr>
@@ -2124,7 +2361,7 @@
           <p:cNvPr id="5" name="日付プレースホルダー 4">
             <a:extLst>
               <a:ext uri="{FF2B5EF4-FFF2-40B4-BE49-F238E27FC236}">
-                <a16:creationId xmlns:a16="http://schemas.microsoft.com/office/drawing/2014/main" id="{9A1C907F-7D05-984C-A072-4A8625AD2612}"/>
+                <a16:creationId xmlns:a16="http://schemas.microsoft.com/office/drawing/2014/main" id="{2B3A31DB-8974-734E-A8C9-7FE173478680}"/>
               </a:ext>
             </a:extLst>
           </p:cNvPr>
@@ -2140,9 +2377,9 @@
           <a:bodyPr/>
           <a:lstStyle/>
           <a:p>
-            <a:fld id="{E7AA294B-5299-B042-9CE8-0D364E0B4401}" type="datetimeFigureOut">
+            <a:fld id="{109D021F-6DA5-0F41-8FDE-4263179E1E47}" type="datetimeFigureOut">
               <a:rPr kumimoji="1" lang="ja-JP" altLang="en-US" smtClean="0"/>
-              <a:t>2021/11/30</a:t>
+              <a:t>2022/9/14</a:t>
             </a:fld>
             <a:endParaRPr kumimoji="1" lang="ja-JP" altLang="en-US"/>
           </a:p>
@@ -2153,7 +2390,7 @@
           <p:cNvPr id="6" name="フッター プレースホルダー 5">
             <a:extLst>
               <a:ext uri="{FF2B5EF4-FFF2-40B4-BE49-F238E27FC236}">
-                <a16:creationId xmlns:a16="http://schemas.microsoft.com/office/drawing/2014/main" id="{3572BCE6-01A5-8346-A808-691A7E7F2A53}"/>
+                <a16:creationId xmlns:a16="http://schemas.microsoft.com/office/drawing/2014/main" id="{86373D03-FA62-B24A-8340-D0E5586C46FC}"/>
               </a:ext>
             </a:extLst>
           </p:cNvPr>
@@ -2178,7 +2415,7 @@
           <p:cNvPr id="7" name="スライド番号プレースホルダー 6">
             <a:extLst>
               <a:ext uri="{FF2B5EF4-FFF2-40B4-BE49-F238E27FC236}">
-                <a16:creationId xmlns:a16="http://schemas.microsoft.com/office/drawing/2014/main" id="{DF32C005-93F0-954A-BBC7-E3C56947F19C}"/>
+                <a16:creationId xmlns:a16="http://schemas.microsoft.com/office/drawing/2014/main" id="{A57212BE-5433-F141-A4FE-A4736431E751}"/>
               </a:ext>
             </a:extLst>
           </p:cNvPr>
@@ -2194,7 +2431,7 @@
           <a:bodyPr/>
           <a:lstStyle/>
           <a:p>
-            <a:fld id="{645F6BEC-B8B4-264E-90F7-A838F087B47C}" type="slidenum">
+            <a:fld id="{76ADF933-266D-E746-99F4-C7579547FB03}" type="slidenum">
               <a:rPr kumimoji="1" lang="ja-JP" altLang="en-US" smtClean="0"/>
               <a:t>‹#›</a:t>
             </a:fld>
@@ -2205,7 +2442,7 @@
     </p:spTree>
     <p:extLst>
       <p:ext uri="{BB962C8B-B14F-4D97-AF65-F5344CB8AC3E}">
-        <p14:creationId xmlns:p14="http://schemas.microsoft.com/office/powerpoint/2010/main" val="1640695168"/>
+        <p14:creationId xmlns:p14="http://schemas.microsoft.com/office/powerpoint/2010/main" val="1876998709"/>
       </p:ext>
     </p:extLst>
   </p:cSld>
@@ -2237,7 +2474,7 @@
           <p:cNvPr id="2" name="タイトル 1">
             <a:extLst>
               <a:ext uri="{FF2B5EF4-FFF2-40B4-BE49-F238E27FC236}">
-                <a16:creationId xmlns:a16="http://schemas.microsoft.com/office/drawing/2014/main" id="{34CEDCE3-67EC-194A-B68C-E73F11BC0F45}"/>
+                <a16:creationId xmlns:a16="http://schemas.microsoft.com/office/drawing/2014/main" id="{1D8466F3-EA94-644F-92A4-C04259812FD6}"/>
               </a:ext>
             </a:extLst>
           </p:cNvPr>
@@ -2270,7 +2507,7 @@
           <p:cNvPr id="3" name="テキスト プレースホルダー 2">
             <a:extLst>
               <a:ext uri="{FF2B5EF4-FFF2-40B4-BE49-F238E27FC236}">
-                <a16:creationId xmlns:a16="http://schemas.microsoft.com/office/drawing/2014/main" id="{EF066990-BFFB-0C49-8759-7D687FCBF252}"/>
+                <a16:creationId xmlns:a16="http://schemas.microsoft.com/office/drawing/2014/main" id="{A37A16FA-9D1B-B94A-B8D8-26B9E9E9E302}"/>
               </a:ext>
             </a:extLst>
           </p:cNvPr>
@@ -2341,7 +2578,7 @@
           <p:cNvPr id="4" name="コンテンツ プレースホルダー 3">
             <a:extLst>
               <a:ext uri="{FF2B5EF4-FFF2-40B4-BE49-F238E27FC236}">
-                <a16:creationId xmlns:a16="http://schemas.microsoft.com/office/drawing/2014/main" id="{50673317-BF5D-7648-941A-70AC1E88B88B}"/>
+                <a16:creationId xmlns:a16="http://schemas.microsoft.com/office/drawing/2014/main" id="{76B6B40C-8343-804C-AF71-C47D77E7A720}"/>
               </a:ext>
             </a:extLst>
           </p:cNvPr>
@@ -2435,7 +2672,7 @@
           <p:cNvPr id="5" name="テキスト プレースホルダー 4">
             <a:extLst>
               <a:ext uri="{FF2B5EF4-FFF2-40B4-BE49-F238E27FC236}">
-                <a16:creationId xmlns:a16="http://schemas.microsoft.com/office/drawing/2014/main" id="{09B565C9-56DA-C640-B174-4E2EFF1CD682}"/>
+                <a16:creationId xmlns:a16="http://schemas.microsoft.com/office/drawing/2014/main" id="{07F6ECA0-1445-3149-93DE-2EE3A21B05EE}"/>
               </a:ext>
             </a:extLst>
           </p:cNvPr>
@@ -2506,7 +2743,7 @@
           <p:cNvPr id="6" name="コンテンツ プレースホルダー 5">
             <a:extLst>
               <a:ext uri="{FF2B5EF4-FFF2-40B4-BE49-F238E27FC236}">
-                <a16:creationId xmlns:a16="http://schemas.microsoft.com/office/drawing/2014/main" id="{D293DCD0-D982-EE4D-96F6-AC9CA01673C2}"/>
+                <a16:creationId xmlns:a16="http://schemas.microsoft.com/office/drawing/2014/main" id="{8C10214D-458F-3B4A-82D3-FE7ECB326B98}"/>
               </a:ext>
             </a:extLst>
           </p:cNvPr>
@@ -2600,7 +2837,7 @@
           <p:cNvPr id="7" name="日付プレースホルダー 6">
             <a:extLst>
               <a:ext uri="{FF2B5EF4-FFF2-40B4-BE49-F238E27FC236}">
-                <a16:creationId xmlns:a16="http://schemas.microsoft.com/office/drawing/2014/main" id="{0118D9EC-000F-CD49-9D13-C6612B9A76F4}"/>
+                <a16:creationId xmlns:a16="http://schemas.microsoft.com/office/drawing/2014/main" id="{85B504CC-A3B0-CD4B-BFBA-184EE2D0F517}"/>
               </a:ext>
             </a:extLst>
           </p:cNvPr>
@@ -2616,9 +2853,9 @@
           <a:bodyPr/>
           <a:lstStyle/>
           <a:p>
-            <a:fld id="{E7AA294B-5299-B042-9CE8-0D364E0B4401}" type="datetimeFigureOut">
+            <a:fld id="{109D021F-6DA5-0F41-8FDE-4263179E1E47}" type="datetimeFigureOut">
               <a:rPr kumimoji="1" lang="ja-JP" altLang="en-US" smtClean="0"/>
-              <a:t>2021/11/30</a:t>
+              <a:t>2022/9/14</a:t>
             </a:fld>
             <a:endParaRPr kumimoji="1" lang="ja-JP" altLang="en-US"/>
           </a:p>
@@ -2629,7 +2866,7 @@
           <p:cNvPr id="8" name="フッター プレースホルダー 7">
             <a:extLst>
               <a:ext uri="{FF2B5EF4-FFF2-40B4-BE49-F238E27FC236}">
-                <a16:creationId xmlns:a16="http://schemas.microsoft.com/office/drawing/2014/main" id="{00094C90-A595-6947-A3B5-ED0A8BB548A9}"/>
+                <a16:creationId xmlns:a16="http://schemas.microsoft.com/office/drawing/2014/main" id="{8DA8762F-E5B8-4B4B-95FF-D9D9112B85BC}"/>
               </a:ext>
             </a:extLst>
           </p:cNvPr>
@@ -2654,7 +2891,7 @@
           <p:cNvPr id="9" name="スライド番号プレースホルダー 8">
             <a:extLst>
               <a:ext uri="{FF2B5EF4-FFF2-40B4-BE49-F238E27FC236}">
-                <a16:creationId xmlns:a16="http://schemas.microsoft.com/office/drawing/2014/main" id="{330A40C3-75FF-274D-B2DD-FA2A86D43D0B}"/>
+                <a16:creationId xmlns:a16="http://schemas.microsoft.com/office/drawing/2014/main" id="{73A8B584-6A29-984E-A343-F3073C76894F}"/>
               </a:ext>
             </a:extLst>
           </p:cNvPr>
@@ -2670,7 +2907,7 @@
           <a:bodyPr/>
           <a:lstStyle/>
           <a:p>
-            <a:fld id="{645F6BEC-B8B4-264E-90F7-A838F087B47C}" type="slidenum">
+            <a:fld id="{76ADF933-266D-E746-99F4-C7579547FB03}" type="slidenum">
               <a:rPr kumimoji="1" lang="ja-JP" altLang="en-US" smtClean="0"/>
               <a:t>‹#›</a:t>
             </a:fld>
@@ -2681,7 +2918,7 @@
     </p:spTree>
     <p:extLst>
       <p:ext uri="{BB962C8B-B14F-4D97-AF65-F5344CB8AC3E}">
-        <p14:creationId xmlns:p14="http://schemas.microsoft.com/office/powerpoint/2010/main" val="2210897731"/>
+        <p14:creationId xmlns:p14="http://schemas.microsoft.com/office/powerpoint/2010/main" val="1386520859"/>
       </p:ext>
     </p:extLst>
   </p:cSld>
@@ -2713,7 +2950,7 @@
           <p:cNvPr id="2" name="タイトル 1">
             <a:extLst>
               <a:ext uri="{FF2B5EF4-FFF2-40B4-BE49-F238E27FC236}">
-                <a16:creationId xmlns:a16="http://schemas.microsoft.com/office/drawing/2014/main" id="{CEE1CF83-13A4-674E-A0B2-C1CB4662AA74}"/>
+                <a16:creationId xmlns:a16="http://schemas.microsoft.com/office/drawing/2014/main" id="{CD4F27B5-CEA6-D647-9E43-096DB215F68A}"/>
               </a:ext>
             </a:extLst>
           </p:cNvPr>
@@ -2741,7 +2978,7 @@
           <p:cNvPr id="3" name="日付プレースホルダー 2">
             <a:extLst>
               <a:ext uri="{FF2B5EF4-FFF2-40B4-BE49-F238E27FC236}">
-                <a16:creationId xmlns:a16="http://schemas.microsoft.com/office/drawing/2014/main" id="{986B05C0-2D9F-BD46-801E-6B4F545F6B21}"/>
+                <a16:creationId xmlns:a16="http://schemas.microsoft.com/office/drawing/2014/main" id="{CE0CDE04-E2E2-FA42-A509-D2701F444AE9}"/>
               </a:ext>
             </a:extLst>
           </p:cNvPr>
@@ -2757,9 +2994,9 @@
           <a:bodyPr/>
           <a:lstStyle/>
           <a:p>
-            <a:fld id="{E7AA294B-5299-B042-9CE8-0D364E0B4401}" type="datetimeFigureOut">
+            <a:fld id="{109D021F-6DA5-0F41-8FDE-4263179E1E47}" type="datetimeFigureOut">
               <a:rPr kumimoji="1" lang="ja-JP" altLang="en-US" smtClean="0"/>
-              <a:t>2021/11/30</a:t>
+              <a:t>2022/9/14</a:t>
             </a:fld>
             <a:endParaRPr kumimoji="1" lang="ja-JP" altLang="en-US"/>
           </a:p>
@@ -2770,7 +3007,7 @@
           <p:cNvPr id="4" name="フッター プレースホルダー 3">
             <a:extLst>
               <a:ext uri="{FF2B5EF4-FFF2-40B4-BE49-F238E27FC236}">
-                <a16:creationId xmlns:a16="http://schemas.microsoft.com/office/drawing/2014/main" id="{053D09C5-3194-A645-A6AE-6A95026E1D3B}"/>
+                <a16:creationId xmlns:a16="http://schemas.microsoft.com/office/drawing/2014/main" id="{D6D9906A-1BD4-EB45-A52F-C877DBB1A44D}"/>
               </a:ext>
             </a:extLst>
           </p:cNvPr>
@@ -2795,7 +3032,7 @@
           <p:cNvPr id="5" name="スライド番号プレースホルダー 4">
             <a:extLst>
               <a:ext uri="{FF2B5EF4-FFF2-40B4-BE49-F238E27FC236}">
-                <a16:creationId xmlns:a16="http://schemas.microsoft.com/office/drawing/2014/main" id="{A685CBE4-DDB4-784B-BFB6-6B22312A18FB}"/>
+                <a16:creationId xmlns:a16="http://schemas.microsoft.com/office/drawing/2014/main" id="{7DBB184D-A380-7C4D-A79D-912A2F8E6E39}"/>
               </a:ext>
             </a:extLst>
           </p:cNvPr>
@@ -2811,7 +3048,7 @@
           <a:bodyPr/>
           <a:lstStyle/>
           <a:p>
-            <a:fld id="{645F6BEC-B8B4-264E-90F7-A838F087B47C}" type="slidenum">
+            <a:fld id="{76ADF933-266D-E746-99F4-C7579547FB03}" type="slidenum">
               <a:rPr kumimoji="1" lang="ja-JP" altLang="en-US" smtClean="0"/>
               <a:t>‹#›</a:t>
             </a:fld>
@@ -2822,7 +3059,7 @@
     </p:spTree>
     <p:extLst>
       <p:ext uri="{BB962C8B-B14F-4D97-AF65-F5344CB8AC3E}">
-        <p14:creationId xmlns:p14="http://schemas.microsoft.com/office/powerpoint/2010/main" val="2105652962"/>
+        <p14:creationId xmlns:p14="http://schemas.microsoft.com/office/powerpoint/2010/main" val="712634733"/>
       </p:ext>
     </p:extLst>
   </p:cSld>
@@ -2854,7 +3091,7 @@
           <p:cNvPr id="2" name="日付プレースホルダー 1">
             <a:extLst>
               <a:ext uri="{FF2B5EF4-FFF2-40B4-BE49-F238E27FC236}">
-                <a16:creationId xmlns:a16="http://schemas.microsoft.com/office/drawing/2014/main" id="{72CF6D31-52C8-7F4F-9E0C-01C195A20F2F}"/>
+                <a16:creationId xmlns:a16="http://schemas.microsoft.com/office/drawing/2014/main" id="{806F93D8-B1BA-D747-B056-A10538BA3C95}"/>
               </a:ext>
             </a:extLst>
           </p:cNvPr>
@@ -2870,9 +3107,9 @@
           <a:bodyPr/>
           <a:lstStyle/>
           <a:p>
-            <a:fld id="{E7AA294B-5299-B042-9CE8-0D364E0B4401}" type="datetimeFigureOut">
+            <a:fld id="{109D021F-6DA5-0F41-8FDE-4263179E1E47}" type="datetimeFigureOut">
               <a:rPr kumimoji="1" lang="ja-JP" altLang="en-US" smtClean="0"/>
-              <a:t>2021/11/30</a:t>
+              <a:t>2022/9/14</a:t>
             </a:fld>
             <a:endParaRPr kumimoji="1" lang="ja-JP" altLang="en-US"/>
           </a:p>
@@ -2883,7 +3120,7 @@
           <p:cNvPr id="3" name="フッター プレースホルダー 2">
             <a:extLst>
               <a:ext uri="{FF2B5EF4-FFF2-40B4-BE49-F238E27FC236}">
-                <a16:creationId xmlns:a16="http://schemas.microsoft.com/office/drawing/2014/main" id="{B0845F48-A9ED-0C47-A119-D650A67FF80F}"/>
+                <a16:creationId xmlns:a16="http://schemas.microsoft.com/office/drawing/2014/main" id="{C20F48FD-23B5-3D43-A42E-3277FC8440F6}"/>
               </a:ext>
             </a:extLst>
           </p:cNvPr>
@@ -2908,7 +3145,7 @@
           <p:cNvPr id="4" name="スライド番号プレースホルダー 3">
             <a:extLst>
               <a:ext uri="{FF2B5EF4-FFF2-40B4-BE49-F238E27FC236}">
-                <a16:creationId xmlns:a16="http://schemas.microsoft.com/office/drawing/2014/main" id="{3304AD9C-3164-544B-953B-BA4D09665CB8}"/>
+                <a16:creationId xmlns:a16="http://schemas.microsoft.com/office/drawing/2014/main" id="{AB379B4B-79A5-4B43-AD04-78361D9DB0D7}"/>
               </a:ext>
             </a:extLst>
           </p:cNvPr>
@@ -2924,7 +3161,7 @@
           <a:bodyPr/>
           <a:lstStyle/>
           <a:p>
-            <a:fld id="{645F6BEC-B8B4-264E-90F7-A838F087B47C}" type="slidenum">
+            <a:fld id="{76ADF933-266D-E746-99F4-C7579547FB03}" type="slidenum">
               <a:rPr kumimoji="1" lang="ja-JP" altLang="en-US" smtClean="0"/>
               <a:t>‹#›</a:t>
             </a:fld>
@@ -2935,7 +3172,7 @@
     </p:spTree>
     <p:extLst>
       <p:ext uri="{BB962C8B-B14F-4D97-AF65-F5344CB8AC3E}">
-        <p14:creationId xmlns:p14="http://schemas.microsoft.com/office/powerpoint/2010/main" val="450252217"/>
+        <p14:creationId xmlns:p14="http://schemas.microsoft.com/office/powerpoint/2010/main" val="3826443917"/>
       </p:ext>
     </p:extLst>
   </p:cSld>
@@ -2967,7 +3204,7 @@
           <p:cNvPr id="2" name="タイトル 1">
             <a:extLst>
               <a:ext uri="{FF2B5EF4-FFF2-40B4-BE49-F238E27FC236}">
-                <a16:creationId xmlns:a16="http://schemas.microsoft.com/office/drawing/2014/main" id="{B1B91C9A-967C-BB49-93CA-15DA5DE4B32D}"/>
+                <a16:creationId xmlns:a16="http://schemas.microsoft.com/office/drawing/2014/main" id="{22A7DDDD-AAB5-3446-8962-D6051943969F}"/>
               </a:ext>
             </a:extLst>
           </p:cNvPr>
@@ -3004,7 +3241,7 @@
           <p:cNvPr id="3" name="コンテンツ プレースホルダー 2">
             <a:extLst>
               <a:ext uri="{FF2B5EF4-FFF2-40B4-BE49-F238E27FC236}">
-                <a16:creationId xmlns:a16="http://schemas.microsoft.com/office/drawing/2014/main" id="{B46B1020-7A20-5C46-B1FA-807831FF5A23}"/>
+                <a16:creationId xmlns:a16="http://schemas.microsoft.com/office/drawing/2014/main" id="{83E85080-3C1D-CF43-8B30-A2B7E2E704C2}"/>
               </a:ext>
             </a:extLst>
           </p:cNvPr>
@@ -3126,7 +3363,7 @@
           <p:cNvPr id="4" name="テキスト プレースホルダー 3">
             <a:extLst>
               <a:ext uri="{FF2B5EF4-FFF2-40B4-BE49-F238E27FC236}">
-                <a16:creationId xmlns:a16="http://schemas.microsoft.com/office/drawing/2014/main" id="{4944B0EE-2E81-B045-A92E-AF06A51225A4}"/>
+                <a16:creationId xmlns:a16="http://schemas.microsoft.com/office/drawing/2014/main" id="{64D0CBF8-922B-D64F-B2C4-1D31CE2DE63E}"/>
               </a:ext>
             </a:extLst>
           </p:cNvPr>
@@ -3197,7 +3434,7 @@
           <p:cNvPr id="5" name="日付プレースホルダー 4">
             <a:extLst>
               <a:ext uri="{FF2B5EF4-FFF2-40B4-BE49-F238E27FC236}">
-                <a16:creationId xmlns:a16="http://schemas.microsoft.com/office/drawing/2014/main" id="{AA4CA657-F4FC-B54B-A665-E2E43B8A556F}"/>
+                <a16:creationId xmlns:a16="http://schemas.microsoft.com/office/drawing/2014/main" id="{B64DF647-1704-FE4F-91D2-B4CF938F4A80}"/>
               </a:ext>
             </a:extLst>
           </p:cNvPr>
@@ -3213,9 +3450,9 @@
           <a:bodyPr/>
           <a:lstStyle/>
           <a:p>
-            <a:fld id="{E7AA294B-5299-B042-9CE8-0D364E0B4401}" type="datetimeFigureOut">
+            <a:fld id="{109D021F-6DA5-0F41-8FDE-4263179E1E47}" type="datetimeFigureOut">
               <a:rPr kumimoji="1" lang="ja-JP" altLang="en-US" smtClean="0"/>
-              <a:t>2021/11/30</a:t>
+              <a:t>2022/9/14</a:t>
             </a:fld>
             <a:endParaRPr kumimoji="1" lang="ja-JP" altLang="en-US"/>
           </a:p>
@@ -3226,7 +3463,7 @@
           <p:cNvPr id="6" name="フッター プレースホルダー 5">
             <a:extLst>
               <a:ext uri="{FF2B5EF4-FFF2-40B4-BE49-F238E27FC236}">
-                <a16:creationId xmlns:a16="http://schemas.microsoft.com/office/drawing/2014/main" id="{21899AB9-364F-8648-992B-DD99BBAE6130}"/>
+                <a16:creationId xmlns:a16="http://schemas.microsoft.com/office/drawing/2014/main" id="{F09BD143-3216-FB4D-9A6F-5E1EA005A8C6}"/>
               </a:ext>
             </a:extLst>
           </p:cNvPr>
@@ -3251,7 +3488,7 @@
           <p:cNvPr id="7" name="スライド番号プレースホルダー 6">
             <a:extLst>
               <a:ext uri="{FF2B5EF4-FFF2-40B4-BE49-F238E27FC236}">
-                <a16:creationId xmlns:a16="http://schemas.microsoft.com/office/drawing/2014/main" id="{6999A80B-A80C-4A42-86AB-59E966BFDA05}"/>
+                <a16:creationId xmlns:a16="http://schemas.microsoft.com/office/drawing/2014/main" id="{9A9FC090-C2D9-E44E-ADB8-78D1D29120FC}"/>
               </a:ext>
             </a:extLst>
           </p:cNvPr>
@@ -3267,7 +3504,7 @@
           <a:bodyPr/>
           <a:lstStyle/>
           <a:p>
-            <a:fld id="{645F6BEC-B8B4-264E-90F7-A838F087B47C}" type="slidenum">
+            <a:fld id="{76ADF933-266D-E746-99F4-C7579547FB03}" type="slidenum">
               <a:rPr kumimoji="1" lang="ja-JP" altLang="en-US" smtClean="0"/>
               <a:t>‹#›</a:t>
             </a:fld>
@@ -3278,7 +3515,7 @@
     </p:spTree>
     <p:extLst>
       <p:ext uri="{BB962C8B-B14F-4D97-AF65-F5344CB8AC3E}">
-        <p14:creationId xmlns:p14="http://schemas.microsoft.com/office/powerpoint/2010/main" val="2531327048"/>
+        <p14:creationId xmlns:p14="http://schemas.microsoft.com/office/powerpoint/2010/main" val="1256931563"/>
       </p:ext>
     </p:extLst>
   </p:cSld>
@@ -3310,7 +3547,7 @@
           <p:cNvPr id="2" name="タイトル 1">
             <a:extLst>
               <a:ext uri="{FF2B5EF4-FFF2-40B4-BE49-F238E27FC236}">
-                <a16:creationId xmlns:a16="http://schemas.microsoft.com/office/drawing/2014/main" id="{064EDDCF-8717-7440-976F-0B8369F1983A}"/>
+                <a16:creationId xmlns:a16="http://schemas.microsoft.com/office/drawing/2014/main" id="{123B8ACE-D09F-2141-B70F-29F888EDF26D}"/>
               </a:ext>
             </a:extLst>
           </p:cNvPr>
@@ -3347,7 +3584,7 @@
           <p:cNvPr id="3" name="図プレースホルダー 2">
             <a:extLst>
               <a:ext uri="{FF2B5EF4-FFF2-40B4-BE49-F238E27FC236}">
-                <a16:creationId xmlns:a16="http://schemas.microsoft.com/office/drawing/2014/main" id="{663CB9EC-3F4F-7344-91D8-7CB1BBC9DFDC}"/>
+                <a16:creationId xmlns:a16="http://schemas.microsoft.com/office/drawing/2014/main" id="{82136264-4465-3745-AC15-8B1762D91404}"/>
               </a:ext>
             </a:extLst>
           </p:cNvPr>
@@ -3414,7 +3651,7 @@
           <p:cNvPr id="4" name="テキスト プレースホルダー 3">
             <a:extLst>
               <a:ext uri="{FF2B5EF4-FFF2-40B4-BE49-F238E27FC236}">
-                <a16:creationId xmlns:a16="http://schemas.microsoft.com/office/drawing/2014/main" id="{BD795932-5B83-E541-A74E-19EC7BDBE509}"/>
+                <a16:creationId xmlns:a16="http://schemas.microsoft.com/office/drawing/2014/main" id="{94FA858B-AC96-3C41-858C-CAF348FAA082}"/>
               </a:ext>
             </a:extLst>
           </p:cNvPr>
@@ -3485,7 +3722,7 @@
           <p:cNvPr id="5" name="日付プレースホルダー 4">
             <a:extLst>
               <a:ext uri="{FF2B5EF4-FFF2-40B4-BE49-F238E27FC236}">
-                <a16:creationId xmlns:a16="http://schemas.microsoft.com/office/drawing/2014/main" id="{9E25B70B-8EF6-5D41-8509-5D97FFE40A04}"/>
+                <a16:creationId xmlns:a16="http://schemas.microsoft.com/office/drawing/2014/main" id="{A6C6F78D-7C69-9449-97A2-159405FD9890}"/>
               </a:ext>
             </a:extLst>
           </p:cNvPr>
@@ -3501,9 +3738,9 @@
           <a:bodyPr/>
           <a:lstStyle/>
           <a:p>
-            <a:fld id="{E7AA294B-5299-B042-9CE8-0D364E0B4401}" type="datetimeFigureOut">
+            <a:fld id="{109D021F-6DA5-0F41-8FDE-4263179E1E47}" type="datetimeFigureOut">
               <a:rPr kumimoji="1" lang="ja-JP" altLang="en-US" smtClean="0"/>
-              <a:t>2021/11/30</a:t>
+              <a:t>2022/9/14</a:t>
             </a:fld>
             <a:endParaRPr kumimoji="1" lang="ja-JP" altLang="en-US"/>
           </a:p>
@@ -3514,7 +3751,7 @@
           <p:cNvPr id="6" name="フッター プレースホルダー 5">
             <a:extLst>
               <a:ext uri="{FF2B5EF4-FFF2-40B4-BE49-F238E27FC236}">
-                <a16:creationId xmlns:a16="http://schemas.microsoft.com/office/drawing/2014/main" id="{79F1BE33-5EF6-3D41-82F6-A79A9CA63F7B}"/>
+                <a16:creationId xmlns:a16="http://schemas.microsoft.com/office/drawing/2014/main" id="{7ACE7FDD-D0B1-B741-82B1-C792F1A84DFE}"/>
               </a:ext>
             </a:extLst>
           </p:cNvPr>
@@ -3539,7 +3776,7 @@
           <p:cNvPr id="7" name="スライド番号プレースホルダー 6">
             <a:extLst>
               <a:ext uri="{FF2B5EF4-FFF2-40B4-BE49-F238E27FC236}">
-                <a16:creationId xmlns:a16="http://schemas.microsoft.com/office/drawing/2014/main" id="{060C695F-8E93-3542-8BFA-A7FCEA6B6AD1}"/>
+                <a16:creationId xmlns:a16="http://schemas.microsoft.com/office/drawing/2014/main" id="{B7068EAA-AD71-724F-9BBF-F3793ACDD31C}"/>
               </a:ext>
             </a:extLst>
           </p:cNvPr>
@@ -3555,7 +3792,7 @@
           <a:bodyPr/>
           <a:lstStyle/>
           <a:p>
-            <a:fld id="{645F6BEC-B8B4-264E-90F7-A838F087B47C}" type="slidenum">
+            <a:fld id="{76ADF933-266D-E746-99F4-C7579547FB03}" type="slidenum">
               <a:rPr kumimoji="1" lang="ja-JP" altLang="en-US" smtClean="0"/>
               <a:t>‹#›</a:t>
             </a:fld>
@@ -3566,7 +3803,7 @@
     </p:spTree>
     <p:extLst>
       <p:ext uri="{BB962C8B-B14F-4D97-AF65-F5344CB8AC3E}">
-        <p14:creationId xmlns:p14="http://schemas.microsoft.com/office/powerpoint/2010/main" val="4028774225"/>
+        <p14:creationId xmlns:p14="http://schemas.microsoft.com/office/powerpoint/2010/main" val="238216828"/>
       </p:ext>
     </p:extLst>
   </p:cSld>
@@ -3603,7 +3840,7 @@
           <p:cNvPr id="2" name="タイトル プレースホルダー 1">
             <a:extLst>
               <a:ext uri="{FF2B5EF4-FFF2-40B4-BE49-F238E27FC236}">
-                <a16:creationId xmlns:a16="http://schemas.microsoft.com/office/drawing/2014/main" id="{D8C7FB8A-C159-F946-B3D9-96548C01C64E}"/>
+                <a16:creationId xmlns:a16="http://schemas.microsoft.com/office/drawing/2014/main" id="{7B30FB00-7ECD-734E-87D6-30BE4EE09B25}"/>
               </a:ext>
             </a:extLst>
           </p:cNvPr>
@@ -3641,7 +3878,7 @@
           <p:cNvPr id="3" name="テキスト プレースホルダー 2">
             <a:extLst>
               <a:ext uri="{FF2B5EF4-FFF2-40B4-BE49-F238E27FC236}">
-                <a16:creationId xmlns:a16="http://schemas.microsoft.com/office/drawing/2014/main" id="{D9F10F4B-F9EE-124C-838D-3273E28F786D}"/>
+                <a16:creationId xmlns:a16="http://schemas.microsoft.com/office/drawing/2014/main" id="{3E97E16B-59C2-8A4C-8AA7-04B5F9F03699}"/>
               </a:ext>
             </a:extLst>
           </p:cNvPr>
@@ -3740,7 +3977,7 @@
           <p:cNvPr id="4" name="日付プレースホルダー 3">
             <a:extLst>
               <a:ext uri="{FF2B5EF4-FFF2-40B4-BE49-F238E27FC236}">
-                <a16:creationId xmlns:a16="http://schemas.microsoft.com/office/drawing/2014/main" id="{F070B3B9-BD38-9846-B8A5-1C1007EFCA08}"/>
+                <a16:creationId xmlns:a16="http://schemas.microsoft.com/office/drawing/2014/main" id="{957E6DED-AD5D-FB4D-94C2-AEBFA3C2EE0F}"/>
               </a:ext>
             </a:extLst>
           </p:cNvPr>
@@ -3774,9 +4011,9 @@
             </a:lvl1pPr>
           </a:lstStyle>
           <a:p>
-            <a:fld id="{E7AA294B-5299-B042-9CE8-0D364E0B4401}" type="datetimeFigureOut">
+            <a:fld id="{109D021F-6DA5-0F41-8FDE-4263179E1E47}" type="datetimeFigureOut">
               <a:rPr kumimoji="1" lang="ja-JP" altLang="en-US" smtClean="0"/>
-              <a:t>2021/11/30</a:t>
+              <a:t>2022/9/14</a:t>
             </a:fld>
             <a:endParaRPr kumimoji="1" lang="ja-JP" altLang="en-US"/>
           </a:p>
@@ -3787,7 +4024,7 @@
           <p:cNvPr id="5" name="フッター プレースホルダー 4">
             <a:extLst>
               <a:ext uri="{FF2B5EF4-FFF2-40B4-BE49-F238E27FC236}">
-                <a16:creationId xmlns:a16="http://schemas.microsoft.com/office/drawing/2014/main" id="{94B99026-2DA6-704A-8CEE-8D9A9F8040D2}"/>
+                <a16:creationId xmlns:a16="http://schemas.microsoft.com/office/drawing/2014/main" id="{42187DC3-F007-3A48-86BB-4922014DF936}"/>
               </a:ext>
             </a:extLst>
           </p:cNvPr>
@@ -3830,7 +4067,7 @@
           <p:cNvPr id="6" name="スライド番号プレースホルダー 5">
             <a:extLst>
               <a:ext uri="{FF2B5EF4-FFF2-40B4-BE49-F238E27FC236}">
-                <a16:creationId xmlns:a16="http://schemas.microsoft.com/office/drawing/2014/main" id="{7DAE232B-C096-2749-B16F-771D1E6F9978}"/>
+                <a16:creationId xmlns:a16="http://schemas.microsoft.com/office/drawing/2014/main" id="{F39086E3-8628-5748-985E-D39F44335220}"/>
               </a:ext>
             </a:extLst>
           </p:cNvPr>
@@ -3864,7 +4101,7 @@
             </a:lvl1pPr>
           </a:lstStyle>
           <a:p>
-            <a:fld id="{645F6BEC-B8B4-264E-90F7-A838F087B47C}" type="slidenum">
+            <a:fld id="{76ADF933-266D-E746-99F4-C7579547FB03}" type="slidenum">
               <a:rPr kumimoji="1" lang="ja-JP" altLang="en-US" smtClean="0"/>
               <a:t>‹#›</a:t>
             </a:fld>
@@ -3875,7 +4112,7 @@
     </p:spTree>
     <p:extLst>
       <p:ext uri="{BB962C8B-B14F-4D97-AF65-F5344CB8AC3E}">
-        <p14:creationId xmlns:p14="http://schemas.microsoft.com/office/powerpoint/2010/main" val="3675978610"/>
+        <p14:creationId xmlns:p14="http://schemas.microsoft.com/office/powerpoint/2010/main" val="1037986318"/>
       </p:ext>
     </p:extLst>
   </p:cSld>
@@ -4198,7 +4435,7 @@
           <p:cNvPr id="2" name="タイトル 1">
             <a:extLst>
               <a:ext uri="{FF2B5EF4-FFF2-40B4-BE49-F238E27FC236}">
-                <a16:creationId xmlns:a16="http://schemas.microsoft.com/office/drawing/2014/main" id="{E042A3A6-0337-7240-9493-91CB7D731C49}"/>
+                <a16:creationId xmlns:a16="http://schemas.microsoft.com/office/drawing/2014/main" id="{DB93C512-DB56-EB46-B922-040FEF89D99A}"/>
               </a:ext>
             </a:extLst>
           </p:cNvPr>
@@ -4231,7 +4468,7 @@
           <p:cNvPr id="3" name="字幕 2">
             <a:extLst>
               <a:ext uri="{FF2B5EF4-FFF2-40B4-BE49-F238E27FC236}">
-                <a16:creationId xmlns:a16="http://schemas.microsoft.com/office/drawing/2014/main" id="{310B9E0F-CDAD-4E46-ADF0-88F5FAFB95A1}"/>
+                <a16:creationId xmlns:a16="http://schemas.microsoft.com/office/drawing/2014/main" id="{C58A6C60-930C-7D47-BB5D-98F447457DC9}"/>
               </a:ext>
             </a:extLst>
           </p:cNvPr>
@@ -4249,7 +4486,7 @@
           <a:p>
             <a:r>
               <a:rPr kumimoji="1" lang="ja-JP" altLang="en-US"/>
-              <a:t>残差ブートストラップ</a:t>
+              <a:t>過分散</a:t>
             </a:r>
           </a:p>
         </p:txBody>
@@ -4257,7 +4494,7 @@
     </p:spTree>
     <p:extLst>
       <p:ext uri="{BB962C8B-B14F-4D97-AF65-F5344CB8AC3E}">
-        <p14:creationId xmlns:p14="http://schemas.microsoft.com/office/powerpoint/2010/main" val="3669137468"/>
+        <p14:creationId xmlns:p14="http://schemas.microsoft.com/office/powerpoint/2010/main" val="3588196403"/>
       </p:ext>
     </p:extLst>
   </p:cSld>
@@ -4289,7 +4526,7 @@
           <p:cNvPr id="2" name="タイトル 1">
             <a:extLst>
               <a:ext uri="{FF2B5EF4-FFF2-40B4-BE49-F238E27FC236}">
-                <a16:creationId xmlns:a16="http://schemas.microsoft.com/office/drawing/2014/main" id="{7C9DA17A-E6BA-3E46-A75B-D99F16F908E5}"/>
+                <a16:creationId xmlns:a16="http://schemas.microsoft.com/office/drawing/2014/main" id="{7EEF70A2-80E1-5D42-B09A-7B3C2212747A}"/>
               </a:ext>
             </a:extLst>
           </p:cNvPr>
@@ -4306,13 +4543,10 @@
           <a:lstStyle/>
           <a:p>
             <a:r>
-              <a:rPr kumimoji="1" lang="en-US" altLang="ja-JP" dirty="0"/>
-              <a:t>GLMM</a:t>
-            </a:r>
-            <a:r>
-              <a:rPr kumimoji="1" lang="ja-JP" altLang="en-US"/>
-              <a:t>の結果から効果の取り出し</a:t>
-            </a:r>
+              <a:rPr lang="ja-JP" altLang="en-US"/>
+              <a:t>過分散のチェック</a:t>
+            </a:r>
+            <a:endParaRPr kumimoji="1" lang="ja-JP" altLang="en-US"/>
           </a:p>
         </p:txBody>
       </p:sp>
@@ -4321,7 +4555,7 @@
           <p:cNvPr id="3" name="コンテンツ プレースホルダー 2">
             <a:extLst>
               <a:ext uri="{FF2B5EF4-FFF2-40B4-BE49-F238E27FC236}">
-                <a16:creationId xmlns:a16="http://schemas.microsoft.com/office/drawing/2014/main" id="{62F81264-F01C-B84C-8E0E-EB9C92E1FC39}"/>
+                <a16:creationId xmlns:a16="http://schemas.microsoft.com/office/drawing/2014/main" id="{A186CAFC-0030-2E49-8268-A98CF64FBA05}"/>
               </a:ext>
             </a:extLst>
           </p:cNvPr>
@@ -4334,117 +4568,61 @@
         </p:nvSpPr>
         <p:spPr/>
         <p:txBody>
-          <a:bodyPr>
-            <a:normAutofit fontScale="92500" lnSpcReduction="10000"/>
-          </a:bodyPr>
+          <a:bodyPr/>
           <a:lstStyle/>
           <a:p>
             <a:r>
-              <a:rPr kumimoji="1" lang="en-US" altLang="ja-JP" dirty="0"/>
-              <a:t>GLMM</a:t>
-            </a:r>
-            <a:r>
-              <a:rPr kumimoji="1" lang="ja-JP" altLang="en-US"/>
-              <a:t>によって固定効果の係数</a:t>
-            </a:r>
-            <a:r>
-              <a:rPr kumimoji="1" lang="en-US" altLang="ja-JP" dirty="0"/>
-              <a:t>β</a:t>
-            </a:r>
-            <a:r>
-              <a:rPr kumimoji="1" lang="ja-JP" altLang="en-US"/>
-              <a:t>とランダム効果のばらつき</a:t>
-            </a:r>
-            <a:r>
-              <a:rPr kumimoji="1" lang="en-US" altLang="ja-JP" i="1" dirty="0"/>
-              <a:t>s</a:t>
-            </a:r>
-            <a:r>
-              <a:rPr kumimoji="1" lang="ja-JP" altLang="en-US"/>
-              <a:t>が得られる．</a:t>
+              <a:rPr lang="en-US" altLang="ja-JP" dirty="0"/>
+              <a:t>GLM</a:t>
+            </a:r>
+            <a:r>
+              <a:rPr lang="ja-JP" altLang="en-US"/>
+              <a:t>で</a:t>
+            </a:r>
+            <a:r>
+              <a:rPr kumimoji="1" lang="ja-JP" altLang="en-US"/>
+              <a:t>仮定した誤差構造が、観測値の母集団が持つ誤差を表しているか？</a:t>
             </a:r>
             <a:endParaRPr kumimoji="1" lang="en-US" altLang="ja-JP" dirty="0"/>
           </a:p>
           <a:p>
+            <a:endParaRPr kumimoji="1" lang="en-US" altLang="ja-JP" dirty="0"/>
+          </a:p>
+          <a:p>
+            <a:r>
+              <a:rPr kumimoji="1" lang="ja-JP" altLang="en-US"/>
+              <a:t>観測値とモデルによる予測値をプロットして比較．</a:t>
+            </a:r>
+            <a:endParaRPr kumimoji="1" lang="en-US" altLang="ja-JP" dirty="0"/>
+          </a:p>
+          <a:p>
+            <a:endParaRPr kumimoji="1" lang="en-US" altLang="ja-JP" dirty="0"/>
+          </a:p>
+          <a:p>
+            <a:r>
+              <a:rPr lang="ja-JP" altLang="en-US"/>
+              <a:t>分散パラメータが規定の値と一致するかをチェック．</a:t>
+            </a:r>
+            <a:endParaRPr kumimoji="1" lang="en-US" altLang="ja-JP" dirty="0"/>
+          </a:p>
+          <a:p>
+            <a:pPr lvl="1"/>
+            <a:r>
+              <a:rPr kumimoji="1" lang="ja-JP" altLang="en-US"/>
+              <a:t>残差逸脱度を残差自由度で割る．（目安として便利）</a:t>
+            </a:r>
+            <a:endParaRPr kumimoji="1" lang="en-US" altLang="ja-JP" dirty="0"/>
+          </a:p>
+          <a:p>
+            <a:pPr lvl="1"/>
+            <a:r>
+              <a:rPr lang="ja-JP" altLang="en-US"/>
+              <a:t>ピアソンのカイ二乗を残差自由度で割る．（より正確）</a:t>
+            </a:r>
             <a:endParaRPr lang="en-US" altLang="ja-JP" dirty="0"/>
           </a:p>
           <a:p>
-            <a:r>
-              <a:rPr kumimoji="1" lang="ja-JP" altLang="en-US"/>
-              <a:t>そこから推定結果の予測値と信頼区間を求める．</a:t>
-            </a:r>
-            <a:endParaRPr lang="en-US" altLang="ja-JP" dirty="0"/>
-          </a:p>
-          <a:p>
             <a:pPr lvl="1"/>
-            <a:r>
-              <a:rPr kumimoji="1" lang="ja-JP" altLang="en-US"/>
-              <a:t>予測値は固定効果から求めるが、信頼区間は？</a:t>
-            </a:r>
-            <a:endParaRPr lang="en-US" altLang="ja-JP" dirty="0"/>
-          </a:p>
-          <a:p>
-            <a:pPr lvl="1"/>
-            <a:endParaRPr kumimoji="1" lang="en-US" altLang="ja-JP" dirty="0"/>
-          </a:p>
-          <a:p>
-            <a:r>
-              <a:rPr kumimoji="1" lang="ja-JP" altLang="en-US"/>
-              <a:t>固定効果のみの場合、</a:t>
-            </a:r>
-            <a:r>
-              <a:rPr kumimoji="1" lang="en-US" altLang="ja-JP" dirty="0"/>
-              <a:t>95%CI</a:t>
-            </a:r>
-            <a:r>
-              <a:rPr kumimoji="1" lang="ja-JP" altLang="en-US"/>
-              <a:t>は</a:t>
-            </a:r>
-            <a:r>
-              <a:rPr kumimoji="1" lang="en-US" altLang="ja-JP" dirty="0"/>
-              <a:t>predict</a:t>
-            </a:r>
-            <a:r>
-              <a:rPr kumimoji="1" lang="ja-JP" altLang="en-US"/>
-              <a:t>や</a:t>
-            </a:r>
-            <a:r>
-              <a:rPr kumimoji="1" lang="en-US" altLang="ja-JP" dirty="0" err="1"/>
-              <a:t>confint</a:t>
-            </a:r>
-            <a:r>
-              <a:rPr kumimoji="1" lang="ja-JP" altLang="en-US"/>
-              <a:t>で求められたが、ランダム効果が上乗せされたばらつきは簡単に計算できない．</a:t>
-            </a:r>
-            <a:endParaRPr kumimoji="1" lang="en-US" altLang="ja-JP" dirty="0"/>
-          </a:p>
-          <a:p>
-            <a:endParaRPr lang="en-US" altLang="ja-JP" dirty="0"/>
-          </a:p>
-          <a:p>
-            <a:pPr marL="0" indent="0">
-              <a:buNone/>
-            </a:pPr>
-            <a:r>
-              <a:rPr kumimoji="1" lang="ja-JP" altLang="en-US"/>
-              <a:t>→ブートストラップで多数のシミュレーションデータを生成、</a:t>
-            </a:r>
-            <a:r>
-              <a:rPr kumimoji="1" lang="en-US" altLang="ja-JP"/>
-              <a:t>	2.5</a:t>
-            </a:r>
-            <a:r>
-              <a:rPr kumimoji="1" lang="ja-JP" altLang="en-US"/>
-              <a:t>パーセンタイル、</a:t>
-            </a:r>
-            <a:r>
-              <a:rPr lang="en-US" altLang="ja-JP" dirty="0"/>
-              <a:t>97.5</a:t>
-            </a:r>
-            <a:r>
-              <a:rPr lang="ja-JP" altLang="en-US"/>
-              <a:t>パーセンタイル値を導出．</a:t>
-            </a:r>
             <a:endParaRPr kumimoji="1" lang="ja-JP" altLang="en-US"/>
           </a:p>
         </p:txBody>
@@ -4452,7 +4630,7 @@
     </p:spTree>
     <p:extLst>
       <p:ext uri="{BB962C8B-B14F-4D97-AF65-F5344CB8AC3E}">
-        <p14:creationId xmlns:p14="http://schemas.microsoft.com/office/powerpoint/2010/main" val="4190019791"/>
+        <p14:creationId xmlns:p14="http://schemas.microsoft.com/office/powerpoint/2010/main" val="571653398"/>
       </p:ext>
     </p:extLst>
   </p:cSld>
@@ -4484,7 +4662,7 @@
           <p:cNvPr id="2" name="タイトル 1">
             <a:extLst>
               <a:ext uri="{FF2B5EF4-FFF2-40B4-BE49-F238E27FC236}">
-                <a16:creationId xmlns:a16="http://schemas.microsoft.com/office/drawing/2014/main" id="{91225A31-C303-7044-A342-E70D23F7A4B4}"/>
+                <a16:creationId xmlns:a16="http://schemas.microsoft.com/office/drawing/2014/main" id="{7D1CB8DE-7E37-8843-9926-BCCB00963A6E}"/>
               </a:ext>
             </a:extLst>
           </p:cNvPr>
@@ -4502,7 +4680,15 @@
           <a:p>
             <a:r>
               <a:rPr kumimoji="1" lang="ja-JP" altLang="en-US"/>
-              <a:t>ブートストラップ法</a:t>
+              <a:t>自由度（</a:t>
+            </a:r>
+            <a:r>
+              <a:rPr kumimoji="1" lang="en-US" altLang="ja-JP" dirty="0"/>
+              <a:t>degree of freedom, df</a:t>
+            </a:r>
+            <a:r>
+              <a:rPr kumimoji="1" lang="ja-JP" altLang="en-US"/>
+              <a:t>）</a:t>
             </a:r>
           </a:p>
         </p:txBody>
@@ -4512,7 +4698,7 @@
           <p:cNvPr id="3" name="コンテンツ プレースホルダー 2">
             <a:extLst>
               <a:ext uri="{FF2B5EF4-FFF2-40B4-BE49-F238E27FC236}">
-                <a16:creationId xmlns:a16="http://schemas.microsoft.com/office/drawing/2014/main" id="{62B91F8B-35C5-654E-8F5E-AEED3690D740}"/>
+                <a16:creationId xmlns:a16="http://schemas.microsoft.com/office/drawing/2014/main" id="{C92B07B6-339F-834A-BA51-25593D8DC76C}"/>
               </a:ext>
             </a:extLst>
           </p:cNvPr>
@@ -4523,25 +4709,40 @@
             <p:ph idx="1"/>
           </p:nvPr>
         </p:nvSpPr>
-        <p:spPr>
-          <a:xfrm>
-            <a:off x="838200" y="1825626"/>
-            <a:ext cx="10515600" cy="2569730"/>
-          </a:xfrm>
-        </p:spPr>
+        <p:spPr/>
         <p:txBody>
           <a:bodyPr>
-            <a:normAutofit fontScale="92500" lnSpcReduction="10000"/>
+            <a:normAutofit lnSpcReduction="10000"/>
           </a:bodyPr>
           <a:lstStyle/>
           <a:p>
             <a:r>
-              <a:rPr kumimoji="1" lang="ja-JP" altLang="en-US"/>
-              <a:t>あるサンプル</a:t>
-            </a:r>
+              <a:rPr lang="ja-JP" altLang="en-US"/>
+              <a:t>平均値など、なんらかの統計量が与えられたとき、束縛されない標本のデータ個数（サンプルサイズ）．</a:t>
+            </a:r>
+            <a:endParaRPr lang="en-US" altLang="ja-JP" dirty="0"/>
+          </a:p>
+          <a:p>
+            <a:pPr lvl="1"/>
             <a:r>
               <a:rPr kumimoji="1" lang="en-US" altLang="ja-JP" dirty="0"/>
-              <a:t>A(x</a:t>
+              <a:t>Ex) </a:t>
+            </a:r>
+            <a:r>
+              <a:rPr kumimoji="1" lang="ja-JP" altLang="en-US"/>
+              <a:t>（母）平均が</a:t>
+            </a:r>
+            <a:r>
+              <a:rPr kumimoji="1" lang="en-US" altLang="ja-JP" dirty="0"/>
+              <a:t>5</a:t>
+            </a:r>
+            <a:r>
+              <a:rPr kumimoji="1" lang="ja-JP" altLang="en-US"/>
+              <a:t>であると仮定したとき、サンプルサイズが</a:t>
+            </a:r>
+            <a:r>
+              <a:rPr kumimoji="1" lang="en-US" altLang="ja-JP" dirty="0"/>
+              <a:t>10 (x</a:t>
             </a:r>
             <a:r>
               <a:rPr kumimoji="1" lang="en-US" altLang="ja-JP" baseline="-25000" dirty="0"/>
@@ -4561,7 +4762,7 @@
             </a:r>
             <a:r>
               <a:rPr kumimoji="1" lang="en-US" altLang="ja-JP" baseline="-25000" dirty="0"/>
-              <a:t>n</a:t>
+              <a:t>10</a:t>
             </a:r>
             <a:r>
               <a:rPr kumimoji="1" lang="en-US" altLang="ja-JP" dirty="0"/>
@@ -4569,1189 +4770,170 @@
             </a:r>
             <a:r>
               <a:rPr kumimoji="1" lang="ja-JP" altLang="en-US"/>
-              <a:t>が手元にあり、これを用いて母数（母集団に関する情報）やモデルを推定する際、</a:t>
+              <a:t>であれば、</a:t>
+            </a:r>
+            <a:r>
+              <a:rPr lang="en-US" altLang="ja-JP" dirty="0"/>
+              <a:t>x</a:t>
+            </a:r>
+            <a:r>
+              <a:rPr lang="en-US" altLang="ja-JP" baseline="-25000" dirty="0"/>
+              <a:t>1</a:t>
+            </a:r>
+            <a:r>
+              <a:rPr lang="en-US" altLang="ja-JP" dirty="0"/>
+              <a:t>〜x</a:t>
+            </a:r>
+            <a:r>
+              <a:rPr lang="en-US" altLang="ja-JP" baseline="-25000" dirty="0"/>
+              <a:t>9</a:t>
             </a:r>
             <a:r>
               <a:rPr lang="ja-JP" altLang="en-US"/>
-              <a:t>確率分布を用いて推定およびその推定の誤差を計算</a:t>
-            </a:r>
-            <a:r>
-              <a:rPr kumimoji="1" lang="ja-JP" altLang="en-US"/>
-              <a:t>．</a:t>
-            </a:r>
+              <a:t>までどんな値をとっても</a:t>
+            </a:r>
+            <a:r>
+              <a:rPr lang="en-US" altLang="ja-JP" dirty="0"/>
+              <a:t> x</a:t>
+            </a:r>
+            <a:r>
+              <a:rPr lang="en-US" altLang="ja-JP" baseline="-25000" dirty="0"/>
+              <a:t>10</a:t>
+            </a:r>
+            <a:r>
+              <a:rPr lang="ja-JP" altLang="en-US"/>
+              <a:t>で調整して平均を</a:t>
+            </a:r>
+            <a:r>
+              <a:rPr lang="en-US" altLang="ja-JP" dirty="0"/>
+              <a:t>5</a:t>
+            </a:r>
+            <a:r>
+              <a:rPr lang="ja-JP" altLang="en-US"/>
+              <a:t>にできる．→自由度は</a:t>
+            </a:r>
+            <a:r>
+              <a:rPr lang="en-US" altLang="ja-JP" dirty="0"/>
+              <a:t>9</a:t>
+            </a:r>
+            <a:r>
+              <a:rPr lang="ja-JP" altLang="en-US"/>
+              <a:t>（サンプルサイズー</a:t>
+            </a:r>
+            <a:r>
+              <a:rPr lang="en-US" altLang="ja-JP" dirty="0"/>
+              <a:t>1</a:t>
+            </a:r>
+            <a:r>
+              <a:rPr lang="ja-JP" altLang="en-US"/>
+              <a:t>）</a:t>
+            </a:r>
+            <a:endParaRPr lang="en-US" altLang="ja-JP" dirty="0"/>
+          </a:p>
+          <a:p>
+            <a:pPr lvl="1"/>
             <a:endParaRPr kumimoji="1" lang="en-US" altLang="ja-JP" dirty="0"/>
           </a:p>
           <a:p>
             <a:r>
-              <a:rPr kumimoji="1" lang="ja-JP" altLang="en-US"/>
-              <a:t>確率分布を仮定できない場合は？</a:t>
+              <a:rPr lang="en-US" altLang="ja-JP" dirty="0"/>
+              <a:t> </a:t>
+            </a:r>
+            <a:r>
+              <a:rPr lang="ja-JP" altLang="en-US"/>
+              <a:t>線形モデルでは</a:t>
+            </a:r>
+            <a:r>
+              <a:rPr kumimoji="1" lang="ja-JP" altLang="en-US"/>
+              <a:t>サンプルサイズから</a:t>
+            </a:r>
+            <a:r>
+              <a:rPr kumimoji="1" lang="en-US" altLang="ja-JP" dirty="0"/>
+              <a:t>(</a:t>
+            </a:r>
+            <a:r>
+              <a:rPr kumimoji="1" lang="ja-JP" altLang="en-US"/>
+              <a:t>切片＋推定パラメータ数</a:t>
+            </a:r>
+            <a:r>
+              <a:rPr kumimoji="1" lang="en-US" altLang="ja-JP" dirty="0"/>
+              <a:t>)</a:t>
+            </a:r>
+            <a:r>
+              <a:rPr kumimoji="1" lang="ja-JP" altLang="en-US"/>
+              <a:t> などを差し引く．</a:t>
+            </a:r>
+            <a:endParaRPr kumimoji="1" lang="en-US" altLang="ja-JP" dirty="0"/>
+          </a:p>
+          <a:p>
+            <a:pPr lvl="1"/>
+            <a:r>
+              <a:rPr lang="ja-JP" altLang="en-US"/>
+              <a:t>第</a:t>
+            </a:r>
+            <a:r>
+              <a:rPr lang="en-US" altLang="ja-JP" dirty="0"/>
+              <a:t>12</a:t>
+            </a:r>
+            <a:r>
+              <a:rPr lang="ja-JP" altLang="en-US"/>
+              <a:t>回の</a:t>
+            </a:r>
+            <a:r>
+              <a:rPr lang="en-US" altLang="ja-JP" dirty="0" err="1"/>
+              <a:t>lm</a:t>
+            </a:r>
+            <a:r>
+              <a:rPr lang="ja-JP" altLang="en-US"/>
+              <a:t>、第</a:t>
+            </a:r>
+            <a:r>
+              <a:rPr lang="en-US" altLang="ja-JP" dirty="0"/>
+              <a:t>20</a:t>
+            </a:r>
+            <a:r>
+              <a:rPr lang="ja-JP" altLang="en-US"/>
+              <a:t>回の</a:t>
+            </a:r>
+            <a:r>
+              <a:rPr lang="en-US" altLang="ja-JP" dirty="0" err="1"/>
+              <a:t>glm</a:t>
+            </a:r>
+            <a:r>
+              <a:rPr lang="ja-JP" altLang="en-US"/>
+              <a:t>解析結果で自由度をチェック</a:t>
             </a:r>
             <a:endParaRPr lang="en-US" altLang="ja-JP" dirty="0"/>
           </a:p>
           <a:p>
             <a:pPr lvl="1"/>
             <a:r>
-              <a:rPr lang="ja-JP" altLang="en-US"/>
-              <a:t>サンプルから復元抽出を繰り返して大量のサンプルを生成して推定値を計算、母集団の性質やモデルの推測の誤差などを得る．</a:t>
-            </a:r>
-            <a:endParaRPr lang="en-US" altLang="ja-JP" dirty="0"/>
-          </a:p>
-          <a:p>
-            <a:pPr marL="457200" lvl="1" indent="0">
-              <a:buNone/>
-            </a:pPr>
-            <a:r>
-              <a:rPr lang="ja-JP" altLang="en-US"/>
-              <a:t>→ブートストラップ法</a:t>
+              <a:rPr lang="en-US" altLang="ja-JP" dirty="0"/>
+              <a:t>summary(</a:t>
+            </a:r>
+            <a:r>
+              <a:rPr lang="en-US" altLang="ja-JP" dirty="0" err="1"/>
+              <a:t>res_lm_catch</a:t>
+            </a:r>
+            <a:r>
+              <a:rPr lang="en-US" altLang="ja-JP" dirty="0"/>
+              <a:t>)</a:t>
+            </a:r>
+          </a:p>
+          <a:p>
+            <a:pPr lvl="1"/>
+            <a:r>
+              <a:rPr kumimoji="1" lang="en-US" altLang="ja-JP" dirty="0" err="1"/>
+              <a:t>res_glm_gala</a:t>
             </a:r>
             <a:endParaRPr kumimoji="1" lang="ja-JP" altLang="en-US"/>
-          </a:p>
-        </p:txBody>
-      </p:sp>
-      <p:sp>
-        <p:nvSpPr>
-          <p:cNvPr id="4" name="円/楕円 3">
-            <a:extLst>
-              <a:ext uri="{FF2B5EF4-FFF2-40B4-BE49-F238E27FC236}">
-                <a16:creationId xmlns:a16="http://schemas.microsoft.com/office/drawing/2014/main" id="{07D1827B-085D-7F4E-BEDE-FB20C485711A}"/>
-              </a:ext>
-            </a:extLst>
-          </p:cNvPr>
-          <p:cNvSpPr/>
-          <p:nvPr/>
-        </p:nvSpPr>
-        <p:spPr>
-          <a:xfrm>
-            <a:off x="116923" y="4829756"/>
-            <a:ext cx="1614055" cy="1614055"/>
-          </a:xfrm>
-          <a:prstGeom prst="ellipse">
-            <a:avLst/>
-          </a:prstGeom>
-          <a:solidFill>
-            <a:srgbClr val="002060"/>
-          </a:solidFill>
-        </p:spPr>
-        <p:style>
-          <a:lnRef idx="2">
-            <a:schemeClr val="accent1">
-              <a:shade val="50000"/>
-            </a:schemeClr>
-          </a:lnRef>
-          <a:fillRef idx="1">
-            <a:schemeClr val="accent1"/>
-          </a:fillRef>
-          <a:effectRef idx="0">
-            <a:schemeClr val="accent1"/>
-          </a:effectRef>
-          <a:fontRef idx="minor">
-            <a:schemeClr val="lt1"/>
-          </a:fontRef>
-        </p:style>
-        <p:txBody>
-          <a:bodyPr rtlCol="0" anchor="ctr"/>
-          <a:lstStyle/>
-          <a:p>
-            <a:pPr algn="ctr"/>
-            <a:r>
-              <a:rPr kumimoji="1" lang="ja-JP" altLang="en-US"/>
-              <a:t>母集団</a:t>
-            </a:r>
-          </a:p>
-        </p:txBody>
-      </p:sp>
-      <p:cxnSp>
-        <p:nvCxnSpPr>
-          <p:cNvPr id="5" name="直線矢印コネクタ 4">
-            <a:extLst>
-              <a:ext uri="{FF2B5EF4-FFF2-40B4-BE49-F238E27FC236}">
-                <a16:creationId xmlns:a16="http://schemas.microsoft.com/office/drawing/2014/main" id="{3DFE6DB2-FD17-7A4E-A31B-17D26B441273}"/>
-              </a:ext>
-            </a:extLst>
-          </p:cNvPr>
-          <p:cNvCxnSpPr>
-            <a:cxnSpLocks/>
-          </p:cNvCxnSpPr>
-          <p:nvPr/>
-        </p:nvCxnSpPr>
-        <p:spPr>
-          <a:xfrm flipV="1">
-            <a:off x="1730978" y="5068745"/>
-            <a:ext cx="1705400" cy="568040"/>
-          </a:xfrm>
-          <a:prstGeom prst="straightConnector1">
-            <a:avLst/>
-          </a:prstGeom>
-          <a:ln>
-            <a:tailEnd type="triangle"/>
-          </a:ln>
-        </p:spPr>
-        <p:style>
-          <a:lnRef idx="1">
-            <a:schemeClr val="accent1"/>
-          </a:lnRef>
-          <a:fillRef idx="0">
-            <a:schemeClr val="accent1"/>
-          </a:fillRef>
-          <a:effectRef idx="0">
-            <a:schemeClr val="accent1"/>
-          </a:effectRef>
-          <a:fontRef idx="minor">
-            <a:schemeClr val="tx1"/>
-          </a:fontRef>
-        </p:style>
-      </p:cxnSp>
-      <p:pic>
-        <p:nvPicPr>
-          <p:cNvPr id="6" name="図 5">
-            <a:extLst>
-              <a:ext uri="{FF2B5EF4-FFF2-40B4-BE49-F238E27FC236}">
-                <a16:creationId xmlns:a16="http://schemas.microsoft.com/office/drawing/2014/main" id="{1A101F69-2375-6E4E-8931-F7D548F1A953}"/>
-              </a:ext>
-            </a:extLst>
-          </p:cNvPr>
-          <p:cNvPicPr>
-            <a:picLocks noChangeAspect="1"/>
-          </p:cNvPicPr>
-          <p:nvPr/>
-        </p:nvPicPr>
-        <p:blipFill>
-          <a:blip r:embed="rId2"/>
-          <a:stretch>
-            <a:fillRect/>
-          </a:stretch>
-        </p:blipFill>
-        <p:spPr>
-          <a:xfrm>
-            <a:off x="3565368" y="4530294"/>
-            <a:ext cx="1803567" cy="2185274"/>
-          </a:xfrm>
-          <a:prstGeom prst="rect">
-            <a:avLst/>
-          </a:prstGeom>
-        </p:spPr>
-      </p:pic>
-      <p:sp>
-        <p:nvSpPr>
-          <p:cNvPr id="9" name="テキスト ボックス 8">
-            <a:extLst>
-              <a:ext uri="{FF2B5EF4-FFF2-40B4-BE49-F238E27FC236}">
-                <a16:creationId xmlns:a16="http://schemas.microsoft.com/office/drawing/2014/main" id="{74FA9F96-8A71-F640-95D2-F4665D321DF1}"/>
-              </a:ext>
-            </a:extLst>
-          </p:cNvPr>
-          <p:cNvSpPr txBox="1"/>
-          <p:nvPr/>
-        </p:nvSpPr>
-        <p:spPr>
-          <a:xfrm>
-            <a:off x="3841623" y="4395356"/>
-            <a:ext cx="1101584" cy="369332"/>
-          </a:xfrm>
-          <a:prstGeom prst="rect">
-            <a:avLst/>
-          </a:prstGeom>
-          <a:noFill/>
-        </p:spPr>
-        <p:txBody>
-          <a:bodyPr wrap="none" rtlCol="0">
-            <a:spAutoFit/>
-          </a:bodyPr>
-          <a:lstStyle/>
-          <a:p>
-            <a:r>
-              <a:rPr kumimoji="1" lang="en-US" altLang="ja-JP" dirty="0" err="1"/>
-              <a:t>sampleA</a:t>
-            </a:r>
-            <a:endParaRPr kumimoji="1" lang="ja-JP" altLang="en-US"/>
-          </a:p>
-        </p:txBody>
-      </p:sp>
-      <p:cxnSp>
-        <p:nvCxnSpPr>
-          <p:cNvPr id="11" name="直線矢印コネクタ 10">
-            <a:extLst>
-              <a:ext uri="{FF2B5EF4-FFF2-40B4-BE49-F238E27FC236}">
-                <a16:creationId xmlns:a16="http://schemas.microsoft.com/office/drawing/2014/main" id="{F600F514-0452-EB45-9A8F-51C62BB12FF0}"/>
-              </a:ext>
-            </a:extLst>
-          </p:cNvPr>
-          <p:cNvCxnSpPr>
-            <a:cxnSpLocks/>
-            <a:stCxn id="6" idx="1"/>
-          </p:cNvCxnSpPr>
-          <p:nvPr/>
-        </p:nvCxnSpPr>
-        <p:spPr>
-          <a:xfrm flipH="1">
-            <a:off x="1730978" y="5622931"/>
-            <a:ext cx="1834390" cy="149731"/>
-          </a:xfrm>
-          <a:prstGeom prst="straightConnector1">
-            <a:avLst/>
-          </a:prstGeom>
-          <a:ln w="47625">
-            <a:solidFill>
-              <a:srgbClr val="C00000"/>
-            </a:solidFill>
-            <a:prstDash val="sysDash"/>
-            <a:tailEnd type="triangle"/>
-          </a:ln>
-        </p:spPr>
-        <p:style>
-          <a:lnRef idx="1">
-            <a:schemeClr val="accent1"/>
-          </a:lnRef>
-          <a:fillRef idx="0">
-            <a:schemeClr val="accent1"/>
-          </a:fillRef>
-          <a:effectRef idx="0">
-            <a:schemeClr val="accent1"/>
-          </a:effectRef>
-          <a:fontRef idx="minor">
-            <a:schemeClr val="tx1"/>
-          </a:fontRef>
-        </p:style>
-      </p:cxnSp>
-      <p:sp>
-        <p:nvSpPr>
-          <p:cNvPr id="15" name="テキスト ボックス 14">
-            <a:extLst>
-              <a:ext uri="{FF2B5EF4-FFF2-40B4-BE49-F238E27FC236}">
-                <a16:creationId xmlns:a16="http://schemas.microsoft.com/office/drawing/2014/main" id="{31D69ABB-BC63-E648-92E8-A9CF2EBB35C5}"/>
-              </a:ext>
-            </a:extLst>
-          </p:cNvPr>
-          <p:cNvSpPr txBox="1"/>
-          <p:nvPr/>
-        </p:nvSpPr>
-        <p:spPr>
-          <a:xfrm>
-            <a:off x="1798848" y="5845703"/>
-            <a:ext cx="1569660" cy="646331"/>
-          </a:xfrm>
-          <a:prstGeom prst="rect">
-            <a:avLst/>
-          </a:prstGeom>
-          <a:noFill/>
-        </p:spPr>
-        <p:txBody>
-          <a:bodyPr wrap="none" rtlCol="0">
-            <a:spAutoFit/>
-          </a:bodyPr>
-          <a:lstStyle/>
-          <a:p>
-            <a:r>
-              <a:rPr lang="ja-JP" altLang="en-US"/>
-              <a:t>確率分布を</a:t>
-            </a:r>
-            <a:endParaRPr lang="en-US" altLang="ja-JP" dirty="0"/>
-          </a:p>
-          <a:p>
-            <a:r>
-              <a:rPr lang="ja-JP" altLang="en-US"/>
-              <a:t>つかって推定</a:t>
-            </a:r>
-            <a:endParaRPr lang="en-US" altLang="ja-JP" dirty="0"/>
-          </a:p>
-        </p:txBody>
-      </p:sp>
-      <p:sp>
-        <p:nvSpPr>
-          <p:cNvPr id="16" name="テキスト ボックス 15">
-            <a:extLst>
-              <a:ext uri="{FF2B5EF4-FFF2-40B4-BE49-F238E27FC236}">
-                <a16:creationId xmlns:a16="http://schemas.microsoft.com/office/drawing/2014/main" id="{5A2198E9-6B72-3F49-B532-8C8A93995ED8}"/>
-              </a:ext>
-            </a:extLst>
-          </p:cNvPr>
-          <p:cNvSpPr txBox="1"/>
-          <p:nvPr/>
-        </p:nvSpPr>
-        <p:spPr>
-          <a:xfrm>
-            <a:off x="1693139" y="4619669"/>
-            <a:ext cx="1569660" cy="646331"/>
-          </a:xfrm>
-          <a:prstGeom prst="rect">
-            <a:avLst/>
-          </a:prstGeom>
-          <a:noFill/>
-        </p:spPr>
-        <p:txBody>
-          <a:bodyPr wrap="none" rtlCol="0">
-            <a:spAutoFit/>
-          </a:bodyPr>
-          <a:lstStyle/>
-          <a:p>
-            <a:r>
-              <a:rPr kumimoji="1" lang="ja-JP" altLang="en-US"/>
-              <a:t>ランダム</a:t>
-            </a:r>
-            <a:endParaRPr kumimoji="1" lang="en-US" altLang="ja-JP" dirty="0"/>
-          </a:p>
-          <a:p>
-            <a:r>
-              <a:rPr kumimoji="1" lang="ja-JP" altLang="en-US"/>
-              <a:t>サンプリング</a:t>
-            </a:r>
-          </a:p>
-        </p:txBody>
-      </p:sp>
-      <p:sp>
-        <p:nvSpPr>
-          <p:cNvPr id="17" name="円/楕円 16">
-            <a:extLst>
-              <a:ext uri="{FF2B5EF4-FFF2-40B4-BE49-F238E27FC236}">
-                <a16:creationId xmlns:a16="http://schemas.microsoft.com/office/drawing/2014/main" id="{1AA63E51-AEF1-BA4C-996B-A529E3DA42A4}"/>
-              </a:ext>
-            </a:extLst>
-          </p:cNvPr>
-          <p:cNvSpPr/>
-          <p:nvPr/>
-        </p:nvSpPr>
-        <p:spPr>
-          <a:xfrm>
-            <a:off x="5628360" y="4202116"/>
-            <a:ext cx="1614055" cy="1614055"/>
-          </a:xfrm>
-          <a:prstGeom prst="ellipse">
-            <a:avLst/>
-          </a:prstGeom>
-          <a:solidFill>
-            <a:srgbClr val="002060"/>
-          </a:solidFill>
-        </p:spPr>
-        <p:style>
-          <a:lnRef idx="2">
-            <a:schemeClr val="accent1">
-              <a:shade val="50000"/>
-            </a:schemeClr>
-          </a:lnRef>
-          <a:fillRef idx="1">
-            <a:schemeClr val="accent1"/>
-          </a:fillRef>
-          <a:effectRef idx="0">
-            <a:schemeClr val="accent1"/>
-          </a:effectRef>
-          <a:fontRef idx="minor">
-            <a:schemeClr val="lt1"/>
-          </a:fontRef>
-        </p:style>
-        <p:txBody>
-          <a:bodyPr rtlCol="0" anchor="ctr"/>
-          <a:lstStyle/>
-          <a:p>
-            <a:pPr algn="ctr"/>
-            <a:r>
-              <a:rPr kumimoji="1" lang="ja-JP" altLang="en-US"/>
-              <a:t>母集団</a:t>
-            </a:r>
-          </a:p>
-        </p:txBody>
-      </p:sp>
-      <p:cxnSp>
-        <p:nvCxnSpPr>
-          <p:cNvPr id="18" name="直線矢印コネクタ 17">
-            <a:extLst>
-              <a:ext uri="{FF2B5EF4-FFF2-40B4-BE49-F238E27FC236}">
-                <a16:creationId xmlns:a16="http://schemas.microsoft.com/office/drawing/2014/main" id="{E7E9858D-0602-0C45-ACD3-2CC7268DC816}"/>
-              </a:ext>
-            </a:extLst>
-          </p:cNvPr>
-          <p:cNvCxnSpPr>
-            <a:cxnSpLocks/>
-          </p:cNvCxnSpPr>
-          <p:nvPr/>
-        </p:nvCxnSpPr>
-        <p:spPr>
-          <a:xfrm flipV="1">
-            <a:off x="7203325" y="4298515"/>
-            <a:ext cx="2112953" cy="531242"/>
-          </a:xfrm>
-          <a:prstGeom prst="straightConnector1">
-            <a:avLst/>
-          </a:prstGeom>
-          <a:ln>
-            <a:tailEnd type="triangle"/>
-          </a:ln>
-        </p:spPr>
-        <p:style>
-          <a:lnRef idx="1">
-            <a:schemeClr val="accent1"/>
-          </a:lnRef>
-          <a:fillRef idx="0">
-            <a:schemeClr val="accent1"/>
-          </a:fillRef>
-          <a:effectRef idx="0">
-            <a:schemeClr val="accent1"/>
-          </a:effectRef>
-          <a:fontRef idx="minor">
-            <a:schemeClr val="tx1"/>
-          </a:fontRef>
-        </p:style>
-      </p:cxnSp>
-      <p:pic>
-        <p:nvPicPr>
-          <p:cNvPr id="19" name="図 18">
-            <a:extLst>
-              <a:ext uri="{FF2B5EF4-FFF2-40B4-BE49-F238E27FC236}">
-                <a16:creationId xmlns:a16="http://schemas.microsoft.com/office/drawing/2014/main" id="{5B9A2AC1-2FDE-0D4B-A827-92A5824C5ED1}"/>
-              </a:ext>
-            </a:extLst>
-          </p:cNvPr>
-          <p:cNvPicPr>
-            <a:picLocks noChangeAspect="1"/>
-          </p:cNvPicPr>
-          <p:nvPr/>
-        </p:nvPicPr>
-        <p:blipFill>
-          <a:blip r:embed="rId2"/>
-          <a:stretch>
-            <a:fillRect/>
-          </a:stretch>
-        </p:blipFill>
-        <p:spPr>
-          <a:xfrm>
-            <a:off x="9595484" y="3672051"/>
-            <a:ext cx="1553125" cy="1881829"/>
-          </a:xfrm>
-          <a:prstGeom prst="rect">
-            <a:avLst/>
-          </a:prstGeom>
-        </p:spPr>
-      </p:pic>
-      <p:sp>
-        <p:nvSpPr>
-          <p:cNvPr id="20" name="テキスト ボックス 19">
-            <a:extLst>
-              <a:ext uri="{FF2B5EF4-FFF2-40B4-BE49-F238E27FC236}">
-                <a16:creationId xmlns:a16="http://schemas.microsoft.com/office/drawing/2014/main" id="{8405E6E0-4EB2-374F-9CA1-78A4A6988F91}"/>
-              </a:ext>
-            </a:extLst>
-          </p:cNvPr>
-          <p:cNvSpPr txBox="1"/>
-          <p:nvPr/>
-        </p:nvSpPr>
-        <p:spPr>
-          <a:xfrm>
-            <a:off x="10488091" y="3654303"/>
-            <a:ext cx="1101584" cy="369332"/>
-          </a:xfrm>
-          <a:prstGeom prst="rect">
-            <a:avLst/>
-          </a:prstGeom>
-          <a:noFill/>
-        </p:spPr>
-        <p:txBody>
-          <a:bodyPr wrap="none" rtlCol="0">
-            <a:spAutoFit/>
-          </a:bodyPr>
-          <a:lstStyle/>
-          <a:p>
-            <a:r>
-              <a:rPr kumimoji="1" lang="en-US" altLang="ja-JP" dirty="0" err="1"/>
-              <a:t>sampleA</a:t>
-            </a:r>
-            <a:endParaRPr kumimoji="1" lang="ja-JP" altLang="en-US"/>
-          </a:p>
-        </p:txBody>
-      </p:sp>
-      <p:cxnSp>
-        <p:nvCxnSpPr>
-          <p:cNvPr id="21" name="直線矢印コネクタ 20">
-            <a:extLst>
-              <a:ext uri="{FF2B5EF4-FFF2-40B4-BE49-F238E27FC236}">
-                <a16:creationId xmlns:a16="http://schemas.microsoft.com/office/drawing/2014/main" id="{3E3A2A11-58CA-7240-AA6A-8E09FC6FCF89}"/>
-              </a:ext>
-            </a:extLst>
-          </p:cNvPr>
-          <p:cNvCxnSpPr>
-            <a:cxnSpLocks/>
-            <a:stCxn id="19" idx="1"/>
-          </p:cNvCxnSpPr>
-          <p:nvPr/>
-        </p:nvCxnSpPr>
-        <p:spPr>
-          <a:xfrm flipH="1">
-            <a:off x="8523162" y="4612966"/>
-            <a:ext cx="1072322" cy="428419"/>
-          </a:xfrm>
-          <a:prstGeom prst="straightConnector1">
-            <a:avLst/>
-          </a:prstGeom>
-          <a:ln w="12700">
-            <a:solidFill>
-              <a:srgbClr val="C00000"/>
-            </a:solidFill>
-            <a:prstDash val="sysDash"/>
-            <a:tailEnd type="triangle"/>
-          </a:ln>
-        </p:spPr>
-        <p:style>
-          <a:lnRef idx="1">
-            <a:schemeClr val="accent1"/>
-          </a:lnRef>
-          <a:fillRef idx="0">
-            <a:schemeClr val="accent1"/>
-          </a:fillRef>
-          <a:effectRef idx="0">
-            <a:schemeClr val="accent1"/>
-          </a:effectRef>
-          <a:fontRef idx="minor">
-            <a:schemeClr val="tx1"/>
-          </a:fontRef>
-        </p:style>
-      </p:cxnSp>
-      <p:sp>
-        <p:nvSpPr>
-          <p:cNvPr id="23" name="テキスト ボックス 22">
-            <a:extLst>
-              <a:ext uri="{FF2B5EF4-FFF2-40B4-BE49-F238E27FC236}">
-                <a16:creationId xmlns:a16="http://schemas.microsoft.com/office/drawing/2014/main" id="{FB4B5E0E-6E10-D84C-A90C-7082B89088F5}"/>
-              </a:ext>
-            </a:extLst>
-          </p:cNvPr>
-          <p:cNvSpPr txBox="1"/>
-          <p:nvPr/>
-        </p:nvSpPr>
-        <p:spPr>
-          <a:xfrm>
-            <a:off x="7267666" y="3880060"/>
-            <a:ext cx="1569660" cy="646331"/>
-          </a:xfrm>
-          <a:prstGeom prst="rect">
-            <a:avLst/>
-          </a:prstGeom>
-          <a:noFill/>
-        </p:spPr>
-        <p:txBody>
-          <a:bodyPr wrap="none" rtlCol="0">
-            <a:spAutoFit/>
-          </a:bodyPr>
-          <a:lstStyle/>
-          <a:p>
-            <a:r>
-              <a:rPr kumimoji="1" lang="ja-JP" altLang="en-US"/>
-              <a:t>ランダム</a:t>
-            </a:r>
-            <a:endParaRPr kumimoji="1" lang="en-US" altLang="ja-JP" dirty="0"/>
-          </a:p>
-          <a:p>
-            <a:r>
-              <a:rPr kumimoji="1" lang="ja-JP" altLang="en-US"/>
-              <a:t>サンプリング</a:t>
-            </a:r>
-          </a:p>
-        </p:txBody>
-      </p:sp>
-      <p:sp>
-        <p:nvSpPr>
-          <p:cNvPr id="26" name="テキスト ボックス 25">
-            <a:extLst>
-              <a:ext uri="{FF2B5EF4-FFF2-40B4-BE49-F238E27FC236}">
-                <a16:creationId xmlns:a16="http://schemas.microsoft.com/office/drawing/2014/main" id="{7C2C6332-30EC-3B43-9D85-E1F518F598CB}"/>
-              </a:ext>
-            </a:extLst>
-          </p:cNvPr>
-          <p:cNvSpPr txBox="1"/>
-          <p:nvPr/>
-        </p:nvSpPr>
-        <p:spPr>
-          <a:xfrm>
-            <a:off x="8002028" y="4672739"/>
-            <a:ext cx="1338828" cy="646331"/>
-          </a:xfrm>
-          <a:prstGeom prst="rect">
-            <a:avLst/>
-          </a:prstGeom>
-          <a:noFill/>
-        </p:spPr>
-        <p:txBody>
-          <a:bodyPr wrap="none" rtlCol="0">
-            <a:spAutoFit/>
-          </a:bodyPr>
-          <a:lstStyle/>
-          <a:p>
-            <a:r>
-              <a:rPr lang="ja-JP" altLang="en-US"/>
-              <a:t>確率分布を</a:t>
-            </a:r>
-            <a:endParaRPr lang="en-US" altLang="ja-JP" dirty="0"/>
-          </a:p>
-          <a:p>
-            <a:r>
-              <a:rPr lang="ja-JP" altLang="en-US"/>
-              <a:t>つかえない</a:t>
-            </a:r>
-            <a:endParaRPr lang="en-US" altLang="ja-JP" dirty="0"/>
-          </a:p>
-        </p:txBody>
-      </p:sp>
-      <p:pic>
-        <p:nvPicPr>
-          <p:cNvPr id="27" name="図 26">
-            <a:extLst>
-              <a:ext uri="{FF2B5EF4-FFF2-40B4-BE49-F238E27FC236}">
-                <a16:creationId xmlns:a16="http://schemas.microsoft.com/office/drawing/2014/main" id="{B890E0DE-FA4C-9942-8809-7F4823654B6D}"/>
-              </a:ext>
-            </a:extLst>
-          </p:cNvPr>
-          <p:cNvPicPr>
-            <a:picLocks noChangeAspect="1"/>
-          </p:cNvPicPr>
-          <p:nvPr/>
-        </p:nvPicPr>
-        <p:blipFill>
-          <a:blip r:embed="rId3"/>
-          <a:stretch>
-            <a:fillRect/>
-          </a:stretch>
-        </p:blipFill>
-        <p:spPr>
-          <a:xfrm>
-            <a:off x="9059323" y="5752269"/>
-            <a:ext cx="1002244" cy="1214359"/>
-          </a:xfrm>
-          <a:prstGeom prst="rect">
-            <a:avLst/>
-          </a:prstGeom>
-        </p:spPr>
-      </p:pic>
-      <p:pic>
-        <p:nvPicPr>
-          <p:cNvPr id="28" name="図 27">
-            <a:extLst>
-              <a:ext uri="{FF2B5EF4-FFF2-40B4-BE49-F238E27FC236}">
-                <a16:creationId xmlns:a16="http://schemas.microsoft.com/office/drawing/2014/main" id="{66DDF4E5-3BD3-1B4F-88F7-63186977C089}"/>
-              </a:ext>
-            </a:extLst>
-          </p:cNvPr>
-          <p:cNvPicPr>
-            <a:picLocks noChangeAspect="1"/>
-          </p:cNvPicPr>
-          <p:nvPr/>
-        </p:nvPicPr>
-        <p:blipFill>
-          <a:blip r:embed="rId2"/>
-          <a:stretch>
-            <a:fillRect/>
-          </a:stretch>
-        </p:blipFill>
-        <p:spPr>
-          <a:xfrm>
-            <a:off x="8052496" y="5697796"/>
-            <a:ext cx="1061850" cy="1256348"/>
-          </a:xfrm>
-          <a:prstGeom prst="rect">
-            <a:avLst/>
-          </a:prstGeom>
-        </p:spPr>
-      </p:pic>
-      <p:pic>
-        <p:nvPicPr>
-          <p:cNvPr id="32" name="図 31">
-            <a:extLst>
-              <a:ext uri="{FF2B5EF4-FFF2-40B4-BE49-F238E27FC236}">
-                <a16:creationId xmlns:a16="http://schemas.microsoft.com/office/drawing/2014/main" id="{35422931-C68A-4A41-AB4B-C8A9FCD7684C}"/>
-              </a:ext>
-            </a:extLst>
-          </p:cNvPr>
-          <p:cNvPicPr>
-            <a:picLocks noChangeAspect="1"/>
-          </p:cNvPicPr>
-          <p:nvPr/>
-        </p:nvPicPr>
-        <p:blipFill>
-          <a:blip r:embed="rId2"/>
-          <a:stretch>
-            <a:fillRect/>
-          </a:stretch>
-        </p:blipFill>
-        <p:spPr>
-          <a:xfrm>
-            <a:off x="9930097" y="5697796"/>
-            <a:ext cx="1061850" cy="1286580"/>
-          </a:xfrm>
-          <a:prstGeom prst="rect">
-            <a:avLst/>
-          </a:prstGeom>
-        </p:spPr>
-      </p:pic>
-      <p:pic>
-        <p:nvPicPr>
-          <p:cNvPr id="34" name="図 33">
-            <a:extLst>
-              <a:ext uri="{FF2B5EF4-FFF2-40B4-BE49-F238E27FC236}">
-                <a16:creationId xmlns:a16="http://schemas.microsoft.com/office/drawing/2014/main" id="{903B2C26-67FF-8F42-AB99-63B37658B170}"/>
-              </a:ext>
-            </a:extLst>
-          </p:cNvPr>
-          <p:cNvPicPr>
-            <a:picLocks noChangeAspect="1"/>
-          </p:cNvPicPr>
-          <p:nvPr/>
-        </p:nvPicPr>
-        <p:blipFill>
-          <a:blip r:embed="rId2"/>
-          <a:stretch>
-            <a:fillRect/>
-          </a:stretch>
-        </p:blipFill>
-        <p:spPr>
-          <a:xfrm>
-            <a:off x="10830200" y="5697796"/>
-            <a:ext cx="1061850" cy="1286580"/>
-          </a:xfrm>
-          <a:prstGeom prst="rect">
-            <a:avLst/>
-          </a:prstGeom>
-        </p:spPr>
-      </p:pic>
-      <p:pic>
-        <p:nvPicPr>
-          <p:cNvPr id="35" name="図 34">
-            <a:extLst>
-              <a:ext uri="{FF2B5EF4-FFF2-40B4-BE49-F238E27FC236}">
-                <a16:creationId xmlns:a16="http://schemas.microsoft.com/office/drawing/2014/main" id="{A742E927-8E23-124B-A753-DD17EFD8BB10}"/>
-              </a:ext>
-            </a:extLst>
-          </p:cNvPr>
-          <p:cNvPicPr>
-            <a:picLocks noChangeAspect="1"/>
-          </p:cNvPicPr>
-          <p:nvPr/>
-        </p:nvPicPr>
-        <p:blipFill>
-          <a:blip r:embed="rId3"/>
-          <a:stretch>
-            <a:fillRect/>
-          </a:stretch>
-        </p:blipFill>
-        <p:spPr>
-          <a:xfrm>
-            <a:off x="11573955" y="5752269"/>
-            <a:ext cx="1002244" cy="1214359"/>
-          </a:xfrm>
-          <a:prstGeom prst="rect">
-            <a:avLst/>
-          </a:prstGeom>
-        </p:spPr>
-      </p:pic>
-      <p:cxnSp>
-        <p:nvCxnSpPr>
-          <p:cNvPr id="37" name="直線矢印コネクタ 36">
-            <a:extLst>
-              <a:ext uri="{FF2B5EF4-FFF2-40B4-BE49-F238E27FC236}">
-                <a16:creationId xmlns:a16="http://schemas.microsoft.com/office/drawing/2014/main" id="{B02A2764-81CF-A749-BCB1-70E977DC0BE1}"/>
-              </a:ext>
-            </a:extLst>
-          </p:cNvPr>
-          <p:cNvCxnSpPr>
-            <a:cxnSpLocks/>
-          </p:cNvCxnSpPr>
-          <p:nvPr/>
-        </p:nvCxnSpPr>
-        <p:spPr>
-          <a:xfrm flipH="1">
-            <a:off x="8648045" y="5306102"/>
-            <a:ext cx="1072322" cy="428419"/>
-          </a:xfrm>
-          <a:prstGeom prst="straightConnector1">
-            <a:avLst/>
-          </a:prstGeom>
-          <a:ln w="31750">
-            <a:solidFill>
-              <a:schemeClr val="accent6">
-                <a:lumMod val="75000"/>
-              </a:schemeClr>
-            </a:solidFill>
-            <a:prstDash val="solid"/>
-            <a:tailEnd type="triangle"/>
-          </a:ln>
-        </p:spPr>
-        <p:style>
-          <a:lnRef idx="1">
-            <a:schemeClr val="accent1"/>
-          </a:lnRef>
-          <a:fillRef idx="0">
-            <a:schemeClr val="accent1"/>
-          </a:fillRef>
-          <a:effectRef idx="0">
-            <a:schemeClr val="accent1"/>
-          </a:effectRef>
-          <a:fontRef idx="minor">
-            <a:schemeClr val="tx1"/>
-          </a:fontRef>
-        </p:style>
-      </p:cxnSp>
-      <p:cxnSp>
-        <p:nvCxnSpPr>
-          <p:cNvPr id="38" name="直線矢印コネクタ 37">
-            <a:extLst>
-              <a:ext uri="{FF2B5EF4-FFF2-40B4-BE49-F238E27FC236}">
-                <a16:creationId xmlns:a16="http://schemas.microsoft.com/office/drawing/2014/main" id="{2F55DBCB-8E48-AB4A-83AE-4D728E66B107}"/>
-              </a:ext>
-            </a:extLst>
-          </p:cNvPr>
-          <p:cNvCxnSpPr>
-            <a:cxnSpLocks/>
-          </p:cNvCxnSpPr>
-          <p:nvPr/>
-        </p:nvCxnSpPr>
-        <p:spPr>
-          <a:xfrm flipH="1">
-            <a:off x="9648513" y="5415608"/>
-            <a:ext cx="322534" cy="273314"/>
-          </a:xfrm>
-          <a:prstGeom prst="straightConnector1">
-            <a:avLst/>
-          </a:prstGeom>
-          <a:ln w="31750">
-            <a:solidFill>
-              <a:schemeClr val="accent6">
-                <a:lumMod val="75000"/>
-              </a:schemeClr>
-            </a:solidFill>
-            <a:prstDash val="solid"/>
-            <a:tailEnd type="triangle"/>
-          </a:ln>
-        </p:spPr>
-        <p:style>
-          <a:lnRef idx="1">
-            <a:schemeClr val="accent1"/>
-          </a:lnRef>
-          <a:fillRef idx="0">
-            <a:schemeClr val="accent1"/>
-          </a:fillRef>
-          <a:effectRef idx="0">
-            <a:schemeClr val="accent1"/>
-          </a:effectRef>
-          <a:fontRef idx="minor">
-            <a:schemeClr val="tx1"/>
-          </a:fontRef>
-        </p:style>
-      </p:cxnSp>
-      <p:cxnSp>
-        <p:nvCxnSpPr>
-          <p:cNvPr id="41" name="直線矢印コネクタ 40">
-            <a:extLst>
-              <a:ext uri="{FF2B5EF4-FFF2-40B4-BE49-F238E27FC236}">
-                <a16:creationId xmlns:a16="http://schemas.microsoft.com/office/drawing/2014/main" id="{69670B92-353D-4549-92C8-8032D7446C76}"/>
-              </a:ext>
-            </a:extLst>
-          </p:cNvPr>
-          <p:cNvCxnSpPr>
-            <a:cxnSpLocks/>
-            <a:stCxn id="19" idx="2"/>
-          </p:cNvCxnSpPr>
-          <p:nvPr/>
-        </p:nvCxnSpPr>
-        <p:spPr>
-          <a:xfrm>
-            <a:off x="10372047" y="5553880"/>
-            <a:ext cx="117033" cy="114973"/>
-          </a:xfrm>
-          <a:prstGeom prst="straightConnector1">
-            <a:avLst/>
-          </a:prstGeom>
-          <a:ln w="31750">
-            <a:solidFill>
-              <a:schemeClr val="accent6">
-                <a:lumMod val="75000"/>
-              </a:schemeClr>
-            </a:solidFill>
-            <a:prstDash val="solid"/>
-            <a:tailEnd type="triangle"/>
-          </a:ln>
-        </p:spPr>
-        <p:style>
-          <a:lnRef idx="1">
-            <a:schemeClr val="accent1"/>
-          </a:lnRef>
-          <a:fillRef idx="0">
-            <a:schemeClr val="accent1"/>
-          </a:fillRef>
-          <a:effectRef idx="0">
-            <a:schemeClr val="accent1"/>
-          </a:effectRef>
-          <a:fontRef idx="minor">
-            <a:schemeClr val="tx1"/>
-          </a:fontRef>
-        </p:style>
-      </p:cxnSp>
-      <p:cxnSp>
-        <p:nvCxnSpPr>
-          <p:cNvPr id="44" name="直線矢印コネクタ 43">
-            <a:extLst>
-              <a:ext uri="{FF2B5EF4-FFF2-40B4-BE49-F238E27FC236}">
-                <a16:creationId xmlns:a16="http://schemas.microsoft.com/office/drawing/2014/main" id="{4B17A9D4-BE99-574F-B3A9-7214787CABF4}"/>
-              </a:ext>
-            </a:extLst>
-          </p:cNvPr>
-          <p:cNvCxnSpPr>
-            <a:cxnSpLocks/>
-            <a:endCxn id="34" idx="0"/>
-          </p:cNvCxnSpPr>
-          <p:nvPr/>
-        </p:nvCxnSpPr>
-        <p:spPr>
-          <a:xfrm>
-            <a:off x="10734261" y="5520311"/>
-            <a:ext cx="626864" cy="177485"/>
-          </a:xfrm>
-          <a:prstGeom prst="straightConnector1">
-            <a:avLst/>
-          </a:prstGeom>
-          <a:ln w="31750">
-            <a:solidFill>
-              <a:schemeClr val="accent6">
-                <a:lumMod val="75000"/>
-              </a:schemeClr>
-            </a:solidFill>
-            <a:prstDash val="solid"/>
-            <a:tailEnd type="triangle"/>
-          </a:ln>
-        </p:spPr>
-        <p:style>
-          <a:lnRef idx="1">
-            <a:schemeClr val="accent1"/>
-          </a:lnRef>
-          <a:fillRef idx="0">
-            <a:schemeClr val="accent1"/>
-          </a:fillRef>
-          <a:effectRef idx="0">
-            <a:schemeClr val="accent1"/>
-          </a:effectRef>
-          <a:fontRef idx="minor">
-            <a:schemeClr val="tx1"/>
-          </a:fontRef>
-        </p:style>
-      </p:cxnSp>
-      <p:cxnSp>
-        <p:nvCxnSpPr>
-          <p:cNvPr id="47" name="直線矢印コネクタ 46">
-            <a:extLst>
-              <a:ext uri="{FF2B5EF4-FFF2-40B4-BE49-F238E27FC236}">
-                <a16:creationId xmlns:a16="http://schemas.microsoft.com/office/drawing/2014/main" id="{4DE1379D-0495-B749-9558-E68D094390C2}"/>
-              </a:ext>
-            </a:extLst>
-          </p:cNvPr>
-          <p:cNvCxnSpPr>
-            <a:cxnSpLocks/>
-          </p:cNvCxnSpPr>
-          <p:nvPr/>
-        </p:nvCxnSpPr>
-        <p:spPr>
-          <a:xfrm>
-            <a:off x="11035677" y="5306102"/>
-            <a:ext cx="918311" cy="319736"/>
-          </a:xfrm>
-          <a:prstGeom prst="straightConnector1">
-            <a:avLst/>
-          </a:prstGeom>
-          <a:ln w="31750">
-            <a:solidFill>
-              <a:schemeClr val="accent6">
-                <a:lumMod val="75000"/>
-              </a:schemeClr>
-            </a:solidFill>
-            <a:prstDash val="solid"/>
-            <a:tailEnd type="triangle"/>
-          </a:ln>
-        </p:spPr>
-        <p:style>
-          <a:lnRef idx="1">
-            <a:schemeClr val="accent1"/>
-          </a:lnRef>
-          <a:fillRef idx="0">
-            <a:schemeClr val="accent1"/>
-          </a:fillRef>
-          <a:effectRef idx="0">
-            <a:schemeClr val="accent1"/>
-          </a:effectRef>
-          <a:fontRef idx="minor">
-            <a:schemeClr val="tx1"/>
-          </a:fontRef>
-        </p:style>
-      </p:cxnSp>
-      <p:sp>
-        <p:nvSpPr>
-          <p:cNvPr id="49" name="左中かっこ 48">
-            <a:extLst>
-              <a:ext uri="{FF2B5EF4-FFF2-40B4-BE49-F238E27FC236}">
-                <a16:creationId xmlns:a16="http://schemas.microsoft.com/office/drawing/2014/main" id="{DBFC1F12-31DA-1F4E-A1BC-ACE94147CFA1}"/>
-              </a:ext>
-            </a:extLst>
-          </p:cNvPr>
-          <p:cNvSpPr/>
-          <p:nvPr/>
-        </p:nvSpPr>
-        <p:spPr>
-          <a:xfrm>
-            <a:off x="7585548" y="5845703"/>
-            <a:ext cx="385819" cy="987679"/>
-          </a:xfrm>
-          <a:prstGeom prst="leftBrace">
-            <a:avLst/>
-          </a:prstGeom>
-        </p:spPr>
-        <p:style>
-          <a:lnRef idx="1">
-            <a:schemeClr val="accent1"/>
-          </a:lnRef>
-          <a:fillRef idx="0">
-            <a:schemeClr val="accent1"/>
-          </a:fillRef>
-          <a:effectRef idx="0">
-            <a:schemeClr val="accent1"/>
-          </a:effectRef>
-          <a:fontRef idx="minor">
-            <a:schemeClr val="tx1"/>
-          </a:fontRef>
-        </p:style>
-        <p:txBody>
-          <a:bodyPr rtlCol="0" anchor="ctr"/>
-          <a:lstStyle/>
-          <a:p>
-            <a:pPr algn="ctr"/>
-            <a:endParaRPr kumimoji="1" lang="ja-JP" altLang="en-US"/>
-          </a:p>
-        </p:txBody>
-      </p:sp>
-      <p:cxnSp>
-        <p:nvCxnSpPr>
-          <p:cNvPr id="50" name="直線矢印コネクタ 49">
-            <a:extLst>
-              <a:ext uri="{FF2B5EF4-FFF2-40B4-BE49-F238E27FC236}">
-                <a16:creationId xmlns:a16="http://schemas.microsoft.com/office/drawing/2014/main" id="{F9875F4A-92DA-2148-B46F-7402323A9996}"/>
-              </a:ext>
-            </a:extLst>
-          </p:cNvPr>
-          <p:cNvCxnSpPr>
-            <a:cxnSpLocks/>
-          </p:cNvCxnSpPr>
-          <p:nvPr/>
-        </p:nvCxnSpPr>
-        <p:spPr>
-          <a:xfrm flipH="1" flipV="1">
-            <a:off x="6979527" y="5688922"/>
-            <a:ext cx="565457" cy="633961"/>
-          </a:xfrm>
-          <a:prstGeom prst="straightConnector1">
-            <a:avLst/>
-          </a:prstGeom>
-          <a:ln w="47625">
-            <a:solidFill>
-              <a:srgbClr val="C00000"/>
-            </a:solidFill>
-            <a:prstDash val="sysDash"/>
-            <a:tailEnd type="triangle"/>
-          </a:ln>
-        </p:spPr>
-        <p:style>
-          <a:lnRef idx="1">
-            <a:schemeClr val="accent1"/>
-          </a:lnRef>
-          <a:fillRef idx="0">
-            <a:schemeClr val="accent1"/>
-          </a:fillRef>
-          <a:effectRef idx="0">
-            <a:schemeClr val="accent1"/>
-          </a:effectRef>
-          <a:fontRef idx="minor">
-            <a:schemeClr val="tx1"/>
-          </a:fontRef>
-        </p:style>
-      </p:cxnSp>
-      <p:sp>
-        <p:nvSpPr>
-          <p:cNvPr id="52" name="テキスト ボックス 51">
-            <a:extLst>
-              <a:ext uri="{FF2B5EF4-FFF2-40B4-BE49-F238E27FC236}">
-                <a16:creationId xmlns:a16="http://schemas.microsoft.com/office/drawing/2014/main" id="{9FC5A2FF-9FEB-3443-A0A8-60EBF139D314}"/>
-              </a:ext>
-            </a:extLst>
-          </p:cNvPr>
-          <p:cNvSpPr txBox="1"/>
-          <p:nvPr/>
-        </p:nvSpPr>
-        <p:spPr>
-          <a:xfrm>
-            <a:off x="5652445" y="6036282"/>
-            <a:ext cx="2031325" cy="646331"/>
-          </a:xfrm>
-          <a:prstGeom prst="rect">
-            <a:avLst/>
-          </a:prstGeom>
-          <a:noFill/>
-        </p:spPr>
-        <p:txBody>
-          <a:bodyPr wrap="none" rtlCol="0">
-            <a:spAutoFit/>
-          </a:bodyPr>
-          <a:lstStyle/>
-          <a:p>
-            <a:r>
-              <a:rPr lang="ja-JP" altLang="en-US"/>
-              <a:t>たくさん作った</a:t>
-            </a:r>
-            <a:endParaRPr lang="en-US" altLang="ja-JP" dirty="0"/>
-          </a:p>
-          <a:p>
-            <a:r>
-              <a:rPr lang="ja-JP" altLang="en-US"/>
-              <a:t>サンプルから推定</a:t>
-            </a:r>
-            <a:endParaRPr lang="en-US" altLang="ja-JP" dirty="0"/>
-          </a:p>
-        </p:txBody>
-      </p:sp>
-      <p:sp>
-        <p:nvSpPr>
-          <p:cNvPr id="53" name="テキスト ボックス 52">
-            <a:extLst>
-              <a:ext uri="{FF2B5EF4-FFF2-40B4-BE49-F238E27FC236}">
-                <a16:creationId xmlns:a16="http://schemas.microsoft.com/office/drawing/2014/main" id="{7429E7BF-03E8-2442-8C70-8A8C5EC13F24}"/>
-              </a:ext>
-            </a:extLst>
-          </p:cNvPr>
-          <p:cNvSpPr txBox="1"/>
-          <p:nvPr/>
-        </p:nvSpPr>
-        <p:spPr>
-          <a:xfrm>
-            <a:off x="11035677" y="4930334"/>
-            <a:ext cx="1107996" cy="369332"/>
-          </a:xfrm>
-          <a:prstGeom prst="rect">
-            <a:avLst/>
-          </a:prstGeom>
-          <a:noFill/>
-        </p:spPr>
-        <p:txBody>
-          <a:bodyPr wrap="none" rtlCol="0">
-            <a:spAutoFit/>
-          </a:bodyPr>
-          <a:lstStyle/>
-          <a:p>
-            <a:r>
-              <a:rPr kumimoji="1" lang="ja-JP" altLang="en-US">
-                <a:solidFill>
-                  <a:schemeClr val="accent6">
-                    <a:lumMod val="50000"/>
-                  </a:schemeClr>
-                </a:solidFill>
-              </a:rPr>
-              <a:t>復元抽出</a:t>
-            </a:r>
           </a:p>
         </p:txBody>
       </p:sp>
     </p:spTree>
     <p:extLst>
       <p:ext uri="{BB962C8B-B14F-4D97-AF65-F5344CB8AC3E}">
-        <p14:creationId xmlns:p14="http://schemas.microsoft.com/office/powerpoint/2010/main" val="2623570583"/>
+        <p14:creationId xmlns:p14="http://schemas.microsoft.com/office/powerpoint/2010/main" val="1216965000"/>
       </p:ext>
     </p:extLst>
   </p:cSld>
@@ -5783,7 +4965,7 @@
           <p:cNvPr id="2" name="タイトル 1">
             <a:extLst>
               <a:ext uri="{FF2B5EF4-FFF2-40B4-BE49-F238E27FC236}">
-                <a16:creationId xmlns:a16="http://schemas.microsoft.com/office/drawing/2014/main" id="{5D7BDEE0-CCBA-7B41-AA94-850779A2743E}"/>
+                <a16:creationId xmlns:a16="http://schemas.microsoft.com/office/drawing/2014/main" id="{8735B3ED-534B-9148-BE43-146E345053C2}"/>
               </a:ext>
             </a:extLst>
           </p:cNvPr>
@@ -5801,7 +4983,19 @@
           <a:p>
             <a:r>
               <a:rPr kumimoji="1" lang="ja-JP" altLang="en-US"/>
-              <a:t>ブートストラップの方法</a:t>
+              <a:t>カイ二乗（</a:t>
+            </a:r>
+            <a:r>
+              <a:rPr kumimoji="1" lang="en-US" altLang="ja-JP" dirty="0"/>
+              <a:t>Χ</a:t>
+            </a:r>
+            <a:r>
+              <a:rPr kumimoji="1" lang="en-US" altLang="ja-JP" baseline="30000" dirty="0"/>
+              <a:t>2</a:t>
+            </a:r>
+            <a:r>
+              <a:rPr kumimoji="1" lang="ja-JP" altLang="en-US"/>
+              <a:t>）と検定</a:t>
             </a:r>
           </a:p>
         </p:txBody>
@@ -5811,7 +5005,7 @@
           <p:cNvPr id="3" name="コンテンツ プレースホルダー 2">
             <a:extLst>
               <a:ext uri="{FF2B5EF4-FFF2-40B4-BE49-F238E27FC236}">
-                <a16:creationId xmlns:a16="http://schemas.microsoft.com/office/drawing/2014/main" id="{D222E444-4FE7-FF48-85C5-193FD23C9F85}"/>
+                <a16:creationId xmlns:a16="http://schemas.microsoft.com/office/drawing/2014/main" id="{53329B6A-02E6-674F-BCF0-66057978508F}"/>
               </a:ext>
             </a:extLst>
           </p:cNvPr>
@@ -5824,104 +5018,245 @@
         </p:nvSpPr>
         <p:spPr>
           <a:xfrm>
-            <a:off x="838200" y="1825624"/>
-            <a:ext cx="10515600" cy="4667251"/>
+            <a:off x="838199" y="1825625"/>
+            <a:ext cx="10863649" cy="4351338"/>
           </a:xfrm>
         </p:spPr>
         <p:txBody>
           <a:bodyPr>
-            <a:normAutofit fontScale="92500" lnSpcReduction="10000"/>
+            <a:normAutofit/>
           </a:bodyPr>
           <a:lstStyle/>
           <a:p>
             <a:r>
+              <a:rPr kumimoji="1" lang="ja-JP" altLang="en-US"/>
+              <a:t>カイ</a:t>
+            </a:r>
+            <a:r>
+              <a:rPr kumimoji="1" lang="en-US" altLang="ja-JP" dirty="0"/>
+              <a:t>2</a:t>
+            </a:r>
+            <a:r>
+              <a:rPr kumimoji="1" lang="ja-JP" altLang="en-US"/>
+              <a:t>乗とは、観測値</a:t>
+            </a:r>
+            <a:r>
+              <a:rPr kumimoji="1" lang="en-US" altLang="ja-JP" dirty="0"/>
+              <a:t>O</a:t>
+            </a:r>
+            <a:r>
+              <a:rPr kumimoji="1" lang="ja-JP" altLang="en-US"/>
+              <a:t>とモデルによる推定値（期待値）</a:t>
+            </a:r>
+            <a:r>
+              <a:rPr kumimoji="1" lang="en-US" altLang="ja-JP" dirty="0"/>
+              <a:t>E</a:t>
+            </a:r>
+            <a:r>
+              <a:rPr kumimoji="1" lang="ja-JP" altLang="en-US"/>
+              <a:t>との差分の二乗</a:t>
+            </a:r>
+            <a:r>
+              <a:rPr kumimoji="1" lang="en-US" altLang="ja-JP" dirty="0"/>
+              <a:t>(O-E)</a:t>
+            </a:r>
+            <a:r>
+              <a:rPr kumimoji="1" lang="ja-JP" altLang="en-US"/>
+              <a:t>を</a:t>
+            </a:r>
+            <a:r>
+              <a:rPr kumimoji="1" lang="en-US" altLang="ja-JP" dirty="0"/>
+              <a:t>E</a:t>
+            </a:r>
+            <a:r>
+              <a:rPr kumimoji="1" lang="ja-JP" altLang="en-US"/>
+              <a:t>で割った総和．</a:t>
+            </a:r>
+            <a:endParaRPr kumimoji="1" lang="en-US" altLang="ja-JP" dirty="0"/>
+          </a:p>
+          <a:p>
+            <a:pPr lvl="1"/>
+            <a:r>
               <a:rPr lang="ja-JP" altLang="en-US"/>
-              <a:t>母数やモデルの推定のみならず、統計</a:t>
-            </a:r>
-            <a:r>
-              <a:rPr kumimoji="1" lang="ja-JP" altLang="en-US"/>
-              <a:t>モデルのモデル診断に用いる場合も．</a:t>
+              <a:t>サンプルサイズが</a:t>
+            </a:r>
+            <a:r>
+              <a:rPr lang="en-US" altLang="ja-JP" dirty="0"/>
+              <a:t>n</a:t>
+            </a:r>
+            <a:r>
+              <a:rPr lang="ja-JP" altLang="en-US"/>
+              <a:t>のとき、</a:t>
+            </a:r>
+            <a:r>
+              <a:rPr lang="en-US" altLang="ja-JP" dirty="0"/>
+              <a:t>Χ</a:t>
+            </a:r>
+            <a:r>
+              <a:rPr lang="en-US" altLang="ja-JP" baseline="30000" dirty="0"/>
+              <a:t>2</a:t>
+            </a:r>
+            <a:r>
+              <a:rPr lang="en-US" altLang="ja-JP" dirty="0"/>
+              <a:t> = </a:t>
+            </a:r>
+            <a:r>
+              <a:rPr lang="en-US" altLang="ja-JP" dirty="0" err="1"/>
+              <a:t>Σ</a:t>
+            </a:r>
+            <a:r>
+              <a:rPr lang="en-US" altLang="ja-JP" baseline="-25000" dirty="0" err="1"/>
+              <a:t>i</a:t>
+            </a:r>
+            <a:r>
+              <a:rPr lang="en-US" altLang="ja-JP" baseline="-25000" dirty="0"/>
+              <a:t>=1</a:t>
+            </a:r>
+            <a:r>
+              <a:rPr lang="en-US" altLang="ja-JP" baseline="30000" dirty="0"/>
+              <a:t>n</a:t>
+            </a:r>
+            <a:r>
+              <a:rPr lang="en-US" altLang="ja-JP" dirty="0"/>
+              <a:t>(O</a:t>
+            </a:r>
+            <a:r>
+              <a:rPr lang="en-US" altLang="ja-JP" baseline="-25000" dirty="0"/>
+              <a:t>i</a:t>
+            </a:r>
+            <a:r>
+              <a:rPr lang="en-US" altLang="ja-JP" dirty="0"/>
+              <a:t>-</a:t>
+            </a:r>
+            <a:r>
+              <a:rPr lang="en-US" altLang="ja-JP" dirty="0" err="1"/>
+              <a:t>E</a:t>
+            </a:r>
+            <a:r>
+              <a:rPr lang="en-US" altLang="ja-JP" baseline="-25000" dirty="0" err="1"/>
+              <a:t>i</a:t>
+            </a:r>
+            <a:r>
+              <a:rPr lang="en-US" altLang="ja-JP" dirty="0"/>
+              <a:t>)/</a:t>
+            </a:r>
+            <a:r>
+              <a:rPr lang="en-US" altLang="ja-JP" dirty="0" err="1"/>
+              <a:t>E</a:t>
+            </a:r>
+            <a:r>
+              <a:rPr lang="en-US" altLang="ja-JP" baseline="-25000" dirty="0" err="1"/>
+              <a:t>i</a:t>
+            </a:r>
+            <a:endParaRPr lang="en-US" altLang="ja-JP" baseline="-25000" dirty="0"/>
+          </a:p>
+          <a:p>
+            <a:pPr lvl="1"/>
+            <a:endParaRPr lang="en-US" altLang="ja-JP" dirty="0"/>
+          </a:p>
+          <a:p>
+            <a:r>
+              <a:rPr kumimoji="1" lang="ja-JP" altLang="en-US"/>
+              <a:t>ジャンケンで出す手（グー、チョキ、パー）の例．</a:t>
             </a:r>
             <a:endParaRPr kumimoji="1" lang="en-US" altLang="ja-JP" dirty="0"/>
           </a:p>
           <a:p>
-            <a:pPr marL="0" indent="0">
+            <a:pPr lvl="1"/>
+            <a:r>
+              <a:rPr kumimoji="1" lang="ja-JP" altLang="en-US"/>
+              <a:t>出す手に偏りがない場合</a:t>
+            </a:r>
+            <a:r>
+              <a:rPr lang="ja-JP" altLang="en-US"/>
+              <a:t>（確率</a:t>
+            </a:r>
+            <a:r>
+              <a:rPr lang="en-US" altLang="ja-JP" dirty="0"/>
+              <a:t>1/3</a:t>
+            </a:r>
+            <a:r>
+              <a:rPr lang="ja-JP" altLang="en-US"/>
+              <a:t>でそれぞれの手を出す場合）、</a:t>
+            </a:r>
+            <a:r>
+              <a:rPr lang="en-US" altLang="ja-JP" dirty="0"/>
+              <a:t>100</a:t>
+            </a:r>
+            <a:r>
+              <a:rPr lang="ja-JP" altLang="en-US"/>
+              <a:t>回ジャンケンをするとそれぞれの手が出る期待値は</a:t>
+            </a:r>
+            <a:r>
+              <a:rPr lang="en-US" altLang="ja-JP" dirty="0"/>
+              <a:t>(100/3, 100/3, 100/3)</a:t>
+            </a:r>
+            <a:r>
+              <a:rPr lang="ja-JP" altLang="en-US"/>
+              <a:t>．</a:t>
+            </a:r>
+            <a:endParaRPr lang="en-US" altLang="ja-JP" dirty="0"/>
+          </a:p>
+          <a:p>
+            <a:pPr lvl="1"/>
+            <a:r>
+              <a:rPr lang="ja-JP" altLang="en-US"/>
+              <a:t>これに対して</a:t>
+            </a:r>
+            <a:r>
+              <a:rPr lang="en-US" altLang="ja-JP" dirty="0"/>
+              <a:t>100</a:t>
+            </a:r>
+            <a:r>
+              <a:rPr lang="ja-JP" altLang="en-US"/>
+              <a:t>回のジャンケンで</a:t>
+            </a:r>
+            <a:r>
+              <a:rPr lang="en-US" altLang="ja-JP" dirty="0"/>
+              <a:t>(40,20,40)</a:t>
+            </a:r>
+            <a:r>
+              <a:rPr lang="ja-JP" altLang="en-US"/>
+              <a:t>が観測されたとする．</a:t>
+            </a:r>
+          </a:p>
+          <a:p>
+            <a:pPr lvl="1"/>
+            <a:r>
+              <a:rPr kumimoji="1" lang="ja-JP" altLang="en-US"/>
+              <a:t>このとき、カイ二乗は</a:t>
+            </a:r>
+            <a:endParaRPr kumimoji="1" lang="en-US" altLang="ja-JP" dirty="0"/>
+          </a:p>
+          <a:p>
+            <a:pPr marL="457200" lvl="1" indent="0">
               <a:buNone/>
             </a:pPr>
-            <a:endParaRPr lang="en-US" altLang="ja-JP" dirty="0"/>
-          </a:p>
-          <a:p>
+            <a:r>
+              <a:rPr kumimoji="1" lang="en-US" altLang="ja-JP" dirty="0"/>
+              <a:t>    [(40-100/3</a:t>
+            </a:r>
             <a:r>
               <a:rPr lang="en-US" altLang="ja-JP" dirty="0"/>
-              <a:t>3</a:t>
-            </a:r>
-            <a:r>
-              <a:rPr lang="ja-JP" altLang="en-US"/>
-              <a:t>つのブートストラップ</a:t>
-            </a:r>
-            <a:endParaRPr lang="en-US" altLang="ja-JP" dirty="0"/>
+              <a:t>)^2+(20-100/3) ^2+(40-100/3) ^2]/(100/3) =8</a:t>
+            </a:r>
+          </a:p>
+          <a:p>
+            <a:pPr marL="457200" lvl="1" indent="0">
+              <a:buNone/>
+            </a:pPr>
+            <a:endParaRPr kumimoji="1" lang="en-US" altLang="ja-JP" dirty="0"/>
           </a:p>
           <a:p>
             <a:pPr lvl="1"/>
-            <a:r>
-              <a:rPr kumimoji="1" lang="ja-JP" altLang="en-US"/>
-              <a:t>パラメトリックブートストラップ</a:t>
-            </a:r>
             <a:endParaRPr kumimoji="1" lang="en-US" altLang="ja-JP" dirty="0"/>
-          </a:p>
-          <a:p>
-            <a:pPr lvl="2"/>
-            <a:r>
-              <a:rPr lang="ja-JP" altLang="en-US"/>
-              <a:t>サンプルの分布から得られる標準誤差、正規乱数などを用いて乱数を生成してサンプルを作る方法</a:t>
-            </a:r>
-            <a:endParaRPr lang="en-US" altLang="ja-JP" dirty="0"/>
-          </a:p>
-          <a:p>
-            <a:pPr lvl="2"/>
-            <a:endParaRPr lang="en-US" altLang="ja-JP" dirty="0"/>
-          </a:p>
-          <a:p>
-            <a:pPr lvl="1"/>
-            <a:r>
-              <a:rPr kumimoji="1" lang="ja-JP" altLang="en-US"/>
-              <a:t>ノンパラメトリックブートストラップ</a:t>
-            </a:r>
-            <a:endParaRPr kumimoji="1" lang="en-US" altLang="ja-JP" dirty="0"/>
-          </a:p>
-          <a:p>
-            <a:pPr lvl="2"/>
-            <a:r>
-              <a:rPr kumimoji="1" lang="ja-JP" altLang="en-US"/>
-              <a:t>サンプルの残差を重複を許してランダムリサンプリングし、データを生成する方法</a:t>
-            </a:r>
-            <a:endParaRPr kumimoji="1" lang="en-US" altLang="ja-JP" dirty="0"/>
-          </a:p>
-          <a:p>
-            <a:pPr lvl="2"/>
-            <a:endParaRPr kumimoji="1" lang="en-US" altLang="ja-JP" dirty="0"/>
-          </a:p>
-          <a:p>
-            <a:pPr lvl="1"/>
-            <a:r>
-              <a:rPr kumimoji="1" lang="ja-JP" altLang="en-US"/>
-              <a:t>データブートストラップ</a:t>
-            </a:r>
-            <a:endParaRPr kumimoji="1" lang="en-US" altLang="ja-JP" dirty="0"/>
-          </a:p>
-          <a:p>
-            <a:pPr lvl="2"/>
-            <a:r>
-              <a:rPr kumimoji="1" lang="ja-JP" altLang="en-US"/>
-              <a:t>サンプルのデータそのものを重複を許してランダムリサンプルし、データを生成する方法</a:t>
-            </a:r>
           </a:p>
         </p:txBody>
       </p:sp>
     </p:spTree>
     <p:extLst>
       <p:ext uri="{BB962C8B-B14F-4D97-AF65-F5344CB8AC3E}">
-        <p14:creationId xmlns:p14="http://schemas.microsoft.com/office/powerpoint/2010/main" val="1289750521"/>
+        <p14:creationId xmlns:p14="http://schemas.microsoft.com/office/powerpoint/2010/main" val="672173733"/>
       </p:ext>
     </p:extLst>
   </p:cSld>
@@ -5953,7 +5288,7 @@
           <p:cNvPr id="2" name="タイトル 1">
             <a:extLst>
               <a:ext uri="{FF2B5EF4-FFF2-40B4-BE49-F238E27FC236}">
-                <a16:creationId xmlns:a16="http://schemas.microsoft.com/office/drawing/2014/main" id="{55DD35BD-511B-684E-8DB0-A76E37B3E267}"/>
+                <a16:creationId xmlns:a16="http://schemas.microsoft.com/office/drawing/2014/main" id="{3C700D43-7914-8B49-B1EE-F2FE8202DB90}"/>
               </a:ext>
             </a:extLst>
           </p:cNvPr>
@@ -5970,173 +5305,571 @@
           <a:lstStyle/>
           <a:p>
             <a:r>
-              <a:rPr kumimoji="1" lang="ja-JP" altLang="en-US"/>
-              <a:t>パラメトリックにデータ生成</a:t>
-            </a:r>
-          </a:p>
-        </p:txBody>
-      </p:sp>
-      <p:sp>
-        <p:nvSpPr>
-          <p:cNvPr id="3" name="コンテンツ プレースホルダー 2">
-            <a:extLst>
-              <a:ext uri="{FF2B5EF4-FFF2-40B4-BE49-F238E27FC236}">
-                <a16:creationId xmlns:a16="http://schemas.microsoft.com/office/drawing/2014/main" id="{71F17145-1FBD-1548-9E78-BAF5FB429AED}"/>
-              </a:ext>
-            </a:extLst>
-          </p:cNvPr>
-          <p:cNvSpPr>
-            <a:spLocks noGrp="1"/>
-          </p:cNvSpPr>
+              <a:rPr lang="ja-JP" altLang="en-US"/>
+              <a:t>カイ二乗（</a:t>
+            </a:r>
+            <a:r>
+              <a:rPr lang="en-US" altLang="ja-JP" dirty="0"/>
+              <a:t> Χ</a:t>
+            </a:r>
+            <a:r>
+              <a:rPr lang="en-US" altLang="ja-JP" baseline="30000" dirty="0"/>
+              <a:t>2 </a:t>
+            </a:r>
+            <a:r>
+              <a:rPr lang="ja-JP" altLang="en-US"/>
+              <a:t>）検定（適合度の検定）</a:t>
+            </a:r>
+            <a:endParaRPr kumimoji="1" lang="ja-JP" altLang="en-US"/>
+          </a:p>
+        </p:txBody>
+      </p:sp>
+      <p:graphicFrame>
+        <p:nvGraphicFramePr>
+          <p:cNvPr id="4" name="表 4">
+            <a:extLst>
+              <a:ext uri="{FF2B5EF4-FFF2-40B4-BE49-F238E27FC236}">
+                <a16:creationId xmlns:a16="http://schemas.microsoft.com/office/drawing/2014/main" id="{407B999C-F742-4C4B-8A08-6B24FE0BC9FB}"/>
+              </a:ext>
+            </a:extLst>
+          </p:cNvPr>
+          <p:cNvGraphicFramePr>
+            <a:graphicFrameLocks noGrp="1"/>
+          </p:cNvGraphicFramePr>
           <p:nvPr>
             <p:ph idx="1"/>
-          </p:nvPr>
+            <p:extLst>
+              <p:ext uri="{D42A27DB-BD31-4B8C-83A1-F6EECF244321}">
+                <p14:modId xmlns:p14="http://schemas.microsoft.com/office/powerpoint/2010/main" val="2894333901"/>
+              </p:ext>
+            </p:extLst>
+          </p:nvPr>
+        </p:nvGraphicFramePr>
+        <p:xfrm>
+          <a:off x="936171" y="1396774"/>
+          <a:ext cx="9949544" cy="2597766"/>
+        </p:xfrm>
+        <a:graphic>
+          <a:graphicData uri="http://schemas.openxmlformats.org/drawingml/2006/table">
+            <a:tbl>
+              <a:tblPr firstRow="1" bandRow="1">
+                <a:tableStyleId>{5C22544A-7EE6-4342-B048-85BDC9FD1C3A}</a:tableStyleId>
+              </a:tblPr>
+              <a:tblGrid>
+                <a:gridCol w="1998149">
+                  <a:extLst>
+                    <a:ext uri="{9D8B030D-6E8A-4147-A177-3AD203B41FA5}">
+                      <a16:colId xmlns:a16="http://schemas.microsoft.com/office/drawing/2014/main" val="1224390897"/>
+                    </a:ext>
+                  </a:extLst>
+                </a:gridCol>
+                <a:gridCol w="1981668">
+                  <a:extLst>
+                    <a:ext uri="{9D8B030D-6E8A-4147-A177-3AD203B41FA5}">
+                      <a16:colId xmlns:a16="http://schemas.microsoft.com/office/drawing/2014/main" val="1500877206"/>
+                    </a:ext>
+                  </a:extLst>
+                </a:gridCol>
+                <a:gridCol w="1989909">
+                  <a:extLst>
+                    <a:ext uri="{9D8B030D-6E8A-4147-A177-3AD203B41FA5}">
+                      <a16:colId xmlns:a16="http://schemas.microsoft.com/office/drawing/2014/main" val="3912329691"/>
+                    </a:ext>
+                  </a:extLst>
+                </a:gridCol>
+                <a:gridCol w="1989909">
+                  <a:extLst>
+                    <a:ext uri="{9D8B030D-6E8A-4147-A177-3AD203B41FA5}">
+                      <a16:colId xmlns:a16="http://schemas.microsoft.com/office/drawing/2014/main" val="3051161841"/>
+                    </a:ext>
+                  </a:extLst>
+                </a:gridCol>
+                <a:gridCol w="1989909">
+                  <a:extLst>
+                    <a:ext uri="{9D8B030D-6E8A-4147-A177-3AD203B41FA5}">
+                      <a16:colId xmlns:a16="http://schemas.microsoft.com/office/drawing/2014/main" val="539658092"/>
+                    </a:ext>
+                  </a:extLst>
+                </a:gridCol>
+              </a:tblGrid>
+              <a:tr h="530642">
+                <a:tc>
+                  <a:txBody>
+                    <a:bodyPr/>
+                    <a:lstStyle/>
+                    <a:p>
+                      <a:endParaRPr kumimoji="1" lang="ja-JP" altLang="en-US" sz="2000"/>
+                    </a:p>
+                  </a:txBody>
+                  <a:tcPr anchor="ctr"/>
+                </a:tc>
+                <a:tc>
+                  <a:txBody>
+                    <a:bodyPr/>
+                    <a:lstStyle/>
+                    <a:p>
+                      <a:pPr algn="ctr"/>
+                      <a:r>
+                        <a:rPr kumimoji="1" lang="ja-JP" altLang="en-US" sz="2000"/>
+                        <a:t>グー</a:t>
+                      </a:r>
+                    </a:p>
+                  </a:txBody>
+                  <a:tcPr anchor="ctr"/>
+                </a:tc>
+                <a:tc>
+                  <a:txBody>
+                    <a:bodyPr/>
+                    <a:lstStyle/>
+                    <a:p>
+                      <a:pPr algn="ctr"/>
+                      <a:r>
+                        <a:rPr kumimoji="1" lang="ja-JP" altLang="en-US" sz="2000"/>
+                        <a:t>チョキ</a:t>
+                      </a:r>
+                    </a:p>
+                  </a:txBody>
+                  <a:tcPr anchor="ctr"/>
+                </a:tc>
+                <a:tc>
+                  <a:txBody>
+                    <a:bodyPr/>
+                    <a:lstStyle/>
+                    <a:p>
+                      <a:pPr algn="ctr"/>
+                      <a:r>
+                        <a:rPr kumimoji="1" lang="ja-JP" altLang="en-US" sz="2000"/>
+                        <a:t>パー</a:t>
+                      </a:r>
+                    </a:p>
+                  </a:txBody>
+                  <a:tcPr anchor="ctr"/>
+                </a:tc>
+                <a:tc>
+                  <a:txBody>
+                    <a:bodyPr/>
+                    <a:lstStyle/>
+                    <a:p>
+                      <a:pPr algn="ctr"/>
+                      <a:r>
+                        <a:rPr kumimoji="1" lang="ja-JP" altLang="en-US" sz="2000"/>
+                        <a:t>合計</a:t>
+                      </a:r>
+                    </a:p>
+                  </a:txBody>
+                  <a:tcPr anchor="ctr"/>
+                </a:tc>
+                <a:extLst>
+                  <a:ext uri="{0D108BD9-81ED-4DB2-BD59-A6C34878D82A}">
+                    <a16:rowId xmlns:a16="http://schemas.microsoft.com/office/drawing/2014/main" val="2444831965"/>
+                  </a:ext>
+                </a:extLst>
+              </a:tr>
+              <a:tr h="530642">
+                <a:tc>
+                  <a:txBody>
+                    <a:bodyPr/>
+                    <a:lstStyle/>
+                    <a:p>
+                      <a:pPr algn="ctr"/>
+                      <a:r>
+                        <a:rPr kumimoji="1" lang="ja-JP" altLang="en-US" sz="2000"/>
+                        <a:t>観測度数</a:t>
+                      </a:r>
+                    </a:p>
+                  </a:txBody>
+                  <a:tcPr anchor="ctr"/>
+                </a:tc>
+                <a:tc>
+                  <a:txBody>
+                    <a:bodyPr/>
+                    <a:lstStyle/>
+                    <a:p>
+                      <a:pPr algn="r"/>
+                      <a:r>
+                        <a:rPr kumimoji="1" lang="en-US" altLang="ja-JP" sz="2000" dirty="0"/>
+                        <a:t>40</a:t>
+                      </a:r>
+                      <a:endParaRPr kumimoji="1" lang="ja-JP" altLang="en-US" sz="2000"/>
+                    </a:p>
+                  </a:txBody>
+                  <a:tcPr anchor="ctr"/>
+                </a:tc>
+                <a:tc>
+                  <a:txBody>
+                    <a:bodyPr/>
+                    <a:lstStyle/>
+                    <a:p>
+                      <a:pPr algn="r"/>
+                      <a:r>
+                        <a:rPr kumimoji="1" lang="en-US" altLang="ja-JP" sz="2000" dirty="0"/>
+                        <a:t>20</a:t>
+                      </a:r>
+                      <a:endParaRPr kumimoji="1" lang="ja-JP" altLang="en-US" sz="2000"/>
+                    </a:p>
+                  </a:txBody>
+                  <a:tcPr anchor="ctr"/>
+                </a:tc>
+                <a:tc>
+                  <a:txBody>
+                    <a:bodyPr/>
+                    <a:lstStyle/>
+                    <a:p>
+                      <a:pPr algn="r"/>
+                      <a:r>
+                        <a:rPr kumimoji="1" lang="en-US" altLang="ja-JP" sz="2000" dirty="0"/>
+                        <a:t>40</a:t>
+                      </a:r>
+                      <a:endParaRPr kumimoji="1" lang="ja-JP" altLang="en-US" sz="2000"/>
+                    </a:p>
+                  </a:txBody>
+                  <a:tcPr anchor="ctr"/>
+                </a:tc>
+                <a:tc>
+                  <a:txBody>
+                    <a:bodyPr/>
+                    <a:lstStyle/>
+                    <a:p>
+                      <a:pPr algn="r"/>
+                      <a:r>
+                        <a:rPr kumimoji="1" lang="en-US" altLang="ja-JP" sz="2000" dirty="0"/>
+                        <a:t>100</a:t>
+                      </a:r>
+                      <a:endParaRPr kumimoji="1" lang="ja-JP" altLang="en-US" sz="2000"/>
+                    </a:p>
+                  </a:txBody>
+                  <a:tcPr anchor="ctr"/>
+                </a:tc>
+                <a:extLst>
+                  <a:ext uri="{0D108BD9-81ED-4DB2-BD59-A6C34878D82A}">
+                    <a16:rowId xmlns:a16="http://schemas.microsoft.com/office/drawing/2014/main" val="299311301"/>
+                  </a:ext>
+                </a:extLst>
+              </a:tr>
+              <a:tr h="530642">
+                <a:tc>
+                  <a:txBody>
+                    <a:bodyPr/>
+                    <a:lstStyle/>
+                    <a:p>
+                      <a:pPr algn="ctr"/>
+                      <a:r>
+                        <a:rPr kumimoji="1" lang="ja-JP" altLang="en-US" sz="2000"/>
+                        <a:t>期待度数</a:t>
+                      </a:r>
+                    </a:p>
+                  </a:txBody>
+                  <a:tcPr anchor="ctr"/>
+                </a:tc>
+                <a:tc>
+                  <a:txBody>
+                    <a:bodyPr/>
+                    <a:lstStyle/>
+                    <a:p>
+                      <a:pPr algn="r"/>
+                      <a:r>
+                        <a:rPr kumimoji="1" lang="en-US" altLang="ja-JP" sz="2000" dirty="0"/>
+                        <a:t>100/3</a:t>
+                      </a:r>
+                      <a:endParaRPr kumimoji="1" lang="ja-JP" altLang="en-US" sz="2000"/>
+                    </a:p>
+                  </a:txBody>
+                  <a:tcPr anchor="ctr"/>
+                </a:tc>
+                <a:tc>
+                  <a:txBody>
+                    <a:bodyPr/>
+                    <a:lstStyle/>
+                    <a:p>
+                      <a:pPr algn="r"/>
+                      <a:r>
+                        <a:rPr kumimoji="1" lang="en-US" altLang="ja-JP" sz="2000" dirty="0"/>
+                        <a:t>100/3</a:t>
+                      </a:r>
+                      <a:endParaRPr kumimoji="1" lang="ja-JP" altLang="en-US" sz="2000"/>
+                    </a:p>
+                  </a:txBody>
+                  <a:tcPr anchor="ctr"/>
+                </a:tc>
+                <a:tc>
+                  <a:txBody>
+                    <a:bodyPr/>
+                    <a:lstStyle/>
+                    <a:p>
+                      <a:pPr algn="r"/>
+                      <a:r>
+                        <a:rPr kumimoji="1" lang="en-US" altLang="ja-JP" sz="2000" dirty="0"/>
+                        <a:t>100/3</a:t>
+                      </a:r>
+                      <a:endParaRPr kumimoji="1" lang="ja-JP" altLang="en-US" sz="2000"/>
+                    </a:p>
+                  </a:txBody>
+                  <a:tcPr anchor="ctr"/>
+                </a:tc>
+                <a:tc>
+                  <a:txBody>
+                    <a:bodyPr/>
+                    <a:lstStyle/>
+                    <a:p>
+                      <a:pPr algn="r"/>
+                      <a:r>
+                        <a:rPr kumimoji="1" lang="en-US" altLang="ja-JP" sz="2000" dirty="0"/>
+                        <a:t>100</a:t>
+                      </a:r>
+                      <a:endParaRPr kumimoji="1" lang="ja-JP" altLang="en-US" sz="2000"/>
+                    </a:p>
+                  </a:txBody>
+                  <a:tcPr anchor="ctr"/>
+                </a:tc>
+                <a:extLst>
+                  <a:ext uri="{0D108BD9-81ED-4DB2-BD59-A6C34878D82A}">
+                    <a16:rowId xmlns:a16="http://schemas.microsoft.com/office/drawing/2014/main" val="2848846924"/>
+                  </a:ext>
+                </a:extLst>
+              </a:tr>
+              <a:tr h="984587">
+                <a:tc>
+                  <a:txBody>
+                    <a:bodyPr/>
+                    <a:lstStyle/>
+                    <a:p>
+                      <a:pPr algn="ctr"/>
+                      <a:r>
+                        <a:rPr kumimoji="1" lang="ja-JP" altLang="en-US" sz="2000"/>
+                        <a:t>期待度数と観測度数とのズレ</a:t>
+                      </a:r>
+                      <a:endParaRPr kumimoji="1" lang="en-US" altLang="ja-JP" sz="2000" dirty="0"/>
+                    </a:p>
+                    <a:p>
+                      <a:pPr algn="ctr"/>
+                      <a:r>
+                        <a:rPr kumimoji="1" lang="ja-JP" altLang="en-US" sz="2000"/>
+                        <a:t>の</a:t>
+                      </a:r>
+                      <a:r>
+                        <a:rPr kumimoji="1" lang="en-US" altLang="ja-JP" sz="2000" dirty="0"/>
+                        <a:t>2</a:t>
+                      </a:r>
+                      <a:r>
+                        <a:rPr kumimoji="1" lang="ja-JP" altLang="en-US" sz="2000"/>
+                        <a:t>乗</a:t>
+                      </a:r>
+                    </a:p>
+                  </a:txBody>
+                  <a:tcPr anchor="ctr"/>
+                </a:tc>
+                <a:tc>
+                  <a:txBody>
+                    <a:bodyPr/>
+                    <a:lstStyle/>
+                    <a:p>
+                      <a:pPr algn="r"/>
+                      <a:r>
+                        <a:rPr kumimoji="1" lang="en-US" altLang="ja-JP" sz="2000" dirty="0"/>
+                        <a:t>(40-100/3)^2</a:t>
+                      </a:r>
+                      <a:endParaRPr kumimoji="1" lang="ja-JP" altLang="en-US" sz="2000"/>
+                    </a:p>
+                  </a:txBody>
+                  <a:tcPr anchor="ctr"/>
+                </a:tc>
+                <a:tc>
+                  <a:txBody>
+                    <a:bodyPr/>
+                    <a:lstStyle/>
+                    <a:p>
+                      <a:pPr algn="r"/>
+                      <a:r>
+                        <a:rPr kumimoji="1" lang="en-US" altLang="ja-JP" sz="2000" dirty="0"/>
+                        <a:t>(20-100/3)^2</a:t>
+                      </a:r>
+                      <a:endParaRPr kumimoji="1" lang="ja-JP" altLang="en-US" sz="2000"/>
+                    </a:p>
+                  </a:txBody>
+                  <a:tcPr anchor="ctr"/>
+                </a:tc>
+                <a:tc>
+                  <a:txBody>
+                    <a:bodyPr/>
+                    <a:lstStyle/>
+                    <a:p>
+                      <a:pPr algn="r"/>
+                      <a:r>
+                        <a:rPr kumimoji="1" lang="en-US" altLang="ja-JP" sz="2000" dirty="0"/>
+                        <a:t>(40-100/3) )^2</a:t>
+                      </a:r>
+                      <a:endParaRPr kumimoji="1" lang="ja-JP" altLang="en-US" sz="2000"/>
+                    </a:p>
+                  </a:txBody>
+                  <a:tcPr anchor="ctr"/>
+                </a:tc>
+                <a:tc>
+                  <a:txBody>
+                    <a:bodyPr/>
+                    <a:lstStyle/>
+                    <a:p>
+                      <a:pPr algn="r"/>
+                      <a:r>
+                        <a:rPr kumimoji="1" lang="en-US" altLang="ja-JP" sz="1800" b="0" i="0" kern="1200" dirty="0">
+                          <a:solidFill>
+                            <a:schemeClr val="dk1"/>
+                          </a:solidFill>
+                          <a:effectLst/>
+                          <a:latin typeface="+mn-lt"/>
+                          <a:ea typeface="+mn-ea"/>
+                          <a:cs typeface="+mn-cs"/>
+                        </a:rPr>
+                        <a:t>266.6667</a:t>
+                      </a:r>
+                      <a:endParaRPr kumimoji="1" lang="ja-JP" altLang="en-US" sz="2000"/>
+                    </a:p>
+                  </a:txBody>
+                  <a:tcPr anchor="ctr"/>
+                </a:tc>
+                <a:extLst>
+                  <a:ext uri="{0D108BD9-81ED-4DB2-BD59-A6C34878D82A}">
+                    <a16:rowId xmlns:a16="http://schemas.microsoft.com/office/drawing/2014/main" val="475050616"/>
+                  </a:ext>
+                </a:extLst>
+              </a:tr>
+            </a:tbl>
+          </a:graphicData>
+        </a:graphic>
+      </p:graphicFrame>
+      <p:sp>
+        <p:nvSpPr>
+          <p:cNvPr id="7" name="テキスト ボックス 6">
+            <a:extLst>
+              <a:ext uri="{FF2B5EF4-FFF2-40B4-BE49-F238E27FC236}">
+                <a16:creationId xmlns:a16="http://schemas.microsoft.com/office/drawing/2014/main" id="{3B3CE665-52A0-C342-89A8-B18E5AC153D9}"/>
+              </a:ext>
+            </a:extLst>
+          </p:cNvPr>
+          <p:cNvSpPr txBox="1"/>
+          <p:nvPr/>
         </p:nvSpPr>
         <p:spPr>
           <a:xfrm>
-            <a:off x="838200" y="1825625"/>
-            <a:ext cx="10515600" cy="4667250"/>
+            <a:off x="658585" y="4122398"/>
+            <a:ext cx="10874830" cy="2677656"/>
           </a:xfrm>
+          <a:prstGeom prst="rect">
+            <a:avLst/>
+          </a:prstGeom>
+          <a:noFill/>
         </p:spPr>
         <p:txBody>
-          <a:bodyPr>
-            <a:normAutofit fontScale="92500" lnSpcReduction="10000"/>
+          <a:bodyPr wrap="square" rtlCol="0">
+            <a:spAutoFit/>
           </a:bodyPr>
           <a:lstStyle/>
           <a:p>
-            <a:r>
-              <a:rPr kumimoji="1" lang="ja-JP" altLang="en-US"/>
-              <a:t>推定した係数とその推定誤差が取り出せたなら、パラメトリックブートストラップでデータを生成．</a:t>
-            </a:r>
-            <a:endParaRPr kumimoji="1" lang="en-US" altLang="ja-JP" dirty="0"/>
-          </a:p>
-          <a:p>
-            <a:endParaRPr lang="en-US" altLang="ja-JP" dirty="0"/>
-          </a:p>
-          <a:p>
-            <a:r>
-              <a:rPr kumimoji="1" lang="ja-JP" altLang="en-US"/>
-              <a:t>線形予測子 → リンク関数の逆関数で予測値 → 誤差構造を追加</a:t>
-            </a:r>
-            <a:endParaRPr kumimoji="1" lang="en-US" altLang="ja-JP" dirty="0"/>
-          </a:p>
-          <a:p>
-            <a:pPr lvl="1"/>
-            <a:r>
-              <a:rPr lang="ja-JP" altLang="en-US"/>
-              <a:t>線形予測子（</a:t>
-            </a:r>
-            <a:r>
-              <a:rPr lang="en-US" altLang="ja-JP" dirty="0"/>
-              <a:t>β</a:t>
-            </a:r>
-            <a:r>
-              <a:rPr lang="en-US" altLang="ja-JP" baseline="-25000" dirty="0"/>
-              <a:t>v</a:t>
-            </a:r>
-            <a:r>
-              <a:rPr lang="en-US" altLang="ja-JP" dirty="0"/>
-              <a:t> vessel + β</a:t>
-            </a:r>
-            <a:r>
-              <a:rPr lang="en-US" altLang="ja-JP" baseline="-25000" dirty="0"/>
-              <a:t>t </a:t>
-            </a:r>
-            <a:r>
-              <a:rPr lang="en-US" altLang="ja-JP" dirty="0"/>
-              <a:t>temp + area[random] </a:t>
-            </a:r>
-            <a:r>
-              <a:rPr lang="ja-JP" altLang="en-US"/>
-              <a:t>）</a:t>
-            </a:r>
-            <a:endParaRPr lang="en-US" altLang="ja-JP" dirty="0"/>
-          </a:p>
-          <a:p>
-            <a:pPr lvl="1"/>
-            <a:r>
-              <a:rPr lang="ja-JP" altLang="en-US"/>
-              <a:t>ここでの</a:t>
-            </a:r>
-            <a:r>
-              <a:rPr lang="en-US" altLang="ja-JP" dirty="0"/>
-              <a:t>β</a:t>
-            </a:r>
-            <a:r>
-              <a:rPr lang="ja-JP" altLang="en-US"/>
-              <a:t>は推定係数＋推定誤差</a:t>
-            </a:r>
-            <a:endParaRPr lang="en-US" altLang="ja-JP" dirty="0"/>
-          </a:p>
-          <a:p>
-            <a:pPr lvl="1"/>
-            <a:endParaRPr lang="en-US" altLang="ja-JP" dirty="0"/>
-          </a:p>
-          <a:p>
-            <a:pPr lvl="1"/>
-            <a:r>
-              <a:rPr lang="ja-JP" altLang="en-US"/>
-              <a:t>予測値（リンク関数が</a:t>
-            </a:r>
-            <a:r>
-              <a:rPr lang="en-US" altLang="ja-JP" dirty="0"/>
-              <a:t>log</a:t>
-            </a:r>
-            <a:r>
-              <a:rPr lang="ja-JP" altLang="en-US"/>
-              <a:t>だったので、指数</a:t>
-            </a:r>
-            <a:r>
-              <a:rPr lang="en-US" altLang="ja-JP" dirty="0"/>
-              <a:t>exp</a:t>
-            </a:r>
-            <a:r>
-              <a:rPr lang="ja-JP" altLang="en-US"/>
-              <a:t>をとる）</a:t>
-            </a:r>
-            <a:endParaRPr lang="en-US" altLang="ja-JP" dirty="0"/>
-          </a:p>
-          <a:p>
-            <a:pPr lvl="1"/>
-            <a:endParaRPr kumimoji="1" lang="en-US" altLang="ja-JP" dirty="0"/>
-          </a:p>
-          <a:p>
-            <a:pPr lvl="1"/>
-            <a:r>
-              <a:rPr lang="ja-JP" altLang="en-US"/>
-              <a:t>誤差構造はポアソン分布</a:t>
-            </a:r>
-            <a:endParaRPr lang="en-US" altLang="ja-JP" dirty="0"/>
-          </a:p>
-          <a:p>
-            <a:pPr lvl="1"/>
-            <a:endParaRPr kumimoji="1" lang="en-US" altLang="ja-JP" dirty="0"/>
-          </a:p>
-          <a:p>
-            <a:r>
-              <a:rPr lang="en-US" altLang="ja-JP" dirty="0" err="1"/>
-              <a:t>catch_data_boot</a:t>
-            </a:r>
-            <a:r>
-              <a:rPr lang="ja-JP" altLang="en-US"/>
-              <a:t>のリストを作成し、</a:t>
-            </a:r>
-            <a:r>
-              <a:rPr lang="en-US" altLang="ja-JP" dirty="0"/>
-              <a:t>1000</a:t>
-            </a:r>
-            <a:r>
-              <a:rPr lang="ja-JP" altLang="en-US"/>
-              <a:t>個分格納．</a:t>
-            </a:r>
-            <a:endParaRPr kumimoji="1" lang="ja-JP" altLang="en-US"/>
+            <a:pPr marL="342900" indent="-342900">
+              <a:buFont typeface="Arial" panose="020B0604020202020204" pitchFamily="34" charset="0"/>
+              <a:buChar char="•"/>
+            </a:pPr>
+            <a:r>
+              <a:rPr lang="ja-JP" altLang="en-US" sz="2400"/>
+              <a:t>カイ二乗検定の帰無仮説は「観測度数は異なるカテゴリ間で違いがないと仮定した期待度数と一致する」</a:t>
+            </a:r>
+            <a:endParaRPr lang="en-US" altLang="ja-JP" sz="2400" dirty="0"/>
+          </a:p>
+          <a:p>
+            <a:pPr marL="342900" indent="-342900">
+              <a:buFont typeface="Arial" panose="020B0604020202020204" pitchFamily="34" charset="0"/>
+              <a:buChar char="•"/>
+            </a:pPr>
+            <a:r>
+              <a:rPr kumimoji="1" lang="ja-JP" altLang="en-US" sz="2400"/>
+              <a:t>カイ二乗は自由度</a:t>
+            </a:r>
+            <a:r>
+              <a:rPr kumimoji="1" lang="en-US" altLang="ja-JP" sz="2400" dirty="0"/>
+              <a:t>(df)=2(</a:t>
+            </a:r>
+            <a:r>
+              <a:rPr kumimoji="1" lang="ja-JP" altLang="en-US" sz="2400"/>
+              <a:t>グーとチョキが決まればパーは一意に決まる</a:t>
+            </a:r>
+            <a:r>
+              <a:rPr kumimoji="1" lang="en-US" altLang="ja-JP" sz="2400" dirty="0"/>
+              <a:t>)</a:t>
+            </a:r>
+            <a:r>
+              <a:rPr kumimoji="1" lang="ja-JP" altLang="en-US" sz="2400"/>
+              <a:t>のカイ二乗分布にしたがう．</a:t>
+            </a:r>
+            <a:r>
+              <a:rPr lang="ja-JP" altLang="en-US" sz="2400"/>
+              <a:t>自由度</a:t>
+            </a:r>
+            <a:r>
+              <a:rPr lang="en-US" altLang="ja-JP" sz="2400" dirty="0"/>
+              <a:t>2</a:t>
+            </a:r>
+            <a:r>
+              <a:rPr lang="ja-JP" altLang="en-US" sz="2400"/>
+              <a:t>で</a:t>
+            </a:r>
+            <a:r>
+              <a:rPr lang="en-US" altLang="ja-JP" sz="2400" dirty="0"/>
+              <a:t>χ</a:t>
+            </a:r>
+            <a:r>
+              <a:rPr lang="en-US" altLang="ja-JP" sz="2400" baseline="30000" dirty="0"/>
+              <a:t>2</a:t>
+            </a:r>
+            <a:r>
+              <a:rPr lang="en-US" altLang="ja-JP" sz="2400" dirty="0"/>
+              <a:t>=8</a:t>
+            </a:r>
+            <a:r>
+              <a:rPr lang="ja-JP" altLang="en-US" sz="2400"/>
+              <a:t>となる確率</a:t>
+            </a:r>
+            <a:r>
+              <a:rPr lang="en-US" altLang="ja-JP" sz="2400" i="1" dirty="0"/>
+              <a:t>p</a:t>
+            </a:r>
+            <a:r>
+              <a:rPr lang="ja-JP" altLang="en-US" sz="2400"/>
+              <a:t>は</a:t>
+            </a:r>
+            <a:r>
+              <a:rPr lang="en-US" altLang="ja-JP" sz="2400" dirty="0"/>
+              <a:t> 0.01832</a:t>
+            </a:r>
+            <a:r>
+              <a:rPr lang="ja-JP" altLang="en-US" sz="2400"/>
+              <a:t>．</a:t>
+            </a:r>
+            <a:endParaRPr lang="en-US" altLang="ja-JP" sz="2400" dirty="0"/>
+          </a:p>
+          <a:p>
+            <a:pPr marL="342900" indent="-342900">
+              <a:buFont typeface="Arial" panose="020B0604020202020204" pitchFamily="34" charset="0"/>
+              <a:buChar char="•"/>
+            </a:pPr>
+            <a:r>
+              <a:rPr lang="ja-JP" altLang="en-US" sz="2400"/>
+              <a:t>この確率が有意水準より小さい場合（例えば</a:t>
+            </a:r>
+            <a:r>
+              <a:rPr lang="en-US" altLang="ja-JP" sz="2400" dirty="0"/>
+              <a:t>0.05</a:t>
+            </a:r>
+            <a:r>
+              <a:rPr lang="ja-JP" altLang="en-US" sz="2400"/>
+              <a:t>）観測値は期待値（グーチョキパーが等確率で出るというモデル）に従っていないと判断される．→モデルと観測値の適合度を検定．</a:t>
+            </a:r>
+            <a:endParaRPr kumimoji="1" lang="ja-JP" altLang="en-US" sz="2400"/>
           </a:p>
         </p:txBody>
       </p:sp>
     </p:spTree>
     <p:extLst>
       <p:ext uri="{BB962C8B-B14F-4D97-AF65-F5344CB8AC3E}">
-        <p14:creationId xmlns:p14="http://schemas.microsoft.com/office/powerpoint/2010/main" val="2398466739"/>
+        <p14:creationId xmlns:p14="http://schemas.microsoft.com/office/powerpoint/2010/main" val="3185156017"/>
       </p:ext>
     </p:extLst>
   </p:cSld>
@@ -6168,7 +5901,7 @@
           <p:cNvPr id="2" name="タイトル 1">
             <a:extLst>
               <a:ext uri="{FF2B5EF4-FFF2-40B4-BE49-F238E27FC236}">
-                <a16:creationId xmlns:a16="http://schemas.microsoft.com/office/drawing/2014/main" id="{40FC6021-826A-0942-A300-5E874250BDDB}"/>
+                <a16:creationId xmlns:a16="http://schemas.microsoft.com/office/drawing/2014/main" id="{C09836D2-1796-FB42-A1C5-8E63CADB49EB}"/>
               </a:ext>
             </a:extLst>
           </p:cNvPr>
@@ -6185,6 +5918,85 @@
           <a:lstStyle/>
           <a:p>
             <a:r>
+              <a:rPr kumimoji="1" lang="en-US" altLang="ja-JP" dirty="0"/>
+              <a:t>GLM</a:t>
+            </a:r>
+            <a:r>
+              <a:rPr kumimoji="1" lang="ja-JP" altLang="en-US"/>
+              <a:t>の結果の過分散チェック</a:t>
+            </a:r>
+          </a:p>
+        </p:txBody>
+      </p:sp>
+      <p:sp>
+        <p:nvSpPr>
+          <p:cNvPr id="3" name="コンテンツ プレースホルダー 2">
+            <a:extLst>
+              <a:ext uri="{FF2B5EF4-FFF2-40B4-BE49-F238E27FC236}">
+                <a16:creationId xmlns:a16="http://schemas.microsoft.com/office/drawing/2014/main" id="{98987442-2918-D04B-BB5D-BD5790BC103F}"/>
+              </a:ext>
+            </a:extLst>
+          </p:cNvPr>
+          <p:cNvSpPr>
+            <a:spLocks noGrp="1"/>
+          </p:cNvSpPr>
+          <p:nvPr>
+            <p:ph idx="1"/>
+          </p:nvPr>
+        </p:nvSpPr>
+        <p:spPr/>
+        <p:txBody>
+          <a:bodyPr>
+            <a:normAutofit/>
+          </a:bodyPr>
+          <a:lstStyle/>
+          <a:p>
+            <a:r>
+              <a:rPr kumimoji="1" lang="ja-JP" altLang="en-US"/>
+              <a:t>第</a:t>
+            </a:r>
+            <a:r>
+              <a:rPr lang="en-US" altLang="ja-JP" dirty="0"/>
+              <a:t>26</a:t>
+            </a:r>
+            <a:r>
+              <a:rPr kumimoji="1" lang="ja-JP" altLang="en-US"/>
+              <a:t>回で解析した</a:t>
+            </a:r>
+            <a:r>
+              <a:rPr kumimoji="1" lang="en-US" altLang="ja-JP" dirty="0"/>
+              <a:t>GLM</a:t>
+            </a:r>
+            <a:r>
+              <a:rPr kumimoji="1" lang="ja-JP" altLang="en-US"/>
+              <a:t>の結果を船ごとに色分けしてプロット</a:t>
+            </a:r>
+            <a:r>
+              <a:rPr lang="en-US" altLang="ja-JP" dirty="0"/>
+              <a:t>	</a:t>
+            </a:r>
+          </a:p>
+          <a:p>
+            <a:endParaRPr lang="en-US" altLang="ja-JP" dirty="0"/>
+          </a:p>
+          <a:p>
+            <a:r>
+              <a:rPr lang="en-US" altLang="ja-JP" dirty="0"/>
+              <a:t>GLM</a:t>
+            </a:r>
+            <a:r>
+              <a:rPr lang="ja-JP" altLang="en-US"/>
+              <a:t>による予測を実線、</a:t>
+            </a:r>
+            <a:r>
+              <a:rPr lang="en-US" altLang="ja-JP" dirty="0"/>
+              <a:t>95%PI</a:t>
+            </a:r>
+            <a:r>
+              <a:rPr lang="ja-JP" altLang="en-US"/>
+              <a:t>を破線で示して、データが</a:t>
+            </a:r>
+            <a:r>
               <a:rPr lang="en-US" altLang="ja-JP" dirty="0"/>
               <a:t>95</a:t>
             </a:r>
@@ -6193,110 +6005,53 @@
               <a:t>％</a:t>
             </a:r>
             <a:r>
+              <a:rPr lang="en-US" altLang="ja-JP"/>
+              <a:t>PI</a:t>
+            </a:r>
+            <a:r>
+              <a:rPr lang="ja-JP" altLang="en-US"/>
+              <a:t>範囲内にどれだけ収まっているか？</a:t>
+            </a:r>
+            <a:endParaRPr kumimoji="1" lang="en-US" altLang="ja-JP" dirty="0"/>
+          </a:p>
+          <a:p>
+            <a:pPr marL="457200" lvl="1" indent="0">
+              <a:buNone/>
+            </a:pPr>
+            <a:r>
+              <a:rPr lang="ja-JP" altLang="en-US"/>
+              <a:t>→誤差構造はポアソン分布に従っている？</a:t>
+            </a:r>
+            <a:endParaRPr lang="en-US" altLang="ja-JP" dirty="0"/>
+          </a:p>
+          <a:p>
+            <a:pPr lvl="1"/>
+            <a:endParaRPr lang="en-US" altLang="ja-JP" dirty="0"/>
+          </a:p>
+          <a:p>
+            <a:r>
+              <a:rPr kumimoji="1" lang="ja-JP" altLang="en-US"/>
+              <a:t>数値としてチェック</a:t>
+            </a:r>
+            <a:endParaRPr kumimoji="1" lang="en-US" altLang="ja-JP" dirty="0"/>
+          </a:p>
+          <a:p>
+            <a:pPr lvl="1"/>
+            <a:r>
               <a:rPr lang="en-US" altLang="ja-JP" dirty="0"/>
-              <a:t>CI</a:t>
+              <a:t>library(performance)</a:t>
             </a:r>
             <a:r>
               <a:rPr lang="ja-JP" altLang="en-US"/>
-              <a:t>を求める</a:t>
-            </a:r>
-            <a:endParaRPr kumimoji="1" lang="ja-JP" altLang="en-US"/>
-          </a:p>
-        </p:txBody>
-      </p:sp>
-      <p:sp>
-        <p:nvSpPr>
-          <p:cNvPr id="3" name="コンテンツ プレースホルダー 2">
-            <a:extLst>
-              <a:ext uri="{FF2B5EF4-FFF2-40B4-BE49-F238E27FC236}">
-                <a16:creationId xmlns:a16="http://schemas.microsoft.com/office/drawing/2014/main" id="{CDC8DD76-78D5-2C49-B9E9-B68EB5D157E7}"/>
-              </a:ext>
-            </a:extLst>
-          </p:cNvPr>
-          <p:cNvSpPr>
-            <a:spLocks noGrp="1"/>
-          </p:cNvSpPr>
-          <p:nvPr>
-            <p:ph idx="1"/>
-          </p:nvPr>
-        </p:nvSpPr>
-        <p:spPr/>
-        <p:txBody>
-          <a:bodyPr/>
-          <a:lstStyle/>
-          <a:p>
-            <a:r>
-              <a:rPr lang="en-US" altLang="ja-JP" dirty="0"/>
-              <a:t>catch</a:t>
+              <a:t>の</a:t>
+            </a:r>
+            <a:r>
+              <a:rPr lang="en-US" altLang="ja-JP" dirty="0" err="1"/>
+              <a:t>check_overdispersion</a:t>
             </a:r>
             <a:r>
               <a:rPr lang="ja-JP" altLang="en-US"/>
-              <a:t>のデータから同一の</a:t>
-            </a:r>
-            <a:r>
-              <a:rPr lang="en-US" altLang="ja-JP" dirty="0"/>
-              <a:t>temp</a:t>
-            </a:r>
-            <a:r>
-              <a:rPr lang="ja-JP" altLang="en-US"/>
-              <a:t>に対して</a:t>
-            </a:r>
-            <a:r>
-              <a:rPr lang="en-US" altLang="ja-JP" dirty="0"/>
-              <a:t>2.5</a:t>
-            </a:r>
-            <a:r>
-              <a:rPr lang="ja-JP" altLang="en-US"/>
-              <a:t>パーセンタイル、</a:t>
-            </a:r>
-            <a:r>
-              <a:rPr lang="en-US" altLang="ja-JP" dirty="0"/>
-              <a:t>97.5</a:t>
-            </a:r>
-            <a:r>
-              <a:rPr lang="ja-JP" altLang="en-US"/>
-              <a:t>パーセンタイル値を求めて</a:t>
-            </a:r>
-            <a:r>
-              <a:rPr lang="en-US" altLang="ja-JP" dirty="0"/>
-              <a:t>95</a:t>
-            </a:r>
-            <a:r>
-              <a:rPr lang="ja-JP" altLang="en-US"/>
-              <a:t>％の信頼区間を得る．</a:t>
-            </a:r>
-            <a:endParaRPr lang="en-US" altLang="ja-JP" dirty="0"/>
-          </a:p>
-          <a:p>
-            <a:endParaRPr kumimoji="1" lang="en-US" altLang="ja-JP"/>
-          </a:p>
-          <a:p>
-            <a:endParaRPr kumimoji="1" lang="en-US" altLang="ja-JP" dirty="0"/>
-          </a:p>
-          <a:p>
-            <a:r>
-              <a:rPr lang="en-US" altLang="ja-JP" dirty="0"/>
-              <a:t>1000</a:t>
-            </a:r>
-            <a:r>
-              <a:rPr lang="ja-JP" altLang="en-US"/>
-              <a:t>個のデータセットが入っているリストオブジェクトからデータを取り出して</a:t>
-            </a:r>
-            <a:r>
-              <a:rPr lang="en-US" altLang="ja-JP" dirty="0"/>
-              <a:t>95</a:t>
-            </a:r>
-            <a:r>
-              <a:rPr lang="ja-JP" altLang="en-US"/>
-              <a:t>％</a:t>
-            </a:r>
-            <a:r>
-              <a:rPr lang="en-US" altLang="ja-JP" dirty="0"/>
-              <a:t>CI</a:t>
-            </a:r>
-            <a:r>
-              <a:rPr lang="ja-JP" altLang="en-US"/>
-              <a:t>を求めてみよう．</a:t>
+              <a:t>関数を使う．</a:t>
             </a:r>
             <a:endParaRPr kumimoji="1" lang="ja-JP" altLang="en-US"/>
           </a:p>
@@ -6305,7 +6060,130 @@
     </p:spTree>
     <p:extLst>
       <p:ext uri="{BB962C8B-B14F-4D97-AF65-F5344CB8AC3E}">
-        <p14:creationId xmlns:p14="http://schemas.microsoft.com/office/powerpoint/2010/main" val="1629263179"/>
+        <p14:creationId xmlns:p14="http://schemas.microsoft.com/office/powerpoint/2010/main" val="4234602352"/>
+      </p:ext>
+    </p:extLst>
+  </p:cSld>
+  <p:clrMapOvr>
+    <a:masterClrMapping/>
+  </p:clrMapOvr>
+</p:sld>
+</file>
+
+<file path=ppt/slides/slide7.xml><?xml version="1.0" encoding="utf-8"?>
+<p:sld xmlns:a="http://schemas.openxmlformats.org/drawingml/2006/main" xmlns:r="http://schemas.openxmlformats.org/officeDocument/2006/relationships" xmlns:p="http://schemas.openxmlformats.org/presentationml/2006/main">
+  <p:cSld>
+    <p:spTree>
+      <p:nvGrpSpPr>
+        <p:cNvPr id="1" name=""/>
+        <p:cNvGrpSpPr/>
+        <p:nvPr/>
+      </p:nvGrpSpPr>
+      <p:grpSpPr>
+        <a:xfrm>
+          <a:off x="0" y="0"/>
+          <a:ext cx="0" cy="0"/>
+          <a:chOff x="0" y="0"/>
+          <a:chExt cx="0" cy="0"/>
+        </a:xfrm>
+      </p:grpSpPr>
+      <p:sp>
+        <p:nvSpPr>
+          <p:cNvPr id="2" name="タイトル 1">
+            <a:extLst>
+              <a:ext uri="{FF2B5EF4-FFF2-40B4-BE49-F238E27FC236}">
+                <a16:creationId xmlns:a16="http://schemas.microsoft.com/office/drawing/2014/main" id="{14F383C1-F4F6-F143-BB59-4370B86BFFD5}"/>
+              </a:ext>
+            </a:extLst>
+          </p:cNvPr>
+          <p:cNvSpPr>
+            <a:spLocks noGrp="1"/>
+          </p:cNvSpPr>
+          <p:nvPr>
+            <p:ph type="title"/>
+          </p:nvPr>
+        </p:nvSpPr>
+        <p:spPr/>
+        <p:txBody>
+          <a:bodyPr/>
+          <a:lstStyle/>
+          <a:p>
+            <a:r>
+              <a:rPr kumimoji="1" lang="ja-JP" altLang="en-US"/>
+              <a:t>過分散をもたらす原因</a:t>
+            </a:r>
+          </a:p>
+        </p:txBody>
+      </p:sp>
+      <p:sp>
+        <p:nvSpPr>
+          <p:cNvPr id="3" name="コンテンツ プレースホルダー 2">
+            <a:extLst>
+              <a:ext uri="{FF2B5EF4-FFF2-40B4-BE49-F238E27FC236}">
+                <a16:creationId xmlns:a16="http://schemas.microsoft.com/office/drawing/2014/main" id="{3BC21B0A-101C-D044-A534-0DE9DD86BA80}"/>
+              </a:ext>
+            </a:extLst>
+          </p:cNvPr>
+          <p:cNvSpPr>
+            <a:spLocks noGrp="1"/>
+          </p:cNvSpPr>
+          <p:nvPr>
+            <p:ph idx="1"/>
+          </p:nvPr>
+        </p:nvSpPr>
+        <p:spPr/>
+        <p:txBody>
+          <a:bodyPr/>
+          <a:lstStyle/>
+          <a:p>
+            <a:r>
+              <a:rPr kumimoji="1" lang="ja-JP" altLang="en-US"/>
+              <a:t>観測データの背景に仮定していなかった個々の事情がある</a:t>
+            </a:r>
+            <a:endParaRPr kumimoji="1" lang="en-US" altLang="ja-JP" dirty="0"/>
+          </a:p>
+          <a:p>
+            <a:pPr lvl="1"/>
+            <a:r>
+              <a:rPr lang="ja-JP" altLang="en-US"/>
+              <a:t>個体差</a:t>
+            </a:r>
+            <a:endParaRPr lang="en-US" altLang="ja-JP" dirty="0"/>
+          </a:p>
+          <a:p>
+            <a:pPr lvl="1"/>
+            <a:r>
+              <a:rPr lang="ja-JP" altLang="en-US"/>
+              <a:t>場所の差</a:t>
+            </a:r>
+            <a:endParaRPr lang="en-US" altLang="ja-JP" dirty="0"/>
+          </a:p>
+          <a:p>
+            <a:endParaRPr kumimoji="1" lang="en-US" altLang="ja-JP" dirty="0"/>
+          </a:p>
+          <a:p>
+            <a:r>
+              <a:rPr kumimoji="1" lang="ja-JP" altLang="en-US"/>
+              <a:t>ポアソン分布で誤差を生じる以前にそもそも個体差、操業場所の違いなどで誤差が生じる．</a:t>
+            </a:r>
+            <a:endParaRPr kumimoji="1" lang="en-US" altLang="ja-JP" dirty="0"/>
+          </a:p>
+          <a:p>
+            <a:pPr marL="0" indent="0">
+              <a:buNone/>
+            </a:pPr>
+            <a:r>
+              <a:rPr lang="ja-JP" altLang="en-US"/>
+              <a:t>　→ランダム効果として解析．</a:t>
+            </a:r>
+            <a:endParaRPr kumimoji="1" lang="en-US" altLang="ja-JP" dirty="0"/>
+          </a:p>
+        </p:txBody>
+      </p:sp>
+    </p:spTree>
+    <p:extLst>
+      <p:ext uri="{BB962C8B-B14F-4D97-AF65-F5344CB8AC3E}">
+        <p14:creationId xmlns:p14="http://schemas.microsoft.com/office/powerpoint/2010/main" val="2859020871"/>
       </p:ext>
     </p:extLst>
   </p:cSld>

--- a/R/スライド/第29回.pptx
+++ b/R/スライド/第29回.pptx
@@ -442,7 +442,7 @@
           <a:p>
             <a:fld id="{E6CC64AC-381B-1940-A2A3-3BC52AC77BCA}" type="datetimeFigureOut">
               <a:rPr kumimoji="1" lang="ja-JP" altLang="en-US" smtClean="0"/>
-              <a:t>2022/9/14</a:t>
+              <a:t>2022/10/2</a:t>
             </a:fld>
             <a:endParaRPr kumimoji="1" lang="ja-JP" altLang="en-US"/>
           </a:p>
@@ -785,22 +785,6 @@
           <a:bodyPr/>
           <a:lstStyle/>
           <a:p>
-            <a:r>
-              <a:rPr kumimoji="1" lang="ja-JP" altLang="en-US"/>
-              <a:t>（</a:t>
-            </a:r>
-            <a:r>
-              <a:rPr kumimoji="1" lang="en-US" altLang="ja-JP" dirty="0"/>
-              <a:t>O-E</a:t>
-            </a:r>
-            <a:r>
-              <a:rPr kumimoji="1" lang="ja-JP" altLang="en-US"/>
-              <a:t>）</a:t>
-            </a:r>
-            <a:r>
-              <a:rPr kumimoji="1" lang="en-US" altLang="ja-JP" dirty="0"/>
-              <a:t>^2?</a:t>
-            </a:r>
             <a:endParaRPr kumimoji="1" lang="ja-JP" altLang="en-US"/>
           </a:p>
         </p:txBody>
@@ -885,10 +869,7 @@
           <a:bodyPr/>
           <a:lstStyle/>
           <a:p>
-            <a:r>
-              <a:rPr kumimoji="1" lang="ja-JP" altLang="en-US"/>
-              <a:t>たしか、任意の期待度数を帰無仮説として与えられたような</a:t>
-            </a:r>
+            <a:endParaRPr kumimoji="1" lang="ja-JP" altLang="en-US"/>
           </a:p>
         </p:txBody>
       </p:sp>
@@ -1075,7 +1056,7 @@
           <a:p>
             <a:fld id="{109D021F-6DA5-0F41-8FDE-4263179E1E47}" type="datetimeFigureOut">
               <a:rPr kumimoji="1" lang="ja-JP" altLang="en-US" smtClean="0"/>
-              <a:t>2022/9/14</a:t>
+              <a:t>2022/10/2</a:t>
             </a:fld>
             <a:endParaRPr kumimoji="1" lang="ja-JP" altLang="en-US"/>
           </a:p>
@@ -1305,7 +1286,7 @@
           <a:p>
             <a:fld id="{109D021F-6DA5-0F41-8FDE-4263179E1E47}" type="datetimeFigureOut">
               <a:rPr kumimoji="1" lang="ja-JP" altLang="en-US" smtClean="0"/>
-              <a:t>2022/9/14</a:t>
+              <a:t>2022/10/2</a:t>
             </a:fld>
             <a:endParaRPr kumimoji="1" lang="ja-JP" altLang="en-US"/>
           </a:p>
@@ -1545,7 +1526,7 @@
           <a:p>
             <a:fld id="{109D021F-6DA5-0F41-8FDE-4263179E1E47}" type="datetimeFigureOut">
               <a:rPr kumimoji="1" lang="ja-JP" altLang="en-US" smtClean="0"/>
-              <a:t>2022/9/14</a:t>
+              <a:t>2022/10/2</a:t>
             </a:fld>
             <a:endParaRPr kumimoji="1" lang="ja-JP" altLang="en-US"/>
           </a:p>
@@ -1775,7 +1756,7 @@
           <a:p>
             <a:fld id="{109D021F-6DA5-0F41-8FDE-4263179E1E47}" type="datetimeFigureOut">
               <a:rPr kumimoji="1" lang="ja-JP" altLang="en-US" smtClean="0"/>
-              <a:t>2022/9/14</a:t>
+              <a:t>2022/10/2</a:t>
             </a:fld>
             <a:endParaRPr kumimoji="1" lang="ja-JP" altLang="en-US"/>
           </a:p>
@@ -2050,7 +2031,7 @@
           <a:p>
             <a:fld id="{109D021F-6DA5-0F41-8FDE-4263179E1E47}" type="datetimeFigureOut">
               <a:rPr kumimoji="1" lang="ja-JP" altLang="en-US" smtClean="0"/>
-              <a:t>2022/9/14</a:t>
+              <a:t>2022/10/2</a:t>
             </a:fld>
             <a:endParaRPr kumimoji="1" lang="ja-JP" altLang="en-US"/>
           </a:p>
@@ -2379,7 +2360,7 @@
           <a:p>
             <a:fld id="{109D021F-6DA5-0F41-8FDE-4263179E1E47}" type="datetimeFigureOut">
               <a:rPr kumimoji="1" lang="ja-JP" altLang="en-US" smtClean="0"/>
-              <a:t>2022/9/14</a:t>
+              <a:t>2022/10/2</a:t>
             </a:fld>
             <a:endParaRPr kumimoji="1" lang="ja-JP" altLang="en-US"/>
           </a:p>
@@ -2855,7 +2836,7 @@
           <a:p>
             <a:fld id="{109D021F-6DA5-0F41-8FDE-4263179E1E47}" type="datetimeFigureOut">
               <a:rPr kumimoji="1" lang="ja-JP" altLang="en-US" smtClean="0"/>
-              <a:t>2022/9/14</a:t>
+              <a:t>2022/10/2</a:t>
             </a:fld>
             <a:endParaRPr kumimoji="1" lang="ja-JP" altLang="en-US"/>
           </a:p>
@@ -2996,7 +2977,7 @@
           <a:p>
             <a:fld id="{109D021F-6DA5-0F41-8FDE-4263179E1E47}" type="datetimeFigureOut">
               <a:rPr kumimoji="1" lang="ja-JP" altLang="en-US" smtClean="0"/>
-              <a:t>2022/9/14</a:t>
+              <a:t>2022/10/2</a:t>
             </a:fld>
             <a:endParaRPr kumimoji="1" lang="ja-JP" altLang="en-US"/>
           </a:p>
@@ -3109,7 +3090,7 @@
           <a:p>
             <a:fld id="{109D021F-6DA5-0F41-8FDE-4263179E1E47}" type="datetimeFigureOut">
               <a:rPr kumimoji="1" lang="ja-JP" altLang="en-US" smtClean="0"/>
-              <a:t>2022/9/14</a:t>
+              <a:t>2022/10/2</a:t>
             </a:fld>
             <a:endParaRPr kumimoji="1" lang="ja-JP" altLang="en-US"/>
           </a:p>
@@ -3452,7 +3433,7 @@
           <a:p>
             <a:fld id="{109D021F-6DA5-0F41-8FDE-4263179E1E47}" type="datetimeFigureOut">
               <a:rPr kumimoji="1" lang="ja-JP" altLang="en-US" smtClean="0"/>
-              <a:t>2022/9/14</a:t>
+              <a:t>2022/10/2</a:t>
             </a:fld>
             <a:endParaRPr kumimoji="1" lang="ja-JP" altLang="en-US"/>
           </a:p>
@@ -3740,7 +3721,7 @@
           <a:p>
             <a:fld id="{109D021F-6DA5-0F41-8FDE-4263179E1E47}" type="datetimeFigureOut">
               <a:rPr kumimoji="1" lang="ja-JP" altLang="en-US" smtClean="0"/>
-              <a:t>2022/9/14</a:t>
+              <a:t>2022/10/2</a:t>
             </a:fld>
             <a:endParaRPr kumimoji="1" lang="ja-JP" altLang="en-US"/>
           </a:p>
@@ -4013,7 +3994,7 @@
           <a:p>
             <a:fld id="{109D021F-6DA5-0F41-8FDE-4263179E1E47}" type="datetimeFigureOut">
               <a:rPr kumimoji="1" lang="ja-JP" altLang="en-US" smtClean="0"/>
-              <a:t>2022/9/14</a:t>
+              <a:t>2022/10/2</a:t>
             </a:fld>
             <a:endParaRPr kumimoji="1" lang="ja-JP" altLang="en-US"/>
           </a:p>
@@ -5138,7 +5119,15 @@
             </a:r>
             <a:r>
               <a:rPr lang="en-US" altLang="ja-JP" dirty="0"/>
-              <a:t>)/</a:t>
+              <a:t>)</a:t>
+            </a:r>
+            <a:r>
+              <a:rPr lang="en-US" altLang="ja-JP" baseline="30000" dirty="0"/>
+              <a:t>^2</a:t>
+            </a:r>
+            <a:r>
+              <a:rPr lang="en-US" altLang="ja-JP" dirty="0"/>
+              <a:t>/</a:t>
             </a:r>
             <a:r>
               <a:rPr lang="en-US" altLang="ja-JP" dirty="0" err="1"/>
@@ -5770,7 +5759,7 @@
             </a:pPr>
             <a:r>
               <a:rPr lang="ja-JP" altLang="en-US" sz="2400"/>
-              <a:t>カイ二乗検定の帰無仮説は「観測度数は異なるカテゴリ間で違いがないと仮定した期待度数と一致する」</a:t>
+              <a:t>この場合の適合度検定におけるカイ二乗検定の帰無仮説は「観測度数は異なるカテゴリ間で違いがないと仮定した期待度数と一致する」</a:t>
             </a:r>
             <a:endParaRPr lang="en-US" altLang="ja-JP" sz="2400" dirty="0"/>
           </a:p>

--- a/R/スライド/第29回.pptx
+++ b/R/スライド/第29回.pptx
@@ -5,16 +5,15 @@
     <p:sldMasterId id="2147483648" r:id="rId1"/>
   </p:sldMasterIdLst>
   <p:notesMasterIdLst>
-    <p:notesMasterId r:id="rId9"/>
+    <p:notesMasterId r:id="rId8"/>
   </p:notesMasterIdLst>
   <p:sldIdLst>
     <p:sldId id="256" r:id="rId2"/>
-    <p:sldId id="257" r:id="rId3"/>
-    <p:sldId id="258" r:id="rId4"/>
-    <p:sldId id="259" r:id="rId5"/>
-    <p:sldId id="261" r:id="rId6"/>
-    <p:sldId id="260" r:id="rId7"/>
-    <p:sldId id="262" r:id="rId8"/>
+    <p:sldId id="263" r:id="rId3"/>
+    <p:sldId id="264" r:id="rId4"/>
+    <p:sldId id="265" r:id="rId5"/>
+    <p:sldId id="266" r:id="rId6"/>
+    <p:sldId id="267" r:id="rId7"/>
   </p:sldIdLst>
   <p:sldSz cx="12192000" cy="6858000"/>
   <p:notesSz cx="6858000" cy="9144000"/>
@@ -121,239 +120,82 @@
 </p:presentation>
 </file>
 
+<file path=ppt/revisionInfo.xml><?xml version="1.0" encoding="utf-8"?>
+<p1510:revInfo xmlns:a="http://schemas.openxmlformats.org/drawingml/2006/main" xmlns:r="http://schemas.openxmlformats.org/officeDocument/2006/relationships" xmlns:p1510="http://schemas.microsoft.com/office/powerpoint/2015/10/main">
+  <p1510:revLst>
+    <p1510:client id="{F22A17EE-4167-2B41-B996-C345E89EEFB0}" v="1" dt="2021-11-24T15:06:31.291"/>
+  </p1510:revLst>
+</p1510:revInfo>
+</file>
+
 <file path=ppt/changesInfos/changesInfo1.xml><?xml version="1.0" encoding="utf-8"?>
 <pc:chgInfo xmlns:a="http://schemas.openxmlformats.org/drawingml/2006/main" xmlns:r="http://schemas.openxmlformats.org/officeDocument/2006/relationships" xmlns:ac="http://schemas.microsoft.com/office/drawing/2013/main/command" xmlns:pc="http://schemas.microsoft.com/office/powerpoint/2013/main/command">
   <pc:docChgLst>
-    <pc:chgData name="Fukui Shin" userId="6902ee70c48ce296" providerId="LiveId" clId="{3563161F-D15E-4A4A-B8D2-4F599856B73C}"/>
-    <pc:docChg chg="undo redo custSel addSld delSld modSld">
-      <pc:chgData name="Fukui Shin" userId="6902ee70c48ce296" providerId="LiveId" clId="{3563161F-D15E-4A4A-B8D2-4F599856B73C}" dt="2021-11-22T06:10:02.338" v="4355" actId="20577"/>
+    <pc:chgData name="Fukui Shin" userId="6902ee70c48ce296" providerId="LiveId" clId="{F22A17EE-4167-2B41-B996-C345E89EEFB0}"/>
+    <pc:docChg chg="undo custSel modSld">
+      <pc:chgData name="Fukui Shin" userId="6902ee70c48ce296" providerId="LiveId" clId="{F22A17EE-4167-2B41-B996-C345E89EEFB0}" dt="2021-11-24T15:18:30.217" v="413" actId="20577"/>
       <pc:docMkLst>
         <pc:docMk/>
       </pc:docMkLst>
       <pc:sldChg chg="modSp mod">
-        <pc:chgData name="Fukui Shin" userId="6902ee70c48ce296" providerId="LiveId" clId="{3563161F-D15E-4A4A-B8D2-4F599856B73C}" dt="2021-11-17T14:54:59.137" v="4018" actId="20577"/>
+        <pc:chgData name="Fukui Shin" userId="6902ee70c48ce296" providerId="LiveId" clId="{F22A17EE-4167-2B41-B996-C345E89EEFB0}" dt="2021-11-24T15:18:30.217" v="413" actId="20577"/>
         <pc:sldMkLst>
           <pc:docMk/>
-          <pc:sldMk cId="571653398" sldId="257"/>
+          <pc:sldMk cId="3669137468" sldId="256"/>
         </pc:sldMkLst>
         <pc:spChg chg="mod">
-          <ac:chgData name="Fukui Shin" userId="6902ee70c48ce296" providerId="LiveId" clId="{3563161F-D15E-4A4A-B8D2-4F599856B73C}" dt="2021-11-15T04:46:05.370" v="26" actId="20577"/>
+          <ac:chgData name="Fukui Shin" userId="6902ee70c48ce296" providerId="LiveId" clId="{F22A17EE-4167-2B41-B996-C345E89EEFB0}" dt="2021-11-24T15:18:30.217" v="413" actId="20577"/>
           <ac:spMkLst>
             <pc:docMk/>
-            <pc:sldMk cId="571653398" sldId="257"/>
-            <ac:spMk id="2" creationId="{7EEF70A2-80E1-5D42-B09A-7B3C2212747A}"/>
-          </ac:spMkLst>
-        </pc:spChg>
-        <pc:spChg chg="mod">
-          <ac:chgData name="Fukui Shin" userId="6902ee70c48ce296" providerId="LiveId" clId="{3563161F-D15E-4A4A-B8D2-4F599856B73C}" dt="2021-11-17T14:54:59.137" v="4018" actId="20577"/>
-          <ac:spMkLst>
-            <pc:docMk/>
-            <pc:sldMk cId="571653398" sldId="257"/>
-            <ac:spMk id="3" creationId="{A186CAFC-0030-2E49-8268-A98CF64FBA05}"/>
+            <pc:sldMk cId="3669137468" sldId="256"/>
+            <ac:spMk id="2" creationId="{E042A3A6-0337-7240-9493-91CB7D731C49}"/>
           </ac:spMkLst>
         </pc:spChg>
       </pc:sldChg>
-      <pc:sldChg chg="modSp new mod">
-        <pc:chgData name="Fukui Shin" userId="6902ee70c48ce296" providerId="LiveId" clId="{3563161F-D15E-4A4A-B8D2-4F599856B73C}" dt="2021-11-17T14:57:59.362" v="4052" actId="20577"/>
+      <pc:sldChg chg="modSp mod">
+        <pc:chgData name="Fukui Shin" userId="6902ee70c48ce296" providerId="LiveId" clId="{F22A17EE-4167-2B41-B996-C345E89EEFB0}" dt="2021-11-24T15:12:41.983" v="293" actId="20577"/>
         <pc:sldMkLst>
           <pc:docMk/>
-          <pc:sldMk cId="1216965000" sldId="258"/>
+          <pc:sldMk cId="2426103001" sldId="264"/>
         </pc:sldMkLst>
         <pc:spChg chg="mod">
-          <ac:chgData name="Fukui Shin" userId="6902ee70c48ce296" providerId="LiveId" clId="{3563161F-D15E-4A4A-B8D2-4F599856B73C}" dt="2021-11-17T08:47:26.749" v="1585" actId="20577"/>
+          <ac:chgData name="Fukui Shin" userId="6902ee70c48ce296" providerId="LiveId" clId="{F22A17EE-4167-2B41-B996-C345E89EEFB0}" dt="2021-11-24T15:12:41.983" v="293" actId="20577"/>
           <ac:spMkLst>
             <pc:docMk/>
-            <pc:sldMk cId="1216965000" sldId="258"/>
-            <ac:spMk id="2" creationId="{7D1CB8DE-7E37-8843-9926-BCCB00963A6E}"/>
-          </ac:spMkLst>
-        </pc:spChg>
-        <pc:spChg chg="mod">
-          <ac:chgData name="Fukui Shin" userId="6902ee70c48ce296" providerId="LiveId" clId="{3563161F-D15E-4A4A-B8D2-4F599856B73C}" dt="2021-11-17T14:57:59.362" v="4052" actId="20577"/>
-          <ac:spMkLst>
-            <pc:docMk/>
-            <pc:sldMk cId="1216965000" sldId="258"/>
-            <ac:spMk id="3" creationId="{C92B07B6-339F-834A-BA51-25593D8DC76C}"/>
+            <pc:sldMk cId="2426103001" sldId="264"/>
+            <ac:spMk id="3" creationId="{6AB6596B-E717-A84A-851A-50C924979FEB}"/>
           </ac:spMkLst>
         </pc:spChg>
       </pc:sldChg>
-      <pc:sldChg chg="modSp new mod">
-        <pc:chgData name="Fukui Shin" userId="6902ee70c48ce296" providerId="LiveId" clId="{3563161F-D15E-4A4A-B8D2-4F599856B73C}" dt="2021-11-17T14:59:15.600" v="4074" actId="58"/>
+      <pc:sldChg chg="modSp mod">
+        <pc:chgData name="Fukui Shin" userId="6902ee70c48ce296" providerId="LiveId" clId="{F22A17EE-4167-2B41-B996-C345E89EEFB0}" dt="2021-11-24T15:15:26.448" v="411" actId="20577"/>
         <pc:sldMkLst>
           <pc:docMk/>
-          <pc:sldMk cId="672173733" sldId="259"/>
+          <pc:sldMk cId="1777339200" sldId="265"/>
         </pc:sldMkLst>
         <pc:spChg chg="mod">
-          <ac:chgData name="Fukui Shin" userId="6902ee70c48ce296" providerId="LiveId" clId="{3563161F-D15E-4A4A-B8D2-4F599856B73C}" dt="2021-11-15T07:37:34.477" v="976" actId="20577"/>
+          <ac:chgData name="Fukui Shin" userId="6902ee70c48ce296" providerId="LiveId" clId="{F22A17EE-4167-2B41-B996-C345E89EEFB0}" dt="2021-11-24T15:15:26.448" v="411" actId="20577"/>
           <ac:spMkLst>
             <pc:docMk/>
-            <pc:sldMk cId="672173733" sldId="259"/>
-            <ac:spMk id="2" creationId="{8735B3ED-534B-9148-BE43-146E345053C2}"/>
-          </ac:spMkLst>
-        </pc:spChg>
-        <pc:spChg chg="mod">
-          <ac:chgData name="Fukui Shin" userId="6902ee70c48ce296" providerId="LiveId" clId="{3563161F-D15E-4A4A-B8D2-4F599856B73C}" dt="2021-11-17T14:59:15.600" v="4074" actId="58"/>
-          <ac:spMkLst>
-            <pc:docMk/>
-            <pc:sldMk cId="672173733" sldId="259"/>
-            <ac:spMk id="3" creationId="{53329B6A-02E6-674F-BCF0-66057978508F}"/>
+            <pc:sldMk cId="1777339200" sldId="265"/>
+            <ac:spMk id="3" creationId="{6B5549BF-3578-5C45-9242-2BFB7DB143DA}"/>
           </ac:spMkLst>
         </pc:spChg>
       </pc:sldChg>
-      <pc:sldChg chg="modSp new mod">
-        <pc:chgData name="Fukui Shin" userId="6902ee70c48ce296" providerId="LiveId" clId="{3563161F-D15E-4A4A-B8D2-4F599856B73C}" dt="2021-11-22T06:10:02.338" v="4355" actId="20577"/>
+      <pc:sldChg chg="modSp mod">
+        <pc:chgData name="Fukui Shin" userId="6902ee70c48ce296" providerId="LiveId" clId="{F22A17EE-4167-2B41-B996-C345E89EEFB0}" dt="2021-11-24T15:06:37.872" v="263" actId="20577"/>
         <pc:sldMkLst>
           <pc:docMk/>
-          <pc:sldMk cId="4234602352" sldId="260"/>
+          <pc:sldMk cId="2857971315" sldId="266"/>
         </pc:sldMkLst>
         <pc:spChg chg="mod">
-          <ac:chgData name="Fukui Shin" userId="6902ee70c48ce296" providerId="LiveId" clId="{3563161F-D15E-4A4A-B8D2-4F599856B73C}" dt="2021-11-17T09:57:43.533" v="3542" actId="20577"/>
+          <ac:chgData name="Fukui Shin" userId="6902ee70c48ce296" providerId="LiveId" clId="{F22A17EE-4167-2B41-B996-C345E89EEFB0}" dt="2021-11-24T15:06:37.872" v="263" actId="20577"/>
           <ac:spMkLst>
             <pc:docMk/>
-            <pc:sldMk cId="4234602352" sldId="260"/>
-            <ac:spMk id="2" creationId="{C09836D2-1796-FB42-A1C5-8E63CADB49EB}"/>
+            <pc:sldMk cId="2857971315" sldId="266"/>
+            <ac:spMk id="3" creationId="{2900A259-287C-8746-BCB8-549AD2ECEA48}"/>
           </ac:spMkLst>
         </pc:spChg>
-        <pc:spChg chg="mod">
-          <ac:chgData name="Fukui Shin" userId="6902ee70c48ce296" providerId="LiveId" clId="{3563161F-D15E-4A4A-B8D2-4F599856B73C}" dt="2021-11-22T06:10:02.338" v="4355" actId="20577"/>
-          <ac:spMkLst>
-            <pc:docMk/>
-            <pc:sldMk cId="4234602352" sldId="260"/>
-            <ac:spMk id="3" creationId="{98987442-2918-D04B-BB5D-BD5790BC103F}"/>
-          </ac:spMkLst>
-        </pc:spChg>
-      </pc:sldChg>
-      <pc:sldChg chg="addSp delSp modSp new mod">
-        <pc:chgData name="Fukui Shin" userId="6902ee70c48ce296" providerId="LiveId" clId="{3563161F-D15E-4A4A-B8D2-4F599856B73C}" dt="2021-11-17T16:16:06.152" v="4319" actId="20577"/>
-        <pc:sldMkLst>
-          <pc:docMk/>
-          <pc:sldMk cId="3185156017" sldId="261"/>
-        </pc:sldMkLst>
-        <pc:spChg chg="mod">
-          <ac:chgData name="Fukui Shin" userId="6902ee70c48ce296" providerId="LiveId" clId="{3563161F-D15E-4A4A-B8D2-4F599856B73C}" dt="2021-11-17T09:14:38.779" v="2269"/>
-          <ac:spMkLst>
-            <pc:docMk/>
-            <pc:sldMk cId="3185156017" sldId="261"/>
-            <ac:spMk id="2" creationId="{3C700D43-7914-8B49-B1EE-F2FE8202DB90}"/>
-          </ac:spMkLst>
-        </pc:spChg>
-        <pc:spChg chg="del">
-          <ac:chgData name="Fukui Shin" userId="6902ee70c48ce296" providerId="LiveId" clId="{3563161F-D15E-4A4A-B8D2-4F599856B73C}" dt="2021-11-17T09:05:31.683" v="2088" actId="3680"/>
-          <ac:spMkLst>
-            <pc:docMk/>
-            <pc:sldMk cId="3185156017" sldId="261"/>
-            <ac:spMk id="3" creationId="{E1DD4FF8-1667-0D46-AEC6-0B5B3DB8876A}"/>
-          </ac:spMkLst>
-        </pc:spChg>
-        <pc:spChg chg="add del mod">
-          <ac:chgData name="Fukui Shin" userId="6902ee70c48ce296" providerId="LiveId" clId="{3563161F-D15E-4A4A-B8D2-4F599856B73C}" dt="2021-11-17T09:07:59.144" v="2230"/>
-          <ac:spMkLst>
-            <pc:docMk/>
-            <pc:sldMk cId="3185156017" sldId="261"/>
-            <ac:spMk id="5" creationId="{98D531CB-25E3-8C4C-84F7-5CF85AAAF111}"/>
-          </ac:spMkLst>
-        </pc:spChg>
-        <pc:spChg chg="add del mod">
-          <ac:chgData name="Fukui Shin" userId="6902ee70c48ce296" providerId="LiveId" clId="{3563161F-D15E-4A4A-B8D2-4F599856B73C}" dt="2021-11-17T09:22:15.546" v="2622"/>
-          <ac:spMkLst>
-            <pc:docMk/>
-            <pc:sldMk cId="3185156017" sldId="261"/>
-            <ac:spMk id="6" creationId="{62BC719E-E9FF-8943-BF71-336F71B4757E}"/>
-          </ac:spMkLst>
-        </pc:spChg>
-        <pc:spChg chg="add mod">
-          <ac:chgData name="Fukui Shin" userId="6902ee70c48ce296" providerId="LiveId" clId="{3563161F-D15E-4A4A-B8D2-4F599856B73C}" dt="2021-11-17T16:16:06.152" v="4319" actId="20577"/>
-          <ac:spMkLst>
-            <pc:docMk/>
-            <pc:sldMk cId="3185156017" sldId="261"/>
-            <ac:spMk id="7" creationId="{3B3CE665-52A0-C342-89A8-B18E5AC153D9}"/>
-          </ac:spMkLst>
-        </pc:spChg>
-        <pc:graphicFrameChg chg="add mod ord modGraphic">
-          <ac:chgData name="Fukui Shin" userId="6902ee70c48ce296" providerId="LiveId" clId="{3563161F-D15E-4A4A-B8D2-4F599856B73C}" dt="2021-11-17T14:54:28.369" v="4017" actId="255"/>
-          <ac:graphicFrameMkLst>
-            <pc:docMk/>
-            <pc:sldMk cId="3185156017" sldId="261"/>
-            <ac:graphicFrameMk id="4" creationId="{407B999C-F742-4C4B-8A08-6B24FE0BC9FB}"/>
-          </ac:graphicFrameMkLst>
-        </pc:graphicFrameChg>
-      </pc:sldChg>
-      <pc:sldChg chg="modSp new mod">
-        <pc:chgData name="Fukui Shin" userId="6902ee70c48ce296" providerId="LiveId" clId="{3563161F-D15E-4A4A-B8D2-4F599856B73C}" dt="2021-11-22T06:09:28.992" v="4340" actId="20577"/>
-        <pc:sldMkLst>
-          <pc:docMk/>
-          <pc:sldMk cId="2859020871" sldId="262"/>
-        </pc:sldMkLst>
-        <pc:spChg chg="mod">
-          <ac:chgData name="Fukui Shin" userId="6902ee70c48ce296" providerId="LiveId" clId="{3563161F-D15E-4A4A-B8D2-4F599856B73C}" dt="2021-11-17T09:59:35.240" v="3692" actId="20577"/>
-          <ac:spMkLst>
-            <pc:docMk/>
-            <pc:sldMk cId="2859020871" sldId="262"/>
-            <ac:spMk id="2" creationId="{14F383C1-F4F6-F143-BB59-4370B86BFFD5}"/>
-          </ac:spMkLst>
-        </pc:spChg>
-        <pc:spChg chg="mod">
-          <ac:chgData name="Fukui Shin" userId="6902ee70c48ce296" providerId="LiveId" clId="{3563161F-D15E-4A4A-B8D2-4F599856B73C}" dt="2021-11-22T06:09:28.992" v="4340" actId="20577"/>
-          <ac:spMkLst>
-            <pc:docMk/>
-            <pc:sldMk cId="2859020871" sldId="262"/>
-            <ac:spMk id="3" creationId="{3BC21B0A-101C-D044-A534-0DE9DD86BA80}"/>
-          </ac:spMkLst>
-        </pc:spChg>
-      </pc:sldChg>
-      <pc:sldChg chg="modSp new del mod">
-        <pc:chgData name="Fukui Shin" userId="6902ee70c48ce296" providerId="LiveId" clId="{3563161F-D15E-4A4A-B8D2-4F599856B73C}" dt="2021-11-17T15:13:35.038" v="4317" actId="2696"/>
-        <pc:sldMkLst>
-          <pc:docMk/>
-          <pc:sldMk cId="1660451074" sldId="263"/>
-        </pc:sldMkLst>
-        <pc:spChg chg="mod">
-          <ac:chgData name="Fukui Shin" userId="6902ee70c48ce296" providerId="LiveId" clId="{3563161F-D15E-4A4A-B8D2-4F599856B73C}" dt="2021-11-17T15:02:52.051" v="4316" actId="20577"/>
-          <ac:spMkLst>
-            <pc:docMk/>
-            <pc:sldMk cId="1660451074" sldId="263"/>
-            <ac:spMk id="2" creationId="{7E8786A5-99FE-694E-8FC0-336E57357EBA}"/>
-          </ac:spMkLst>
-        </pc:spChg>
-      </pc:sldChg>
-    </pc:docChg>
-  </pc:docChgLst>
-  <pc:docChgLst>
-    <pc:chgData name="Fukui Shin" userId="6902ee70c48ce296" providerId="LiveId" clId="{C171A0A8-2E99-C24B-9E1C-D9FFA0DC05D0}"/>
-    <pc:docChg chg="undo custSel modSld">
-      <pc:chgData name="Fukui Shin" userId="6902ee70c48ce296" providerId="LiveId" clId="{C171A0A8-2E99-C24B-9E1C-D9FFA0DC05D0}" dt="2021-11-18T02:26:17.784" v="297" actId="20577"/>
-      <pc:docMkLst>
-        <pc:docMk/>
-      </pc:docMkLst>
-      <pc:sldChg chg="modSp mod">
-        <pc:chgData name="Fukui Shin" userId="6902ee70c48ce296" providerId="LiveId" clId="{C171A0A8-2E99-C24B-9E1C-D9FFA0DC05D0}" dt="2021-11-18T02:26:17.784" v="297" actId="20577"/>
-        <pc:sldMkLst>
-          <pc:docMk/>
-          <pc:sldMk cId="3185156017" sldId="261"/>
-        </pc:sldMkLst>
-        <pc:spChg chg="mod">
-          <ac:chgData name="Fukui Shin" userId="6902ee70c48ce296" providerId="LiveId" clId="{C171A0A8-2E99-C24B-9E1C-D9FFA0DC05D0}" dt="2021-11-18T02:26:17.784" v="297" actId="20577"/>
-          <ac:spMkLst>
-            <pc:docMk/>
-            <pc:sldMk cId="3185156017" sldId="261"/>
-            <ac:spMk id="2" creationId="{3C700D43-7914-8B49-B1EE-F2FE8202DB90}"/>
-          </ac:spMkLst>
-        </pc:spChg>
-        <pc:spChg chg="mod">
-          <ac:chgData name="Fukui Shin" userId="6902ee70c48ce296" providerId="LiveId" clId="{C171A0A8-2E99-C24B-9E1C-D9FFA0DC05D0}" dt="2021-11-18T02:24:43.279" v="275" actId="20577"/>
-          <ac:spMkLst>
-            <pc:docMk/>
-            <pc:sldMk cId="3185156017" sldId="261"/>
-            <ac:spMk id="7" creationId="{3B3CE665-52A0-C342-89A8-B18E5AC153D9}"/>
-          </ac:spMkLst>
-        </pc:spChg>
-        <pc:graphicFrameChg chg="mod modGraphic">
-          <ac:chgData name="Fukui Shin" userId="6902ee70c48ce296" providerId="LiveId" clId="{C171A0A8-2E99-C24B-9E1C-D9FFA0DC05D0}" dt="2021-11-18T02:16:45.210" v="12" actId="1076"/>
-          <ac:graphicFrameMkLst>
-            <pc:docMk/>
-            <pc:sldMk cId="3185156017" sldId="261"/>
-            <ac:graphicFrameMk id="4" creationId="{407B999C-F742-4C4B-8A08-6B24FE0BC9FB}"/>
-          </ac:graphicFrameMkLst>
-        </pc:graphicFrameChg>
       </pc:sldChg>
     </pc:docChg>
   </pc:docChgLst>
@@ -440,9 +282,9 @@
             </a:lvl1pPr>
           </a:lstStyle>
           <a:p>
-            <a:fld id="{E6CC64AC-381B-1940-A2A3-3BC52AC77BCA}" type="datetimeFigureOut">
+            <a:fld id="{5C3D4433-5FBF-1E49-94A9-02E237BA3490}" type="datetimeFigureOut">
               <a:rPr kumimoji="1" lang="ja-JP" altLang="en-US" smtClean="0"/>
-              <a:t>2022/10/2</a:t>
+              <a:t>2022/10/31</a:t>
             </a:fld>
             <a:endParaRPr kumimoji="1" lang="ja-JP" altLang="en-US"/>
           </a:p>
@@ -630,7 +472,7 @@
             </a:lvl1pPr>
           </a:lstStyle>
           <a:p>
-            <a:fld id="{C9FA6667-A6C9-A248-A58F-2989437BD211}" type="slidenum">
+            <a:fld id="{9639B2E0-7C4F-B341-AB89-E06623C928CE}" type="slidenum">
               <a:rPr kumimoji="1" lang="ja-JP" altLang="en-US" smtClean="0"/>
               <a:t>‹#›</a:t>
             </a:fld>
@@ -641,7 +483,7 @@
     </p:spTree>
     <p:extLst>
       <p:ext uri="{BB962C8B-B14F-4D97-AF65-F5344CB8AC3E}">
-        <p14:creationId xmlns:p14="http://schemas.microsoft.com/office/powerpoint/2010/main" val="990334637"/>
+        <p14:creationId xmlns:p14="http://schemas.microsoft.com/office/powerpoint/2010/main" val="3706952897"/>
       </p:ext>
     </p:extLst>
   </p:cSld>
@@ -785,7 +627,20 @@
           <a:bodyPr/>
           <a:lstStyle/>
           <a:p>
-            <a:endParaRPr kumimoji="1" lang="ja-JP" altLang="en-US"/>
+            <a:r>
+              <a:rPr kumimoji="1" lang="ja-JP" altLang="en-US"/>
+              <a:t>カテゴリ変数の場合、各カテゴリに係数が割り振られるのでは？</a:t>
+            </a:r>
+            <a:endParaRPr kumimoji="1" lang="en-US" altLang="ja-JP" dirty="0"/>
+          </a:p>
+          <a:p>
+            <a:endParaRPr kumimoji="1" lang="en-US" altLang="ja-JP" dirty="0"/>
+          </a:p>
+          <a:p>
+            <a:r>
+              <a:rPr kumimoji="1" lang="ja-JP" altLang="en-US"/>
+              <a:t>ランダム効果は、線形モデルでカテゴリごとに与えられる係数を確率分布で表現するイメージ？</a:t>
+            </a:r>
           </a:p>
         </p:txBody>
       </p:sp>
@@ -804,9 +659,9 @@
           <a:bodyPr/>
           <a:lstStyle/>
           <a:p>
-            <a:fld id="{C9FA6667-A6C9-A248-A58F-2989437BD211}" type="slidenum">
+            <a:fld id="{9639B2E0-7C4F-B341-AB89-E06623C928CE}" type="slidenum">
               <a:rPr kumimoji="1" lang="ja-JP" altLang="en-US" smtClean="0"/>
-              <a:t>4</a:t>
+              <a:t>2</a:t>
             </a:fld>
             <a:endParaRPr kumimoji="1" lang="ja-JP" altLang="en-US"/>
           </a:p>
@@ -815,7 +670,7 @@
     </p:spTree>
     <p:extLst>
       <p:ext uri="{BB962C8B-B14F-4D97-AF65-F5344CB8AC3E}">
-        <p14:creationId xmlns:p14="http://schemas.microsoft.com/office/powerpoint/2010/main" val="569031379"/>
+        <p14:creationId xmlns:p14="http://schemas.microsoft.com/office/powerpoint/2010/main" val="3689591581"/>
       </p:ext>
     </p:extLst>
   </p:cSld>
@@ -869,7 +724,17 @@
           <a:bodyPr/>
           <a:lstStyle/>
           <a:p>
-            <a:endParaRPr kumimoji="1" lang="ja-JP" altLang="en-US"/>
+            <a:r>
+              <a:rPr kumimoji="1" lang="ja-JP" altLang="en-US"/>
+              <a:t>なんかここは、具体的な例を出して説明しないと伝わらなさそうな気がする。</a:t>
+            </a:r>
+            <a:endParaRPr kumimoji="1" lang="en-US" altLang="ja-JP" dirty="0"/>
+          </a:p>
+          <a:p>
+            <a:r>
+              <a:rPr kumimoji="1" lang="ja-JP" altLang="en-US"/>
+              <a:t>大事なのは、個別の係数を推定するのではなく、その係数の分散のみを推定すること、それによってモデルの自由度を絞って説明変数のいたずらな増加を防げること。</a:t>
+            </a:r>
           </a:p>
         </p:txBody>
       </p:sp>
@@ -888,9 +753,9 @@
           <a:bodyPr/>
           <a:lstStyle/>
           <a:p>
-            <a:fld id="{C9FA6667-A6C9-A248-A58F-2989437BD211}" type="slidenum">
+            <a:fld id="{9639B2E0-7C4F-B341-AB89-E06623C928CE}" type="slidenum">
               <a:rPr kumimoji="1" lang="ja-JP" altLang="en-US" smtClean="0"/>
-              <a:t>5</a:t>
+              <a:t>3</a:t>
             </a:fld>
             <a:endParaRPr kumimoji="1" lang="ja-JP" altLang="en-US"/>
           </a:p>
@@ -899,7 +764,91 @@
     </p:spTree>
     <p:extLst>
       <p:ext uri="{BB962C8B-B14F-4D97-AF65-F5344CB8AC3E}">
-        <p14:creationId xmlns:p14="http://schemas.microsoft.com/office/powerpoint/2010/main" val="4069314633"/>
+        <p14:creationId xmlns:p14="http://schemas.microsoft.com/office/powerpoint/2010/main" val="3582969618"/>
+      </p:ext>
+    </p:extLst>
+  </p:cSld>
+  <p:clrMapOvr>
+    <a:masterClrMapping/>
+  </p:clrMapOvr>
+</p:notes>
+</file>
+
+<file path=ppt/notesSlides/notesSlide3.xml><?xml version="1.0" encoding="utf-8"?>
+<p:notes xmlns:a="http://schemas.openxmlformats.org/drawingml/2006/main" xmlns:r="http://schemas.openxmlformats.org/officeDocument/2006/relationships" xmlns:p="http://schemas.openxmlformats.org/presentationml/2006/main">
+  <p:cSld>
+    <p:spTree>
+      <p:nvGrpSpPr>
+        <p:cNvPr id="1" name=""/>
+        <p:cNvGrpSpPr/>
+        <p:nvPr/>
+      </p:nvGrpSpPr>
+      <p:grpSpPr>
+        <a:xfrm>
+          <a:off x="0" y="0"/>
+          <a:ext cx="0" cy="0"/>
+          <a:chOff x="0" y="0"/>
+          <a:chExt cx="0" cy="0"/>
+        </a:xfrm>
+      </p:grpSpPr>
+      <p:sp>
+        <p:nvSpPr>
+          <p:cNvPr id="2" name="スライド イメージ プレースホルダー 1"/>
+          <p:cNvSpPr>
+            <a:spLocks noGrp="1" noRot="1" noChangeAspect="1"/>
+          </p:cNvSpPr>
+          <p:nvPr>
+            <p:ph type="sldImg"/>
+          </p:nvPr>
+        </p:nvSpPr>
+        <p:spPr/>
+      </p:sp>
+      <p:sp>
+        <p:nvSpPr>
+          <p:cNvPr id="3" name="ノート プレースホルダー 2"/>
+          <p:cNvSpPr>
+            <a:spLocks noGrp="1"/>
+          </p:cNvSpPr>
+          <p:nvPr>
+            <p:ph type="body" idx="1"/>
+          </p:nvPr>
+        </p:nvSpPr>
+        <p:spPr/>
+        <p:txBody>
+          <a:bodyPr/>
+          <a:lstStyle/>
+          <a:p>
+            <a:endParaRPr kumimoji="1" lang="ja-JP" altLang="en-US"/>
+          </a:p>
+        </p:txBody>
+      </p:sp>
+      <p:sp>
+        <p:nvSpPr>
+          <p:cNvPr id="4" name="スライド番号プレースホルダー 3"/>
+          <p:cNvSpPr>
+            <a:spLocks noGrp="1"/>
+          </p:cNvSpPr>
+          <p:nvPr>
+            <p:ph type="sldNum" sz="quarter" idx="5"/>
+          </p:nvPr>
+        </p:nvSpPr>
+        <p:spPr/>
+        <p:txBody>
+          <a:bodyPr/>
+          <a:lstStyle/>
+          <a:p>
+            <a:fld id="{9639B2E0-7C4F-B341-AB89-E06623C928CE}" type="slidenum">
+              <a:rPr kumimoji="1" lang="ja-JP" altLang="en-US" smtClean="0"/>
+              <a:t>5</a:t>
+            </a:fld>
+            <a:endParaRPr kumimoji="1" lang="ja-JP" altLang="en-US"/>
+          </a:p>
+        </p:txBody>
+      </p:sp>
+    </p:spTree>
+    <p:extLst>
+      <p:ext uri="{BB962C8B-B14F-4D97-AF65-F5344CB8AC3E}">
+        <p14:creationId xmlns:p14="http://schemas.microsoft.com/office/powerpoint/2010/main" val="1257509647"/>
       </p:ext>
     </p:extLst>
   </p:cSld>
@@ -931,7 +880,7 @@
           <p:cNvPr id="2" name="タイトル 1">
             <a:extLst>
               <a:ext uri="{FF2B5EF4-FFF2-40B4-BE49-F238E27FC236}">
-                <a16:creationId xmlns:a16="http://schemas.microsoft.com/office/drawing/2014/main" id="{730570FC-1B8F-DA4C-805F-27D6AD0E8A4C}"/>
+                <a16:creationId xmlns:a16="http://schemas.microsoft.com/office/drawing/2014/main" id="{408B69B6-2E12-EF43-8558-D71A4756C866}"/>
               </a:ext>
             </a:extLst>
           </p:cNvPr>
@@ -968,7 +917,7 @@
           <p:cNvPr id="3" name="字幕 2">
             <a:extLst>
               <a:ext uri="{FF2B5EF4-FFF2-40B4-BE49-F238E27FC236}">
-                <a16:creationId xmlns:a16="http://schemas.microsoft.com/office/drawing/2014/main" id="{E4E31D2C-82E9-9C4B-B146-1EECA166322E}"/>
+                <a16:creationId xmlns:a16="http://schemas.microsoft.com/office/drawing/2014/main" id="{CF15A90B-D5C2-3249-9C4F-3F4C551DFF03}"/>
               </a:ext>
             </a:extLst>
           </p:cNvPr>
@@ -1038,7 +987,7 @@
           <p:cNvPr id="4" name="日付プレースホルダー 3">
             <a:extLst>
               <a:ext uri="{FF2B5EF4-FFF2-40B4-BE49-F238E27FC236}">
-                <a16:creationId xmlns:a16="http://schemas.microsoft.com/office/drawing/2014/main" id="{0180BADE-8DAA-8C42-BE97-C1B4E6079DE4}"/>
+                <a16:creationId xmlns:a16="http://schemas.microsoft.com/office/drawing/2014/main" id="{C8FF354F-8F0E-D145-9061-CB9059F233AD}"/>
               </a:ext>
             </a:extLst>
           </p:cNvPr>
@@ -1054,9 +1003,9 @@
           <a:bodyPr/>
           <a:lstStyle/>
           <a:p>
-            <a:fld id="{109D021F-6DA5-0F41-8FDE-4263179E1E47}" type="datetimeFigureOut">
+            <a:fld id="{E7AA294B-5299-B042-9CE8-0D364E0B4401}" type="datetimeFigureOut">
               <a:rPr kumimoji="1" lang="ja-JP" altLang="en-US" smtClean="0"/>
-              <a:t>2022/10/2</a:t>
+              <a:t>2022/10/31</a:t>
             </a:fld>
             <a:endParaRPr kumimoji="1" lang="ja-JP" altLang="en-US"/>
           </a:p>
@@ -1067,7 +1016,7 @@
           <p:cNvPr id="5" name="フッター プレースホルダー 4">
             <a:extLst>
               <a:ext uri="{FF2B5EF4-FFF2-40B4-BE49-F238E27FC236}">
-                <a16:creationId xmlns:a16="http://schemas.microsoft.com/office/drawing/2014/main" id="{22197273-5205-7A4C-815D-A12439F54182}"/>
+                <a16:creationId xmlns:a16="http://schemas.microsoft.com/office/drawing/2014/main" id="{97537B64-403E-1F4D-BC3D-34885EB08C82}"/>
               </a:ext>
             </a:extLst>
           </p:cNvPr>
@@ -1092,7 +1041,7 @@
           <p:cNvPr id="6" name="スライド番号プレースホルダー 5">
             <a:extLst>
               <a:ext uri="{FF2B5EF4-FFF2-40B4-BE49-F238E27FC236}">
-                <a16:creationId xmlns:a16="http://schemas.microsoft.com/office/drawing/2014/main" id="{C485851B-6198-B44D-84BF-C254237E8F59}"/>
+                <a16:creationId xmlns:a16="http://schemas.microsoft.com/office/drawing/2014/main" id="{59CE57B2-11D2-E946-ABE0-3FFFC52AABAC}"/>
               </a:ext>
             </a:extLst>
           </p:cNvPr>
@@ -1108,7 +1057,7 @@
           <a:bodyPr/>
           <a:lstStyle/>
           <a:p>
-            <a:fld id="{76ADF933-266D-E746-99F4-C7579547FB03}" type="slidenum">
+            <a:fld id="{645F6BEC-B8B4-264E-90F7-A838F087B47C}" type="slidenum">
               <a:rPr kumimoji="1" lang="ja-JP" altLang="en-US" smtClean="0"/>
               <a:t>‹#›</a:t>
             </a:fld>
@@ -1119,7 +1068,7 @@
     </p:spTree>
     <p:extLst>
       <p:ext uri="{BB962C8B-B14F-4D97-AF65-F5344CB8AC3E}">
-        <p14:creationId xmlns:p14="http://schemas.microsoft.com/office/powerpoint/2010/main" val="1404797208"/>
+        <p14:creationId xmlns:p14="http://schemas.microsoft.com/office/powerpoint/2010/main" val="2365897059"/>
       </p:ext>
     </p:extLst>
   </p:cSld>
@@ -1151,7 +1100,7 @@
           <p:cNvPr id="2" name="タイトル 1">
             <a:extLst>
               <a:ext uri="{FF2B5EF4-FFF2-40B4-BE49-F238E27FC236}">
-                <a16:creationId xmlns:a16="http://schemas.microsoft.com/office/drawing/2014/main" id="{407F9CCF-BCA7-AF48-876A-B8DA7872E276}"/>
+                <a16:creationId xmlns:a16="http://schemas.microsoft.com/office/drawing/2014/main" id="{AF0C9E08-E886-E544-87E3-200F65793074}"/>
               </a:ext>
             </a:extLst>
           </p:cNvPr>
@@ -1179,7 +1128,7 @@
           <p:cNvPr id="3" name="縦書きテキスト プレースホルダー 2">
             <a:extLst>
               <a:ext uri="{FF2B5EF4-FFF2-40B4-BE49-F238E27FC236}">
-                <a16:creationId xmlns:a16="http://schemas.microsoft.com/office/drawing/2014/main" id="{BFB900FC-05F6-7843-B917-753A3C9C140F}"/>
+                <a16:creationId xmlns:a16="http://schemas.microsoft.com/office/drawing/2014/main" id="{009AC05B-2ADF-D14C-A692-D6D2D31B6C95}"/>
               </a:ext>
             </a:extLst>
           </p:cNvPr>
@@ -1268,7 +1217,7 @@
           <p:cNvPr id="4" name="日付プレースホルダー 3">
             <a:extLst>
               <a:ext uri="{FF2B5EF4-FFF2-40B4-BE49-F238E27FC236}">
-                <a16:creationId xmlns:a16="http://schemas.microsoft.com/office/drawing/2014/main" id="{108AA086-1729-E741-A141-CE7BA4381942}"/>
+                <a16:creationId xmlns:a16="http://schemas.microsoft.com/office/drawing/2014/main" id="{FD1AE541-19EE-1C4C-B820-D6150771BED0}"/>
               </a:ext>
             </a:extLst>
           </p:cNvPr>
@@ -1284,9 +1233,9 @@
           <a:bodyPr/>
           <a:lstStyle/>
           <a:p>
-            <a:fld id="{109D021F-6DA5-0F41-8FDE-4263179E1E47}" type="datetimeFigureOut">
+            <a:fld id="{E7AA294B-5299-B042-9CE8-0D364E0B4401}" type="datetimeFigureOut">
               <a:rPr kumimoji="1" lang="ja-JP" altLang="en-US" smtClean="0"/>
-              <a:t>2022/10/2</a:t>
+              <a:t>2022/10/31</a:t>
             </a:fld>
             <a:endParaRPr kumimoji="1" lang="ja-JP" altLang="en-US"/>
           </a:p>
@@ -1297,7 +1246,7 @@
           <p:cNvPr id="5" name="フッター プレースホルダー 4">
             <a:extLst>
               <a:ext uri="{FF2B5EF4-FFF2-40B4-BE49-F238E27FC236}">
-                <a16:creationId xmlns:a16="http://schemas.microsoft.com/office/drawing/2014/main" id="{6F6E0E40-3843-3D40-8398-A31C8729B1B3}"/>
+                <a16:creationId xmlns:a16="http://schemas.microsoft.com/office/drawing/2014/main" id="{DA4FFFC4-62C6-4A4E-860F-4A45274F23B2}"/>
               </a:ext>
             </a:extLst>
           </p:cNvPr>
@@ -1322,7 +1271,7 @@
           <p:cNvPr id="6" name="スライド番号プレースホルダー 5">
             <a:extLst>
               <a:ext uri="{FF2B5EF4-FFF2-40B4-BE49-F238E27FC236}">
-                <a16:creationId xmlns:a16="http://schemas.microsoft.com/office/drawing/2014/main" id="{A5131E5A-4119-9448-85DE-83F7F5D5DC40}"/>
+                <a16:creationId xmlns:a16="http://schemas.microsoft.com/office/drawing/2014/main" id="{6D1884EE-D32E-5E40-B00D-71542ED8C114}"/>
               </a:ext>
             </a:extLst>
           </p:cNvPr>
@@ -1338,7 +1287,7 @@
           <a:bodyPr/>
           <a:lstStyle/>
           <a:p>
-            <a:fld id="{76ADF933-266D-E746-99F4-C7579547FB03}" type="slidenum">
+            <a:fld id="{645F6BEC-B8B4-264E-90F7-A838F087B47C}" type="slidenum">
               <a:rPr kumimoji="1" lang="ja-JP" altLang="en-US" smtClean="0"/>
               <a:t>‹#›</a:t>
             </a:fld>
@@ -1349,7 +1298,7 @@
     </p:spTree>
     <p:extLst>
       <p:ext uri="{BB962C8B-B14F-4D97-AF65-F5344CB8AC3E}">
-        <p14:creationId xmlns:p14="http://schemas.microsoft.com/office/powerpoint/2010/main" val="2173639389"/>
+        <p14:creationId xmlns:p14="http://schemas.microsoft.com/office/powerpoint/2010/main" val="1845248324"/>
       </p:ext>
     </p:extLst>
   </p:cSld>
@@ -1381,7 +1330,7 @@
           <p:cNvPr id="2" name="縦書きタイトル 1">
             <a:extLst>
               <a:ext uri="{FF2B5EF4-FFF2-40B4-BE49-F238E27FC236}">
-                <a16:creationId xmlns:a16="http://schemas.microsoft.com/office/drawing/2014/main" id="{934FA9CA-CF6B-D048-8591-256D6FE1A9DD}"/>
+                <a16:creationId xmlns:a16="http://schemas.microsoft.com/office/drawing/2014/main" id="{545328D3-1FD6-3649-AA6C-980B2768F1EA}"/>
               </a:ext>
             </a:extLst>
           </p:cNvPr>
@@ -1414,7 +1363,7 @@
           <p:cNvPr id="3" name="縦書きテキスト プレースホルダー 2">
             <a:extLst>
               <a:ext uri="{FF2B5EF4-FFF2-40B4-BE49-F238E27FC236}">
-                <a16:creationId xmlns:a16="http://schemas.microsoft.com/office/drawing/2014/main" id="{67A7481A-C7F7-CC40-9211-5C67FA40A9F2}"/>
+                <a16:creationId xmlns:a16="http://schemas.microsoft.com/office/drawing/2014/main" id="{DAE14FB7-F4E7-9E45-BF8A-7530BB3A2980}"/>
               </a:ext>
             </a:extLst>
           </p:cNvPr>
@@ -1508,7 +1457,7 @@
           <p:cNvPr id="4" name="日付プレースホルダー 3">
             <a:extLst>
               <a:ext uri="{FF2B5EF4-FFF2-40B4-BE49-F238E27FC236}">
-                <a16:creationId xmlns:a16="http://schemas.microsoft.com/office/drawing/2014/main" id="{C5B19D48-3715-8949-A952-5709B49853EC}"/>
+                <a16:creationId xmlns:a16="http://schemas.microsoft.com/office/drawing/2014/main" id="{113F8D36-14D9-B842-B3CF-690D49E39BE4}"/>
               </a:ext>
             </a:extLst>
           </p:cNvPr>
@@ -1524,9 +1473,9 @@
           <a:bodyPr/>
           <a:lstStyle/>
           <a:p>
-            <a:fld id="{109D021F-6DA5-0F41-8FDE-4263179E1E47}" type="datetimeFigureOut">
+            <a:fld id="{E7AA294B-5299-B042-9CE8-0D364E0B4401}" type="datetimeFigureOut">
               <a:rPr kumimoji="1" lang="ja-JP" altLang="en-US" smtClean="0"/>
-              <a:t>2022/10/2</a:t>
+              <a:t>2022/10/31</a:t>
             </a:fld>
             <a:endParaRPr kumimoji="1" lang="ja-JP" altLang="en-US"/>
           </a:p>
@@ -1537,7 +1486,7 @@
           <p:cNvPr id="5" name="フッター プレースホルダー 4">
             <a:extLst>
               <a:ext uri="{FF2B5EF4-FFF2-40B4-BE49-F238E27FC236}">
-                <a16:creationId xmlns:a16="http://schemas.microsoft.com/office/drawing/2014/main" id="{BBE37608-FC26-8845-AF86-4E1651EFE195}"/>
+                <a16:creationId xmlns:a16="http://schemas.microsoft.com/office/drawing/2014/main" id="{96FD9D4B-521E-954A-8DC6-323CFDA56CA7}"/>
               </a:ext>
             </a:extLst>
           </p:cNvPr>
@@ -1562,7 +1511,7 @@
           <p:cNvPr id="6" name="スライド番号プレースホルダー 5">
             <a:extLst>
               <a:ext uri="{FF2B5EF4-FFF2-40B4-BE49-F238E27FC236}">
-                <a16:creationId xmlns:a16="http://schemas.microsoft.com/office/drawing/2014/main" id="{40F9403D-0975-E44B-A5E5-F9B88394312F}"/>
+                <a16:creationId xmlns:a16="http://schemas.microsoft.com/office/drawing/2014/main" id="{87C94A67-EC90-0446-8A55-CAB56CC62557}"/>
               </a:ext>
             </a:extLst>
           </p:cNvPr>
@@ -1578,7 +1527,7 @@
           <a:bodyPr/>
           <a:lstStyle/>
           <a:p>
-            <a:fld id="{76ADF933-266D-E746-99F4-C7579547FB03}" type="slidenum">
+            <a:fld id="{645F6BEC-B8B4-264E-90F7-A838F087B47C}" type="slidenum">
               <a:rPr kumimoji="1" lang="ja-JP" altLang="en-US" smtClean="0"/>
               <a:t>‹#›</a:t>
             </a:fld>
@@ -1589,7 +1538,7 @@
     </p:spTree>
     <p:extLst>
       <p:ext uri="{BB962C8B-B14F-4D97-AF65-F5344CB8AC3E}">
-        <p14:creationId xmlns:p14="http://schemas.microsoft.com/office/powerpoint/2010/main" val="97482404"/>
+        <p14:creationId xmlns:p14="http://schemas.microsoft.com/office/powerpoint/2010/main" val="2272940551"/>
       </p:ext>
     </p:extLst>
   </p:cSld>
@@ -1621,7 +1570,7 @@
           <p:cNvPr id="2" name="タイトル 1">
             <a:extLst>
               <a:ext uri="{FF2B5EF4-FFF2-40B4-BE49-F238E27FC236}">
-                <a16:creationId xmlns:a16="http://schemas.microsoft.com/office/drawing/2014/main" id="{24838409-1998-A945-9243-F98A6A1479DA}"/>
+                <a16:creationId xmlns:a16="http://schemas.microsoft.com/office/drawing/2014/main" id="{2B3AE04F-4FCE-754F-9CE2-267F60560722}"/>
               </a:ext>
             </a:extLst>
           </p:cNvPr>
@@ -1649,7 +1598,7 @@
           <p:cNvPr id="3" name="コンテンツ プレースホルダー 2">
             <a:extLst>
               <a:ext uri="{FF2B5EF4-FFF2-40B4-BE49-F238E27FC236}">
-                <a16:creationId xmlns:a16="http://schemas.microsoft.com/office/drawing/2014/main" id="{D7A90038-BBB6-2143-A549-A48BEAD27711}"/>
+                <a16:creationId xmlns:a16="http://schemas.microsoft.com/office/drawing/2014/main" id="{E9205C78-1F6F-0A42-92B1-4E4627EB5EEE}"/>
               </a:ext>
             </a:extLst>
           </p:cNvPr>
@@ -1738,7 +1687,7 @@
           <p:cNvPr id="4" name="日付プレースホルダー 3">
             <a:extLst>
               <a:ext uri="{FF2B5EF4-FFF2-40B4-BE49-F238E27FC236}">
-                <a16:creationId xmlns:a16="http://schemas.microsoft.com/office/drawing/2014/main" id="{563A8E0E-9DBB-D049-A75A-3306E484E357}"/>
+                <a16:creationId xmlns:a16="http://schemas.microsoft.com/office/drawing/2014/main" id="{7BF6AF23-D31A-9442-8F0B-77E865110495}"/>
               </a:ext>
             </a:extLst>
           </p:cNvPr>
@@ -1754,9 +1703,9 @@
           <a:bodyPr/>
           <a:lstStyle/>
           <a:p>
-            <a:fld id="{109D021F-6DA5-0F41-8FDE-4263179E1E47}" type="datetimeFigureOut">
+            <a:fld id="{E7AA294B-5299-B042-9CE8-0D364E0B4401}" type="datetimeFigureOut">
               <a:rPr kumimoji="1" lang="ja-JP" altLang="en-US" smtClean="0"/>
-              <a:t>2022/10/2</a:t>
+              <a:t>2022/10/31</a:t>
             </a:fld>
             <a:endParaRPr kumimoji="1" lang="ja-JP" altLang="en-US"/>
           </a:p>
@@ -1767,7 +1716,7 @@
           <p:cNvPr id="5" name="フッター プレースホルダー 4">
             <a:extLst>
               <a:ext uri="{FF2B5EF4-FFF2-40B4-BE49-F238E27FC236}">
-                <a16:creationId xmlns:a16="http://schemas.microsoft.com/office/drawing/2014/main" id="{3CD3BDB6-B2F9-E943-A869-E97CE78EEA6F}"/>
+                <a16:creationId xmlns:a16="http://schemas.microsoft.com/office/drawing/2014/main" id="{BB4EE53A-07F8-9647-B993-8C66978AEFDC}"/>
               </a:ext>
             </a:extLst>
           </p:cNvPr>
@@ -1792,7 +1741,7 @@
           <p:cNvPr id="6" name="スライド番号プレースホルダー 5">
             <a:extLst>
               <a:ext uri="{FF2B5EF4-FFF2-40B4-BE49-F238E27FC236}">
-                <a16:creationId xmlns:a16="http://schemas.microsoft.com/office/drawing/2014/main" id="{95867D05-7060-2240-86BF-F7D9A675B5DE}"/>
+                <a16:creationId xmlns:a16="http://schemas.microsoft.com/office/drawing/2014/main" id="{CB5A33E9-C3B9-6D41-82F9-869B5CF68372}"/>
               </a:ext>
             </a:extLst>
           </p:cNvPr>
@@ -1808,7 +1757,7 @@
           <a:bodyPr/>
           <a:lstStyle/>
           <a:p>
-            <a:fld id="{76ADF933-266D-E746-99F4-C7579547FB03}" type="slidenum">
+            <a:fld id="{645F6BEC-B8B4-264E-90F7-A838F087B47C}" type="slidenum">
               <a:rPr kumimoji="1" lang="ja-JP" altLang="en-US" smtClean="0"/>
               <a:t>‹#›</a:t>
             </a:fld>
@@ -1819,7 +1768,7 @@
     </p:spTree>
     <p:extLst>
       <p:ext uri="{BB962C8B-B14F-4D97-AF65-F5344CB8AC3E}">
-        <p14:creationId xmlns:p14="http://schemas.microsoft.com/office/powerpoint/2010/main" val="2860744901"/>
+        <p14:creationId xmlns:p14="http://schemas.microsoft.com/office/powerpoint/2010/main" val="1414944107"/>
       </p:ext>
     </p:extLst>
   </p:cSld>
@@ -1851,7 +1800,7 @@
           <p:cNvPr id="2" name="タイトル 1">
             <a:extLst>
               <a:ext uri="{FF2B5EF4-FFF2-40B4-BE49-F238E27FC236}">
-                <a16:creationId xmlns:a16="http://schemas.microsoft.com/office/drawing/2014/main" id="{C995488E-4363-5547-840D-24EB14DF7471}"/>
+                <a16:creationId xmlns:a16="http://schemas.microsoft.com/office/drawing/2014/main" id="{DCC1780F-8CF6-4A44-8EA8-DD57B5879BF5}"/>
               </a:ext>
             </a:extLst>
           </p:cNvPr>
@@ -1888,7 +1837,7 @@
           <p:cNvPr id="3" name="テキスト プレースホルダー 2">
             <a:extLst>
               <a:ext uri="{FF2B5EF4-FFF2-40B4-BE49-F238E27FC236}">
-                <a16:creationId xmlns:a16="http://schemas.microsoft.com/office/drawing/2014/main" id="{417E81A1-203C-8849-B2EB-A2F00C0FD677}"/>
+                <a16:creationId xmlns:a16="http://schemas.microsoft.com/office/drawing/2014/main" id="{E3E66E36-3014-B249-A7E9-B5553C1491D9}"/>
               </a:ext>
             </a:extLst>
           </p:cNvPr>
@@ -2013,7 +1962,7 @@
           <p:cNvPr id="4" name="日付プレースホルダー 3">
             <a:extLst>
               <a:ext uri="{FF2B5EF4-FFF2-40B4-BE49-F238E27FC236}">
-                <a16:creationId xmlns:a16="http://schemas.microsoft.com/office/drawing/2014/main" id="{B1A84F72-57AA-9E41-A7C9-0754AC2DF2CD}"/>
+                <a16:creationId xmlns:a16="http://schemas.microsoft.com/office/drawing/2014/main" id="{7D9E4307-49BF-E646-9491-97E7E2D1F282}"/>
               </a:ext>
             </a:extLst>
           </p:cNvPr>
@@ -2029,9 +1978,9 @@
           <a:bodyPr/>
           <a:lstStyle/>
           <a:p>
-            <a:fld id="{109D021F-6DA5-0F41-8FDE-4263179E1E47}" type="datetimeFigureOut">
+            <a:fld id="{E7AA294B-5299-B042-9CE8-0D364E0B4401}" type="datetimeFigureOut">
               <a:rPr kumimoji="1" lang="ja-JP" altLang="en-US" smtClean="0"/>
-              <a:t>2022/10/2</a:t>
+              <a:t>2022/10/31</a:t>
             </a:fld>
             <a:endParaRPr kumimoji="1" lang="ja-JP" altLang="en-US"/>
           </a:p>
@@ -2042,7 +1991,7 @@
           <p:cNvPr id="5" name="フッター プレースホルダー 4">
             <a:extLst>
               <a:ext uri="{FF2B5EF4-FFF2-40B4-BE49-F238E27FC236}">
-                <a16:creationId xmlns:a16="http://schemas.microsoft.com/office/drawing/2014/main" id="{EE7F14E7-3207-CF45-8DD0-2F444D5F5D71}"/>
+                <a16:creationId xmlns:a16="http://schemas.microsoft.com/office/drawing/2014/main" id="{09542C9F-CFC8-2943-B0DF-1C095114211A}"/>
               </a:ext>
             </a:extLst>
           </p:cNvPr>
@@ -2067,7 +2016,7 @@
           <p:cNvPr id="6" name="スライド番号プレースホルダー 5">
             <a:extLst>
               <a:ext uri="{FF2B5EF4-FFF2-40B4-BE49-F238E27FC236}">
-                <a16:creationId xmlns:a16="http://schemas.microsoft.com/office/drawing/2014/main" id="{A9A40A7A-A412-DC4E-B1D8-F21CF5D9E69C}"/>
+                <a16:creationId xmlns:a16="http://schemas.microsoft.com/office/drawing/2014/main" id="{C6418644-808E-D947-AE37-75511CB436F0}"/>
               </a:ext>
             </a:extLst>
           </p:cNvPr>
@@ -2083,7 +2032,7 @@
           <a:bodyPr/>
           <a:lstStyle/>
           <a:p>
-            <a:fld id="{76ADF933-266D-E746-99F4-C7579547FB03}" type="slidenum">
+            <a:fld id="{645F6BEC-B8B4-264E-90F7-A838F087B47C}" type="slidenum">
               <a:rPr kumimoji="1" lang="ja-JP" altLang="en-US" smtClean="0"/>
               <a:t>‹#›</a:t>
             </a:fld>
@@ -2094,7 +2043,7 @@
     </p:spTree>
     <p:extLst>
       <p:ext uri="{BB962C8B-B14F-4D97-AF65-F5344CB8AC3E}">
-        <p14:creationId xmlns:p14="http://schemas.microsoft.com/office/powerpoint/2010/main" val="3489931564"/>
+        <p14:creationId xmlns:p14="http://schemas.microsoft.com/office/powerpoint/2010/main" val="1070949096"/>
       </p:ext>
     </p:extLst>
   </p:cSld>
@@ -2126,7 +2075,7 @@
           <p:cNvPr id="2" name="タイトル 1">
             <a:extLst>
               <a:ext uri="{FF2B5EF4-FFF2-40B4-BE49-F238E27FC236}">
-                <a16:creationId xmlns:a16="http://schemas.microsoft.com/office/drawing/2014/main" id="{F663162B-A68F-534F-B1EB-BAA8ADEEFA18}"/>
+                <a16:creationId xmlns:a16="http://schemas.microsoft.com/office/drawing/2014/main" id="{61FB0931-25FB-A34C-84CA-B484D474B158}"/>
               </a:ext>
             </a:extLst>
           </p:cNvPr>
@@ -2154,7 +2103,7 @@
           <p:cNvPr id="3" name="コンテンツ プレースホルダー 2">
             <a:extLst>
               <a:ext uri="{FF2B5EF4-FFF2-40B4-BE49-F238E27FC236}">
-                <a16:creationId xmlns:a16="http://schemas.microsoft.com/office/drawing/2014/main" id="{E3735642-BEA4-5345-8CD2-AEC19B2010AF}"/>
+                <a16:creationId xmlns:a16="http://schemas.microsoft.com/office/drawing/2014/main" id="{1B4794FE-624C-F34A-8773-DC5CA6B0C307}"/>
               </a:ext>
             </a:extLst>
           </p:cNvPr>
@@ -2248,7 +2197,7 @@
           <p:cNvPr id="4" name="コンテンツ プレースホルダー 3">
             <a:extLst>
               <a:ext uri="{FF2B5EF4-FFF2-40B4-BE49-F238E27FC236}">
-                <a16:creationId xmlns:a16="http://schemas.microsoft.com/office/drawing/2014/main" id="{A2EC377E-4895-FA41-A955-9FFFB2E910EB}"/>
+                <a16:creationId xmlns:a16="http://schemas.microsoft.com/office/drawing/2014/main" id="{4810466B-347B-5845-965E-B8504EAF0D42}"/>
               </a:ext>
             </a:extLst>
           </p:cNvPr>
@@ -2342,7 +2291,7 @@
           <p:cNvPr id="5" name="日付プレースホルダー 4">
             <a:extLst>
               <a:ext uri="{FF2B5EF4-FFF2-40B4-BE49-F238E27FC236}">
-                <a16:creationId xmlns:a16="http://schemas.microsoft.com/office/drawing/2014/main" id="{2B3A31DB-8974-734E-A8C9-7FE173478680}"/>
+                <a16:creationId xmlns:a16="http://schemas.microsoft.com/office/drawing/2014/main" id="{9A1C907F-7D05-984C-A072-4A8625AD2612}"/>
               </a:ext>
             </a:extLst>
           </p:cNvPr>
@@ -2358,9 +2307,9 @@
           <a:bodyPr/>
           <a:lstStyle/>
           <a:p>
-            <a:fld id="{109D021F-6DA5-0F41-8FDE-4263179E1E47}" type="datetimeFigureOut">
+            <a:fld id="{E7AA294B-5299-B042-9CE8-0D364E0B4401}" type="datetimeFigureOut">
               <a:rPr kumimoji="1" lang="ja-JP" altLang="en-US" smtClean="0"/>
-              <a:t>2022/10/2</a:t>
+              <a:t>2022/10/31</a:t>
             </a:fld>
             <a:endParaRPr kumimoji="1" lang="ja-JP" altLang="en-US"/>
           </a:p>
@@ -2371,7 +2320,7 @@
           <p:cNvPr id="6" name="フッター プレースホルダー 5">
             <a:extLst>
               <a:ext uri="{FF2B5EF4-FFF2-40B4-BE49-F238E27FC236}">
-                <a16:creationId xmlns:a16="http://schemas.microsoft.com/office/drawing/2014/main" id="{86373D03-FA62-B24A-8340-D0E5586C46FC}"/>
+                <a16:creationId xmlns:a16="http://schemas.microsoft.com/office/drawing/2014/main" id="{3572BCE6-01A5-8346-A808-691A7E7F2A53}"/>
               </a:ext>
             </a:extLst>
           </p:cNvPr>
@@ -2396,7 +2345,7 @@
           <p:cNvPr id="7" name="スライド番号プレースホルダー 6">
             <a:extLst>
               <a:ext uri="{FF2B5EF4-FFF2-40B4-BE49-F238E27FC236}">
-                <a16:creationId xmlns:a16="http://schemas.microsoft.com/office/drawing/2014/main" id="{A57212BE-5433-F141-A4FE-A4736431E751}"/>
+                <a16:creationId xmlns:a16="http://schemas.microsoft.com/office/drawing/2014/main" id="{DF32C005-93F0-954A-BBC7-E3C56947F19C}"/>
               </a:ext>
             </a:extLst>
           </p:cNvPr>
@@ -2412,7 +2361,7 @@
           <a:bodyPr/>
           <a:lstStyle/>
           <a:p>
-            <a:fld id="{76ADF933-266D-E746-99F4-C7579547FB03}" type="slidenum">
+            <a:fld id="{645F6BEC-B8B4-264E-90F7-A838F087B47C}" type="slidenum">
               <a:rPr kumimoji="1" lang="ja-JP" altLang="en-US" smtClean="0"/>
               <a:t>‹#›</a:t>
             </a:fld>
@@ -2423,7 +2372,7 @@
     </p:spTree>
     <p:extLst>
       <p:ext uri="{BB962C8B-B14F-4D97-AF65-F5344CB8AC3E}">
-        <p14:creationId xmlns:p14="http://schemas.microsoft.com/office/powerpoint/2010/main" val="1876998709"/>
+        <p14:creationId xmlns:p14="http://schemas.microsoft.com/office/powerpoint/2010/main" val="1640695168"/>
       </p:ext>
     </p:extLst>
   </p:cSld>
@@ -2455,7 +2404,7 @@
           <p:cNvPr id="2" name="タイトル 1">
             <a:extLst>
               <a:ext uri="{FF2B5EF4-FFF2-40B4-BE49-F238E27FC236}">
-                <a16:creationId xmlns:a16="http://schemas.microsoft.com/office/drawing/2014/main" id="{1D8466F3-EA94-644F-92A4-C04259812FD6}"/>
+                <a16:creationId xmlns:a16="http://schemas.microsoft.com/office/drawing/2014/main" id="{34CEDCE3-67EC-194A-B68C-E73F11BC0F45}"/>
               </a:ext>
             </a:extLst>
           </p:cNvPr>
@@ -2488,7 +2437,7 @@
           <p:cNvPr id="3" name="テキスト プレースホルダー 2">
             <a:extLst>
               <a:ext uri="{FF2B5EF4-FFF2-40B4-BE49-F238E27FC236}">
-                <a16:creationId xmlns:a16="http://schemas.microsoft.com/office/drawing/2014/main" id="{A37A16FA-9D1B-B94A-B8D8-26B9E9E9E302}"/>
+                <a16:creationId xmlns:a16="http://schemas.microsoft.com/office/drawing/2014/main" id="{EF066990-BFFB-0C49-8759-7D687FCBF252}"/>
               </a:ext>
             </a:extLst>
           </p:cNvPr>
@@ -2559,7 +2508,7 @@
           <p:cNvPr id="4" name="コンテンツ プレースホルダー 3">
             <a:extLst>
               <a:ext uri="{FF2B5EF4-FFF2-40B4-BE49-F238E27FC236}">
-                <a16:creationId xmlns:a16="http://schemas.microsoft.com/office/drawing/2014/main" id="{76B6B40C-8343-804C-AF71-C47D77E7A720}"/>
+                <a16:creationId xmlns:a16="http://schemas.microsoft.com/office/drawing/2014/main" id="{50673317-BF5D-7648-941A-70AC1E88B88B}"/>
               </a:ext>
             </a:extLst>
           </p:cNvPr>
@@ -2653,7 +2602,7 @@
           <p:cNvPr id="5" name="テキスト プレースホルダー 4">
             <a:extLst>
               <a:ext uri="{FF2B5EF4-FFF2-40B4-BE49-F238E27FC236}">
-                <a16:creationId xmlns:a16="http://schemas.microsoft.com/office/drawing/2014/main" id="{07F6ECA0-1445-3149-93DE-2EE3A21B05EE}"/>
+                <a16:creationId xmlns:a16="http://schemas.microsoft.com/office/drawing/2014/main" id="{09B565C9-56DA-C640-B174-4E2EFF1CD682}"/>
               </a:ext>
             </a:extLst>
           </p:cNvPr>
@@ -2724,7 +2673,7 @@
           <p:cNvPr id="6" name="コンテンツ プレースホルダー 5">
             <a:extLst>
               <a:ext uri="{FF2B5EF4-FFF2-40B4-BE49-F238E27FC236}">
-                <a16:creationId xmlns:a16="http://schemas.microsoft.com/office/drawing/2014/main" id="{8C10214D-458F-3B4A-82D3-FE7ECB326B98}"/>
+                <a16:creationId xmlns:a16="http://schemas.microsoft.com/office/drawing/2014/main" id="{D293DCD0-D982-EE4D-96F6-AC9CA01673C2}"/>
               </a:ext>
             </a:extLst>
           </p:cNvPr>
@@ -2818,7 +2767,7 @@
           <p:cNvPr id="7" name="日付プレースホルダー 6">
             <a:extLst>
               <a:ext uri="{FF2B5EF4-FFF2-40B4-BE49-F238E27FC236}">
-                <a16:creationId xmlns:a16="http://schemas.microsoft.com/office/drawing/2014/main" id="{85B504CC-A3B0-CD4B-BFBA-184EE2D0F517}"/>
+                <a16:creationId xmlns:a16="http://schemas.microsoft.com/office/drawing/2014/main" id="{0118D9EC-000F-CD49-9D13-C6612B9A76F4}"/>
               </a:ext>
             </a:extLst>
           </p:cNvPr>
@@ -2834,9 +2783,9 @@
           <a:bodyPr/>
           <a:lstStyle/>
           <a:p>
-            <a:fld id="{109D021F-6DA5-0F41-8FDE-4263179E1E47}" type="datetimeFigureOut">
+            <a:fld id="{E7AA294B-5299-B042-9CE8-0D364E0B4401}" type="datetimeFigureOut">
               <a:rPr kumimoji="1" lang="ja-JP" altLang="en-US" smtClean="0"/>
-              <a:t>2022/10/2</a:t>
+              <a:t>2022/10/31</a:t>
             </a:fld>
             <a:endParaRPr kumimoji="1" lang="ja-JP" altLang="en-US"/>
           </a:p>
@@ -2847,7 +2796,7 @@
           <p:cNvPr id="8" name="フッター プレースホルダー 7">
             <a:extLst>
               <a:ext uri="{FF2B5EF4-FFF2-40B4-BE49-F238E27FC236}">
-                <a16:creationId xmlns:a16="http://schemas.microsoft.com/office/drawing/2014/main" id="{8DA8762F-E5B8-4B4B-95FF-D9D9112B85BC}"/>
+                <a16:creationId xmlns:a16="http://schemas.microsoft.com/office/drawing/2014/main" id="{00094C90-A595-6947-A3B5-ED0A8BB548A9}"/>
               </a:ext>
             </a:extLst>
           </p:cNvPr>
@@ -2872,7 +2821,7 @@
           <p:cNvPr id="9" name="スライド番号プレースホルダー 8">
             <a:extLst>
               <a:ext uri="{FF2B5EF4-FFF2-40B4-BE49-F238E27FC236}">
-                <a16:creationId xmlns:a16="http://schemas.microsoft.com/office/drawing/2014/main" id="{73A8B584-6A29-984E-A343-F3073C76894F}"/>
+                <a16:creationId xmlns:a16="http://schemas.microsoft.com/office/drawing/2014/main" id="{330A40C3-75FF-274D-B2DD-FA2A86D43D0B}"/>
               </a:ext>
             </a:extLst>
           </p:cNvPr>
@@ -2888,7 +2837,7 @@
           <a:bodyPr/>
           <a:lstStyle/>
           <a:p>
-            <a:fld id="{76ADF933-266D-E746-99F4-C7579547FB03}" type="slidenum">
+            <a:fld id="{645F6BEC-B8B4-264E-90F7-A838F087B47C}" type="slidenum">
               <a:rPr kumimoji="1" lang="ja-JP" altLang="en-US" smtClean="0"/>
               <a:t>‹#›</a:t>
             </a:fld>
@@ -2899,7 +2848,7 @@
     </p:spTree>
     <p:extLst>
       <p:ext uri="{BB962C8B-B14F-4D97-AF65-F5344CB8AC3E}">
-        <p14:creationId xmlns:p14="http://schemas.microsoft.com/office/powerpoint/2010/main" val="1386520859"/>
+        <p14:creationId xmlns:p14="http://schemas.microsoft.com/office/powerpoint/2010/main" val="2210897731"/>
       </p:ext>
     </p:extLst>
   </p:cSld>
@@ -2931,7 +2880,7 @@
           <p:cNvPr id="2" name="タイトル 1">
             <a:extLst>
               <a:ext uri="{FF2B5EF4-FFF2-40B4-BE49-F238E27FC236}">
-                <a16:creationId xmlns:a16="http://schemas.microsoft.com/office/drawing/2014/main" id="{CD4F27B5-CEA6-D647-9E43-096DB215F68A}"/>
+                <a16:creationId xmlns:a16="http://schemas.microsoft.com/office/drawing/2014/main" id="{CEE1CF83-13A4-674E-A0B2-C1CB4662AA74}"/>
               </a:ext>
             </a:extLst>
           </p:cNvPr>
@@ -2959,7 +2908,7 @@
           <p:cNvPr id="3" name="日付プレースホルダー 2">
             <a:extLst>
               <a:ext uri="{FF2B5EF4-FFF2-40B4-BE49-F238E27FC236}">
-                <a16:creationId xmlns:a16="http://schemas.microsoft.com/office/drawing/2014/main" id="{CE0CDE04-E2E2-FA42-A509-D2701F444AE9}"/>
+                <a16:creationId xmlns:a16="http://schemas.microsoft.com/office/drawing/2014/main" id="{986B05C0-2D9F-BD46-801E-6B4F545F6B21}"/>
               </a:ext>
             </a:extLst>
           </p:cNvPr>
@@ -2975,9 +2924,9 @@
           <a:bodyPr/>
           <a:lstStyle/>
           <a:p>
-            <a:fld id="{109D021F-6DA5-0F41-8FDE-4263179E1E47}" type="datetimeFigureOut">
+            <a:fld id="{E7AA294B-5299-B042-9CE8-0D364E0B4401}" type="datetimeFigureOut">
               <a:rPr kumimoji="1" lang="ja-JP" altLang="en-US" smtClean="0"/>
-              <a:t>2022/10/2</a:t>
+              <a:t>2022/10/31</a:t>
             </a:fld>
             <a:endParaRPr kumimoji="1" lang="ja-JP" altLang="en-US"/>
           </a:p>
@@ -2988,7 +2937,7 @@
           <p:cNvPr id="4" name="フッター プレースホルダー 3">
             <a:extLst>
               <a:ext uri="{FF2B5EF4-FFF2-40B4-BE49-F238E27FC236}">
-                <a16:creationId xmlns:a16="http://schemas.microsoft.com/office/drawing/2014/main" id="{D6D9906A-1BD4-EB45-A52F-C877DBB1A44D}"/>
+                <a16:creationId xmlns:a16="http://schemas.microsoft.com/office/drawing/2014/main" id="{053D09C5-3194-A645-A6AE-6A95026E1D3B}"/>
               </a:ext>
             </a:extLst>
           </p:cNvPr>
@@ -3013,7 +2962,7 @@
           <p:cNvPr id="5" name="スライド番号プレースホルダー 4">
             <a:extLst>
               <a:ext uri="{FF2B5EF4-FFF2-40B4-BE49-F238E27FC236}">
-                <a16:creationId xmlns:a16="http://schemas.microsoft.com/office/drawing/2014/main" id="{7DBB184D-A380-7C4D-A79D-912A2F8E6E39}"/>
+                <a16:creationId xmlns:a16="http://schemas.microsoft.com/office/drawing/2014/main" id="{A685CBE4-DDB4-784B-BFB6-6B22312A18FB}"/>
               </a:ext>
             </a:extLst>
           </p:cNvPr>
@@ -3029,7 +2978,7 @@
           <a:bodyPr/>
           <a:lstStyle/>
           <a:p>
-            <a:fld id="{76ADF933-266D-E746-99F4-C7579547FB03}" type="slidenum">
+            <a:fld id="{645F6BEC-B8B4-264E-90F7-A838F087B47C}" type="slidenum">
               <a:rPr kumimoji="1" lang="ja-JP" altLang="en-US" smtClean="0"/>
               <a:t>‹#›</a:t>
             </a:fld>
@@ -3040,7 +2989,7 @@
     </p:spTree>
     <p:extLst>
       <p:ext uri="{BB962C8B-B14F-4D97-AF65-F5344CB8AC3E}">
-        <p14:creationId xmlns:p14="http://schemas.microsoft.com/office/powerpoint/2010/main" val="712634733"/>
+        <p14:creationId xmlns:p14="http://schemas.microsoft.com/office/powerpoint/2010/main" val="2105652962"/>
       </p:ext>
     </p:extLst>
   </p:cSld>
@@ -3072,7 +3021,7 @@
           <p:cNvPr id="2" name="日付プレースホルダー 1">
             <a:extLst>
               <a:ext uri="{FF2B5EF4-FFF2-40B4-BE49-F238E27FC236}">
-                <a16:creationId xmlns:a16="http://schemas.microsoft.com/office/drawing/2014/main" id="{806F93D8-B1BA-D747-B056-A10538BA3C95}"/>
+                <a16:creationId xmlns:a16="http://schemas.microsoft.com/office/drawing/2014/main" id="{72CF6D31-52C8-7F4F-9E0C-01C195A20F2F}"/>
               </a:ext>
             </a:extLst>
           </p:cNvPr>
@@ -3088,9 +3037,9 @@
           <a:bodyPr/>
           <a:lstStyle/>
           <a:p>
-            <a:fld id="{109D021F-6DA5-0F41-8FDE-4263179E1E47}" type="datetimeFigureOut">
+            <a:fld id="{E7AA294B-5299-B042-9CE8-0D364E0B4401}" type="datetimeFigureOut">
               <a:rPr kumimoji="1" lang="ja-JP" altLang="en-US" smtClean="0"/>
-              <a:t>2022/10/2</a:t>
+              <a:t>2022/10/31</a:t>
             </a:fld>
             <a:endParaRPr kumimoji="1" lang="ja-JP" altLang="en-US"/>
           </a:p>
@@ -3101,7 +3050,7 @@
           <p:cNvPr id="3" name="フッター プレースホルダー 2">
             <a:extLst>
               <a:ext uri="{FF2B5EF4-FFF2-40B4-BE49-F238E27FC236}">
-                <a16:creationId xmlns:a16="http://schemas.microsoft.com/office/drawing/2014/main" id="{C20F48FD-23B5-3D43-A42E-3277FC8440F6}"/>
+                <a16:creationId xmlns:a16="http://schemas.microsoft.com/office/drawing/2014/main" id="{B0845F48-A9ED-0C47-A119-D650A67FF80F}"/>
               </a:ext>
             </a:extLst>
           </p:cNvPr>
@@ -3126,7 +3075,7 @@
           <p:cNvPr id="4" name="スライド番号プレースホルダー 3">
             <a:extLst>
               <a:ext uri="{FF2B5EF4-FFF2-40B4-BE49-F238E27FC236}">
-                <a16:creationId xmlns:a16="http://schemas.microsoft.com/office/drawing/2014/main" id="{AB379B4B-79A5-4B43-AD04-78361D9DB0D7}"/>
+                <a16:creationId xmlns:a16="http://schemas.microsoft.com/office/drawing/2014/main" id="{3304AD9C-3164-544B-953B-BA4D09665CB8}"/>
               </a:ext>
             </a:extLst>
           </p:cNvPr>
@@ -3142,7 +3091,7 @@
           <a:bodyPr/>
           <a:lstStyle/>
           <a:p>
-            <a:fld id="{76ADF933-266D-E746-99F4-C7579547FB03}" type="slidenum">
+            <a:fld id="{645F6BEC-B8B4-264E-90F7-A838F087B47C}" type="slidenum">
               <a:rPr kumimoji="1" lang="ja-JP" altLang="en-US" smtClean="0"/>
               <a:t>‹#›</a:t>
             </a:fld>
@@ -3153,7 +3102,7 @@
     </p:spTree>
     <p:extLst>
       <p:ext uri="{BB962C8B-B14F-4D97-AF65-F5344CB8AC3E}">
-        <p14:creationId xmlns:p14="http://schemas.microsoft.com/office/powerpoint/2010/main" val="3826443917"/>
+        <p14:creationId xmlns:p14="http://schemas.microsoft.com/office/powerpoint/2010/main" val="450252217"/>
       </p:ext>
     </p:extLst>
   </p:cSld>
@@ -3185,7 +3134,7 @@
           <p:cNvPr id="2" name="タイトル 1">
             <a:extLst>
               <a:ext uri="{FF2B5EF4-FFF2-40B4-BE49-F238E27FC236}">
-                <a16:creationId xmlns:a16="http://schemas.microsoft.com/office/drawing/2014/main" id="{22A7DDDD-AAB5-3446-8962-D6051943969F}"/>
+                <a16:creationId xmlns:a16="http://schemas.microsoft.com/office/drawing/2014/main" id="{B1B91C9A-967C-BB49-93CA-15DA5DE4B32D}"/>
               </a:ext>
             </a:extLst>
           </p:cNvPr>
@@ -3222,7 +3171,7 @@
           <p:cNvPr id="3" name="コンテンツ プレースホルダー 2">
             <a:extLst>
               <a:ext uri="{FF2B5EF4-FFF2-40B4-BE49-F238E27FC236}">
-                <a16:creationId xmlns:a16="http://schemas.microsoft.com/office/drawing/2014/main" id="{83E85080-3C1D-CF43-8B30-A2B7E2E704C2}"/>
+                <a16:creationId xmlns:a16="http://schemas.microsoft.com/office/drawing/2014/main" id="{B46B1020-7A20-5C46-B1FA-807831FF5A23}"/>
               </a:ext>
             </a:extLst>
           </p:cNvPr>
@@ -3344,7 +3293,7 @@
           <p:cNvPr id="4" name="テキスト プレースホルダー 3">
             <a:extLst>
               <a:ext uri="{FF2B5EF4-FFF2-40B4-BE49-F238E27FC236}">
-                <a16:creationId xmlns:a16="http://schemas.microsoft.com/office/drawing/2014/main" id="{64D0CBF8-922B-D64F-B2C4-1D31CE2DE63E}"/>
+                <a16:creationId xmlns:a16="http://schemas.microsoft.com/office/drawing/2014/main" id="{4944B0EE-2E81-B045-A92E-AF06A51225A4}"/>
               </a:ext>
             </a:extLst>
           </p:cNvPr>
@@ -3415,7 +3364,7 @@
           <p:cNvPr id="5" name="日付プレースホルダー 4">
             <a:extLst>
               <a:ext uri="{FF2B5EF4-FFF2-40B4-BE49-F238E27FC236}">
-                <a16:creationId xmlns:a16="http://schemas.microsoft.com/office/drawing/2014/main" id="{B64DF647-1704-FE4F-91D2-B4CF938F4A80}"/>
+                <a16:creationId xmlns:a16="http://schemas.microsoft.com/office/drawing/2014/main" id="{AA4CA657-F4FC-B54B-A665-E2E43B8A556F}"/>
               </a:ext>
             </a:extLst>
           </p:cNvPr>
@@ -3431,9 +3380,9 @@
           <a:bodyPr/>
           <a:lstStyle/>
           <a:p>
-            <a:fld id="{109D021F-6DA5-0F41-8FDE-4263179E1E47}" type="datetimeFigureOut">
+            <a:fld id="{E7AA294B-5299-B042-9CE8-0D364E0B4401}" type="datetimeFigureOut">
               <a:rPr kumimoji="1" lang="ja-JP" altLang="en-US" smtClean="0"/>
-              <a:t>2022/10/2</a:t>
+              <a:t>2022/10/31</a:t>
             </a:fld>
             <a:endParaRPr kumimoji="1" lang="ja-JP" altLang="en-US"/>
           </a:p>
@@ -3444,7 +3393,7 @@
           <p:cNvPr id="6" name="フッター プレースホルダー 5">
             <a:extLst>
               <a:ext uri="{FF2B5EF4-FFF2-40B4-BE49-F238E27FC236}">
-                <a16:creationId xmlns:a16="http://schemas.microsoft.com/office/drawing/2014/main" id="{F09BD143-3216-FB4D-9A6F-5E1EA005A8C6}"/>
+                <a16:creationId xmlns:a16="http://schemas.microsoft.com/office/drawing/2014/main" id="{21899AB9-364F-8648-992B-DD99BBAE6130}"/>
               </a:ext>
             </a:extLst>
           </p:cNvPr>
@@ -3469,7 +3418,7 @@
           <p:cNvPr id="7" name="スライド番号プレースホルダー 6">
             <a:extLst>
               <a:ext uri="{FF2B5EF4-FFF2-40B4-BE49-F238E27FC236}">
-                <a16:creationId xmlns:a16="http://schemas.microsoft.com/office/drawing/2014/main" id="{9A9FC090-C2D9-E44E-ADB8-78D1D29120FC}"/>
+                <a16:creationId xmlns:a16="http://schemas.microsoft.com/office/drawing/2014/main" id="{6999A80B-A80C-4A42-86AB-59E966BFDA05}"/>
               </a:ext>
             </a:extLst>
           </p:cNvPr>
@@ -3485,7 +3434,7 @@
           <a:bodyPr/>
           <a:lstStyle/>
           <a:p>
-            <a:fld id="{76ADF933-266D-E746-99F4-C7579547FB03}" type="slidenum">
+            <a:fld id="{645F6BEC-B8B4-264E-90F7-A838F087B47C}" type="slidenum">
               <a:rPr kumimoji="1" lang="ja-JP" altLang="en-US" smtClean="0"/>
               <a:t>‹#›</a:t>
             </a:fld>
@@ -3496,7 +3445,7 @@
     </p:spTree>
     <p:extLst>
       <p:ext uri="{BB962C8B-B14F-4D97-AF65-F5344CB8AC3E}">
-        <p14:creationId xmlns:p14="http://schemas.microsoft.com/office/powerpoint/2010/main" val="1256931563"/>
+        <p14:creationId xmlns:p14="http://schemas.microsoft.com/office/powerpoint/2010/main" val="2531327048"/>
       </p:ext>
     </p:extLst>
   </p:cSld>
@@ -3528,7 +3477,7 @@
           <p:cNvPr id="2" name="タイトル 1">
             <a:extLst>
               <a:ext uri="{FF2B5EF4-FFF2-40B4-BE49-F238E27FC236}">
-                <a16:creationId xmlns:a16="http://schemas.microsoft.com/office/drawing/2014/main" id="{123B8ACE-D09F-2141-B70F-29F888EDF26D}"/>
+                <a16:creationId xmlns:a16="http://schemas.microsoft.com/office/drawing/2014/main" id="{064EDDCF-8717-7440-976F-0B8369F1983A}"/>
               </a:ext>
             </a:extLst>
           </p:cNvPr>
@@ -3565,7 +3514,7 @@
           <p:cNvPr id="3" name="図プレースホルダー 2">
             <a:extLst>
               <a:ext uri="{FF2B5EF4-FFF2-40B4-BE49-F238E27FC236}">
-                <a16:creationId xmlns:a16="http://schemas.microsoft.com/office/drawing/2014/main" id="{82136264-4465-3745-AC15-8B1762D91404}"/>
+                <a16:creationId xmlns:a16="http://schemas.microsoft.com/office/drawing/2014/main" id="{663CB9EC-3F4F-7344-91D8-7CB1BBC9DFDC}"/>
               </a:ext>
             </a:extLst>
           </p:cNvPr>
@@ -3632,7 +3581,7 @@
           <p:cNvPr id="4" name="テキスト プレースホルダー 3">
             <a:extLst>
               <a:ext uri="{FF2B5EF4-FFF2-40B4-BE49-F238E27FC236}">
-                <a16:creationId xmlns:a16="http://schemas.microsoft.com/office/drawing/2014/main" id="{94FA858B-AC96-3C41-858C-CAF348FAA082}"/>
+                <a16:creationId xmlns:a16="http://schemas.microsoft.com/office/drawing/2014/main" id="{BD795932-5B83-E541-A74E-19EC7BDBE509}"/>
               </a:ext>
             </a:extLst>
           </p:cNvPr>
@@ -3703,7 +3652,7 @@
           <p:cNvPr id="5" name="日付プレースホルダー 4">
             <a:extLst>
               <a:ext uri="{FF2B5EF4-FFF2-40B4-BE49-F238E27FC236}">
-                <a16:creationId xmlns:a16="http://schemas.microsoft.com/office/drawing/2014/main" id="{A6C6F78D-7C69-9449-97A2-159405FD9890}"/>
+                <a16:creationId xmlns:a16="http://schemas.microsoft.com/office/drawing/2014/main" id="{9E25B70B-8EF6-5D41-8509-5D97FFE40A04}"/>
               </a:ext>
             </a:extLst>
           </p:cNvPr>
@@ -3719,9 +3668,9 @@
           <a:bodyPr/>
           <a:lstStyle/>
           <a:p>
-            <a:fld id="{109D021F-6DA5-0F41-8FDE-4263179E1E47}" type="datetimeFigureOut">
+            <a:fld id="{E7AA294B-5299-B042-9CE8-0D364E0B4401}" type="datetimeFigureOut">
               <a:rPr kumimoji="1" lang="ja-JP" altLang="en-US" smtClean="0"/>
-              <a:t>2022/10/2</a:t>
+              <a:t>2022/10/31</a:t>
             </a:fld>
             <a:endParaRPr kumimoji="1" lang="ja-JP" altLang="en-US"/>
           </a:p>
@@ -3732,7 +3681,7 @@
           <p:cNvPr id="6" name="フッター プレースホルダー 5">
             <a:extLst>
               <a:ext uri="{FF2B5EF4-FFF2-40B4-BE49-F238E27FC236}">
-                <a16:creationId xmlns:a16="http://schemas.microsoft.com/office/drawing/2014/main" id="{7ACE7FDD-D0B1-B741-82B1-C792F1A84DFE}"/>
+                <a16:creationId xmlns:a16="http://schemas.microsoft.com/office/drawing/2014/main" id="{79F1BE33-5EF6-3D41-82F6-A79A9CA63F7B}"/>
               </a:ext>
             </a:extLst>
           </p:cNvPr>
@@ -3757,7 +3706,7 @@
           <p:cNvPr id="7" name="スライド番号プレースホルダー 6">
             <a:extLst>
               <a:ext uri="{FF2B5EF4-FFF2-40B4-BE49-F238E27FC236}">
-                <a16:creationId xmlns:a16="http://schemas.microsoft.com/office/drawing/2014/main" id="{B7068EAA-AD71-724F-9BBF-F3793ACDD31C}"/>
+                <a16:creationId xmlns:a16="http://schemas.microsoft.com/office/drawing/2014/main" id="{060C695F-8E93-3542-8BFA-A7FCEA6B6AD1}"/>
               </a:ext>
             </a:extLst>
           </p:cNvPr>
@@ -3773,7 +3722,7 @@
           <a:bodyPr/>
           <a:lstStyle/>
           <a:p>
-            <a:fld id="{76ADF933-266D-E746-99F4-C7579547FB03}" type="slidenum">
+            <a:fld id="{645F6BEC-B8B4-264E-90F7-A838F087B47C}" type="slidenum">
               <a:rPr kumimoji="1" lang="ja-JP" altLang="en-US" smtClean="0"/>
               <a:t>‹#›</a:t>
             </a:fld>
@@ -3784,7 +3733,7 @@
     </p:spTree>
     <p:extLst>
       <p:ext uri="{BB962C8B-B14F-4D97-AF65-F5344CB8AC3E}">
-        <p14:creationId xmlns:p14="http://schemas.microsoft.com/office/powerpoint/2010/main" val="238216828"/>
+        <p14:creationId xmlns:p14="http://schemas.microsoft.com/office/powerpoint/2010/main" val="4028774225"/>
       </p:ext>
     </p:extLst>
   </p:cSld>
@@ -3821,7 +3770,7 @@
           <p:cNvPr id="2" name="タイトル プレースホルダー 1">
             <a:extLst>
               <a:ext uri="{FF2B5EF4-FFF2-40B4-BE49-F238E27FC236}">
-                <a16:creationId xmlns:a16="http://schemas.microsoft.com/office/drawing/2014/main" id="{7B30FB00-7ECD-734E-87D6-30BE4EE09B25}"/>
+                <a16:creationId xmlns:a16="http://schemas.microsoft.com/office/drawing/2014/main" id="{D8C7FB8A-C159-F946-B3D9-96548C01C64E}"/>
               </a:ext>
             </a:extLst>
           </p:cNvPr>
@@ -3859,7 +3808,7 @@
           <p:cNvPr id="3" name="テキスト プレースホルダー 2">
             <a:extLst>
               <a:ext uri="{FF2B5EF4-FFF2-40B4-BE49-F238E27FC236}">
-                <a16:creationId xmlns:a16="http://schemas.microsoft.com/office/drawing/2014/main" id="{3E97E16B-59C2-8A4C-8AA7-04B5F9F03699}"/>
+                <a16:creationId xmlns:a16="http://schemas.microsoft.com/office/drawing/2014/main" id="{D9F10F4B-F9EE-124C-838D-3273E28F786D}"/>
               </a:ext>
             </a:extLst>
           </p:cNvPr>
@@ -3958,7 +3907,7 @@
           <p:cNvPr id="4" name="日付プレースホルダー 3">
             <a:extLst>
               <a:ext uri="{FF2B5EF4-FFF2-40B4-BE49-F238E27FC236}">
-                <a16:creationId xmlns:a16="http://schemas.microsoft.com/office/drawing/2014/main" id="{957E6DED-AD5D-FB4D-94C2-AEBFA3C2EE0F}"/>
+                <a16:creationId xmlns:a16="http://schemas.microsoft.com/office/drawing/2014/main" id="{F070B3B9-BD38-9846-B8A5-1C1007EFCA08}"/>
               </a:ext>
             </a:extLst>
           </p:cNvPr>
@@ -3992,9 +3941,9 @@
             </a:lvl1pPr>
           </a:lstStyle>
           <a:p>
-            <a:fld id="{109D021F-6DA5-0F41-8FDE-4263179E1E47}" type="datetimeFigureOut">
+            <a:fld id="{E7AA294B-5299-B042-9CE8-0D364E0B4401}" type="datetimeFigureOut">
               <a:rPr kumimoji="1" lang="ja-JP" altLang="en-US" smtClean="0"/>
-              <a:t>2022/10/2</a:t>
+              <a:t>2022/10/31</a:t>
             </a:fld>
             <a:endParaRPr kumimoji="1" lang="ja-JP" altLang="en-US"/>
           </a:p>
@@ -4005,7 +3954,7 @@
           <p:cNvPr id="5" name="フッター プレースホルダー 4">
             <a:extLst>
               <a:ext uri="{FF2B5EF4-FFF2-40B4-BE49-F238E27FC236}">
-                <a16:creationId xmlns:a16="http://schemas.microsoft.com/office/drawing/2014/main" id="{42187DC3-F007-3A48-86BB-4922014DF936}"/>
+                <a16:creationId xmlns:a16="http://schemas.microsoft.com/office/drawing/2014/main" id="{94B99026-2DA6-704A-8CEE-8D9A9F8040D2}"/>
               </a:ext>
             </a:extLst>
           </p:cNvPr>
@@ -4048,7 +3997,7 @@
           <p:cNvPr id="6" name="スライド番号プレースホルダー 5">
             <a:extLst>
               <a:ext uri="{FF2B5EF4-FFF2-40B4-BE49-F238E27FC236}">
-                <a16:creationId xmlns:a16="http://schemas.microsoft.com/office/drawing/2014/main" id="{F39086E3-8628-5748-985E-D39F44335220}"/>
+                <a16:creationId xmlns:a16="http://schemas.microsoft.com/office/drawing/2014/main" id="{7DAE232B-C096-2749-B16F-771D1E6F9978}"/>
               </a:ext>
             </a:extLst>
           </p:cNvPr>
@@ -4082,7 +4031,7 @@
             </a:lvl1pPr>
           </a:lstStyle>
           <a:p>
-            <a:fld id="{76ADF933-266D-E746-99F4-C7579547FB03}" type="slidenum">
+            <a:fld id="{645F6BEC-B8B4-264E-90F7-A838F087B47C}" type="slidenum">
               <a:rPr kumimoji="1" lang="ja-JP" altLang="en-US" smtClean="0"/>
               <a:t>‹#›</a:t>
             </a:fld>
@@ -4093,7 +4042,7 @@
     </p:spTree>
     <p:extLst>
       <p:ext uri="{BB962C8B-B14F-4D97-AF65-F5344CB8AC3E}">
-        <p14:creationId xmlns:p14="http://schemas.microsoft.com/office/powerpoint/2010/main" val="1037986318"/>
+        <p14:creationId xmlns:p14="http://schemas.microsoft.com/office/powerpoint/2010/main" val="3675978610"/>
       </p:ext>
     </p:extLst>
   </p:cSld>
@@ -4416,7 +4365,7 @@
           <p:cNvPr id="2" name="タイトル 1">
             <a:extLst>
               <a:ext uri="{FF2B5EF4-FFF2-40B4-BE49-F238E27FC236}">
-                <a16:creationId xmlns:a16="http://schemas.microsoft.com/office/drawing/2014/main" id="{DB93C512-DB56-EB46-B922-040FEF89D99A}"/>
+                <a16:creationId xmlns:a16="http://schemas.microsoft.com/office/drawing/2014/main" id="{E042A3A6-0337-7240-9493-91CB7D731C49}"/>
               </a:ext>
             </a:extLst>
           </p:cNvPr>
@@ -4449,7 +4398,7 @@
           <p:cNvPr id="3" name="字幕 2">
             <a:extLst>
               <a:ext uri="{FF2B5EF4-FFF2-40B4-BE49-F238E27FC236}">
-                <a16:creationId xmlns:a16="http://schemas.microsoft.com/office/drawing/2014/main" id="{C58A6C60-930C-7D47-BB5D-98F447457DC9}"/>
+                <a16:creationId xmlns:a16="http://schemas.microsoft.com/office/drawing/2014/main" id="{310B9E0F-CDAD-4E46-ADF0-88F5FAFB95A1}"/>
               </a:ext>
             </a:extLst>
           </p:cNvPr>
@@ -4467,7 +4416,7 @@
           <a:p>
             <a:r>
               <a:rPr kumimoji="1" lang="ja-JP" altLang="en-US"/>
-              <a:t>過分散</a:t>
+              <a:t>固定効果とランダム効果</a:t>
             </a:r>
           </a:p>
         </p:txBody>
@@ -4475,7 +4424,7 @@
     </p:spTree>
     <p:extLst>
       <p:ext uri="{BB962C8B-B14F-4D97-AF65-F5344CB8AC3E}">
-        <p14:creationId xmlns:p14="http://schemas.microsoft.com/office/powerpoint/2010/main" val="3588196403"/>
+        <p14:creationId xmlns:p14="http://schemas.microsoft.com/office/powerpoint/2010/main" val="3669137468"/>
       </p:ext>
     </p:extLst>
   </p:cSld>
@@ -4504,10 +4453,120 @@
       </p:grpSpPr>
       <p:sp>
         <p:nvSpPr>
+          <p:cNvPr id="5" name="正方形/長方形 4">
+            <a:extLst>
+              <a:ext uri="{FF2B5EF4-FFF2-40B4-BE49-F238E27FC236}">
+                <a16:creationId xmlns:a16="http://schemas.microsoft.com/office/drawing/2014/main" id="{8E8C25EE-BF33-8146-8161-763881C27555}"/>
+              </a:ext>
+            </a:extLst>
+          </p:cNvPr>
+          <p:cNvSpPr/>
+          <p:nvPr/>
+        </p:nvSpPr>
+        <p:spPr>
+          <a:xfrm>
+            <a:off x="9132570" y="5092065"/>
+            <a:ext cx="2343150" cy="788670"/>
+          </a:xfrm>
+          <a:prstGeom prst="rect">
+            <a:avLst/>
+          </a:prstGeom>
+          <a:solidFill>
+            <a:schemeClr val="accent6">
+              <a:lumMod val="50000"/>
+              <a:alpha val="50000"/>
+            </a:schemeClr>
+          </a:solidFill>
+          <a:ln>
+            <a:solidFill>
+              <a:schemeClr val="accent6">
+                <a:lumMod val="50000"/>
+              </a:schemeClr>
+            </a:solidFill>
+          </a:ln>
+        </p:spPr>
+        <p:style>
+          <a:lnRef idx="2">
+            <a:schemeClr val="accent1">
+              <a:shade val="50000"/>
+            </a:schemeClr>
+          </a:lnRef>
+          <a:fillRef idx="1">
+            <a:schemeClr val="accent1"/>
+          </a:fillRef>
+          <a:effectRef idx="0">
+            <a:schemeClr val="accent1"/>
+          </a:effectRef>
+          <a:fontRef idx="minor">
+            <a:schemeClr val="lt1"/>
+          </a:fontRef>
+        </p:style>
+        <p:txBody>
+          <a:bodyPr rtlCol="0" anchor="ctr"/>
+          <a:lstStyle/>
+          <a:p>
+            <a:pPr algn="ctr"/>
+            <a:endParaRPr kumimoji="1" lang="ja-JP" altLang="en-US"/>
+          </a:p>
+        </p:txBody>
+      </p:sp>
+      <p:sp>
+        <p:nvSpPr>
+          <p:cNvPr id="4" name="角丸四角形 3">
+            <a:extLst>
+              <a:ext uri="{FF2B5EF4-FFF2-40B4-BE49-F238E27FC236}">
+                <a16:creationId xmlns:a16="http://schemas.microsoft.com/office/drawing/2014/main" id="{D2F4B15F-25EE-F140-B750-5C32C35FF226}"/>
+              </a:ext>
+            </a:extLst>
+          </p:cNvPr>
+          <p:cNvSpPr/>
+          <p:nvPr/>
+        </p:nvSpPr>
+        <p:spPr>
+          <a:xfrm>
+            <a:off x="8446770" y="3177540"/>
+            <a:ext cx="3028950" cy="502920"/>
+          </a:xfrm>
+          <a:prstGeom prst="roundRect">
+            <a:avLst/>
+          </a:prstGeom>
+          <a:solidFill>
+            <a:srgbClr val="4472C4">
+              <a:alpha val="50196"/>
+            </a:srgbClr>
+          </a:solidFill>
+        </p:spPr>
+        <p:style>
+          <a:lnRef idx="2">
+            <a:schemeClr val="accent1">
+              <a:shade val="50000"/>
+            </a:schemeClr>
+          </a:lnRef>
+          <a:fillRef idx="1">
+            <a:schemeClr val="accent1"/>
+          </a:fillRef>
+          <a:effectRef idx="0">
+            <a:schemeClr val="accent1"/>
+          </a:effectRef>
+          <a:fontRef idx="minor">
+            <a:schemeClr val="lt1"/>
+          </a:fontRef>
+        </p:style>
+        <p:txBody>
+          <a:bodyPr rtlCol="0" anchor="ctr"/>
+          <a:lstStyle/>
+          <a:p>
+            <a:pPr algn="ctr"/>
+            <a:endParaRPr kumimoji="1" lang="ja-JP" altLang="en-US"/>
+          </a:p>
+        </p:txBody>
+      </p:sp>
+      <p:sp>
+        <p:nvSpPr>
           <p:cNvPr id="2" name="タイトル 1">
             <a:extLst>
               <a:ext uri="{FF2B5EF4-FFF2-40B4-BE49-F238E27FC236}">
-                <a16:creationId xmlns:a16="http://schemas.microsoft.com/office/drawing/2014/main" id="{7EEF70A2-80E1-5D42-B09A-7B3C2212747A}"/>
+                <a16:creationId xmlns:a16="http://schemas.microsoft.com/office/drawing/2014/main" id="{7E8786A5-99FE-694E-8FC0-336E57357EBA}"/>
               </a:ext>
             </a:extLst>
           </p:cNvPr>
@@ -4524,10 +4583,25 @@
           <a:lstStyle/>
           <a:p>
             <a:r>
-              <a:rPr lang="ja-JP" altLang="en-US"/>
-              <a:t>過分散のチェック</a:t>
-            </a:r>
-            <a:endParaRPr kumimoji="1" lang="ja-JP" altLang="en-US"/>
+              <a:rPr kumimoji="1" lang="ja-JP" altLang="en-US"/>
+              <a:t>固定効果とランダム</a:t>
+            </a:r>
+            <a:r>
+              <a:rPr kumimoji="1" lang="en-US" altLang="ja-JP" dirty="0"/>
+              <a:t>(</a:t>
+            </a:r>
+            <a:r>
+              <a:rPr kumimoji="1" lang="ja-JP" altLang="en-US"/>
+              <a:t>変量</a:t>
+            </a:r>
+            <a:r>
+              <a:rPr kumimoji="1" lang="en-US" altLang="ja-JP" dirty="0"/>
+              <a:t>)</a:t>
+            </a:r>
+            <a:r>
+              <a:rPr kumimoji="1" lang="ja-JP" altLang="en-US"/>
+              <a:t>効果</a:t>
+            </a:r>
           </a:p>
         </p:txBody>
       </p:sp>
@@ -4536,7 +4610,7 @@
           <p:cNvPr id="3" name="コンテンツ プレースホルダー 2">
             <a:extLst>
               <a:ext uri="{FF2B5EF4-FFF2-40B4-BE49-F238E27FC236}">
-                <a16:creationId xmlns:a16="http://schemas.microsoft.com/office/drawing/2014/main" id="{A186CAFC-0030-2E49-8268-A98CF64FBA05}"/>
+                <a16:creationId xmlns:a16="http://schemas.microsoft.com/office/drawing/2014/main" id="{F8D71B10-550B-3D4D-B096-ED14ED9C6C0E}"/>
               </a:ext>
             </a:extLst>
           </p:cNvPr>
@@ -4547,63 +4621,360 @@
             <p:ph idx="1"/>
           </p:nvPr>
         </p:nvSpPr>
-        <p:spPr/>
+        <p:spPr>
+          <a:xfrm>
+            <a:off x="838199" y="1825625"/>
+            <a:ext cx="10901855" cy="4351338"/>
+          </a:xfrm>
+        </p:spPr>
         <p:txBody>
-          <a:bodyPr/>
+          <a:bodyPr>
+            <a:normAutofit fontScale="85000" lnSpcReduction="20000"/>
+          </a:bodyPr>
           <a:lstStyle/>
           <a:p>
             <a:r>
+              <a:rPr kumimoji="1" lang="ja-JP" altLang="en-US"/>
+              <a:t>ここまでの</a:t>
+            </a:r>
+            <a:r>
+              <a:rPr kumimoji="1" lang="en-US" altLang="ja-JP" dirty="0"/>
+              <a:t>(</a:t>
+            </a:r>
+            <a:r>
+              <a:rPr kumimoji="1" lang="ja-JP" altLang="en-US"/>
+              <a:t>一般化</a:t>
+            </a:r>
+            <a:r>
+              <a:rPr kumimoji="1" lang="en-US" altLang="ja-JP" dirty="0"/>
+              <a:t>)</a:t>
+            </a:r>
+            <a:r>
+              <a:rPr kumimoji="1" lang="ja-JP" altLang="en-US"/>
+              <a:t>線形モデルでは、説明変数の影響を係数をかけて表した．説明変数にない</a:t>
+            </a:r>
+            <a:r>
+              <a:rPr lang="ja-JP" altLang="en-US"/>
+              <a:t>カテゴリ</a:t>
+            </a:r>
+            <a:r>
+              <a:rPr lang="en-US" altLang="ja-JP" dirty="0" err="1"/>
+              <a:t>i</a:t>
+            </a:r>
+            <a:r>
+              <a:rPr lang="ja-JP" altLang="en-US"/>
+              <a:t>について、説明変数</a:t>
+            </a:r>
+            <a:r>
               <a:rPr lang="en-US" altLang="ja-JP" dirty="0"/>
-              <a:t>GLM</a:t>
+              <a:t>x</a:t>
+            </a:r>
+            <a:r>
+              <a:rPr lang="en-US" altLang="ja-JP" baseline="-25000" dirty="0"/>
+              <a:t>1</a:t>
             </a:r>
             <a:r>
               <a:rPr lang="ja-JP" altLang="en-US"/>
-              <a:t>で</a:t>
-            </a:r>
-            <a:r>
-              <a:rPr kumimoji="1" lang="ja-JP" altLang="en-US"/>
-              <a:t>仮定した誤差構造が、観測値の母集団が持つ誤差を表しているか？</a:t>
-            </a:r>
+              <a:t>と</a:t>
+            </a:r>
+            <a:r>
+              <a:rPr lang="en-US" altLang="ja-JP" dirty="0"/>
+              <a:t>x</a:t>
+            </a:r>
+            <a:r>
+              <a:rPr lang="en-US" altLang="ja-JP" baseline="-25000" dirty="0"/>
+              <a:t>2</a:t>
+            </a:r>
+            <a:r>
+              <a:rPr lang="ja-JP" altLang="en-US"/>
+              <a:t>で目的変数を表す．</a:t>
+            </a:r>
+            <a:endParaRPr lang="en-US" altLang="ja-JP" dirty="0"/>
+          </a:p>
+          <a:p>
+            <a:pPr lvl="1"/>
+            <a:r>
+              <a:rPr lang="en-US" altLang="ja-JP" dirty="0" err="1"/>
+              <a:t>y</a:t>
+            </a:r>
+            <a:r>
+              <a:rPr lang="en-US" altLang="ja-JP" baseline="-25000" dirty="0" err="1"/>
+              <a:t>i</a:t>
+            </a:r>
+            <a:r>
+              <a:rPr lang="en-US" altLang="ja-JP" dirty="0"/>
+              <a:t> = g</a:t>
+            </a:r>
+            <a:r>
+              <a:rPr lang="en-US" altLang="ja-JP" baseline="30000" dirty="0"/>
+              <a:t>-1</a:t>
+            </a:r>
+            <a:r>
+              <a:rPr lang="en-US" altLang="ja-JP" dirty="0"/>
+              <a:t>(β</a:t>
+            </a:r>
+            <a:r>
+              <a:rPr lang="en-US" altLang="ja-JP" baseline="-25000" dirty="0"/>
+              <a:t>0</a:t>
+            </a:r>
+            <a:r>
+              <a:rPr lang="ja-JP" altLang="en-US"/>
+              <a:t>＋</a:t>
+            </a:r>
+            <a:r>
+              <a:rPr lang="en-US" altLang="ja-JP" dirty="0"/>
+              <a:t>β</a:t>
+            </a:r>
+            <a:r>
+              <a:rPr lang="en-US" altLang="ja-JP" baseline="-25000" dirty="0"/>
+              <a:t>1</a:t>
+            </a:r>
+            <a:r>
+              <a:rPr lang="en-US" altLang="ja-JP" dirty="0"/>
+              <a:t> x</a:t>
+            </a:r>
+            <a:r>
+              <a:rPr lang="en-US" altLang="ja-JP" baseline="-25000" dirty="0"/>
+              <a:t>1i</a:t>
+            </a:r>
+            <a:r>
+              <a:rPr lang="en-US" altLang="ja-JP" dirty="0"/>
+              <a:t> + β</a:t>
+            </a:r>
+            <a:r>
+              <a:rPr lang="en-US" altLang="ja-JP" baseline="-25000" dirty="0"/>
+              <a:t>2</a:t>
+            </a:r>
+            <a:r>
+              <a:rPr lang="en-US" altLang="ja-JP" dirty="0"/>
+              <a:t> x</a:t>
+            </a:r>
+            <a:r>
+              <a:rPr lang="en-US" altLang="ja-JP" baseline="-25000" dirty="0"/>
+              <a:t>2i</a:t>
+            </a:r>
+            <a:r>
+              <a:rPr lang="en-US" altLang="ja-JP" dirty="0"/>
+              <a:t> ) +</a:t>
+            </a:r>
+            <a:r>
+              <a:rPr lang="en-US" altLang="ja-JP" dirty="0" err="1"/>
+              <a:t>ε</a:t>
+            </a:r>
+            <a:r>
+              <a:rPr lang="en-US" altLang="ja-JP" dirty="0"/>
+              <a:t>= </a:t>
+            </a:r>
+            <a:r>
+              <a:rPr lang="en-US" altLang="ja-JP" dirty="0" err="1"/>
+              <a:t>y</a:t>
+            </a:r>
+            <a:r>
+              <a:rPr lang="en-US" altLang="ja-JP" baseline="-25000" dirty="0" err="1"/>
+              <a:t>i</a:t>
+            </a:r>
+            <a:r>
+              <a:rPr lang="en-US" altLang="ja-JP" baseline="30000" dirty="0"/>
+              <a:t>^</a:t>
+            </a:r>
+            <a:r>
+              <a:rPr lang="en-US" altLang="ja-JP" dirty="0"/>
+              <a:t> +</a:t>
+            </a:r>
+            <a:r>
+              <a:rPr lang="en-US" altLang="ja-JP" dirty="0" err="1"/>
+              <a:t>ε</a:t>
+            </a:r>
+            <a:endParaRPr lang="en-US" altLang="ja-JP" dirty="0"/>
+          </a:p>
+          <a:p>
+            <a:pPr lvl="1"/>
+            <a:r>
+              <a:rPr kumimoji="1" lang="en-US" altLang="ja-JP" dirty="0"/>
+              <a:t>g</a:t>
+            </a:r>
+            <a:r>
+              <a:rPr kumimoji="1" lang="en-US" altLang="ja-JP" baseline="30000" dirty="0"/>
+              <a:t>-1</a:t>
+            </a:r>
+            <a:r>
+              <a:rPr kumimoji="1" lang="en-US" altLang="ja-JP" dirty="0"/>
+              <a:t>()</a:t>
+            </a:r>
+            <a:r>
+              <a:rPr kumimoji="1" lang="ja-JP" altLang="en-US"/>
+              <a:t>はリンク関数の逆関数</a:t>
+            </a:r>
+            <a:r>
+              <a:rPr lang="ja-JP" altLang="en-US"/>
+              <a:t>．</a:t>
+            </a:r>
+            <a:endParaRPr lang="en-US" altLang="ja-JP" dirty="0"/>
+          </a:p>
+          <a:p>
+            <a:pPr lvl="1"/>
             <a:endParaRPr kumimoji="1" lang="en-US" altLang="ja-JP" dirty="0"/>
           </a:p>
           <a:p>
+            <a:r>
+              <a:rPr kumimoji="1" lang="ja-JP" altLang="en-US"/>
+              <a:t>カテゴリごとに係数</a:t>
+            </a:r>
+            <a:r>
+              <a:rPr kumimoji="1" lang="en-US" altLang="ja-JP" dirty="0"/>
+              <a:t>β</a:t>
+            </a:r>
+            <a:r>
+              <a:rPr kumimoji="1" lang="en-US" altLang="ja-JP" baseline="-25000" dirty="0"/>
+              <a:t>0</a:t>
+            </a:r>
+            <a:r>
+              <a:rPr kumimoji="1" lang="en-US" altLang="ja-JP" dirty="0"/>
+              <a:t>,</a:t>
+            </a:r>
+            <a:r>
+              <a:rPr lang="en-US" altLang="ja-JP" dirty="0"/>
+              <a:t>β</a:t>
+            </a:r>
+            <a:r>
+              <a:rPr lang="en-US" altLang="ja-JP" baseline="-25000" dirty="0"/>
+              <a:t>1</a:t>
+            </a:r>
+            <a:r>
+              <a:rPr lang="en-US" altLang="ja-JP" dirty="0"/>
+              <a:t>, β</a:t>
+            </a:r>
+            <a:r>
+              <a:rPr lang="en-US" altLang="ja-JP" baseline="-25000" dirty="0"/>
+              <a:t>2</a:t>
+            </a:r>
+            <a:r>
+              <a:rPr lang="ja-JP" altLang="en-US"/>
+              <a:t>が異なることはない→固定効果</a:t>
+            </a:r>
+            <a:r>
+              <a:rPr lang="en-US" altLang="ja-JP" dirty="0"/>
+              <a:t>(fixed effect)</a:t>
+            </a:r>
             <a:endParaRPr kumimoji="1" lang="en-US" altLang="ja-JP" dirty="0"/>
           </a:p>
           <a:p>
-            <a:r>
-              <a:rPr kumimoji="1" lang="ja-JP" altLang="en-US"/>
-              <a:t>観測値とモデルによる予測値をプロットして比較．</a:t>
+            <a:endParaRPr lang="en-US" altLang="ja-JP" dirty="0"/>
+          </a:p>
+          <a:p>
+            <a:r>
+              <a:rPr kumimoji="1" lang="ja-JP" altLang="en-US"/>
+              <a:t>個別の事情を考慮するとき、説明変数の影響につけくわえてカテゴリごとのデータのばらつきを考慮．</a:t>
             </a:r>
             <a:endParaRPr kumimoji="1" lang="en-US" altLang="ja-JP" dirty="0"/>
           </a:p>
           <a:p>
-            <a:endParaRPr kumimoji="1" lang="en-US" altLang="ja-JP" dirty="0"/>
-          </a:p>
-          <a:p>
+            <a:pPr lvl="1"/>
+            <a:r>
+              <a:rPr lang="en-US" altLang="ja-JP" dirty="0" err="1"/>
+              <a:t>y</a:t>
+            </a:r>
+            <a:r>
+              <a:rPr lang="en-US" altLang="ja-JP" baseline="-25000" dirty="0" err="1"/>
+              <a:t>i</a:t>
+            </a:r>
+            <a:r>
+              <a:rPr lang="en-US" altLang="ja-JP" dirty="0"/>
+              <a:t> = g</a:t>
+            </a:r>
+            <a:r>
+              <a:rPr lang="en-US" altLang="ja-JP" baseline="30000" dirty="0"/>
+              <a:t>-1</a:t>
+            </a:r>
+            <a:r>
+              <a:rPr lang="en-US" altLang="ja-JP" dirty="0"/>
+              <a:t>(β</a:t>
+            </a:r>
+            <a:r>
+              <a:rPr lang="en-US" altLang="ja-JP" baseline="-25000" dirty="0"/>
+              <a:t>0</a:t>
+            </a:r>
             <a:r>
               <a:rPr lang="ja-JP" altLang="en-US"/>
-              <a:t>分散パラメータが規定の値と一致するかをチェック．</a:t>
-            </a:r>
-            <a:endParaRPr kumimoji="1" lang="en-US" altLang="ja-JP" dirty="0"/>
+              <a:t>＋</a:t>
+            </a:r>
+            <a:r>
+              <a:rPr lang="en-US" altLang="ja-JP" dirty="0"/>
+              <a:t>β</a:t>
+            </a:r>
+            <a:r>
+              <a:rPr lang="en-US" altLang="ja-JP" baseline="-25000" dirty="0"/>
+              <a:t>1</a:t>
+            </a:r>
+            <a:r>
+              <a:rPr lang="en-US" altLang="ja-JP" dirty="0"/>
+              <a:t> x</a:t>
+            </a:r>
+            <a:r>
+              <a:rPr lang="en-US" altLang="ja-JP" baseline="-25000" dirty="0"/>
+              <a:t>1i</a:t>
+            </a:r>
+            <a:r>
+              <a:rPr lang="en-US" altLang="ja-JP" dirty="0"/>
+              <a:t> + β</a:t>
+            </a:r>
+            <a:r>
+              <a:rPr lang="en-US" altLang="ja-JP" baseline="-25000" dirty="0"/>
+              <a:t>2</a:t>
+            </a:r>
+            <a:r>
+              <a:rPr lang="en-US" altLang="ja-JP" dirty="0"/>
+              <a:t> x</a:t>
+            </a:r>
+            <a:r>
+              <a:rPr lang="en-US" altLang="ja-JP" baseline="-25000" dirty="0"/>
+              <a:t>2i</a:t>
+            </a:r>
+            <a:r>
+              <a:rPr lang="en-US" altLang="ja-JP" dirty="0"/>
+              <a:t> +</a:t>
+            </a:r>
+            <a:r>
+              <a:rPr lang="en-US" altLang="ja-JP" i="1" dirty="0" err="1"/>
+              <a:t>r</a:t>
+            </a:r>
+            <a:r>
+              <a:rPr lang="en-US" altLang="ja-JP" baseline="-25000" dirty="0" err="1"/>
+              <a:t>i</a:t>
+            </a:r>
+            <a:r>
+              <a:rPr lang="en-US" altLang="ja-JP" dirty="0"/>
+              <a:t>) +</a:t>
+            </a:r>
+            <a:r>
+              <a:rPr lang="en-US" altLang="ja-JP" dirty="0" err="1"/>
+              <a:t>ε</a:t>
+            </a:r>
+            <a:endParaRPr lang="en-US" altLang="ja-JP" dirty="0"/>
           </a:p>
           <a:p>
             <a:pPr lvl="1"/>
-            <a:r>
-              <a:rPr kumimoji="1" lang="ja-JP" altLang="en-US"/>
-              <a:t>残差逸脱度を残差自由度で割る．（目安として便利）</a:t>
-            </a:r>
-            <a:endParaRPr kumimoji="1" lang="en-US" altLang="ja-JP" dirty="0"/>
-          </a:p>
-          <a:p>
-            <a:pPr lvl="1"/>
+            <a:endParaRPr lang="en-US" altLang="ja-JP" dirty="0"/>
+          </a:p>
+          <a:p>
             <a:r>
               <a:rPr lang="ja-JP" altLang="en-US"/>
-              <a:t>ピアソンのカイ二乗を残差自由度で割る．（より正確）</a:t>
-            </a:r>
-            <a:endParaRPr lang="en-US" altLang="ja-JP" dirty="0"/>
-          </a:p>
-          <a:p>
-            <a:pPr lvl="1"/>
+              <a:t>カテゴリ</a:t>
+            </a:r>
+            <a:r>
+              <a:rPr lang="en-US" altLang="ja-JP" dirty="0" err="1"/>
+              <a:t>i</a:t>
+            </a:r>
+            <a:r>
+              <a:rPr lang="ja-JP" altLang="en-US"/>
+              <a:t>ごとに目的変数のばらつきに影響する項を付加→ランダム効果</a:t>
+            </a:r>
+            <a:r>
+              <a:rPr lang="en-US" altLang="ja-JP" dirty="0"/>
+              <a:t>									(random effect)</a:t>
+            </a:r>
+          </a:p>
+          <a:p>
             <a:endParaRPr kumimoji="1" lang="ja-JP" altLang="en-US"/>
           </a:p>
         </p:txBody>
@@ -4611,7 +4982,7 @@
     </p:spTree>
     <p:extLst>
       <p:ext uri="{BB962C8B-B14F-4D97-AF65-F5344CB8AC3E}">
-        <p14:creationId xmlns:p14="http://schemas.microsoft.com/office/powerpoint/2010/main" val="571653398"/>
+        <p14:creationId xmlns:p14="http://schemas.microsoft.com/office/powerpoint/2010/main" val="1660451074"/>
       </p:ext>
     </p:extLst>
   </p:cSld>
@@ -4643,7 +5014,7 @@
           <p:cNvPr id="2" name="タイトル 1">
             <a:extLst>
               <a:ext uri="{FF2B5EF4-FFF2-40B4-BE49-F238E27FC236}">
-                <a16:creationId xmlns:a16="http://schemas.microsoft.com/office/drawing/2014/main" id="{7D1CB8DE-7E37-8843-9926-BCCB00963A6E}"/>
+                <a16:creationId xmlns:a16="http://schemas.microsoft.com/office/drawing/2014/main" id="{50AC53A8-F8E3-0148-BB5D-FB7B69DFA21A}"/>
               </a:ext>
             </a:extLst>
           </p:cNvPr>
@@ -4661,260 +5032,3002 @@
           <a:p>
             <a:r>
               <a:rPr kumimoji="1" lang="ja-JP" altLang="en-US"/>
-              <a:t>自由度（</a:t>
+              <a:t>一般化線形混合モデル</a:t>
             </a:r>
             <a:r>
               <a:rPr kumimoji="1" lang="en-US" altLang="ja-JP" dirty="0"/>
-              <a:t>degree of freedom, df</a:t>
-            </a:r>
-            <a:r>
-              <a:rPr kumimoji="1" lang="ja-JP" altLang="en-US"/>
-              <a:t>）</a:t>
-            </a:r>
+              <a:t>GLMM</a:t>
+            </a:r>
+            <a:endParaRPr kumimoji="1" lang="ja-JP" altLang="en-US"/>
+          </a:p>
+        </p:txBody>
+      </p:sp>
+      <mc:AlternateContent xmlns:mc="http://schemas.openxmlformats.org/markup-compatibility/2006" xmlns:a14="http://schemas.microsoft.com/office/drawing/2010/main">
+        <mc:Choice Requires="a14">
+          <p:sp>
+            <p:nvSpPr>
+              <p:cNvPr id="3" name="コンテンツ プレースホルダー 2">
+                <a:extLst>
+                  <a:ext uri="{FF2B5EF4-FFF2-40B4-BE49-F238E27FC236}">
+                    <a16:creationId xmlns:a16="http://schemas.microsoft.com/office/drawing/2014/main" id="{6AB6596B-E717-A84A-851A-50C924979FEB}"/>
+                  </a:ext>
+                </a:extLst>
+              </p:cNvPr>
+              <p:cNvSpPr>
+                <a:spLocks noGrp="1"/>
+              </p:cNvSpPr>
+              <p:nvPr>
+                <p:ph idx="1"/>
+              </p:nvPr>
+            </p:nvSpPr>
+            <p:spPr>
+              <a:xfrm>
+                <a:off x="838201" y="1502979"/>
+                <a:ext cx="7630395" cy="5223642"/>
+              </a:xfrm>
+            </p:spPr>
+            <p:txBody>
+              <a:bodyPr>
+                <a:normAutofit fontScale="70000" lnSpcReduction="20000"/>
+              </a:bodyPr>
+              <a:lstStyle/>
+              <a:p>
+                <a:r>
+                  <a:rPr kumimoji="1" lang="ja-JP" altLang="en-US"/>
+                  <a:t>固定効果とランダム効果のどちらも含んだモデルを一般化線形混合モデル</a:t>
+                </a:r>
+                <a:r>
+                  <a:rPr kumimoji="1" lang="en-US" altLang="ja-JP" dirty="0"/>
+                  <a:t>(Generalized Linear Mix Model; GLMM)</a:t>
+                </a:r>
+                <a:r>
+                  <a:rPr kumimoji="1" lang="ja-JP" altLang="en-US"/>
+                  <a:t>という．</a:t>
+                </a:r>
+                <a:endParaRPr kumimoji="1" lang="en-US" altLang="ja-JP" dirty="0"/>
+              </a:p>
+              <a:p>
+                <a:endParaRPr lang="en-US" altLang="ja-JP" dirty="0"/>
+              </a:p>
+              <a:p>
+                <a:r>
+                  <a:rPr kumimoji="1" lang="ja-JP" altLang="en-US"/>
+                  <a:t>ランダム効果</a:t>
+                </a:r>
+                <a:r>
+                  <a:rPr kumimoji="1" lang="en-US" altLang="ja-JP" dirty="0" err="1"/>
+                  <a:t>r</a:t>
+                </a:r>
+                <a:r>
+                  <a:rPr kumimoji="1" lang="en-US" altLang="ja-JP" baseline="-25000" dirty="0" err="1"/>
+                  <a:t>i</a:t>
+                </a:r>
+                <a:r>
+                  <a:rPr kumimoji="1" lang="ja-JP" altLang="en-US"/>
+                  <a:t>は平均を０とした正規分布で表現できると仮定．</a:t>
+                </a:r>
+                <a:endParaRPr kumimoji="1" lang="en-US" altLang="ja-JP" dirty="0"/>
+              </a:p>
+              <a:p>
+                <a:r>
+                  <a:rPr kumimoji="1" lang="ja-JP" altLang="en-US"/>
+                  <a:t>個別の事情の差</a:t>
+                </a:r>
+                <a:r>
+                  <a:rPr kumimoji="1" lang="en-US" altLang="ja-JP" dirty="0" err="1"/>
+                  <a:t>r</a:t>
+                </a:r>
+                <a:r>
+                  <a:rPr kumimoji="1" lang="en-US" altLang="ja-JP" baseline="-25000" dirty="0" err="1"/>
+                  <a:t>i</a:t>
+                </a:r>
+                <a:r>
+                  <a:rPr kumimoji="1" lang="ja-JP" altLang="en-US"/>
+                  <a:t>は</a:t>
+                </a:r>
+                <a:r>
+                  <a:rPr lang="ja-JP" altLang="en-US"/>
+                  <a:t>標準偏差</a:t>
+                </a:r>
+                <a:r>
+                  <a:rPr lang="en-US" altLang="ja-JP" dirty="0"/>
+                  <a:t>s</a:t>
+                </a:r>
+                <a:r>
+                  <a:rPr lang="ja-JP" altLang="en-US"/>
+                  <a:t>の正規分布に従う確率分布で表せる．</a:t>
+                </a:r>
+                <a:endParaRPr lang="en-US" altLang="ja-JP" dirty="0"/>
+              </a:p>
+              <a:p>
+                <a:pPr lvl="1"/>
+                <a14:m>
+                  <m:oMath xmlns:m="http://schemas.openxmlformats.org/officeDocument/2006/math">
+                    <m:r>
+                      <a:rPr lang="en-US" altLang="ja-JP" b="0" i="1" smtClean="0">
+                        <a:latin typeface="Cambria Math" panose="02040503050406030204" pitchFamily="18" charset="0"/>
+                      </a:rPr>
+                      <m:t>h</m:t>
+                    </m:r>
+                    <m:d>
+                      <m:dPr>
+                        <m:ctrlPr>
+                          <a:rPr lang="en-US" altLang="ja-JP" i="1">
+                            <a:latin typeface="Cambria Math" panose="02040503050406030204" pitchFamily="18" charset="0"/>
+                          </a:rPr>
+                        </m:ctrlPr>
+                      </m:dPr>
+                      <m:e>
+                        <m:sSub>
+                          <m:sSubPr>
+                            <m:ctrlPr>
+                              <a:rPr lang="en-US" altLang="ja-JP" i="1">
+                                <a:latin typeface="Cambria Math" panose="02040503050406030204" pitchFamily="18" charset="0"/>
+                              </a:rPr>
+                            </m:ctrlPr>
+                          </m:sSubPr>
+                          <m:e>
+                            <m:r>
+                              <a:rPr lang="en-US" altLang="ja-JP" i="1">
+                                <a:latin typeface="Cambria Math" panose="02040503050406030204" pitchFamily="18" charset="0"/>
+                              </a:rPr>
+                              <m:t>𝑟</m:t>
+                            </m:r>
+                          </m:e>
+                          <m:sub>
+                            <m:r>
+                              <a:rPr lang="en-US" altLang="ja-JP" i="1">
+                                <a:latin typeface="Cambria Math" panose="02040503050406030204" pitchFamily="18" charset="0"/>
+                              </a:rPr>
+                              <m:t>𝑖</m:t>
+                            </m:r>
+                          </m:sub>
+                        </m:sSub>
+                      </m:e>
+                      <m:e>
+                        <m:r>
+                          <a:rPr lang="en-US" altLang="ja-JP" i="1">
+                            <a:latin typeface="Cambria Math" panose="02040503050406030204" pitchFamily="18" charset="0"/>
+                          </a:rPr>
+                          <m:t>𝑠</m:t>
+                        </m:r>
+                      </m:e>
+                    </m:d>
+                    <m:r>
+                      <a:rPr lang="ja-JP" altLang="en-US" i="1" smtClean="0">
+                        <a:latin typeface="Cambria Math" panose="02040503050406030204" pitchFamily="18" charset="0"/>
+                      </a:rPr>
+                      <m:t>＝</m:t>
+                    </m:r>
+                    <m:f>
+                      <m:fPr>
+                        <m:ctrlPr>
+                          <a:rPr lang="en-US" altLang="ja-JP" i="1">
+                            <a:latin typeface="Cambria Math" panose="02040503050406030204" pitchFamily="18" charset="0"/>
+                          </a:rPr>
+                        </m:ctrlPr>
+                      </m:fPr>
+                      <m:num>
+                        <m:r>
+                          <a:rPr lang="en-US" altLang="ja-JP" i="1">
+                            <a:latin typeface="Cambria Math" panose="02040503050406030204" pitchFamily="18" charset="0"/>
+                          </a:rPr>
+                          <m:t>1</m:t>
+                        </m:r>
+                      </m:num>
+                      <m:den>
+                        <m:rad>
+                          <m:radPr>
+                            <m:degHide m:val="on"/>
+                            <m:ctrlPr>
+                              <a:rPr lang="en-US" altLang="ja-JP" i="1">
+                                <a:latin typeface="Cambria Math" panose="02040503050406030204" pitchFamily="18" charset="0"/>
+                              </a:rPr>
+                            </m:ctrlPr>
+                          </m:radPr>
+                          <m:deg/>
+                          <m:e>
+                            <m:r>
+                              <a:rPr lang="en-US" altLang="ja-JP" i="1">
+                                <a:latin typeface="Cambria Math" panose="02040503050406030204" pitchFamily="18" charset="0"/>
+                              </a:rPr>
+                              <m:t>2</m:t>
+                            </m:r>
+                            <m:r>
+                              <a:rPr lang="en-US" altLang="ja-JP" i="1">
+                                <a:latin typeface="Cambria Math" panose="02040503050406030204" pitchFamily="18" charset="0"/>
+                                <a:ea typeface="Cambria Math" panose="02040503050406030204" pitchFamily="18" charset="0"/>
+                              </a:rPr>
+                              <m:t>𝜋</m:t>
+                            </m:r>
+                            <m:sSup>
+                              <m:sSupPr>
+                                <m:ctrlPr>
+                                  <a:rPr lang="en-US" altLang="ja-JP" i="1">
+                                    <a:latin typeface="Cambria Math" panose="02040503050406030204" pitchFamily="18" charset="0"/>
+                                    <a:ea typeface="Cambria Math" panose="02040503050406030204" pitchFamily="18" charset="0"/>
+                                  </a:rPr>
+                                </m:ctrlPr>
+                              </m:sSupPr>
+                              <m:e>
+                                <m:r>
+                                  <a:rPr lang="en-US" altLang="ja-JP" i="1">
+                                    <a:latin typeface="Cambria Math" panose="02040503050406030204" pitchFamily="18" charset="0"/>
+                                    <a:ea typeface="Cambria Math" panose="02040503050406030204" pitchFamily="18" charset="0"/>
+                                  </a:rPr>
+                                  <m:t>𝑠</m:t>
+                                </m:r>
+                              </m:e>
+                              <m:sup>
+                                <m:r>
+                                  <a:rPr lang="en-US" altLang="ja-JP" i="1">
+                                    <a:latin typeface="Cambria Math" panose="02040503050406030204" pitchFamily="18" charset="0"/>
+                                    <a:ea typeface="Cambria Math" panose="02040503050406030204" pitchFamily="18" charset="0"/>
+                                  </a:rPr>
+                                  <m:t>2</m:t>
+                                </m:r>
+                              </m:sup>
+                            </m:sSup>
+                          </m:e>
+                        </m:rad>
+                      </m:den>
+                    </m:f>
+                    <m:r>
+                      <m:rPr>
+                        <m:sty m:val="p"/>
+                      </m:rPr>
+                      <a:rPr lang="en-US" altLang="ja-JP">
+                        <a:latin typeface="Cambria Math" panose="02040503050406030204" pitchFamily="18" charset="0"/>
+                      </a:rPr>
+                      <m:t>exp</m:t>
+                    </m:r>
+                    <m:r>
+                      <a:rPr lang="en-US" altLang="ja-JP" i="1">
+                        <a:latin typeface="Cambria Math" panose="02040503050406030204" pitchFamily="18" charset="0"/>
+                      </a:rPr>
+                      <m:t>⁡(−</m:t>
+                    </m:r>
+                    <m:f>
+                      <m:fPr>
+                        <m:ctrlPr>
+                          <a:rPr lang="en-US" altLang="ja-JP" i="1">
+                            <a:latin typeface="Cambria Math" panose="02040503050406030204" pitchFamily="18" charset="0"/>
+                          </a:rPr>
+                        </m:ctrlPr>
+                      </m:fPr>
+                      <m:num>
+                        <m:sSup>
+                          <m:sSupPr>
+                            <m:ctrlPr>
+                              <a:rPr lang="en-US" altLang="ja-JP" i="1">
+                                <a:latin typeface="Cambria Math" panose="02040503050406030204" pitchFamily="18" charset="0"/>
+                              </a:rPr>
+                            </m:ctrlPr>
+                          </m:sSupPr>
+                          <m:e>
+                            <m:r>
+                              <a:rPr lang="en-US" altLang="ja-JP" i="1">
+                                <a:latin typeface="Cambria Math" panose="02040503050406030204" pitchFamily="18" charset="0"/>
+                              </a:rPr>
+                              <m:t>(</m:t>
+                            </m:r>
+                            <m:r>
+                              <a:rPr lang="en-US" altLang="ja-JP" i="1">
+                                <a:latin typeface="Cambria Math" panose="02040503050406030204" pitchFamily="18" charset="0"/>
+                              </a:rPr>
+                              <m:t>𝑟</m:t>
+                            </m:r>
+                            <m:r>
+                              <a:rPr lang="en-US" altLang="ja-JP" i="1">
+                                <a:latin typeface="Cambria Math" panose="02040503050406030204" pitchFamily="18" charset="0"/>
+                              </a:rPr>
+                              <m:t>)</m:t>
+                            </m:r>
+                          </m:e>
+                          <m:sup>
+                            <m:r>
+                              <a:rPr lang="en-US" altLang="ja-JP" i="1">
+                                <a:latin typeface="Cambria Math" panose="02040503050406030204" pitchFamily="18" charset="0"/>
+                              </a:rPr>
+                              <m:t>2</m:t>
+                            </m:r>
+                          </m:sup>
+                        </m:sSup>
+                      </m:num>
+                      <m:den>
+                        <m:r>
+                          <a:rPr lang="en-US" altLang="ja-JP" i="1">
+                            <a:latin typeface="Cambria Math" panose="02040503050406030204" pitchFamily="18" charset="0"/>
+                          </a:rPr>
+                          <m:t>2 </m:t>
+                        </m:r>
+                        <m:sSup>
+                          <m:sSupPr>
+                            <m:ctrlPr>
+                              <a:rPr lang="en-US" altLang="ja-JP" i="1">
+                                <a:latin typeface="Cambria Math" panose="02040503050406030204" pitchFamily="18" charset="0"/>
+                              </a:rPr>
+                            </m:ctrlPr>
+                          </m:sSupPr>
+                          <m:e>
+                            <m:r>
+                              <a:rPr lang="en-US" altLang="ja-JP" i="1">
+                                <a:latin typeface="Cambria Math" panose="02040503050406030204" pitchFamily="18" charset="0"/>
+                              </a:rPr>
+                              <m:t>𝑠</m:t>
+                            </m:r>
+                          </m:e>
+                          <m:sup>
+                            <m:r>
+                              <a:rPr lang="en-US" altLang="ja-JP" i="1">
+                                <a:latin typeface="Cambria Math" panose="02040503050406030204" pitchFamily="18" charset="0"/>
+                              </a:rPr>
+                              <m:t>2</m:t>
+                            </m:r>
+                          </m:sup>
+                        </m:sSup>
+                      </m:den>
+                    </m:f>
+                    <m:r>
+                      <a:rPr lang="en-US" altLang="ja-JP" i="1">
+                        <a:latin typeface="Cambria Math" panose="02040503050406030204" pitchFamily="18" charset="0"/>
+                      </a:rPr>
+                      <m:t>)</m:t>
+                    </m:r>
+                  </m:oMath>
+                </a14:m>
+                <a:endParaRPr lang="en-US" altLang="ja-JP" dirty="0"/>
+              </a:p>
+              <a:p>
+                <a:r>
+                  <a:rPr lang="ja-JP" altLang="en-US"/>
+                  <a:t>ランダム効果を確率分布で表現すると、具体的にカテゴリ</a:t>
+                </a:r>
+                <a:r>
+                  <a:rPr lang="en-US" altLang="ja-JP" dirty="0" err="1"/>
+                  <a:t>i</a:t>
+                </a:r>
+                <a:r>
+                  <a:rPr lang="ja-JP" altLang="en-US"/>
+                  <a:t>に対する個別の差</a:t>
+                </a:r>
+                <a:r>
+                  <a:rPr lang="en-US" altLang="ja-JP" dirty="0" err="1"/>
+                  <a:t>r</a:t>
+                </a:r>
+                <a:r>
+                  <a:rPr lang="en-US" altLang="ja-JP" baseline="-25000" dirty="0" err="1"/>
+                  <a:t>i</a:t>
+                </a:r>
+                <a:r>
+                  <a:rPr lang="ja-JP" altLang="en-US"/>
+                  <a:t>の具体的な数値を知らなくとも、カテゴリ</a:t>
+                </a:r>
+                <a:r>
+                  <a:rPr lang="en-US" altLang="ja-JP" dirty="0" err="1"/>
+                  <a:t>i</a:t>
+                </a:r>
+                <a:r>
+                  <a:rPr lang="ja-JP" altLang="en-US"/>
+                  <a:t>の尤度</a:t>
+                </a:r>
+                <a:r>
+                  <a:rPr lang="en-US" altLang="ja-JP" i="1" dirty="0"/>
+                  <a:t>L</a:t>
+                </a:r>
+                <a:r>
+                  <a:rPr lang="en-US" altLang="ja-JP" baseline="-25000" dirty="0"/>
+                  <a:t>i</a:t>
+                </a:r>
+                <a:r>
+                  <a:rPr lang="ja-JP" altLang="en-US"/>
+                  <a:t>に対してとりうる全ての</a:t>
+                </a:r>
+                <a:r>
+                  <a:rPr lang="en-US" altLang="ja-JP" dirty="0" err="1"/>
+                  <a:t>r</a:t>
+                </a:r>
+                <a:r>
+                  <a:rPr lang="en-US" altLang="ja-JP" baseline="-25000" dirty="0" err="1"/>
+                  <a:t>i</a:t>
+                </a:r>
+                <a:r>
+                  <a:rPr lang="ja-JP" altLang="en-US"/>
+                  <a:t>の期待値が計算可能．</a:t>
+                </a:r>
+                <a:endParaRPr lang="en-US" altLang="ja-JP" dirty="0"/>
+              </a:p>
+              <a:p>
+                <a:pPr lvl="1"/>
+                <a14:m>
+                  <m:oMath xmlns:m="http://schemas.openxmlformats.org/officeDocument/2006/math">
+                    <m:func>
+                      <m:funcPr>
+                        <m:ctrlPr>
+                          <a:rPr lang="en-US" altLang="ja-JP" i="1">
+                            <a:latin typeface="Cambria Math" panose="02040503050406030204" pitchFamily="18" charset="0"/>
+                          </a:rPr>
+                        </m:ctrlPr>
+                      </m:funcPr>
+                      <m:fName>
+                        <m:sSub>
+                          <m:sSubPr>
+                            <m:ctrlPr>
+                              <a:rPr lang="en-US" altLang="ja-JP" i="1" smtClean="0">
+                                <a:latin typeface="Cambria Math" panose="02040503050406030204" pitchFamily="18" charset="0"/>
+                              </a:rPr>
+                            </m:ctrlPr>
+                          </m:sSubPr>
+                          <m:e>
+                            <m:r>
+                              <a:rPr lang="en-US" altLang="ja-JP" b="0" i="1" smtClean="0">
+                                <a:latin typeface="Cambria Math" panose="02040503050406030204" pitchFamily="18" charset="0"/>
+                              </a:rPr>
+                              <m:t>𝐿</m:t>
+                            </m:r>
+                          </m:e>
+                          <m:sub>
+                            <m:r>
+                              <a:rPr lang="en-US" altLang="ja-JP" b="0" i="1" smtClean="0">
+                                <a:latin typeface="Cambria Math" panose="02040503050406030204" pitchFamily="18" charset="0"/>
+                              </a:rPr>
+                              <m:t>𝑖</m:t>
+                            </m:r>
+                          </m:sub>
+                        </m:sSub>
+                        <m:r>
+                          <a:rPr lang="en-US" altLang="ja-JP" b="0" i="1" smtClean="0">
+                            <a:latin typeface="Cambria Math" panose="02040503050406030204" pitchFamily="18" charset="0"/>
+                          </a:rPr>
+                          <m:t>(</m:t>
+                        </m:r>
+                        <m:sSub>
+                          <m:sSubPr>
+                            <m:ctrlPr>
+                              <a:rPr lang="en-US" altLang="ja-JP" b="0" i="1" smtClean="0">
+                                <a:latin typeface="Cambria Math" panose="02040503050406030204" pitchFamily="18" charset="0"/>
+                              </a:rPr>
+                            </m:ctrlPr>
+                          </m:sSubPr>
+                          <m:e>
+                            <m:r>
+                              <a:rPr lang="en-US" altLang="ja-JP" b="0" i="1" smtClean="0">
+                                <a:latin typeface="Cambria Math" panose="02040503050406030204" pitchFamily="18" charset="0"/>
+                                <a:ea typeface="Cambria Math" panose="02040503050406030204" pitchFamily="18" charset="0"/>
+                              </a:rPr>
+                              <m:t>𝛽</m:t>
+                            </m:r>
+                          </m:e>
+                          <m:sub>
+                            <m:r>
+                              <a:rPr lang="en-US" altLang="ja-JP" b="0" i="1" smtClean="0">
+                                <a:latin typeface="Cambria Math" panose="02040503050406030204" pitchFamily="18" charset="0"/>
+                              </a:rPr>
+                              <m:t>𝑗</m:t>
+                            </m:r>
+                          </m:sub>
+                        </m:sSub>
+                        <m:r>
+                          <a:rPr lang="en-US" altLang="ja-JP" b="0" i="1" smtClean="0">
+                            <a:latin typeface="Cambria Math" panose="02040503050406030204" pitchFamily="18" charset="0"/>
+                          </a:rPr>
+                          <m:t>,</m:t>
+                        </m:r>
+                        <m:r>
+                          <a:rPr lang="en-US" altLang="ja-JP" b="0" i="1" smtClean="0">
+                            <a:latin typeface="Cambria Math" panose="02040503050406030204" pitchFamily="18" charset="0"/>
+                          </a:rPr>
+                          <m:t>𝑠</m:t>
+                        </m:r>
+                        <m:r>
+                          <a:rPr lang="en-US" altLang="ja-JP" b="0" i="1" smtClean="0">
+                            <a:latin typeface="Cambria Math" panose="02040503050406030204" pitchFamily="18" charset="0"/>
+                          </a:rPr>
+                          <m:t>|</m:t>
+                        </m:r>
+                        <m:sSub>
+                          <m:sSubPr>
+                            <m:ctrlPr>
+                              <a:rPr lang="en-US" altLang="ja-JP" b="0" i="1" smtClean="0">
+                                <a:latin typeface="Cambria Math" panose="02040503050406030204" pitchFamily="18" charset="0"/>
+                              </a:rPr>
+                            </m:ctrlPr>
+                          </m:sSubPr>
+                          <m:e>
+                            <m:r>
+                              <a:rPr lang="en-US" altLang="ja-JP" b="0" i="1" smtClean="0">
+                                <a:latin typeface="Cambria Math" panose="02040503050406030204" pitchFamily="18" charset="0"/>
+                              </a:rPr>
+                              <m:t>𝑥</m:t>
+                            </m:r>
+                          </m:e>
+                          <m:sub>
+                            <m:r>
+                              <a:rPr lang="en-US" altLang="ja-JP" b="0" i="1" smtClean="0">
+                                <a:latin typeface="Cambria Math" panose="02040503050406030204" pitchFamily="18" charset="0"/>
+                              </a:rPr>
+                              <m:t>𝑖</m:t>
+                            </m:r>
+                          </m:sub>
+                        </m:sSub>
+                        <m:r>
+                          <a:rPr lang="en-US" altLang="ja-JP" b="0" i="1" smtClean="0">
+                            <a:latin typeface="Cambria Math" panose="02040503050406030204" pitchFamily="18" charset="0"/>
+                          </a:rPr>
+                          <m:t>,</m:t>
+                        </m:r>
+                        <m:sSub>
+                          <m:sSubPr>
+                            <m:ctrlPr>
+                              <a:rPr lang="en-US" altLang="ja-JP" i="1">
+                                <a:latin typeface="Cambria Math" panose="02040503050406030204" pitchFamily="18" charset="0"/>
+                              </a:rPr>
+                            </m:ctrlPr>
+                          </m:sSubPr>
+                          <m:e>
+                            <m:r>
+                              <a:rPr lang="en-US" altLang="ja-JP" b="0" i="1" smtClean="0">
+                                <a:latin typeface="Cambria Math" panose="02040503050406030204" pitchFamily="18" charset="0"/>
+                              </a:rPr>
+                              <m:t>𝑦</m:t>
+                            </m:r>
+                          </m:e>
+                          <m:sub>
+                            <m:r>
+                              <a:rPr lang="en-US" altLang="ja-JP" i="1">
+                                <a:latin typeface="Cambria Math" panose="02040503050406030204" pitchFamily="18" charset="0"/>
+                              </a:rPr>
+                              <m:t>𝑖</m:t>
+                            </m:r>
+                          </m:sub>
+                        </m:sSub>
+                        <m:r>
+                          <a:rPr lang="en-US" altLang="ja-JP" b="0" i="1" smtClean="0">
+                            <a:latin typeface="Cambria Math" panose="02040503050406030204" pitchFamily="18" charset="0"/>
+                          </a:rPr>
+                          <m:t>)=</m:t>
+                        </m:r>
+                        <m:nary>
+                          <m:naryPr>
+                            <m:ctrlPr>
+                              <a:rPr lang="en-US" altLang="ja-JP" i="1">
+                                <a:latin typeface="Cambria Math" panose="02040503050406030204" pitchFamily="18" charset="0"/>
+                              </a:rPr>
+                            </m:ctrlPr>
+                          </m:naryPr>
+                          <m:sub>
+                            <m:r>
+                              <m:rPr>
+                                <m:brk m:alnAt="23"/>
+                              </m:rPr>
+                              <a:rPr lang="en-US" altLang="ja-JP" i="1">
+                                <a:latin typeface="Cambria Math" panose="02040503050406030204" pitchFamily="18" charset="0"/>
+                              </a:rPr>
+                              <m:t>−</m:t>
+                            </m:r>
+                            <m:r>
+                              <a:rPr lang="en-US" altLang="ja-JP" i="1">
+                                <a:latin typeface="Cambria Math" panose="02040503050406030204" pitchFamily="18" charset="0"/>
+                                <a:ea typeface="Cambria Math" panose="02040503050406030204" pitchFamily="18" charset="0"/>
+                              </a:rPr>
+                              <m:t>∞</m:t>
+                            </m:r>
+                          </m:sub>
+                          <m:sup>
+                            <m:r>
+                              <a:rPr lang="en-US" altLang="ja-JP" i="1">
+                                <a:latin typeface="Cambria Math" panose="02040503050406030204" pitchFamily="18" charset="0"/>
+                                <a:ea typeface="Cambria Math" panose="02040503050406030204" pitchFamily="18" charset="0"/>
+                              </a:rPr>
+                              <m:t>∞</m:t>
+                            </m:r>
+                          </m:sup>
+                          <m:e>
+                            <m:r>
+                              <a:rPr lang="en-US" altLang="ja-JP" i="1">
+                                <a:latin typeface="Cambria Math" panose="02040503050406030204" pitchFamily="18" charset="0"/>
+                              </a:rPr>
+                              <m:t>𝑓</m:t>
+                            </m:r>
+                            <m:d>
+                              <m:dPr>
+                                <m:endChr m:val="|"/>
+                                <m:ctrlPr>
+                                  <a:rPr lang="en-US" altLang="ja-JP" i="1">
+                                    <a:latin typeface="Cambria Math" panose="02040503050406030204" pitchFamily="18" charset="0"/>
+                                  </a:rPr>
+                                </m:ctrlPr>
+                              </m:dPr>
+                              <m:e>
+                                <m:sSub>
+                                  <m:sSubPr>
+                                    <m:ctrlPr>
+                                      <a:rPr lang="en-US" altLang="ja-JP" i="1">
+                                        <a:latin typeface="Cambria Math" panose="02040503050406030204" pitchFamily="18" charset="0"/>
+                                      </a:rPr>
+                                    </m:ctrlPr>
+                                  </m:sSubPr>
+                                  <m:e>
+                                    <m:r>
+                                      <a:rPr lang="en-US" altLang="ja-JP" i="1">
+                                        <a:latin typeface="Cambria Math" panose="02040503050406030204" pitchFamily="18" charset="0"/>
+                                      </a:rPr>
+                                      <m:t>𝑦</m:t>
+                                    </m:r>
+                                  </m:e>
+                                  <m:sub>
+                                    <m:r>
+                                      <a:rPr lang="en-US" altLang="ja-JP" i="1">
+                                        <a:latin typeface="Cambria Math" panose="02040503050406030204" pitchFamily="18" charset="0"/>
+                                      </a:rPr>
+                                      <m:t>𝑖</m:t>
+                                    </m:r>
+                                  </m:sub>
+                                </m:sSub>
+                              </m:e>
+                            </m:d>
+                            <m:sSub>
+                              <m:sSubPr>
+                                <m:ctrlPr>
+                                  <a:rPr lang="en-US" altLang="ja-JP" i="1">
+                                    <a:latin typeface="Cambria Math" panose="02040503050406030204" pitchFamily="18" charset="0"/>
+                                  </a:rPr>
+                                </m:ctrlPr>
+                              </m:sSubPr>
+                              <m:e>
+                                <m:r>
+                                  <a:rPr lang="en-US" altLang="ja-JP" i="1">
+                                    <a:latin typeface="Cambria Math" panose="02040503050406030204" pitchFamily="18" charset="0"/>
+                                    <a:ea typeface="Cambria Math" panose="02040503050406030204" pitchFamily="18" charset="0"/>
+                                  </a:rPr>
+                                  <m:t>𝛽</m:t>
+                                </m:r>
+                              </m:e>
+                              <m:sub>
+                                <m:r>
+                                  <a:rPr lang="en-US" altLang="ja-JP" i="1">
+                                    <a:latin typeface="Cambria Math" panose="02040503050406030204" pitchFamily="18" charset="0"/>
+                                  </a:rPr>
+                                  <m:t>𝑗</m:t>
+                                </m:r>
+                              </m:sub>
+                            </m:sSub>
+                            <m:r>
+                              <a:rPr lang="en-US" altLang="ja-JP" i="1">
+                                <a:latin typeface="Cambria Math" panose="02040503050406030204" pitchFamily="18" charset="0"/>
+                              </a:rPr>
+                              <m:t>,</m:t>
+                            </m:r>
+                            <m:sSub>
+                              <m:sSubPr>
+                                <m:ctrlPr>
+                                  <a:rPr lang="en-US" altLang="ja-JP" i="1">
+                                    <a:latin typeface="Cambria Math" panose="02040503050406030204" pitchFamily="18" charset="0"/>
+                                  </a:rPr>
+                                </m:ctrlPr>
+                              </m:sSubPr>
+                              <m:e>
+                                <m:r>
+                                  <a:rPr lang="en-US" altLang="ja-JP" i="1">
+                                    <a:latin typeface="Cambria Math" panose="02040503050406030204" pitchFamily="18" charset="0"/>
+                                  </a:rPr>
+                                  <m:t>𝑟</m:t>
+                                </m:r>
+                              </m:e>
+                              <m:sub>
+                                <m:r>
+                                  <a:rPr lang="en-US" altLang="ja-JP" i="1">
+                                    <a:latin typeface="Cambria Math" panose="02040503050406030204" pitchFamily="18" charset="0"/>
+                                  </a:rPr>
+                                  <m:t>𝑖</m:t>
+                                </m:r>
+                              </m:sub>
+                            </m:sSub>
+                            <m:r>
+                              <a:rPr lang="en-US" altLang="ja-JP" i="1">
+                                <a:latin typeface="Cambria Math" panose="02040503050406030204" pitchFamily="18" charset="0"/>
+                              </a:rPr>
+                              <m:t>)</m:t>
+                            </m:r>
+                          </m:e>
+                        </m:nary>
+                      </m:fName>
+                      <m:e>
+                        <m:r>
+                          <a:rPr lang="en-US" altLang="ja-JP" b="0" i="1" smtClean="0">
+                            <a:latin typeface="Cambria Math" panose="02040503050406030204" pitchFamily="18" charset="0"/>
+                          </a:rPr>
+                          <m:t>h</m:t>
+                        </m:r>
+                        <m:d>
+                          <m:dPr>
+                            <m:ctrlPr>
+                              <a:rPr lang="en-US" altLang="ja-JP" b="0" i="1">
+                                <a:latin typeface="Cambria Math" panose="02040503050406030204" pitchFamily="18" charset="0"/>
+                              </a:rPr>
+                            </m:ctrlPr>
+                          </m:dPr>
+                          <m:e>
+                            <m:sSub>
+                              <m:sSubPr>
+                                <m:ctrlPr>
+                                  <a:rPr lang="en-US" altLang="ja-JP" i="1" smtClean="0">
+                                    <a:latin typeface="Cambria Math" panose="02040503050406030204" pitchFamily="18" charset="0"/>
+                                  </a:rPr>
+                                </m:ctrlPr>
+                              </m:sSubPr>
+                              <m:e>
+                                <m:r>
+                                  <a:rPr lang="en-US" altLang="ja-JP" b="0" i="1" smtClean="0">
+                                    <a:latin typeface="Cambria Math" panose="02040503050406030204" pitchFamily="18" charset="0"/>
+                                  </a:rPr>
+                                  <m:t>𝑟</m:t>
+                                </m:r>
+                              </m:e>
+                              <m:sub>
+                                <m:r>
+                                  <a:rPr lang="en-US" altLang="ja-JP" b="0" i="1" smtClean="0">
+                                    <a:latin typeface="Cambria Math" panose="02040503050406030204" pitchFamily="18" charset="0"/>
+                                  </a:rPr>
+                                  <m:t>𝑖</m:t>
+                                </m:r>
+                              </m:sub>
+                            </m:sSub>
+                          </m:e>
+                          <m:e>
+                            <m:r>
+                              <a:rPr lang="en-US" altLang="ja-JP" b="0" i="1" smtClean="0">
+                                <a:latin typeface="Cambria Math" panose="02040503050406030204" pitchFamily="18" charset="0"/>
+                              </a:rPr>
+                              <m:t>𝑠</m:t>
+                            </m:r>
+                          </m:e>
+                        </m:d>
+                      </m:e>
+                    </m:func>
+                    <m:r>
+                      <a:rPr lang="en-US" altLang="ja-JP" b="0" i="1" smtClean="0">
+                        <a:latin typeface="Cambria Math" panose="02040503050406030204" pitchFamily="18" charset="0"/>
+                      </a:rPr>
+                      <m:t>𝑑</m:t>
+                    </m:r>
+                    <m:sSub>
+                      <m:sSubPr>
+                        <m:ctrlPr>
+                          <a:rPr lang="en-US" altLang="ja-JP" b="0" i="1" smtClean="0">
+                            <a:latin typeface="Cambria Math" panose="02040503050406030204" pitchFamily="18" charset="0"/>
+                          </a:rPr>
+                        </m:ctrlPr>
+                      </m:sSubPr>
+                      <m:e>
+                        <m:r>
+                          <a:rPr lang="en-US" altLang="ja-JP" b="0" i="1" smtClean="0">
+                            <a:latin typeface="Cambria Math" panose="02040503050406030204" pitchFamily="18" charset="0"/>
+                          </a:rPr>
+                          <m:t>𝑟</m:t>
+                        </m:r>
+                      </m:e>
+                      <m:sub>
+                        <m:r>
+                          <a:rPr lang="en-US" altLang="ja-JP" b="0" i="1" smtClean="0">
+                            <a:latin typeface="Cambria Math" panose="02040503050406030204" pitchFamily="18" charset="0"/>
+                          </a:rPr>
+                          <m:t>𝑖</m:t>
+                        </m:r>
+                      </m:sub>
+                    </m:sSub>
+                  </m:oMath>
+                </a14:m>
+                <a:endParaRPr lang="en-US" altLang="ja-JP" dirty="0"/>
+              </a:p>
+              <a:p>
+                <a:pPr lvl="1"/>
+                <a:r>
+                  <a:rPr lang="ja-JP" altLang="en-US"/>
+                  <a:t>関数</a:t>
+                </a:r>
+                <a:r>
+                  <a:rPr lang="en-US" altLang="ja-JP" i="1" dirty="0">
+                    <a:latin typeface="Times New Roman" panose="02020603050405020304" pitchFamily="18" charset="0"/>
+                    <a:cs typeface="Times New Roman" panose="02020603050405020304" pitchFamily="18" charset="0"/>
+                  </a:rPr>
+                  <a:t>f</a:t>
+                </a:r>
+                <a:r>
+                  <a:rPr lang="en-US" altLang="ja-JP" dirty="0"/>
+                  <a:t>()</a:t>
+                </a:r>
+                <a:r>
+                  <a:rPr lang="ja-JP" altLang="en-US"/>
+                  <a:t>はカテゴリ</a:t>
+                </a:r>
+                <a:r>
+                  <a:rPr lang="en-US" altLang="ja-JP" dirty="0" err="1"/>
+                  <a:t>i</a:t>
+                </a:r>
+                <a:r>
+                  <a:rPr lang="ja-JP" altLang="en-US"/>
+                  <a:t>の尤度を導出</a:t>
+                </a:r>
+                <a:endParaRPr lang="en-US" altLang="ja-JP" dirty="0"/>
+              </a:p>
+              <a:p>
+                <a:endParaRPr kumimoji="1" lang="en-US" altLang="ja-JP" dirty="0"/>
+              </a:p>
+              <a:p>
+                <a:r>
+                  <a:rPr kumimoji="1" lang="en-US" altLang="ja-JP" dirty="0"/>
+                  <a:t>GLMM</a:t>
+                </a:r>
+                <a:r>
+                  <a:rPr lang="ja-JP" altLang="en-US"/>
+                  <a:t>を実行すると固定効果である切片と係数</a:t>
+                </a:r>
+                <a:r>
+                  <a:rPr lang="en-US" altLang="ja-JP" dirty="0"/>
+                  <a:t>β</a:t>
+                </a:r>
+                <a:r>
+                  <a:rPr lang="en-US" altLang="ja-JP" baseline="-25000" dirty="0"/>
+                  <a:t>j</a:t>
+                </a:r>
+                <a:r>
+                  <a:rPr lang="ja-JP" altLang="en-US"/>
+                  <a:t>とランダム効果の分布のばらつき</a:t>
+                </a:r>
+                <a:r>
+                  <a:rPr lang="en-US" altLang="ja-JP" dirty="0"/>
+                  <a:t>s</a:t>
+                </a:r>
+                <a:r>
+                  <a:rPr lang="ja-JP" altLang="en-US"/>
+                  <a:t>が推定される．</a:t>
+                </a:r>
+                <a:endParaRPr kumimoji="1" lang="en-US" altLang="ja-JP" dirty="0"/>
+              </a:p>
+              <a:p>
+                <a:pPr marL="0" indent="0">
+                  <a:buNone/>
+                </a:pPr>
+                <a:endParaRPr kumimoji="1" lang="ja-JP" altLang="en-US"/>
+              </a:p>
+            </p:txBody>
+          </p:sp>
+        </mc:Choice>
+        <mc:Fallback xmlns="">
+          <p:sp>
+            <p:nvSpPr>
+              <p:cNvPr id="3" name="コンテンツ プレースホルダー 2">
+                <a:extLst>
+                  <a:ext uri="{FF2B5EF4-FFF2-40B4-BE49-F238E27FC236}">
+                    <a16:creationId xmlns:a16="http://schemas.microsoft.com/office/drawing/2014/main" id="{6AB6596B-E717-A84A-851A-50C924979FEB}"/>
+                  </a:ext>
+                </a:extLst>
+              </p:cNvPr>
+              <p:cNvSpPr>
+                <a:spLocks noGrp="1" noRot="1" noChangeAspect="1" noMove="1" noResize="1" noEditPoints="1" noAdjustHandles="1" noChangeArrowheads="1" noChangeShapeType="1" noTextEdit="1"/>
+              </p:cNvSpPr>
+              <p:nvPr>
+                <p:ph idx="1"/>
+              </p:nvPr>
+            </p:nvSpPr>
+            <p:spPr>
+              <a:xfrm>
+                <a:off x="838201" y="1502979"/>
+                <a:ext cx="7630395" cy="5223642"/>
+              </a:xfrm>
+              <a:blipFill>
+                <a:blip r:embed="rId3"/>
+                <a:stretch>
+                  <a:fillRect l="-832" t="-1942" r="-1331"/>
+                </a:stretch>
+              </a:blipFill>
+            </p:spPr>
+            <p:txBody>
+              <a:bodyPr/>
+              <a:lstStyle/>
+              <a:p>
+                <a:r>
+                  <a:rPr lang="ja-JP" altLang="en-US">
+                    <a:noFill/>
+                  </a:rPr>
+                  <a:t> </a:t>
+                </a:r>
+              </a:p>
+            </p:txBody>
+          </p:sp>
+        </mc:Fallback>
+      </mc:AlternateContent>
+      <p:sp>
+        <p:nvSpPr>
+          <p:cNvPr id="4" name="正方形/長方形 3">
+            <a:extLst>
+              <a:ext uri="{FF2B5EF4-FFF2-40B4-BE49-F238E27FC236}">
+                <a16:creationId xmlns:a16="http://schemas.microsoft.com/office/drawing/2014/main" id="{3E2DCBC2-59E0-864E-9591-BD755DC99CAF}"/>
+              </a:ext>
+            </a:extLst>
+          </p:cNvPr>
+          <p:cNvSpPr/>
+          <p:nvPr/>
+        </p:nvSpPr>
+        <p:spPr>
+          <a:xfrm>
+            <a:off x="8665916" y="3326122"/>
+            <a:ext cx="1475291" cy="421443"/>
+          </a:xfrm>
+          <a:prstGeom prst="rect">
+            <a:avLst/>
+          </a:prstGeom>
+          <a:solidFill>
+            <a:schemeClr val="accent6">
+              <a:lumMod val="75000"/>
+            </a:schemeClr>
+          </a:solidFill>
+          <a:ln>
+            <a:noFill/>
+          </a:ln>
+        </p:spPr>
+        <p:style>
+          <a:lnRef idx="2">
+            <a:schemeClr val="accent1">
+              <a:shade val="50000"/>
+            </a:schemeClr>
+          </a:lnRef>
+          <a:fillRef idx="1">
+            <a:schemeClr val="accent1"/>
+          </a:fillRef>
+          <a:effectRef idx="0">
+            <a:schemeClr val="accent1"/>
+          </a:effectRef>
+          <a:fontRef idx="minor">
+            <a:schemeClr val="lt1"/>
+          </a:fontRef>
+        </p:style>
+        <p:txBody>
+          <a:bodyPr rtlCol="0" anchor="ctr"/>
+          <a:lstStyle/>
+          <a:p>
+            <a:pPr algn="ctr"/>
+            <a:r>
+              <a:rPr lang="ja-JP" altLang="en-US"/>
+              <a:t>個別の事情</a:t>
+            </a:r>
+            <a:r>
+              <a:rPr lang="en-US" altLang="ja-JP" dirty="0"/>
+              <a:t> </a:t>
+            </a:r>
+            <a:r>
+              <a:rPr lang="en-US" altLang="ja-JP" dirty="0" err="1"/>
+              <a:t>i</a:t>
+            </a:r>
+            <a:endParaRPr kumimoji="1" lang="ja-JP" altLang="en-US"/>
           </a:p>
         </p:txBody>
       </p:sp>
       <p:sp>
         <p:nvSpPr>
-          <p:cNvPr id="3" name="コンテンツ プレースホルダー 2">
+          <p:cNvPr id="9" name="円/楕円 8">
             <a:extLst>
               <a:ext uri="{FF2B5EF4-FFF2-40B4-BE49-F238E27FC236}">
-                <a16:creationId xmlns:a16="http://schemas.microsoft.com/office/drawing/2014/main" id="{C92B07B6-339F-834A-BA51-25593D8DC76C}"/>
+                <a16:creationId xmlns:a16="http://schemas.microsoft.com/office/drawing/2014/main" id="{2F8EC76E-C6E1-6F4D-9BB0-7A88B0876444}"/>
               </a:ext>
             </a:extLst>
           </p:cNvPr>
-          <p:cNvSpPr>
-            <a:spLocks noGrp="1"/>
-          </p:cNvSpPr>
-          <p:nvPr>
-            <p:ph idx="1"/>
-          </p:nvPr>
+          <p:cNvSpPr/>
+          <p:nvPr/>
         </p:nvSpPr>
-        <p:spPr/>
+        <p:spPr>
+          <a:xfrm>
+            <a:off x="8896483" y="1918250"/>
+            <a:ext cx="1000025" cy="1060687"/>
+          </a:xfrm>
+          <a:prstGeom prst="ellipse">
+            <a:avLst/>
+          </a:prstGeom>
+          <a:solidFill>
+            <a:srgbClr val="C00000"/>
+          </a:solidFill>
+          <a:ln>
+            <a:solidFill>
+              <a:srgbClr val="C00000"/>
+            </a:solidFill>
+          </a:ln>
+        </p:spPr>
+        <p:style>
+          <a:lnRef idx="2">
+            <a:schemeClr val="accent1">
+              <a:shade val="50000"/>
+            </a:schemeClr>
+          </a:lnRef>
+          <a:fillRef idx="1">
+            <a:schemeClr val="accent1"/>
+          </a:fillRef>
+          <a:effectRef idx="0">
+            <a:schemeClr val="accent1"/>
+          </a:effectRef>
+          <a:fontRef idx="minor">
+            <a:schemeClr val="lt1"/>
+          </a:fontRef>
+        </p:style>
         <p:txBody>
-          <a:bodyPr>
-            <a:normAutofit lnSpcReduction="10000"/>
-          </a:bodyPr>
+          <a:bodyPr rtlCol="0" anchor="ctr"/>
           <a:lstStyle/>
           <a:p>
+            <a:pPr algn="ctr"/>
             <a:r>
               <a:rPr lang="ja-JP" altLang="en-US"/>
-              <a:t>平均値など、なんらかの統計量が与えられたとき、束縛されない標本のデータ個数（サンプルサイズ）．</a:t>
-            </a:r>
-            <a:endParaRPr lang="en-US" altLang="ja-JP" dirty="0"/>
-          </a:p>
-          <a:p>
-            <a:pPr lvl="1"/>
-            <a:r>
-              <a:rPr kumimoji="1" lang="en-US" altLang="ja-JP" dirty="0"/>
-              <a:t>Ex) </a:t>
-            </a:r>
-            <a:r>
-              <a:rPr kumimoji="1" lang="ja-JP" altLang="en-US"/>
-              <a:t>（母）平均が</a:t>
-            </a:r>
-            <a:r>
-              <a:rPr kumimoji="1" lang="en-US" altLang="ja-JP" dirty="0"/>
-              <a:t>5</a:t>
-            </a:r>
-            <a:r>
-              <a:rPr kumimoji="1" lang="ja-JP" altLang="en-US"/>
-              <a:t>であると仮定したとき、サンプルサイズが</a:t>
-            </a:r>
-            <a:r>
-              <a:rPr kumimoji="1" lang="en-US" altLang="ja-JP" dirty="0"/>
-              <a:t>10 (x</a:t>
-            </a:r>
-            <a:r>
-              <a:rPr kumimoji="1" lang="en-US" altLang="ja-JP" baseline="-25000" dirty="0"/>
-              <a:t>1</a:t>
-            </a:r>
-            <a:r>
-              <a:rPr kumimoji="1" lang="en-US" altLang="ja-JP" dirty="0"/>
-              <a:t>,x</a:t>
-            </a:r>
-            <a:r>
-              <a:rPr kumimoji="1" lang="en-US" altLang="ja-JP" baseline="-25000" dirty="0"/>
-              <a:t>2</a:t>
-            </a:r>
-            <a:r>
-              <a:rPr kumimoji="1" lang="en-US" altLang="ja-JP" dirty="0"/>
-              <a:t>,…,x</a:t>
-            </a:r>
-            <a:r>
-              <a:rPr kumimoji="1" lang="en-US" altLang="ja-JP" baseline="-25000" dirty="0"/>
-              <a:t>10</a:t>
-            </a:r>
-            <a:r>
-              <a:rPr kumimoji="1" lang="en-US" altLang="ja-JP" dirty="0"/>
-              <a:t>)</a:t>
-            </a:r>
-            <a:r>
-              <a:rPr kumimoji="1" lang="ja-JP" altLang="en-US"/>
-              <a:t>であれば、</a:t>
-            </a:r>
-            <a:r>
-              <a:rPr lang="en-US" altLang="ja-JP" dirty="0"/>
-              <a:t>x</a:t>
-            </a:r>
-            <a:r>
-              <a:rPr lang="en-US" altLang="ja-JP" baseline="-25000" dirty="0"/>
-              <a:t>1</a:t>
-            </a:r>
-            <a:r>
-              <a:rPr lang="en-US" altLang="ja-JP" dirty="0"/>
-              <a:t>〜x</a:t>
-            </a:r>
-            <a:r>
-              <a:rPr lang="en-US" altLang="ja-JP" baseline="-25000" dirty="0"/>
-              <a:t>9</a:t>
-            </a:r>
-            <a:r>
-              <a:rPr lang="ja-JP" altLang="en-US"/>
-              <a:t>までどんな値をとっても</a:t>
-            </a:r>
-            <a:r>
-              <a:rPr lang="en-US" altLang="ja-JP" dirty="0"/>
-              <a:t> x</a:t>
-            </a:r>
-            <a:r>
-              <a:rPr lang="en-US" altLang="ja-JP" baseline="-25000" dirty="0"/>
-              <a:t>10</a:t>
-            </a:r>
-            <a:r>
-              <a:rPr lang="ja-JP" altLang="en-US"/>
-              <a:t>で調整して平均を</a:t>
-            </a:r>
-            <a:r>
-              <a:rPr lang="en-US" altLang="ja-JP" dirty="0"/>
-              <a:t>5</a:t>
-            </a:r>
-            <a:r>
-              <a:rPr lang="ja-JP" altLang="en-US"/>
-              <a:t>にできる．→自由度は</a:t>
-            </a:r>
-            <a:r>
-              <a:rPr lang="en-US" altLang="ja-JP" dirty="0"/>
-              <a:t>9</a:t>
-            </a:r>
-            <a:r>
-              <a:rPr lang="ja-JP" altLang="en-US"/>
-              <a:t>（サンプルサイズー</a:t>
-            </a:r>
-            <a:r>
-              <a:rPr lang="en-US" altLang="ja-JP" dirty="0"/>
-              <a:t>1</a:t>
-            </a:r>
-            <a:r>
-              <a:rPr lang="ja-JP" altLang="en-US"/>
-              <a:t>）</a:t>
-            </a:r>
-            <a:endParaRPr lang="en-US" altLang="ja-JP" dirty="0"/>
-          </a:p>
-          <a:p>
-            <a:pPr lvl="1"/>
-            <a:endParaRPr kumimoji="1" lang="en-US" altLang="ja-JP" dirty="0"/>
-          </a:p>
-          <a:p>
+              <a:t>目的変数</a:t>
+            </a:r>
             <a:r>
               <a:rPr lang="en-US" altLang="ja-JP" dirty="0"/>
               <a:t> </a:t>
             </a:r>
             <a:r>
-              <a:rPr lang="ja-JP" altLang="en-US"/>
-              <a:t>線形モデルでは</a:t>
-            </a:r>
-            <a:r>
-              <a:rPr kumimoji="1" lang="ja-JP" altLang="en-US"/>
-              <a:t>サンプルサイズから</a:t>
-            </a:r>
-            <a:r>
-              <a:rPr kumimoji="1" lang="en-US" altLang="ja-JP" dirty="0"/>
-              <a:t>(</a:t>
-            </a:r>
-            <a:r>
-              <a:rPr kumimoji="1" lang="ja-JP" altLang="en-US"/>
-              <a:t>切片＋推定パラメータ数</a:t>
-            </a:r>
-            <a:r>
-              <a:rPr kumimoji="1" lang="en-US" altLang="ja-JP" dirty="0"/>
-              <a:t>)</a:t>
-            </a:r>
-            <a:r>
-              <a:rPr kumimoji="1" lang="ja-JP" altLang="en-US"/>
-              <a:t> などを差し引く．</a:t>
-            </a:r>
-            <a:endParaRPr kumimoji="1" lang="en-US" altLang="ja-JP" dirty="0"/>
-          </a:p>
-          <a:p>
-            <a:pPr lvl="1"/>
-            <a:r>
-              <a:rPr lang="ja-JP" altLang="en-US"/>
-              <a:t>第</a:t>
-            </a:r>
-            <a:r>
-              <a:rPr lang="en-US" altLang="ja-JP" dirty="0"/>
-              <a:t>12</a:t>
-            </a:r>
-            <a:r>
-              <a:rPr lang="ja-JP" altLang="en-US"/>
-              <a:t>回の</a:t>
-            </a:r>
-            <a:r>
               <a:rPr lang="en-US" altLang="ja-JP" dirty="0" err="1"/>
-              <a:t>lm</a:t>
-            </a:r>
-            <a:r>
-              <a:rPr lang="ja-JP" altLang="en-US"/>
-              <a:t>、第</a:t>
-            </a:r>
-            <a:r>
-              <a:rPr lang="en-US" altLang="ja-JP" dirty="0"/>
-              <a:t>20</a:t>
-            </a:r>
-            <a:r>
-              <a:rPr lang="ja-JP" altLang="en-US"/>
-              <a:t>回の</a:t>
-            </a:r>
-            <a:r>
-              <a:rPr lang="en-US" altLang="ja-JP" dirty="0" err="1"/>
-              <a:t>glm</a:t>
-            </a:r>
-            <a:r>
-              <a:rPr lang="ja-JP" altLang="en-US"/>
-              <a:t>解析結果で自由度をチェック</a:t>
-            </a:r>
-            <a:endParaRPr lang="en-US" altLang="ja-JP" dirty="0"/>
-          </a:p>
-          <a:p>
-            <a:pPr lvl="1"/>
-            <a:r>
-              <a:rPr lang="en-US" altLang="ja-JP" dirty="0"/>
-              <a:t>summary(</a:t>
-            </a:r>
-            <a:r>
-              <a:rPr lang="en-US" altLang="ja-JP" dirty="0" err="1"/>
-              <a:t>res_lm_catch</a:t>
-            </a:r>
-            <a:r>
-              <a:rPr lang="en-US" altLang="ja-JP" dirty="0"/>
-              <a:t>)</a:t>
-            </a:r>
-          </a:p>
-          <a:p>
-            <a:pPr lvl="1"/>
-            <a:r>
-              <a:rPr kumimoji="1" lang="en-US" altLang="ja-JP" dirty="0" err="1"/>
-              <a:t>res_glm_gala</a:t>
+              <a:t>i</a:t>
             </a:r>
             <a:endParaRPr kumimoji="1" lang="ja-JP" altLang="en-US"/>
           </a:p>
         </p:txBody>
       </p:sp>
+      <p:cxnSp>
+        <p:nvCxnSpPr>
+          <p:cNvPr id="16" name="直線矢印コネクタ 15">
+            <a:extLst>
+              <a:ext uri="{FF2B5EF4-FFF2-40B4-BE49-F238E27FC236}">
+                <a16:creationId xmlns:a16="http://schemas.microsoft.com/office/drawing/2014/main" id="{21839DD9-0356-1245-A966-172FD1B693C0}"/>
+              </a:ext>
+            </a:extLst>
+          </p:cNvPr>
+          <p:cNvCxnSpPr>
+            <a:cxnSpLocks/>
+            <a:stCxn id="23" idx="1"/>
+          </p:cNvCxnSpPr>
+          <p:nvPr/>
+        </p:nvCxnSpPr>
+        <p:spPr>
+          <a:xfrm flipH="1" flipV="1">
+            <a:off x="9396496" y="2959060"/>
+            <a:ext cx="7066" cy="1064114"/>
+          </a:xfrm>
+          <a:prstGeom prst="straightConnector1">
+            <a:avLst/>
+          </a:prstGeom>
+          <a:ln>
+            <a:tailEnd type="triangle"/>
+          </a:ln>
+        </p:spPr>
+        <p:style>
+          <a:lnRef idx="1">
+            <a:schemeClr val="accent1"/>
+          </a:lnRef>
+          <a:fillRef idx="0">
+            <a:schemeClr val="accent1"/>
+          </a:fillRef>
+          <a:effectRef idx="0">
+            <a:schemeClr val="accent1"/>
+          </a:effectRef>
+          <a:fontRef idx="minor">
+            <a:schemeClr val="tx1"/>
+          </a:fontRef>
+        </p:style>
+      </p:cxnSp>
+      <p:cxnSp>
+        <p:nvCxnSpPr>
+          <p:cNvPr id="18" name="直線矢印コネクタ 17">
+            <a:extLst>
+              <a:ext uri="{FF2B5EF4-FFF2-40B4-BE49-F238E27FC236}">
+                <a16:creationId xmlns:a16="http://schemas.microsoft.com/office/drawing/2014/main" id="{CE16FB4B-C651-E044-9FB7-BE517EDF7640}"/>
+              </a:ext>
+            </a:extLst>
+          </p:cNvPr>
+          <p:cNvCxnSpPr>
+            <a:cxnSpLocks/>
+            <a:endCxn id="9" idx="4"/>
+          </p:cNvCxnSpPr>
+          <p:nvPr/>
+        </p:nvCxnSpPr>
+        <p:spPr>
+          <a:xfrm flipH="1" flipV="1">
+            <a:off x="9396496" y="2978937"/>
+            <a:ext cx="560501" cy="1024359"/>
+          </a:xfrm>
+          <a:prstGeom prst="straightConnector1">
+            <a:avLst/>
+          </a:prstGeom>
+          <a:ln>
+            <a:tailEnd type="triangle"/>
+          </a:ln>
+        </p:spPr>
+        <p:style>
+          <a:lnRef idx="1">
+            <a:schemeClr val="accent1"/>
+          </a:lnRef>
+          <a:fillRef idx="0">
+            <a:schemeClr val="accent1"/>
+          </a:fillRef>
+          <a:effectRef idx="0">
+            <a:schemeClr val="accent1"/>
+          </a:effectRef>
+          <a:fontRef idx="minor">
+            <a:schemeClr val="tx1"/>
+          </a:fontRef>
+        </p:style>
+      </p:cxnSp>
+      <p:sp>
+        <p:nvSpPr>
+          <p:cNvPr id="21" name="角丸四角形 20">
+            <a:extLst>
+              <a:ext uri="{FF2B5EF4-FFF2-40B4-BE49-F238E27FC236}">
+                <a16:creationId xmlns:a16="http://schemas.microsoft.com/office/drawing/2014/main" id="{6C9D469A-F137-E14F-A948-34BD10DB9460}"/>
+              </a:ext>
+            </a:extLst>
+          </p:cNvPr>
+          <p:cNvSpPr/>
+          <p:nvPr/>
+        </p:nvSpPr>
+        <p:spPr>
+          <a:xfrm rot="5400000">
+            <a:off x="8084485" y="4565598"/>
+            <a:ext cx="1519544" cy="421444"/>
+          </a:xfrm>
+          <a:prstGeom prst="roundRect">
+            <a:avLst/>
+          </a:prstGeom>
+        </p:spPr>
+        <p:style>
+          <a:lnRef idx="2">
+            <a:schemeClr val="accent1">
+              <a:shade val="50000"/>
+            </a:schemeClr>
+          </a:lnRef>
+          <a:fillRef idx="1">
+            <a:schemeClr val="accent1"/>
+          </a:fillRef>
+          <a:effectRef idx="0">
+            <a:schemeClr val="accent1"/>
+          </a:effectRef>
+          <a:fontRef idx="minor">
+            <a:schemeClr val="lt1"/>
+          </a:fontRef>
+        </p:style>
+        <p:txBody>
+          <a:bodyPr rtlCol="0" anchor="ctr"/>
+          <a:lstStyle/>
+          <a:p>
+            <a:pPr algn="just"/>
+            <a:r>
+              <a:rPr kumimoji="1" lang="ja-JP" altLang="en-US"/>
+              <a:t>説明変数</a:t>
+            </a:r>
+            <a:r>
+              <a:rPr kumimoji="1" lang="en-US" altLang="ja-JP" dirty="0"/>
+              <a:t>1 </a:t>
+            </a:r>
+            <a:r>
+              <a:rPr kumimoji="1" lang="en-US" altLang="ja-JP" dirty="0" err="1"/>
+              <a:t>i</a:t>
+            </a:r>
+            <a:endParaRPr kumimoji="1" lang="ja-JP" altLang="en-US"/>
+          </a:p>
+        </p:txBody>
+      </p:sp>
+      <p:sp>
+        <p:nvSpPr>
+          <p:cNvPr id="23" name="角丸四角形 22">
+            <a:extLst>
+              <a:ext uri="{FF2B5EF4-FFF2-40B4-BE49-F238E27FC236}">
+                <a16:creationId xmlns:a16="http://schemas.microsoft.com/office/drawing/2014/main" id="{9B239105-C960-FC43-A1DF-53478D5E32C4}"/>
+              </a:ext>
+            </a:extLst>
+          </p:cNvPr>
+          <p:cNvSpPr/>
+          <p:nvPr/>
+        </p:nvSpPr>
+        <p:spPr>
+          <a:xfrm rot="5400000">
+            <a:off x="8643790" y="4572224"/>
+            <a:ext cx="1519544" cy="421444"/>
+          </a:xfrm>
+          <a:prstGeom prst="roundRect">
+            <a:avLst/>
+          </a:prstGeom>
+        </p:spPr>
+        <p:style>
+          <a:lnRef idx="2">
+            <a:schemeClr val="accent1">
+              <a:shade val="50000"/>
+            </a:schemeClr>
+          </a:lnRef>
+          <a:fillRef idx="1">
+            <a:schemeClr val="accent1"/>
+          </a:fillRef>
+          <a:effectRef idx="0">
+            <a:schemeClr val="accent1"/>
+          </a:effectRef>
+          <a:fontRef idx="minor">
+            <a:schemeClr val="lt1"/>
+          </a:fontRef>
+        </p:style>
+        <p:txBody>
+          <a:bodyPr rtlCol="0" anchor="ctr"/>
+          <a:lstStyle/>
+          <a:p>
+            <a:pPr algn="just"/>
+            <a:r>
+              <a:rPr kumimoji="1" lang="ja-JP" altLang="en-US"/>
+              <a:t>説明変数</a:t>
+            </a:r>
+            <a:r>
+              <a:rPr kumimoji="1" lang="en-US" altLang="ja-JP" dirty="0"/>
+              <a:t>2 </a:t>
+            </a:r>
+            <a:r>
+              <a:rPr kumimoji="1" lang="en-US" altLang="ja-JP" dirty="0" err="1"/>
+              <a:t>i</a:t>
+            </a:r>
+            <a:endParaRPr kumimoji="1" lang="ja-JP" altLang="en-US"/>
+          </a:p>
+        </p:txBody>
+      </p:sp>
+      <p:sp>
+        <p:nvSpPr>
+          <p:cNvPr id="24" name="角丸四角形 23">
+            <a:extLst>
+              <a:ext uri="{FF2B5EF4-FFF2-40B4-BE49-F238E27FC236}">
+                <a16:creationId xmlns:a16="http://schemas.microsoft.com/office/drawing/2014/main" id="{0A6F7988-8D64-204F-90A9-7E7CA17DD59A}"/>
+              </a:ext>
+            </a:extLst>
+          </p:cNvPr>
+          <p:cNvSpPr/>
+          <p:nvPr/>
+        </p:nvSpPr>
+        <p:spPr>
+          <a:xfrm rot="5400000">
+            <a:off x="9197225" y="4565598"/>
+            <a:ext cx="1519544" cy="421444"/>
+          </a:xfrm>
+          <a:prstGeom prst="roundRect">
+            <a:avLst/>
+          </a:prstGeom>
+        </p:spPr>
+        <p:style>
+          <a:lnRef idx="2">
+            <a:schemeClr val="accent1">
+              <a:shade val="50000"/>
+            </a:schemeClr>
+          </a:lnRef>
+          <a:fillRef idx="1">
+            <a:schemeClr val="accent1"/>
+          </a:fillRef>
+          <a:effectRef idx="0">
+            <a:schemeClr val="accent1"/>
+          </a:effectRef>
+          <a:fontRef idx="minor">
+            <a:schemeClr val="lt1"/>
+          </a:fontRef>
+        </p:style>
+        <p:txBody>
+          <a:bodyPr rtlCol="0" anchor="ctr"/>
+          <a:lstStyle/>
+          <a:p>
+            <a:pPr algn="just"/>
+            <a:r>
+              <a:rPr kumimoji="1" lang="ja-JP" altLang="en-US"/>
+              <a:t>説明変数</a:t>
+            </a:r>
+            <a:r>
+              <a:rPr kumimoji="1" lang="en-US" altLang="ja-JP" dirty="0"/>
+              <a:t>3 </a:t>
+            </a:r>
+            <a:r>
+              <a:rPr kumimoji="1" lang="en-US" altLang="ja-JP" dirty="0" err="1"/>
+              <a:t>i</a:t>
+            </a:r>
+            <a:endParaRPr kumimoji="1" lang="ja-JP" altLang="en-US"/>
+          </a:p>
+        </p:txBody>
+      </p:sp>
+      <p:cxnSp>
+        <p:nvCxnSpPr>
+          <p:cNvPr id="25" name="直線矢印コネクタ 24">
+            <a:extLst>
+              <a:ext uri="{FF2B5EF4-FFF2-40B4-BE49-F238E27FC236}">
+                <a16:creationId xmlns:a16="http://schemas.microsoft.com/office/drawing/2014/main" id="{86AD3DDF-7327-9D4D-8941-3E20CEB3650D}"/>
+              </a:ext>
+            </a:extLst>
+          </p:cNvPr>
+          <p:cNvCxnSpPr>
+            <a:cxnSpLocks/>
+            <a:stCxn id="21" idx="1"/>
+          </p:cNvCxnSpPr>
+          <p:nvPr/>
+        </p:nvCxnSpPr>
+        <p:spPr>
+          <a:xfrm flipV="1">
+            <a:off x="8844257" y="2978938"/>
+            <a:ext cx="552238" cy="1037610"/>
+          </a:xfrm>
+          <a:prstGeom prst="straightConnector1">
+            <a:avLst/>
+          </a:prstGeom>
+          <a:ln>
+            <a:tailEnd type="triangle"/>
+          </a:ln>
+        </p:spPr>
+        <p:style>
+          <a:lnRef idx="1">
+            <a:schemeClr val="accent1"/>
+          </a:lnRef>
+          <a:fillRef idx="0">
+            <a:schemeClr val="accent1"/>
+          </a:fillRef>
+          <a:effectRef idx="0">
+            <a:schemeClr val="accent1"/>
+          </a:effectRef>
+          <a:fontRef idx="minor">
+            <a:schemeClr val="tx1"/>
+          </a:fontRef>
+        </p:style>
+      </p:cxnSp>
+      <p:grpSp>
+        <p:nvGrpSpPr>
+          <p:cNvPr id="51" name="グループ化 50">
+            <a:extLst>
+              <a:ext uri="{FF2B5EF4-FFF2-40B4-BE49-F238E27FC236}">
+                <a16:creationId xmlns:a16="http://schemas.microsoft.com/office/drawing/2014/main" id="{E43EEA95-B0D8-9949-85BD-2D380914D0A0}"/>
+              </a:ext>
+            </a:extLst>
+          </p:cNvPr>
+          <p:cNvGrpSpPr/>
+          <p:nvPr/>
+        </p:nvGrpSpPr>
+        <p:grpSpPr>
+          <a:xfrm>
+            <a:off x="10516868" y="2087479"/>
+            <a:ext cx="1534184" cy="3644348"/>
+            <a:chOff x="10568071" y="2251727"/>
+            <a:chExt cx="1534184" cy="3644348"/>
+          </a:xfrm>
+        </p:grpSpPr>
+        <p:sp>
+          <p:nvSpPr>
+            <p:cNvPr id="13" name="円/楕円 12">
+              <a:extLst>
+                <a:ext uri="{FF2B5EF4-FFF2-40B4-BE49-F238E27FC236}">
+                  <a16:creationId xmlns:a16="http://schemas.microsoft.com/office/drawing/2014/main" id="{C7252DBE-6921-2A43-9E11-2FEAF067C327}"/>
+                </a:ext>
+              </a:extLst>
+            </p:cNvPr>
+            <p:cNvSpPr/>
+            <p:nvPr/>
+          </p:nvSpPr>
+          <p:spPr>
+            <a:xfrm>
+              <a:off x="10837767" y="2251727"/>
+              <a:ext cx="1000025" cy="1060687"/>
+            </a:xfrm>
+            <a:prstGeom prst="ellipse">
+              <a:avLst/>
+            </a:prstGeom>
+            <a:solidFill>
+              <a:srgbClr val="C00000"/>
+            </a:solidFill>
+            <a:ln>
+              <a:solidFill>
+                <a:srgbClr val="C00000"/>
+              </a:solidFill>
+            </a:ln>
+          </p:spPr>
+          <p:style>
+            <a:lnRef idx="2">
+              <a:schemeClr val="accent1">
+                <a:shade val="50000"/>
+              </a:schemeClr>
+            </a:lnRef>
+            <a:fillRef idx="1">
+              <a:schemeClr val="accent1"/>
+            </a:fillRef>
+            <a:effectRef idx="0">
+              <a:schemeClr val="accent1"/>
+            </a:effectRef>
+            <a:fontRef idx="minor">
+              <a:schemeClr val="lt1"/>
+            </a:fontRef>
+          </p:style>
+          <p:txBody>
+            <a:bodyPr rtlCol="0" anchor="ctr"/>
+            <a:lstStyle/>
+            <a:p>
+              <a:pPr algn="ctr"/>
+              <a:r>
+                <a:rPr lang="ja-JP" altLang="en-US"/>
+                <a:t>目的変数</a:t>
+              </a:r>
+              <a:r>
+                <a:rPr lang="en-US" altLang="ja-JP" dirty="0"/>
+                <a:t> j</a:t>
+              </a:r>
+              <a:endParaRPr kumimoji="1" lang="ja-JP" altLang="en-US"/>
+            </a:p>
+          </p:txBody>
+        </p:sp>
+        <p:sp>
+          <p:nvSpPr>
+            <p:cNvPr id="35" name="正方形/長方形 34">
+              <a:extLst>
+                <a:ext uri="{FF2B5EF4-FFF2-40B4-BE49-F238E27FC236}">
+                  <a16:creationId xmlns:a16="http://schemas.microsoft.com/office/drawing/2014/main" id="{F8D9973A-1BC3-994B-9D6D-C706D8650659}"/>
+                </a:ext>
+              </a:extLst>
+            </p:cNvPr>
+            <p:cNvSpPr/>
+            <p:nvPr/>
+          </p:nvSpPr>
+          <p:spPr>
+            <a:xfrm>
+              <a:off x="10600452" y="3679479"/>
+              <a:ext cx="1475291" cy="421443"/>
+            </a:xfrm>
+            <a:prstGeom prst="rect">
+              <a:avLst/>
+            </a:prstGeom>
+            <a:solidFill>
+              <a:schemeClr val="accent6">
+                <a:lumMod val="75000"/>
+              </a:schemeClr>
+            </a:solidFill>
+            <a:ln>
+              <a:noFill/>
+            </a:ln>
+          </p:spPr>
+          <p:style>
+            <a:lnRef idx="2">
+              <a:schemeClr val="accent1">
+                <a:shade val="50000"/>
+              </a:schemeClr>
+            </a:lnRef>
+            <a:fillRef idx="1">
+              <a:schemeClr val="accent1"/>
+            </a:fillRef>
+            <a:effectRef idx="0">
+              <a:schemeClr val="accent1"/>
+            </a:effectRef>
+            <a:fontRef idx="minor">
+              <a:schemeClr val="lt1"/>
+            </a:fontRef>
+          </p:style>
+          <p:txBody>
+            <a:bodyPr rtlCol="0" anchor="ctr"/>
+            <a:lstStyle/>
+            <a:p>
+              <a:pPr algn="ctr"/>
+              <a:r>
+                <a:rPr lang="ja-JP" altLang="en-US"/>
+                <a:t>個別の事情</a:t>
+              </a:r>
+              <a:r>
+                <a:rPr lang="en-US" altLang="ja-JP" dirty="0"/>
+                <a:t> j</a:t>
+              </a:r>
+              <a:endParaRPr kumimoji="1" lang="ja-JP" altLang="en-US"/>
+            </a:p>
+          </p:txBody>
+        </p:sp>
+        <p:cxnSp>
+          <p:nvCxnSpPr>
+            <p:cNvPr id="36" name="直線矢印コネクタ 35">
+              <a:extLst>
+                <a:ext uri="{FF2B5EF4-FFF2-40B4-BE49-F238E27FC236}">
+                  <a16:creationId xmlns:a16="http://schemas.microsoft.com/office/drawing/2014/main" id="{E015761B-0FD5-D347-B21D-84F4149ADED6}"/>
+                </a:ext>
+              </a:extLst>
+            </p:cNvPr>
+            <p:cNvCxnSpPr>
+              <a:cxnSpLocks/>
+              <a:stCxn id="39" idx="1"/>
+            </p:cNvCxnSpPr>
+            <p:nvPr/>
+          </p:nvCxnSpPr>
+          <p:spPr>
+            <a:xfrm flipH="1" flipV="1">
+              <a:off x="11331032" y="3312417"/>
+              <a:ext cx="7066" cy="1064114"/>
+            </a:xfrm>
+            <a:prstGeom prst="straightConnector1">
+              <a:avLst/>
+            </a:prstGeom>
+            <a:ln>
+              <a:tailEnd type="triangle"/>
+            </a:ln>
+          </p:spPr>
+          <p:style>
+            <a:lnRef idx="1">
+              <a:schemeClr val="accent1"/>
+            </a:lnRef>
+            <a:fillRef idx="0">
+              <a:schemeClr val="accent1"/>
+            </a:fillRef>
+            <a:effectRef idx="0">
+              <a:schemeClr val="accent1"/>
+            </a:effectRef>
+            <a:fontRef idx="minor">
+              <a:schemeClr val="tx1"/>
+            </a:fontRef>
+          </p:style>
+        </p:cxnSp>
+        <p:cxnSp>
+          <p:nvCxnSpPr>
+            <p:cNvPr id="37" name="直線矢印コネクタ 36">
+              <a:extLst>
+                <a:ext uri="{FF2B5EF4-FFF2-40B4-BE49-F238E27FC236}">
+                  <a16:creationId xmlns:a16="http://schemas.microsoft.com/office/drawing/2014/main" id="{48167F04-3AF4-CB40-AC69-FC257BF041A3}"/>
+                </a:ext>
+              </a:extLst>
+            </p:cNvPr>
+            <p:cNvCxnSpPr>
+              <a:cxnSpLocks/>
+            </p:cNvCxnSpPr>
+            <p:nvPr/>
+          </p:nvCxnSpPr>
+          <p:spPr>
+            <a:xfrm flipH="1" flipV="1">
+              <a:off x="11331032" y="3332294"/>
+              <a:ext cx="560501" cy="1024359"/>
+            </a:xfrm>
+            <a:prstGeom prst="straightConnector1">
+              <a:avLst/>
+            </a:prstGeom>
+            <a:ln>
+              <a:tailEnd type="triangle"/>
+            </a:ln>
+          </p:spPr>
+          <p:style>
+            <a:lnRef idx="1">
+              <a:schemeClr val="accent1"/>
+            </a:lnRef>
+            <a:fillRef idx="0">
+              <a:schemeClr val="accent1"/>
+            </a:fillRef>
+            <a:effectRef idx="0">
+              <a:schemeClr val="accent1"/>
+            </a:effectRef>
+            <a:fontRef idx="minor">
+              <a:schemeClr val="tx1"/>
+            </a:fontRef>
+          </p:style>
+        </p:cxnSp>
+        <p:sp>
+          <p:nvSpPr>
+            <p:cNvPr id="38" name="角丸四角形 37">
+              <a:extLst>
+                <a:ext uri="{FF2B5EF4-FFF2-40B4-BE49-F238E27FC236}">
+                  <a16:creationId xmlns:a16="http://schemas.microsoft.com/office/drawing/2014/main" id="{302D92AD-DABF-064C-92D7-08DF77FAE0AA}"/>
+                </a:ext>
+              </a:extLst>
+            </p:cNvPr>
+            <p:cNvSpPr/>
+            <p:nvPr/>
+          </p:nvSpPr>
+          <p:spPr>
+            <a:xfrm rot="5400000">
+              <a:off x="10019021" y="4918955"/>
+              <a:ext cx="1519544" cy="421444"/>
+            </a:xfrm>
+            <a:prstGeom prst="roundRect">
+              <a:avLst/>
+            </a:prstGeom>
+          </p:spPr>
+          <p:style>
+            <a:lnRef idx="2">
+              <a:schemeClr val="accent1">
+                <a:shade val="50000"/>
+              </a:schemeClr>
+            </a:lnRef>
+            <a:fillRef idx="1">
+              <a:schemeClr val="accent1"/>
+            </a:fillRef>
+            <a:effectRef idx="0">
+              <a:schemeClr val="accent1"/>
+            </a:effectRef>
+            <a:fontRef idx="minor">
+              <a:schemeClr val="lt1"/>
+            </a:fontRef>
+          </p:style>
+          <p:txBody>
+            <a:bodyPr rtlCol="0" anchor="ctr"/>
+            <a:lstStyle/>
+            <a:p>
+              <a:pPr algn="just"/>
+              <a:r>
+                <a:rPr kumimoji="1" lang="ja-JP" altLang="en-US"/>
+                <a:t>説明変数</a:t>
+              </a:r>
+              <a:r>
+                <a:rPr kumimoji="1" lang="en-US" altLang="ja-JP" dirty="0"/>
+                <a:t>1 j</a:t>
+              </a:r>
+              <a:endParaRPr kumimoji="1" lang="ja-JP" altLang="en-US"/>
+            </a:p>
+          </p:txBody>
+        </p:sp>
+        <p:sp>
+          <p:nvSpPr>
+            <p:cNvPr id="39" name="角丸四角形 38">
+              <a:extLst>
+                <a:ext uri="{FF2B5EF4-FFF2-40B4-BE49-F238E27FC236}">
+                  <a16:creationId xmlns:a16="http://schemas.microsoft.com/office/drawing/2014/main" id="{D42E97B0-8072-5249-9C18-1238C3D5DF04}"/>
+                </a:ext>
+              </a:extLst>
+            </p:cNvPr>
+            <p:cNvSpPr/>
+            <p:nvPr/>
+          </p:nvSpPr>
+          <p:spPr>
+            <a:xfrm rot="5400000">
+              <a:off x="10578326" y="4925581"/>
+              <a:ext cx="1519544" cy="421444"/>
+            </a:xfrm>
+            <a:prstGeom prst="roundRect">
+              <a:avLst/>
+            </a:prstGeom>
+          </p:spPr>
+          <p:style>
+            <a:lnRef idx="2">
+              <a:schemeClr val="accent1">
+                <a:shade val="50000"/>
+              </a:schemeClr>
+            </a:lnRef>
+            <a:fillRef idx="1">
+              <a:schemeClr val="accent1"/>
+            </a:fillRef>
+            <a:effectRef idx="0">
+              <a:schemeClr val="accent1"/>
+            </a:effectRef>
+            <a:fontRef idx="minor">
+              <a:schemeClr val="lt1"/>
+            </a:fontRef>
+          </p:style>
+          <p:txBody>
+            <a:bodyPr rtlCol="0" anchor="ctr"/>
+            <a:lstStyle/>
+            <a:p>
+              <a:pPr algn="just"/>
+              <a:r>
+                <a:rPr kumimoji="1" lang="ja-JP" altLang="en-US"/>
+                <a:t>説明変数</a:t>
+              </a:r>
+              <a:r>
+                <a:rPr kumimoji="1" lang="en-US" altLang="ja-JP" dirty="0"/>
+                <a:t>2 j</a:t>
+              </a:r>
+              <a:endParaRPr kumimoji="1" lang="ja-JP" altLang="en-US"/>
+            </a:p>
+          </p:txBody>
+        </p:sp>
+        <p:sp>
+          <p:nvSpPr>
+            <p:cNvPr id="40" name="角丸四角形 39">
+              <a:extLst>
+                <a:ext uri="{FF2B5EF4-FFF2-40B4-BE49-F238E27FC236}">
+                  <a16:creationId xmlns:a16="http://schemas.microsoft.com/office/drawing/2014/main" id="{1BDDE06A-DC29-6C4B-80E3-6144C51CD731}"/>
+                </a:ext>
+              </a:extLst>
+            </p:cNvPr>
+            <p:cNvSpPr/>
+            <p:nvPr/>
+          </p:nvSpPr>
+          <p:spPr>
+            <a:xfrm rot="5400000">
+              <a:off x="11131761" y="4918955"/>
+              <a:ext cx="1519544" cy="421444"/>
+            </a:xfrm>
+            <a:prstGeom prst="roundRect">
+              <a:avLst/>
+            </a:prstGeom>
+          </p:spPr>
+          <p:style>
+            <a:lnRef idx="2">
+              <a:schemeClr val="accent1">
+                <a:shade val="50000"/>
+              </a:schemeClr>
+            </a:lnRef>
+            <a:fillRef idx="1">
+              <a:schemeClr val="accent1"/>
+            </a:fillRef>
+            <a:effectRef idx="0">
+              <a:schemeClr val="accent1"/>
+            </a:effectRef>
+            <a:fontRef idx="minor">
+              <a:schemeClr val="lt1"/>
+            </a:fontRef>
+          </p:style>
+          <p:txBody>
+            <a:bodyPr rtlCol="0" anchor="ctr"/>
+            <a:lstStyle/>
+            <a:p>
+              <a:pPr algn="just"/>
+              <a:r>
+                <a:rPr kumimoji="1" lang="ja-JP" altLang="en-US"/>
+                <a:t>説明変数</a:t>
+              </a:r>
+              <a:r>
+                <a:rPr kumimoji="1" lang="en-US" altLang="ja-JP" dirty="0"/>
+                <a:t>3 j</a:t>
+              </a:r>
+              <a:endParaRPr kumimoji="1" lang="ja-JP" altLang="en-US"/>
+            </a:p>
+          </p:txBody>
+        </p:sp>
+        <p:cxnSp>
+          <p:nvCxnSpPr>
+            <p:cNvPr id="41" name="直線矢印コネクタ 40">
+              <a:extLst>
+                <a:ext uri="{FF2B5EF4-FFF2-40B4-BE49-F238E27FC236}">
+                  <a16:creationId xmlns:a16="http://schemas.microsoft.com/office/drawing/2014/main" id="{48976E2E-A534-9942-B437-04C31ECA30B2}"/>
+                </a:ext>
+              </a:extLst>
+            </p:cNvPr>
+            <p:cNvCxnSpPr>
+              <a:cxnSpLocks/>
+              <a:stCxn id="38" idx="1"/>
+            </p:cNvCxnSpPr>
+            <p:nvPr/>
+          </p:nvCxnSpPr>
+          <p:spPr>
+            <a:xfrm flipV="1">
+              <a:off x="10778793" y="3332295"/>
+              <a:ext cx="552238" cy="1037610"/>
+            </a:xfrm>
+            <a:prstGeom prst="straightConnector1">
+              <a:avLst/>
+            </a:prstGeom>
+            <a:ln>
+              <a:tailEnd type="triangle"/>
+            </a:ln>
+          </p:spPr>
+          <p:style>
+            <a:lnRef idx="1">
+              <a:schemeClr val="accent1"/>
+            </a:lnRef>
+            <a:fillRef idx="0">
+              <a:schemeClr val="accent1"/>
+            </a:fillRef>
+            <a:effectRef idx="0">
+              <a:schemeClr val="accent1"/>
+            </a:effectRef>
+            <a:fontRef idx="minor">
+              <a:schemeClr val="tx1"/>
+            </a:fontRef>
+          </p:style>
+        </p:cxnSp>
+      </p:grpSp>
+      <p:pic>
+        <p:nvPicPr>
+          <p:cNvPr id="43" name="図 42">
+            <a:extLst>
+              <a:ext uri="{FF2B5EF4-FFF2-40B4-BE49-F238E27FC236}">
+                <a16:creationId xmlns:a16="http://schemas.microsoft.com/office/drawing/2014/main" id="{ABEF7595-0C6F-2F4D-9285-3F120268DED8}"/>
+              </a:ext>
+            </a:extLst>
+          </p:cNvPr>
+          <p:cNvPicPr>
+            <a:picLocks noChangeAspect="1"/>
+          </p:cNvPicPr>
+          <p:nvPr/>
+        </p:nvPicPr>
+        <p:blipFill>
+          <a:blip r:embed="rId4"/>
+          <a:stretch>
+            <a:fillRect/>
+          </a:stretch>
+        </p:blipFill>
+        <p:spPr>
+          <a:xfrm>
+            <a:off x="9525151" y="34873"/>
+            <a:ext cx="2632989" cy="1776323"/>
+          </a:xfrm>
+          <a:prstGeom prst="rect">
+            <a:avLst/>
+          </a:prstGeom>
+        </p:spPr>
+      </p:pic>
+      <p:grpSp>
+        <p:nvGrpSpPr>
+          <p:cNvPr id="52" name="グループ化 51">
+            <a:extLst>
+              <a:ext uri="{FF2B5EF4-FFF2-40B4-BE49-F238E27FC236}">
+                <a16:creationId xmlns:a16="http://schemas.microsoft.com/office/drawing/2014/main" id="{A1AF1D35-F970-7746-B808-1EF4A9EB8221}"/>
+              </a:ext>
+            </a:extLst>
+          </p:cNvPr>
+          <p:cNvGrpSpPr/>
+          <p:nvPr/>
+        </p:nvGrpSpPr>
+        <p:grpSpPr>
+          <a:xfrm>
+            <a:off x="9371180" y="5598013"/>
+            <a:ext cx="560501" cy="1224085"/>
+            <a:chOff x="10568071" y="2251727"/>
+            <a:chExt cx="1534184" cy="3644348"/>
+          </a:xfrm>
+        </p:grpSpPr>
+        <p:sp>
+          <p:nvSpPr>
+            <p:cNvPr id="53" name="円/楕円 52">
+              <a:extLst>
+                <a:ext uri="{FF2B5EF4-FFF2-40B4-BE49-F238E27FC236}">
+                  <a16:creationId xmlns:a16="http://schemas.microsoft.com/office/drawing/2014/main" id="{857294BD-7C00-754E-A258-B5B3D1B96160}"/>
+                </a:ext>
+              </a:extLst>
+            </p:cNvPr>
+            <p:cNvSpPr/>
+            <p:nvPr/>
+          </p:nvSpPr>
+          <p:spPr>
+            <a:xfrm>
+              <a:off x="10837767" y="2251727"/>
+              <a:ext cx="1000025" cy="1060687"/>
+            </a:xfrm>
+            <a:prstGeom prst="ellipse">
+              <a:avLst/>
+            </a:prstGeom>
+            <a:solidFill>
+              <a:srgbClr val="C00000"/>
+            </a:solidFill>
+            <a:ln>
+              <a:solidFill>
+                <a:srgbClr val="C00000"/>
+              </a:solidFill>
+            </a:ln>
+          </p:spPr>
+          <p:style>
+            <a:lnRef idx="2">
+              <a:schemeClr val="accent1">
+                <a:shade val="50000"/>
+              </a:schemeClr>
+            </a:lnRef>
+            <a:fillRef idx="1">
+              <a:schemeClr val="accent1"/>
+            </a:fillRef>
+            <a:effectRef idx="0">
+              <a:schemeClr val="accent1"/>
+            </a:effectRef>
+            <a:fontRef idx="minor">
+              <a:schemeClr val="lt1"/>
+            </a:fontRef>
+          </p:style>
+          <p:txBody>
+            <a:bodyPr rtlCol="0" anchor="ctr"/>
+            <a:lstStyle/>
+            <a:p>
+              <a:pPr algn="ctr"/>
+              <a:r>
+                <a:rPr lang="en-US" altLang="ja-JP" dirty="0"/>
+                <a:t>k</a:t>
+              </a:r>
+              <a:endParaRPr kumimoji="1" lang="ja-JP" altLang="en-US"/>
+            </a:p>
+          </p:txBody>
+        </p:sp>
+        <p:sp>
+          <p:nvSpPr>
+            <p:cNvPr id="54" name="正方形/長方形 53">
+              <a:extLst>
+                <a:ext uri="{FF2B5EF4-FFF2-40B4-BE49-F238E27FC236}">
+                  <a16:creationId xmlns:a16="http://schemas.microsoft.com/office/drawing/2014/main" id="{0843C793-AAB5-734E-9FB8-74ADB8306C5E}"/>
+                </a:ext>
+              </a:extLst>
+            </p:cNvPr>
+            <p:cNvSpPr/>
+            <p:nvPr/>
+          </p:nvSpPr>
+          <p:spPr>
+            <a:xfrm>
+              <a:off x="10600452" y="3679479"/>
+              <a:ext cx="1475291" cy="421443"/>
+            </a:xfrm>
+            <a:prstGeom prst="rect">
+              <a:avLst/>
+            </a:prstGeom>
+            <a:solidFill>
+              <a:schemeClr val="accent6">
+                <a:lumMod val="75000"/>
+              </a:schemeClr>
+            </a:solidFill>
+            <a:ln>
+              <a:noFill/>
+            </a:ln>
+          </p:spPr>
+          <p:style>
+            <a:lnRef idx="2">
+              <a:schemeClr val="accent1">
+                <a:shade val="50000"/>
+              </a:schemeClr>
+            </a:lnRef>
+            <a:fillRef idx="1">
+              <a:schemeClr val="accent1"/>
+            </a:fillRef>
+            <a:effectRef idx="0">
+              <a:schemeClr val="accent1"/>
+            </a:effectRef>
+            <a:fontRef idx="minor">
+              <a:schemeClr val="lt1"/>
+            </a:fontRef>
+          </p:style>
+          <p:txBody>
+            <a:bodyPr rtlCol="0" anchor="ctr"/>
+            <a:lstStyle/>
+            <a:p>
+              <a:pPr algn="ctr"/>
+              <a:r>
+                <a:rPr lang="en-US" altLang="ja-JP" dirty="0"/>
+                <a:t>k</a:t>
+              </a:r>
+              <a:endParaRPr kumimoji="1" lang="ja-JP" altLang="en-US"/>
+            </a:p>
+          </p:txBody>
+        </p:sp>
+        <p:cxnSp>
+          <p:nvCxnSpPr>
+            <p:cNvPr id="55" name="直線矢印コネクタ 54">
+              <a:extLst>
+                <a:ext uri="{FF2B5EF4-FFF2-40B4-BE49-F238E27FC236}">
+                  <a16:creationId xmlns:a16="http://schemas.microsoft.com/office/drawing/2014/main" id="{ACCF5C2A-93C8-AB4F-B560-688979764ED7}"/>
+                </a:ext>
+              </a:extLst>
+            </p:cNvPr>
+            <p:cNvCxnSpPr>
+              <a:cxnSpLocks/>
+              <a:stCxn id="58" idx="1"/>
+            </p:cNvCxnSpPr>
+            <p:nvPr/>
+          </p:nvCxnSpPr>
+          <p:spPr>
+            <a:xfrm flipH="1" flipV="1">
+              <a:off x="11331032" y="3312417"/>
+              <a:ext cx="7066" cy="1064114"/>
+            </a:xfrm>
+            <a:prstGeom prst="straightConnector1">
+              <a:avLst/>
+            </a:prstGeom>
+            <a:ln>
+              <a:tailEnd type="triangle"/>
+            </a:ln>
+          </p:spPr>
+          <p:style>
+            <a:lnRef idx="1">
+              <a:schemeClr val="accent1"/>
+            </a:lnRef>
+            <a:fillRef idx="0">
+              <a:schemeClr val="accent1"/>
+            </a:fillRef>
+            <a:effectRef idx="0">
+              <a:schemeClr val="accent1"/>
+            </a:effectRef>
+            <a:fontRef idx="minor">
+              <a:schemeClr val="tx1"/>
+            </a:fontRef>
+          </p:style>
+        </p:cxnSp>
+        <p:cxnSp>
+          <p:nvCxnSpPr>
+            <p:cNvPr id="56" name="直線矢印コネクタ 55">
+              <a:extLst>
+                <a:ext uri="{FF2B5EF4-FFF2-40B4-BE49-F238E27FC236}">
+                  <a16:creationId xmlns:a16="http://schemas.microsoft.com/office/drawing/2014/main" id="{25ABC897-725B-DD4D-A0A7-DF29ACE5352B}"/>
+                </a:ext>
+              </a:extLst>
+            </p:cNvPr>
+            <p:cNvCxnSpPr>
+              <a:cxnSpLocks/>
+            </p:cNvCxnSpPr>
+            <p:nvPr/>
+          </p:nvCxnSpPr>
+          <p:spPr>
+            <a:xfrm flipH="1" flipV="1">
+              <a:off x="11331032" y="3332294"/>
+              <a:ext cx="560501" cy="1024359"/>
+            </a:xfrm>
+            <a:prstGeom prst="straightConnector1">
+              <a:avLst/>
+            </a:prstGeom>
+            <a:ln>
+              <a:tailEnd type="triangle"/>
+            </a:ln>
+          </p:spPr>
+          <p:style>
+            <a:lnRef idx="1">
+              <a:schemeClr val="accent1"/>
+            </a:lnRef>
+            <a:fillRef idx="0">
+              <a:schemeClr val="accent1"/>
+            </a:fillRef>
+            <a:effectRef idx="0">
+              <a:schemeClr val="accent1"/>
+            </a:effectRef>
+            <a:fontRef idx="minor">
+              <a:schemeClr val="tx1"/>
+            </a:fontRef>
+          </p:style>
+        </p:cxnSp>
+        <p:sp>
+          <p:nvSpPr>
+            <p:cNvPr id="57" name="角丸四角形 56">
+              <a:extLst>
+                <a:ext uri="{FF2B5EF4-FFF2-40B4-BE49-F238E27FC236}">
+                  <a16:creationId xmlns:a16="http://schemas.microsoft.com/office/drawing/2014/main" id="{487634EC-AC67-5544-8C06-D27372A59451}"/>
+                </a:ext>
+              </a:extLst>
+            </p:cNvPr>
+            <p:cNvSpPr/>
+            <p:nvPr/>
+          </p:nvSpPr>
+          <p:spPr>
+            <a:xfrm rot="5400000">
+              <a:off x="10019021" y="4918955"/>
+              <a:ext cx="1519544" cy="421444"/>
+            </a:xfrm>
+            <a:prstGeom prst="roundRect">
+              <a:avLst/>
+            </a:prstGeom>
+          </p:spPr>
+          <p:style>
+            <a:lnRef idx="2">
+              <a:schemeClr val="accent1">
+                <a:shade val="50000"/>
+              </a:schemeClr>
+            </a:lnRef>
+            <a:fillRef idx="1">
+              <a:schemeClr val="accent1"/>
+            </a:fillRef>
+            <a:effectRef idx="0">
+              <a:schemeClr val="accent1"/>
+            </a:effectRef>
+            <a:fontRef idx="minor">
+              <a:schemeClr val="lt1"/>
+            </a:fontRef>
+          </p:style>
+          <p:txBody>
+            <a:bodyPr rtlCol="0" anchor="ctr"/>
+            <a:lstStyle/>
+            <a:p>
+              <a:pPr algn="just"/>
+              <a:r>
+                <a:rPr kumimoji="1" lang="en-US" altLang="ja-JP" dirty="0"/>
+                <a:t>k</a:t>
+              </a:r>
+              <a:endParaRPr kumimoji="1" lang="ja-JP" altLang="en-US"/>
+            </a:p>
+          </p:txBody>
+        </p:sp>
+        <p:sp>
+          <p:nvSpPr>
+            <p:cNvPr id="58" name="角丸四角形 57">
+              <a:extLst>
+                <a:ext uri="{FF2B5EF4-FFF2-40B4-BE49-F238E27FC236}">
+                  <a16:creationId xmlns:a16="http://schemas.microsoft.com/office/drawing/2014/main" id="{A8F4584A-CE0C-0848-AB07-E095D1BAA3BF}"/>
+                </a:ext>
+              </a:extLst>
+            </p:cNvPr>
+            <p:cNvSpPr/>
+            <p:nvPr/>
+          </p:nvSpPr>
+          <p:spPr>
+            <a:xfrm rot="5400000">
+              <a:off x="10578326" y="4925581"/>
+              <a:ext cx="1519544" cy="421444"/>
+            </a:xfrm>
+            <a:prstGeom prst="roundRect">
+              <a:avLst/>
+            </a:prstGeom>
+          </p:spPr>
+          <p:style>
+            <a:lnRef idx="2">
+              <a:schemeClr val="accent1">
+                <a:shade val="50000"/>
+              </a:schemeClr>
+            </a:lnRef>
+            <a:fillRef idx="1">
+              <a:schemeClr val="accent1"/>
+            </a:fillRef>
+            <a:effectRef idx="0">
+              <a:schemeClr val="accent1"/>
+            </a:effectRef>
+            <a:fontRef idx="minor">
+              <a:schemeClr val="lt1"/>
+            </a:fontRef>
+          </p:style>
+          <p:txBody>
+            <a:bodyPr rtlCol="0" anchor="ctr"/>
+            <a:lstStyle/>
+            <a:p>
+              <a:pPr algn="just"/>
+              <a:r>
+                <a:rPr kumimoji="1" lang="en-US" altLang="ja-JP" dirty="0"/>
+                <a:t>k</a:t>
+              </a:r>
+              <a:endParaRPr kumimoji="1" lang="ja-JP" altLang="en-US"/>
+            </a:p>
+          </p:txBody>
+        </p:sp>
+        <p:sp>
+          <p:nvSpPr>
+            <p:cNvPr id="59" name="角丸四角形 58">
+              <a:extLst>
+                <a:ext uri="{FF2B5EF4-FFF2-40B4-BE49-F238E27FC236}">
+                  <a16:creationId xmlns:a16="http://schemas.microsoft.com/office/drawing/2014/main" id="{C721A0B2-15EF-854A-9608-9D774A7C10ED}"/>
+                </a:ext>
+              </a:extLst>
+            </p:cNvPr>
+            <p:cNvSpPr/>
+            <p:nvPr/>
+          </p:nvSpPr>
+          <p:spPr>
+            <a:xfrm rot="5400000">
+              <a:off x="11131761" y="4918955"/>
+              <a:ext cx="1519544" cy="421444"/>
+            </a:xfrm>
+            <a:prstGeom prst="roundRect">
+              <a:avLst/>
+            </a:prstGeom>
+          </p:spPr>
+          <p:style>
+            <a:lnRef idx="2">
+              <a:schemeClr val="accent1">
+                <a:shade val="50000"/>
+              </a:schemeClr>
+            </a:lnRef>
+            <a:fillRef idx="1">
+              <a:schemeClr val="accent1"/>
+            </a:fillRef>
+            <a:effectRef idx="0">
+              <a:schemeClr val="accent1"/>
+            </a:effectRef>
+            <a:fontRef idx="minor">
+              <a:schemeClr val="lt1"/>
+            </a:fontRef>
+          </p:style>
+          <p:txBody>
+            <a:bodyPr rtlCol="0" anchor="ctr"/>
+            <a:lstStyle/>
+            <a:p>
+              <a:pPr algn="just"/>
+              <a:r>
+                <a:rPr kumimoji="1" lang="en-US" altLang="ja-JP" dirty="0"/>
+                <a:t>k</a:t>
+              </a:r>
+              <a:endParaRPr kumimoji="1" lang="ja-JP" altLang="en-US"/>
+            </a:p>
+          </p:txBody>
+        </p:sp>
+        <p:cxnSp>
+          <p:nvCxnSpPr>
+            <p:cNvPr id="60" name="直線矢印コネクタ 59">
+              <a:extLst>
+                <a:ext uri="{FF2B5EF4-FFF2-40B4-BE49-F238E27FC236}">
+                  <a16:creationId xmlns:a16="http://schemas.microsoft.com/office/drawing/2014/main" id="{6A0C12EB-0F10-934D-88B9-08DEE2C9C315}"/>
+                </a:ext>
+              </a:extLst>
+            </p:cNvPr>
+            <p:cNvCxnSpPr>
+              <a:cxnSpLocks/>
+              <a:stCxn id="57" idx="1"/>
+            </p:cNvCxnSpPr>
+            <p:nvPr/>
+          </p:nvCxnSpPr>
+          <p:spPr>
+            <a:xfrm flipV="1">
+              <a:off x="10778793" y="3332295"/>
+              <a:ext cx="552238" cy="1037610"/>
+            </a:xfrm>
+            <a:prstGeom prst="straightConnector1">
+              <a:avLst/>
+            </a:prstGeom>
+            <a:ln>
+              <a:tailEnd type="triangle"/>
+            </a:ln>
+          </p:spPr>
+          <p:style>
+            <a:lnRef idx="1">
+              <a:schemeClr val="accent1"/>
+            </a:lnRef>
+            <a:fillRef idx="0">
+              <a:schemeClr val="accent1"/>
+            </a:fillRef>
+            <a:effectRef idx="0">
+              <a:schemeClr val="accent1"/>
+            </a:effectRef>
+            <a:fontRef idx="minor">
+              <a:schemeClr val="tx1"/>
+            </a:fontRef>
+          </p:style>
+        </p:cxnSp>
+      </p:grpSp>
+      <p:grpSp>
+        <p:nvGrpSpPr>
+          <p:cNvPr id="61" name="グループ化 60">
+            <a:extLst>
+              <a:ext uri="{FF2B5EF4-FFF2-40B4-BE49-F238E27FC236}">
+                <a16:creationId xmlns:a16="http://schemas.microsoft.com/office/drawing/2014/main" id="{5B941548-A6CA-2145-A742-4E52F654C929}"/>
+              </a:ext>
+            </a:extLst>
+          </p:cNvPr>
+          <p:cNvGrpSpPr/>
+          <p:nvPr/>
+        </p:nvGrpSpPr>
+        <p:grpSpPr>
+          <a:xfrm>
+            <a:off x="10015272" y="5635081"/>
+            <a:ext cx="560501" cy="1224085"/>
+            <a:chOff x="10568071" y="2251727"/>
+            <a:chExt cx="1534184" cy="3644348"/>
+          </a:xfrm>
+        </p:grpSpPr>
+        <p:sp>
+          <p:nvSpPr>
+            <p:cNvPr id="62" name="円/楕円 61">
+              <a:extLst>
+                <a:ext uri="{FF2B5EF4-FFF2-40B4-BE49-F238E27FC236}">
+                  <a16:creationId xmlns:a16="http://schemas.microsoft.com/office/drawing/2014/main" id="{4C068D96-3DB8-D24B-9263-A887741AFDE3}"/>
+                </a:ext>
+              </a:extLst>
+            </p:cNvPr>
+            <p:cNvSpPr/>
+            <p:nvPr/>
+          </p:nvSpPr>
+          <p:spPr>
+            <a:xfrm>
+              <a:off x="10837767" y="2251727"/>
+              <a:ext cx="1000025" cy="1060687"/>
+            </a:xfrm>
+            <a:prstGeom prst="ellipse">
+              <a:avLst/>
+            </a:prstGeom>
+            <a:solidFill>
+              <a:srgbClr val="C00000"/>
+            </a:solidFill>
+            <a:ln>
+              <a:solidFill>
+                <a:srgbClr val="C00000"/>
+              </a:solidFill>
+            </a:ln>
+          </p:spPr>
+          <p:style>
+            <a:lnRef idx="2">
+              <a:schemeClr val="accent1">
+                <a:shade val="50000"/>
+              </a:schemeClr>
+            </a:lnRef>
+            <a:fillRef idx="1">
+              <a:schemeClr val="accent1"/>
+            </a:fillRef>
+            <a:effectRef idx="0">
+              <a:schemeClr val="accent1"/>
+            </a:effectRef>
+            <a:fontRef idx="minor">
+              <a:schemeClr val="lt1"/>
+            </a:fontRef>
+          </p:style>
+          <p:txBody>
+            <a:bodyPr rtlCol="0" anchor="ctr"/>
+            <a:lstStyle/>
+            <a:p>
+              <a:pPr algn="ctr"/>
+              <a:r>
+                <a:rPr lang="en-US" altLang="ja-JP" dirty="0"/>
+                <a:t>l</a:t>
+              </a:r>
+              <a:endParaRPr kumimoji="1" lang="ja-JP" altLang="en-US"/>
+            </a:p>
+          </p:txBody>
+        </p:sp>
+        <p:sp>
+          <p:nvSpPr>
+            <p:cNvPr id="63" name="正方形/長方形 62">
+              <a:extLst>
+                <a:ext uri="{FF2B5EF4-FFF2-40B4-BE49-F238E27FC236}">
+                  <a16:creationId xmlns:a16="http://schemas.microsoft.com/office/drawing/2014/main" id="{0720864F-9BA4-BD41-98D7-9B366A0A35C0}"/>
+                </a:ext>
+              </a:extLst>
+            </p:cNvPr>
+            <p:cNvSpPr/>
+            <p:nvPr/>
+          </p:nvSpPr>
+          <p:spPr>
+            <a:xfrm>
+              <a:off x="10600452" y="3679479"/>
+              <a:ext cx="1475291" cy="421443"/>
+            </a:xfrm>
+            <a:prstGeom prst="rect">
+              <a:avLst/>
+            </a:prstGeom>
+            <a:solidFill>
+              <a:schemeClr val="accent6">
+                <a:lumMod val="75000"/>
+              </a:schemeClr>
+            </a:solidFill>
+            <a:ln>
+              <a:noFill/>
+            </a:ln>
+          </p:spPr>
+          <p:style>
+            <a:lnRef idx="2">
+              <a:schemeClr val="accent1">
+                <a:shade val="50000"/>
+              </a:schemeClr>
+            </a:lnRef>
+            <a:fillRef idx="1">
+              <a:schemeClr val="accent1"/>
+            </a:fillRef>
+            <a:effectRef idx="0">
+              <a:schemeClr val="accent1"/>
+            </a:effectRef>
+            <a:fontRef idx="minor">
+              <a:schemeClr val="lt1"/>
+            </a:fontRef>
+          </p:style>
+          <p:txBody>
+            <a:bodyPr rtlCol="0" anchor="ctr"/>
+            <a:lstStyle/>
+            <a:p>
+              <a:pPr algn="ctr"/>
+              <a:r>
+                <a:rPr kumimoji="1" lang="en-US" altLang="ja-JP" dirty="0"/>
+                <a:t>l</a:t>
+              </a:r>
+              <a:endParaRPr kumimoji="1" lang="ja-JP" altLang="en-US"/>
+            </a:p>
+          </p:txBody>
+        </p:sp>
+        <p:cxnSp>
+          <p:nvCxnSpPr>
+            <p:cNvPr id="64" name="直線矢印コネクタ 63">
+              <a:extLst>
+                <a:ext uri="{FF2B5EF4-FFF2-40B4-BE49-F238E27FC236}">
+                  <a16:creationId xmlns:a16="http://schemas.microsoft.com/office/drawing/2014/main" id="{397E3C93-7F5F-C740-9515-8A1F104BD2AB}"/>
+                </a:ext>
+              </a:extLst>
+            </p:cNvPr>
+            <p:cNvCxnSpPr>
+              <a:cxnSpLocks/>
+              <a:stCxn id="67" idx="1"/>
+            </p:cNvCxnSpPr>
+            <p:nvPr/>
+          </p:nvCxnSpPr>
+          <p:spPr>
+            <a:xfrm flipH="1" flipV="1">
+              <a:off x="11331032" y="3312417"/>
+              <a:ext cx="7066" cy="1064114"/>
+            </a:xfrm>
+            <a:prstGeom prst="straightConnector1">
+              <a:avLst/>
+            </a:prstGeom>
+            <a:ln>
+              <a:tailEnd type="triangle"/>
+            </a:ln>
+          </p:spPr>
+          <p:style>
+            <a:lnRef idx="1">
+              <a:schemeClr val="accent1"/>
+            </a:lnRef>
+            <a:fillRef idx="0">
+              <a:schemeClr val="accent1"/>
+            </a:fillRef>
+            <a:effectRef idx="0">
+              <a:schemeClr val="accent1"/>
+            </a:effectRef>
+            <a:fontRef idx="minor">
+              <a:schemeClr val="tx1"/>
+            </a:fontRef>
+          </p:style>
+        </p:cxnSp>
+        <p:cxnSp>
+          <p:nvCxnSpPr>
+            <p:cNvPr id="65" name="直線矢印コネクタ 64">
+              <a:extLst>
+                <a:ext uri="{FF2B5EF4-FFF2-40B4-BE49-F238E27FC236}">
+                  <a16:creationId xmlns:a16="http://schemas.microsoft.com/office/drawing/2014/main" id="{4EBD9D68-A850-FF47-AB11-B4FD29ED8AA4}"/>
+                </a:ext>
+              </a:extLst>
+            </p:cNvPr>
+            <p:cNvCxnSpPr>
+              <a:cxnSpLocks/>
+            </p:cNvCxnSpPr>
+            <p:nvPr/>
+          </p:nvCxnSpPr>
+          <p:spPr>
+            <a:xfrm flipH="1" flipV="1">
+              <a:off x="11331032" y="3332294"/>
+              <a:ext cx="560501" cy="1024359"/>
+            </a:xfrm>
+            <a:prstGeom prst="straightConnector1">
+              <a:avLst/>
+            </a:prstGeom>
+            <a:ln>
+              <a:tailEnd type="triangle"/>
+            </a:ln>
+          </p:spPr>
+          <p:style>
+            <a:lnRef idx="1">
+              <a:schemeClr val="accent1"/>
+            </a:lnRef>
+            <a:fillRef idx="0">
+              <a:schemeClr val="accent1"/>
+            </a:fillRef>
+            <a:effectRef idx="0">
+              <a:schemeClr val="accent1"/>
+            </a:effectRef>
+            <a:fontRef idx="minor">
+              <a:schemeClr val="tx1"/>
+            </a:fontRef>
+          </p:style>
+        </p:cxnSp>
+        <p:sp>
+          <p:nvSpPr>
+            <p:cNvPr id="66" name="角丸四角形 65">
+              <a:extLst>
+                <a:ext uri="{FF2B5EF4-FFF2-40B4-BE49-F238E27FC236}">
+                  <a16:creationId xmlns:a16="http://schemas.microsoft.com/office/drawing/2014/main" id="{A54F0A6E-2A0E-8243-91C3-78898668C3D8}"/>
+                </a:ext>
+              </a:extLst>
+            </p:cNvPr>
+            <p:cNvSpPr/>
+            <p:nvPr/>
+          </p:nvSpPr>
+          <p:spPr>
+            <a:xfrm rot="5400000">
+              <a:off x="10019021" y="4918955"/>
+              <a:ext cx="1519544" cy="421444"/>
+            </a:xfrm>
+            <a:prstGeom prst="roundRect">
+              <a:avLst/>
+            </a:prstGeom>
+          </p:spPr>
+          <p:style>
+            <a:lnRef idx="2">
+              <a:schemeClr val="accent1">
+                <a:shade val="50000"/>
+              </a:schemeClr>
+            </a:lnRef>
+            <a:fillRef idx="1">
+              <a:schemeClr val="accent1"/>
+            </a:fillRef>
+            <a:effectRef idx="0">
+              <a:schemeClr val="accent1"/>
+            </a:effectRef>
+            <a:fontRef idx="minor">
+              <a:schemeClr val="lt1"/>
+            </a:fontRef>
+          </p:style>
+          <p:txBody>
+            <a:bodyPr rtlCol="0" anchor="ctr"/>
+            <a:lstStyle/>
+            <a:p>
+              <a:pPr algn="just"/>
+              <a:r>
+                <a:rPr kumimoji="1" lang="en-US" altLang="ja-JP" dirty="0"/>
+                <a:t>l</a:t>
+              </a:r>
+              <a:endParaRPr kumimoji="1" lang="ja-JP" altLang="en-US"/>
+            </a:p>
+          </p:txBody>
+        </p:sp>
+        <p:sp>
+          <p:nvSpPr>
+            <p:cNvPr id="67" name="角丸四角形 66">
+              <a:extLst>
+                <a:ext uri="{FF2B5EF4-FFF2-40B4-BE49-F238E27FC236}">
+                  <a16:creationId xmlns:a16="http://schemas.microsoft.com/office/drawing/2014/main" id="{67FBB3D1-9E71-8B4D-A502-799FB78B9BE1}"/>
+                </a:ext>
+              </a:extLst>
+            </p:cNvPr>
+            <p:cNvSpPr/>
+            <p:nvPr/>
+          </p:nvSpPr>
+          <p:spPr>
+            <a:xfrm rot="5400000">
+              <a:off x="10578326" y="4925581"/>
+              <a:ext cx="1519544" cy="421444"/>
+            </a:xfrm>
+            <a:prstGeom prst="roundRect">
+              <a:avLst/>
+            </a:prstGeom>
+          </p:spPr>
+          <p:style>
+            <a:lnRef idx="2">
+              <a:schemeClr val="accent1">
+                <a:shade val="50000"/>
+              </a:schemeClr>
+            </a:lnRef>
+            <a:fillRef idx="1">
+              <a:schemeClr val="accent1"/>
+            </a:fillRef>
+            <a:effectRef idx="0">
+              <a:schemeClr val="accent1"/>
+            </a:effectRef>
+            <a:fontRef idx="minor">
+              <a:schemeClr val="lt1"/>
+            </a:fontRef>
+          </p:style>
+          <p:txBody>
+            <a:bodyPr rtlCol="0" anchor="ctr"/>
+            <a:lstStyle/>
+            <a:p>
+              <a:pPr algn="just"/>
+              <a:r>
+                <a:rPr kumimoji="1" lang="en-US" altLang="ja-JP" dirty="0"/>
+                <a:t>l</a:t>
+              </a:r>
+              <a:endParaRPr kumimoji="1" lang="ja-JP" altLang="en-US"/>
+            </a:p>
+          </p:txBody>
+        </p:sp>
+        <p:sp>
+          <p:nvSpPr>
+            <p:cNvPr id="68" name="角丸四角形 67">
+              <a:extLst>
+                <a:ext uri="{FF2B5EF4-FFF2-40B4-BE49-F238E27FC236}">
+                  <a16:creationId xmlns:a16="http://schemas.microsoft.com/office/drawing/2014/main" id="{5844BD57-ACAD-6C42-96A4-53FC0BC4F893}"/>
+                </a:ext>
+              </a:extLst>
+            </p:cNvPr>
+            <p:cNvSpPr/>
+            <p:nvPr/>
+          </p:nvSpPr>
+          <p:spPr>
+            <a:xfrm rot="5400000">
+              <a:off x="11131761" y="4918955"/>
+              <a:ext cx="1519544" cy="421444"/>
+            </a:xfrm>
+            <a:prstGeom prst="roundRect">
+              <a:avLst/>
+            </a:prstGeom>
+          </p:spPr>
+          <p:style>
+            <a:lnRef idx="2">
+              <a:schemeClr val="accent1">
+                <a:shade val="50000"/>
+              </a:schemeClr>
+            </a:lnRef>
+            <a:fillRef idx="1">
+              <a:schemeClr val="accent1"/>
+            </a:fillRef>
+            <a:effectRef idx="0">
+              <a:schemeClr val="accent1"/>
+            </a:effectRef>
+            <a:fontRef idx="minor">
+              <a:schemeClr val="lt1"/>
+            </a:fontRef>
+          </p:style>
+          <p:txBody>
+            <a:bodyPr rtlCol="0" anchor="ctr"/>
+            <a:lstStyle/>
+            <a:p>
+              <a:pPr algn="just"/>
+              <a:r>
+                <a:rPr kumimoji="1" lang="en-US" altLang="ja-JP" dirty="0"/>
+                <a:t>l</a:t>
+              </a:r>
+              <a:endParaRPr kumimoji="1" lang="ja-JP" altLang="en-US"/>
+            </a:p>
+          </p:txBody>
+        </p:sp>
+        <p:cxnSp>
+          <p:nvCxnSpPr>
+            <p:cNvPr id="69" name="直線矢印コネクタ 68">
+              <a:extLst>
+                <a:ext uri="{FF2B5EF4-FFF2-40B4-BE49-F238E27FC236}">
+                  <a16:creationId xmlns:a16="http://schemas.microsoft.com/office/drawing/2014/main" id="{90AF087D-0735-E040-8E43-53F089935E7C}"/>
+                </a:ext>
+              </a:extLst>
+            </p:cNvPr>
+            <p:cNvCxnSpPr>
+              <a:cxnSpLocks/>
+              <a:stCxn id="66" idx="1"/>
+            </p:cNvCxnSpPr>
+            <p:nvPr/>
+          </p:nvCxnSpPr>
+          <p:spPr>
+            <a:xfrm flipV="1">
+              <a:off x="10778793" y="3332295"/>
+              <a:ext cx="552238" cy="1037610"/>
+            </a:xfrm>
+            <a:prstGeom prst="straightConnector1">
+              <a:avLst/>
+            </a:prstGeom>
+            <a:ln>
+              <a:tailEnd type="triangle"/>
+            </a:ln>
+          </p:spPr>
+          <p:style>
+            <a:lnRef idx="1">
+              <a:schemeClr val="accent1"/>
+            </a:lnRef>
+            <a:fillRef idx="0">
+              <a:schemeClr val="accent1"/>
+            </a:fillRef>
+            <a:effectRef idx="0">
+              <a:schemeClr val="accent1"/>
+            </a:effectRef>
+            <a:fontRef idx="minor">
+              <a:schemeClr val="tx1"/>
+            </a:fontRef>
+          </p:style>
+        </p:cxnSp>
+      </p:grpSp>
+      <p:cxnSp>
+        <p:nvCxnSpPr>
+          <p:cNvPr id="71" name="直線コネクタ 70">
+            <a:extLst>
+              <a:ext uri="{FF2B5EF4-FFF2-40B4-BE49-F238E27FC236}">
+                <a16:creationId xmlns:a16="http://schemas.microsoft.com/office/drawing/2014/main" id="{AFDA4E43-1CF6-C84F-86D1-1D37772F5D0A}"/>
+              </a:ext>
+            </a:extLst>
+          </p:cNvPr>
+          <p:cNvCxnSpPr>
+            <a:cxnSpLocks/>
+          </p:cNvCxnSpPr>
+          <p:nvPr/>
+        </p:nvCxnSpPr>
+        <p:spPr>
+          <a:xfrm flipV="1">
+            <a:off x="10627968" y="692944"/>
+            <a:ext cx="0" cy="890803"/>
+          </a:xfrm>
+          <a:prstGeom prst="line">
+            <a:avLst/>
+          </a:prstGeom>
+          <a:ln w="34925">
+            <a:solidFill>
+              <a:schemeClr val="accent6">
+                <a:lumMod val="75000"/>
+              </a:schemeClr>
+            </a:solidFill>
+          </a:ln>
+        </p:spPr>
+        <p:style>
+          <a:lnRef idx="1">
+            <a:schemeClr val="accent1"/>
+          </a:lnRef>
+          <a:fillRef idx="0">
+            <a:schemeClr val="accent1"/>
+          </a:fillRef>
+          <a:effectRef idx="0">
+            <a:schemeClr val="accent1"/>
+          </a:effectRef>
+          <a:fontRef idx="minor">
+            <a:schemeClr val="tx1"/>
+          </a:fontRef>
+        </p:style>
+      </p:cxnSp>
+      <p:cxnSp>
+        <p:nvCxnSpPr>
+          <p:cNvPr id="73" name="直線コネクタ 72">
+            <a:extLst>
+              <a:ext uri="{FF2B5EF4-FFF2-40B4-BE49-F238E27FC236}">
+                <a16:creationId xmlns:a16="http://schemas.microsoft.com/office/drawing/2014/main" id="{2089698D-A994-504A-8C00-2FA186474692}"/>
+              </a:ext>
+            </a:extLst>
+          </p:cNvPr>
+          <p:cNvCxnSpPr>
+            <a:cxnSpLocks/>
+          </p:cNvCxnSpPr>
+          <p:nvPr/>
+        </p:nvCxnSpPr>
+        <p:spPr>
+          <a:xfrm flipV="1">
+            <a:off x="10910186" y="307181"/>
+            <a:ext cx="0" cy="1276565"/>
+          </a:xfrm>
+          <a:prstGeom prst="line">
+            <a:avLst/>
+          </a:prstGeom>
+          <a:ln w="34925">
+            <a:solidFill>
+              <a:schemeClr val="accent6">
+                <a:lumMod val="75000"/>
+              </a:schemeClr>
+            </a:solidFill>
+          </a:ln>
+        </p:spPr>
+        <p:style>
+          <a:lnRef idx="1">
+            <a:schemeClr val="accent1"/>
+          </a:lnRef>
+          <a:fillRef idx="0">
+            <a:schemeClr val="accent1"/>
+          </a:fillRef>
+          <a:effectRef idx="0">
+            <a:schemeClr val="accent1"/>
+          </a:effectRef>
+          <a:fontRef idx="minor">
+            <a:schemeClr val="tx1"/>
+          </a:fontRef>
+        </p:style>
+      </p:cxnSp>
+      <p:cxnSp>
+        <p:nvCxnSpPr>
+          <p:cNvPr id="77" name="直線コネクタ 76">
+            <a:extLst>
+              <a:ext uri="{FF2B5EF4-FFF2-40B4-BE49-F238E27FC236}">
+                <a16:creationId xmlns:a16="http://schemas.microsoft.com/office/drawing/2014/main" id="{E4DF022D-6C33-7542-A8F1-8A0C7C3C2E6C}"/>
+              </a:ext>
+            </a:extLst>
+          </p:cNvPr>
+          <p:cNvCxnSpPr>
+            <a:cxnSpLocks/>
+          </p:cNvCxnSpPr>
+          <p:nvPr/>
+        </p:nvCxnSpPr>
+        <p:spPr>
+          <a:xfrm flipV="1">
+            <a:off x="11173275" y="1112043"/>
+            <a:ext cx="0" cy="471703"/>
+          </a:xfrm>
+          <a:prstGeom prst="line">
+            <a:avLst/>
+          </a:prstGeom>
+          <a:ln w="34925">
+            <a:solidFill>
+              <a:schemeClr val="accent6">
+                <a:lumMod val="75000"/>
+              </a:schemeClr>
+            </a:solidFill>
+          </a:ln>
+        </p:spPr>
+        <p:style>
+          <a:lnRef idx="1">
+            <a:schemeClr val="accent1"/>
+          </a:lnRef>
+          <a:fillRef idx="0">
+            <a:schemeClr val="accent1"/>
+          </a:fillRef>
+          <a:effectRef idx="0">
+            <a:schemeClr val="accent1"/>
+          </a:effectRef>
+          <a:fontRef idx="minor">
+            <a:schemeClr val="tx1"/>
+          </a:fontRef>
+        </p:style>
+      </p:cxnSp>
+      <p:cxnSp>
+        <p:nvCxnSpPr>
+          <p:cNvPr id="81" name="直線コネクタ 80">
+            <a:extLst>
+              <a:ext uri="{FF2B5EF4-FFF2-40B4-BE49-F238E27FC236}">
+                <a16:creationId xmlns:a16="http://schemas.microsoft.com/office/drawing/2014/main" id="{B3F43300-6560-B344-98C8-51D56861D548}"/>
+              </a:ext>
+            </a:extLst>
+          </p:cNvPr>
+          <p:cNvCxnSpPr>
+            <a:cxnSpLocks/>
+          </p:cNvCxnSpPr>
+          <p:nvPr/>
+        </p:nvCxnSpPr>
+        <p:spPr>
+          <a:xfrm flipV="1">
+            <a:off x="10421802" y="1264444"/>
+            <a:ext cx="0" cy="319304"/>
+          </a:xfrm>
+          <a:prstGeom prst="line">
+            <a:avLst/>
+          </a:prstGeom>
+          <a:ln w="34925">
+            <a:solidFill>
+              <a:schemeClr val="accent6">
+                <a:lumMod val="75000"/>
+              </a:schemeClr>
+            </a:solidFill>
+          </a:ln>
+        </p:spPr>
+        <p:style>
+          <a:lnRef idx="1">
+            <a:schemeClr val="accent1"/>
+          </a:lnRef>
+          <a:fillRef idx="0">
+            <a:schemeClr val="accent1"/>
+          </a:fillRef>
+          <a:effectRef idx="0">
+            <a:schemeClr val="accent1"/>
+          </a:effectRef>
+          <a:fontRef idx="minor">
+            <a:schemeClr val="tx1"/>
+          </a:fontRef>
+        </p:style>
+      </p:cxnSp>
+      <p:cxnSp>
+        <p:nvCxnSpPr>
+          <p:cNvPr id="84" name="直線矢印コネクタ 83">
+            <a:extLst>
+              <a:ext uri="{FF2B5EF4-FFF2-40B4-BE49-F238E27FC236}">
+                <a16:creationId xmlns:a16="http://schemas.microsoft.com/office/drawing/2014/main" id="{206FDA22-995E-184E-AB42-40D6CCF1E143}"/>
+              </a:ext>
+            </a:extLst>
+          </p:cNvPr>
+          <p:cNvCxnSpPr>
+            <a:cxnSpLocks/>
+          </p:cNvCxnSpPr>
+          <p:nvPr/>
+        </p:nvCxnSpPr>
+        <p:spPr>
+          <a:xfrm flipH="1">
+            <a:off x="9803993" y="1529985"/>
+            <a:ext cx="600494" cy="1796136"/>
+          </a:xfrm>
+          <a:prstGeom prst="straightConnector1">
+            <a:avLst/>
+          </a:prstGeom>
+          <a:ln>
+            <a:solidFill>
+              <a:schemeClr val="accent6">
+                <a:lumMod val="75000"/>
+              </a:schemeClr>
+            </a:solidFill>
+            <a:prstDash val="sysDash"/>
+            <a:tailEnd type="triangle"/>
+          </a:ln>
+        </p:spPr>
+        <p:style>
+          <a:lnRef idx="1">
+            <a:schemeClr val="accent1"/>
+          </a:lnRef>
+          <a:fillRef idx="0">
+            <a:schemeClr val="accent1"/>
+          </a:fillRef>
+          <a:effectRef idx="0">
+            <a:schemeClr val="accent1"/>
+          </a:effectRef>
+          <a:fontRef idx="minor">
+            <a:schemeClr val="tx1"/>
+          </a:fontRef>
+        </p:style>
+      </p:cxnSp>
+      <p:cxnSp>
+        <p:nvCxnSpPr>
+          <p:cNvPr id="87" name="直線矢印コネクタ 86">
+            <a:extLst>
+              <a:ext uri="{FF2B5EF4-FFF2-40B4-BE49-F238E27FC236}">
+                <a16:creationId xmlns:a16="http://schemas.microsoft.com/office/drawing/2014/main" id="{C21EE3EB-0E1C-A64D-AD1F-C6FC6322262E}"/>
+              </a:ext>
+            </a:extLst>
+          </p:cNvPr>
+          <p:cNvCxnSpPr>
+            <a:cxnSpLocks/>
+          </p:cNvCxnSpPr>
+          <p:nvPr/>
+        </p:nvCxnSpPr>
+        <p:spPr>
+          <a:xfrm flipH="1">
+            <a:off x="10910186" y="1553143"/>
+            <a:ext cx="231946" cy="1944600"/>
+          </a:xfrm>
+          <a:prstGeom prst="straightConnector1">
+            <a:avLst/>
+          </a:prstGeom>
+          <a:ln>
+            <a:solidFill>
+              <a:schemeClr val="accent6">
+                <a:lumMod val="75000"/>
+              </a:schemeClr>
+            </a:solidFill>
+            <a:prstDash val="sysDash"/>
+            <a:tailEnd type="triangle"/>
+          </a:ln>
+        </p:spPr>
+        <p:style>
+          <a:lnRef idx="1">
+            <a:schemeClr val="accent1"/>
+          </a:lnRef>
+          <a:fillRef idx="0">
+            <a:schemeClr val="accent1"/>
+          </a:fillRef>
+          <a:effectRef idx="0">
+            <a:schemeClr val="accent1"/>
+          </a:effectRef>
+          <a:fontRef idx="minor">
+            <a:schemeClr val="tx1"/>
+          </a:fontRef>
+        </p:style>
+      </p:cxnSp>
+      <p:cxnSp>
+        <p:nvCxnSpPr>
+          <p:cNvPr id="89" name="直線矢印コネクタ 88">
+            <a:extLst>
+              <a:ext uri="{FF2B5EF4-FFF2-40B4-BE49-F238E27FC236}">
+                <a16:creationId xmlns:a16="http://schemas.microsoft.com/office/drawing/2014/main" id="{DD7D3948-DDC0-004F-AE46-536BCAC774D5}"/>
+              </a:ext>
+            </a:extLst>
+          </p:cNvPr>
+          <p:cNvCxnSpPr>
+            <a:cxnSpLocks/>
+          </p:cNvCxnSpPr>
+          <p:nvPr/>
+        </p:nvCxnSpPr>
+        <p:spPr>
+          <a:xfrm flipH="1">
+            <a:off x="10438803" y="1570631"/>
+            <a:ext cx="434364" cy="4562363"/>
+          </a:xfrm>
+          <a:prstGeom prst="straightConnector1">
+            <a:avLst/>
+          </a:prstGeom>
+          <a:ln>
+            <a:solidFill>
+              <a:schemeClr val="accent6">
+                <a:lumMod val="75000"/>
+              </a:schemeClr>
+            </a:solidFill>
+            <a:prstDash val="sysDash"/>
+            <a:tailEnd type="triangle"/>
+          </a:ln>
+        </p:spPr>
+        <p:style>
+          <a:lnRef idx="1">
+            <a:schemeClr val="accent1"/>
+          </a:lnRef>
+          <a:fillRef idx="0">
+            <a:schemeClr val="accent1"/>
+          </a:fillRef>
+          <a:effectRef idx="0">
+            <a:schemeClr val="accent1"/>
+          </a:effectRef>
+          <a:fontRef idx="minor">
+            <a:schemeClr val="tx1"/>
+          </a:fontRef>
+        </p:style>
+      </p:cxnSp>
+      <p:cxnSp>
+        <p:nvCxnSpPr>
+          <p:cNvPr id="92" name="直線矢印コネクタ 91">
+            <a:extLst>
+              <a:ext uri="{FF2B5EF4-FFF2-40B4-BE49-F238E27FC236}">
+                <a16:creationId xmlns:a16="http://schemas.microsoft.com/office/drawing/2014/main" id="{ED706CAD-9923-594C-BCFC-96AD2AD647E5}"/>
+              </a:ext>
+            </a:extLst>
+          </p:cNvPr>
+          <p:cNvCxnSpPr>
+            <a:cxnSpLocks/>
+          </p:cNvCxnSpPr>
+          <p:nvPr/>
+        </p:nvCxnSpPr>
+        <p:spPr>
+          <a:xfrm flipH="1">
+            <a:off x="9827412" y="1563860"/>
+            <a:ext cx="783531" cy="4513715"/>
+          </a:xfrm>
+          <a:prstGeom prst="straightConnector1">
+            <a:avLst/>
+          </a:prstGeom>
+          <a:ln>
+            <a:solidFill>
+              <a:schemeClr val="accent6">
+                <a:lumMod val="75000"/>
+              </a:schemeClr>
+            </a:solidFill>
+            <a:prstDash val="sysDash"/>
+            <a:tailEnd type="triangle"/>
+          </a:ln>
+        </p:spPr>
+        <p:style>
+          <a:lnRef idx="1">
+            <a:schemeClr val="accent1"/>
+          </a:lnRef>
+          <a:fillRef idx="0">
+            <a:schemeClr val="accent1"/>
+          </a:fillRef>
+          <a:effectRef idx="0">
+            <a:schemeClr val="accent1"/>
+          </a:effectRef>
+          <a:fontRef idx="minor">
+            <a:schemeClr val="tx1"/>
+          </a:fontRef>
+        </p:style>
+      </p:cxnSp>
     </p:spTree>
     <p:extLst>
       <p:ext uri="{BB962C8B-B14F-4D97-AF65-F5344CB8AC3E}">
-        <p14:creationId xmlns:p14="http://schemas.microsoft.com/office/powerpoint/2010/main" val="1216965000"/>
+        <p14:creationId xmlns:p14="http://schemas.microsoft.com/office/powerpoint/2010/main" val="2426103001"/>
       </p:ext>
     </p:extLst>
   </p:cSld>
@@ -4946,7 +8059,7 @@
           <p:cNvPr id="2" name="タイトル 1">
             <a:extLst>
               <a:ext uri="{FF2B5EF4-FFF2-40B4-BE49-F238E27FC236}">
-                <a16:creationId xmlns:a16="http://schemas.microsoft.com/office/drawing/2014/main" id="{8735B3ED-534B-9148-BE43-146E345053C2}"/>
+                <a16:creationId xmlns:a16="http://schemas.microsoft.com/office/drawing/2014/main" id="{4A961BD8-DD10-8B41-BC1D-B7691DF18879}"/>
               </a:ext>
             </a:extLst>
           </p:cNvPr>
@@ -4964,19 +8077,7 @@
           <a:p>
             <a:r>
               <a:rPr kumimoji="1" lang="ja-JP" altLang="en-US"/>
-              <a:t>カイ二乗（</a:t>
-            </a:r>
-            <a:r>
-              <a:rPr kumimoji="1" lang="en-US" altLang="ja-JP" dirty="0"/>
-              <a:t>Χ</a:t>
-            </a:r>
-            <a:r>
-              <a:rPr kumimoji="1" lang="en-US" altLang="ja-JP" baseline="30000" dirty="0"/>
-              <a:t>2</a:t>
-            </a:r>
-            <a:r>
-              <a:rPr kumimoji="1" lang="ja-JP" altLang="en-US"/>
-              <a:t>）と検定</a:t>
+              <a:t>どのようなランダム効果があるか？</a:t>
             </a:r>
           </a:p>
         </p:txBody>
@@ -4986,7 +8087,7 @@
           <p:cNvPr id="3" name="コンテンツ プレースホルダー 2">
             <a:extLst>
               <a:ext uri="{FF2B5EF4-FFF2-40B4-BE49-F238E27FC236}">
-                <a16:creationId xmlns:a16="http://schemas.microsoft.com/office/drawing/2014/main" id="{53329B6A-02E6-674F-BCF0-66057978508F}"/>
+                <a16:creationId xmlns:a16="http://schemas.microsoft.com/office/drawing/2014/main" id="{6B5549BF-3578-5C45-9242-2BFB7DB143DA}"/>
               </a:ext>
             </a:extLst>
           </p:cNvPr>
@@ -4999,253 +8100,1310 @@
         </p:nvSpPr>
         <p:spPr>
           <a:xfrm>
-            <a:off x="838199" y="1825625"/>
-            <a:ext cx="10863649" cy="4351338"/>
+            <a:off x="838200" y="1825625"/>
+            <a:ext cx="6818156" cy="4351338"/>
           </a:xfrm>
         </p:spPr>
         <p:txBody>
           <a:bodyPr>
-            <a:normAutofit/>
+            <a:normAutofit lnSpcReduction="10000"/>
           </a:bodyPr>
           <a:lstStyle/>
           <a:p>
             <a:r>
-              <a:rPr kumimoji="1" lang="ja-JP" altLang="en-US"/>
-              <a:t>カイ</a:t>
-            </a:r>
-            <a:r>
-              <a:rPr kumimoji="1" lang="en-US" altLang="ja-JP" dirty="0"/>
-              <a:t>2</a:t>
-            </a:r>
-            <a:r>
-              <a:rPr kumimoji="1" lang="ja-JP" altLang="en-US"/>
-              <a:t>乗とは、観測値</a:t>
-            </a:r>
-            <a:r>
-              <a:rPr kumimoji="1" lang="en-US" altLang="ja-JP" dirty="0"/>
-              <a:t>O</a:t>
-            </a:r>
-            <a:r>
-              <a:rPr kumimoji="1" lang="ja-JP" altLang="en-US"/>
-              <a:t>とモデルによる推定値（期待値）</a:t>
-            </a:r>
-            <a:r>
-              <a:rPr kumimoji="1" lang="en-US" altLang="ja-JP" dirty="0"/>
-              <a:t>E</a:t>
-            </a:r>
-            <a:r>
-              <a:rPr kumimoji="1" lang="ja-JP" altLang="en-US"/>
-              <a:t>との差分の二乗</a:t>
-            </a:r>
-            <a:r>
-              <a:rPr kumimoji="1" lang="en-US" altLang="ja-JP" dirty="0"/>
-              <a:t>(O-E)</a:t>
-            </a:r>
-            <a:r>
-              <a:rPr kumimoji="1" lang="ja-JP" altLang="en-US"/>
-              <a:t>を</a:t>
-            </a:r>
-            <a:r>
-              <a:rPr kumimoji="1" lang="en-US" altLang="ja-JP" dirty="0"/>
-              <a:t>E</a:t>
-            </a:r>
-            <a:r>
-              <a:rPr kumimoji="1" lang="ja-JP" altLang="en-US"/>
-              <a:t>で割った総和．</a:t>
+              <a:rPr lang="ja-JP" altLang="en-US"/>
+              <a:t>個別の事情は異なるカテゴリごとの場合もあれば、あるカテゴリのさらに下の階層を含む場合もある．</a:t>
+            </a:r>
+            <a:endParaRPr lang="en-US" altLang="ja-JP" dirty="0"/>
+          </a:p>
+          <a:p>
+            <a:pPr lvl="1"/>
+            <a:r>
+              <a:rPr lang="ja-JP" altLang="en-US"/>
+              <a:t>船</a:t>
+            </a:r>
+            <a:r>
+              <a:rPr kumimoji="1" lang="ja-JP" altLang="en-US"/>
+              <a:t>・温度で漁獲のデータを説明するにあたって、操業した海域によって漁獲が異なる場合</a:t>
             </a:r>
             <a:endParaRPr kumimoji="1" lang="en-US" altLang="ja-JP" dirty="0"/>
           </a:p>
           <a:p>
             <a:pPr lvl="1"/>
             <a:r>
+              <a:rPr kumimoji="1" lang="ja-JP" altLang="en-US"/>
+              <a:t>上記に加えて季節によって漁獲が異なる場合</a:t>
+            </a:r>
+            <a:endParaRPr kumimoji="1" lang="en-US" altLang="ja-JP" dirty="0"/>
+          </a:p>
+          <a:p>
+            <a:pPr lvl="1"/>
+            <a:r>
               <a:rPr lang="ja-JP" altLang="en-US"/>
-              <a:t>サンプルサイズが</a:t>
-            </a:r>
-            <a:r>
-              <a:rPr lang="en-US" altLang="ja-JP" dirty="0"/>
-              <a:t>n</a:t>
-            </a:r>
+              <a:t>上記に加えて操業海域ごとに漁具が異なり、漁獲に影響する場合</a:t>
+            </a:r>
+            <a:endParaRPr lang="en-US" altLang="ja-JP" dirty="0"/>
+          </a:p>
+          <a:p>
+            <a:pPr lvl="1"/>
             <a:r>
               <a:rPr lang="ja-JP" altLang="en-US"/>
-              <a:t>のとき、</a:t>
-            </a:r>
-            <a:r>
-              <a:rPr lang="en-US" altLang="ja-JP" dirty="0"/>
-              <a:t>Χ</a:t>
-            </a:r>
-            <a:r>
-              <a:rPr lang="en-US" altLang="ja-JP" baseline="30000" dirty="0"/>
-              <a:t>2</a:t>
-            </a:r>
-            <a:r>
-              <a:rPr lang="en-US" altLang="ja-JP" dirty="0"/>
-              <a:t> = </a:t>
-            </a:r>
-            <a:r>
-              <a:rPr lang="en-US" altLang="ja-JP" dirty="0" err="1"/>
-              <a:t>Σ</a:t>
-            </a:r>
-            <a:r>
-              <a:rPr lang="en-US" altLang="ja-JP" baseline="-25000" dirty="0" err="1"/>
-              <a:t>i</a:t>
-            </a:r>
-            <a:r>
-              <a:rPr lang="en-US" altLang="ja-JP" baseline="-25000" dirty="0"/>
-              <a:t>=1</a:t>
-            </a:r>
-            <a:r>
-              <a:rPr lang="en-US" altLang="ja-JP" baseline="30000" dirty="0"/>
-              <a:t>n</a:t>
-            </a:r>
-            <a:r>
-              <a:rPr lang="en-US" altLang="ja-JP" dirty="0"/>
-              <a:t>(O</a:t>
-            </a:r>
-            <a:r>
-              <a:rPr lang="en-US" altLang="ja-JP" baseline="-25000" dirty="0"/>
-              <a:t>i</a:t>
-            </a:r>
-            <a:r>
-              <a:rPr lang="en-US" altLang="ja-JP" dirty="0"/>
-              <a:t>-</a:t>
-            </a:r>
-            <a:r>
-              <a:rPr lang="en-US" altLang="ja-JP" dirty="0" err="1"/>
-              <a:t>E</a:t>
-            </a:r>
-            <a:r>
-              <a:rPr lang="en-US" altLang="ja-JP" baseline="-25000" dirty="0" err="1"/>
-              <a:t>i</a:t>
-            </a:r>
-            <a:r>
-              <a:rPr lang="en-US" altLang="ja-JP" dirty="0"/>
-              <a:t>)</a:t>
-            </a:r>
-            <a:r>
-              <a:rPr lang="en-US" altLang="ja-JP" baseline="30000" dirty="0"/>
-              <a:t>^2</a:t>
-            </a:r>
-            <a:r>
-              <a:rPr lang="en-US" altLang="ja-JP" dirty="0"/>
-              <a:t>/</a:t>
-            </a:r>
-            <a:r>
-              <a:rPr lang="en-US" altLang="ja-JP" dirty="0" err="1"/>
-              <a:t>E</a:t>
-            </a:r>
-            <a:r>
-              <a:rPr lang="en-US" altLang="ja-JP" baseline="-25000" dirty="0" err="1"/>
-              <a:t>i</a:t>
-            </a:r>
-            <a:endParaRPr lang="en-US" altLang="ja-JP" baseline="-25000" dirty="0"/>
-          </a:p>
-          <a:p>
-            <a:pPr lvl="1"/>
-            <a:endParaRPr lang="en-US" altLang="ja-JP" dirty="0"/>
-          </a:p>
-          <a:p>
-            <a:r>
-              <a:rPr kumimoji="1" lang="ja-JP" altLang="en-US"/>
-              <a:t>ジャンケンで出す手（グー、チョキ、パー）の例．</a:t>
-            </a:r>
-            <a:endParaRPr kumimoji="1" lang="en-US" altLang="ja-JP" dirty="0"/>
-          </a:p>
-          <a:p>
-            <a:pPr lvl="1"/>
-            <a:r>
-              <a:rPr kumimoji="1" lang="ja-JP" altLang="en-US"/>
-              <a:t>出す手に偏りがない場合</a:t>
-            </a:r>
-            <a:r>
-              <a:rPr lang="ja-JP" altLang="en-US"/>
-              <a:t>（確率</a:t>
-            </a:r>
-            <a:r>
-              <a:rPr lang="en-US" altLang="ja-JP" dirty="0"/>
-              <a:t>1/3</a:t>
-            </a:r>
-            <a:r>
-              <a:rPr lang="ja-JP" altLang="en-US"/>
-              <a:t>でそれぞれの手を出す場合）、</a:t>
-            </a:r>
-            <a:r>
-              <a:rPr lang="en-US" altLang="ja-JP" dirty="0"/>
-              <a:t>100</a:t>
-            </a:r>
-            <a:r>
-              <a:rPr lang="ja-JP" altLang="en-US"/>
-              <a:t>回ジャンケンをするとそれぞれの手が出る期待値は</a:t>
-            </a:r>
-            <a:r>
-              <a:rPr lang="en-US" altLang="ja-JP" dirty="0"/>
-              <a:t>(100/3, 100/3, 100/3)</a:t>
-            </a:r>
-            <a:r>
-              <a:rPr lang="ja-JP" altLang="en-US"/>
-              <a:t>．</a:t>
-            </a:r>
-            <a:endParaRPr lang="en-US" altLang="ja-JP" dirty="0"/>
-          </a:p>
-          <a:p>
-            <a:pPr lvl="1"/>
-            <a:r>
-              <a:rPr lang="ja-JP" altLang="en-US"/>
-              <a:t>これに対して</a:t>
-            </a:r>
-            <a:r>
-              <a:rPr lang="en-US" altLang="ja-JP" dirty="0"/>
-              <a:t>100</a:t>
-            </a:r>
-            <a:r>
-              <a:rPr lang="ja-JP" altLang="en-US"/>
-              <a:t>回のジャンケンで</a:t>
-            </a:r>
-            <a:r>
-              <a:rPr lang="en-US" altLang="ja-JP" dirty="0"/>
-              <a:t>(40,20,40)</a:t>
-            </a:r>
-            <a:r>
-              <a:rPr lang="ja-JP" altLang="en-US"/>
-              <a:t>が観測されたとする．</a:t>
-            </a:r>
-          </a:p>
-          <a:p>
-            <a:pPr lvl="1"/>
-            <a:r>
-              <a:rPr kumimoji="1" lang="ja-JP" altLang="en-US"/>
-              <a:t>このとき、カイ二乗は</a:t>
-            </a:r>
-            <a:endParaRPr kumimoji="1" lang="en-US" altLang="ja-JP" dirty="0"/>
-          </a:p>
-          <a:p>
-            <a:pPr marL="457200" lvl="1" indent="0">
-              <a:buNone/>
-            </a:pPr>
-            <a:r>
-              <a:rPr kumimoji="1" lang="en-US" altLang="ja-JP" dirty="0"/>
-              <a:t>    [(40-100/3</a:t>
-            </a:r>
-            <a:r>
-              <a:rPr lang="en-US" altLang="ja-JP" dirty="0"/>
-              <a:t>)^2+(20-100/3) ^2+(40-100/3) ^2]/(100/3) =8</a:t>
-            </a:r>
-          </a:p>
-          <a:p>
-            <a:pPr marL="457200" lvl="1" indent="0">
-              <a:buNone/>
-            </a:pPr>
+              <a:t>ただし、どちらも固定効果にすることが妥当でない</a:t>
+            </a:r>
             <a:endParaRPr kumimoji="1" lang="en-US" altLang="ja-JP" dirty="0"/>
           </a:p>
           <a:p>
             <a:pPr lvl="1"/>
             <a:endParaRPr kumimoji="1" lang="en-US" altLang="ja-JP" dirty="0"/>
           </a:p>
+          <a:p>
+            <a:pPr lvl="1"/>
+            <a:endParaRPr kumimoji="1" lang="en-US" altLang="ja-JP" dirty="0"/>
+          </a:p>
+          <a:p>
+            <a:endParaRPr kumimoji="1" lang="en-US" altLang="ja-JP" dirty="0"/>
+          </a:p>
+          <a:p>
+            <a:endParaRPr kumimoji="1" lang="ja-JP" altLang="en-US"/>
+          </a:p>
         </p:txBody>
       </p:sp>
+      <p:grpSp>
+        <p:nvGrpSpPr>
+          <p:cNvPr id="24" name="グループ化 23">
+            <a:extLst>
+              <a:ext uri="{FF2B5EF4-FFF2-40B4-BE49-F238E27FC236}">
+                <a16:creationId xmlns:a16="http://schemas.microsoft.com/office/drawing/2014/main" id="{2E8AD1A7-A6E4-9243-94F2-13D126315599}"/>
+              </a:ext>
+            </a:extLst>
+          </p:cNvPr>
+          <p:cNvGrpSpPr/>
+          <p:nvPr/>
+        </p:nvGrpSpPr>
+        <p:grpSpPr>
+          <a:xfrm>
+            <a:off x="7844167" y="1165972"/>
+            <a:ext cx="1582247" cy="3644348"/>
+            <a:chOff x="8139525" y="2251510"/>
+            <a:chExt cx="1582247" cy="3644348"/>
+          </a:xfrm>
+        </p:grpSpPr>
+        <p:grpSp>
+          <p:nvGrpSpPr>
+            <p:cNvPr id="4" name="グループ化 3">
+              <a:extLst>
+                <a:ext uri="{FF2B5EF4-FFF2-40B4-BE49-F238E27FC236}">
+                  <a16:creationId xmlns:a16="http://schemas.microsoft.com/office/drawing/2014/main" id="{2DD02C40-B7C6-7E42-8ADA-DC11351255C1}"/>
+                </a:ext>
+              </a:extLst>
+            </p:cNvPr>
+            <p:cNvGrpSpPr/>
+            <p:nvPr/>
+          </p:nvGrpSpPr>
+          <p:grpSpPr>
+            <a:xfrm>
+              <a:off x="8139525" y="2251510"/>
+              <a:ext cx="1576371" cy="3644348"/>
+              <a:chOff x="10525884" y="2251727"/>
+              <a:chExt cx="1576371" cy="3644348"/>
+            </a:xfrm>
+          </p:grpSpPr>
+          <p:sp>
+            <p:nvSpPr>
+              <p:cNvPr id="5" name="円/楕円 4">
+                <a:extLst>
+                  <a:ext uri="{FF2B5EF4-FFF2-40B4-BE49-F238E27FC236}">
+                    <a16:creationId xmlns:a16="http://schemas.microsoft.com/office/drawing/2014/main" id="{66A6CF0D-8134-8F4D-84B1-E646B256BC36}"/>
+                  </a:ext>
+                </a:extLst>
+              </p:cNvPr>
+              <p:cNvSpPr/>
+              <p:nvPr/>
+            </p:nvSpPr>
+            <p:spPr>
+              <a:xfrm>
+                <a:off x="10837767" y="2251727"/>
+                <a:ext cx="1000025" cy="1060687"/>
+              </a:xfrm>
+              <a:prstGeom prst="ellipse">
+                <a:avLst/>
+              </a:prstGeom>
+              <a:solidFill>
+                <a:srgbClr val="C00000"/>
+              </a:solidFill>
+              <a:ln>
+                <a:solidFill>
+                  <a:srgbClr val="C00000"/>
+                </a:solidFill>
+              </a:ln>
+            </p:spPr>
+            <p:style>
+              <a:lnRef idx="2">
+                <a:schemeClr val="accent1">
+                  <a:shade val="50000"/>
+                </a:schemeClr>
+              </a:lnRef>
+              <a:fillRef idx="1">
+                <a:schemeClr val="accent1"/>
+              </a:fillRef>
+              <a:effectRef idx="0">
+                <a:schemeClr val="accent1"/>
+              </a:effectRef>
+              <a:fontRef idx="minor">
+                <a:schemeClr val="lt1"/>
+              </a:fontRef>
+            </p:style>
+            <p:txBody>
+              <a:bodyPr rtlCol="0" anchor="ctr"/>
+              <a:lstStyle/>
+              <a:p>
+                <a:pPr algn="ctr"/>
+                <a:r>
+                  <a:rPr lang="ja-JP" altLang="en-US"/>
+                  <a:t>目的変数</a:t>
+                </a:r>
+                <a:r>
+                  <a:rPr lang="en-US" altLang="ja-JP" dirty="0"/>
+                  <a:t> </a:t>
+                </a:r>
+                <a:endParaRPr kumimoji="1" lang="ja-JP" altLang="en-US"/>
+              </a:p>
+            </p:txBody>
+          </p:sp>
+          <p:sp>
+            <p:nvSpPr>
+              <p:cNvPr id="6" name="正方形/長方形 5">
+                <a:extLst>
+                  <a:ext uri="{FF2B5EF4-FFF2-40B4-BE49-F238E27FC236}">
+                    <a16:creationId xmlns:a16="http://schemas.microsoft.com/office/drawing/2014/main" id="{F21EDA2C-200E-9440-9917-4C8EDB351FD3}"/>
+                  </a:ext>
+                </a:extLst>
+              </p:cNvPr>
+              <p:cNvSpPr/>
+              <p:nvPr/>
+            </p:nvSpPr>
+            <p:spPr>
+              <a:xfrm>
+                <a:off x="10525884" y="3447351"/>
+                <a:ext cx="1576371" cy="421443"/>
+              </a:xfrm>
+              <a:prstGeom prst="rect">
+                <a:avLst/>
+              </a:prstGeom>
+              <a:solidFill>
+                <a:schemeClr val="accent6">
+                  <a:lumMod val="75000"/>
+                </a:schemeClr>
+              </a:solidFill>
+              <a:ln>
+                <a:noFill/>
+              </a:ln>
+            </p:spPr>
+            <p:style>
+              <a:lnRef idx="2">
+                <a:schemeClr val="accent1">
+                  <a:shade val="50000"/>
+                </a:schemeClr>
+              </a:lnRef>
+              <a:fillRef idx="1">
+                <a:schemeClr val="accent1"/>
+              </a:fillRef>
+              <a:effectRef idx="0">
+                <a:schemeClr val="accent1"/>
+              </a:effectRef>
+              <a:fontRef idx="minor">
+                <a:schemeClr val="lt1"/>
+              </a:fontRef>
+            </p:style>
+            <p:txBody>
+              <a:bodyPr rtlCol="0" anchor="ctr"/>
+              <a:lstStyle/>
+              <a:p>
+                <a:pPr algn="ctr"/>
+                <a:r>
+                  <a:rPr lang="ja-JP" altLang="en-US"/>
+                  <a:t>個別の事情</a:t>
+                </a:r>
+                <a:r>
+                  <a:rPr lang="en-US" altLang="ja-JP" dirty="0"/>
+                  <a:t>A</a:t>
+                </a:r>
+                <a:endParaRPr kumimoji="1" lang="ja-JP" altLang="en-US"/>
+              </a:p>
+            </p:txBody>
+          </p:sp>
+          <p:cxnSp>
+            <p:nvCxnSpPr>
+              <p:cNvPr id="7" name="直線矢印コネクタ 6">
+                <a:extLst>
+                  <a:ext uri="{FF2B5EF4-FFF2-40B4-BE49-F238E27FC236}">
+                    <a16:creationId xmlns:a16="http://schemas.microsoft.com/office/drawing/2014/main" id="{FC351757-4397-D445-91E6-2F3D6444E605}"/>
+                  </a:ext>
+                </a:extLst>
+              </p:cNvPr>
+              <p:cNvCxnSpPr>
+                <a:cxnSpLocks/>
+                <a:stCxn id="10" idx="1"/>
+              </p:cNvCxnSpPr>
+              <p:nvPr/>
+            </p:nvCxnSpPr>
+            <p:spPr>
+              <a:xfrm flipH="1" flipV="1">
+                <a:off x="11331032" y="3312417"/>
+                <a:ext cx="7066" cy="1064114"/>
+              </a:xfrm>
+              <a:prstGeom prst="straightConnector1">
+                <a:avLst/>
+              </a:prstGeom>
+              <a:ln>
+                <a:tailEnd type="triangle"/>
+              </a:ln>
+            </p:spPr>
+            <p:style>
+              <a:lnRef idx="1">
+                <a:schemeClr val="accent1"/>
+              </a:lnRef>
+              <a:fillRef idx="0">
+                <a:schemeClr val="accent1"/>
+              </a:fillRef>
+              <a:effectRef idx="0">
+                <a:schemeClr val="accent1"/>
+              </a:effectRef>
+              <a:fontRef idx="minor">
+                <a:schemeClr val="tx1"/>
+              </a:fontRef>
+            </p:style>
+          </p:cxnSp>
+          <p:cxnSp>
+            <p:nvCxnSpPr>
+              <p:cNvPr id="8" name="直線矢印コネクタ 7">
+                <a:extLst>
+                  <a:ext uri="{FF2B5EF4-FFF2-40B4-BE49-F238E27FC236}">
+                    <a16:creationId xmlns:a16="http://schemas.microsoft.com/office/drawing/2014/main" id="{FE1F72B4-2F46-4D4B-89F7-568197E7A6C9}"/>
+                  </a:ext>
+                </a:extLst>
+              </p:cNvPr>
+              <p:cNvCxnSpPr>
+                <a:cxnSpLocks/>
+              </p:cNvCxnSpPr>
+              <p:nvPr/>
+            </p:nvCxnSpPr>
+            <p:spPr>
+              <a:xfrm flipH="1" flipV="1">
+                <a:off x="11331032" y="3332294"/>
+                <a:ext cx="560501" cy="1024359"/>
+              </a:xfrm>
+              <a:prstGeom prst="straightConnector1">
+                <a:avLst/>
+              </a:prstGeom>
+              <a:ln>
+                <a:tailEnd type="triangle"/>
+              </a:ln>
+            </p:spPr>
+            <p:style>
+              <a:lnRef idx="1">
+                <a:schemeClr val="accent1"/>
+              </a:lnRef>
+              <a:fillRef idx="0">
+                <a:schemeClr val="accent1"/>
+              </a:fillRef>
+              <a:effectRef idx="0">
+                <a:schemeClr val="accent1"/>
+              </a:effectRef>
+              <a:fontRef idx="minor">
+                <a:schemeClr val="tx1"/>
+              </a:fontRef>
+            </p:style>
+          </p:cxnSp>
+          <p:sp>
+            <p:nvSpPr>
+              <p:cNvPr id="9" name="角丸四角形 8">
+                <a:extLst>
+                  <a:ext uri="{FF2B5EF4-FFF2-40B4-BE49-F238E27FC236}">
+                    <a16:creationId xmlns:a16="http://schemas.microsoft.com/office/drawing/2014/main" id="{10F692D7-4156-9043-BFAD-6E362A5B31E3}"/>
+                  </a:ext>
+                </a:extLst>
+              </p:cNvPr>
+              <p:cNvSpPr/>
+              <p:nvPr/>
+            </p:nvSpPr>
+            <p:spPr>
+              <a:xfrm rot="5400000">
+                <a:off x="10019021" y="4918955"/>
+                <a:ext cx="1519544" cy="421444"/>
+              </a:xfrm>
+              <a:prstGeom prst="roundRect">
+                <a:avLst/>
+              </a:prstGeom>
+            </p:spPr>
+            <p:style>
+              <a:lnRef idx="2">
+                <a:schemeClr val="accent1">
+                  <a:shade val="50000"/>
+                </a:schemeClr>
+              </a:lnRef>
+              <a:fillRef idx="1">
+                <a:schemeClr val="accent1"/>
+              </a:fillRef>
+              <a:effectRef idx="0">
+                <a:schemeClr val="accent1"/>
+              </a:effectRef>
+              <a:fontRef idx="minor">
+                <a:schemeClr val="lt1"/>
+              </a:fontRef>
+            </p:style>
+            <p:txBody>
+              <a:bodyPr rtlCol="0" anchor="ctr"/>
+              <a:lstStyle/>
+              <a:p>
+                <a:pPr algn="just"/>
+                <a:r>
+                  <a:rPr kumimoji="1" lang="ja-JP" altLang="en-US"/>
+                  <a:t>説明変数</a:t>
+                </a:r>
+                <a:r>
+                  <a:rPr kumimoji="1" lang="en-US" altLang="ja-JP" dirty="0"/>
+                  <a:t>1</a:t>
+                </a:r>
+                <a:endParaRPr kumimoji="1" lang="ja-JP" altLang="en-US"/>
+              </a:p>
+            </p:txBody>
+          </p:sp>
+          <p:sp>
+            <p:nvSpPr>
+              <p:cNvPr id="10" name="角丸四角形 9">
+                <a:extLst>
+                  <a:ext uri="{FF2B5EF4-FFF2-40B4-BE49-F238E27FC236}">
+                    <a16:creationId xmlns:a16="http://schemas.microsoft.com/office/drawing/2014/main" id="{684E9209-C2C0-C944-ABC1-67E62F6EAE9F}"/>
+                  </a:ext>
+                </a:extLst>
+              </p:cNvPr>
+              <p:cNvSpPr/>
+              <p:nvPr/>
+            </p:nvSpPr>
+            <p:spPr>
+              <a:xfrm rot="5400000">
+                <a:off x="10578326" y="4925581"/>
+                <a:ext cx="1519544" cy="421444"/>
+              </a:xfrm>
+              <a:prstGeom prst="roundRect">
+                <a:avLst/>
+              </a:prstGeom>
+            </p:spPr>
+            <p:style>
+              <a:lnRef idx="2">
+                <a:schemeClr val="accent1">
+                  <a:shade val="50000"/>
+                </a:schemeClr>
+              </a:lnRef>
+              <a:fillRef idx="1">
+                <a:schemeClr val="accent1"/>
+              </a:fillRef>
+              <a:effectRef idx="0">
+                <a:schemeClr val="accent1"/>
+              </a:effectRef>
+              <a:fontRef idx="minor">
+                <a:schemeClr val="lt1"/>
+              </a:fontRef>
+            </p:style>
+            <p:txBody>
+              <a:bodyPr rtlCol="0" anchor="ctr"/>
+              <a:lstStyle/>
+              <a:p>
+                <a:pPr algn="just"/>
+                <a:r>
+                  <a:rPr kumimoji="1" lang="ja-JP" altLang="en-US"/>
+                  <a:t>説明変数</a:t>
+                </a:r>
+                <a:r>
+                  <a:rPr kumimoji="1" lang="en-US" altLang="ja-JP" dirty="0"/>
+                  <a:t>2</a:t>
+                </a:r>
+                <a:endParaRPr kumimoji="1" lang="ja-JP" altLang="en-US"/>
+              </a:p>
+            </p:txBody>
+          </p:sp>
+          <p:sp>
+            <p:nvSpPr>
+              <p:cNvPr id="11" name="角丸四角形 10">
+                <a:extLst>
+                  <a:ext uri="{FF2B5EF4-FFF2-40B4-BE49-F238E27FC236}">
+                    <a16:creationId xmlns:a16="http://schemas.microsoft.com/office/drawing/2014/main" id="{57B839CC-C78D-2E41-9AE3-0F8338DAB55B}"/>
+                  </a:ext>
+                </a:extLst>
+              </p:cNvPr>
+              <p:cNvSpPr/>
+              <p:nvPr/>
+            </p:nvSpPr>
+            <p:spPr>
+              <a:xfrm rot="5400000">
+                <a:off x="11131761" y="4918955"/>
+                <a:ext cx="1519544" cy="421444"/>
+              </a:xfrm>
+              <a:prstGeom prst="roundRect">
+                <a:avLst/>
+              </a:prstGeom>
+            </p:spPr>
+            <p:style>
+              <a:lnRef idx="2">
+                <a:schemeClr val="accent1">
+                  <a:shade val="50000"/>
+                </a:schemeClr>
+              </a:lnRef>
+              <a:fillRef idx="1">
+                <a:schemeClr val="accent1"/>
+              </a:fillRef>
+              <a:effectRef idx="0">
+                <a:schemeClr val="accent1"/>
+              </a:effectRef>
+              <a:fontRef idx="minor">
+                <a:schemeClr val="lt1"/>
+              </a:fontRef>
+            </p:style>
+            <p:txBody>
+              <a:bodyPr rtlCol="0" anchor="ctr"/>
+              <a:lstStyle/>
+              <a:p>
+                <a:pPr algn="just"/>
+                <a:r>
+                  <a:rPr kumimoji="1" lang="ja-JP" altLang="en-US"/>
+                  <a:t>説明変数</a:t>
+                </a:r>
+                <a:r>
+                  <a:rPr kumimoji="1" lang="en-US" altLang="ja-JP" dirty="0"/>
+                  <a:t>3</a:t>
+                </a:r>
+                <a:endParaRPr kumimoji="1" lang="ja-JP" altLang="en-US"/>
+              </a:p>
+            </p:txBody>
+          </p:sp>
+          <p:cxnSp>
+            <p:nvCxnSpPr>
+              <p:cNvPr id="12" name="直線矢印コネクタ 11">
+                <a:extLst>
+                  <a:ext uri="{FF2B5EF4-FFF2-40B4-BE49-F238E27FC236}">
+                    <a16:creationId xmlns:a16="http://schemas.microsoft.com/office/drawing/2014/main" id="{A946ED66-D19C-B241-809B-3EEC9F901A35}"/>
+                  </a:ext>
+                </a:extLst>
+              </p:cNvPr>
+              <p:cNvCxnSpPr>
+                <a:cxnSpLocks/>
+                <a:stCxn id="9" idx="1"/>
+              </p:cNvCxnSpPr>
+              <p:nvPr/>
+            </p:nvCxnSpPr>
+            <p:spPr>
+              <a:xfrm flipV="1">
+                <a:off x="10778793" y="3332295"/>
+                <a:ext cx="552238" cy="1037610"/>
+              </a:xfrm>
+              <a:prstGeom prst="straightConnector1">
+                <a:avLst/>
+              </a:prstGeom>
+              <a:ln>
+                <a:tailEnd type="triangle"/>
+              </a:ln>
+            </p:spPr>
+            <p:style>
+              <a:lnRef idx="1">
+                <a:schemeClr val="accent1"/>
+              </a:lnRef>
+              <a:fillRef idx="0">
+                <a:schemeClr val="accent1"/>
+              </a:fillRef>
+              <a:effectRef idx="0">
+                <a:schemeClr val="accent1"/>
+              </a:effectRef>
+              <a:fontRef idx="minor">
+                <a:schemeClr val="tx1"/>
+              </a:fontRef>
+            </p:style>
+          </p:cxnSp>
+        </p:grpSp>
+        <p:sp>
+          <p:nvSpPr>
+            <p:cNvPr id="13" name="正方形/長方形 12">
+              <a:extLst>
+                <a:ext uri="{FF2B5EF4-FFF2-40B4-BE49-F238E27FC236}">
+                  <a16:creationId xmlns:a16="http://schemas.microsoft.com/office/drawing/2014/main" id="{EDEAAD49-A2B4-6A49-B120-3796B13C06F1}"/>
+                </a:ext>
+              </a:extLst>
+            </p:cNvPr>
+            <p:cNvSpPr/>
+            <p:nvPr/>
+          </p:nvSpPr>
+          <p:spPr>
+            <a:xfrm>
+              <a:off x="8145401" y="3901785"/>
+              <a:ext cx="1576371" cy="421443"/>
+            </a:xfrm>
+            <a:prstGeom prst="rect">
+              <a:avLst/>
+            </a:prstGeom>
+            <a:solidFill>
+              <a:schemeClr val="accent6">
+                <a:lumMod val="75000"/>
+              </a:schemeClr>
+            </a:solidFill>
+            <a:ln>
+              <a:noFill/>
+            </a:ln>
+          </p:spPr>
+          <p:style>
+            <a:lnRef idx="2">
+              <a:schemeClr val="accent1">
+                <a:shade val="50000"/>
+              </a:schemeClr>
+            </a:lnRef>
+            <a:fillRef idx="1">
+              <a:schemeClr val="accent1"/>
+            </a:fillRef>
+            <a:effectRef idx="0">
+              <a:schemeClr val="accent1"/>
+            </a:effectRef>
+            <a:fontRef idx="minor">
+              <a:schemeClr val="lt1"/>
+            </a:fontRef>
+          </p:style>
+          <p:txBody>
+            <a:bodyPr rtlCol="0" anchor="ctr"/>
+            <a:lstStyle/>
+            <a:p>
+              <a:pPr algn="ctr"/>
+              <a:r>
+                <a:rPr lang="ja-JP" altLang="en-US"/>
+                <a:t>個別の事情</a:t>
+              </a:r>
+              <a:r>
+                <a:rPr lang="en-US" altLang="ja-JP" dirty="0"/>
+                <a:t>B</a:t>
+              </a:r>
+              <a:endParaRPr kumimoji="1" lang="ja-JP" altLang="en-US"/>
+            </a:p>
+          </p:txBody>
+        </p:sp>
+      </p:grpSp>
+      <p:grpSp>
+        <p:nvGrpSpPr>
+          <p:cNvPr id="14" name="グループ化 13">
+            <a:extLst>
+              <a:ext uri="{FF2B5EF4-FFF2-40B4-BE49-F238E27FC236}">
+                <a16:creationId xmlns:a16="http://schemas.microsoft.com/office/drawing/2014/main" id="{8025225F-60C1-274F-AE7E-34CA0601AC8F}"/>
+              </a:ext>
+            </a:extLst>
+          </p:cNvPr>
+          <p:cNvGrpSpPr/>
+          <p:nvPr/>
+        </p:nvGrpSpPr>
+        <p:grpSpPr>
+          <a:xfrm>
+            <a:off x="9539598" y="3237690"/>
+            <a:ext cx="1576371" cy="3388178"/>
+            <a:chOff x="10542845" y="2251727"/>
+            <a:chExt cx="1576371" cy="3644348"/>
+          </a:xfrm>
+        </p:grpSpPr>
+        <p:sp>
+          <p:nvSpPr>
+            <p:cNvPr id="15" name="円/楕円 14">
+              <a:extLst>
+                <a:ext uri="{FF2B5EF4-FFF2-40B4-BE49-F238E27FC236}">
+                  <a16:creationId xmlns:a16="http://schemas.microsoft.com/office/drawing/2014/main" id="{487371E8-BB64-6A47-B702-4672CAE0478C}"/>
+                </a:ext>
+              </a:extLst>
+            </p:cNvPr>
+            <p:cNvSpPr/>
+            <p:nvPr/>
+          </p:nvSpPr>
+          <p:spPr>
+            <a:xfrm>
+              <a:off x="10837767" y="2251727"/>
+              <a:ext cx="1000025" cy="1060687"/>
+            </a:xfrm>
+            <a:prstGeom prst="ellipse">
+              <a:avLst/>
+            </a:prstGeom>
+            <a:solidFill>
+              <a:srgbClr val="C00000"/>
+            </a:solidFill>
+            <a:ln>
+              <a:solidFill>
+                <a:srgbClr val="C00000"/>
+              </a:solidFill>
+            </a:ln>
+          </p:spPr>
+          <p:style>
+            <a:lnRef idx="2">
+              <a:schemeClr val="accent1">
+                <a:shade val="50000"/>
+              </a:schemeClr>
+            </a:lnRef>
+            <a:fillRef idx="1">
+              <a:schemeClr val="accent1"/>
+            </a:fillRef>
+            <a:effectRef idx="0">
+              <a:schemeClr val="accent1"/>
+            </a:effectRef>
+            <a:fontRef idx="minor">
+              <a:schemeClr val="lt1"/>
+            </a:fontRef>
+          </p:style>
+          <p:txBody>
+            <a:bodyPr rtlCol="0" anchor="ctr"/>
+            <a:lstStyle/>
+            <a:p>
+              <a:pPr algn="ctr"/>
+              <a:r>
+                <a:rPr lang="ja-JP" altLang="en-US"/>
+                <a:t>目的変数</a:t>
+              </a:r>
+              <a:r>
+                <a:rPr lang="en-US" altLang="ja-JP" dirty="0"/>
+                <a:t> </a:t>
+              </a:r>
+              <a:endParaRPr kumimoji="1" lang="ja-JP" altLang="en-US"/>
+            </a:p>
+          </p:txBody>
+        </p:sp>
+        <p:sp>
+          <p:nvSpPr>
+            <p:cNvPr id="16" name="正方形/長方形 15">
+              <a:extLst>
+                <a:ext uri="{FF2B5EF4-FFF2-40B4-BE49-F238E27FC236}">
+                  <a16:creationId xmlns:a16="http://schemas.microsoft.com/office/drawing/2014/main" id="{BF08BEB3-1FE0-C846-A72A-15E174B9BA6B}"/>
+                </a:ext>
+              </a:extLst>
+            </p:cNvPr>
+            <p:cNvSpPr/>
+            <p:nvPr/>
+          </p:nvSpPr>
+          <p:spPr>
+            <a:xfrm>
+              <a:off x="10542845" y="3688804"/>
+              <a:ext cx="1576371" cy="421443"/>
+            </a:xfrm>
+            <a:prstGeom prst="rect">
+              <a:avLst/>
+            </a:prstGeom>
+            <a:solidFill>
+              <a:schemeClr val="accent6">
+                <a:lumMod val="75000"/>
+              </a:schemeClr>
+            </a:solidFill>
+            <a:ln>
+              <a:noFill/>
+            </a:ln>
+          </p:spPr>
+          <p:style>
+            <a:lnRef idx="2">
+              <a:schemeClr val="accent1">
+                <a:shade val="50000"/>
+              </a:schemeClr>
+            </a:lnRef>
+            <a:fillRef idx="1">
+              <a:schemeClr val="accent1"/>
+            </a:fillRef>
+            <a:effectRef idx="0">
+              <a:schemeClr val="accent1"/>
+            </a:effectRef>
+            <a:fontRef idx="minor">
+              <a:schemeClr val="lt1"/>
+            </a:fontRef>
+          </p:style>
+          <p:txBody>
+            <a:bodyPr rtlCol="0" anchor="ctr"/>
+            <a:lstStyle/>
+            <a:p>
+              <a:pPr algn="ctr"/>
+              <a:r>
+                <a:rPr lang="ja-JP" altLang="en-US"/>
+                <a:t>個別の事情</a:t>
+              </a:r>
+              <a:r>
+                <a:rPr lang="en-US" altLang="ja-JP" dirty="0"/>
+                <a:t>A</a:t>
+              </a:r>
+              <a:endParaRPr kumimoji="1" lang="ja-JP" altLang="en-US"/>
+            </a:p>
+          </p:txBody>
+        </p:sp>
+        <p:cxnSp>
+          <p:nvCxnSpPr>
+            <p:cNvPr id="17" name="直線矢印コネクタ 16">
+              <a:extLst>
+                <a:ext uri="{FF2B5EF4-FFF2-40B4-BE49-F238E27FC236}">
+                  <a16:creationId xmlns:a16="http://schemas.microsoft.com/office/drawing/2014/main" id="{95F44A2C-9621-0E42-BAEC-2376542BF8DF}"/>
+                </a:ext>
+              </a:extLst>
+            </p:cNvPr>
+            <p:cNvCxnSpPr>
+              <a:cxnSpLocks/>
+              <a:stCxn id="20" idx="1"/>
+            </p:cNvCxnSpPr>
+            <p:nvPr/>
+          </p:nvCxnSpPr>
+          <p:spPr>
+            <a:xfrm flipH="1" flipV="1">
+              <a:off x="11331032" y="3312417"/>
+              <a:ext cx="7066" cy="1064114"/>
+            </a:xfrm>
+            <a:prstGeom prst="straightConnector1">
+              <a:avLst/>
+            </a:prstGeom>
+            <a:ln>
+              <a:tailEnd type="triangle"/>
+            </a:ln>
+          </p:spPr>
+          <p:style>
+            <a:lnRef idx="1">
+              <a:schemeClr val="accent1"/>
+            </a:lnRef>
+            <a:fillRef idx="0">
+              <a:schemeClr val="accent1"/>
+            </a:fillRef>
+            <a:effectRef idx="0">
+              <a:schemeClr val="accent1"/>
+            </a:effectRef>
+            <a:fontRef idx="minor">
+              <a:schemeClr val="tx1"/>
+            </a:fontRef>
+          </p:style>
+        </p:cxnSp>
+        <p:cxnSp>
+          <p:nvCxnSpPr>
+            <p:cNvPr id="18" name="直線矢印コネクタ 17">
+              <a:extLst>
+                <a:ext uri="{FF2B5EF4-FFF2-40B4-BE49-F238E27FC236}">
+                  <a16:creationId xmlns:a16="http://schemas.microsoft.com/office/drawing/2014/main" id="{D354FAB6-D130-6F47-940A-E7F4798E8AA7}"/>
+                </a:ext>
+              </a:extLst>
+            </p:cNvPr>
+            <p:cNvCxnSpPr>
+              <a:cxnSpLocks/>
+            </p:cNvCxnSpPr>
+            <p:nvPr/>
+          </p:nvCxnSpPr>
+          <p:spPr>
+            <a:xfrm flipH="1" flipV="1">
+              <a:off x="11331032" y="3332294"/>
+              <a:ext cx="560501" cy="1024359"/>
+            </a:xfrm>
+            <a:prstGeom prst="straightConnector1">
+              <a:avLst/>
+            </a:prstGeom>
+            <a:ln>
+              <a:tailEnd type="triangle"/>
+            </a:ln>
+          </p:spPr>
+          <p:style>
+            <a:lnRef idx="1">
+              <a:schemeClr val="accent1"/>
+            </a:lnRef>
+            <a:fillRef idx="0">
+              <a:schemeClr val="accent1"/>
+            </a:fillRef>
+            <a:effectRef idx="0">
+              <a:schemeClr val="accent1"/>
+            </a:effectRef>
+            <a:fontRef idx="minor">
+              <a:schemeClr val="tx1"/>
+            </a:fontRef>
+          </p:style>
+        </p:cxnSp>
+        <p:sp>
+          <p:nvSpPr>
+            <p:cNvPr id="19" name="角丸四角形 18">
+              <a:extLst>
+                <a:ext uri="{FF2B5EF4-FFF2-40B4-BE49-F238E27FC236}">
+                  <a16:creationId xmlns:a16="http://schemas.microsoft.com/office/drawing/2014/main" id="{62EC3F9C-92BC-4648-BCFB-AC414C46EAAB}"/>
+                </a:ext>
+              </a:extLst>
+            </p:cNvPr>
+            <p:cNvSpPr/>
+            <p:nvPr/>
+          </p:nvSpPr>
+          <p:spPr>
+            <a:xfrm rot="5400000">
+              <a:off x="10019021" y="4918955"/>
+              <a:ext cx="1519544" cy="421444"/>
+            </a:xfrm>
+            <a:prstGeom prst="roundRect">
+              <a:avLst/>
+            </a:prstGeom>
+          </p:spPr>
+          <p:style>
+            <a:lnRef idx="2">
+              <a:schemeClr val="accent1">
+                <a:shade val="50000"/>
+              </a:schemeClr>
+            </a:lnRef>
+            <a:fillRef idx="1">
+              <a:schemeClr val="accent1"/>
+            </a:fillRef>
+            <a:effectRef idx="0">
+              <a:schemeClr val="accent1"/>
+            </a:effectRef>
+            <a:fontRef idx="minor">
+              <a:schemeClr val="lt1"/>
+            </a:fontRef>
+          </p:style>
+          <p:txBody>
+            <a:bodyPr rtlCol="0" anchor="ctr"/>
+            <a:lstStyle/>
+            <a:p>
+              <a:pPr algn="just"/>
+              <a:r>
+                <a:rPr kumimoji="1" lang="ja-JP" altLang="en-US"/>
+                <a:t>説明変数</a:t>
+              </a:r>
+              <a:r>
+                <a:rPr kumimoji="1" lang="en-US" altLang="ja-JP" dirty="0"/>
+                <a:t>1</a:t>
+              </a:r>
+              <a:endParaRPr kumimoji="1" lang="ja-JP" altLang="en-US"/>
+            </a:p>
+          </p:txBody>
+        </p:sp>
+        <p:sp>
+          <p:nvSpPr>
+            <p:cNvPr id="20" name="角丸四角形 19">
+              <a:extLst>
+                <a:ext uri="{FF2B5EF4-FFF2-40B4-BE49-F238E27FC236}">
+                  <a16:creationId xmlns:a16="http://schemas.microsoft.com/office/drawing/2014/main" id="{46F653F5-A1F8-DD40-AAB9-238EBA0AF575}"/>
+                </a:ext>
+              </a:extLst>
+            </p:cNvPr>
+            <p:cNvSpPr/>
+            <p:nvPr/>
+          </p:nvSpPr>
+          <p:spPr>
+            <a:xfrm rot="5400000">
+              <a:off x="10578326" y="4925581"/>
+              <a:ext cx="1519544" cy="421444"/>
+            </a:xfrm>
+            <a:prstGeom prst="roundRect">
+              <a:avLst/>
+            </a:prstGeom>
+          </p:spPr>
+          <p:style>
+            <a:lnRef idx="2">
+              <a:schemeClr val="accent1">
+                <a:shade val="50000"/>
+              </a:schemeClr>
+            </a:lnRef>
+            <a:fillRef idx="1">
+              <a:schemeClr val="accent1"/>
+            </a:fillRef>
+            <a:effectRef idx="0">
+              <a:schemeClr val="accent1"/>
+            </a:effectRef>
+            <a:fontRef idx="minor">
+              <a:schemeClr val="lt1"/>
+            </a:fontRef>
+          </p:style>
+          <p:txBody>
+            <a:bodyPr rtlCol="0" anchor="ctr"/>
+            <a:lstStyle/>
+            <a:p>
+              <a:pPr algn="just"/>
+              <a:r>
+                <a:rPr kumimoji="1" lang="ja-JP" altLang="en-US"/>
+                <a:t>説明変数</a:t>
+              </a:r>
+              <a:r>
+                <a:rPr kumimoji="1" lang="en-US" altLang="ja-JP" dirty="0"/>
+                <a:t>2</a:t>
+              </a:r>
+              <a:endParaRPr kumimoji="1" lang="ja-JP" altLang="en-US"/>
+            </a:p>
+          </p:txBody>
+        </p:sp>
+        <p:sp>
+          <p:nvSpPr>
+            <p:cNvPr id="21" name="角丸四角形 20">
+              <a:extLst>
+                <a:ext uri="{FF2B5EF4-FFF2-40B4-BE49-F238E27FC236}">
+                  <a16:creationId xmlns:a16="http://schemas.microsoft.com/office/drawing/2014/main" id="{D7433CF6-1334-7948-B13A-573CC0E6001D}"/>
+                </a:ext>
+              </a:extLst>
+            </p:cNvPr>
+            <p:cNvSpPr/>
+            <p:nvPr/>
+          </p:nvSpPr>
+          <p:spPr>
+            <a:xfrm rot="5400000">
+              <a:off x="11131761" y="4918955"/>
+              <a:ext cx="1519544" cy="421444"/>
+            </a:xfrm>
+            <a:prstGeom prst="roundRect">
+              <a:avLst/>
+            </a:prstGeom>
+          </p:spPr>
+          <p:style>
+            <a:lnRef idx="2">
+              <a:schemeClr val="accent1">
+                <a:shade val="50000"/>
+              </a:schemeClr>
+            </a:lnRef>
+            <a:fillRef idx="1">
+              <a:schemeClr val="accent1"/>
+            </a:fillRef>
+            <a:effectRef idx="0">
+              <a:schemeClr val="accent1"/>
+            </a:effectRef>
+            <a:fontRef idx="minor">
+              <a:schemeClr val="lt1"/>
+            </a:fontRef>
+          </p:style>
+          <p:txBody>
+            <a:bodyPr rtlCol="0" anchor="ctr"/>
+            <a:lstStyle/>
+            <a:p>
+              <a:pPr algn="just"/>
+              <a:r>
+                <a:rPr kumimoji="1" lang="ja-JP" altLang="en-US"/>
+                <a:t>説明変数</a:t>
+              </a:r>
+              <a:r>
+                <a:rPr kumimoji="1" lang="en-US" altLang="ja-JP" dirty="0"/>
+                <a:t>3</a:t>
+              </a:r>
+              <a:endParaRPr kumimoji="1" lang="ja-JP" altLang="en-US"/>
+            </a:p>
+          </p:txBody>
+        </p:sp>
+        <p:cxnSp>
+          <p:nvCxnSpPr>
+            <p:cNvPr id="22" name="直線矢印コネクタ 21">
+              <a:extLst>
+                <a:ext uri="{FF2B5EF4-FFF2-40B4-BE49-F238E27FC236}">
+                  <a16:creationId xmlns:a16="http://schemas.microsoft.com/office/drawing/2014/main" id="{33C2C2E0-9663-AD40-A488-9B15B135C031}"/>
+                </a:ext>
+              </a:extLst>
+            </p:cNvPr>
+            <p:cNvCxnSpPr>
+              <a:cxnSpLocks/>
+              <a:stCxn id="19" idx="1"/>
+            </p:cNvCxnSpPr>
+            <p:nvPr/>
+          </p:nvCxnSpPr>
+          <p:spPr>
+            <a:xfrm flipV="1">
+              <a:off x="10778793" y="3332295"/>
+              <a:ext cx="552238" cy="1037610"/>
+            </a:xfrm>
+            <a:prstGeom prst="straightConnector1">
+              <a:avLst/>
+            </a:prstGeom>
+            <a:ln>
+              <a:tailEnd type="triangle"/>
+            </a:ln>
+          </p:spPr>
+          <p:style>
+            <a:lnRef idx="1">
+              <a:schemeClr val="accent1"/>
+            </a:lnRef>
+            <a:fillRef idx="0">
+              <a:schemeClr val="accent1"/>
+            </a:fillRef>
+            <a:effectRef idx="0">
+              <a:schemeClr val="accent1"/>
+            </a:effectRef>
+            <a:fontRef idx="minor">
+              <a:schemeClr val="tx1"/>
+            </a:fontRef>
+          </p:style>
+        </p:cxnSp>
+      </p:grpSp>
+      <p:sp>
+        <p:nvSpPr>
+          <p:cNvPr id="23" name="正方形/長方形 22">
+            <a:extLst>
+              <a:ext uri="{FF2B5EF4-FFF2-40B4-BE49-F238E27FC236}">
+                <a16:creationId xmlns:a16="http://schemas.microsoft.com/office/drawing/2014/main" id="{0ADCF31E-71D8-5244-9F1F-4AEC081B43D7}"/>
+              </a:ext>
+            </a:extLst>
+          </p:cNvPr>
+          <p:cNvSpPr/>
+          <p:nvPr/>
+        </p:nvSpPr>
+        <p:spPr>
+          <a:xfrm>
+            <a:off x="11126117" y="1077804"/>
+            <a:ext cx="974025" cy="747822"/>
+          </a:xfrm>
+          <a:prstGeom prst="rect">
+            <a:avLst/>
+          </a:prstGeom>
+          <a:solidFill>
+            <a:schemeClr val="accent6">
+              <a:lumMod val="75000"/>
+            </a:schemeClr>
+          </a:solidFill>
+          <a:ln>
+            <a:noFill/>
+          </a:ln>
+        </p:spPr>
+        <p:style>
+          <a:lnRef idx="2">
+            <a:schemeClr val="accent1">
+              <a:shade val="50000"/>
+            </a:schemeClr>
+          </a:lnRef>
+          <a:fillRef idx="1">
+            <a:schemeClr val="accent1"/>
+          </a:fillRef>
+          <a:effectRef idx="0">
+            <a:schemeClr val="accent1"/>
+          </a:effectRef>
+          <a:fontRef idx="minor">
+            <a:schemeClr val="lt1"/>
+          </a:fontRef>
+        </p:style>
+        <p:txBody>
+          <a:bodyPr rtlCol="0" anchor="ctr"/>
+          <a:lstStyle/>
+          <a:p>
+            <a:pPr algn="ctr"/>
+            <a:r>
+              <a:rPr lang="ja-JP" altLang="en-US"/>
+              <a:t>個別の事情</a:t>
+            </a:r>
+            <a:r>
+              <a:rPr lang="en-US" altLang="ja-JP" dirty="0" err="1"/>
+              <a:t>A’i</a:t>
+            </a:r>
+            <a:endParaRPr kumimoji="1" lang="ja-JP" altLang="en-US"/>
+          </a:p>
+        </p:txBody>
+      </p:sp>
+      <p:sp>
+        <p:nvSpPr>
+          <p:cNvPr id="25" name="正方形/長方形 24">
+            <a:extLst>
+              <a:ext uri="{FF2B5EF4-FFF2-40B4-BE49-F238E27FC236}">
+                <a16:creationId xmlns:a16="http://schemas.microsoft.com/office/drawing/2014/main" id="{2ED06459-2366-3746-BAA9-8C1069EC258B}"/>
+              </a:ext>
+            </a:extLst>
+          </p:cNvPr>
+          <p:cNvSpPr/>
+          <p:nvPr/>
+        </p:nvSpPr>
+        <p:spPr>
+          <a:xfrm>
+            <a:off x="11126117" y="1869520"/>
+            <a:ext cx="974025" cy="747822"/>
+          </a:xfrm>
+          <a:prstGeom prst="rect">
+            <a:avLst/>
+          </a:prstGeom>
+          <a:solidFill>
+            <a:schemeClr val="accent6">
+              <a:lumMod val="75000"/>
+            </a:schemeClr>
+          </a:solidFill>
+          <a:ln>
+            <a:noFill/>
+          </a:ln>
+        </p:spPr>
+        <p:style>
+          <a:lnRef idx="2">
+            <a:schemeClr val="accent1">
+              <a:shade val="50000"/>
+            </a:schemeClr>
+          </a:lnRef>
+          <a:fillRef idx="1">
+            <a:schemeClr val="accent1"/>
+          </a:fillRef>
+          <a:effectRef idx="0">
+            <a:schemeClr val="accent1"/>
+          </a:effectRef>
+          <a:fontRef idx="minor">
+            <a:schemeClr val="lt1"/>
+          </a:fontRef>
+        </p:style>
+        <p:txBody>
+          <a:bodyPr rtlCol="0" anchor="ctr"/>
+          <a:lstStyle/>
+          <a:p>
+            <a:pPr algn="ctr"/>
+            <a:r>
+              <a:rPr lang="ja-JP" altLang="en-US"/>
+              <a:t>個別の事情</a:t>
+            </a:r>
+            <a:r>
+              <a:rPr lang="en-US" altLang="ja-JP" dirty="0" err="1"/>
+              <a:t>A’j</a:t>
+            </a:r>
+            <a:endParaRPr kumimoji="1" lang="ja-JP" altLang="en-US"/>
+          </a:p>
+        </p:txBody>
+      </p:sp>
+      <p:sp>
+        <p:nvSpPr>
+          <p:cNvPr id="26" name="正方形/長方形 25">
+            <a:extLst>
+              <a:ext uri="{FF2B5EF4-FFF2-40B4-BE49-F238E27FC236}">
+                <a16:creationId xmlns:a16="http://schemas.microsoft.com/office/drawing/2014/main" id="{ADD9F221-B985-C640-B742-43EFA255E069}"/>
+              </a:ext>
+            </a:extLst>
+          </p:cNvPr>
+          <p:cNvSpPr/>
+          <p:nvPr/>
+        </p:nvSpPr>
+        <p:spPr>
+          <a:xfrm>
+            <a:off x="11126117" y="2657062"/>
+            <a:ext cx="974025" cy="747822"/>
+          </a:xfrm>
+          <a:prstGeom prst="rect">
+            <a:avLst/>
+          </a:prstGeom>
+          <a:solidFill>
+            <a:schemeClr val="accent6">
+              <a:lumMod val="75000"/>
+            </a:schemeClr>
+          </a:solidFill>
+          <a:ln>
+            <a:noFill/>
+          </a:ln>
+        </p:spPr>
+        <p:style>
+          <a:lnRef idx="2">
+            <a:schemeClr val="accent1">
+              <a:shade val="50000"/>
+            </a:schemeClr>
+          </a:lnRef>
+          <a:fillRef idx="1">
+            <a:schemeClr val="accent1"/>
+          </a:fillRef>
+          <a:effectRef idx="0">
+            <a:schemeClr val="accent1"/>
+          </a:effectRef>
+          <a:fontRef idx="minor">
+            <a:schemeClr val="lt1"/>
+          </a:fontRef>
+        </p:style>
+        <p:txBody>
+          <a:bodyPr rtlCol="0" anchor="ctr"/>
+          <a:lstStyle/>
+          <a:p>
+            <a:pPr algn="ctr"/>
+            <a:r>
+              <a:rPr lang="ja-JP" altLang="en-US"/>
+              <a:t>個別の事情</a:t>
+            </a:r>
+            <a:r>
+              <a:rPr lang="en-US" altLang="ja-JP" dirty="0" err="1"/>
+              <a:t>A’k</a:t>
+            </a:r>
+            <a:endParaRPr kumimoji="1" lang="ja-JP" altLang="en-US"/>
+          </a:p>
+        </p:txBody>
+      </p:sp>
+      <p:sp>
+        <p:nvSpPr>
+          <p:cNvPr id="27" name="左中かっこ 26">
+            <a:extLst>
+              <a:ext uri="{FF2B5EF4-FFF2-40B4-BE49-F238E27FC236}">
+                <a16:creationId xmlns:a16="http://schemas.microsoft.com/office/drawing/2014/main" id="{A1488E58-441D-C749-97DC-F18CADE42B26}"/>
+              </a:ext>
+            </a:extLst>
+          </p:cNvPr>
+          <p:cNvSpPr/>
+          <p:nvPr/>
+        </p:nvSpPr>
+        <p:spPr>
+          <a:xfrm>
+            <a:off x="10791666" y="1165972"/>
+            <a:ext cx="307342" cy="2238912"/>
+          </a:xfrm>
+          <a:prstGeom prst="leftBrace">
+            <a:avLst/>
+          </a:prstGeom>
+          <a:ln w="19050">
+            <a:solidFill>
+              <a:schemeClr val="accent6">
+                <a:lumMod val="50000"/>
+              </a:schemeClr>
+            </a:solidFill>
+          </a:ln>
+        </p:spPr>
+        <p:style>
+          <a:lnRef idx="1">
+            <a:schemeClr val="accent1"/>
+          </a:lnRef>
+          <a:fillRef idx="0">
+            <a:schemeClr val="accent1"/>
+          </a:fillRef>
+          <a:effectRef idx="0">
+            <a:schemeClr val="accent1"/>
+          </a:effectRef>
+          <a:fontRef idx="minor">
+            <a:schemeClr val="tx1"/>
+          </a:fontRef>
+        </p:style>
+        <p:txBody>
+          <a:bodyPr rtlCol="0" anchor="ctr"/>
+          <a:lstStyle/>
+          <a:p>
+            <a:pPr algn="ctr"/>
+            <a:endParaRPr kumimoji="1" lang="ja-JP" altLang="en-US"/>
+          </a:p>
+        </p:txBody>
+      </p:sp>
+      <p:cxnSp>
+        <p:nvCxnSpPr>
+          <p:cNvPr id="29" name="カギ線コネクタ 28">
+            <a:extLst>
+              <a:ext uri="{FF2B5EF4-FFF2-40B4-BE49-F238E27FC236}">
+                <a16:creationId xmlns:a16="http://schemas.microsoft.com/office/drawing/2014/main" id="{1C5D0AA3-8487-4647-BBFA-B856D2DF8D1A}"/>
+              </a:ext>
+            </a:extLst>
+          </p:cNvPr>
+          <p:cNvCxnSpPr>
+            <a:cxnSpLocks/>
+          </p:cNvCxnSpPr>
+          <p:nvPr/>
+        </p:nvCxnSpPr>
+        <p:spPr>
+          <a:xfrm rot="16200000" flipH="1">
+            <a:off x="9770725" y="3298123"/>
+            <a:ext cx="2263667" cy="235918"/>
+          </a:xfrm>
+          <a:prstGeom prst="bentConnector3">
+            <a:avLst>
+              <a:gd name="adj1" fmla="val 56087"/>
+            </a:avLst>
+          </a:prstGeom>
+          <a:ln w="22225">
+            <a:solidFill>
+              <a:schemeClr val="accent6">
+                <a:lumMod val="75000"/>
+              </a:schemeClr>
+            </a:solidFill>
+            <a:tailEnd type="arrow"/>
+          </a:ln>
+        </p:spPr>
+        <p:style>
+          <a:lnRef idx="1">
+            <a:schemeClr val="accent1"/>
+          </a:lnRef>
+          <a:fillRef idx="0">
+            <a:schemeClr val="accent1"/>
+          </a:fillRef>
+          <a:effectRef idx="0">
+            <a:schemeClr val="accent1"/>
+          </a:effectRef>
+          <a:fontRef idx="minor">
+            <a:schemeClr val="tx1"/>
+          </a:fontRef>
+        </p:style>
+      </p:cxnSp>
     </p:spTree>
     <p:extLst>
       <p:ext uri="{BB962C8B-B14F-4D97-AF65-F5344CB8AC3E}">
-        <p14:creationId xmlns:p14="http://schemas.microsoft.com/office/powerpoint/2010/main" val="672173733"/>
+        <p14:creationId xmlns:p14="http://schemas.microsoft.com/office/powerpoint/2010/main" val="1777339200"/>
       </p:ext>
     </p:extLst>
   </p:cSld>
@@ -5277,7 +9435,7 @@
           <p:cNvPr id="2" name="タイトル 1">
             <a:extLst>
               <a:ext uri="{FF2B5EF4-FFF2-40B4-BE49-F238E27FC236}">
-                <a16:creationId xmlns:a16="http://schemas.microsoft.com/office/drawing/2014/main" id="{3C700D43-7914-8B49-B1EE-F2FE8202DB90}"/>
+                <a16:creationId xmlns:a16="http://schemas.microsoft.com/office/drawing/2014/main" id="{ACC16AE0-3698-144E-98ED-A55CC938B50D}"/>
               </a:ext>
             </a:extLst>
           </p:cNvPr>
@@ -5294,571 +9452,136 @@
           <a:lstStyle/>
           <a:p>
             <a:r>
-              <a:rPr lang="ja-JP" altLang="en-US"/>
-              <a:t>カイ二乗（</a:t>
-            </a:r>
-            <a:r>
-              <a:rPr lang="en-US" altLang="ja-JP" dirty="0"/>
-              <a:t> Χ</a:t>
-            </a:r>
-            <a:r>
-              <a:rPr lang="en-US" altLang="ja-JP" baseline="30000" dirty="0"/>
-              <a:t>2 </a:t>
-            </a:r>
-            <a:r>
-              <a:rPr lang="ja-JP" altLang="en-US"/>
-              <a:t>）検定（適合度の検定）</a:t>
-            </a:r>
-            <a:endParaRPr kumimoji="1" lang="ja-JP" altLang="en-US"/>
+              <a:rPr kumimoji="1" lang="en-US" altLang="ja-JP" dirty="0"/>
+              <a:t>R</a:t>
+            </a:r>
+            <a:r>
+              <a:rPr kumimoji="1" lang="ja-JP" altLang="en-US"/>
+              <a:t>で</a:t>
+            </a:r>
+            <a:r>
+              <a:rPr kumimoji="1" lang="en-US" altLang="ja-JP" dirty="0"/>
+              <a:t>GLMM</a:t>
+            </a:r>
+            <a:r>
+              <a:rPr kumimoji="1" lang="ja-JP" altLang="en-US"/>
+              <a:t>実践</a:t>
+            </a:r>
           </a:p>
         </p:txBody>
       </p:sp>
-      <p:graphicFrame>
-        <p:nvGraphicFramePr>
-          <p:cNvPr id="4" name="表 4">
+      <p:sp>
+        <p:nvSpPr>
+          <p:cNvPr id="3" name="コンテンツ プレースホルダー 2">
             <a:extLst>
               <a:ext uri="{FF2B5EF4-FFF2-40B4-BE49-F238E27FC236}">
-                <a16:creationId xmlns:a16="http://schemas.microsoft.com/office/drawing/2014/main" id="{407B999C-F742-4C4B-8A08-6B24FE0BC9FB}"/>
+                <a16:creationId xmlns:a16="http://schemas.microsoft.com/office/drawing/2014/main" id="{2900A259-287C-8746-BCB8-549AD2ECEA48}"/>
               </a:ext>
             </a:extLst>
           </p:cNvPr>
-          <p:cNvGraphicFramePr>
-            <a:graphicFrameLocks noGrp="1"/>
-          </p:cNvGraphicFramePr>
+          <p:cNvSpPr>
+            <a:spLocks noGrp="1"/>
+          </p:cNvSpPr>
           <p:nvPr>
             <p:ph idx="1"/>
-            <p:extLst>
-              <p:ext uri="{D42A27DB-BD31-4B8C-83A1-F6EECF244321}">
-                <p14:modId xmlns:p14="http://schemas.microsoft.com/office/powerpoint/2010/main" val="2894333901"/>
-              </p:ext>
-            </p:extLst>
           </p:nvPr>
-        </p:nvGraphicFramePr>
-        <p:xfrm>
-          <a:off x="936171" y="1396774"/>
-          <a:ext cx="9949544" cy="2597766"/>
-        </p:xfrm>
-        <a:graphic>
-          <a:graphicData uri="http://schemas.openxmlformats.org/drawingml/2006/table">
-            <a:tbl>
-              <a:tblPr firstRow="1" bandRow="1">
-                <a:tableStyleId>{5C22544A-7EE6-4342-B048-85BDC9FD1C3A}</a:tableStyleId>
-              </a:tblPr>
-              <a:tblGrid>
-                <a:gridCol w="1998149">
-                  <a:extLst>
-                    <a:ext uri="{9D8B030D-6E8A-4147-A177-3AD203B41FA5}">
-                      <a16:colId xmlns:a16="http://schemas.microsoft.com/office/drawing/2014/main" val="1224390897"/>
-                    </a:ext>
-                  </a:extLst>
-                </a:gridCol>
-                <a:gridCol w="1981668">
-                  <a:extLst>
-                    <a:ext uri="{9D8B030D-6E8A-4147-A177-3AD203B41FA5}">
-                      <a16:colId xmlns:a16="http://schemas.microsoft.com/office/drawing/2014/main" val="1500877206"/>
-                    </a:ext>
-                  </a:extLst>
-                </a:gridCol>
-                <a:gridCol w="1989909">
-                  <a:extLst>
-                    <a:ext uri="{9D8B030D-6E8A-4147-A177-3AD203B41FA5}">
-                      <a16:colId xmlns:a16="http://schemas.microsoft.com/office/drawing/2014/main" val="3912329691"/>
-                    </a:ext>
-                  </a:extLst>
-                </a:gridCol>
-                <a:gridCol w="1989909">
-                  <a:extLst>
-                    <a:ext uri="{9D8B030D-6E8A-4147-A177-3AD203B41FA5}">
-                      <a16:colId xmlns:a16="http://schemas.microsoft.com/office/drawing/2014/main" val="3051161841"/>
-                    </a:ext>
-                  </a:extLst>
-                </a:gridCol>
-                <a:gridCol w="1989909">
-                  <a:extLst>
-                    <a:ext uri="{9D8B030D-6E8A-4147-A177-3AD203B41FA5}">
-                      <a16:colId xmlns:a16="http://schemas.microsoft.com/office/drawing/2014/main" val="539658092"/>
-                    </a:ext>
-                  </a:extLst>
-                </a:gridCol>
-              </a:tblGrid>
-              <a:tr h="530642">
-                <a:tc>
-                  <a:txBody>
-                    <a:bodyPr/>
-                    <a:lstStyle/>
-                    <a:p>
-                      <a:endParaRPr kumimoji="1" lang="ja-JP" altLang="en-US" sz="2000"/>
-                    </a:p>
-                  </a:txBody>
-                  <a:tcPr anchor="ctr"/>
-                </a:tc>
-                <a:tc>
-                  <a:txBody>
-                    <a:bodyPr/>
-                    <a:lstStyle/>
-                    <a:p>
-                      <a:pPr algn="ctr"/>
-                      <a:r>
-                        <a:rPr kumimoji="1" lang="ja-JP" altLang="en-US" sz="2000"/>
-                        <a:t>グー</a:t>
-                      </a:r>
-                    </a:p>
-                  </a:txBody>
-                  <a:tcPr anchor="ctr"/>
-                </a:tc>
-                <a:tc>
-                  <a:txBody>
-                    <a:bodyPr/>
-                    <a:lstStyle/>
-                    <a:p>
-                      <a:pPr algn="ctr"/>
-                      <a:r>
-                        <a:rPr kumimoji="1" lang="ja-JP" altLang="en-US" sz="2000"/>
-                        <a:t>チョキ</a:t>
-                      </a:r>
-                    </a:p>
-                  </a:txBody>
-                  <a:tcPr anchor="ctr"/>
-                </a:tc>
-                <a:tc>
-                  <a:txBody>
-                    <a:bodyPr/>
-                    <a:lstStyle/>
-                    <a:p>
-                      <a:pPr algn="ctr"/>
-                      <a:r>
-                        <a:rPr kumimoji="1" lang="ja-JP" altLang="en-US" sz="2000"/>
-                        <a:t>パー</a:t>
-                      </a:r>
-                    </a:p>
-                  </a:txBody>
-                  <a:tcPr anchor="ctr"/>
-                </a:tc>
-                <a:tc>
-                  <a:txBody>
-                    <a:bodyPr/>
-                    <a:lstStyle/>
-                    <a:p>
-                      <a:pPr algn="ctr"/>
-                      <a:r>
-                        <a:rPr kumimoji="1" lang="ja-JP" altLang="en-US" sz="2000"/>
-                        <a:t>合計</a:t>
-                      </a:r>
-                    </a:p>
-                  </a:txBody>
-                  <a:tcPr anchor="ctr"/>
-                </a:tc>
-                <a:extLst>
-                  <a:ext uri="{0D108BD9-81ED-4DB2-BD59-A6C34878D82A}">
-                    <a16:rowId xmlns:a16="http://schemas.microsoft.com/office/drawing/2014/main" val="2444831965"/>
-                  </a:ext>
-                </a:extLst>
-              </a:tr>
-              <a:tr h="530642">
-                <a:tc>
-                  <a:txBody>
-                    <a:bodyPr/>
-                    <a:lstStyle/>
-                    <a:p>
-                      <a:pPr algn="ctr"/>
-                      <a:r>
-                        <a:rPr kumimoji="1" lang="ja-JP" altLang="en-US" sz="2000"/>
-                        <a:t>観測度数</a:t>
-                      </a:r>
-                    </a:p>
-                  </a:txBody>
-                  <a:tcPr anchor="ctr"/>
-                </a:tc>
-                <a:tc>
-                  <a:txBody>
-                    <a:bodyPr/>
-                    <a:lstStyle/>
-                    <a:p>
-                      <a:pPr algn="r"/>
-                      <a:r>
-                        <a:rPr kumimoji="1" lang="en-US" altLang="ja-JP" sz="2000" dirty="0"/>
-                        <a:t>40</a:t>
-                      </a:r>
-                      <a:endParaRPr kumimoji="1" lang="ja-JP" altLang="en-US" sz="2000"/>
-                    </a:p>
-                  </a:txBody>
-                  <a:tcPr anchor="ctr"/>
-                </a:tc>
-                <a:tc>
-                  <a:txBody>
-                    <a:bodyPr/>
-                    <a:lstStyle/>
-                    <a:p>
-                      <a:pPr algn="r"/>
-                      <a:r>
-                        <a:rPr kumimoji="1" lang="en-US" altLang="ja-JP" sz="2000" dirty="0"/>
-                        <a:t>20</a:t>
-                      </a:r>
-                      <a:endParaRPr kumimoji="1" lang="ja-JP" altLang="en-US" sz="2000"/>
-                    </a:p>
-                  </a:txBody>
-                  <a:tcPr anchor="ctr"/>
-                </a:tc>
-                <a:tc>
-                  <a:txBody>
-                    <a:bodyPr/>
-                    <a:lstStyle/>
-                    <a:p>
-                      <a:pPr algn="r"/>
-                      <a:r>
-                        <a:rPr kumimoji="1" lang="en-US" altLang="ja-JP" sz="2000" dirty="0"/>
-                        <a:t>40</a:t>
-                      </a:r>
-                      <a:endParaRPr kumimoji="1" lang="ja-JP" altLang="en-US" sz="2000"/>
-                    </a:p>
-                  </a:txBody>
-                  <a:tcPr anchor="ctr"/>
-                </a:tc>
-                <a:tc>
-                  <a:txBody>
-                    <a:bodyPr/>
-                    <a:lstStyle/>
-                    <a:p>
-                      <a:pPr algn="r"/>
-                      <a:r>
-                        <a:rPr kumimoji="1" lang="en-US" altLang="ja-JP" sz="2000" dirty="0"/>
-                        <a:t>100</a:t>
-                      </a:r>
-                      <a:endParaRPr kumimoji="1" lang="ja-JP" altLang="en-US" sz="2000"/>
-                    </a:p>
-                  </a:txBody>
-                  <a:tcPr anchor="ctr"/>
-                </a:tc>
-                <a:extLst>
-                  <a:ext uri="{0D108BD9-81ED-4DB2-BD59-A6C34878D82A}">
-                    <a16:rowId xmlns:a16="http://schemas.microsoft.com/office/drawing/2014/main" val="299311301"/>
-                  </a:ext>
-                </a:extLst>
-              </a:tr>
-              <a:tr h="530642">
-                <a:tc>
-                  <a:txBody>
-                    <a:bodyPr/>
-                    <a:lstStyle/>
-                    <a:p>
-                      <a:pPr algn="ctr"/>
-                      <a:r>
-                        <a:rPr kumimoji="1" lang="ja-JP" altLang="en-US" sz="2000"/>
-                        <a:t>期待度数</a:t>
-                      </a:r>
-                    </a:p>
-                  </a:txBody>
-                  <a:tcPr anchor="ctr"/>
-                </a:tc>
-                <a:tc>
-                  <a:txBody>
-                    <a:bodyPr/>
-                    <a:lstStyle/>
-                    <a:p>
-                      <a:pPr algn="r"/>
-                      <a:r>
-                        <a:rPr kumimoji="1" lang="en-US" altLang="ja-JP" sz="2000" dirty="0"/>
-                        <a:t>100/3</a:t>
-                      </a:r>
-                      <a:endParaRPr kumimoji="1" lang="ja-JP" altLang="en-US" sz="2000"/>
-                    </a:p>
-                  </a:txBody>
-                  <a:tcPr anchor="ctr"/>
-                </a:tc>
-                <a:tc>
-                  <a:txBody>
-                    <a:bodyPr/>
-                    <a:lstStyle/>
-                    <a:p>
-                      <a:pPr algn="r"/>
-                      <a:r>
-                        <a:rPr kumimoji="1" lang="en-US" altLang="ja-JP" sz="2000" dirty="0"/>
-                        <a:t>100/3</a:t>
-                      </a:r>
-                      <a:endParaRPr kumimoji="1" lang="ja-JP" altLang="en-US" sz="2000"/>
-                    </a:p>
-                  </a:txBody>
-                  <a:tcPr anchor="ctr"/>
-                </a:tc>
-                <a:tc>
-                  <a:txBody>
-                    <a:bodyPr/>
-                    <a:lstStyle/>
-                    <a:p>
-                      <a:pPr algn="r"/>
-                      <a:r>
-                        <a:rPr kumimoji="1" lang="en-US" altLang="ja-JP" sz="2000" dirty="0"/>
-                        <a:t>100/3</a:t>
-                      </a:r>
-                      <a:endParaRPr kumimoji="1" lang="ja-JP" altLang="en-US" sz="2000"/>
-                    </a:p>
-                  </a:txBody>
-                  <a:tcPr anchor="ctr"/>
-                </a:tc>
-                <a:tc>
-                  <a:txBody>
-                    <a:bodyPr/>
-                    <a:lstStyle/>
-                    <a:p>
-                      <a:pPr algn="r"/>
-                      <a:r>
-                        <a:rPr kumimoji="1" lang="en-US" altLang="ja-JP" sz="2000" dirty="0"/>
-                        <a:t>100</a:t>
-                      </a:r>
-                      <a:endParaRPr kumimoji="1" lang="ja-JP" altLang="en-US" sz="2000"/>
-                    </a:p>
-                  </a:txBody>
-                  <a:tcPr anchor="ctr"/>
-                </a:tc>
-                <a:extLst>
-                  <a:ext uri="{0D108BD9-81ED-4DB2-BD59-A6C34878D82A}">
-                    <a16:rowId xmlns:a16="http://schemas.microsoft.com/office/drawing/2014/main" val="2848846924"/>
-                  </a:ext>
-                </a:extLst>
-              </a:tr>
-              <a:tr h="984587">
-                <a:tc>
-                  <a:txBody>
-                    <a:bodyPr/>
-                    <a:lstStyle/>
-                    <a:p>
-                      <a:pPr algn="ctr"/>
-                      <a:r>
-                        <a:rPr kumimoji="1" lang="ja-JP" altLang="en-US" sz="2000"/>
-                        <a:t>期待度数と観測度数とのズレ</a:t>
-                      </a:r>
-                      <a:endParaRPr kumimoji="1" lang="en-US" altLang="ja-JP" sz="2000" dirty="0"/>
-                    </a:p>
-                    <a:p>
-                      <a:pPr algn="ctr"/>
-                      <a:r>
-                        <a:rPr kumimoji="1" lang="ja-JP" altLang="en-US" sz="2000"/>
-                        <a:t>の</a:t>
-                      </a:r>
-                      <a:r>
-                        <a:rPr kumimoji="1" lang="en-US" altLang="ja-JP" sz="2000" dirty="0"/>
-                        <a:t>2</a:t>
-                      </a:r>
-                      <a:r>
-                        <a:rPr kumimoji="1" lang="ja-JP" altLang="en-US" sz="2000"/>
-                        <a:t>乗</a:t>
-                      </a:r>
-                    </a:p>
-                  </a:txBody>
-                  <a:tcPr anchor="ctr"/>
-                </a:tc>
-                <a:tc>
-                  <a:txBody>
-                    <a:bodyPr/>
-                    <a:lstStyle/>
-                    <a:p>
-                      <a:pPr algn="r"/>
-                      <a:r>
-                        <a:rPr kumimoji="1" lang="en-US" altLang="ja-JP" sz="2000" dirty="0"/>
-                        <a:t>(40-100/3)^2</a:t>
-                      </a:r>
-                      <a:endParaRPr kumimoji="1" lang="ja-JP" altLang="en-US" sz="2000"/>
-                    </a:p>
-                  </a:txBody>
-                  <a:tcPr anchor="ctr"/>
-                </a:tc>
-                <a:tc>
-                  <a:txBody>
-                    <a:bodyPr/>
-                    <a:lstStyle/>
-                    <a:p>
-                      <a:pPr algn="r"/>
-                      <a:r>
-                        <a:rPr kumimoji="1" lang="en-US" altLang="ja-JP" sz="2000" dirty="0"/>
-                        <a:t>(20-100/3)^2</a:t>
-                      </a:r>
-                      <a:endParaRPr kumimoji="1" lang="ja-JP" altLang="en-US" sz="2000"/>
-                    </a:p>
-                  </a:txBody>
-                  <a:tcPr anchor="ctr"/>
-                </a:tc>
-                <a:tc>
-                  <a:txBody>
-                    <a:bodyPr/>
-                    <a:lstStyle/>
-                    <a:p>
-                      <a:pPr algn="r"/>
-                      <a:r>
-                        <a:rPr kumimoji="1" lang="en-US" altLang="ja-JP" sz="2000" dirty="0"/>
-                        <a:t>(40-100/3) )^2</a:t>
-                      </a:r>
-                      <a:endParaRPr kumimoji="1" lang="ja-JP" altLang="en-US" sz="2000"/>
-                    </a:p>
-                  </a:txBody>
-                  <a:tcPr anchor="ctr"/>
-                </a:tc>
-                <a:tc>
-                  <a:txBody>
-                    <a:bodyPr/>
-                    <a:lstStyle/>
-                    <a:p>
-                      <a:pPr algn="r"/>
-                      <a:r>
-                        <a:rPr kumimoji="1" lang="en-US" altLang="ja-JP" sz="1800" b="0" i="0" kern="1200" dirty="0">
-                          <a:solidFill>
-                            <a:schemeClr val="dk1"/>
-                          </a:solidFill>
-                          <a:effectLst/>
-                          <a:latin typeface="+mn-lt"/>
-                          <a:ea typeface="+mn-ea"/>
-                          <a:cs typeface="+mn-cs"/>
-                        </a:rPr>
-                        <a:t>266.6667</a:t>
-                      </a:r>
-                      <a:endParaRPr kumimoji="1" lang="ja-JP" altLang="en-US" sz="2000"/>
-                    </a:p>
-                  </a:txBody>
-                  <a:tcPr anchor="ctr"/>
-                </a:tc>
-                <a:extLst>
-                  <a:ext uri="{0D108BD9-81ED-4DB2-BD59-A6C34878D82A}">
-                    <a16:rowId xmlns:a16="http://schemas.microsoft.com/office/drawing/2014/main" val="475050616"/>
-                  </a:ext>
-                </a:extLst>
-              </a:tr>
-            </a:tbl>
-          </a:graphicData>
-        </a:graphic>
-      </p:graphicFrame>
-      <p:sp>
-        <p:nvSpPr>
-          <p:cNvPr id="7" name="テキスト ボックス 6">
-            <a:extLst>
-              <a:ext uri="{FF2B5EF4-FFF2-40B4-BE49-F238E27FC236}">
-                <a16:creationId xmlns:a16="http://schemas.microsoft.com/office/drawing/2014/main" id="{3B3CE665-52A0-C342-89A8-B18E5AC153D9}"/>
-              </a:ext>
-            </a:extLst>
-          </p:cNvPr>
-          <p:cNvSpPr txBox="1"/>
-          <p:nvPr/>
         </p:nvSpPr>
-        <p:spPr>
-          <a:xfrm>
-            <a:off x="658585" y="4122398"/>
-            <a:ext cx="10874830" cy="2677656"/>
-          </a:xfrm>
-          <a:prstGeom prst="rect">
-            <a:avLst/>
-          </a:prstGeom>
-          <a:noFill/>
-        </p:spPr>
+        <p:spPr/>
         <p:txBody>
-          <a:bodyPr wrap="square" rtlCol="0">
-            <a:spAutoFit/>
+          <a:bodyPr>
+            <a:normAutofit/>
           </a:bodyPr>
           <a:lstStyle/>
           <a:p>
-            <a:pPr marL="342900" indent="-342900">
-              <a:buFont typeface="Arial" panose="020B0604020202020204" pitchFamily="34" charset="0"/>
-              <a:buChar char="•"/>
+            <a:r>
+              <a:rPr kumimoji="1" lang="en-US" altLang="ja-JP" dirty="0"/>
+              <a:t>GLMM</a:t>
+            </a:r>
+            <a:r>
+              <a:rPr kumimoji="1" lang="ja-JP" altLang="en-US"/>
+              <a:t>を行う関数はいろいろある．</a:t>
+            </a:r>
+            <a:endParaRPr kumimoji="1" lang="en-US" altLang="ja-JP" dirty="0"/>
+          </a:p>
+          <a:p>
+            <a:pPr lvl="1"/>
+            <a:r>
+              <a:rPr lang="en-US" altLang="ja-JP" dirty="0" err="1"/>
+              <a:t>glmmML</a:t>
+            </a:r>
+            <a:r>
+              <a:rPr lang="ja-JP" altLang="en-US"/>
+              <a:t> </a:t>
+            </a:r>
+            <a:r>
+              <a:rPr lang="en-US" altLang="ja-JP" dirty="0"/>
+              <a:t>(library </a:t>
+            </a:r>
+            <a:r>
+              <a:rPr lang="en-US" altLang="ja-JP" dirty="0" err="1"/>
+              <a:t>glmmML</a:t>
+            </a:r>
+            <a:r>
+              <a:rPr lang="en-US" altLang="ja-JP" dirty="0"/>
+              <a:t>) </a:t>
+            </a:r>
+            <a:r>
+              <a:rPr lang="ja-JP" altLang="en-US"/>
+              <a:t>二項分布とポアソン分布</a:t>
+            </a:r>
+            <a:endParaRPr lang="en-US" altLang="ja-JP" dirty="0"/>
+          </a:p>
+          <a:p>
+            <a:pPr lvl="1"/>
+            <a:endParaRPr lang="en-US" altLang="ja-JP" dirty="0"/>
+          </a:p>
+          <a:p>
+            <a:pPr lvl="1"/>
+            <a:endParaRPr lang="en-US" altLang="ja-JP" dirty="0"/>
+          </a:p>
+          <a:p>
+            <a:r>
+              <a:rPr kumimoji="1" lang="ja-JP" altLang="en-US"/>
+              <a:t>今回は</a:t>
+            </a:r>
+            <a:r>
+              <a:rPr kumimoji="1" lang="en-US" altLang="ja-JP" dirty="0" err="1"/>
+              <a:t>glmmML</a:t>
+            </a:r>
+            <a:r>
+              <a:rPr kumimoji="1" lang="ja-JP" altLang="en-US"/>
+              <a:t>で実践．</a:t>
+            </a:r>
+            <a:endParaRPr kumimoji="1" lang="en-US" altLang="ja-JP" dirty="0"/>
+          </a:p>
+          <a:p>
+            <a:pPr lvl="1"/>
+            <a:r>
+              <a:rPr kumimoji="1" lang="en-US" altLang="ja-JP" dirty="0" err="1"/>
+              <a:t>glmmML</a:t>
+            </a:r>
+            <a:r>
+              <a:rPr kumimoji="1" lang="ja-JP" altLang="en-US"/>
+              <a:t>は誤差構造に</a:t>
+            </a:r>
+            <a:r>
+              <a:rPr lang="ja-JP" altLang="en-US"/>
+              <a:t>二項分布とポアソン分布しか仮定できない．ランダム効果も一つしか設定できない．</a:t>
+            </a:r>
+            <a:endParaRPr lang="en-US" altLang="ja-JP" dirty="0"/>
+          </a:p>
+          <a:p>
+            <a:pPr marL="0" indent="0">
+              <a:buNone/>
             </a:pPr>
-            <a:r>
-              <a:rPr lang="ja-JP" altLang="en-US" sz="2400"/>
-              <a:t>この場合の適合度検定におけるカイ二乗検定の帰無仮説は「観測度数は異なるカテゴリ間で違いがないと仮定した期待度数と一致する」</a:t>
-            </a:r>
-            <a:endParaRPr lang="en-US" altLang="ja-JP" sz="2400" dirty="0"/>
-          </a:p>
-          <a:p>
-            <a:pPr marL="342900" indent="-342900">
-              <a:buFont typeface="Arial" panose="020B0604020202020204" pitchFamily="34" charset="0"/>
-              <a:buChar char="•"/>
-            </a:pPr>
-            <a:r>
-              <a:rPr kumimoji="1" lang="ja-JP" altLang="en-US" sz="2400"/>
-              <a:t>カイ二乗は自由度</a:t>
-            </a:r>
-            <a:r>
-              <a:rPr kumimoji="1" lang="en-US" altLang="ja-JP" sz="2400" dirty="0"/>
-              <a:t>(df)=2(</a:t>
-            </a:r>
-            <a:r>
-              <a:rPr kumimoji="1" lang="ja-JP" altLang="en-US" sz="2400"/>
-              <a:t>グーとチョキが決まればパーは一意に決まる</a:t>
-            </a:r>
-            <a:r>
-              <a:rPr kumimoji="1" lang="en-US" altLang="ja-JP" sz="2400" dirty="0"/>
-              <a:t>)</a:t>
-            </a:r>
-            <a:r>
-              <a:rPr kumimoji="1" lang="ja-JP" altLang="en-US" sz="2400"/>
-              <a:t>のカイ二乗分布にしたがう．</a:t>
-            </a:r>
-            <a:r>
-              <a:rPr lang="ja-JP" altLang="en-US" sz="2400"/>
-              <a:t>自由度</a:t>
-            </a:r>
-            <a:r>
-              <a:rPr lang="en-US" altLang="ja-JP" sz="2400" dirty="0"/>
-              <a:t>2</a:t>
-            </a:r>
-            <a:r>
-              <a:rPr lang="ja-JP" altLang="en-US" sz="2400"/>
-              <a:t>で</a:t>
-            </a:r>
-            <a:r>
-              <a:rPr lang="en-US" altLang="ja-JP" sz="2400" dirty="0"/>
-              <a:t>χ</a:t>
-            </a:r>
-            <a:r>
-              <a:rPr lang="en-US" altLang="ja-JP" sz="2400" baseline="30000" dirty="0"/>
-              <a:t>2</a:t>
-            </a:r>
-            <a:r>
-              <a:rPr lang="en-US" altLang="ja-JP" sz="2400" dirty="0"/>
-              <a:t>=8</a:t>
-            </a:r>
-            <a:r>
-              <a:rPr lang="ja-JP" altLang="en-US" sz="2400"/>
-              <a:t>となる確率</a:t>
-            </a:r>
-            <a:r>
-              <a:rPr lang="en-US" altLang="ja-JP" sz="2400" i="1" dirty="0"/>
-              <a:t>p</a:t>
-            </a:r>
-            <a:r>
-              <a:rPr lang="ja-JP" altLang="en-US" sz="2400"/>
-              <a:t>は</a:t>
-            </a:r>
-            <a:r>
-              <a:rPr lang="en-US" altLang="ja-JP" sz="2400" dirty="0"/>
-              <a:t> 0.01832</a:t>
-            </a:r>
-            <a:r>
-              <a:rPr lang="ja-JP" altLang="en-US" sz="2400"/>
-              <a:t>．</a:t>
-            </a:r>
-            <a:endParaRPr lang="en-US" altLang="ja-JP" sz="2400" dirty="0"/>
-          </a:p>
-          <a:p>
-            <a:pPr marL="342900" indent="-342900">
-              <a:buFont typeface="Arial" panose="020B0604020202020204" pitchFamily="34" charset="0"/>
-              <a:buChar char="•"/>
-            </a:pPr>
-            <a:r>
-              <a:rPr lang="ja-JP" altLang="en-US" sz="2400"/>
-              <a:t>この確率が有意水準より小さい場合（例えば</a:t>
-            </a:r>
-            <a:r>
-              <a:rPr lang="en-US" altLang="ja-JP" sz="2400" dirty="0"/>
-              <a:t>0.05</a:t>
-            </a:r>
-            <a:r>
-              <a:rPr lang="ja-JP" altLang="en-US" sz="2400"/>
-              <a:t>）観測値は期待値（グーチョキパーが等確率で出るというモデル）に従っていないと判断される．→モデルと観測値の適合度を検定．</a:t>
-            </a:r>
-            <a:endParaRPr kumimoji="1" lang="ja-JP" altLang="en-US" sz="2400"/>
+            <a:endParaRPr kumimoji="1" lang="ja-JP" altLang="en-US"/>
           </a:p>
         </p:txBody>
       </p:sp>
     </p:spTree>
     <p:extLst>
       <p:ext uri="{BB962C8B-B14F-4D97-AF65-F5344CB8AC3E}">
-        <p14:creationId xmlns:p14="http://schemas.microsoft.com/office/powerpoint/2010/main" val="3185156017"/>
+        <p14:creationId xmlns:p14="http://schemas.microsoft.com/office/powerpoint/2010/main" val="2857971315"/>
       </p:ext>
     </p:extLst>
   </p:cSld>
@@ -5890,7 +9613,7 @@
           <p:cNvPr id="2" name="タイトル 1">
             <a:extLst>
               <a:ext uri="{FF2B5EF4-FFF2-40B4-BE49-F238E27FC236}">
-                <a16:creationId xmlns:a16="http://schemas.microsoft.com/office/drawing/2014/main" id="{C09836D2-1796-FB42-A1C5-8E63CADB49EB}"/>
+                <a16:creationId xmlns:a16="http://schemas.microsoft.com/office/drawing/2014/main" id="{7C9DA17A-E6BA-3E46-A75B-D99F16F908E5}"/>
               </a:ext>
             </a:extLst>
           </p:cNvPr>
@@ -5908,11 +9631,11 @@
           <a:p>
             <a:r>
               <a:rPr kumimoji="1" lang="en-US" altLang="ja-JP" dirty="0"/>
-              <a:t>GLM</a:t>
-            </a:r>
-            <a:r>
-              <a:rPr kumimoji="1" lang="ja-JP" altLang="en-US"/>
-              <a:t>の結果の過分散チェック</a:t>
+              <a:t>GLMM</a:t>
+            </a:r>
+            <a:r>
+              <a:rPr kumimoji="1" lang="ja-JP" altLang="en-US"/>
+              <a:t>の結果から効果の取り出し</a:t>
             </a:r>
           </a:p>
         </p:txBody>
@@ -5922,194 +9645,7 @@
           <p:cNvPr id="3" name="コンテンツ プレースホルダー 2">
             <a:extLst>
               <a:ext uri="{FF2B5EF4-FFF2-40B4-BE49-F238E27FC236}">
-                <a16:creationId xmlns:a16="http://schemas.microsoft.com/office/drawing/2014/main" id="{98987442-2918-D04B-BB5D-BD5790BC103F}"/>
-              </a:ext>
-            </a:extLst>
-          </p:cNvPr>
-          <p:cNvSpPr>
-            <a:spLocks noGrp="1"/>
-          </p:cNvSpPr>
-          <p:nvPr>
-            <p:ph idx="1"/>
-          </p:nvPr>
-        </p:nvSpPr>
-        <p:spPr/>
-        <p:txBody>
-          <a:bodyPr>
-            <a:normAutofit/>
-          </a:bodyPr>
-          <a:lstStyle/>
-          <a:p>
-            <a:r>
-              <a:rPr kumimoji="1" lang="ja-JP" altLang="en-US"/>
-              <a:t>第</a:t>
-            </a:r>
-            <a:r>
-              <a:rPr lang="en-US" altLang="ja-JP" dirty="0"/>
-              <a:t>26</a:t>
-            </a:r>
-            <a:r>
-              <a:rPr kumimoji="1" lang="ja-JP" altLang="en-US"/>
-              <a:t>回で解析した</a:t>
-            </a:r>
-            <a:r>
-              <a:rPr kumimoji="1" lang="en-US" altLang="ja-JP" dirty="0"/>
-              <a:t>GLM</a:t>
-            </a:r>
-            <a:r>
-              <a:rPr kumimoji="1" lang="ja-JP" altLang="en-US"/>
-              <a:t>の結果を船ごとに色分けしてプロット</a:t>
-            </a:r>
-            <a:r>
-              <a:rPr lang="en-US" altLang="ja-JP" dirty="0"/>
-              <a:t>	</a:t>
-            </a:r>
-          </a:p>
-          <a:p>
-            <a:endParaRPr lang="en-US" altLang="ja-JP" dirty="0"/>
-          </a:p>
-          <a:p>
-            <a:r>
-              <a:rPr lang="en-US" altLang="ja-JP" dirty="0"/>
-              <a:t>GLM</a:t>
-            </a:r>
-            <a:r>
-              <a:rPr lang="ja-JP" altLang="en-US"/>
-              <a:t>による予測を実線、</a:t>
-            </a:r>
-            <a:r>
-              <a:rPr lang="en-US" altLang="ja-JP" dirty="0"/>
-              <a:t>95%PI</a:t>
-            </a:r>
-            <a:r>
-              <a:rPr lang="ja-JP" altLang="en-US"/>
-              <a:t>を破線で示して、データが</a:t>
-            </a:r>
-            <a:r>
-              <a:rPr lang="en-US" altLang="ja-JP" dirty="0"/>
-              <a:t>95</a:t>
-            </a:r>
-            <a:r>
-              <a:rPr lang="ja-JP" altLang="en-US"/>
-              <a:t>％</a:t>
-            </a:r>
-            <a:r>
-              <a:rPr lang="en-US" altLang="ja-JP"/>
-              <a:t>PI</a:t>
-            </a:r>
-            <a:r>
-              <a:rPr lang="ja-JP" altLang="en-US"/>
-              <a:t>範囲内にどれだけ収まっているか？</a:t>
-            </a:r>
-            <a:endParaRPr kumimoji="1" lang="en-US" altLang="ja-JP" dirty="0"/>
-          </a:p>
-          <a:p>
-            <a:pPr marL="457200" lvl="1" indent="0">
-              <a:buNone/>
-            </a:pPr>
-            <a:r>
-              <a:rPr lang="ja-JP" altLang="en-US"/>
-              <a:t>→誤差構造はポアソン分布に従っている？</a:t>
-            </a:r>
-            <a:endParaRPr lang="en-US" altLang="ja-JP" dirty="0"/>
-          </a:p>
-          <a:p>
-            <a:pPr lvl="1"/>
-            <a:endParaRPr lang="en-US" altLang="ja-JP" dirty="0"/>
-          </a:p>
-          <a:p>
-            <a:r>
-              <a:rPr kumimoji="1" lang="ja-JP" altLang="en-US"/>
-              <a:t>数値としてチェック</a:t>
-            </a:r>
-            <a:endParaRPr kumimoji="1" lang="en-US" altLang="ja-JP" dirty="0"/>
-          </a:p>
-          <a:p>
-            <a:pPr lvl="1"/>
-            <a:r>
-              <a:rPr lang="en-US" altLang="ja-JP" dirty="0"/>
-              <a:t>library(performance)</a:t>
-            </a:r>
-            <a:r>
-              <a:rPr lang="ja-JP" altLang="en-US"/>
-              <a:t>の</a:t>
-            </a:r>
-            <a:r>
-              <a:rPr lang="en-US" altLang="ja-JP" dirty="0" err="1"/>
-              <a:t>check_overdispersion</a:t>
-            </a:r>
-            <a:r>
-              <a:rPr lang="ja-JP" altLang="en-US"/>
-              <a:t>関数を使う．</a:t>
-            </a:r>
-            <a:endParaRPr kumimoji="1" lang="ja-JP" altLang="en-US"/>
-          </a:p>
-        </p:txBody>
-      </p:sp>
-    </p:spTree>
-    <p:extLst>
-      <p:ext uri="{BB962C8B-B14F-4D97-AF65-F5344CB8AC3E}">
-        <p14:creationId xmlns:p14="http://schemas.microsoft.com/office/powerpoint/2010/main" val="4234602352"/>
-      </p:ext>
-    </p:extLst>
-  </p:cSld>
-  <p:clrMapOvr>
-    <a:masterClrMapping/>
-  </p:clrMapOvr>
-</p:sld>
-</file>
-
-<file path=ppt/slides/slide7.xml><?xml version="1.0" encoding="utf-8"?>
-<p:sld xmlns:a="http://schemas.openxmlformats.org/drawingml/2006/main" xmlns:r="http://schemas.openxmlformats.org/officeDocument/2006/relationships" xmlns:p="http://schemas.openxmlformats.org/presentationml/2006/main">
-  <p:cSld>
-    <p:spTree>
-      <p:nvGrpSpPr>
-        <p:cNvPr id="1" name=""/>
-        <p:cNvGrpSpPr/>
-        <p:nvPr/>
-      </p:nvGrpSpPr>
-      <p:grpSpPr>
-        <a:xfrm>
-          <a:off x="0" y="0"/>
-          <a:ext cx="0" cy="0"/>
-          <a:chOff x="0" y="0"/>
-          <a:chExt cx="0" cy="0"/>
-        </a:xfrm>
-      </p:grpSpPr>
-      <p:sp>
-        <p:nvSpPr>
-          <p:cNvPr id="2" name="タイトル 1">
-            <a:extLst>
-              <a:ext uri="{FF2B5EF4-FFF2-40B4-BE49-F238E27FC236}">
-                <a16:creationId xmlns:a16="http://schemas.microsoft.com/office/drawing/2014/main" id="{14F383C1-F4F6-F143-BB59-4370B86BFFD5}"/>
-              </a:ext>
-            </a:extLst>
-          </p:cNvPr>
-          <p:cNvSpPr>
-            <a:spLocks noGrp="1"/>
-          </p:cNvSpPr>
-          <p:nvPr>
-            <p:ph type="title"/>
-          </p:nvPr>
-        </p:nvSpPr>
-        <p:spPr/>
-        <p:txBody>
-          <a:bodyPr/>
-          <a:lstStyle/>
-          <a:p>
-            <a:r>
-              <a:rPr kumimoji="1" lang="ja-JP" altLang="en-US"/>
-              <a:t>過分散をもたらす原因</a:t>
-            </a:r>
-          </a:p>
-        </p:txBody>
-      </p:sp>
-      <p:sp>
-        <p:nvSpPr>
-          <p:cNvPr id="3" name="コンテンツ プレースホルダー 2">
-            <a:extLst>
-              <a:ext uri="{FF2B5EF4-FFF2-40B4-BE49-F238E27FC236}">
-                <a16:creationId xmlns:a16="http://schemas.microsoft.com/office/drawing/2014/main" id="{3BC21B0A-101C-D044-A534-0DE9DD86BA80}"/>
+                <a16:creationId xmlns:a16="http://schemas.microsoft.com/office/drawing/2014/main" id="{62F81264-F01C-B84C-8E0E-EB9C92E1FC39}"/>
               </a:ext>
             </a:extLst>
           </p:cNvPr>
@@ -6126,53 +9662,64 @@
           <a:lstStyle/>
           <a:p>
             <a:r>
-              <a:rPr kumimoji="1" lang="ja-JP" altLang="en-US"/>
-              <a:t>観測データの背景に仮定していなかった個々の事情がある</a:t>
+              <a:rPr kumimoji="1" lang="en-US" altLang="ja-JP" dirty="0"/>
+              <a:t>GLMM</a:t>
+            </a:r>
+            <a:r>
+              <a:rPr kumimoji="1" lang="ja-JP" altLang="en-US"/>
+              <a:t>によって固定効果の係数</a:t>
+            </a:r>
+            <a:r>
+              <a:rPr kumimoji="1" lang="en-US" altLang="ja-JP" dirty="0"/>
+              <a:t>β</a:t>
+            </a:r>
+            <a:r>
+              <a:rPr kumimoji="1" lang="ja-JP" altLang="en-US"/>
+              <a:t>とランダム効果のばらつき</a:t>
+            </a:r>
+            <a:r>
+              <a:rPr kumimoji="1" lang="en-US" altLang="ja-JP" i="1" dirty="0"/>
+              <a:t>s</a:t>
+            </a:r>
+            <a:r>
+              <a:rPr kumimoji="1" lang="ja-JP" altLang="en-US"/>
+              <a:t>が得られる．</a:t>
             </a:r>
             <a:endParaRPr kumimoji="1" lang="en-US" altLang="ja-JP" dirty="0"/>
           </a:p>
           <a:p>
+            <a:endParaRPr lang="en-US" altLang="ja-JP" dirty="0"/>
+          </a:p>
+          <a:p>
+            <a:r>
+              <a:rPr kumimoji="1" lang="ja-JP" altLang="en-US"/>
+              <a:t>そこから推定結果の予測値と信頼区間を求める．</a:t>
+            </a:r>
+            <a:endParaRPr lang="en-US" altLang="ja-JP" dirty="0"/>
+          </a:p>
+          <a:p>
             <a:pPr lvl="1"/>
             <a:r>
-              <a:rPr lang="ja-JP" altLang="en-US"/>
-              <a:t>個体差</a:t>
-            </a:r>
-            <a:endParaRPr lang="en-US" altLang="ja-JP" dirty="0"/>
-          </a:p>
-          <a:p>
-            <a:pPr lvl="1"/>
-            <a:r>
-              <a:rPr lang="ja-JP" altLang="en-US"/>
-              <a:t>場所の差</a:t>
-            </a:r>
-            <a:endParaRPr lang="en-US" altLang="ja-JP" dirty="0"/>
-          </a:p>
-          <a:p>
+              <a:rPr kumimoji="1" lang="ja-JP" altLang="en-US"/>
+              <a:t>予測値は固定効果から求めるが、信頼区間は？</a:t>
+            </a:r>
             <a:endParaRPr kumimoji="1" lang="en-US" altLang="ja-JP" dirty="0"/>
           </a:p>
           <a:p>
-            <a:r>
-              <a:rPr kumimoji="1" lang="ja-JP" altLang="en-US"/>
-              <a:t>ポアソン分布で誤差を生じる以前にそもそも個体差、操業場所の違いなどで誤差が生じる．</a:t>
-            </a:r>
-            <a:endParaRPr kumimoji="1" lang="en-US" altLang="ja-JP" dirty="0"/>
-          </a:p>
-          <a:p>
-            <a:pPr marL="0" indent="0">
+            <a:pPr marL="457200" lvl="1" indent="0">
               <a:buNone/>
             </a:pPr>
             <a:r>
-              <a:rPr lang="ja-JP" altLang="en-US"/>
-              <a:t>　→ランダム効果として解析．</a:t>
-            </a:r>
-            <a:endParaRPr kumimoji="1" lang="en-US" altLang="ja-JP" dirty="0"/>
+              <a:rPr kumimoji="1" lang="ja-JP" altLang="en-US"/>
+              <a:t>→ブートストラップ解析</a:t>
+            </a:r>
           </a:p>
         </p:txBody>
       </p:sp>
     </p:spTree>
     <p:extLst>
       <p:ext uri="{BB962C8B-B14F-4D97-AF65-F5344CB8AC3E}">
-        <p14:creationId xmlns:p14="http://schemas.microsoft.com/office/powerpoint/2010/main" val="2859020871"/>
+        <p14:creationId xmlns:p14="http://schemas.microsoft.com/office/powerpoint/2010/main" val="4190019791"/>
       </p:ext>
     </p:extLst>
   </p:cSld>

--- a/R/スライド/第29回.pptx
+++ b/R/スライド/第29回.pptx
@@ -284,7 +284,7 @@
           <a:p>
             <a:fld id="{5C3D4433-5FBF-1E49-94A9-02E237BA3490}" type="datetimeFigureOut">
               <a:rPr kumimoji="1" lang="ja-JP" altLang="en-US" smtClean="0"/>
-              <a:t>2022/10/31</a:t>
+              <a:t>2022/11/5</a:t>
             </a:fld>
             <a:endParaRPr kumimoji="1" lang="ja-JP" altLang="en-US"/>
           </a:p>
@@ -627,20 +627,7 @@
           <a:bodyPr/>
           <a:lstStyle/>
           <a:p>
-            <a:r>
-              <a:rPr kumimoji="1" lang="ja-JP" altLang="en-US"/>
-              <a:t>カテゴリ変数の場合、各カテゴリに係数が割り振られるのでは？</a:t>
-            </a:r>
             <a:endParaRPr kumimoji="1" lang="en-US" altLang="ja-JP" dirty="0"/>
-          </a:p>
-          <a:p>
-            <a:endParaRPr kumimoji="1" lang="en-US" altLang="ja-JP" dirty="0"/>
-          </a:p>
-          <a:p>
-            <a:r>
-              <a:rPr kumimoji="1" lang="ja-JP" altLang="en-US"/>
-              <a:t>ランダム効果は、線形モデルでカテゴリごとに与えられる係数を確率分布で表現するイメージ？</a:t>
-            </a:r>
           </a:p>
         </p:txBody>
       </p:sp>
@@ -724,17 +711,7 @@
           <a:bodyPr/>
           <a:lstStyle/>
           <a:p>
-            <a:r>
-              <a:rPr kumimoji="1" lang="ja-JP" altLang="en-US"/>
-              <a:t>なんかここは、具体的な例を出して説明しないと伝わらなさそうな気がする。</a:t>
-            </a:r>
-            <a:endParaRPr kumimoji="1" lang="en-US" altLang="ja-JP" dirty="0"/>
-          </a:p>
-          <a:p>
-            <a:r>
-              <a:rPr kumimoji="1" lang="ja-JP" altLang="en-US"/>
-              <a:t>大事なのは、個別の係数を推定するのではなく、その係数の分散のみを推定すること、それによってモデルの自由度を絞って説明変数のいたずらな増加を防げること。</a:t>
-            </a:r>
+            <a:endParaRPr kumimoji="1" lang="ja-JP" altLang="en-US"/>
           </a:p>
         </p:txBody>
       </p:sp>
@@ -1005,7 +982,7 @@
           <a:p>
             <a:fld id="{E7AA294B-5299-B042-9CE8-0D364E0B4401}" type="datetimeFigureOut">
               <a:rPr kumimoji="1" lang="ja-JP" altLang="en-US" smtClean="0"/>
-              <a:t>2022/10/31</a:t>
+              <a:t>2022/11/5</a:t>
             </a:fld>
             <a:endParaRPr kumimoji="1" lang="ja-JP" altLang="en-US"/>
           </a:p>
@@ -1235,7 +1212,7 @@
           <a:p>
             <a:fld id="{E7AA294B-5299-B042-9CE8-0D364E0B4401}" type="datetimeFigureOut">
               <a:rPr kumimoji="1" lang="ja-JP" altLang="en-US" smtClean="0"/>
-              <a:t>2022/10/31</a:t>
+              <a:t>2022/11/5</a:t>
             </a:fld>
             <a:endParaRPr kumimoji="1" lang="ja-JP" altLang="en-US"/>
           </a:p>
@@ -1475,7 +1452,7 @@
           <a:p>
             <a:fld id="{E7AA294B-5299-B042-9CE8-0D364E0B4401}" type="datetimeFigureOut">
               <a:rPr kumimoji="1" lang="ja-JP" altLang="en-US" smtClean="0"/>
-              <a:t>2022/10/31</a:t>
+              <a:t>2022/11/5</a:t>
             </a:fld>
             <a:endParaRPr kumimoji="1" lang="ja-JP" altLang="en-US"/>
           </a:p>
@@ -1705,7 +1682,7 @@
           <a:p>
             <a:fld id="{E7AA294B-5299-B042-9CE8-0D364E0B4401}" type="datetimeFigureOut">
               <a:rPr kumimoji="1" lang="ja-JP" altLang="en-US" smtClean="0"/>
-              <a:t>2022/10/31</a:t>
+              <a:t>2022/11/5</a:t>
             </a:fld>
             <a:endParaRPr kumimoji="1" lang="ja-JP" altLang="en-US"/>
           </a:p>
@@ -1980,7 +1957,7 @@
           <a:p>
             <a:fld id="{E7AA294B-5299-B042-9CE8-0D364E0B4401}" type="datetimeFigureOut">
               <a:rPr kumimoji="1" lang="ja-JP" altLang="en-US" smtClean="0"/>
-              <a:t>2022/10/31</a:t>
+              <a:t>2022/11/5</a:t>
             </a:fld>
             <a:endParaRPr kumimoji="1" lang="ja-JP" altLang="en-US"/>
           </a:p>
@@ -2309,7 +2286,7 @@
           <a:p>
             <a:fld id="{E7AA294B-5299-B042-9CE8-0D364E0B4401}" type="datetimeFigureOut">
               <a:rPr kumimoji="1" lang="ja-JP" altLang="en-US" smtClean="0"/>
-              <a:t>2022/10/31</a:t>
+              <a:t>2022/11/5</a:t>
             </a:fld>
             <a:endParaRPr kumimoji="1" lang="ja-JP" altLang="en-US"/>
           </a:p>
@@ -2785,7 +2762,7 @@
           <a:p>
             <a:fld id="{E7AA294B-5299-B042-9CE8-0D364E0B4401}" type="datetimeFigureOut">
               <a:rPr kumimoji="1" lang="ja-JP" altLang="en-US" smtClean="0"/>
-              <a:t>2022/10/31</a:t>
+              <a:t>2022/11/5</a:t>
             </a:fld>
             <a:endParaRPr kumimoji="1" lang="ja-JP" altLang="en-US"/>
           </a:p>
@@ -2926,7 +2903,7 @@
           <a:p>
             <a:fld id="{E7AA294B-5299-B042-9CE8-0D364E0B4401}" type="datetimeFigureOut">
               <a:rPr kumimoji="1" lang="ja-JP" altLang="en-US" smtClean="0"/>
-              <a:t>2022/10/31</a:t>
+              <a:t>2022/11/5</a:t>
             </a:fld>
             <a:endParaRPr kumimoji="1" lang="ja-JP" altLang="en-US"/>
           </a:p>
@@ -3039,7 +3016,7 @@
           <a:p>
             <a:fld id="{E7AA294B-5299-B042-9CE8-0D364E0B4401}" type="datetimeFigureOut">
               <a:rPr kumimoji="1" lang="ja-JP" altLang="en-US" smtClean="0"/>
-              <a:t>2022/10/31</a:t>
+              <a:t>2022/11/5</a:t>
             </a:fld>
             <a:endParaRPr kumimoji="1" lang="ja-JP" altLang="en-US"/>
           </a:p>
@@ -3382,7 +3359,7 @@
           <a:p>
             <a:fld id="{E7AA294B-5299-B042-9CE8-0D364E0B4401}" type="datetimeFigureOut">
               <a:rPr kumimoji="1" lang="ja-JP" altLang="en-US" smtClean="0"/>
-              <a:t>2022/10/31</a:t>
+              <a:t>2022/11/5</a:t>
             </a:fld>
             <a:endParaRPr kumimoji="1" lang="ja-JP" altLang="en-US"/>
           </a:p>
@@ -3670,7 +3647,7 @@
           <a:p>
             <a:fld id="{E7AA294B-5299-B042-9CE8-0D364E0B4401}" type="datetimeFigureOut">
               <a:rPr kumimoji="1" lang="ja-JP" altLang="en-US" smtClean="0"/>
-              <a:t>2022/10/31</a:t>
+              <a:t>2022/11/5</a:t>
             </a:fld>
             <a:endParaRPr kumimoji="1" lang="ja-JP" altLang="en-US"/>
           </a:p>
@@ -3943,7 +3920,7 @@
           <a:p>
             <a:fld id="{E7AA294B-5299-B042-9CE8-0D364E0B4401}" type="datetimeFigureOut">
               <a:rPr kumimoji="1" lang="ja-JP" altLang="en-US" smtClean="0"/>
-              <a:t>2022/10/31</a:t>
+              <a:t>2022/11/5</a:t>
             </a:fld>
             <a:endParaRPr kumimoji="1" lang="ja-JP" altLang="en-US"/>
           </a:p>
@@ -4416,7 +4393,7 @@
           <a:p>
             <a:r>
               <a:rPr kumimoji="1" lang="ja-JP" altLang="en-US"/>
-              <a:t>固定効果とランダム効果</a:t>
+              <a:t>固定効果とランダム効果：一般化線形混合モデル</a:t>
             </a:r>
           </a:p>
         </p:txBody>
@@ -4465,7 +4442,7 @@
         </p:nvSpPr>
         <p:spPr>
           <a:xfrm>
-            <a:off x="9132570" y="5092065"/>
+            <a:off x="9027640" y="5556756"/>
             <a:ext cx="2343150" cy="788670"/>
           </a:xfrm>
           <a:prstGeom prst="rect">
@@ -4524,7 +4501,7 @@
         </p:nvSpPr>
         <p:spPr>
           <a:xfrm>
-            <a:off x="8446770" y="3177540"/>
+            <a:off x="8480939" y="3642231"/>
             <a:ext cx="3028950" cy="502920"/>
           </a:xfrm>
           <a:prstGeom prst="roundRect">
@@ -4623,8 +4600,8 @@
         </p:nvSpPr>
         <p:spPr>
           <a:xfrm>
-            <a:off x="838199" y="1825625"/>
-            <a:ext cx="10901855" cy="4351338"/>
+            <a:off x="716281" y="1825625"/>
+            <a:ext cx="11023774" cy="4874978"/>
           </a:xfrm>
         </p:spPr>
         <p:txBody>
@@ -4813,12 +4790,60 @@
           </a:p>
           <a:p>
             <a:pPr lvl="1"/>
+            <a:r>
+              <a:rPr lang="ja-JP" altLang="en-US"/>
+              <a:t>変数が量的変数でなく、質的</a:t>
+            </a:r>
+            <a:r>
+              <a:rPr lang="en-US" altLang="ja-JP" dirty="0"/>
+              <a:t>(</a:t>
+            </a:r>
+            <a:r>
+              <a:rPr lang="ja-JP" altLang="en-US"/>
+              <a:t>カテゴリ</a:t>
+            </a:r>
+            <a:r>
+              <a:rPr lang="en-US" altLang="ja-JP" dirty="0"/>
+              <a:t>)</a:t>
+            </a:r>
+            <a:r>
+              <a:rPr lang="ja-JP" altLang="en-US"/>
+              <a:t>変数である場合、切片が推定されるが、ここでは切片</a:t>
+            </a:r>
+            <a:r>
+              <a:rPr lang="en-US" altLang="ja-JP" dirty="0"/>
+              <a:t>β</a:t>
+            </a:r>
+            <a:r>
+              <a:rPr lang="ja-JP" altLang="en-US"/>
+              <a:t>と変数の種類</a:t>
+            </a:r>
+            <a:r>
+              <a:rPr lang="en-US" altLang="ja-JP" dirty="0"/>
+              <a:t> x</a:t>
+            </a:r>
+            <a:r>
+              <a:rPr lang="ja-JP" altLang="en-US"/>
+              <a:t>の掛け算で表しているものとする</a:t>
+            </a:r>
+            <a:endParaRPr lang="en-US" altLang="ja-JP" dirty="0"/>
+          </a:p>
+          <a:p>
+            <a:pPr lvl="1"/>
             <a:endParaRPr kumimoji="1" lang="en-US" altLang="ja-JP" dirty="0"/>
           </a:p>
           <a:p>
             <a:r>
               <a:rPr kumimoji="1" lang="ja-JP" altLang="en-US"/>
-              <a:t>カテゴリごとに係数</a:t>
+              <a:t>カテゴリ</a:t>
+            </a:r>
+            <a:r>
+              <a:rPr kumimoji="1" lang="en-US" altLang="ja-JP" dirty="0" err="1"/>
+              <a:t>i</a:t>
+            </a:r>
+            <a:r>
+              <a:rPr kumimoji="1" lang="ja-JP" altLang="en-US"/>
+              <a:t>ごとに係数</a:t>
             </a:r>
             <a:r>
               <a:rPr kumimoji="1" lang="en-US" altLang="ja-JP" dirty="0"/>
@@ -4830,7 +4855,7 @@
             </a:r>
             <a:r>
               <a:rPr kumimoji="1" lang="en-US" altLang="ja-JP" dirty="0"/>
-              <a:t>,</a:t>
+              <a:t>, </a:t>
             </a:r>
             <a:r>
               <a:rPr lang="en-US" altLang="ja-JP" dirty="0"/>
@@ -4932,10 +4957,10 @@
             </a:r>
             <a:r>
               <a:rPr lang="en-US" altLang="ja-JP" dirty="0"/>
-              <a:t> +</a:t>
-            </a:r>
-            <a:r>
-              <a:rPr lang="en-US" altLang="ja-JP" i="1" dirty="0" err="1"/>
+              <a:t> {+ </a:t>
+            </a:r>
+            <a:r>
+              <a:rPr lang="en-US" altLang="ja-JP" dirty="0" err="1"/>
               <a:t>r</a:t>
             </a:r>
             <a:r>
@@ -4944,7 +4969,7 @@
             </a:r>
             <a:r>
               <a:rPr lang="en-US" altLang="ja-JP" dirty="0"/>
-              <a:t>) +</a:t>
+              <a:t>} ) +</a:t>
             </a:r>
             <a:r>
               <a:rPr lang="en-US" altLang="ja-JP" dirty="0" err="1"/>
@@ -5042,8 +5067,8 @@
           </a:p>
         </p:txBody>
       </p:sp>
-      <mc:AlternateContent xmlns:mc="http://schemas.openxmlformats.org/markup-compatibility/2006" xmlns:a14="http://schemas.microsoft.com/office/drawing/2010/main">
-        <mc:Choice Requires="a14">
+      <mc:AlternateContent xmlns:mc="http://schemas.openxmlformats.org/markup-compatibility/2006">
+        <mc:Choice xmlns:a14="http://schemas.microsoft.com/office/drawing/2010/main" Requires="a14">
           <p:sp>
             <p:nvSpPr>
               <p:cNvPr id="3" name="コンテンツ プレースホルダー 2">
@@ -5062,13 +5087,13 @@
             </p:nvSpPr>
             <p:spPr>
               <a:xfrm>
-                <a:off x="838201" y="1502979"/>
-                <a:ext cx="7630395" cy="5223642"/>
+                <a:off x="140949" y="1502978"/>
+                <a:ext cx="8432098" cy="4989897"/>
               </a:xfrm>
             </p:spPr>
             <p:txBody>
               <a:bodyPr>
-                <a:normAutofit fontScale="70000" lnSpcReduction="20000"/>
+                <a:normAutofit fontScale="77500" lnSpcReduction="20000"/>
               </a:bodyPr>
               <a:lstStyle/>
               <a:p>
@@ -5078,7 +5103,7 @@
                 </a:r>
                 <a:r>
                   <a:rPr kumimoji="1" lang="en-US" altLang="ja-JP" dirty="0"/>
-                  <a:t>(Generalized Linear Mix Model; GLMM)</a:t>
+                  <a:t>(Generalized Linear Mixed Model; GLMM)</a:t>
                 </a:r>
                 <a:r>
                   <a:rPr kumimoji="1" lang="ja-JP" altLang="en-US"/>
@@ -5376,6 +5401,10 @@
                     </m:r>
                   </m:oMath>
                 </a14:m>
+                <a:endParaRPr lang="en-US" altLang="ja-JP" dirty="0"/>
+              </a:p>
+              <a:p>
+                <a:pPr lvl="1"/>
                 <a:endParaRPr lang="en-US" altLang="ja-JP" dirty="0"/>
               </a:p>
               <a:p>
@@ -5821,37 +5850,6 @@
                 <a:endParaRPr lang="en-US" altLang="ja-JP" dirty="0"/>
               </a:p>
               <a:p>
-                <a:pPr lvl="1"/>
-                <a:r>
-                  <a:rPr lang="ja-JP" altLang="en-US"/>
-                  <a:t>関数</a:t>
-                </a:r>
-                <a:r>
-                  <a:rPr lang="en-US" altLang="ja-JP" i="1" dirty="0">
-                    <a:latin typeface="Times New Roman" panose="02020603050405020304" pitchFamily="18" charset="0"/>
-                    <a:cs typeface="Times New Roman" panose="02020603050405020304" pitchFamily="18" charset="0"/>
-                  </a:rPr>
-                  <a:t>f</a:t>
-                </a:r>
-                <a:r>
-                  <a:rPr lang="en-US" altLang="ja-JP" dirty="0"/>
-                  <a:t>()</a:t>
-                </a:r>
-                <a:r>
-                  <a:rPr lang="ja-JP" altLang="en-US"/>
-                  <a:t>はカテゴリ</a:t>
-                </a:r>
-                <a:r>
-                  <a:rPr lang="en-US" altLang="ja-JP" dirty="0" err="1"/>
-                  <a:t>i</a:t>
-                </a:r>
-                <a:r>
-                  <a:rPr lang="ja-JP" altLang="en-US"/>
-                  <a:t>の尤度を導出</a:t>
-                </a:r>
-                <a:endParaRPr lang="en-US" altLang="ja-JP" dirty="0"/>
-              </a:p>
-              <a:p>
                 <a:endParaRPr kumimoji="1" lang="en-US" altLang="ja-JP" dirty="0"/>
               </a:p>
               <a:p>
@@ -5885,16 +5883,10 @@
                 </a:r>
                 <a:endParaRPr kumimoji="1" lang="en-US" altLang="ja-JP" dirty="0"/>
               </a:p>
-              <a:p>
-                <a:pPr marL="0" indent="0">
-                  <a:buNone/>
-                </a:pPr>
-                <a:endParaRPr kumimoji="1" lang="ja-JP" altLang="en-US"/>
-              </a:p>
             </p:txBody>
           </p:sp>
         </mc:Choice>
-        <mc:Fallback xmlns="">
+        <mc:Fallback>
           <p:sp>
             <p:nvSpPr>
               <p:cNvPr id="3" name="コンテンツ プレースホルダー 2">
@@ -5913,13 +5905,13 @@
             </p:nvSpPr>
             <p:spPr>
               <a:xfrm>
-                <a:off x="838201" y="1502979"/>
-                <a:ext cx="7630395" cy="5223642"/>
+                <a:off x="140949" y="1502978"/>
+                <a:ext cx="8432098" cy="4989897"/>
               </a:xfrm>
               <a:blipFill>
                 <a:blip r:embed="rId3"/>
                 <a:stretch>
-                  <a:fillRect l="-832" t="-1942" r="-1331"/>
+                  <a:fillRect l="-904" t="-2284" r="-452"/>
                 </a:stretch>
               </a:blipFill>
             </p:spPr>
@@ -6824,7 +6816,7 @@
         </p:blipFill>
         <p:spPr>
           <a:xfrm>
-            <a:off x="9525151" y="34873"/>
+            <a:off x="9470069" y="49354"/>
             <a:ext cx="2632989" cy="1776323"/>
           </a:xfrm>
           <a:prstGeom prst="rect">
@@ -7658,186 +7650,6 @@
       </p:grpSp>
       <p:cxnSp>
         <p:nvCxnSpPr>
-          <p:cNvPr id="71" name="直線コネクタ 70">
-            <a:extLst>
-              <a:ext uri="{FF2B5EF4-FFF2-40B4-BE49-F238E27FC236}">
-                <a16:creationId xmlns:a16="http://schemas.microsoft.com/office/drawing/2014/main" id="{AFDA4E43-1CF6-C84F-86D1-1D37772F5D0A}"/>
-              </a:ext>
-            </a:extLst>
-          </p:cNvPr>
-          <p:cNvCxnSpPr>
-            <a:cxnSpLocks/>
-          </p:cNvCxnSpPr>
-          <p:nvPr/>
-        </p:nvCxnSpPr>
-        <p:spPr>
-          <a:xfrm flipV="1">
-            <a:off x="10627968" y="692944"/>
-            <a:ext cx="0" cy="890803"/>
-          </a:xfrm>
-          <a:prstGeom prst="line">
-            <a:avLst/>
-          </a:prstGeom>
-          <a:ln w="34925">
-            <a:solidFill>
-              <a:schemeClr val="accent6">
-                <a:lumMod val="75000"/>
-              </a:schemeClr>
-            </a:solidFill>
-          </a:ln>
-        </p:spPr>
-        <p:style>
-          <a:lnRef idx="1">
-            <a:schemeClr val="accent1"/>
-          </a:lnRef>
-          <a:fillRef idx="0">
-            <a:schemeClr val="accent1"/>
-          </a:fillRef>
-          <a:effectRef idx="0">
-            <a:schemeClr val="accent1"/>
-          </a:effectRef>
-          <a:fontRef idx="minor">
-            <a:schemeClr val="tx1"/>
-          </a:fontRef>
-        </p:style>
-      </p:cxnSp>
-      <p:cxnSp>
-        <p:nvCxnSpPr>
-          <p:cNvPr id="73" name="直線コネクタ 72">
-            <a:extLst>
-              <a:ext uri="{FF2B5EF4-FFF2-40B4-BE49-F238E27FC236}">
-                <a16:creationId xmlns:a16="http://schemas.microsoft.com/office/drawing/2014/main" id="{2089698D-A994-504A-8C00-2FA186474692}"/>
-              </a:ext>
-            </a:extLst>
-          </p:cNvPr>
-          <p:cNvCxnSpPr>
-            <a:cxnSpLocks/>
-          </p:cNvCxnSpPr>
-          <p:nvPr/>
-        </p:nvCxnSpPr>
-        <p:spPr>
-          <a:xfrm flipV="1">
-            <a:off x="10910186" y="307181"/>
-            <a:ext cx="0" cy="1276565"/>
-          </a:xfrm>
-          <a:prstGeom prst="line">
-            <a:avLst/>
-          </a:prstGeom>
-          <a:ln w="34925">
-            <a:solidFill>
-              <a:schemeClr val="accent6">
-                <a:lumMod val="75000"/>
-              </a:schemeClr>
-            </a:solidFill>
-          </a:ln>
-        </p:spPr>
-        <p:style>
-          <a:lnRef idx="1">
-            <a:schemeClr val="accent1"/>
-          </a:lnRef>
-          <a:fillRef idx="0">
-            <a:schemeClr val="accent1"/>
-          </a:fillRef>
-          <a:effectRef idx="0">
-            <a:schemeClr val="accent1"/>
-          </a:effectRef>
-          <a:fontRef idx="minor">
-            <a:schemeClr val="tx1"/>
-          </a:fontRef>
-        </p:style>
-      </p:cxnSp>
-      <p:cxnSp>
-        <p:nvCxnSpPr>
-          <p:cNvPr id="77" name="直線コネクタ 76">
-            <a:extLst>
-              <a:ext uri="{FF2B5EF4-FFF2-40B4-BE49-F238E27FC236}">
-                <a16:creationId xmlns:a16="http://schemas.microsoft.com/office/drawing/2014/main" id="{E4DF022D-6C33-7542-A8F1-8A0C7C3C2E6C}"/>
-              </a:ext>
-            </a:extLst>
-          </p:cNvPr>
-          <p:cNvCxnSpPr>
-            <a:cxnSpLocks/>
-          </p:cNvCxnSpPr>
-          <p:nvPr/>
-        </p:nvCxnSpPr>
-        <p:spPr>
-          <a:xfrm flipV="1">
-            <a:off x="11173275" y="1112043"/>
-            <a:ext cx="0" cy="471703"/>
-          </a:xfrm>
-          <a:prstGeom prst="line">
-            <a:avLst/>
-          </a:prstGeom>
-          <a:ln w="34925">
-            <a:solidFill>
-              <a:schemeClr val="accent6">
-                <a:lumMod val="75000"/>
-              </a:schemeClr>
-            </a:solidFill>
-          </a:ln>
-        </p:spPr>
-        <p:style>
-          <a:lnRef idx="1">
-            <a:schemeClr val="accent1"/>
-          </a:lnRef>
-          <a:fillRef idx="0">
-            <a:schemeClr val="accent1"/>
-          </a:fillRef>
-          <a:effectRef idx="0">
-            <a:schemeClr val="accent1"/>
-          </a:effectRef>
-          <a:fontRef idx="minor">
-            <a:schemeClr val="tx1"/>
-          </a:fontRef>
-        </p:style>
-      </p:cxnSp>
-      <p:cxnSp>
-        <p:nvCxnSpPr>
-          <p:cNvPr id="81" name="直線コネクタ 80">
-            <a:extLst>
-              <a:ext uri="{FF2B5EF4-FFF2-40B4-BE49-F238E27FC236}">
-                <a16:creationId xmlns:a16="http://schemas.microsoft.com/office/drawing/2014/main" id="{B3F43300-6560-B344-98C8-51D56861D548}"/>
-              </a:ext>
-            </a:extLst>
-          </p:cNvPr>
-          <p:cNvCxnSpPr>
-            <a:cxnSpLocks/>
-          </p:cNvCxnSpPr>
-          <p:nvPr/>
-        </p:nvCxnSpPr>
-        <p:spPr>
-          <a:xfrm flipV="1">
-            <a:off x="10421802" y="1264444"/>
-            <a:ext cx="0" cy="319304"/>
-          </a:xfrm>
-          <a:prstGeom prst="line">
-            <a:avLst/>
-          </a:prstGeom>
-          <a:ln w="34925">
-            <a:solidFill>
-              <a:schemeClr val="accent6">
-                <a:lumMod val="75000"/>
-              </a:schemeClr>
-            </a:solidFill>
-          </a:ln>
-        </p:spPr>
-        <p:style>
-          <a:lnRef idx="1">
-            <a:schemeClr val="accent1"/>
-          </a:lnRef>
-          <a:fillRef idx="0">
-            <a:schemeClr val="accent1"/>
-          </a:fillRef>
-          <a:effectRef idx="0">
-            <a:schemeClr val="accent1"/>
-          </a:effectRef>
-          <a:fontRef idx="minor">
-            <a:schemeClr val="tx1"/>
-          </a:fontRef>
-        </p:style>
-      </p:cxnSp>
-      <p:cxnSp>
-        <p:nvCxnSpPr>
           <p:cNvPr id="84" name="直線矢印コネクタ 83">
             <a:extLst>
               <a:ext uri="{FF2B5EF4-FFF2-40B4-BE49-F238E27FC236}">
@@ -7852,8 +7664,8 @@
         </p:nvCxnSpPr>
         <p:spPr>
           <a:xfrm flipH="1">
-            <a:off x="9803993" y="1529985"/>
-            <a:ext cx="600494" cy="1796136"/>
+            <a:off x="9803993" y="1320883"/>
+            <a:ext cx="785900" cy="2005238"/>
           </a:xfrm>
           <a:prstGeom prst="straightConnector1">
             <a:avLst/>
@@ -7899,8 +7711,8 @@
         </p:nvCxnSpPr>
         <p:spPr>
           <a:xfrm flipH="1">
-            <a:off x="10910186" y="1553143"/>
-            <a:ext cx="231946" cy="1944600"/>
+            <a:off x="10910186" y="1362513"/>
+            <a:ext cx="78861" cy="2135230"/>
           </a:xfrm>
           <a:prstGeom prst="straightConnector1">
             <a:avLst/>
@@ -7946,8 +7758,8 @@
         </p:nvCxnSpPr>
         <p:spPr>
           <a:xfrm flipH="1">
-            <a:off x="10438803" y="1570631"/>
-            <a:ext cx="434364" cy="4562363"/>
+            <a:off x="10438803" y="1331956"/>
+            <a:ext cx="389500" cy="4801038"/>
           </a:xfrm>
           <a:prstGeom prst="straightConnector1">
             <a:avLst/>
@@ -7993,8 +7805,8 @@
         </p:nvCxnSpPr>
         <p:spPr>
           <a:xfrm flipH="1">
-            <a:off x="9827412" y="1563860"/>
-            <a:ext cx="783531" cy="4513715"/>
+            <a:off x="9827412" y="1335937"/>
+            <a:ext cx="867318" cy="4741638"/>
           </a:xfrm>
           <a:prstGeom prst="straightConnector1">
             <a:avLst/>
@@ -8100,13 +7912,13 @@
         </p:nvSpPr>
         <p:spPr>
           <a:xfrm>
-            <a:off x="838200" y="1825625"/>
+            <a:off x="533274" y="1825626"/>
             <a:ext cx="6818156" cy="4351338"/>
           </a:xfrm>
         </p:spPr>
         <p:txBody>
           <a:bodyPr>
-            <a:normAutofit lnSpcReduction="10000"/>
+            <a:normAutofit/>
           </a:bodyPr>
           <a:lstStyle/>
           <a:p>
@@ -8125,14 +7937,6 @@
             <a:r>
               <a:rPr kumimoji="1" lang="ja-JP" altLang="en-US"/>
               <a:t>・温度で漁獲のデータを説明するにあたって、操業した海域によって漁獲が異なる場合</a:t>
-            </a:r>
-            <a:endParaRPr kumimoji="1" lang="en-US" altLang="ja-JP" dirty="0"/>
-          </a:p>
-          <a:p>
-            <a:pPr lvl="1"/>
-            <a:r>
-              <a:rPr kumimoji="1" lang="ja-JP" altLang="en-US"/>
-              <a:t>上記に加えて季節によって漁獲が異なる場合</a:t>
             </a:r>
             <a:endParaRPr kumimoji="1" lang="en-US" altLang="ja-JP" dirty="0"/>
           </a:p>
@@ -8182,7 +7986,7 @@
         </p:nvGrpSpPr>
         <p:grpSpPr>
           <a:xfrm>
-            <a:off x="7844167" y="1165972"/>
+            <a:off x="7639864" y="1451715"/>
             <a:ext cx="1582247" cy="3644348"/>
             <a:chOff x="8139525" y="2251510"/>
             <a:chExt cx="1582247" cy="3644348"/>
@@ -8697,7 +8501,7 @@
         </p:nvGrpSpPr>
         <p:grpSpPr>
           <a:xfrm>
-            <a:off x="9539598" y="3237690"/>
+            <a:off x="9418950" y="3281652"/>
             <a:ext cx="1576371" cy="3388178"/>
             <a:chOff x="10542845" y="2251727"/>
             <a:chExt cx="1576371" cy="3644348"/>
@@ -9368,12 +9172,12 @@
         </p:nvCxnSpPr>
         <p:spPr>
           <a:xfrm rot="16200000" flipH="1">
-            <a:off x="9770725" y="3298123"/>
-            <a:ext cx="2263667" cy="235918"/>
+            <a:off x="9714747" y="3354099"/>
+            <a:ext cx="2333467" cy="193763"/>
           </a:xfrm>
           <a:prstGeom prst="bentConnector3">
             <a:avLst>
-              <a:gd name="adj1" fmla="val 56087"/>
+              <a:gd name="adj1" fmla="val 55111"/>
             </a:avLst>
           </a:prstGeom>
           <a:ln w="22225">
@@ -9533,6 +9337,42 @@
           </a:p>
           <a:p>
             <a:pPr lvl="1"/>
+            <a:r>
+              <a:rPr lang="en-US" altLang="ja-JP" dirty="0" err="1"/>
+              <a:t>glmer</a:t>
+            </a:r>
+            <a:r>
+              <a:rPr lang="en-US" altLang="ja-JP"/>
+              <a:t> (</a:t>
+            </a:r>
+            <a:r>
+              <a:rPr lang="en-US" altLang="ja-JP" dirty="0" err="1"/>
+              <a:t>linrary</a:t>
+            </a:r>
+            <a:r>
+              <a:rPr lang="en-US" altLang="ja-JP" dirty="0"/>
+              <a:t> lme4) </a:t>
+            </a:r>
+            <a:r>
+              <a:rPr lang="ja-JP" altLang="en-US"/>
+              <a:t> </a:t>
+            </a:r>
+            <a:r>
+              <a:rPr lang="en-US" altLang="ja-JP" dirty="0" err="1"/>
+              <a:t>glm</a:t>
+            </a:r>
+            <a:r>
+              <a:rPr lang="ja-JP" altLang="en-US"/>
+              <a:t>関数で仮定できる分布．</a:t>
+            </a:r>
+            <a:endParaRPr lang="en-US" altLang="ja-JP" dirty="0"/>
+          </a:p>
+          <a:p>
+            <a:pPr lvl="1"/>
+            <a:r>
+              <a:rPr lang="ja-JP" altLang="en-US"/>
+              <a:t>そのほかにも様々なパッケージあり</a:t>
+            </a:r>
             <a:endParaRPr lang="en-US" altLang="ja-JP" dirty="0"/>
           </a:p>
           <a:p>
@@ -9613,7 +9453,7 @@
           <p:cNvPr id="2" name="タイトル 1">
             <a:extLst>
               <a:ext uri="{FF2B5EF4-FFF2-40B4-BE49-F238E27FC236}">
-                <a16:creationId xmlns:a16="http://schemas.microsoft.com/office/drawing/2014/main" id="{7C9DA17A-E6BA-3E46-A75B-D99F16F908E5}"/>
+                <a16:creationId xmlns:a16="http://schemas.microsoft.com/office/drawing/2014/main" id="{91BDD1C8-3615-ACAD-E08E-5EA93CFDE920}"/>
               </a:ext>
             </a:extLst>
           </p:cNvPr>
@@ -9635,7 +9475,7 @@
             </a:r>
             <a:r>
               <a:rPr kumimoji="1" lang="ja-JP" altLang="en-US"/>
-              <a:t>の結果から効果の取り出し</a:t>
+              <a:t>で解析</a:t>
             </a:r>
           </a:p>
         </p:txBody>
@@ -9645,7 +9485,7 @@
           <p:cNvPr id="3" name="コンテンツ プレースホルダー 2">
             <a:extLst>
               <a:ext uri="{FF2B5EF4-FFF2-40B4-BE49-F238E27FC236}">
-                <a16:creationId xmlns:a16="http://schemas.microsoft.com/office/drawing/2014/main" id="{62F81264-F01C-B84C-8E0E-EB9C92E1FC39}"/>
+                <a16:creationId xmlns:a16="http://schemas.microsoft.com/office/drawing/2014/main" id="{05D29CFF-CCB9-7FC1-FE30-5F20F32F7669}"/>
               </a:ext>
             </a:extLst>
           </p:cNvPr>
@@ -9662,64 +9502,44 @@
           <a:lstStyle/>
           <a:p>
             <a:r>
-              <a:rPr kumimoji="1" lang="en-US" altLang="ja-JP" dirty="0"/>
-              <a:t>GLMM</a:t>
-            </a:r>
-            <a:r>
-              <a:rPr kumimoji="1" lang="ja-JP" altLang="en-US"/>
-              <a:t>によって固定効果の係数</a:t>
-            </a:r>
-            <a:r>
-              <a:rPr kumimoji="1" lang="en-US" altLang="ja-JP" dirty="0"/>
-              <a:t>β</a:t>
-            </a:r>
-            <a:r>
-              <a:rPr kumimoji="1" lang="ja-JP" altLang="en-US"/>
-              <a:t>とランダム効果のばらつき</a:t>
-            </a:r>
-            <a:r>
-              <a:rPr kumimoji="1" lang="en-US" altLang="ja-JP" i="1" dirty="0"/>
-              <a:t>s</a:t>
-            </a:r>
-            <a:r>
-              <a:rPr kumimoji="1" lang="ja-JP" altLang="en-US"/>
-              <a:t>が得られる．</a:t>
+              <a:rPr kumimoji="1" lang="ja-JP" altLang="en-US"/>
+              <a:t>固定効果として説明変数に取り入れることが難しいが、目的変数に影響していそうな変数をランダム効果として取り込む．</a:t>
             </a:r>
             <a:endParaRPr kumimoji="1" lang="en-US" altLang="ja-JP" dirty="0"/>
           </a:p>
           <a:p>
-            <a:endParaRPr lang="en-US" altLang="ja-JP" dirty="0"/>
-          </a:p>
-          <a:p>
-            <a:r>
-              <a:rPr kumimoji="1" lang="ja-JP" altLang="en-US"/>
-              <a:t>そこから推定結果の予測値と信頼区間を求める．</a:t>
-            </a:r>
-            <a:endParaRPr lang="en-US" altLang="ja-JP" dirty="0"/>
-          </a:p>
-          <a:p>
-            <a:pPr lvl="1"/>
-            <a:r>
-              <a:rPr kumimoji="1" lang="ja-JP" altLang="en-US"/>
-              <a:t>予測値は固定効果から求めるが、信頼区間は？</a:t>
-            </a:r>
-            <a:endParaRPr kumimoji="1" lang="en-US" altLang="ja-JP" dirty="0"/>
-          </a:p>
-          <a:p>
-            <a:pPr marL="457200" lvl="1" indent="0">
+            <a:pPr marL="0" indent="0">
               <a:buNone/>
             </a:pPr>
-            <a:r>
-              <a:rPr kumimoji="1" lang="ja-JP" altLang="en-US"/>
-              <a:t>→ブートストラップ解析</a:t>
-            </a:r>
+            <a:endParaRPr lang="en-US" altLang="ja-JP" dirty="0"/>
+          </a:p>
+          <a:p>
+            <a:r>
+              <a:rPr lang="ja-JP" altLang="en-US"/>
+              <a:t>固定効果、ランダム効果を</a:t>
+            </a:r>
+            <a:r>
+              <a:rPr lang="en-US" altLang="ja-JP" dirty="0" err="1"/>
+              <a:t>glmmML</a:t>
+            </a:r>
+            <a:r>
+              <a:rPr lang="ja-JP" altLang="en-US"/>
+              <a:t>関数で推定した．</a:t>
+            </a:r>
+            <a:endParaRPr lang="en-US" altLang="ja-JP" dirty="0"/>
+          </a:p>
+          <a:p>
+            <a:endParaRPr kumimoji="1" lang="en-US" altLang="ja-JP" dirty="0"/>
+          </a:p>
+          <a:p>
+            <a:endParaRPr kumimoji="1" lang="ja-JP" altLang="en-US"/>
           </a:p>
         </p:txBody>
       </p:sp>
     </p:spTree>
     <p:extLst>
       <p:ext uri="{BB962C8B-B14F-4D97-AF65-F5344CB8AC3E}">
-        <p14:creationId xmlns:p14="http://schemas.microsoft.com/office/powerpoint/2010/main" val="4190019791"/>
+        <p14:creationId xmlns:p14="http://schemas.microsoft.com/office/powerpoint/2010/main" val="1472277635"/>
       </p:ext>
     </p:extLst>
   </p:cSld>

--- a/R/スライド/第29回.pptx
+++ b/R/スライド/第29回.pptx
@@ -5,15 +5,14 @@
     <p:sldMasterId id="2147483648" r:id="rId1"/>
   </p:sldMasterIdLst>
   <p:notesMasterIdLst>
-    <p:notesMasterId r:id="rId8"/>
+    <p:notesMasterId r:id="rId7"/>
   </p:notesMasterIdLst>
   <p:sldIdLst>
     <p:sldId id="256" r:id="rId2"/>
-    <p:sldId id="263" r:id="rId3"/>
-    <p:sldId id="264" r:id="rId4"/>
-    <p:sldId id="265" r:id="rId5"/>
-    <p:sldId id="266" r:id="rId6"/>
-    <p:sldId id="267" r:id="rId7"/>
+    <p:sldId id="268" r:id="rId3"/>
+    <p:sldId id="263" r:id="rId4"/>
+    <p:sldId id="266" r:id="rId5"/>
+    <p:sldId id="267" r:id="rId6"/>
   </p:sldIdLst>
   <p:sldSz cx="12192000" cy="6858000"/>
   <p:notesSz cx="6858000" cy="9144000"/>
@@ -120,88 +119,6 @@
 </p:presentation>
 </file>
 
-<file path=ppt/revisionInfo.xml><?xml version="1.0" encoding="utf-8"?>
-<p1510:revInfo xmlns:a="http://schemas.openxmlformats.org/drawingml/2006/main" xmlns:r="http://schemas.openxmlformats.org/officeDocument/2006/relationships" xmlns:p1510="http://schemas.microsoft.com/office/powerpoint/2015/10/main">
-  <p1510:revLst>
-    <p1510:client id="{F22A17EE-4167-2B41-B996-C345E89EEFB0}" v="1" dt="2021-11-24T15:06:31.291"/>
-  </p1510:revLst>
-</p1510:revInfo>
-</file>
-
-<file path=ppt/changesInfos/changesInfo1.xml><?xml version="1.0" encoding="utf-8"?>
-<pc:chgInfo xmlns:a="http://schemas.openxmlformats.org/drawingml/2006/main" xmlns:r="http://schemas.openxmlformats.org/officeDocument/2006/relationships" xmlns:ac="http://schemas.microsoft.com/office/drawing/2013/main/command" xmlns:pc="http://schemas.microsoft.com/office/powerpoint/2013/main/command">
-  <pc:docChgLst>
-    <pc:chgData name="Fukui Shin" userId="6902ee70c48ce296" providerId="LiveId" clId="{F22A17EE-4167-2B41-B996-C345E89EEFB0}"/>
-    <pc:docChg chg="undo custSel modSld">
-      <pc:chgData name="Fukui Shin" userId="6902ee70c48ce296" providerId="LiveId" clId="{F22A17EE-4167-2B41-B996-C345E89EEFB0}" dt="2021-11-24T15:18:30.217" v="413" actId="20577"/>
-      <pc:docMkLst>
-        <pc:docMk/>
-      </pc:docMkLst>
-      <pc:sldChg chg="modSp mod">
-        <pc:chgData name="Fukui Shin" userId="6902ee70c48ce296" providerId="LiveId" clId="{F22A17EE-4167-2B41-B996-C345E89EEFB0}" dt="2021-11-24T15:18:30.217" v="413" actId="20577"/>
-        <pc:sldMkLst>
-          <pc:docMk/>
-          <pc:sldMk cId="3669137468" sldId="256"/>
-        </pc:sldMkLst>
-        <pc:spChg chg="mod">
-          <ac:chgData name="Fukui Shin" userId="6902ee70c48ce296" providerId="LiveId" clId="{F22A17EE-4167-2B41-B996-C345E89EEFB0}" dt="2021-11-24T15:18:30.217" v="413" actId="20577"/>
-          <ac:spMkLst>
-            <pc:docMk/>
-            <pc:sldMk cId="3669137468" sldId="256"/>
-            <ac:spMk id="2" creationId="{E042A3A6-0337-7240-9493-91CB7D731C49}"/>
-          </ac:spMkLst>
-        </pc:spChg>
-      </pc:sldChg>
-      <pc:sldChg chg="modSp mod">
-        <pc:chgData name="Fukui Shin" userId="6902ee70c48ce296" providerId="LiveId" clId="{F22A17EE-4167-2B41-B996-C345E89EEFB0}" dt="2021-11-24T15:12:41.983" v="293" actId="20577"/>
-        <pc:sldMkLst>
-          <pc:docMk/>
-          <pc:sldMk cId="2426103001" sldId="264"/>
-        </pc:sldMkLst>
-        <pc:spChg chg="mod">
-          <ac:chgData name="Fukui Shin" userId="6902ee70c48ce296" providerId="LiveId" clId="{F22A17EE-4167-2B41-B996-C345E89EEFB0}" dt="2021-11-24T15:12:41.983" v="293" actId="20577"/>
-          <ac:spMkLst>
-            <pc:docMk/>
-            <pc:sldMk cId="2426103001" sldId="264"/>
-            <ac:spMk id="3" creationId="{6AB6596B-E717-A84A-851A-50C924979FEB}"/>
-          </ac:spMkLst>
-        </pc:spChg>
-      </pc:sldChg>
-      <pc:sldChg chg="modSp mod">
-        <pc:chgData name="Fukui Shin" userId="6902ee70c48ce296" providerId="LiveId" clId="{F22A17EE-4167-2B41-B996-C345E89EEFB0}" dt="2021-11-24T15:15:26.448" v="411" actId="20577"/>
-        <pc:sldMkLst>
-          <pc:docMk/>
-          <pc:sldMk cId="1777339200" sldId="265"/>
-        </pc:sldMkLst>
-        <pc:spChg chg="mod">
-          <ac:chgData name="Fukui Shin" userId="6902ee70c48ce296" providerId="LiveId" clId="{F22A17EE-4167-2B41-B996-C345E89EEFB0}" dt="2021-11-24T15:15:26.448" v="411" actId="20577"/>
-          <ac:spMkLst>
-            <pc:docMk/>
-            <pc:sldMk cId="1777339200" sldId="265"/>
-            <ac:spMk id="3" creationId="{6B5549BF-3578-5C45-9242-2BFB7DB143DA}"/>
-          </ac:spMkLst>
-        </pc:spChg>
-      </pc:sldChg>
-      <pc:sldChg chg="modSp mod">
-        <pc:chgData name="Fukui Shin" userId="6902ee70c48ce296" providerId="LiveId" clId="{F22A17EE-4167-2B41-B996-C345E89EEFB0}" dt="2021-11-24T15:06:37.872" v="263" actId="20577"/>
-        <pc:sldMkLst>
-          <pc:docMk/>
-          <pc:sldMk cId="2857971315" sldId="266"/>
-        </pc:sldMkLst>
-        <pc:spChg chg="mod">
-          <ac:chgData name="Fukui Shin" userId="6902ee70c48ce296" providerId="LiveId" clId="{F22A17EE-4167-2B41-B996-C345E89EEFB0}" dt="2021-11-24T15:06:37.872" v="263" actId="20577"/>
-          <ac:spMkLst>
-            <pc:docMk/>
-            <pc:sldMk cId="2857971315" sldId="266"/>
-            <ac:spMk id="3" creationId="{2900A259-287C-8746-BCB8-549AD2ECEA48}"/>
-          </ac:spMkLst>
-        </pc:spChg>
-      </pc:sldChg>
-    </pc:docChg>
-  </pc:docChgLst>
-</pc:chgInfo>
-</file>
-
 <file path=ppt/notesMasters/notesMaster1.xml><?xml version="1.0" encoding="utf-8"?>
 <p:notesMaster xmlns:a="http://schemas.openxmlformats.org/drawingml/2006/main" xmlns:r="http://schemas.openxmlformats.org/officeDocument/2006/relationships" xmlns:p="http://schemas.openxmlformats.org/presentationml/2006/main">
   <p:cSld>
@@ -284,7 +201,7 @@
           <a:p>
             <a:fld id="{5C3D4433-5FBF-1E49-94A9-02E237BA3490}" type="datetimeFigureOut">
               <a:rPr kumimoji="1" lang="ja-JP" altLang="en-US" smtClean="0"/>
-              <a:t>2022/11/5</a:t>
+              <a:t>2022/11/26</a:t>
             </a:fld>
             <a:endParaRPr kumimoji="1" lang="ja-JP" altLang="en-US"/>
           </a:p>
@@ -627,7 +544,7 @@
           <a:bodyPr/>
           <a:lstStyle/>
           <a:p>
-            <a:endParaRPr kumimoji="1" lang="en-US" altLang="ja-JP" dirty="0"/>
+            <a:endParaRPr kumimoji="1" lang="ja-JP" altLang="en-US"/>
           </a:p>
         </p:txBody>
       </p:sp>
@@ -657,7 +574,7 @@
     </p:spTree>
     <p:extLst>
       <p:ext uri="{BB962C8B-B14F-4D97-AF65-F5344CB8AC3E}">
-        <p14:creationId xmlns:p14="http://schemas.microsoft.com/office/powerpoint/2010/main" val="3689591581"/>
+        <p14:creationId xmlns:p14="http://schemas.microsoft.com/office/powerpoint/2010/main" val="4254332700"/>
       </p:ext>
     </p:extLst>
   </p:cSld>
@@ -711,7 +628,7 @@
           <a:bodyPr/>
           <a:lstStyle/>
           <a:p>
-            <a:endParaRPr kumimoji="1" lang="ja-JP" altLang="en-US"/>
+            <a:endParaRPr kumimoji="1" lang="en-US" altLang="ja-JP" dirty="0"/>
           </a:p>
         </p:txBody>
       </p:sp>
@@ -741,7 +658,7 @@
     </p:spTree>
     <p:extLst>
       <p:ext uri="{BB962C8B-B14F-4D97-AF65-F5344CB8AC3E}">
-        <p14:creationId xmlns:p14="http://schemas.microsoft.com/office/powerpoint/2010/main" val="3582969618"/>
+        <p14:creationId xmlns:p14="http://schemas.microsoft.com/office/powerpoint/2010/main" val="3689591581"/>
       </p:ext>
     </p:extLst>
   </p:cSld>
@@ -816,7 +733,7 @@
           <a:p>
             <a:fld id="{9639B2E0-7C4F-B341-AB89-E06623C928CE}" type="slidenum">
               <a:rPr kumimoji="1" lang="ja-JP" altLang="en-US" smtClean="0"/>
-              <a:t>5</a:t>
+              <a:t>4</a:t>
             </a:fld>
             <a:endParaRPr kumimoji="1" lang="ja-JP" altLang="en-US"/>
           </a:p>
@@ -982,7 +899,7 @@
           <a:p>
             <a:fld id="{E7AA294B-5299-B042-9CE8-0D364E0B4401}" type="datetimeFigureOut">
               <a:rPr kumimoji="1" lang="ja-JP" altLang="en-US" smtClean="0"/>
-              <a:t>2022/11/5</a:t>
+              <a:t>2022/11/26</a:t>
             </a:fld>
             <a:endParaRPr kumimoji="1" lang="ja-JP" altLang="en-US"/>
           </a:p>
@@ -1212,7 +1129,7 @@
           <a:p>
             <a:fld id="{E7AA294B-5299-B042-9CE8-0D364E0B4401}" type="datetimeFigureOut">
               <a:rPr kumimoji="1" lang="ja-JP" altLang="en-US" smtClean="0"/>
-              <a:t>2022/11/5</a:t>
+              <a:t>2022/11/26</a:t>
             </a:fld>
             <a:endParaRPr kumimoji="1" lang="ja-JP" altLang="en-US"/>
           </a:p>
@@ -1452,7 +1369,7 @@
           <a:p>
             <a:fld id="{E7AA294B-5299-B042-9CE8-0D364E0B4401}" type="datetimeFigureOut">
               <a:rPr kumimoji="1" lang="ja-JP" altLang="en-US" smtClean="0"/>
-              <a:t>2022/11/5</a:t>
+              <a:t>2022/11/26</a:t>
             </a:fld>
             <a:endParaRPr kumimoji="1" lang="ja-JP" altLang="en-US"/>
           </a:p>
@@ -1682,7 +1599,7 @@
           <a:p>
             <a:fld id="{E7AA294B-5299-B042-9CE8-0D364E0B4401}" type="datetimeFigureOut">
               <a:rPr kumimoji="1" lang="ja-JP" altLang="en-US" smtClean="0"/>
-              <a:t>2022/11/5</a:t>
+              <a:t>2022/11/26</a:t>
             </a:fld>
             <a:endParaRPr kumimoji="1" lang="ja-JP" altLang="en-US"/>
           </a:p>
@@ -1957,7 +1874,7 @@
           <a:p>
             <a:fld id="{E7AA294B-5299-B042-9CE8-0D364E0B4401}" type="datetimeFigureOut">
               <a:rPr kumimoji="1" lang="ja-JP" altLang="en-US" smtClean="0"/>
-              <a:t>2022/11/5</a:t>
+              <a:t>2022/11/26</a:t>
             </a:fld>
             <a:endParaRPr kumimoji="1" lang="ja-JP" altLang="en-US"/>
           </a:p>
@@ -2286,7 +2203,7 @@
           <a:p>
             <a:fld id="{E7AA294B-5299-B042-9CE8-0D364E0B4401}" type="datetimeFigureOut">
               <a:rPr kumimoji="1" lang="ja-JP" altLang="en-US" smtClean="0"/>
-              <a:t>2022/11/5</a:t>
+              <a:t>2022/11/26</a:t>
             </a:fld>
             <a:endParaRPr kumimoji="1" lang="ja-JP" altLang="en-US"/>
           </a:p>
@@ -2762,7 +2679,7 @@
           <a:p>
             <a:fld id="{E7AA294B-5299-B042-9CE8-0D364E0B4401}" type="datetimeFigureOut">
               <a:rPr kumimoji="1" lang="ja-JP" altLang="en-US" smtClean="0"/>
-              <a:t>2022/11/5</a:t>
+              <a:t>2022/11/26</a:t>
             </a:fld>
             <a:endParaRPr kumimoji="1" lang="ja-JP" altLang="en-US"/>
           </a:p>
@@ -2903,7 +2820,7 @@
           <a:p>
             <a:fld id="{E7AA294B-5299-B042-9CE8-0D364E0B4401}" type="datetimeFigureOut">
               <a:rPr kumimoji="1" lang="ja-JP" altLang="en-US" smtClean="0"/>
-              <a:t>2022/11/5</a:t>
+              <a:t>2022/11/26</a:t>
             </a:fld>
             <a:endParaRPr kumimoji="1" lang="ja-JP" altLang="en-US"/>
           </a:p>
@@ -3016,7 +2933,7 @@
           <a:p>
             <a:fld id="{E7AA294B-5299-B042-9CE8-0D364E0B4401}" type="datetimeFigureOut">
               <a:rPr kumimoji="1" lang="ja-JP" altLang="en-US" smtClean="0"/>
-              <a:t>2022/11/5</a:t>
+              <a:t>2022/11/26</a:t>
             </a:fld>
             <a:endParaRPr kumimoji="1" lang="ja-JP" altLang="en-US"/>
           </a:p>
@@ -3359,7 +3276,7 @@
           <a:p>
             <a:fld id="{E7AA294B-5299-B042-9CE8-0D364E0B4401}" type="datetimeFigureOut">
               <a:rPr kumimoji="1" lang="ja-JP" altLang="en-US" smtClean="0"/>
-              <a:t>2022/11/5</a:t>
+              <a:t>2022/11/26</a:t>
             </a:fld>
             <a:endParaRPr kumimoji="1" lang="ja-JP" altLang="en-US"/>
           </a:p>
@@ -3647,7 +3564,7 @@
           <a:p>
             <a:fld id="{E7AA294B-5299-B042-9CE8-0D364E0B4401}" type="datetimeFigureOut">
               <a:rPr kumimoji="1" lang="ja-JP" altLang="en-US" smtClean="0"/>
-              <a:t>2022/11/5</a:t>
+              <a:t>2022/11/26</a:t>
             </a:fld>
             <a:endParaRPr kumimoji="1" lang="ja-JP" altLang="en-US"/>
           </a:p>
@@ -3920,7 +3837,7 @@
           <a:p>
             <a:fld id="{E7AA294B-5299-B042-9CE8-0D364E0B4401}" type="datetimeFigureOut">
               <a:rPr kumimoji="1" lang="ja-JP" altLang="en-US" smtClean="0"/>
-              <a:t>2022/11/5</a:t>
+              <a:t>2022/11/26</a:t>
             </a:fld>
             <a:endParaRPr kumimoji="1" lang="ja-JP" altLang="en-US"/>
           </a:p>
@@ -4430,10 +4347,10 @@
       </p:grpSpPr>
       <p:sp>
         <p:nvSpPr>
-          <p:cNvPr id="5" name="正方形/長方形 4">
-            <a:extLst>
-              <a:ext uri="{FF2B5EF4-FFF2-40B4-BE49-F238E27FC236}">
-                <a16:creationId xmlns:a16="http://schemas.microsoft.com/office/drawing/2014/main" id="{8E8C25EE-BF33-8146-8161-763881C27555}"/>
+          <p:cNvPr id="14" name="角丸四角形 13">
+            <a:extLst>
+              <a:ext uri="{FF2B5EF4-FFF2-40B4-BE49-F238E27FC236}">
+                <a16:creationId xmlns:a16="http://schemas.microsoft.com/office/drawing/2014/main" id="{91F29BD2-8374-C33D-3BEC-CDEDFD8C4616}"/>
               </a:ext>
             </a:extLst>
           </p:cNvPr>
@@ -4442,8 +4359,439 @@
         </p:nvSpPr>
         <p:spPr>
           <a:xfrm>
-            <a:off x="9027640" y="5556756"/>
-            <a:ext cx="2343150" cy="788670"/>
+            <a:off x="5432939" y="6308862"/>
+            <a:ext cx="1378678" cy="502920"/>
+          </a:xfrm>
+          <a:prstGeom prst="roundRect">
+            <a:avLst/>
+          </a:prstGeom>
+          <a:solidFill>
+            <a:srgbClr val="4472C4">
+              <a:alpha val="50196"/>
+            </a:srgbClr>
+          </a:solidFill>
+        </p:spPr>
+        <p:style>
+          <a:lnRef idx="2">
+            <a:schemeClr val="accent1">
+              <a:shade val="50000"/>
+            </a:schemeClr>
+          </a:lnRef>
+          <a:fillRef idx="1">
+            <a:schemeClr val="accent1"/>
+          </a:fillRef>
+          <a:effectRef idx="0">
+            <a:schemeClr val="accent1"/>
+          </a:effectRef>
+          <a:fontRef idx="minor">
+            <a:schemeClr val="lt1"/>
+          </a:fontRef>
+        </p:style>
+        <p:txBody>
+          <a:bodyPr rtlCol="0" anchor="ctr"/>
+          <a:lstStyle/>
+          <a:p>
+            <a:pPr algn="ctr"/>
+            <a:endParaRPr kumimoji="1" lang="ja-JP" altLang="en-US"/>
+          </a:p>
+        </p:txBody>
+      </p:sp>
+      <p:pic>
+        <p:nvPicPr>
+          <p:cNvPr id="16" name="図 15">
+            <a:extLst>
+              <a:ext uri="{FF2B5EF4-FFF2-40B4-BE49-F238E27FC236}">
+                <a16:creationId xmlns:a16="http://schemas.microsoft.com/office/drawing/2014/main" id="{4AD169AF-923A-7BB2-8162-DCB603DEC524}"/>
+              </a:ext>
+            </a:extLst>
+          </p:cNvPr>
+          <p:cNvPicPr>
+            <a:picLocks noChangeAspect="1"/>
+          </p:cNvPicPr>
+          <p:nvPr/>
+        </p:nvPicPr>
+        <p:blipFill>
+          <a:blip r:embed="rId3"/>
+          <a:stretch>
+            <a:fillRect/>
+          </a:stretch>
+        </p:blipFill>
+        <p:spPr>
+          <a:xfrm>
+            <a:off x="5013971" y="261229"/>
+            <a:ext cx="6951781" cy="5561425"/>
+          </a:xfrm>
+          <a:prstGeom prst="rect">
+            <a:avLst/>
+          </a:prstGeom>
+        </p:spPr>
+      </p:pic>
+      <p:sp>
+        <p:nvSpPr>
+          <p:cNvPr id="6" name="左中かっこ 5">
+            <a:extLst>
+              <a:ext uri="{FF2B5EF4-FFF2-40B4-BE49-F238E27FC236}">
+                <a16:creationId xmlns:a16="http://schemas.microsoft.com/office/drawing/2014/main" id="{98743C38-B5DA-31C9-18DF-3C12E3389AEF}"/>
+              </a:ext>
+            </a:extLst>
+          </p:cNvPr>
+          <p:cNvSpPr/>
+          <p:nvPr/>
+        </p:nvSpPr>
+        <p:spPr>
+          <a:xfrm>
+            <a:off x="6206697" y="3842571"/>
+            <a:ext cx="131742" cy="537882"/>
+          </a:xfrm>
+          <a:prstGeom prst="leftBrace">
+            <a:avLst/>
+          </a:prstGeom>
+          <a:ln w="28575">
+            <a:solidFill>
+              <a:schemeClr val="accent2"/>
+            </a:solidFill>
+          </a:ln>
+        </p:spPr>
+        <p:style>
+          <a:lnRef idx="1">
+            <a:schemeClr val="accent1"/>
+          </a:lnRef>
+          <a:fillRef idx="0">
+            <a:schemeClr val="accent1"/>
+          </a:fillRef>
+          <a:effectRef idx="0">
+            <a:schemeClr val="accent1"/>
+          </a:effectRef>
+          <a:fontRef idx="minor">
+            <a:schemeClr val="tx1"/>
+          </a:fontRef>
+        </p:style>
+        <p:txBody>
+          <a:bodyPr rtlCol="0" anchor="ctr"/>
+          <a:lstStyle/>
+          <a:p>
+            <a:pPr algn="ctr"/>
+            <a:endParaRPr kumimoji="1" lang="ja-JP" altLang="en-US"/>
+          </a:p>
+        </p:txBody>
+      </p:sp>
+      <p:cxnSp>
+        <p:nvCxnSpPr>
+          <p:cNvPr id="8" name="直線矢印コネクタ 7">
+            <a:extLst>
+              <a:ext uri="{FF2B5EF4-FFF2-40B4-BE49-F238E27FC236}">
+                <a16:creationId xmlns:a16="http://schemas.microsoft.com/office/drawing/2014/main" id="{74CEF2CF-F93C-AD08-5226-E22C4AF7799E}"/>
+              </a:ext>
+            </a:extLst>
+          </p:cNvPr>
+          <p:cNvCxnSpPr>
+            <a:cxnSpLocks/>
+            <a:endCxn id="6" idx="1"/>
+          </p:cNvCxnSpPr>
+          <p:nvPr/>
+        </p:nvCxnSpPr>
+        <p:spPr>
+          <a:xfrm>
+            <a:off x="4180114" y="3842571"/>
+            <a:ext cx="2026583" cy="268941"/>
+          </a:xfrm>
+          <a:prstGeom prst="straightConnector1">
+            <a:avLst/>
+          </a:prstGeom>
+          <a:ln w="38100">
+            <a:solidFill>
+              <a:schemeClr val="accent2"/>
+            </a:solidFill>
+            <a:tailEnd type="triangle"/>
+          </a:ln>
+        </p:spPr>
+        <p:style>
+          <a:lnRef idx="1">
+            <a:schemeClr val="accent1"/>
+          </a:lnRef>
+          <a:fillRef idx="0">
+            <a:schemeClr val="accent1"/>
+          </a:fillRef>
+          <a:effectRef idx="0">
+            <a:schemeClr val="accent1"/>
+          </a:effectRef>
+          <a:fontRef idx="minor">
+            <a:schemeClr val="tx1"/>
+          </a:fontRef>
+        </p:style>
+      </p:cxnSp>
+      <p:sp>
+        <p:nvSpPr>
+          <p:cNvPr id="10" name="テキスト ボックス 9">
+            <a:extLst>
+              <a:ext uri="{FF2B5EF4-FFF2-40B4-BE49-F238E27FC236}">
+                <a16:creationId xmlns:a16="http://schemas.microsoft.com/office/drawing/2014/main" id="{4CF576A6-E356-8521-0F55-3D191941C77F}"/>
+              </a:ext>
+            </a:extLst>
+          </p:cNvPr>
+          <p:cNvSpPr txBox="1"/>
+          <p:nvPr/>
+        </p:nvSpPr>
+        <p:spPr>
+          <a:xfrm>
+            <a:off x="4521051" y="4031451"/>
+            <a:ext cx="1344707" cy="646331"/>
+          </a:xfrm>
+          <a:prstGeom prst="rect">
+            <a:avLst/>
+          </a:prstGeom>
+          <a:noFill/>
+        </p:spPr>
+        <p:txBody>
+          <a:bodyPr wrap="square" rtlCol="0">
+            <a:spAutoFit/>
+          </a:bodyPr>
+          <a:lstStyle/>
+          <a:p>
+            <a:r>
+              <a:rPr kumimoji="1" lang="ja-JP" altLang="en-US"/>
+              <a:t>ひとまとめにして</a:t>
+            </a:r>
+          </a:p>
+        </p:txBody>
+      </p:sp>
+      <p:sp>
+        <p:nvSpPr>
+          <p:cNvPr id="2" name="タイトル 1">
+            <a:extLst>
+              <a:ext uri="{FF2B5EF4-FFF2-40B4-BE49-F238E27FC236}">
+                <a16:creationId xmlns:a16="http://schemas.microsoft.com/office/drawing/2014/main" id="{7F26A505-241D-C467-93C4-DC07D869FE70}"/>
+              </a:ext>
+            </a:extLst>
+          </p:cNvPr>
+          <p:cNvSpPr>
+            <a:spLocks noGrp="1"/>
+          </p:cNvSpPr>
+          <p:nvPr>
+            <p:ph type="title"/>
+          </p:nvPr>
+        </p:nvSpPr>
+        <p:spPr/>
+        <p:txBody>
+          <a:bodyPr/>
+          <a:lstStyle/>
+          <a:p>
+            <a:r>
+              <a:rPr lang="ja-JP" altLang="en-US"/>
+              <a:t>説明変数にカテゴリ数が多すぎる場合</a:t>
+            </a:r>
+            <a:endParaRPr kumimoji="1" lang="ja-JP" altLang="en-US"/>
+          </a:p>
+        </p:txBody>
+      </p:sp>
+      <p:sp>
+        <p:nvSpPr>
+          <p:cNvPr id="3" name="コンテンツ プレースホルダー 2">
+            <a:extLst>
+              <a:ext uri="{FF2B5EF4-FFF2-40B4-BE49-F238E27FC236}">
+                <a16:creationId xmlns:a16="http://schemas.microsoft.com/office/drawing/2014/main" id="{7E6BBCCF-EE72-108A-C8D5-4B225D1691F9}"/>
+              </a:ext>
+            </a:extLst>
+          </p:cNvPr>
+          <p:cNvSpPr>
+            <a:spLocks noGrp="1"/>
+          </p:cNvSpPr>
+          <p:nvPr>
+            <p:ph idx="1"/>
+          </p:nvPr>
+        </p:nvSpPr>
+        <p:spPr>
+          <a:xfrm>
+            <a:off x="605493" y="1822122"/>
+            <a:ext cx="3966882" cy="5035877"/>
+          </a:xfrm>
+        </p:spPr>
+        <p:txBody>
+          <a:bodyPr>
+            <a:normAutofit fontScale="92500" lnSpcReduction="10000"/>
+          </a:bodyPr>
+          <a:lstStyle/>
+          <a:p>
+            <a:r>
+              <a:rPr kumimoji="1" lang="en-US" altLang="ja-JP" dirty="0"/>
+              <a:t>area</a:t>
+            </a:r>
+            <a:r>
+              <a:rPr kumimoji="1" lang="ja-JP" altLang="en-US"/>
+              <a:t>の効果の切片が</a:t>
+            </a:r>
+            <a:r>
+              <a:rPr kumimoji="1" lang="en-US" altLang="ja-JP" dirty="0"/>
+              <a:t>60</a:t>
+            </a:r>
+            <a:r>
+              <a:rPr lang="ja-JP" altLang="en-US"/>
+              <a:t>個</a:t>
+            </a:r>
+            <a:r>
+              <a:rPr kumimoji="1" lang="ja-JP" altLang="en-US"/>
+              <a:t>推定</a:t>
+            </a:r>
+            <a:endParaRPr lang="en-US" altLang="ja-JP" dirty="0"/>
+          </a:p>
+          <a:p>
+            <a:r>
+              <a:rPr kumimoji="1" lang="ja-JP" altLang="en-US"/>
+              <a:t>サンプルサイズが１しかない</a:t>
+            </a:r>
+            <a:r>
+              <a:rPr lang="en-US" altLang="ja-JP" dirty="0"/>
+              <a:t>area</a:t>
+            </a:r>
+            <a:r>
+              <a:rPr lang="ja-JP" altLang="en-US"/>
+              <a:t>もある</a:t>
+            </a:r>
+            <a:endParaRPr kumimoji="1" lang="en-US" altLang="ja-JP" dirty="0"/>
+          </a:p>
+          <a:p>
+            <a:r>
+              <a:rPr lang="ja-JP" altLang="en-US"/>
+              <a:t>いっそこれらの切片を分布で表現しては？</a:t>
+            </a:r>
+            <a:endParaRPr lang="en-US" altLang="ja-JP" dirty="0"/>
+          </a:p>
+          <a:p>
+            <a:pPr marL="0" indent="0">
+              <a:buNone/>
+            </a:pPr>
+            <a:r>
+              <a:rPr kumimoji="1" lang="ja-JP" altLang="en-US"/>
+              <a:t>→</a:t>
+            </a:r>
+            <a:r>
+              <a:rPr kumimoji="1" lang="en-US" altLang="ja-JP" dirty="0"/>
+              <a:t>area</a:t>
+            </a:r>
+            <a:r>
+              <a:rPr kumimoji="1" lang="ja-JP" altLang="en-US"/>
+              <a:t>の効果を平均</a:t>
+            </a:r>
+            <a:r>
+              <a:rPr kumimoji="1" lang="en-US" altLang="ja-JP" dirty="0"/>
+              <a:t>0</a:t>
+            </a:r>
+            <a:r>
+              <a:rPr kumimoji="1" lang="ja-JP" altLang="en-US"/>
+              <a:t>の正規分布に従うとしてそのばらつきを説明変数に入れる；</a:t>
+            </a:r>
+            <a:r>
+              <a:rPr kumimoji="1" lang="en-US" altLang="ja-JP" dirty="0"/>
+              <a:t>60</a:t>
+            </a:r>
+            <a:r>
+              <a:rPr kumimoji="1" lang="ja-JP" altLang="en-US"/>
+              <a:t>個のパラメータから</a:t>
+            </a:r>
+            <a:r>
+              <a:rPr kumimoji="1" lang="en-US" altLang="ja-JP" dirty="0"/>
+              <a:t>1</a:t>
+            </a:r>
+            <a:r>
+              <a:rPr kumimoji="1" lang="ja-JP" altLang="en-US"/>
+              <a:t>つの分散値の推定へ</a:t>
+            </a:r>
+            <a:endParaRPr lang="en-US" altLang="ja-JP" dirty="0"/>
+          </a:p>
+          <a:p>
+            <a:pPr marL="0" indent="0">
+              <a:buNone/>
+            </a:pPr>
+            <a:r>
+              <a:rPr kumimoji="1" lang="ja-JP" altLang="en-US"/>
+              <a:t>→</a:t>
+            </a:r>
+            <a:r>
+              <a:rPr kumimoji="1" lang="ja-JP" altLang="en-US" b="1"/>
+              <a:t>ランダム</a:t>
+            </a:r>
+            <a:r>
+              <a:rPr kumimoji="1" lang="en-US" altLang="ja-JP" b="1" dirty="0"/>
+              <a:t>(</a:t>
+            </a:r>
+            <a:r>
+              <a:rPr lang="ja-JP" altLang="en-US" b="1"/>
+              <a:t>変量</a:t>
+            </a:r>
+            <a:r>
+              <a:rPr kumimoji="1" lang="en-US" altLang="ja-JP" b="1" dirty="0"/>
+              <a:t>)</a:t>
+            </a:r>
+            <a:r>
+              <a:rPr kumimoji="1" lang="ja-JP" altLang="en-US" b="1"/>
+              <a:t>効果</a:t>
+            </a:r>
+          </a:p>
+        </p:txBody>
+      </p:sp>
+      <p:sp>
+        <p:nvSpPr>
+          <p:cNvPr id="12" name="テキスト ボックス 11">
+            <a:extLst>
+              <a:ext uri="{FF2B5EF4-FFF2-40B4-BE49-F238E27FC236}">
+                <a16:creationId xmlns:a16="http://schemas.microsoft.com/office/drawing/2014/main" id="{56A0F4DF-73A8-F476-CA2C-E79C7769B135}"/>
+              </a:ext>
+            </a:extLst>
+          </p:cNvPr>
+          <p:cNvSpPr txBox="1"/>
+          <p:nvPr/>
+        </p:nvSpPr>
+        <p:spPr>
+          <a:xfrm>
+            <a:off x="5013971" y="5541456"/>
+            <a:ext cx="7262191" cy="1292662"/>
+          </a:xfrm>
+          <a:prstGeom prst="rect">
+            <a:avLst/>
+          </a:prstGeom>
+          <a:noFill/>
+        </p:spPr>
+        <p:txBody>
+          <a:bodyPr wrap="square" rtlCol="0">
+            <a:spAutoFit/>
+          </a:bodyPr>
+          <a:lstStyle/>
+          <a:p>
+            <a:r>
+              <a:rPr kumimoji="1" lang="ja-JP" altLang="en-US" sz="2600"/>
+              <a:t>これまで推定してきたように切片や傾きの係数が求められるもの</a:t>
+            </a:r>
+            <a:endParaRPr kumimoji="1" lang="en-US" altLang="ja-JP" sz="2600" dirty="0"/>
+          </a:p>
+          <a:p>
+            <a:r>
+              <a:rPr lang="ja-JP" altLang="en-US" sz="2600"/>
+              <a:t>→</a:t>
+            </a:r>
+            <a:r>
+              <a:rPr lang="ja-JP" altLang="en-US" sz="2600" b="1"/>
+              <a:t>固定効果</a:t>
+            </a:r>
+            <a:endParaRPr kumimoji="1" lang="ja-JP" altLang="en-US" sz="2600" b="1"/>
+          </a:p>
+        </p:txBody>
+      </p:sp>
+      <p:sp>
+        <p:nvSpPr>
+          <p:cNvPr id="15" name="正方形/長方形 14">
+            <a:extLst>
+              <a:ext uri="{FF2B5EF4-FFF2-40B4-BE49-F238E27FC236}">
+                <a16:creationId xmlns:a16="http://schemas.microsoft.com/office/drawing/2014/main" id="{ECF60793-BC78-A41C-7840-E42BF3A465BB}"/>
+              </a:ext>
+            </a:extLst>
+          </p:cNvPr>
+          <p:cNvSpPr/>
+          <p:nvPr/>
+        </p:nvSpPr>
+        <p:spPr>
+          <a:xfrm>
+            <a:off x="1051949" y="6077913"/>
+            <a:ext cx="3073969" cy="482409"/>
           </a:xfrm>
           <a:prstGeom prst="rect">
             <a:avLst/>
@@ -4489,10 +4837,109 @@
       </p:sp>
       <p:sp>
         <p:nvSpPr>
-          <p:cNvPr id="4" name="角丸四角形 3">
-            <a:extLst>
-              <a:ext uri="{FF2B5EF4-FFF2-40B4-BE49-F238E27FC236}">
-                <a16:creationId xmlns:a16="http://schemas.microsoft.com/office/drawing/2014/main" id="{D2F4B15F-25EE-F140-B750-5C32C35FF226}"/>
+          <p:cNvPr id="20" name="テキスト ボックス 19">
+            <a:extLst>
+              <a:ext uri="{FF2B5EF4-FFF2-40B4-BE49-F238E27FC236}">
+                <a16:creationId xmlns:a16="http://schemas.microsoft.com/office/drawing/2014/main" id="{69848722-A270-4246-2D6E-7BC31A1BFEF0}"/>
+              </a:ext>
+            </a:extLst>
+          </p:cNvPr>
+          <p:cNvSpPr txBox="1"/>
+          <p:nvPr/>
+        </p:nvSpPr>
+        <p:spPr>
+          <a:xfrm>
+            <a:off x="6213276" y="1517190"/>
+            <a:ext cx="2276585" cy="369332"/>
+          </a:xfrm>
+          <a:prstGeom prst="rect">
+            <a:avLst/>
+          </a:prstGeom>
+          <a:noFill/>
+        </p:spPr>
+        <p:txBody>
+          <a:bodyPr wrap="none" rtlCol="0">
+            <a:spAutoFit/>
+          </a:bodyPr>
+          <a:lstStyle/>
+          <a:p>
+            <a:r>
+              <a:rPr lang="en-US" altLang="ja-JP" dirty="0"/>
+              <a:t>vessel=“v1</a:t>
+            </a:r>
+            <a:r>
+              <a:rPr lang="ja-JP" altLang="en-US"/>
+              <a:t>のみ抜粋</a:t>
+            </a:r>
+            <a:endParaRPr kumimoji="1" lang="ja-JP" altLang="en-US"/>
+          </a:p>
+        </p:txBody>
+      </p:sp>
+    </p:spTree>
+    <p:extLst>
+      <p:ext uri="{BB962C8B-B14F-4D97-AF65-F5344CB8AC3E}">
+        <p14:creationId xmlns:p14="http://schemas.microsoft.com/office/powerpoint/2010/main" val="151019992"/>
+      </p:ext>
+    </p:extLst>
+  </p:cSld>
+  <p:clrMapOvr>
+    <a:masterClrMapping/>
+  </p:clrMapOvr>
+</p:sld>
+</file>
+
+<file path=ppt/slides/slide3.xml><?xml version="1.0" encoding="utf-8"?>
+<p:sld xmlns:a="http://schemas.openxmlformats.org/drawingml/2006/main" xmlns:r="http://schemas.openxmlformats.org/officeDocument/2006/relationships" xmlns:p="http://schemas.openxmlformats.org/presentationml/2006/main">
+  <p:cSld>
+    <p:spTree>
+      <p:nvGrpSpPr>
+        <p:cNvPr id="1" name=""/>
+        <p:cNvGrpSpPr/>
+        <p:nvPr/>
+      </p:nvGrpSpPr>
+      <p:grpSpPr>
+        <a:xfrm>
+          <a:off x="0" y="0"/>
+          <a:ext cx="0" cy="0"/>
+          <a:chOff x="0" y="0"/>
+          <a:chExt cx="0" cy="0"/>
+        </a:xfrm>
+      </p:grpSpPr>
+      <p:sp>
+        <p:nvSpPr>
+          <p:cNvPr id="2" name="タイトル 1">
+            <a:extLst>
+              <a:ext uri="{FF2B5EF4-FFF2-40B4-BE49-F238E27FC236}">
+                <a16:creationId xmlns:a16="http://schemas.microsoft.com/office/drawing/2014/main" id="{7E8786A5-99FE-694E-8FC0-336E57357EBA}"/>
+              </a:ext>
+            </a:extLst>
+          </p:cNvPr>
+          <p:cNvSpPr>
+            <a:spLocks noGrp="1"/>
+          </p:cNvSpPr>
+          <p:nvPr>
+            <p:ph type="title"/>
+          </p:nvPr>
+        </p:nvSpPr>
+        <p:spPr/>
+        <p:txBody>
+          <a:bodyPr/>
+          <a:lstStyle/>
+          <a:p>
+            <a:r>
+              <a:rPr lang="ja-JP" altLang="en-US"/>
+              <a:t>一般化線形混合モデル</a:t>
+            </a:r>
+            <a:endParaRPr kumimoji="1" lang="ja-JP" altLang="en-US"/>
+          </a:p>
+        </p:txBody>
+      </p:sp>
+      <p:sp>
+        <p:nvSpPr>
+          <p:cNvPr id="4" name="正方形/長方形 3">
+            <a:extLst>
+              <a:ext uri="{FF2B5EF4-FFF2-40B4-BE49-F238E27FC236}">
+                <a16:creationId xmlns:a16="http://schemas.microsoft.com/office/drawing/2014/main" id="{0BA6691A-C082-D9B3-F170-CC7E9301136F}"/>
               </a:ext>
             </a:extLst>
           </p:cNvPr>
@@ -4501,8 +4948,185 @@
         </p:nvSpPr>
         <p:spPr>
           <a:xfrm>
-            <a:off x="8480939" y="3642231"/>
-            <a:ext cx="3028950" cy="502920"/>
+            <a:off x="1543268" y="1956289"/>
+            <a:ext cx="3192505" cy="500308"/>
+          </a:xfrm>
+          <a:prstGeom prst="rect">
+            <a:avLst/>
+          </a:prstGeom>
+          <a:solidFill>
+            <a:schemeClr val="accent6">
+              <a:lumMod val="50000"/>
+              <a:alpha val="50000"/>
+            </a:schemeClr>
+          </a:solidFill>
+          <a:ln>
+            <a:solidFill>
+              <a:schemeClr val="accent6">
+                <a:lumMod val="50000"/>
+              </a:schemeClr>
+            </a:solidFill>
+          </a:ln>
+        </p:spPr>
+        <p:style>
+          <a:lnRef idx="2">
+            <a:schemeClr val="accent1">
+              <a:shade val="50000"/>
+            </a:schemeClr>
+          </a:lnRef>
+          <a:fillRef idx="1">
+            <a:schemeClr val="accent1"/>
+          </a:fillRef>
+          <a:effectRef idx="0">
+            <a:schemeClr val="accent1"/>
+          </a:effectRef>
+          <a:fontRef idx="minor">
+            <a:schemeClr val="lt1"/>
+          </a:fontRef>
+        </p:style>
+        <p:txBody>
+          <a:bodyPr rtlCol="0" anchor="ctr"/>
+          <a:lstStyle/>
+          <a:p>
+            <a:pPr algn="ctr"/>
+            <a:endParaRPr kumimoji="1" lang="ja-JP" altLang="en-US"/>
+          </a:p>
+        </p:txBody>
+      </p:sp>
+      <p:sp>
+        <p:nvSpPr>
+          <p:cNvPr id="5" name="正方形/長方形 4">
+            <a:extLst>
+              <a:ext uri="{FF2B5EF4-FFF2-40B4-BE49-F238E27FC236}">
+                <a16:creationId xmlns:a16="http://schemas.microsoft.com/office/drawing/2014/main" id="{E2364C82-A1B3-55B2-8771-4AA6BE18DBA4}"/>
+              </a:ext>
+            </a:extLst>
+          </p:cNvPr>
+          <p:cNvSpPr/>
+          <p:nvPr/>
+        </p:nvSpPr>
+        <p:spPr>
+          <a:xfrm>
+            <a:off x="6592940" y="1449483"/>
+            <a:ext cx="886033" cy="482409"/>
+          </a:xfrm>
+          <a:prstGeom prst="rect">
+            <a:avLst/>
+          </a:prstGeom>
+          <a:solidFill>
+            <a:schemeClr val="accent6">
+              <a:lumMod val="50000"/>
+              <a:alpha val="50000"/>
+            </a:schemeClr>
+          </a:solidFill>
+          <a:ln>
+            <a:solidFill>
+              <a:schemeClr val="accent6">
+                <a:lumMod val="50000"/>
+              </a:schemeClr>
+            </a:solidFill>
+          </a:ln>
+        </p:spPr>
+        <p:style>
+          <a:lnRef idx="2">
+            <a:schemeClr val="accent1">
+              <a:shade val="50000"/>
+            </a:schemeClr>
+          </a:lnRef>
+          <a:fillRef idx="1">
+            <a:schemeClr val="accent1"/>
+          </a:fillRef>
+          <a:effectRef idx="0">
+            <a:schemeClr val="accent1"/>
+          </a:effectRef>
+          <a:fontRef idx="minor">
+            <a:schemeClr val="lt1"/>
+          </a:fontRef>
+        </p:style>
+        <p:txBody>
+          <a:bodyPr rtlCol="0" anchor="ctr"/>
+          <a:lstStyle/>
+          <a:p>
+            <a:pPr algn="ctr"/>
+            <a:endParaRPr kumimoji="1" lang="ja-JP" altLang="en-US"/>
+          </a:p>
+        </p:txBody>
+      </p:sp>
+      <p:sp>
+        <p:nvSpPr>
+          <p:cNvPr id="8" name="正方形/長方形 7">
+            <a:extLst>
+              <a:ext uri="{FF2B5EF4-FFF2-40B4-BE49-F238E27FC236}">
+                <a16:creationId xmlns:a16="http://schemas.microsoft.com/office/drawing/2014/main" id="{58AE8018-3764-20C9-A26D-EFEE2EBAE167}"/>
+              </a:ext>
+            </a:extLst>
+          </p:cNvPr>
+          <p:cNvSpPr/>
+          <p:nvPr/>
+        </p:nvSpPr>
+        <p:spPr>
+          <a:xfrm>
+            <a:off x="7035956" y="3429000"/>
+            <a:ext cx="3158922" cy="815454"/>
+          </a:xfrm>
+          <a:prstGeom prst="rect">
+            <a:avLst/>
+          </a:prstGeom>
+          <a:solidFill>
+            <a:schemeClr val="accent6">
+              <a:lumMod val="50000"/>
+              <a:alpha val="50000"/>
+            </a:schemeClr>
+          </a:solidFill>
+          <a:ln>
+            <a:solidFill>
+              <a:schemeClr val="accent6">
+                <a:lumMod val="50000"/>
+              </a:schemeClr>
+            </a:solidFill>
+          </a:ln>
+        </p:spPr>
+        <p:style>
+          <a:lnRef idx="2">
+            <a:schemeClr val="accent1">
+              <a:shade val="50000"/>
+            </a:schemeClr>
+          </a:lnRef>
+          <a:fillRef idx="1">
+            <a:schemeClr val="accent1"/>
+          </a:fillRef>
+          <a:effectRef idx="0">
+            <a:schemeClr val="accent1"/>
+          </a:effectRef>
+          <a:fontRef idx="minor">
+            <a:schemeClr val="lt1"/>
+          </a:fontRef>
+        </p:style>
+        <p:txBody>
+          <a:bodyPr rtlCol="0" anchor="ctr"/>
+          <a:lstStyle/>
+          <a:p>
+            <a:pPr algn="ctr"/>
+            <a:endParaRPr kumimoji="1" lang="ja-JP" altLang="en-US"/>
+          </a:p>
+        </p:txBody>
+      </p:sp>
+      <p:sp>
+        <p:nvSpPr>
+          <p:cNvPr id="9" name="角丸四角形 8">
+            <a:extLst>
+              <a:ext uri="{FF2B5EF4-FFF2-40B4-BE49-F238E27FC236}">
+                <a16:creationId xmlns:a16="http://schemas.microsoft.com/office/drawing/2014/main" id="{A9318781-2784-A936-606B-66E0D1B2A030}"/>
+              </a:ext>
+            </a:extLst>
+          </p:cNvPr>
+          <p:cNvSpPr/>
+          <p:nvPr/>
+        </p:nvSpPr>
+        <p:spPr>
+          <a:xfrm>
+            <a:off x="2209849" y="1428972"/>
+            <a:ext cx="4013530" cy="502920"/>
           </a:xfrm>
           <a:prstGeom prst="roundRect">
             <a:avLst/>
@@ -4540,1424 +5164,29 @@
       </p:sp>
       <p:sp>
         <p:nvSpPr>
-          <p:cNvPr id="2" name="タイトル 1">
-            <a:extLst>
-              <a:ext uri="{FF2B5EF4-FFF2-40B4-BE49-F238E27FC236}">
-                <a16:creationId xmlns:a16="http://schemas.microsoft.com/office/drawing/2014/main" id="{7E8786A5-99FE-694E-8FC0-336E57357EBA}"/>
-              </a:ext>
-            </a:extLst>
-          </p:cNvPr>
-          <p:cNvSpPr>
-            <a:spLocks noGrp="1"/>
-          </p:cNvSpPr>
-          <p:nvPr>
-            <p:ph type="title"/>
-          </p:nvPr>
-        </p:nvSpPr>
-        <p:spPr/>
-        <p:txBody>
-          <a:bodyPr/>
-          <a:lstStyle/>
-          <a:p>
-            <a:r>
-              <a:rPr kumimoji="1" lang="ja-JP" altLang="en-US"/>
-              <a:t>固定効果とランダム</a:t>
-            </a:r>
-            <a:r>
-              <a:rPr kumimoji="1" lang="en-US" altLang="ja-JP" dirty="0"/>
-              <a:t>(</a:t>
-            </a:r>
-            <a:r>
-              <a:rPr kumimoji="1" lang="ja-JP" altLang="en-US"/>
-              <a:t>変量</a:t>
-            </a:r>
-            <a:r>
-              <a:rPr kumimoji="1" lang="en-US" altLang="ja-JP" dirty="0"/>
-              <a:t>)</a:t>
-            </a:r>
-            <a:r>
-              <a:rPr kumimoji="1" lang="ja-JP" altLang="en-US"/>
-              <a:t>効果</a:t>
-            </a:r>
-          </a:p>
-        </p:txBody>
-      </p:sp>
-      <p:sp>
-        <p:nvSpPr>
-          <p:cNvPr id="3" name="コンテンツ プレースホルダー 2">
-            <a:extLst>
-              <a:ext uri="{FF2B5EF4-FFF2-40B4-BE49-F238E27FC236}">
-                <a16:creationId xmlns:a16="http://schemas.microsoft.com/office/drawing/2014/main" id="{F8D71B10-550B-3D4D-B096-ED14ED9C6C0E}"/>
-              </a:ext>
-            </a:extLst>
-          </p:cNvPr>
-          <p:cNvSpPr>
-            <a:spLocks noGrp="1"/>
-          </p:cNvSpPr>
-          <p:nvPr>
-            <p:ph idx="1"/>
-          </p:nvPr>
+          <p:cNvPr id="10" name="角丸四角形 9">
+            <a:extLst>
+              <a:ext uri="{FF2B5EF4-FFF2-40B4-BE49-F238E27FC236}">
+                <a16:creationId xmlns:a16="http://schemas.microsoft.com/office/drawing/2014/main" id="{4B10ADF9-6B3D-BE83-1031-22D5AF632650}"/>
+              </a:ext>
+            </a:extLst>
+          </p:cNvPr>
+          <p:cNvSpPr/>
+          <p:nvPr/>
         </p:nvSpPr>
         <p:spPr>
           <a:xfrm>
-            <a:off x="716281" y="1825625"/>
-            <a:ext cx="11023774" cy="4874978"/>
+            <a:off x="8175009" y="2428986"/>
+            <a:ext cx="3408928" cy="502920"/>
           </a:xfrm>
-        </p:spPr>
-        <p:txBody>
-          <a:bodyPr>
-            <a:normAutofit fontScale="85000" lnSpcReduction="20000"/>
-          </a:bodyPr>
-          <a:lstStyle/>
-          <a:p>
-            <a:r>
-              <a:rPr kumimoji="1" lang="ja-JP" altLang="en-US"/>
-              <a:t>ここまでの</a:t>
-            </a:r>
-            <a:r>
-              <a:rPr kumimoji="1" lang="en-US" altLang="ja-JP" dirty="0"/>
-              <a:t>(</a:t>
-            </a:r>
-            <a:r>
-              <a:rPr kumimoji="1" lang="ja-JP" altLang="en-US"/>
-              <a:t>一般化</a:t>
-            </a:r>
-            <a:r>
-              <a:rPr kumimoji="1" lang="en-US" altLang="ja-JP" dirty="0"/>
-              <a:t>)</a:t>
-            </a:r>
-            <a:r>
-              <a:rPr kumimoji="1" lang="ja-JP" altLang="en-US"/>
-              <a:t>線形モデルでは、説明変数の影響を係数をかけて表した．説明変数にない</a:t>
-            </a:r>
-            <a:r>
-              <a:rPr lang="ja-JP" altLang="en-US"/>
-              <a:t>カテゴリ</a:t>
-            </a:r>
-            <a:r>
-              <a:rPr lang="en-US" altLang="ja-JP" dirty="0" err="1"/>
-              <a:t>i</a:t>
-            </a:r>
-            <a:r>
-              <a:rPr lang="ja-JP" altLang="en-US"/>
-              <a:t>について、説明変数</a:t>
-            </a:r>
-            <a:r>
-              <a:rPr lang="en-US" altLang="ja-JP" dirty="0"/>
-              <a:t>x</a:t>
-            </a:r>
-            <a:r>
-              <a:rPr lang="en-US" altLang="ja-JP" baseline="-25000" dirty="0"/>
-              <a:t>1</a:t>
-            </a:r>
-            <a:r>
-              <a:rPr lang="ja-JP" altLang="en-US"/>
-              <a:t>と</a:t>
-            </a:r>
-            <a:r>
-              <a:rPr lang="en-US" altLang="ja-JP" dirty="0"/>
-              <a:t>x</a:t>
-            </a:r>
-            <a:r>
-              <a:rPr lang="en-US" altLang="ja-JP" baseline="-25000" dirty="0"/>
-              <a:t>2</a:t>
-            </a:r>
-            <a:r>
-              <a:rPr lang="ja-JP" altLang="en-US"/>
-              <a:t>で目的変数を表す．</a:t>
-            </a:r>
-            <a:endParaRPr lang="en-US" altLang="ja-JP" dirty="0"/>
-          </a:p>
-          <a:p>
-            <a:pPr lvl="1"/>
-            <a:r>
-              <a:rPr lang="en-US" altLang="ja-JP" dirty="0" err="1"/>
-              <a:t>y</a:t>
-            </a:r>
-            <a:r>
-              <a:rPr lang="en-US" altLang="ja-JP" baseline="-25000" dirty="0" err="1"/>
-              <a:t>i</a:t>
-            </a:r>
-            <a:r>
-              <a:rPr lang="en-US" altLang="ja-JP" dirty="0"/>
-              <a:t> = g</a:t>
-            </a:r>
-            <a:r>
-              <a:rPr lang="en-US" altLang="ja-JP" baseline="30000" dirty="0"/>
-              <a:t>-1</a:t>
-            </a:r>
-            <a:r>
-              <a:rPr lang="en-US" altLang="ja-JP" dirty="0"/>
-              <a:t>(β</a:t>
-            </a:r>
-            <a:r>
-              <a:rPr lang="en-US" altLang="ja-JP" baseline="-25000" dirty="0"/>
-              <a:t>0</a:t>
-            </a:r>
-            <a:r>
-              <a:rPr lang="ja-JP" altLang="en-US"/>
-              <a:t>＋</a:t>
-            </a:r>
-            <a:r>
-              <a:rPr lang="en-US" altLang="ja-JP" dirty="0"/>
-              <a:t>β</a:t>
-            </a:r>
-            <a:r>
-              <a:rPr lang="en-US" altLang="ja-JP" baseline="-25000" dirty="0"/>
-              <a:t>1</a:t>
-            </a:r>
-            <a:r>
-              <a:rPr lang="en-US" altLang="ja-JP" dirty="0"/>
-              <a:t> x</a:t>
-            </a:r>
-            <a:r>
-              <a:rPr lang="en-US" altLang="ja-JP" baseline="-25000" dirty="0"/>
-              <a:t>1i</a:t>
-            </a:r>
-            <a:r>
-              <a:rPr lang="en-US" altLang="ja-JP" dirty="0"/>
-              <a:t> + β</a:t>
-            </a:r>
-            <a:r>
-              <a:rPr lang="en-US" altLang="ja-JP" baseline="-25000" dirty="0"/>
-              <a:t>2</a:t>
-            </a:r>
-            <a:r>
-              <a:rPr lang="en-US" altLang="ja-JP" dirty="0"/>
-              <a:t> x</a:t>
-            </a:r>
-            <a:r>
-              <a:rPr lang="en-US" altLang="ja-JP" baseline="-25000" dirty="0"/>
-              <a:t>2i</a:t>
-            </a:r>
-            <a:r>
-              <a:rPr lang="en-US" altLang="ja-JP" dirty="0"/>
-              <a:t> ) +</a:t>
-            </a:r>
-            <a:r>
-              <a:rPr lang="en-US" altLang="ja-JP" dirty="0" err="1"/>
-              <a:t>ε</a:t>
-            </a:r>
-            <a:r>
-              <a:rPr lang="en-US" altLang="ja-JP" dirty="0"/>
-              <a:t>= </a:t>
-            </a:r>
-            <a:r>
-              <a:rPr lang="en-US" altLang="ja-JP" dirty="0" err="1"/>
-              <a:t>y</a:t>
-            </a:r>
-            <a:r>
-              <a:rPr lang="en-US" altLang="ja-JP" baseline="-25000" dirty="0" err="1"/>
-              <a:t>i</a:t>
-            </a:r>
-            <a:r>
-              <a:rPr lang="en-US" altLang="ja-JP" baseline="30000" dirty="0"/>
-              <a:t>^</a:t>
-            </a:r>
-            <a:r>
-              <a:rPr lang="en-US" altLang="ja-JP" dirty="0"/>
-              <a:t> +</a:t>
-            </a:r>
-            <a:r>
-              <a:rPr lang="en-US" altLang="ja-JP" dirty="0" err="1"/>
-              <a:t>ε</a:t>
-            </a:r>
-            <a:endParaRPr lang="en-US" altLang="ja-JP" dirty="0"/>
-          </a:p>
-          <a:p>
-            <a:pPr lvl="1"/>
-            <a:r>
-              <a:rPr kumimoji="1" lang="en-US" altLang="ja-JP" dirty="0"/>
-              <a:t>g</a:t>
-            </a:r>
-            <a:r>
-              <a:rPr kumimoji="1" lang="en-US" altLang="ja-JP" baseline="30000" dirty="0"/>
-              <a:t>-1</a:t>
-            </a:r>
-            <a:r>
-              <a:rPr kumimoji="1" lang="en-US" altLang="ja-JP" dirty="0"/>
-              <a:t>()</a:t>
-            </a:r>
-            <a:r>
-              <a:rPr kumimoji="1" lang="ja-JP" altLang="en-US"/>
-              <a:t>はリンク関数の逆関数</a:t>
-            </a:r>
-            <a:r>
-              <a:rPr lang="ja-JP" altLang="en-US"/>
-              <a:t>．</a:t>
-            </a:r>
-            <a:endParaRPr lang="en-US" altLang="ja-JP" dirty="0"/>
-          </a:p>
-          <a:p>
-            <a:pPr lvl="1"/>
-            <a:r>
-              <a:rPr lang="ja-JP" altLang="en-US"/>
-              <a:t>変数が量的変数でなく、質的</a:t>
-            </a:r>
-            <a:r>
-              <a:rPr lang="en-US" altLang="ja-JP" dirty="0"/>
-              <a:t>(</a:t>
-            </a:r>
-            <a:r>
-              <a:rPr lang="ja-JP" altLang="en-US"/>
-              <a:t>カテゴリ</a:t>
-            </a:r>
-            <a:r>
-              <a:rPr lang="en-US" altLang="ja-JP" dirty="0"/>
-              <a:t>)</a:t>
-            </a:r>
-            <a:r>
-              <a:rPr lang="ja-JP" altLang="en-US"/>
-              <a:t>変数である場合、切片が推定されるが、ここでは切片</a:t>
-            </a:r>
-            <a:r>
-              <a:rPr lang="en-US" altLang="ja-JP" dirty="0"/>
-              <a:t>β</a:t>
-            </a:r>
-            <a:r>
-              <a:rPr lang="ja-JP" altLang="en-US"/>
-              <a:t>と変数の種類</a:t>
-            </a:r>
-            <a:r>
-              <a:rPr lang="en-US" altLang="ja-JP" dirty="0"/>
-              <a:t> x</a:t>
-            </a:r>
-            <a:r>
-              <a:rPr lang="ja-JP" altLang="en-US"/>
-              <a:t>の掛け算で表しているものとする</a:t>
-            </a:r>
-            <a:endParaRPr lang="en-US" altLang="ja-JP" dirty="0"/>
-          </a:p>
-          <a:p>
-            <a:pPr lvl="1"/>
-            <a:endParaRPr kumimoji="1" lang="en-US" altLang="ja-JP" dirty="0"/>
-          </a:p>
-          <a:p>
-            <a:r>
-              <a:rPr kumimoji="1" lang="ja-JP" altLang="en-US"/>
-              <a:t>カテゴリ</a:t>
-            </a:r>
-            <a:r>
-              <a:rPr kumimoji="1" lang="en-US" altLang="ja-JP" dirty="0" err="1"/>
-              <a:t>i</a:t>
-            </a:r>
-            <a:r>
-              <a:rPr kumimoji="1" lang="ja-JP" altLang="en-US"/>
-              <a:t>ごとに係数</a:t>
-            </a:r>
-            <a:r>
-              <a:rPr kumimoji="1" lang="en-US" altLang="ja-JP" dirty="0"/>
-              <a:t>β</a:t>
-            </a:r>
-            <a:r>
-              <a:rPr kumimoji="1" lang="en-US" altLang="ja-JP" baseline="-25000" dirty="0"/>
-              <a:t>0</a:t>
-            </a:r>
-            <a:r>
-              <a:rPr kumimoji="1" lang="en-US" altLang="ja-JP" dirty="0"/>
-              <a:t>, </a:t>
-            </a:r>
-            <a:r>
-              <a:rPr lang="en-US" altLang="ja-JP" dirty="0"/>
-              <a:t>β</a:t>
-            </a:r>
-            <a:r>
-              <a:rPr lang="en-US" altLang="ja-JP" baseline="-25000" dirty="0"/>
-              <a:t>1</a:t>
-            </a:r>
-            <a:r>
-              <a:rPr lang="en-US" altLang="ja-JP" dirty="0"/>
-              <a:t>, β</a:t>
-            </a:r>
-            <a:r>
-              <a:rPr lang="en-US" altLang="ja-JP" baseline="-25000" dirty="0"/>
-              <a:t>2</a:t>
-            </a:r>
-            <a:r>
-              <a:rPr lang="ja-JP" altLang="en-US"/>
-              <a:t>が異なることはない→固定効果</a:t>
-            </a:r>
-            <a:r>
-              <a:rPr lang="en-US" altLang="ja-JP" dirty="0"/>
-              <a:t>(fixed effect)</a:t>
-            </a:r>
-            <a:endParaRPr kumimoji="1" lang="en-US" altLang="ja-JP" dirty="0"/>
-          </a:p>
-          <a:p>
-            <a:endParaRPr lang="en-US" altLang="ja-JP" dirty="0"/>
-          </a:p>
-          <a:p>
-            <a:r>
-              <a:rPr kumimoji="1" lang="ja-JP" altLang="en-US"/>
-              <a:t>個別の事情を考慮するとき、説明変数の影響につけくわえてカテゴリごとのデータのばらつきを考慮．</a:t>
-            </a:r>
-            <a:endParaRPr kumimoji="1" lang="en-US" altLang="ja-JP" dirty="0"/>
-          </a:p>
-          <a:p>
-            <a:pPr lvl="1"/>
-            <a:r>
-              <a:rPr lang="en-US" altLang="ja-JP" dirty="0" err="1"/>
-              <a:t>y</a:t>
-            </a:r>
-            <a:r>
-              <a:rPr lang="en-US" altLang="ja-JP" baseline="-25000" dirty="0" err="1"/>
-              <a:t>i</a:t>
-            </a:r>
-            <a:r>
-              <a:rPr lang="en-US" altLang="ja-JP" dirty="0"/>
-              <a:t> = g</a:t>
-            </a:r>
-            <a:r>
-              <a:rPr lang="en-US" altLang="ja-JP" baseline="30000" dirty="0"/>
-              <a:t>-1</a:t>
-            </a:r>
-            <a:r>
-              <a:rPr lang="en-US" altLang="ja-JP" dirty="0"/>
-              <a:t>(β</a:t>
-            </a:r>
-            <a:r>
-              <a:rPr lang="en-US" altLang="ja-JP" baseline="-25000" dirty="0"/>
-              <a:t>0</a:t>
-            </a:r>
-            <a:r>
-              <a:rPr lang="ja-JP" altLang="en-US"/>
-              <a:t>＋</a:t>
-            </a:r>
-            <a:r>
-              <a:rPr lang="en-US" altLang="ja-JP" dirty="0"/>
-              <a:t>β</a:t>
-            </a:r>
-            <a:r>
-              <a:rPr lang="en-US" altLang="ja-JP" baseline="-25000" dirty="0"/>
-              <a:t>1</a:t>
-            </a:r>
-            <a:r>
-              <a:rPr lang="en-US" altLang="ja-JP" dirty="0"/>
-              <a:t> x</a:t>
-            </a:r>
-            <a:r>
-              <a:rPr lang="en-US" altLang="ja-JP" baseline="-25000" dirty="0"/>
-              <a:t>1i</a:t>
-            </a:r>
-            <a:r>
-              <a:rPr lang="en-US" altLang="ja-JP" dirty="0"/>
-              <a:t> + β</a:t>
-            </a:r>
-            <a:r>
-              <a:rPr lang="en-US" altLang="ja-JP" baseline="-25000" dirty="0"/>
-              <a:t>2</a:t>
-            </a:r>
-            <a:r>
-              <a:rPr lang="en-US" altLang="ja-JP" dirty="0"/>
-              <a:t> x</a:t>
-            </a:r>
-            <a:r>
-              <a:rPr lang="en-US" altLang="ja-JP" baseline="-25000" dirty="0"/>
-              <a:t>2i</a:t>
-            </a:r>
-            <a:r>
-              <a:rPr lang="en-US" altLang="ja-JP" dirty="0"/>
-              <a:t> {+ </a:t>
-            </a:r>
-            <a:r>
-              <a:rPr lang="en-US" altLang="ja-JP" dirty="0" err="1"/>
-              <a:t>r</a:t>
-            </a:r>
-            <a:r>
-              <a:rPr lang="en-US" altLang="ja-JP" baseline="-25000" dirty="0" err="1"/>
-              <a:t>i</a:t>
-            </a:r>
-            <a:r>
-              <a:rPr lang="en-US" altLang="ja-JP" dirty="0"/>
-              <a:t>} ) +</a:t>
-            </a:r>
-            <a:r>
-              <a:rPr lang="en-US" altLang="ja-JP" dirty="0" err="1"/>
-              <a:t>ε</a:t>
-            </a:r>
-            <a:endParaRPr lang="en-US" altLang="ja-JP" dirty="0"/>
-          </a:p>
-          <a:p>
-            <a:pPr lvl="1"/>
-            <a:endParaRPr lang="en-US" altLang="ja-JP" dirty="0"/>
-          </a:p>
-          <a:p>
-            <a:r>
-              <a:rPr lang="ja-JP" altLang="en-US"/>
-              <a:t>カテゴリ</a:t>
-            </a:r>
-            <a:r>
-              <a:rPr lang="en-US" altLang="ja-JP" dirty="0" err="1"/>
-              <a:t>i</a:t>
-            </a:r>
-            <a:r>
-              <a:rPr lang="ja-JP" altLang="en-US"/>
-              <a:t>ごとに目的変数のばらつきに影響する項を付加→ランダム効果</a:t>
-            </a:r>
-            <a:r>
-              <a:rPr lang="en-US" altLang="ja-JP" dirty="0"/>
-              <a:t>									(random effect)</a:t>
-            </a:r>
-          </a:p>
-          <a:p>
-            <a:endParaRPr kumimoji="1" lang="ja-JP" altLang="en-US"/>
-          </a:p>
-        </p:txBody>
-      </p:sp>
-    </p:spTree>
-    <p:extLst>
-      <p:ext uri="{BB962C8B-B14F-4D97-AF65-F5344CB8AC3E}">
-        <p14:creationId xmlns:p14="http://schemas.microsoft.com/office/powerpoint/2010/main" val="1660451074"/>
-      </p:ext>
-    </p:extLst>
-  </p:cSld>
-  <p:clrMapOvr>
-    <a:masterClrMapping/>
-  </p:clrMapOvr>
-</p:sld>
-</file>
-
-<file path=ppt/slides/slide3.xml><?xml version="1.0" encoding="utf-8"?>
-<p:sld xmlns:a="http://schemas.openxmlformats.org/drawingml/2006/main" xmlns:r="http://schemas.openxmlformats.org/officeDocument/2006/relationships" xmlns:p="http://schemas.openxmlformats.org/presentationml/2006/main">
-  <p:cSld>
-    <p:spTree>
-      <p:nvGrpSpPr>
-        <p:cNvPr id="1" name=""/>
-        <p:cNvGrpSpPr/>
-        <p:nvPr/>
-      </p:nvGrpSpPr>
-      <p:grpSpPr>
-        <a:xfrm>
-          <a:off x="0" y="0"/>
-          <a:ext cx="0" cy="0"/>
-          <a:chOff x="0" y="0"/>
-          <a:chExt cx="0" cy="0"/>
-        </a:xfrm>
-      </p:grpSpPr>
-      <p:sp>
-        <p:nvSpPr>
-          <p:cNvPr id="2" name="タイトル 1">
-            <a:extLst>
-              <a:ext uri="{FF2B5EF4-FFF2-40B4-BE49-F238E27FC236}">
-                <a16:creationId xmlns:a16="http://schemas.microsoft.com/office/drawing/2014/main" id="{50AC53A8-F8E3-0148-BB5D-FB7B69DFA21A}"/>
-              </a:ext>
-            </a:extLst>
-          </p:cNvPr>
-          <p:cNvSpPr>
-            <a:spLocks noGrp="1"/>
-          </p:cNvSpPr>
-          <p:nvPr>
-            <p:ph type="title"/>
-          </p:nvPr>
-        </p:nvSpPr>
-        <p:spPr/>
-        <p:txBody>
-          <a:bodyPr/>
-          <a:lstStyle/>
-          <a:p>
-            <a:r>
-              <a:rPr kumimoji="1" lang="ja-JP" altLang="en-US"/>
-              <a:t>一般化線形混合モデル</a:t>
-            </a:r>
-            <a:r>
-              <a:rPr kumimoji="1" lang="en-US" altLang="ja-JP" dirty="0"/>
-              <a:t>GLMM</a:t>
-            </a:r>
-            <a:endParaRPr kumimoji="1" lang="ja-JP" altLang="en-US"/>
-          </a:p>
-        </p:txBody>
-      </p:sp>
-      <mc:AlternateContent xmlns:mc="http://schemas.openxmlformats.org/markup-compatibility/2006">
-        <mc:Choice xmlns:a14="http://schemas.microsoft.com/office/drawing/2010/main" Requires="a14">
-          <p:sp>
-            <p:nvSpPr>
-              <p:cNvPr id="3" name="コンテンツ プレースホルダー 2">
-                <a:extLst>
-                  <a:ext uri="{FF2B5EF4-FFF2-40B4-BE49-F238E27FC236}">
-                    <a16:creationId xmlns:a16="http://schemas.microsoft.com/office/drawing/2014/main" id="{6AB6596B-E717-A84A-851A-50C924979FEB}"/>
-                  </a:ext>
-                </a:extLst>
-              </p:cNvPr>
-              <p:cNvSpPr>
-                <a:spLocks noGrp="1"/>
-              </p:cNvSpPr>
-              <p:nvPr>
-                <p:ph idx="1"/>
-              </p:nvPr>
-            </p:nvSpPr>
-            <p:spPr>
-              <a:xfrm>
-                <a:off x="140949" y="1502978"/>
-                <a:ext cx="8432098" cy="4989897"/>
-              </a:xfrm>
-            </p:spPr>
-            <p:txBody>
-              <a:bodyPr>
-                <a:normAutofit fontScale="77500" lnSpcReduction="20000"/>
-              </a:bodyPr>
-              <a:lstStyle/>
-              <a:p>
-                <a:r>
-                  <a:rPr kumimoji="1" lang="ja-JP" altLang="en-US"/>
-                  <a:t>固定効果とランダム効果のどちらも含んだモデルを一般化線形混合モデル</a:t>
-                </a:r>
-                <a:r>
-                  <a:rPr kumimoji="1" lang="en-US" altLang="ja-JP" dirty="0"/>
-                  <a:t>(Generalized Linear Mixed Model; GLMM)</a:t>
-                </a:r>
-                <a:r>
-                  <a:rPr kumimoji="1" lang="ja-JP" altLang="en-US"/>
-                  <a:t>という．</a:t>
-                </a:r>
-                <a:endParaRPr kumimoji="1" lang="en-US" altLang="ja-JP" dirty="0"/>
-              </a:p>
-              <a:p>
-                <a:endParaRPr lang="en-US" altLang="ja-JP" dirty="0"/>
-              </a:p>
-              <a:p>
-                <a:r>
-                  <a:rPr kumimoji="1" lang="ja-JP" altLang="en-US"/>
-                  <a:t>ランダム効果</a:t>
-                </a:r>
-                <a:r>
-                  <a:rPr kumimoji="1" lang="en-US" altLang="ja-JP" dirty="0" err="1"/>
-                  <a:t>r</a:t>
-                </a:r>
-                <a:r>
-                  <a:rPr kumimoji="1" lang="en-US" altLang="ja-JP" baseline="-25000" dirty="0" err="1"/>
-                  <a:t>i</a:t>
-                </a:r>
-                <a:r>
-                  <a:rPr kumimoji="1" lang="ja-JP" altLang="en-US"/>
-                  <a:t>は平均を０とした正規分布で表現できると仮定．</a:t>
-                </a:r>
-                <a:endParaRPr kumimoji="1" lang="en-US" altLang="ja-JP" dirty="0"/>
-              </a:p>
-              <a:p>
-                <a:r>
-                  <a:rPr kumimoji="1" lang="ja-JP" altLang="en-US"/>
-                  <a:t>個別の事情の差</a:t>
-                </a:r>
-                <a:r>
-                  <a:rPr kumimoji="1" lang="en-US" altLang="ja-JP" dirty="0" err="1"/>
-                  <a:t>r</a:t>
-                </a:r>
-                <a:r>
-                  <a:rPr kumimoji="1" lang="en-US" altLang="ja-JP" baseline="-25000" dirty="0" err="1"/>
-                  <a:t>i</a:t>
-                </a:r>
-                <a:r>
-                  <a:rPr kumimoji="1" lang="ja-JP" altLang="en-US"/>
-                  <a:t>は</a:t>
-                </a:r>
-                <a:r>
-                  <a:rPr lang="ja-JP" altLang="en-US"/>
-                  <a:t>標準偏差</a:t>
-                </a:r>
-                <a:r>
-                  <a:rPr lang="en-US" altLang="ja-JP" dirty="0"/>
-                  <a:t>s</a:t>
-                </a:r>
-                <a:r>
-                  <a:rPr lang="ja-JP" altLang="en-US"/>
-                  <a:t>の正規分布に従う確率分布で表せる．</a:t>
-                </a:r>
-                <a:endParaRPr lang="en-US" altLang="ja-JP" dirty="0"/>
-              </a:p>
-              <a:p>
-                <a:pPr lvl="1"/>
-                <a14:m>
-                  <m:oMath xmlns:m="http://schemas.openxmlformats.org/officeDocument/2006/math">
-                    <m:r>
-                      <a:rPr lang="en-US" altLang="ja-JP" b="0" i="1" smtClean="0">
-                        <a:latin typeface="Cambria Math" panose="02040503050406030204" pitchFamily="18" charset="0"/>
-                      </a:rPr>
-                      <m:t>h</m:t>
-                    </m:r>
-                    <m:d>
-                      <m:dPr>
-                        <m:ctrlPr>
-                          <a:rPr lang="en-US" altLang="ja-JP" i="1">
-                            <a:latin typeface="Cambria Math" panose="02040503050406030204" pitchFamily="18" charset="0"/>
-                          </a:rPr>
-                        </m:ctrlPr>
-                      </m:dPr>
-                      <m:e>
-                        <m:sSub>
-                          <m:sSubPr>
-                            <m:ctrlPr>
-                              <a:rPr lang="en-US" altLang="ja-JP" i="1">
-                                <a:latin typeface="Cambria Math" panose="02040503050406030204" pitchFamily="18" charset="0"/>
-                              </a:rPr>
-                            </m:ctrlPr>
-                          </m:sSubPr>
-                          <m:e>
-                            <m:r>
-                              <a:rPr lang="en-US" altLang="ja-JP" i="1">
-                                <a:latin typeface="Cambria Math" panose="02040503050406030204" pitchFamily="18" charset="0"/>
-                              </a:rPr>
-                              <m:t>𝑟</m:t>
-                            </m:r>
-                          </m:e>
-                          <m:sub>
-                            <m:r>
-                              <a:rPr lang="en-US" altLang="ja-JP" i="1">
-                                <a:latin typeface="Cambria Math" panose="02040503050406030204" pitchFamily="18" charset="0"/>
-                              </a:rPr>
-                              <m:t>𝑖</m:t>
-                            </m:r>
-                          </m:sub>
-                        </m:sSub>
-                      </m:e>
-                      <m:e>
-                        <m:r>
-                          <a:rPr lang="en-US" altLang="ja-JP" i="1">
-                            <a:latin typeface="Cambria Math" panose="02040503050406030204" pitchFamily="18" charset="0"/>
-                          </a:rPr>
-                          <m:t>𝑠</m:t>
-                        </m:r>
-                      </m:e>
-                    </m:d>
-                    <m:r>
-                      <a:rPr lang="ja-JP" altLang="en-US" i="1" smtClean="0">
-                        <a:latin typeface="Cambria Math" panose="02040503050406030204" pitchFamily="18" charset="0"/>
-                      </a:rPr>
-                      <m:t>＝</m:t>
-                    </m:r>
-                    <m:f>
-                      <m:fPr>
-                        <m:ctrlPr>
-                          <a:rPr lang="en-US" altLang="ja-JP" i="1">
-                            <a:latin typeface="Cambria Math" panose="02040503050406030204" pitchFamily="18" charset="0"/>
-                          </a:rPr>
-                        </m:ctrlPr>
-                      </m:fPr>
-                      <m:num>
-                        <m:r>
-                          <a:rPr lang="en-US" altLang="ja-JP" i="1">
-                            <a:latin typeface="Cambria Math" panose="02040503050406030204" pitchFamily="18" charset="0"/>
-                          </a:rPr>
-                          <m:t>1</m:t>
-                        </m:r>
-                      </m:num>
-                      <m:den>
-                        <m:rad>
-                          <m:radPr>
-                            <m:degHide m:val="on"/>
-                            <m:ctrlPr>
-                              <a:rPr lang="en-US" altLang="ja-JP" i="1">
-                                <a:latin typeface="Cambria Math" panose="02040503050406030204" pitchFamily="18" charset="0"/>
-                              </a:rPr>
-                            </m:ctrlPr>
-                          </m:radPr>
-                          <m:deg/>
-                          <m:e>
-                            <m:r>
-                              <a:rPr lang="en-US" altLang="ja-JP" i="1">
-                                <a:latin typeface="Cambria Math" panose="02040503050406030204" pitchFamily="18" charset="0"/>
-                              </a:rPr>
-                              <m:t>2</m:t>
-                            </m:r>
-                            <m:r>
-                              <a:rPr lang="en-US" altLang="ja-JP" i="1">
-                                <a:latin typeface="Cambria Math" panose="02040503050406030204" pitchFamily="18" charset="0"/>
-                                <a:ea typeface="Cambria Math" panose="02040503050406030204" pitchFamily="18" charset="0"/>
-                              </a:rPr>
-                              <m:t>𝜋</m:t>
-                            </m:r>
-                            <m:sSup>
-                              <m:sSupPr>
-                                <m:ctrlPr>
-                                  <a:rPr lang="en-US" altLang="ja-JP" i="1">
-                                    <a:latin typeface="Cambria Math" panose="02040503050406030204" pitchFamily="18" charset="0"/>
-                                    <a:ea typeface="Cambria Math" panose="02040503050406030204" pitchFamily="18" charset="0"/>
-                                  </a:rPr>
-                                </m:ctrlPr>
-                              </m:sSupPr>
-                              <m:e>
-                                <m:r>
-                                  <a:rPr lang="en-US" altLang="ja-JP" i="1">
-                                    <a:latin typeface="Cambria Math" panose="02040503050406030204" pitchFamily="18" charset="0"/>
-                                    <a:ea typeface="Cambria Math" panose="02040503050406030204" pitchFamily="18" charset="0"/>
-                                  </a:rPr>
-                                  <m:t>𝑠</m:t>
-                                </m:r>
-                              </m:e>
-                              <m:sup>
-                                <m:r>
-                                  <a:rPr lang="en-US" altLang="ja-JP" i="1">
-                                    <a:latin typeface="Cambria Math" panose="02040503050406030204" pitchFamily="18" charset="0"/>
-                                    <a:ea typeface="Cambria Math" panose="02040503050406030204" pitchFamily="18" charset="0"/>
-                                  </a:rPr>
-                                  <m:t>2</m:t>
-                                </m:r>
-                              </m:sup>
-                            </m:sSup>
-                          </m:e>
-                        </m:rad>
-                      </m:den>
-                    </m:f>
-                    <m:r>
-                      <m:rPr>
-                        <m:sty m:val="p"/>
-                      </m:rPr>
-                      <a:rPr lang="en-US" altLang="ja-JP">
-                        <a:latin typeface="Cambria Math" panose="02040503050406030204" pitchFamily="18" charset="0"/>
-                      </a:rPr>
-                      <m:t>exp</m:t>
-                    </m:r>
-                    <m:r>
-                      <a:rPr lang="en-US" altLang="ja-JP" i="1">
-                        <a:latin typeface="Cambria Math" panose="02040503050406030204" pitchFamily="18" charset="0"/>
-                      </a:rPr>
-                      <m:t>⁡(−</m:t>
-                    </m:r>
-                    <m:f>
-                      <m:fPr>
-                        <m:ctrlPr>
-                          <a:rPr lang="en-US" altLang="ja-JP" i="1">
-                            <a:latin typeface="Cambria Math" panose="02040503050406030204" pitchFamily="18" charset="0"/>
-                          </a:rPr>
-                        </m:ctrlPr>
-                      </m:fPr>
-                      <m:num>
-                        <m:sSup>
-                          <m:sSupPr>
-                            <m:ctrlPr>
-                              <a:rPr lang="en-US" altLang="ja-JP" i="1">
-                                <a:latin typeface="Cambria Math" panose="02040503050406030204" pitchFamily="18" charset="0"/>
-                              </a:rPr>
-                            </m:ctrlPr>
-                          </m:sSupPr>
-                          <m:e>
-                            <m:r>
-                              <a:rPr lang="en-US" altLang="ja-JP" i="1">
-                                <a:latin typeface="Cambria Math" panose="02040503050406030204" pitchFamily="18" charset="0"/>
-                              </a:rPr>
-                              <m:t>(</m:t>
-                            </m:r>
-                            <m:r>
-                              <a:rPr lang="en-US" altLang="ja-JP" i="1">
-                                <a:latin typeface="Cambria Math" panose="02040503050406030204" pitchFamily="18" charset="0"/>
-                              </a:rPr>
-                              <m:t>𝑟</m:t>
-                            </m:r>
-                            <m:r>
-                              <a:rPr lang="en-US" altLang="ja-JP" i="1">
-                                <a:latin typeface="Cambria Math" panose="02040503050406030204" pitchFamily="18" charset="0"/>
-                              </a:rPr>
-                              <m:t>)</m:t>
-                            </m:r>
-                          </m:e>
-                          <m:sup>
-                            <m:r>
-                              <a:rPr lang="en-US" altLang="ja-JP" i="1">
-                                <a:latin typeface="Cambria Math" panose="02040503050406030204" pitchFamily="18" charset="0"/>
-                              </a:rPr>
-                              <m:t>2</m:t>
-                            </m:r>
-                          </m:sup>
-                        </m:sSup>
-                      </m:num>
-                      <m:den>
-                        <m:r>
-                          <a:rPr lang="en-US" altLang="ja-JP" i="1">
-                            <a:latin typeface="Cambria Math" panose="02040503050406030204" pitchFamily="18" charset="0"/>
-                          </a:rPr>
-                          <m:t>2 </m:t>
-                        </m:r>
-                        <m:sSup>
-                          <m:sSupPr>
-                            <m:ctrlPr>
-                              <a:rPr lang="en-US" altLang="ja-JP" i="1">
-                                <a:latin typeface="Cambria Math" panose="02040503050406030204" pitchFamily="18" charset="0"/>
-                              </a:rPr>
-                            </m:ctrlPr>
-                          </m:sSupPr>
-                          <m:e>
-                            <m:r>
-                              <a:rPr lang="en-US" altLang="ja-JP" i="1">
-                                <a:latin typeface="Cambria Math" panose="02040503050406030204" pitchFamily="18" charset="0"/>
-                              </a:rPr>
-                              <m:t>𝑠</m:t>
-                            </m:r>
-                          </m:e>
-                          <m:sup>
-                            <m:r>
-                              <a:rPr lang="en-US" altLang="ja-JP" i="1">
-                                <a:latin typeface="Cambria Math" panose="02040503050406030204" pitchFamily="18" charset="0"/>
-                              </a:rPr>
-                              <m:t>2</m:t>
-                            </m:r>
-                          </m:sup>
-                        </m:sSup>
-                      </m:den>
-                    </m:f>
-                    <m:r>
-                      <a:rPr lang="en-US" altLang="ja-JP" i="1">
-                        <a:latin typeface="Cambria Math" panose="02040503050406030204" pitchFamily="18" charset="0"/>
-                      </a:rPr>
-                      <m:t>)</m:t>
-                    </m:r>
-                  </m:oMath>
-                </a14:m>
-                <a:endParaRPr lang="en-US" altLang="ja-JP" dirty="0"/>
-              </a:p>
-              <a:p>
-                <a:pPr lvl="1"/>
-                <a:endParaRPr lang="en-US" altLang="ja-JP" dirty="0"/>
-              </a:p>
-              <a:p>
-                <a:r>
-                  <a:rPr lang="ja-JP" altLang="en-US"/>
-                  <a:t>ランダム効果を確率分布で表現すると、具体的にカテゴリ</a:t>
-                </a:r>
-                <a:r>
-                  <a:rPr lang="en-US" altLang="ja-JP" dirty="0" err="1"/>
-                  <a:t>i</a:t>
-                </a:r>
-                <a:r>
-                  <a:rPr lang="ja-JP" altLang="en-US"/>
-                  <a:t>に対する個別の差</a:t>
-                </a:r>
-                <a:r>
-                  <a:rPr lang="en-US" altLang="ja-JP" dirty="0" err="1"/>
-                  <a:t>r</a:t>
-                </a:r>
-                <a:r>
-                  <a:rPr lang="en-US" altLang="ja-JP" baseline="-25000" dirty="0" err="1"/>
-                  <a:t>i</a:t>
-                </a:r>
-                <a:r>
-                  <a:rPr lang="ja-JP" altLang="en-US"/>
-                  <a:t>の具体的な数値を知らなくとも、カテゴリ</a:t>
-                </a:r>
-                <a:r>
-                  <a:rPr lang="en-US" altLang="ja-JP" dirty="0" err="1"/>
-                  <a:t>i</a:t>
-                </a:r>
-                <a:r>
-                  <a:rPr lang="ja-JP" altLang="en-US"/>
-                  <a:t>の尤度</a:t>
-                </a:r>
-                <a:r>
-                  <a:rPr lang="en-US" altLang="ja-JP" i="1" dirty="0"/>
-                  <a:t>L</a:t>
-                </a:r>
-                <a:r>
-                  <a:rPr lang="en-US" altLang="ja-JP" baseline="-25000" dirty="0"/>
-                  <a:t>i</a:t>
-                </a:r>
-                <a:r>
-                  <a:rPr lang="ja-JP" altLang="en-US"/>
-                  <a:t>に対してとりうる全ての</a:t>
-                </a:r>
-                <a:r>
-                  <a:rPr lang="en-US" altLang="ja-JP" dirty="0" err="1"/>
-                  <a:t>r</a:t>
-                </a:r>
-                <a:r>
-                  <a:rPr lang="en-US" altLang="ja-JP" baseline="-25000" dirty="0" err="1"/>
-                  <a:t>i</a:t>
-                </a:r>
-                <a:r>
-                  <a:rPr lang="ja-JP" altLang="en-US"/>
-                  <a:t>の期待値が計算可能．</a:t>
-                </a:r>
-                <a:endParaRPr lang="en-US" altLang="ja-JP" dirty="0"/>
-              </a:p>
-              <a:p>
-                <a:pPr lvl="1"/>
-                <a14:m>
-                  <m:oMath xmlns:m="http://schemas.openxmlformats.org/officeDocument/2006/math">
-                    <m:func>
-                      <m:funcPr>
-                        <m:ctrlPr>
-                          <a:rPr lang="en-US" altLang="ja-JP" i="1">
-                            <a:latin typeface="Cambria Math" panose="02040503050406030204" pitchFamily="18" charset="0"/>
-                          </a:rPr>
-                        </m:ctrlPr>
-                      </m:funcPr>
-                      <m:fName>
-                        <m:sSub>
-                          <m:sSubPr>
-                            <m:ctrlPr>
-                              <a:rPr lang="en-US" altLang="ja-JP" i="1" smtClean="0">
-                                <a:latin typeface="Cambria Math" panose="02040503050406030204" pitchFamily="18" charset="0"/>
-                              </a:rPr>
-                            </m:ctrlPr>
-                          </m:sSubPr>
-                          <m:e>
-                            <m:r>
-                              <a:rPr lang="en-US" altLang="ja-JP" b="0" i="1" smtClean="0">
-                                <a:latin typeface="Cambria Math" panose="02040503050406030204" pitchFamily="18" charset="0"/>
-                              </a:rPr>
-                              <m:t>𝐿</m:t>
-                            </m:r>
-                          </m:e>
-                          <m:sub>
-                            <m:r>
-                              <a:rPr lang="en-US" altLang="ja-JP" b="0" i="1" smtClean="0">
-                                <a:latin typeface="Cambria Math" panose="02040503050406030204" pitchFamily="18" charset="0"/>
-                              </a:rPr>
-                              <m:t>𝑖</m:t>
-                            </m:r>
-                          </m:sub>
-                        </m:sSub>
-                        <m:r>
-                          <a:rPr lang="en-US" altLang="ja-JP" b="0" i="1" smtClean="0">
-                            <a:latin typeface="Cambria Math" panose="02040503050406030204" pitchFamily="18" charset="0"/>
-                          </a:rPr>
-                          <m:t>(</m:t>
-                        </m:r>
-                        <m:sSub>
-                          <m:sSubPr>
-                            <m:ctrlPr>
-                              <a:rPr lang="en-US" altLang="ja-JP" b="0" i="1" smtClean="0">
-                                <a:latin typeface="Cambria Math" panose="02040503050406030204" pitchFamily="18" charset="0"/>
-                              </a:rPr>
-                            </m:ctrlPr>
-                          </m:sSubPr>
-                          <m:e>
-                            <m:r>
-                              <a:rPr lang="en-US" altLang="ja-JP" b="0" i="1" smtClean="0">
-                                <a:latin typeface="Cambria Math" panose="02040503050406030204" pitchFamily="18" charset="0"/>
-                                <a:ea typeface="Cambria Math" panose="02040503050406030204" pitchFamily="18" charset="0"/>
-                              </a:rPr>
-                              <m:t>𝛽</m:t>
-                            </m:r>
-                          </m:e>
-                          <m:sub>
-                            <m:r>
-                              <a:rPr lang="en-US" altLang="ja-JP" b="0" i="1" smtClean="0">
-                                <a:latin typeface="Cambria Math" panose="02040503050406030204" pitchFamily="18" charset="0"/>
-                              </a:rPr>
-                              <m:t>𝑗</m:t>
-                            </m:r>
-                          </m:sub>
-                        </m:sSub>
-                        <m:r>
-                          <a:rPr lang="en-US" altLang="ja-JP" b="0" i="1" smtClean="0">
-                            <a:latin typeface="Cambria Math" panose="02040503050406030204" pitchFamily="18" charset="0"/>
-                          </a:rPr>
-                          <m:t>,</m:t>
-                        </m:r>
-                        <m:r>
-                          <a:rPr lang="en-US" altLang="ja-JP" b="0" i="1" smtClean="0">
-                            <a:latin typeface="Cambria Math" panose="02040503050406030204" pitchFamily="18" charset="0"/>
-                          </a:rPr>
-                          <m:t>𝑠</m:t>
-                        </m:r>
-                        <m:r>
-                          <a:rPr lang="en-US" altLang="ja-JP" b="0" i="1" smtClean="0">
-                            <a:latin typeface="Cambria Math" panose="02040503050406030204" pitchFamily="18" charset="0"/>
-                          </a:rPr>
-                          <m:t>|</m:t>
-                        </m:r>
-                        <m:sSub>
-                          <m:sSubPr>
-                            <m:ctrlPr>
-                              <a:rPr lang="en-US" altLang="ja-JP" b="0" i="1" smtClean="0">
-                                <a:latin typeface="Cambria Math" panose="02040503050406030204" pitchFamily="18" charset="0"/>
-                              </a:rPr>
-                            </m:ctrlPr>
-                          </m:sSubPr>
-                          <m:e>
-                            <m:r>
-                              <a:rPr lang="en-US" altLang="ja-JP" b="0" i="1" smtClean="0">
-                                <a:latin typeface="Cambria Math" panose="02040503050406030204" pitchFamily="18" charset="0"/>
-                              </a:rPr>
-                              <m:t>𝑥</m:t>
-                            </m:r>
-                          </m:e>
-                          <m:sub>
-                            <m:r>
-                              <a:rPr lang="en-US" altLang="ja-JP" b="0" i="1" smtClean="0">
-                                <a:latin typeface="Cambria Math" panose="02040503050406030204" pitchFamily="18" charset="0"/>
-                              </a:rPr>
-                              <m:t>𝑖</m:t>
-                            </m:r>
-                          </m:sub>
-                        </m:sSub>
-                        <m:r>
-                          <a:rPr lang="en-US" altLang="ja-JP" b="0" i="1" smtClean="0">
-                            <a:latin typeface="Cambria Math" panose="02040503050406030204" pitchFamily="18" charset="0"/>
-                          </a:rPr>
-                          <m:t>,</m:t>
-                        </m:r>
-                        <m:sSub>
-                          <m:sSubPr>
-                            <m:ctrlPr>
-                              <a:rPr lang="en-US" altLang="ja-JP" i="1">
-                                <a:latin typeface="Cambria Math" panose="02040503050406030204" pitchFamily="18" charset="0"/>
-                              </a:rPr>
-                            </m:ctrlPr>
-                          </m:sSubPr>
-                          <m:e>
-                            <m:r>
-                              <a:rPr lang="en-US" altLang="ja-JP" b="0" i="1" smtClean="0">
-                                <a:latin typeface="Cambria Math" panose="02040503050406030204" pitchFamily="18" charset="0"/>
-                              </a:rPr>
-                              <m:t>𝑦</m:t>
-                            </m:r>
-                          </m:e>
-                          <m:sub>
-                            <m:r>
-                              <a:rPr lang="en-US" altLang="ja-JP" i="1">
-                                <a:latin typeface="Cambria Math" panose="02040503050406030204" pitchFamily="18" charset="0"/>
-                              </a:rPr>
-                              <m:t>𝑖</m:t>
-                            </m:r>
-                          </m:sub>
-                        </m:sSub>
-                        <m:r>
-                          <a:rPr lang="en-US" altLang="ja-JP" b="0" i="1" smtClean="0">
-                            <a:latin typeface="Cambria Math" panose="02040503050406030204" pitchFamily="18" charset="0"/>
-                          </a:rPr>
-                          <m:t>)=</m:t>
-                        </m:r>
-                        <m:nary>
-                          <m:naryPr>
-                            <m:ctrlPr>
-                              <a:rPr lang="en-US" altLang="ja-JP" i="1">
-                                <a:latin typeface="Cambria Math" panose="02040503050406030204" pitchFamily="18" charset="0"/>
-                              </a:rPr>
-                            </m:ctrlPr>
-                          </m:naryPr>
-                          <m:sub>
-                            <m:r>
-                              <m:rPr>
-                                <m:brk m:alnAt="23"/>
-                              </m:rPr>
-                              <a:rPr lang="en-US" altLang="ja-JP" i="1">
-                                <a:latin typeface="Cambria Math" panose="02040503050406030204" pitchFamily="18" charset="0"/>
-                              </a:rPr>
-                              <m:t>−</m:t>
-                            </m:r>
-                            <m:r>
-                              <a:rPr lang="en-US" altLang="ja-JP" i="1">
-                                <a:latin typeface="Cambria Math" panose="02040503050406030204" pitchFamily="18" charset="0"/>
-                                <a:ea typeface="Cambria Math" panose="02040503050406030204" pitchFamily="18" charset="0"/>
-                              </a:rPr>
-                              <m:t>∞</m:t>
-                            </m:r>
-                          </m:sub>
-                          <m:sup>
-                            <m:r>
-                              <a:rPr lang="en-US" altLang="ja-JP" i="1">
-                                <a:latin typeface="Cambria Math" panose="02040503050406030204" pitchFamily="18" charset="0"/>
-                                <a:ea typeface="Cambria Math" panose="02040503050406030204" pitchFamily="18" charset="0"/>
-                              </a:rPr>
-                              <m:t>∞</m:t>
-                            </m:r>
-                          </m:sup>
-                          <m:e>
-                            <m:r>
-                              <a:rPr lang="en-US" altLang="ja-JP" i="1">
-                                <a:latin typeface="Cambria Math" panose="02040503050406030204" pitchFamily="18" charset="0"/>
-                              </a:rPr>
-                              <m:t>𝑓</m:t>
-                            </m:r>
-                            <m:d>
-                              <m:dPr>
-                                <m:endChr m:val="|"/>
-                                <m:ctrlPr>
-                                  <a:rPr lang="en-US" altLang="ja-JP" i="1">
-                                    <a:latin typeface="Cambria Math" panose="02040503050406030204" pitchFamily="18" charset="0"/>
-                                  </a:rPr>
-                                </m:ctrlPr>
-                              </m:dPr>
-                              <m:e>
-                                <m:sSub>
-                                  <m:sSubPr>
-                                    <m:ctrlPr>
-                                      <a:rPr lang="en-US" altLang="ja-JP" i="1">
-                                        <a:latin typeface="Cambria Math" panose="02040503050406030204" pitchFamily="18" charset="0"/>
-                                      </a:rPr>
-                                    </m:ctrlPr>
-                                  </m:sSubPr>
-                                  <m:e>
-                                    <m:r>
-                                      <a:rPr lang="en-US" altLang="ja-JP" i="1">
-                                        <a:latin typeface="Cambria Math" panose="02040503050406030204" pitchFamily="18" charset="0"/>
-                                      </a:rPr>
-                                      <m:t>𝑦</m:t>
-                                    </m:r>
-                                  </m:e>
-                                  <m:sub>
-                                    <m:r>
-                                      <a:rPr lang="en-US" altLang="ja-JP" i="1">
-                                        <a:latin typeface="Cambria Math" panose="02040503050406030204" pitchFamily="18" charset="0"/>
-                                      </a:rPr>
-                                      <m:t>𝑖</m:t>
-                                    </m:r>
-                                  </m:sub>
-                                </m:sSub>
-                              </m:e>
-                            </m:d>
-                            <m:sSub>
-                              <m:sSubPr>
-                                <m:ctrlPr>
-                                  <a:rPr lang="en-US" altLang="ja-JP" i="1">
-                                    <a:latin typeface="Cambria Math" panose="02040503050406030204" pitchFamily="18" charset="0"/>
-                                  </a:rPr>
-                                </m:ctrlPr>
-                              </m:sSubPr>
-                              <m:e>
-                                <m:r>
-                                  <a:rPr lang="en-US" altLang="ja-JP" i="1">
-                                    <a:latin typeface="Cambria Math" panose="02040503050406030204" pitchFamily="18" charset="0"/>
-                                    <a:ea typeface="Cambria Math" panose="02040503050406030204" pitchFamily="18" charset="0"/>
-                                  </a:rPr>
-                                  <m:t>𝛽</m:t>
-                                </m:r>
-                              </m:e>
-                              <m:sub>
-                                <m:r>
-                                  <a:rPr lang="en-US" altLang="ja-JP" i="1">
-                                    <a:latin typeface="Cambria Math" panose="02040503050406030204" pitchFamily="18" charset="0"/>
-                                  </a:rPr>
-                                  <m:t>𝑗</m:t>
-                                </m:r>
-                              </m:sub>
-                            </m:sSub>
-                            <m:r>
-                              <a:rPr lang="en-US" altLang="ja-JP" i="1">
-                                <a:latin typeface="Cambria Math" panose="02040503050406030204" pitchFamily="18" charset="0"/>
-                              </a:rPr>
-                              <m:t>,</m:t>
-                            </m:r>
-                            <m:sSub>
-                              <m:sSubPr>
-                                <m:ctrlPr>
-                                  <a:rPr lang="en-US" altLang="ja-JP" i="1">
-                                    <a:latin typeface="Cambria Math" panose="02040503050406030204" pitchFamily="18" charset="0"/>
-                                  </a:rPr>
-                                </m:ctrlPr>
-                              </m:sSubPr>
-                              <m:e>
-                                <m:r>
-                                  <a:rPr lang="en-US" altLang="ja-JP" i="1">
-                                    <a:latin typeface="Cambria Math" panose="02040503050406030204" pitchFamily="18" charset="0"/>
-                                  </a:rPr>
-                                  <m:t>𝑟</m:t>
-                                </m:r>
-                              </m:e>
-                              <m:sub>
-                                <m:r>
-                                  <a:rPr lang="en-US" altLang="ja-JP" i="1">
-                                    <a:latin typeface="Cambria Math" panose="02040503050406030204" pitchFamily="18" charset="0"/>
-                                  </a:rPr>
-                                  <m:t>𝑖</m:t>
-                                </m:r>
-                              </m:sub>
-                            </m:sSub>
-                            <m:r>
-                              <a:rPr lang="en-US" altLang="ja-JP" i="1">
-                                <a:latin typeface="Cambria Math" panose="02040503050406030204" pitchFamily="18" charset="0"/>
-                              </a:rPr>
-                              <m:t>)</m:t>
-                            </m:r>
-                          </m:e>
-                        </m:nary>
-                      </m:fName>
-                      <m:e>
-                        <m:r>
-                          <a:rPr lang="en-US" altLang="ja-JP" b="0" i="1" smtClean="0">
-                            <a:latin typeface="Cambria Math" panose="02040503050406030204" pitchFamily="18" charset="0"/>
-                          </a:rPr>
-                          <m:t>h</m:t>
-                        </m:r>
-                        <m:d>
-                          <m:dPr>
-                            <m:ctrlPr>
-                              <a:rPr lang="en-US" altLang="ja-JP" b="0" i="1">
-                                <a:latin typeface="Cambria Math" panose="02040503050406030204" pitchFamily="18" charset="0"/>
-                              </a:rPr>
-                            </m:ctrlPr>
-                          </m:dPr>
-                          <m:e>
-                            <m:sSub>
-                              <m:sSubPr>
-                                <m:ctrlPr>
-                                  <a:rPr lang="en-US" altLang="ja-JP" i="1" smtClean="0">
-                                    <a:latin typeface="Cambria Math" panose="02040503050406030204" pitchFamily="18" charset="0"/>
-                                  </a:rPr>
-                                </m:ctrlPr>
-                              </m:sSubPr>
-                              <m:e>
-                                <m:r>
-                                  <a:rPr lang="en-US" altLang="ja-JP" b="0" i="1" smtClean="0">
-                                    <a:latin typeface="Cambria Math" panose="02040503050406030204" pitchFamily="18" charset="0"/>
-                                  </a:rPr>
-                                  <m:t>𝑟</m:t>
-                                </m:r>
-                              </m:e>
-                              <m:sub>
-                                <m:r>
-                                  <a:rPr lang="en-US" altLang="ja-JP" b="0" i="1" smtClean="0">
-                                    <a:latin typeface="Cambria Math" panose="02040503050406030204" pitchFamily="18" charset="0"/>
-                                  </a:rPr>
-                                  <m:t>𝑖</m:t>
-                                </m:r>
-                              </m:sub>
-                            </m:sSub>
-                          </m:e>
-                          <m:e>
-                            <m:r>
-                              <a:rPr lang="en-US" altLang="ja-JP" b="0" i="1" smtClean="0">
-                                <a:latin typeface="Cambria Math" panose="02040503050406030204" pitchFamily="18" charset="0"/>
-                              </a:rPr>
-                              <m:t>𝑠</m:t>
-                            </m:r>
-                          </m:e>
-                        </m:d>
-                      </m:e>
-                    </m:func>
-                    <m:r>
-                      <a:rPr lang="en-US" altLang="ja-JP" b="0" i="1" smtClean="0">
-                        <a:latin typeface="Cambria Math" panose="02040503050406030204" pitchFamily="18" charset="0"/>
-                      </a:rPr>
-                      <m:t>𝑑</m:t>
-                    </m:r>
-                    <m:sSub>
-                      <m:sSubPr>
-                        <m:ctrlPr>
-                          <a:rPr lang="en-US" altLang="ja-JP" b="0" i="1" smtClean="0">
-                            <a:latin typeface="Cambria Math" panose="02040503050406030204" pitchFamily="18" charset="0"/>
-                          </a:rPr>
-                        </m:ctrlPr>
-                      </m:sSubPr>
-                      <m:e>
-                        <m:r>
-                          <a:rPr lang="en-US" altLang="ja-JP" b="0" i="1" smtClean="0">
-                            <a:latin typeface="Cambria Math" panose="02040503050406030204" pitchFamily="18" charset="0"/>
-                          </a:rPr>
-                          <m:t>𝑟</m:t>
-                        </m:r>
-                      </m:e>
-                      <m:sub>
-                        <m:r>
-                          <a:rPr lang="en-US" altLang="ja-JP" b="0" i="1" smtClean="0">
-                            <a:latin typeface="Cambria Math" panose="02040503050406030204" pitchFamily="18" charset="0"/>
-                          </a:rPr>
-                          <m:t>𝑖</m:t>
-                        </m:r>
-                      </m:sub>
-                    </m:sSub>
-                  </m:oMath>
-                </a14:m>
-                <a:endParaRPr lang="en-US" altLang="ja-JP" dirty="0"/>
-              </a:p>
-              <a:p>
-                <a:endParaRPr kumimoji="1" lang="en-US" altLang="ja-JP" dirty="0"/>
-              </a:p>
-              <a:p>
-                <a:r>
-                  <a:rPr kumimoji="1" lang="en-US" altLang="ja-JP" dirty="0"/>
-                  <a:t>GLMM</a:t>
-                </a:r>
-                <a:r>
-                  <a:rPr lang="ja-JP" altLang="en-US"/>
-                  <a:t>を実行すると固定効果である切片と係数</a:t>
-                </a:r>
-                <a:r>
-                  <a:rPr lang="en-US" altLang="ja-JP" dirty="0"/>
-                  <a:t>β</a:t>
-                </a:r>
-                <a:r>
-                  <a:rPr lang="en-US" altLang="ja-JP" baseline="-25000" dirty="0"/>
-                  <a:t>j</a:t>
-                </a:r>
-                <a:r>
-                  <a:rPr lang="ja-JP" altLang="en-US"/>
-                  <a:t>とランダム効果の分布のばらつき</a:t>
-                </a:r>
-                <a:r>
-                  <a:rPr lang="en-US" altLang="ja-JP" dirty="0"/>
-                  <a:t>s</a:t>
-                </a:r>
-                <a:r>
-                  <a:rPr lang="ja-JP" altLang="en-US"/>
-                  <a:t>が推定される．</a:t>
-                </a:r>
-                <a:endParaRPr kumimoji="1" lang="en-US" altLang="ja-JP" dirty="0"/>
-              </a:p>
-            </p:txBody>
-          </p:sp>
-        </mc:Choice>
-        <mc:Fallback>
-          <p:sp>
-            <p:nvSpPr>
-              <p:cNvPr id="3" name="コンテンツ プレースホルダー 2">
-                <a:extLst>
-                  <a:ext uri="{FF2B5EF4-FFF2-40B4-BE49-F238E27FC236}">
-                    <a16:creationId xmlns:a16="http://schemas.microsoft.com/office/drawing/2014/main" id="{6AB6596B-E717-A84A-851A-50C924979FEB}"/>
-                  </a:ext>
-                </a:extLst>
-              </p:cNvPr>
-              <p:cNvSpPr>
-                <a:spLocks noGrp="1" noRot="1" noChangeAspect="1" noMove="1" noResize="1" noEditPoints="1" noAdjustHandles="1" noChangeArrowheads="1" noChangeShapeType="1" noTextEdit="1"/>
-              </p:cNvSpPr>
-              <p:nvPr>
-                <p:ph idx="1"/>
-              </p:nvPr>
-            </p:nvSpPr>
-            <p:spPr>
-              <a:xfrm>
-                <a:off x="140949" y="1502978"/>
-                <a:ext cx="8432098" cy="4989897"/>
-              </a:xfrm>
-              <a:blipFill>
-                <a:blip r:embed="rId3"/>
-                <a:stretch>
-                  <a:fillRect l="-904" t="-2284" r="-452"/>
-                </a:stretch>
-              </a:blipFill>
-            </p:spPr>
-            <p:txBody>
-              <a:bodyPr/>
-              <a:lstStyle/>
-              <a:p>
-                <a:r>
-                  <a:rPr lang="ja-JP" altLang="en-US">
-                    <a:noFill/>
-                  </a:rPr>
-                  <a:t> </a:t>
-                </a:r>
-              </a:p>
-            </p:txBody>
-          </p:sp>
-        </mc:Fallback>
-      </mc:AlternateContent>
-      <p:sp>
-        <p:nvSpPr>
-          <p:cNvPr id="4" name="正方形/長方形 3">
-            <a:extLst>
-              <a:ext uri="{FF2B5EF4-FFF2-40B4-BE49-F238E27FC236}">
-                <a16:creationId xmlns:a16="http://schemas.microsoft.com/office/drawing/2014/main" id="{3E2DCBC2-59E0-864E-9591-BD755DC99CAF}"/>
-              </a:ext>
-            </a:extLst>
-          </p:cNvPr>
-          <p:cNvSpPr/>
-          <p:nvPr/>
-        </p:nvSpPr>
-        <p:spPr>
-          <a:xfrm>
-            <a:off x="8665916" y="3326122"/>
-            <a:ext cx="1475291" cy="421443"/>
-          </a:xfrm>
-          <a:prstGeom prst="rect">
+          <a:prstGeom prst="roundRect">
             <a:avLst/>
           </a:prstGeom>
           <a:solidFill>
-            <a:schemeClr val="accent6">
-              <a:lumMod val="75000"/>
-            </a:schemeClr>
+            <a:srgbClr val="4472C4">
+              <a:alpha val="50196"/>
+            </a:srgbClr>
           </a:solidFill>
-          <a:ln>
-            <a:noFill/>
-          </a:ln>
         </p:spPr>
         <p:style>
           <a:lnRef idx="2">
@@ -5980,112 +5209,33 @@
           <a:lstStyle/>
           <a:p>
             <a:pPr algn="ctr"/>
-            <a:r>
-              <a:rPr lang="ja-JP" altLang="en-US"/>
-              <a:t>個別の事情</a:t>
-            </a:r>
-            <a:r>
-              <a:rPr lang="en-US" altLang="ja-JP" dirty="0"/>
-              <a:t> </a:t>
-            </a:r>
-            <a:r>
-              <a:rPr lang="en-US" altLang="ja-JP" dirty="0" err="1"/>
-              <a:t>i</a:t>
-            </a:r>
-            <a:endParaRPr kumimoji="1" lang="ja-JP" altLang="en-US"/>
-          </a:p>
-        </p:txBody>
-      </p:sp>
-      <p:sp>
-        <p:nvSpPr>
-          <p:cNvPr id="9" name="円/楕円 8">
-            <a:extLst>
-              <a:ext uri="{FF2B5EF4-FFF2-40B4-BE49-F238E27FC236}">
-                <a16:creationId xmlns:a16="http://schemas.microsoft.com/office/drawing/2014/main" id="{2F8EC76E-C6E1-6F4D-9BB0-7A88B0876444}"/>
-              </a:ext>
-            </a:extLst>
-          </p:cNvPr>
-          <p:cNvSpPr/>
-          <p:nvPr/>
-        </p:nvSpPr>
-        <p:spPr>
-          <a:xfrm>
-            <a:off x="8896483" y="1918250"/>
-            <a:ext cx="1000025" cy="1060687"/>
-          </a:xfrm>
-          <a:prstGeom prst="ellipse">
-            <a:avLst/>
-          </a:prstGeom>
-          <a:solidFill>
-            <a:srgbClr val="C00000"/>
-          </a:solidFill>
-          <a:ln>
-            <a:solidFill>
-              <a:srgbClr val="C00000"/>
-            </a:solidFill>
-          </a:ln>
-        </p:spPr>
-        <p:style>
-          <a:lnRef idx="2">
-            <a:schemeClr val="accent1">
-              <a:shade val="50000"/>
-            </a:schemeClr>
-          </a:lnRef>
-          <a:fillRef idx="1">
-            <a:schemeClr val="accent1"/>
-          </a:fillRef>
-          <a:effectRef idx="0">
-            <a:schemeClr val="accent1"/>
-          </a:effectRef>
-          <a:fontRef idx="minor">
-            <a:schemeClr val="lt1"/>
-          </a:fontRef>
-        </p:style>
-        <p:txBody>
-          <a:bodyPr rtlCol="0" anchor="ctr"/>
-          <a:lstStyle/>
-          <a:p>
-            <a:pPr algn="ctr"/>
-            <a:r>
-              <a:rPr lang="ja-JP" altLang="en-US"/>
-              <a:t>目的変数</a:t>
-            </a:r>
-            <a:r>
-              <a:rPr lang="en-US" altLang="ja-JP" dirty="0"/>
-              <a:t> </a:t>
-            </a:r>
-            <a:r>
-              <a:rPr lang="en-US" altLang="ja-JP" dirty="0" err="1"/>
-              <a:t>i</a:t>
-            </a:r>
             <a:endParaRPr kumimoji="1" lang="ja-JP" altLang="en-US"/>
           </a:p>
         </p:txBody>
       </p:sp>
       <p:cxnSp>
         <p:nvCxnSpPr>
-          <p:cNvPr id="16" name="直線矢印コネクタ 15">
-            <a:extLst>
-              <a:ext uri="{FF2B5EF4-FFF2-40B4-BE49-F238E27FC236}">
-                <a16:creationId xmlns:a16="http://schemas.microsoft.com/office/drawing/2014/main" id="{21839DD9-0356-1245-A966-172FD1B693C0}"/>
+          <p:cNvPr id="14" name="直線矢印コネクタ 13">
+            <a:extLst>
+              <a:ext uri="{FF2B5EF4-FFF2-40B4-BE49-F238E27FC236}">
+                <a16:creationId xmlns:a16="http://schemas.microsoft.com/office/drawing/2014/main" id="{DC5CEDAB-DED6-04EA-956E-518429A01FB8}"/>
               </a:ext>
             </a:extLst>
           </p:cNvPr>
           <p:cNvCxnSpPr>
             <a:cxnSpLocks/>
-            <a:stCxn id="23" idx="1"/>
           </p:cNvCxnSpPr>
           <p:nvPr/>
         </p:nvCxnSpPr>
         <p:spPr>
           <a:xfrm flipH="1" flipV="1">
-            <a:off x="9396496" y="2959060"/>
-            <a:ext cx="7066" cy="1064114"/>
+            <a:off x="5390866" y="1956289"/>
+            <a:ext cx="2760193" cy="677729"/>
           </a:xfrm>
           <a:prstGeom prst="straightConnector1">
             <a:avLst/>
           </a:prstGeom>
-          <a:ln>
+          <a:ln w="53975">
             <a:tailEnd type="triangle"/>
           </a:ln>
         </p:spPr>
@@ -6104,1742 +5254,289 @@
           </a:fontRef>
         </p:style>
       </p:cxnSp>
-      <p:cxnSp>
-        <p:nvCxnSpPr>
-          <p:cNvPr id="18" name="直線矢印コネクタ 17">
-            <a:extLst>
-              <a:ext uri="{FF2B5EF4-FFF2-40B4-BE49-F238E27FC236}">
-                <a16:creationId xmlns:a16="http://schemas.microsoft.com/office/drawing/2014/main" id="{CE16FB4B-C651-E044-9FB7-BE517EDF7640}"/>
-              </a:ext>
-            </a:extLst>
-          </p:cNvPr>
-          <p:cNvCxnSpPr>
-            <a:cxnSpLocks/>
-            <a:endCxn id="9" idx="4"/>
-          </p:cNvCxnSpPr>
-          <p:nvPr/>
-        </p:nvCxnSpPr>
-        <p:spPr>
-          <a:xfrm flipH="1" flipV="1">
-            <a:off x="9396496" y="2978937"/>
-            <a:ext cx="560501" cy="1024359"/>
-          </a:xfrm>
-          <a:prstGeom prst="straightConnector1">
-            <a:avLst/>
-          </a:prstGeom>
-          <a:ln>
-            <a:tailEnd type="triangle"/>
-          </a:ln>
-        </p:spPr>
-        <p:style>
-          <a:lnRef idx="1">
-            <a:schemeClr val="accent1"/>
-          </a:lnRef>
-          <a:fillRef idx="0">
-            <a:schemeClr val="accent1"/>
-          </a:fillRef>
-          <a:effectRef idx="0">
-            <a:schemeClr val="accent1"/>
-          </a:effectRef>
-          <a:fontRef idx="minor">
-            <a:schemeClr val="tx1"/>
-          </a:fontRef>
-        </p:style>
-      </p:cxnSp>
-      <p:sp>
-        <p:nvSpPr>
-          <p:cNvPr id="21" name="角丸四角形 20">
-            <a:extLst>
-              <a:ext uri="{FF2B5EF4-FFF2-40B4-BE49-F238E27FC236}">
-                <a16:creationId xmlns:a16="http://schemas.microsoft.com/office/drawing/2014/main" id="{6C9D469A-F137-E14F-A948-34BD10DB9460}"/>
-              </a:ext>
-            </a:extLst>
-          </p:cNvPr>
-          <p:cNvSpPr/>
-          <p:nvPr/>
-        </p:nvSpPr>
-        <p:spPr>
-          <a:xfrm rot="5400000">
-            <a:off x="8084485" y="4565598"/>
-            <a:ext cx="1519544" cy="421444"/>
-          </a:xfrm>
-          <a:prstGeom prst="roundRect">
-            <a:avLst/>
-          </a:prstGeom>
-        </p:spPr>
-        <p:style>
-          <a:lnRef idx="2">
-            <a:schemeClr val="accent1">
-              <a:shade val="50000"/>
-            </a:schemeClr>
-          </a:lnRef>
-          <a:fillRef idx="1">
-            <a:schemeClr val="accent1"/>
-          </a:fillRef>
-          <a:effectRef idx="0">
-            <a:schemeClr val="accent1"/>
-          </a:effectRef>
-          <a:fontRef idx="minor">
-            <a:schemeClr val="lt1"/>
-          </a:fontRef>
-        </p:style>
-        <p:txBody>
-          <a:bodyPr rtlCol="0" anchor="ctr"/>
-          <a:lstStyle/>
-          <a:p>
-            <a:pPr algn="just"/>
-            <a:r>
-              <a:rPr kumimoji="1" lang="ja-JP" altLang="en-US"/>
-              <a:t>説明変数</a:t>
-            </a:r>
-            <a:r>
-              <a:rPr kumimoji="1" lang="en-US" altLang="ja-JP" dirty="0"/>
-              <a:t>1 </a:t>
-            </a:r>
-            <a:r>
-              <a:rPr kumimoji="1" lang="en-US" altLang="ja-JP" dirty="0" err="1"/>
-              <a:t>i</a:t>
-            </a:r>
-            <a:endParaRPr kumimoji="1" lang="ja-JP" altLang="en-US"/>
-          </a:p>
-        </p:txBody>
-      </p:sp>
-      <p:sp>
-        <p:nvSpPr>
-          <p:cNvPr id="23" name="角丸四角形 22">
-            <a:extLst>
-              <a:ext uri="{FF2B5EF4-FFF2-40B4-BE49-F238E27FC236}">
-                <a16:creationId xmlns:a16="http://schemas.microsoft.com/office/drawing/2014/main" id="{9B239105-C960-FC43-A1DF-53478D5E32C4}"/>
-              </a:ext>
-            </a:extLst>
-          </p:cNvPr>
-          <p:cNvSpPr/>
-          <p:nvPr/>
-        </p:nvSpPr>
-        <p:spPr>
-          <a:xfrm rot="5400000">
-            <a:off x="8643790" y="4572224"/>
-            <a:ext cx="1519544" cy="421444"/>
-          </a:xfrm>
-          <a:prstGeom prst="roundRect">
-            <a:avLst/>
-          </a:prstGeom>
-        </p:spPr>
-        <p:style>
-          <a:lnRef idx="2">
-            <a:schemeClr val="accent1">
-              <a:shade val="50000"/>
-            </a:schemeClr>
-          </a:lnRef>
-          <a:fillRef idx="1">
-            <a:schemeClr val="accent1"/>
-          </a:fillRef>
-          <a:effectRef idx="0">
-            <a:schemeClr val="accent1"/>
-          </a:effectRef>
-          <a:fontRef idx="minor">
-            <a:schemeClr val="lt1"/>
-          </a:fontRef>
-        </p:style>
-        <p:txBody>
-          <a:bodyPr rtlCol="0" anchor="ctr"/>
-          <a:lstStyle/>
-          <a:p>
-            <a:pPr algn="just"/>
-            <a:r>
-              <a:rPr kumimoji="1" lang="ja-JP" altLang="en-US"/>
-              <a:t>説明変数</a:t>
-            </a:r>
-            <a:r>
-              <a:rPr kumimoji="1" lang="en-US" altLang="ja-JP" dirty="0"/>
-              <a:t>2 </a:t>
-            </a:r>
-            <a:r>
-              <a:rPr kumimoji="1" lang="en-US" altLang="ja-JP" dirty="0" err="1"/>
-              <a:t>i</a:t>
-            </a:r>
-            <a:endParaRPr kumimoji="1" lang="ja-JP" altLang="en-US"/>
-          </a:p>
-        </p:txBody>
-      </p:sp>
-      <p:sp>
-        <p:nvSpPr>
-          <p:cNvPr id="24" name="角丸四角形 23">
-            <a:extLst>
-              <a:ext uri="{FF2B5EF4-FFF2-40B4-BE49-F238E27FC236}">
-                <a16:creationId xmlns:a16="http://schemas.microsoft.com/office/drawing/2014/main" id="{0A6F7988-8D64-204F-90A9-7E7CA17DD59A}"/>
-              </a:ext>
-            </a:extLst>
-          </p:cNvPr>
-          <p:cNvSpPr/>
-          <p:nvPr/>
-        </p:nvSpPr>
-        <p:spPr>
-          <a:xfrm rot="5400000">
-            <a:off x="9197225" y="4565598"/>
-            <a:ext cx="1519544" cy="421444"/>
-          </a:xfrm>
-          <a:prstGeom prst="roundRect">
-            <a:avLst/>
-          </a:prstGeom>
-        </p:spPr>
-        <p:style>
-          <a:lnRef idx="2">
-            <a:schemeClr val="accent1">
-              <a:shade val="50000"/>
-            </a:schemeClr>
-          </a:lnRef>
-          <a:fillRef idx="1">
-            <a:schemeClr val="accent1"/>
-          </a:fillRef>
-          <a:effectRef idx="0">
-            <a:schemeClr val="accent1"/>
-          </a:effectRef>
-          <a:fontRef idx="minor">
-            <a:schemeClr val="lt1"/>
-          </a:fontRef>
-        </p:style>
-        <p:txBody>
-          <a:bodyPr rtlCol="0" anchor="ctr"/>
-          <a:lstStyle/>
-          <a:p>
-            <a:pPr algn="just"/>
-            <a:r>
-              <a:rPr kumimoji="1" lang="ja-JP" altLang="en-US"/>
-              <a:t>説明変数</a:t>
-            </a:r>
-            <a:r>
-              <a:rPr kumimoji="1" lang="en-US" altLang="ja-JP" dirty="0"/>
-              <a:t>3 </a:t>
-            </a:r>
-            <a:r>
-              <a:rPr kumimoji="1" lang="en-US" altLang="ja-JP" dirty="0" err="1"/>
-              <a:t>i</a:t>
-            </a:r>
-            <a:endParaRPr kumimoji="1" lang="ja-JP" altLang="en-US"/>
-          </a:p>
-        </p:txBody>
-      </p:sp>
-      <p:cxnSp>
-        <p:nvCxnSpPr>
-          <p:cNvPr id="25" name="直線矢印コネクタ 24">
-            <a:extLst>
-              <a:ext uri="{FF2B5EF4-FFF2-40B4-BE49-F238E27FC236}">
-                <a16:creationId xmlns:a16="http://schemas.microsoft.com/office/drawing/2014/main" id="{86AD3DDF-7327-9D4D-8941-3E20CEB3650D}"/>
-              </a:ext>
-            </a:extLst>
-          </p:cNvPr>
-          <p:cNvCxnSpPr>
-            <a:cxnSpLocks/>
-            <a:stCxn id="21" idx="1"/>
-          </p:cNvCxnSpPr>
-          <p:nvPr/>
-        </p:nvCxnSpPr>
-        <p:spPr>
-          <a:xfrm flipV="1">
-            <a:off x="8844257" y="2978938"/>
-            <a:ext cx="552238" cy="1037610"/>
-          </a:xfrm>
-          <a:prstGeom prst="straightConnector1">
-            <a:avLst/>
-          </a:prstGeom>
-          <a:ln>
-            <a:tailEnd type="triangle"/>
-          </a:ln>
-        </p:spPr>
-        <p:style>
-          <a:lnRef idx="1">
-            <a:schemeClr val="accent1"/>
-          </a:lnRef>
-          <a:fillRef idx="0">
-            <a:schemeClr val="accent1"/>
-          </a:fillRef>
-          <a:effectRef idx="0">
-            <a:schemeClr val="accent1"/>
-          </a:effectRef>
-          <a:fontRef idx="minor">
-            <a:schemeClr val="tx1"/>
-          </a:fontRef>
-        </p:style>
-      </p:cxnSp>
-      <p:grpSp>
-        <p:nvGrpSpPr>
-          <p:cNvPr id="51" name="グループ化 50">
-            <a:extLst>
-              <a:ext uri="{FF2B5EF4-FFF2-40B4-BE49-F238E27FC236}">
-                <a16:creationId xmlns:a16="http://schemas.microsoft.com/office/drawing/2014/main" id="{E43EEA95-B0D8-9949-85BD-2D380914D0A0}"/>
-              </a:ext>
-            </a:extLst>
-          </p:cNvPr>
-          <p:cNvGrpSpPr/>
-          <p:nvPr/>
-        </p:nvGrpSpPr>
-        <p:grpSpPr>
-          <a:xfrm>
-            <a:off x="10516868" y="2087479"/>
-            <a:ext cx="1534184" cy="3644348"/>
-            <a:chOff x="10568071" y="2251727"/>
-            <a:chExt cx="1534184" cy="3644348"/>
-          </a:xfrm>
-        </p:grpSpPr>
-        <p:sp>
-          <p:nvSpPr>
-            <p:cNvPr id="13" name="円/楕円 12">
-              <a:extLst>
-                <a:ext uri="{FF2B5EF4-FFF2-40B4-BE49-F238E27FC236}">
-                  <a16:creationId xmlns:a16="http://schemas.microsoft.com/office/drawing/2014/main" id="{C7252DBE-6921-2A43-9E11-2FEAF067C327}"/>
-                </a:ext>
-              </a:extLst>
-            </p:cNvPr>
-            <p:cNvSpPr/>
-            <p:nvPr/>
-          </p:nvSpPr>
-          <p:spPr>
-            <a:xfrm>
-              <a:off x="10837767" y="2251727"/>
-              <a:ext cx="1000025" cy="1060687"/>
-            </a:xfrm>
-            <a:prstGeom prst="ellipse">
-              <a:avLst/>
-            </a:prstGeom>
-            <a:solidFill>
-              <a:srgbClr val="C00000"/>
-            </a:solidFill>
-            <a:ln>
-              <a:solidFill>
-                <a:srgbClr val="C00000"/>
-              </a:solidFill>
-            </a:ln>
-          </p:spPr>
-          <p:style>
-            <a:lnRef idx="2">
-              <a:schemeClr val="accent1">
-                <a:shade val="50000"/>
-              </a:schemeClr>
-            </a:lnRef>
-            <a:fillRef idx="1">
-              <a:schemeClr val="accent1"/>
-            </a:fillRef>
-            <a:effectRef idx="0">
-              <a:schemeClr val="accent1"/>
-            </a:effectRef>
-            <a:fontRef idx="minor">
-              <a:schemeClr val="lt1"/>
-            </a:fontRef>
-          </p:style>
-          <p:txBody>
-            <a:bodyPr rtlCol="0" anchor="ctr"/>
-            <a:lstStyle/>
-            <a:p>
-              <a:pPr algn="ctr"/>
-              <a:r>
-                <a:rPr lang="ja-JP" altLang="en-US"/>
-                <a:t>目的変数</a:t>
-              </a:r>
-              <a:r>
-                <a:rPr lang="en-US" altLang="ja-JP" dirty="0"/>
-                <a:t> j</a:t>
-              </a:r>
-              <a:endParaRPr kumimoji="1" lang="ja-JP" altLang="en-US"/>
-            </a:p>
-          </p:txBody>
-        </p:sp>
-        <p:sp>
-          <p:nvSpPr>
-            <p:cNvPr id="35" name="正方形/長方形 34">
-              <a:extLst>
-                <a:ext uri="{FF2B5EF4-FFF2-40B4-BE49-F238E27FC236}">
-                  <a16:creationId xmlns:a16="http://schemas.microsoft.com/office/drawing/2014/main" id="{F8D9973A-1BC3-994B-9D6D-C706D8650659}"/>
-                </a:ext>
-              </a:extLst>
-            </p:cNvPr>
-            <p:cNvSpPr/>
-            <p:nvPr/>
-          </p:nvSpPr>
-          <p:spPr>
-            <a:xfrm>
-              <a:off x="10600452" y="3679479"/>
-              <a:ext cx="1475291" cy="421443"/>
-            </a:xfrm>
-            <a:prstGeom prst="rect">
-              <a:avLst/>
-            </a:prstGeom>
-            <a:solidFill>
-              <a:schemeClr val="accent6">
-                <a:lumMod val="75000"/>
-              </a:schemeClr>
-            </a:solidFill>
-            <a:ln>
-              <a:noFill/>
-            </a:ln>
-          </p:spPr>
-          <p:style>
-            <a:lnRef idx="2">
-              <a:schemeClr val="accent1">
-                <a:shade val="50000"/>
-              </a:schemeClr>
-            </a:lnRef>
-            <a:fillRef idx="1">
-              <a:schemeClr val="accent1"/>
-            </a:fillRef>
-            <a:effectRef idx="0">
-              <a:schemeClr val="accent1"/>
-            </a:effectRef>
-            <a:fontRef idx="minor">
-              <a:schemeClr val="lt1"/>
-            </a:fontRef>
-          </p:style>
-          <p:txBody>
-            <a:bodyPr rtlCol="0" anchor="ctr"/>
-            <a:lstStyle/>
-            <a:p>
-              <a:pPr algn="ctr"/>
-              <a:r>
-                <a:rPr lang="ja-JP" altLang="en-US"/>
-                <a:t>個別の事情</a:t>
-              </a:r>
-              <a:r>
-                <a:rPr lang="en-US" altLang="ja-JP" dirty="0"/>
-                <a:t> j</a:t>
-              </a:r>
-              <a:endParaRPr kumimoji="1" lang="ja-JP" altLang="en-US"/>
-            </a:p>
-          </p:txBody>
-        </p:sp>
-        <p:cxnSp>
-          <p:nvCxnSpPr>
-            <p:cNvPr id="36" name="直線矢印コネクタ 35">
-              <a:extLst>
-                <a:ext uri="{FF2B5EF4-FFF2-40B4-BE49-F238E27FC236}">
-                  <a16:creationId xmlns:a16="http://schemas.microsoft.com/office/drawing/2014/main" id="{E015761B-0FD5-D347-B21D-84F4149ADED6}"/>
-                </a:ext>
-              </a:extLst>
-            </p:cNvPr>
-            <p:cNvCxnSpPr>
-              <a:cxnSpLocks/>
-              <a:stCxn id="39" idx="1"/>
-            </p:cNvCxnSpPr>
-            <p:nvPr/>
-          </p:nvCxnSpPr>
-          <p:spPr>
-            <a:xfrm flipH="1" flipV="1">
-              <a:off x="11331032" y="3312417"/>
-              <a:ext cx="7066" cy="1064114"/>
-            </a:xfrm>
-            <a:prstGeom prst="straightConnector1">
-              <a:avLst/>
-            </a:prstGeom>
-            <a:ln>
-              <a:tailEnd type="triangle"/>
-            </a:ln>
-          </p:spPr>
-          <p:style>
-            <a:lnRef idx="1">
-              <a:schemeClr val="accent1"/>
-            </a:lnRef>
-            <a:fillRef idx="0">
-              <a:schemeClr val="accent1"/>
-            </a:fillRef>
-            <a:effectRef idx="0">
-              <a:schemeClr val="accent1"/>
-            </a:effectRef>
-            <a:fontRef idx="minor">
-              <a:schemeClr val="tx1"/>
-            </a:fontRef>
-          </p:style>
-        </p:cxnSp>
-        <p:cxnSp>
-          <p:nvCxnSpPr>
-            <p:cNvPr id="37" name="直線矢印コネクタ 36">
-              <a:extLst>
-                <a:ext uri="{FF2B5EF4-FFF2-40B4-BE49-F238E27FC236}">
-                  <a16:creationId xmlns:a16="http://schemas.microsoft.com/office/drawing/2014/main" id="{48167F04-3AF4-CB40-AC69-FC257BF041A3}"/>
-                </a:ext>
-              </a:extLst>
-            </p:cNvPr>
-            <p:cNvCxnSpPr>
-              <a:cxnSpLocks/>
-            </p:cNvCxnSpPr>
-            <p:nvPr/>
-          </p:nvCxnSpPr>
-          <p:spPr>
-            <a:xfrm flipH="1" flipV="1">
-              <a:off x="11331032" y="3332294"/>
-              <a:ext cx="560501" cy="1024359"/>
-            </a:xfrm>
-            <a:prstGeom prst="straightConnector1">
-              <a:avLst/>
-            </a:prstGeom>
-            <a:ln>
-              <a:tailEnd type="triangle"/>
-            </a:ln>
-          </p:spPr>
-          <p:style>
-            <a:lnRef idx="1">
-              <a:schemeClr val="accent1"/>
-            </a:lnRef>
-            <a:fillRef idx="0">
-              <a:schemeClr val="accent1"/>
-            </a:fillRef>
-            <a:effectRef idx="0">
-              <a:schemeClr val="accent1"/>
-            </a:effectRef>
-            <a:fontRef idx="minor">
-              <a:schemeClr val="tx1"/>
-            </a:fontRef>
-          </p:style>
-        </p:cxnSp>
-        <p:sp>
-          <p:nvSpPr>
-            <p:cNvPr id="38" name="角丸四角形 37">
-              <a:extLst>
-                <a:ext uri="{FF2B5EF4-FFF2-40B4-BE49-F238E27FC236}">
-                  <a16:creationId xmlns:a16="http://schemas.microsoft.com/office/drawing/2014/main" id="{302D92AD-DABF-064C-92D7-08DF77FAE0AA}"/>
-                </a:ext>
-              </a:extLst>
-            </p:cNvPr>
-            <p:cNvSpPr/>
-            <p:nvPr/>
-          </p:nvSpPr>
-          <p:spPr>
-            <a:xfrm rot="5400000">
-              <a:off x="10019021" y="4918955"/>
-              <a:ext cx="1519544" cy="421444"/>
-            </a:xfrm>
-            <a:prstGeom prst="roundRect">
-              <a:avLst/>
-            </a:prstGeom>
-          </p:spPr>
-          <p:style>
-            <a:lnRef idx="2">
-              <a:schemeClr val="accent1">
-                <a:shade val="50000"/>
-              </a:schemeClr>
-            </a:lnRef>
-            <a:fillRef idx="1">
-              <a:schemeClr val="accent1"/>
-            </a:fillRef>
-            <a:effectRef idx="0">
-              <a:schemeClr val="accent1"/>
-            </a:effectRef>
-            <a:fontRef idx="minor">
-              <a:schemeClr val="lt1"/>
-            </a:fontRef>
-          </p:style>
-          <p:txBody>
-            <a:bodyPr rtlCol="0" anchor="ctr"/>
-            <a:lstStyle/>
-            <a:p>
-              <a:pPr algn="just"/>
-              <a:r>
-                <a:rPr kumimoji="1" lang="ja-JP" altLang="en-US"/>
-                <a:t>説明変数</a:t>
-              </a:r>
-              <a:r>
-                <a:rPr kumimoji="1" lang="en-US" altLang="ja-JP" dirty="0"/>
-                <a:t>1 j</a:t>
-              </a:r>
-              <a:endParaRPr kumimoji="1" lang="ja-JP" altLang="en-US"/>
-            </a:p>
-          </p:txBody>
-        </p:sp>
-        <p:sp>
-          <p:nvSpPr>
-            <p:cNvPr id="39" name="角丸四角形 38">
-              <a:extLst>
-                <a:ext uri="{FF2B5EF4-FFF2-40B4-BE49-F238E27FC236}">
-                  <a16:creationId xmlns:a16="http://schemas.microsoft.com/office/drawing/2014/main" id="{D42E97B0-8072-5249-9C18-1238C3D5DF04}"/>
-                </a:ext>
-              </a:extLst>
-            </p:cNvPr>
-            <p:cNvSpPr/>
-            <p:nvPr/>
-          </p:nvSpPr>
-          <p:spPr>
-            <a:xfrm rot="5400000">
-              <a:off x="10578326" y="4925581"/>
-              <a:ext cx="1519544" cy="421444"/>
-            </a:xfrm>
-            <a:prstGeom prst="roundRect">
-              <a:avLst/>
-            </a:prstGeom>
-          </p:spPr>
-          <p:style>
-            <a:lnRef idx="2">
-              <a:schemeClr val="accent1">
-                <a:shade val="50000"/>
-              </a:schemeClr>
-            </a:lnRef>
-            <a:fillRef idx="1">
-              <a:schemeClr val="accent1"/>
-            </a:fillRef>
-            <a:effectRef idx="0">
-              <a:schemeClr val="accent1"/>
-            </a:effectRef>
-            <a:fontRef idx="minor">
-              <a:schemeClr val="lt1"/>
-            </a:fontRef>
-          </p:style>
-          <p:txBody>
-            <a:bodyPr rtlCol="0" anchor="ctr"/>
-            <a:lstStyle/>
-            <a:p>
-              <a:pPr algn="just"/>
-              <a:r>
-                <a:rPr kumimoji="1" lang="ja-JP" altLang="en-US"/>
-                <a:t>説明変数</a:t>
-              </a:r>
-              <a:r>
-                <a:rPr kumimoji="1" lang="en-US" altLang="ja-JP" dirty="0"/>
-                <a:t>2 j</a:t>
-              </a:r>
-              <a:endParaRPr kumimoji="1" lang="ja-JP" altLang="en-US"/>
-            </a:p>
-          </p:txBody>
-        </p:sp>
-        <p:sp>
-          <p:nvSpPr>
-            <p:cNvPr id="40" name="角丸四角形 39">
-              <a:extLst>
-                <a:ext uri="{FF2B5EF4-FFF2-40B4-BE49-F238E27FC236}">
-                  <a16:creationId xmlns:a16="http://schemas.microsoft.com/office/drawing/2014/main" id="{1BDDE06A-DC29-6C4B-80E3-6144C51CD731}"/>
-                </a:ext>
-              </a:extLst>
-            </p:cNvPr>
-            <p:cNvSpPr/>
-            <p:nvPr/>
-          </p:nvSpPr>
-          <p:spPr>
-            <a:xfrm rot="5400000">
-              <a:off x="11131761" y="4918955"/>
-              <a:ext cx="1519544" cy="421444"/>
-            </a:xfrm>
-            <a:prstGeom prst="roundRect">
-              <a:avLst/>
-            </a:prstGeom>
-          </p:spPr>
-          <p:style>
-            <a:lnRef idx="2">
-              <a:schemeClr val="accent1">
-                <a:shade val="50000"/>
-              </a:schemeClr>
-            </a:lnRef>
-            <a:fillRef idx="1">
-              <a:schemeClr val="accent1"/>
-            </a:fillRef>
-            <a:effectRef idx="0">
-              <a:schemeClr val="accent1"/>
-            </a:effectRef>
-            <a:fontRef idx="minor">
-              <a:schemeClr val="lt1"/>
-            </a:fontRef>
-          </p:style>
-          <p:txBody>
-            <a:bodyPr rtlCol="0" anchor="ctr"/>
-            <a:lstStyle/>
-            <a:p>
-              <a:pPr algn="just"/>
-              <a:r>
-                <a:rPr kumimoji="1" lang="ja-JP" altLang="en-US"/>
-                <a:t>説明変数</a:t>
-              </a:r>
-              <a:r>
-                <a:rPr kumimoji="1" lang="en-US" altLang="ja-JP" dirty="0"/>
-                <a:t>3 j</a:t>
-              </a:r>
-              <a:endParaRPr kumimoji="1" lang="ja-JP" altLang="en-US"/>
-            </a:p>
-          </p:txBody>
-        </p:sp>
-        <p:cxnSp>
-          <p:nvCxnSpPr>
-            <p:cNvPr id="41" name="直線矢印コネクタ 40">
-              <a:extLst>
-                <a:ext uri="{FF2B5EF4-FFF2-40B4-BE49-F238E27FC236}">
-                  <a16:creationId xmlns:a16="http://schemas.microsoft.com/office/drawing/2014/main" id="{48976E2E-A534-9942-B437-04C31ECA30B2}"/>
-                </a:ext>
-              </a:extLst>
-            </p:cNvPr>
-            <p:cNvCxnSpPr>
-              <a:cxnSpLocks/>
-              <a:stCxn id="38" idx="1"/>
-            </p:cNvCxnSpPr>
-            <p:nvPr/>
-          </p:nvCxnSpPr>
-          <p:spPr>
-            <a:xfrm flipV="1">
-              <a:off x="10778793" y="3332295"/>
-              <a:ext cx="552238" cy="1037610"/>
-            </a:xfrm>
-            <a:prstGeom prst="straightConnector1">
-              <a:avLst/>
-            </a:prstGeom>
-            <a:ln>
-              <a:tailEnd type="triangle"/>
-            </a:ln>
-          </p:spPr>
-          <p:style>
-            <a:lnRef idx="1">
-              <a:schemeClr val="accent1"/>
-            </a:lnRef>
-            <a:fillRef idx="0">
-              <a:schemeClr val="accent1"/>
-            </a:fillRef>
-            <a:effectRef idx="0">
-              <a:schemeClr val="accent1"/>
-            </a:effectRef>
-            <a:fontRef idx="minor">
-              <a:schemeClr val="tx1"/>
-            </a:fontRef>
-          </p:style>
-        </p:cxnSp>
-      </p:grpSp>
-      <p:pic>
-        <p:nvPicPr>
-          <p:cNvPr id="43" name="図 42">
-            <a:extLst>
-              <a:ext uri="{FF2B5EF4-FFF2-40B4-BE49-F238E27FC236}">
-                <a16:creationId xmlns:a16="http://schemas.microsoft.com/office/drawing/2014/main" id="{ABEF7595-0C6F-2F4D-9285-3F120268DED8}"/>
-              </a:ext>
-            </a:extLst>
-          </p:cNvPr>
-          <p:cNvPicPr>
-            <a:picLocks noChangeAspect="1"/>
-          </p:cNvPicPr>
-          <p:nvPr/>
-        </p:nvPicPr>
-        <p:blipFill>
-          <a:blip r:embed="rId4"/>
-          <a:stretch>
-            <a:fillRect/>
-          </a:stretch>
-        </p:blipFill>
+      <p:sp>
+        <p:nvSpPr>
+          <p:cNvPr id="3" name="コンテンツ プレースホルダー 2">
+            <a:extLst>
+              <a:ext uri="{FF2B5EF4-FFF2-40B4-BE49-F238E27FC236}">
+                <a16:creationId xmlns:a16="http://schemas.microsoft.com/office/drawing/2014/main" id="{F8D71B10-550B-3D4D-B096-ED14ED9C6C0E}"/>
+              </a:ext>
+            </a:extLst>
+          </p:cNvPr>
+          <p:cNvSpPr>
+            <a:spLocks noGrp="1"/>
+          </p:cNvSpPr>
+          <p:nvPr>
+            <p:ph idx="1"/>
+          </p:nvPr>
+        </p:nvSpPr>
         <p:spPr>
           <a:xfrm>
-            <a:off x="9470069" y="49354"/>
-            <a:ext cx="2632989" cy="1776323"/>
+            <a:off x="584113" y="1460428"/>
+            <a:ext cx="11023774" cy="5221355"/>
           </a:xfrm>
-          <a:prstGeom prst="rect">
-            <a:avLst/>
-          </a:prstGeom>
         </p:spPr>
-      </p:pic>
-      <p:grpSp>
-        <p:nvGrpSpPr>
-          <p:cNvPr id="52" name="グループ化 51">
-            <a:extLst>
-              <a:ext uri="{FF2B5EF4-FFF2-40B4-BE49-F238E27FC236}">
-                <a16:creationId xmlns:a16="http://schemas.microsoft.com/office/drawing/2014/main" id="{A1AF1D35-F970-7746-B808-1EF4A9EB8221}"/>
-              </a:ext>
-            </a:extLst>
-          </p:cNvPr>
-          <p:cNvGrpSpPr/>
-          <p:nvPr/>
-        </p:nvGrpSpPr>
-        <p:grpSpPr>
-          <a:xfrm>
-            <a:off x="9371180" y="5598013"/>
-            <a:ext cx="560501" cy="1224085"/>
-            <a:chOff x="10568071" y="2251727"/>
-            <a:chExt cx="1534184" cy="3644348"/>
-          </a:xfrm>
-        </p:grpSpPr>
-        <p:sp>
-          <p:nvSpPr>
-            <p:cNvPr id="53" name="円/楕円 52">
-              <a:extLst>
-                <a:ext uri="{FF2B5EF4-FFF2-40B4-BE49-F238E27FC236}">
-                  <a16:creationId xmlns:a16="http://schemas.microsoft.com/office/drawing/2014/main" id="{857294BD-7C00-754E-A258-B5B3D1B96160}"/>
-                </a:ext>
-              </a:extLst>
-            </p:cNvPr>
-            <p:cNvSpPr/>
-            <p:nvPr/>
-          </p:nvSpPr>
-          <p:spPr>
-            <a:xfrm>
-              <a:off x="10837767" y="2251727"/>
-              <a:ext cx="1000025" cy="1060687"/>
-            </a:xfrm>
-            <a:prstGeom prst="ellipse">
-              <a:avLst/>
-            </a:prstGeom>
-            <a:solidFill>
-              <a:srgbClr val="C00000"/>
-            </a:solidFill>
-            <a:ln>
-              <a:solidFill>
-                <a:srgbClr val="C00000"/>
-              </a:solidFill>
-            </a:ln>
-          </p:spPr>
-          <p:style>
-            <a:lnRef idx="2">
-              <a:schemeClr val="accent1">
-                <a:shade val="50000"/>
-              </a:schemeClr>
-            </a:lnRef>
-            <a:fillRef idx="1">
-              <a:schemeClr val="accent1"/>
-            </a:fillRef>
-            <a:effectRef idx="0">
-              <a:schemeClr val="accent1"/>
-            </a:effectRef>
-            <a:fontRef idx="minor">
-              <a:schemeClr val="lt1"/>
-            </a:fontRef>
-          </p:style>
-          <p:txBody>
-            <a:bodyPr rtlCol="0" anchor="ctr"/>
-            <a:lstStyle/>
-            <a:p>
-              <a:pPr algn="ctr"/>
-              <a:r>
-                <a:rPr lang="en-US" altLang="ja-JP" dirty="0"/>
-                <a:t>k</a:t>
-              </a:r>
-              <a:endParaRPr kumimoji="1" lang="ja-JP" altLang="en-US"/>
-            </a:p>
-          </p:txBody>
-        </p:sp>
-        <p:sp>
-          <p:nvSpPr>
-            <p:cNvPr id="54" name="正方形/長方形 53">
-              <a:extLst>
-                <a:ext uri="{FF2B5EF4-FFF2-40B4-BE49-F238E27FC236}">
-                  <a16:creationId xmlns:a16="http://schemas.microsoft.com/office/drawing/2014/main" id="{0843C793-AAB5-734E-9FB8-74ADB8306C5E}"/>
-                </a:ext>
-              </a:extLst>
-            </p:cNvPr>
-            <p:cNvSpPr/>
-            <p:nvPr/>
-          </p:nvSpPr>
-          <p:spPr>
-            <a:xfrm>
-              <a:off x="10600452" y="3679479"/>
-              <a:ext cx="1475291" cy="421443"/>
-            </a:xfrm>
-            <a:prstGeom prst="rect">
-              <a:avLst/>
-            </a:prstGeom>
-            <a:solidFill>
-              <a:schemeClr val="accent6">
-                <a:lumMod val="75000"/>
-              </a:schemeClr>
-            </a:solidFill>
-            <a:ln>
-              <a:noFill/>
-            </a:ln>
-          </p:spPr>
-          <p:style>
-            <a:lnRef idx="2">
-              <a:schemeClr val="accent1">
-                <a:shade val="50000"/>
-              </a:schemeClr>
-            </a:lnRef>
-            <a:fillRef idx="1">
-              <a:schemeClr val="accent1"/>
-            </a:fillRef>
-            <a:effectRef idx="0">
-              <a:schemeClr val="accent1"/>
-            </a:effectRef>
-            <a:fontRef idx="minor">
-              <a:schemeClr val="lt1"/>
-            </a:fontRef>
-          </p:style>
-          <p:txBody>
-            <a:bodyPr rtlCol="0" anchor="ctr"/>
-            <a:lstStyle/>
-            <a:p>
-              <a:pPr algn="ctr"/>
-              <a:r>
-                <a:rPr lang="en-US" altLang="ja-JP" dirty="0"/>
-                <a:t>k</a:t>
-              </a:r>
-              <a:endParaRPr kumimoji="1" lang="ja-JP" altLang="en-US"/>
-            </a:p>
-          </p:txBody>
-        </p:sp>
-        <p:cxnSp>
-          <p:nvCxnSpPr>
-            <p:cNvPr id="55" name="直線矢印コネクタ 54">
-              <a:extLst>
-                <a:ext uri="{FF2B5EF4-FFF2-40B4-BE49-F238E27FC236}">
-                  <a16:creationId xmlns:a16="http://schemas.microsoft.com/office/drawing/2014/main" id="{ACCF5C2A-93C8-AB4F-B560-688979764ED7}"/>
-                </a:ext>
-              </a:extLst>
-            </p:cNvPr>
-            <p:cNvCxnSpPr>
-              <a:cxnSpLocks/>
-              <a:stCxn id="58" idx="1"/>
-            </p:cNvCxnSpPr>
-            <p:nvPr/>
-          </p:nvCxnSpPr>
-          <p:spPr>
-            <a:xfrm flipH="1" flipV="1">
-              <a:off x="11331032" y="3312417"/>
-              <a:ext cx="7066" cy="1064114"/>
-            </a:xfrm>
-            <a:prstGeom prst="straightConnector1">
-              <a:avLst/>
-            </a:prstGeom>
-            <a:ln>
-              <a:tailEnd type="triangle"/>
-            </a:ln>
-          </p:spPr>
-          <p:style>
-            <a:lnRef idx="1">
-              <a:schemeClr val="accent1"/>
-            </a:lnRef>
-            <a:fillRef idx="0">
-              <a:schemeClr val="accent1"/>
-            </a:fillRef>
-            <a:effectRef idx="0">
-              <a:schemeClr val="accent1"/>
-            </a:effectRef>
-            <a:fontRef idx="minor">
-              <a:schemeClr val="tx1"/>
-            </a:fontRef>
-          </p:style>
-        </p:cxnSp>
-        <p:cxnSp>
-          <p:nvCxnSpPr>
-            <p:cNvPr id="56" name="直線矢印コネクタ 55">
-              <a:extLst>
-                <a:ext uri="{FF2B5EF4-FFF2-40B4-BE49-F238E27FC236}">
-                  <a16:creationId xmlns:a16="http://schemas.microsoft.com/office/drawing/2014/main" id="{25ABC897-725B-DD4D-A0A7-DF29ACE5352B}"/>
-                </a:ext>
-              </a:extLst>
-            </p:cNvPr>
-            <p:cNvCxnSpPr>
-              <a:cxnSpLocks/>
-            </p:cNvCxnSpPr>
-            <p:nvPr/>
-          </p:nvCxnSpPr>
-          <p:spPr>
-            <a:xfrm flipH="1" flipV="1">
-              <a:off x="11331032" y="3332294"/>
-              <a:ext cx="560501" cy="1024359"/>
-            </a:xfrm>
-            <a:prstGeom prst="straightConnector1">
-              <a:avLst/>
-            </a:prstGeom>
-            <a:ln>
-              <a:tailEnd type="triangle"/>
-            </a:ln>
-          </p:spPr>
-          <p:style>
-            <a:lnRef idx="1">
-              <a:schemeClr val="accent1"/>
-            </a:lnRef>
-            <a:fillRef idx="0">
-              <a:schemeClr val="accent1"/>
-            </a:fillRef>
-            <a:effectRef idx="0">
-              <a:schemeClr val="accent1"/>
-            </a:effectRef>
-            <a:fontRef idx="minor">
-              <a:schemeClr val="tx1"/>
-            </a:fontRef>
-          </p:style>
-        </p:cxnSp>
-        <p:sp>
-          <p:nvSpPr>
-            <p:cNvPr id="57" name="角丸四角形 56">
-              <a:extLst>
-                <a:ext uri="{FF2B5EF4-FFF2-40B4-BE49-F238E27FC236}">
-                  <a16:creationId xmlns:a16="http://schemas.microsoft.com/office/drawing/2014/main" id="{487634EC-AC67-5544-8C06-D27372A59451}"/>
-                </a:ext>
-              </a:extLst>
-            </p:cNvPr>
-            <p:cNvSpPr/>
-            <p:nvPr/>
-          </p:nvSpPr>
-          <p:spPr>
-            <a:xfrm rot="5400000">
-              <a:off x="10019021" y="4918955"/>
-              <a:ext cx="1519544" cy="421444"/>
-            </a:xfrm>
-            <a:prstGeom prst="roundRect">
-              <a:avLst/>
-            </a:prstGeom>
-          </p:spPr>
-          <p:style>
-            <a:lnRef idx="2">
-              <a:schemeClr val="accent1">
-                <a:shade val="50000"/>
-              </a:schemeClr>
-            </a:lnRef>
-            <a:fillRef idx="1">
-              <a:schemeClr val="accent1"/>
-            </a:fillRef>
-            <a:effectRef idx="0">
-              <a:schemeClr val="accent1"/>
-            </a:effectRef>
-            <a:fontRef idx="minor">
-              <a:schemeClr val="lt1"/>
-            </a:fontRef>
-          </p:style>
-          <p:txBody>
-            <a:bodyPr rtlCol="0" anchor="ctr"/>
-            <a:lstStyle/>
-            <a:p>
-              <a:pPr algn="just"/>
-              <a:r>
-                <a:rPr kumimoji="1" lang="en-US" altLang="ja-JP" dirty="0"/>
-                <a:t>k</a:t>
-              </a:r>
-              <a:endParaRPr kumimoji="1" lang="ja-JP" altLang="en-US"/>
-            </a:p>
-          </p:txBody>
-        </p:sp>
-        <p:sp>
-          <p:nvSpPr>
-            <p:cNvPr id="58" name="角丸四角形 57">
-              <a:extLst>
-                <a:ext uri="{FF2B5EF4-FFF2-40B4-BE49-F238E27FC236}">
-                  <a16:creationId xmlns:a16="http://schemas.microsoft.com/office/drawing/2014/main" id="{A8F4584A-CE0C-0848-AB07-E095D1BAA3BF}"/>
-                </a:ext>
-              </a:extLst>
-            </p:cNvPr>
-            <p:cNvSpPr/>
-            <p:nvPr/>
-          </p:nvSpPr>
-          <p:spPr>
-            <a:xfrm rot="5400000">
-              <a:off x="10578326" y="4925581"/>
-              <a:ext cx="1519544" cy="421444"/>
-            </a:xfrm>
-            <a:prstGeom prst="roundRect">
-              <a:avLst/>
-            </a:prstGeom>
-          </p:spPr>
-          <p:style>
-            <a:lnRef idx="2">
-              <a:schemeClr val="accent1">
-                <a:shade val="50000"/>
-              </a:schemeClr>
-            </a:lnRef>
-            <a:fillRef idx="1">
-              <a:schemeClr val="accent1"/>
-            </a:fillRef>
-            <a:effectRef idx="0">
-              <a:schemeClr val="accent1"/>
-            </a:effectRef>
-            <a:fontRef idx="minor">
-              <a:schemeClr val="lt1"/>
-            </a:fontRef>
-          </p:style>
-          <p:txBody>
-            <a:bodyPr rtlCol="0" anchor="ctr"/>
-            <a:lstStyle/>
-            <a:p>
-              <a:pPr algn="just"/>
-              <a:r>
-                <a:rPr kumimoji="1" lang="en-US" altLang="ja-JP" dirty="0"/>
-                <a:t>k</a:t>
-              </a:r>
-              <a:endParaRPr kumimoji="1" lang="ja-JP" altLang="en-US"/>
-            </a:p>
-          </p:txBody>
-        </p:sp>
-        <p:sp>
-          <p:nvSpPr>
-            <p:cNvPr id="59" name="角丸四角形 58">
-              <a:extLst>
-                <a:ext uri="{FF2B5EF4-FFF2-40B4-BE49-F238E27FC236}">
-                  <a16:creationId xmlns:a16="http://schemas.microsoft.com/office/drawing/2014/main" id="{C721A0B2-15EF-854A-9608-9D774A7C10ED}"/>
-                </a:ext>
-              </a:extLst>
-            </p:cNvPr>
-            <p:cNvSpPr/>
-            <p:nvPr/>
-          </p:nvSpPr>
-          <p:spPr>
-            <a:xfrm rot="5400000">
-              <a:off x="11131761" y="4918955"/>
-              <a:ext cx="1519544" cy="421444"/>
-            </a:xfrm>
-            <a:prstGeom prst="roundRect">
-              <a:avLst/>
-            </a:prstGeom>
-          </p:spPr>
-          <p:style>
-            <a:lnRef idx="2">
-              <a:schemeClr val="accent1">
-                <a:shade val="50000"/>
-              </a:schemeClr>
-            </a:lnRef>
-            <a:fillRef idx="1">
-              <a:schemeClr val="accent1"/>
-            </a:fillRef>
-            <a:effectRef idx="0">
-              <a:schemeClr val="accent1"/>
-            </a:effectRef>
-            <a:fontRef idx="minor">
-              <a:schemeClr val="lt1"/>
-            </a:fontRef>
-          </p:style>
-          <p:txBody>
-            <a:bodyPr rtlCol="0" anchor="ctr"/>
-            <a:lstStyle/>
-            <a:p>
-              <a:pPr algn="just"/>
-              <a:r>
-                <a:rPr kumimoji="1" lang="en-US" altLang="ja-JP" dirty="0"/>
-                <a:t>k</a:t>
-              </a:r>
-              <a:endParaRPr kumimoji="1" lang="ja-JP" altLang="en-US"/>
-            </a:p>
-          </p:txBody>
-        </p:sp>
-        <p:cxnSp>
-          <p:nvCxnSpPr>
-            <p:cNvPr id="60" name="直線矢印コネクタ 59">
-              <a:extLst>
-                <a:ext uri="{FF2B5EF4-FFF2-40B4-BE49-F238E27FC236}">
-                  <a16:creationId xmlns:a16="http://schemas.microsoft.com/office/drawing/2014/main" id="{6A0C12EB-0F10-934D-88B9-08DEE2C9C315}"/>
-                </a:ext>
-              </a:extLst>
-            </p:cNvPr>
-            <p:cNvCxnSpPr>
-              <a:cxnSpLocks/>
-              <a:stCxn id="57" idx="1"/>
-            </p:cNvCxnSpPr>
-            <p:nvPr/>
-          </p:nvCxnSpPr>
-          <p:spPr>
-            <a:xfrm flipV="1">
-              <a:off x="10778793" y="3332295"/>
-              <a:ext cx="552238" cy="1037610"/>
-            </a:xfrm>
-            <a:prstGeom prst="straightConnector1">
-              <a:avLst/>
-            </a:prstGeom>
-            <a:ln>
-              <a:tailEnd type="triangle"/>
-            </a:ln>
-          </p:spPr>
-          <p:style>
-            <a:lnRef idx="1">
-              <a:schemeClr val="accent1"/>
-            </a:lnRef>
-            <a:fillRef idx="0">
-              <a:schemeClr val="accent1"/>
-            </a:fillRef>
-            <a:effectRef idx="0">
-              <a:schemeClr val="accent1"/>
-            </a:effectRef>
-            <a:fontRef idx="minor">
-              <a:schemeClr val="tx1"/>
-            </a:fontRef>
-          </p:style>
-        </p:cxnSp>
-      </p:grpSp>
-      <p:grpSp>
-        <p:nvGrpSpPr>
-          <p:cNvPr id="61" name="グループ化 60">
-            <a:extLst>
-              <a:ext uri="{FF2B5EF4-FFF2-40B4-BE49-F238E27FC236}">
-                <a16:creationId xmlns:a16="http://schemas.microsoft.com/office/drawing/2014/main" id="{5B941548-A6CA-2145-A742-4E52F654C929}"/>
-              </a:ext>
-            </a:extLst>
-          </p:cNvPr>
-          <p:cNvGrpSpPr/>
-          <p:nvPr/>
-        </p:nvGrpSpPr>
-        <p:grpSpPr>
-          <a:xfrm>
-            <a:off x="10015272" y="5635081"/>
-            <a:ext cx="560501" cy="1224085"/>
-            <a:chOff x="10568071" y="2251727"/>
-            <a:chExt cx="1534184" cy="3644348"/>
-          </a:xfrm>
-        </p:grpSpPr>
-        <p:sp>
-          <p:nvSpPr>
-            <p:cNvPr id="62" name="円/楕円 61">
-              <a:extLst>
-                <a:ext uri="{FF2B5EF4-FFF2-40B4-BE49-F238E27FC236}">
-                  <a16:creationId xmlns:a16="http://schemas.microsoft.com/office/drawing/2014/main" id="{4C068D96-3DB8-D24B-9263-A887741AFDE3}"/>
-                </a:ext>
-              </a:extLst>
-            </p:cNvPr>
-            <p:cNvSpPr/>
-            <p:nvPr/>
-          </p:nvSpPr>
-          <p:spPr>
-            <a:xfrm>
-              <a:off x="10837767" y="2251727"/>
-              <a:ext cx="1000025" cy="1060687"/>
-            </a:xfrm>
-            <a:prstGeom prst="ellipse">
-              <a:avLst/>
-            </a:prstGeom>
-            <a:solidFill>
-              <a:srgbClr val="C00000"/>
-            </a:solidFill>
-            <a:ln>
-              <a:solidFill>
-                <a:srgbClr val="C00000"/>
-              </a:solidFill>
-            </a:ln>
-          </p:spPr>
-          <p:style>
-            <a:lnRef idx="2">
-              <a:schemeClr val="accent1">
-                <a:shade val="50000"/>
-              </a:schemeClr>
-            </a:lnRef>
-            <a:fillRef idx="1">
-              <a:schemeClr val="accent1"/>
-            </a:fillRef>
-            <a:effectRef idx="0">
-              <a:schemeClr val="accent1"/>
-            </a:effectRef>
-            <a:fontRef idx="minor">
-              <a:schemeClr val="lt1"/>
-            </a:fontRef>
-          </p:style>
-          <p:txBody>
-            <a:bodyPr rtlCol="0" anchor="ctr"/>
-            <a:lstStyle/>
-            <a:p>
-              <a:pPr algn="ctr"/>
-              <a:r>
-                <a:rPr lang="en-US" altLang="ja-JP" dirty="0"/>
-                <a:t>l</a:t>
-              </a:r>
-              <a:endParaRPr kumimoji="1" lang="ja-JP" altLang="en-US"/>
-            </a:p>
-          </p:txBody>
-        </p:sp>
-        <p:sp>
-          <p:nvSpPr>
-            <p:cNvPr id="63" name="正方形/長方形 62">
-              <a:extLst>
-                <a:ext uri="{FF2B5EF4-FFF2-40B4-BE49-F238E27FC236}">
-                  <a16:creationId xmlns:a16="http://schemas.microsoft.com/office/drawing/2014/main" id="{0720864F-9BA4-BD41-98D7-9B366A0A35C0}"/>
-                </a:ext>
-              </a:extLst>
-            </p:cNvPr>
-            <p:cNvSpPr/>
-            <p:nvPr/>
-          </p:nvSpPr>
-          <p:spPr>
-            <a:xfrm>
-              <a:off x="10600452" y="3679479"/>
-              <a:ext cx="1475291" cy="421443"/>
-            </a:xfrm>
-            <a:prstGeom prst="rect">
-              <a:avLst/>
-            </a:prstGeom>
-            <a:solidFill>
-              <a:schemeClr val="accent6">
-                <a:lumMod val="75000"/>
-              </a:schemeClr>
-            </a:solidFill>
-            <a:ln>
-              <a:noFill/>
-            </a:ln>
-          </p:spPr>
-          <p:style>
-            <a:lnRef idx="2">
-              <a:schemeClr val="accent1">
-                <a:shade val="50000"/>
-              </a:schemeClr>
-            </a:lnRef>
-            <a:fillRef idx="1">
-              <a:schemeClr val="accent1"/>
-            </a:fillRef>
-            <a:effectRef idx="0">
-              <a:schemeClr val="accent1"/>
-            </a:effectRef>
-            <a:fontRef idx="minor">
-              <a:schemeClr val="lt1"/>
-            </a:fontRef>
-          </p:style>
-          <p:txBody>
-            <a:bodyPr rtlCol="0" anchor="ctr"/>
-            <a:lstStyle/>
-            <a:p>
-              <a:pPr algn="ctr"/>
-              <a:r>
-                <a:rPr kumimoji="1" lang="en-US" altLang="ja-JP" dirty="0"/>
-                <a:t>l</a:t>
-              </a:r>
-              <a:endParaRPr kumimoji="1" lang="ja-JP" altLang="en-US"/>
-            </a:p>
-          </p:txBody>
-        </p:sp>
-        <p:cxnSp>
-          <p:nvCxnSpPr>
-            <p:cNvPr id="64" name="直線矢印コネクタ 63">
-              <a:extLst>
-                <a:ext uri="{FF2B5EF4-FFF2-40B4-BE49-F238E27FC236}">
-                  <a16:creationId xmlns:a16="http://schemas.microsoft.com/office/drawing/2014/main" id="{397E3C93-7F5F-C740-9515-8A1F104BD2AB}"/>
-                </a:ext>
-              </a:extLst>
-            </p:cNvPr>
-            <p:cNvCxnSpPr>
-              <a:cxnSpLocks/>
-              <a:stCxn id="67" idx="1"/>
-            </p:cNvCxnSpPr>
-            <p:nvPr/>
-          </p:nvCxnSpPr>
-          <p:spPr>
-            <a:xfrm flipH="1" flipV="1">
-              <a:off x="11331032" y="3312417"/>
-              <a:ext cx="7066" cy="1064114"/>
-            </a:xfrm>
-            <a:prstGeom prst="straightConnector1">
-              <a:avLst/>
-            </a:prstGeom>
-            <a:ln>
-              <a:tailEnd type="triangle"/>
-            </a:ln>
-          </p:spPr>
-          <p:style>
-            <a:lnRef idx="1">
-              <a:schemeClr val="accent1"/>
-            </a:lnRef>
-            <a:fillRef idx="0">
-              <a:schemeClr val="accent1"/>
-            </a:fillRef>
-            <a:effectRef idx="0">
-              <a:schemeClr val="accent1"/>
-            </a:effectRef>
-            <a:fontRef idx="minor">
-              <a:schemeClr val="tx1"/>
-            </a:fontRef>
-          </p:style>
-        </p:cxnSp>
-        <p:cxnSp>
-          <p:nvCxnSpPr>
-            <p:cNvPr id="65" name="直線矢印コネクタ 64">
-              <a:extLst>
-                <a:ext uri="{FF2B5EF4-FFF2-40B4-BE49-F238E27FC236}">
-                  <a16:creationId xmlns:a16="http://schemas.microsoft.com/office/drawing/2014/main" id="{4EBD9D68-A850-FF47-AB11-B4FD29ED8AA4}"/>
-                </a:ext>
-              </a:extLst>
-            </p:cNvPr>
-            <p:cNvCxnSpPr>
-              <a:cxnSpLocks/>
-            </p:cNvCxnSpPr>
-            <p:nvPr/>
-          </p:nvCxnSpPr>
-          <p:spPr>
-            <a:xfrm flipH="1" flipV="1">
-              <a:off x="11331032" y="3332294"/>
-              <a:ext cx="560501" cy="1024359"/>
-            </a:xfrm>
-            <a:prstGeom prst="straightConnector1">
-              <a:avLst/>
-            </a:prstGeom>
-            <a:ln>
-              <a:tailEnd type="triangle"/>
-            </a:ln>
-          </p:spPr>
-          <p:style>
-            <a:lnRef idx="1">
-              <a:schemeClr val="accent1"/>
-            </a:lnRef>
-            <a:fillRef idx="0">
-              <a:schemeClr val="accent1"/>
-            </a:fillRef>
-            <a:effectRef idx="0">
-              <a:schemeClr val="accent1"/>
-            </a:effectRef>
-            <a:fontRef idx="minor">
-              <a:schemeClr val="tx1"/>
-            </a:fontRef>
-          </p:style>
-        </p:cxnSp>
-        <p:sp>
-          <p:nvSpPr>
-            <p:cNvPr id="66" name="角丸四角形 65">
-              <a:extLst>
-                <a:ext uri="{FF2B5EF4-FFF2-40B4-BE49-F238E27FC236}">
-                  <a16:creationId xmlns:a16="http://schemas.microsoft.com/office/drawing/2014/main" id="{A54F0A6E-2A0E-8243-91C3-78898668C3D8}"/>
-                </a:ext>
-              </a:extLst>
-            </p:cNvPr>
-            <p:cNvSpPr/>
-            <p:nvPr/>
-          </p:nvSpPr>
-          <p:spPr>
-            <a:xfrm rot="5400000">
-              <a:off x="10019021" y="4918955"/>
-              <a:ext cx="1519544" cy="421444"/>
-            </a:xfrm>
-            <a:prstGeom prst="roundRect">
-              <a:avLst/>
-            </a:prstGeom>
-          </p:spPr>
-          <p:style>
-            <a:lnRef idx="2">
-              <a:schemeClr val="accent1">
-                <a:shade val="50000"/>
-              </a:schemeClr>
-            </a:lnRef>
-            <a:fillRef idx="1">
-              <a:schemeClr val="accent1"/>
-            </a:fillRef>
-            <a:effectRef idx="0">
-              <a:schemeClr val="accent1"/>
-            </a:effectRef>
-            <a:fontRef idx="minor">
-              <a:schemeClr val="lt1"/>
-            </a:fontRef>
-          </p:style>
-          <p:txBody>
-            <a:bodyPr rtlCol="0" anchor="ctr"/>
-            <a:lstStyle/>
-            <a:p>
-              <a:pPr algn="just"/>
-              <a:r>
-                <a:rPr kumimoji="1" lang="en-US" altLang="ja-JP" dirty="0"/>
-                <a:t>l</a:t>
-              </a:r>
-              <a:endParaRPr kumimoji="1" lang="ja-JP" altLang="en-US"/>
-            </a:p>
-          </p:txBody>
-        </p:sp>
-        <p:sp>
-          <p:nvSpPr>
-            <p:cNvPr id="67" name="角丸四角形 66">
-              <a:extLst>
-                <a:ext uri="{FF2B5EF4-FFF2-40B4-BE49-F238E27FC236}">
-                  <a16:creationId xmlns:a16="http://schemas.microsoft.com/office/drawing/2014/main" id="{67FBB3D1-9E71-8B4D-A502-799FB78B9BE1}"/>
-                </a:ext>
-              </a:extLst>
-            </p:cNvPr>
-            <p:cNvSpPr/>
-            <p:nvPr/>
-          </p:nvSpPr>
-          <p:spPr>
-            <a:xfrm rot="5400000">
-              <a:off x="10578326" y="4925581"/>
-              <a:ext cx="1519544" cy="421444"/>
-            </a:xfrm>
-            <a:prstGeom prst="roundRect">
-              <a:avLst/>
-            </a:prstGeom>
-          </p:spPr>
-          <p:style>
-            <a:lnRef idx="2">
-              <a:schemeClr val="accent1">
-                <a:shade val="50000"/>
-              </a:schemeClr>
-            </a:lnRef>
-            <a:fillRef idx="1">
-              <a:schemeClr val="accent1"/>
-            </a:fillRef>
-            <a:effectRef idx="0">
-              <a:schemeClr val="accent1"/>
-            </a:effectRef>
-            <a:fontRef idx="minor">
-              <a:schemeClr val="lt1"/>
-            </a:fontRef>
-          </p:style>
-          <p:txBody>
-            <a:bodyPr rtlCol="0" anchor="ctr"/>
-            <a:lstStyle/>
-            <a:p>
-              <a:pPr algn="just"/>
-              <a:r>
-                <a:rPr kumimoji="1" lang="en-US" altLang="ja-JP" dirty="0"/>
-                <a:t>l</a:t>
-              </a:r>
-              <a:endParaRPr kumimoji="1" lang="ja-JP" altLang="en-US"/>
-            </a:p>
-          </p:txBody>
-        </p:sp>
-        <p:sp>
-          <p:nvSpPr>
-            <p:cNvPr id="68" name="角丸四角形 67">
-              <a:extLst>
-                <a:ext uri="{FF2B5EF4-FFF2-40B4-BE49-F238E27FC236}">
-                  <a16:creationId xmlns:a16="http://schemas.microsoft.com/office/drawing/2014/main" id="{5844BD57-ACAD-6C42-96A4-53FC0BC4F893}"/>
-                </a:ext>
-              </a:extLst>
-            </p:cNvPr>
-            <p:cNvSpPr/>
-            <p:nvPr/>
-          </p:nvSpPr>
-          <p:spPr>
-            <a:xfrm rot="5400000">
-              <a:off x="11131761" y="4918955"/>
-              <a:ext cx="1519544" cy="421444"/>
-            </a:xfrm>
-            <a:prstGeom prst="roundRect">
-              <a:avLst/>
-            </a:prstGeom>
-          </p:spPr>
-          <p:style>
-            <a:lnRef idx="2">
-              <a:schemeClr val="accent1">
-                <a:shade val="50000"/>
-              </a:schemeClr>
-            </a:lnRef>
-            <a:fillRef idx="1">
-              <a:schemeClr val="accent1"/>
-            </a:fillRef>
-            <a:effectRef idx="0">
-              <a:schemeClr val="accent1"/>
-            </a:effectRef>
-            <a:fontRef idx="minor">
-              <a:schemeClr val="lt1"/>
-            </a:fontRef>
-          </p:style>
-          <p:txBody>
-            <a:bodyPr rtlCol="0" anchor="ctr"/>
-            <a:lstStyle/>
-            <a:p>
-              <a:pPr algn="just"/>
-              <a:r>
-                <a:rPr kumimoji="1" lang="en-US" altLang="ja-JP" dirty="0"/>
-                <a:t>l</a:t>
-              </a:r>
-              <a:endParaRPr kumimoji="1" lang="ja-JP" altLang="en-US"/>
-            </a:p>
-          </p:txBody>
-        </p:sp>
-        <p:cxnSp>
-          <p:nvCxnSpPr>
-            <p:cNvPr id="69" name="直線矢印コネクタ 68">
-              <a:extLst>
-                <a:ext uri="{FF2B5EF4-FFF2-40B4-BE49-F238E27FC236}">
-                  <a16:creationId xmlns:a16="http://schemas.microsoft.com/office/drawing/2014/main" id="{90AF087D-0735-E040-8E43-53F089935E7C}"/>
-                </a:ext>
-              </a:extLst>
-            </p:cNvPr>
-            <p:cNvCxnSpPr>
-              <a:cxnSpLocks/>
-              <a:stCxn id="66" idx="1"/>
-            </p:cNvCxnSpPr>
-            <p:nvPr/>
-          </p:nvCxnSpPr>
-          <p:spPr>
-            <a:xfrm flipV="1">
-              <a:off x="10778793" y="3332295"/>
-              <a:ext cx="552238" cy="1037610"/>
-            </a:xfrm>
-            <a:prstGeom prst="straightConnector1">
-              <a:avLst/>
-            </a:prstGeom>
-            <a:ln>
-              <a:tailEnd type="triangle"/>
-            </a:ln>
-          </p:spPr>
-          <p:style>
-            <a:lnRef idx="1">
-              <a:schemeClr val="accent1"/>
-            </a:lnRef>
-            <a:fillRef idx="0">
-              <a:schemeClr val="accent1"/>
-            </a:fillRef>
-            <a:effectRef idx="0">
-              <a:schemeClr val="accent1"/>
-            </a:effectRef>
-            <a:fontRef idx="minor">
-              <a:schemeClr val="tx1"/>
-            </a:fontRef>
-          </p:style>
-        </p:cxnSp>
-      </p:grpSp>
-      <p:cxnSp>
-        <p:nvCxnSpPr>
-          <p:cNvPr id="84" name="直線矢印コネクタ 83">
-            <a:extLst>
-              <a:ext uri="{FF2B5EF4-FFF2-40B4-BE49-F238E27FC236}">
-                <a16:creationId xmlns:a16="http://schemas.microsoft.com/office/drawing/2014/main" id="{206FDA22-995E-184E-AB42-40D6CCF1E143}"/>
-              </a:ext>
-            </a:extLst>
-          </p:cNvPr>
-          <p:cNvCxnSpPr>
-            <a:cxnSpLocks/>
-          </p:cNvCxnSpPr>
-          <p:nvPr/>
-        </p:nvCxnSpPr>
-        <p:spPr>
-          <a:xfrm flipH="1">
-            <a:off x="9803993" y="1320883"/>
-            <a:ext cx="785900" cy="2005238"/>
-          </a:xfrm>
-          <a:prstGeom prst="straightConnector1">
-            <a:avLst/>
-          </a:prstGeom>
-          <a:ln>
-            <a:solidFill>
-              <a:schemeClr val="accent6">
-                <a:lumMod val="75000"/>
-              </a:schemeClr>
-            </a:solidFill>
-            <a:prstDash val="sysDash"/>
-            <a:tailEnd type="triangle"/>
-          </a:ln>
-        </p:spPr>
-        <p:style>
-          <a:lnRef idx="1">
-            <a:schemeClr val="accent1"/>
-          </a:lnRef>
-          <a:fillRef idx="0">
-            <a:schemeClr val="accent1"/>
-          </a:fillRef>
-          <a:effectRef idx="0">
-            <a:schemeClr val="accent1"/>
-          </a:effectRef>
-          <a:fontRef idx="minor">
-            <a:schemeClr val="tx1"/>
-          </a:fontRef>
-        </p:style>
-      </p:cxnSp>
-      <p:cxnSp>
-        <p:nvCxnSpPr>
-          <p:cNvPr id="87" name="直線矢印コネクタ 86">
-            <a:extLst>
-              <a:ext uri="{FF2B5EF4-FFF2-40B4-BE49-F238E27FC236}">
-                <a16:creationId xmlns:a16="http://schemas.microsoft.com/office/drawing/2014/main" id="{C21EE3EB-0E1C-A64D-AD1F-C6FC6322262E}"/>
-              </a:ext>
-            </a:extLst>
-          </p:cNvPr>
-          <p:cNvCxnSpPr>
-            <a:cxnSpLocks/>
-          </p:cNvCxnSpPr>
-          <p:nvPr/>
-        </p:nvCxnSpPr>
-        <p:spPr>
-          <a:xfrm flipH="1">
-            <a:off x="10910186" y="1362513"/>
-            <a:ext cx="78861" cy="2135230"/>
-          </a:xfrm>
-          <a:prstGeom prst="straightConnector1">
-            <a:avLst/>
-          </a:prstGeom>
-          <a:ln>
-            <a:solidFill>
-              <a:schemeClr val="accent6">
-                <a:lumMod val="75000"/>
-              </a:schemeClr>
-            </a:solidFill>
-            <a:prstDash val="sysDash"/>
-            <a:tailEnd type="triangle"/>
-          </a:ln>
-        </p:spPr>
-        <p:style>
-          <a:lnRef idx="1">
-            <a:schemeClr val="accent1"/>
-          </a:lnRef>
-          <a:fillRef idx="0">
-            <a:schemeClr val="accent1"/>
-          </a:fillRef>
-          <a:effectRef idx="0">
-            <a:schemeClr val="accent1"/>
-          </a:effectRef>
-          <a:fontRef idx="minor">
-            <a:schemeClr val="tx1"/>
-          </a:fontRef>
-        </p:style>
-      </p:cxnSp>
-      <p:cxnSp>
-        <p:nvCxnSpPr>
-          <p:cNvPr id="89" name="直線矢印コネクタ 88">
-            <a:extLst>
-              <a:ext uri="{FF2B5EF4-FFF2-40B4-BE49-F238E27FC236}">
-                <a16:creationId xmlns:a16="http://schemas.microsoft.com/office/drawing/2014/main" id="{DD7D3948-DDC0-004F-AE46-536BCAC774D5}"/>
-              </a:ext>
-            </a:extLst>
-          </p:cNvPr>
-          <p:cNvCxnSpPr>
-            <a:cxnSpLocks/>
-          </p:cNvCxnSpPr>
-          <p:nvPr/>
-        </p:nvCxnSpPr>
-        <p:spPr>
-          <a:xfrm flipH="1">
-            <a:off x="10438803" y="1331956"/>
-            <a:ext cx="389500" cy="4801038"/>
-          </a:xfrm>
-          <a:prstGeom prst="straightConnector1">
-            <a:avLst/>
-          </a:prstGeom>
-          <a:ln>
-            <a:solidFill>
-              <a:schemeClr val="accent6">
-                <a:lumMod val="75000"/>
-              </a:schemeClr>
-            </a:solidFill>
-            <a:prstDash val="sysDash"/>
-            <a:tailEnd type="triangle"/>
-          </a:ln>
-        </p:spPr>
-        <p:style>
-          <a:lnRef idx="1">
-            <a:schemeClr val="accent1"/>
-          </a:lnRef>
-          <a:fillRef idx="0">
-            <a:schemeClr val="accent1"/>
-          </a:fillRef>
-          <a:effectRef idx="0">
-            <a:schemeClr val="accent1"/>
-          </a:effectRef>
-          <a:fontRef idx="minor">
-            <a:schemeClr val="tx1"/>
-          </a:fontRef>
-        </p:style>
-      </p:cxnSp>
-      <p:cxnSp>
-        <p:nvCxnSpPr>
-          <p:cNvPr id="92" name="直線矢印コネクタ 91">
-            <a:extLst>
-              <a:ext uri="{FF2B5EF4-FFF2-40B4-BE49-F238E27FC236}">
-                <a16:creationId xmlns:a16="http://schemas.microsoft.com/office/drawing/2014/main" id="{ED706CAD-9923-594C-BCFC-96AD2AD647E5}"/>
-              </a:ext>
-            </a:extLst>
-          </p:cNvPr>
-          <p:cNvCxnSpPr>
-            <a:cxnSpLocks/>
-          </p:cNvCxnSpPr>
-          <p:nvPr/>
-        </p:nvCxnSpPr>
-        <p:spPr>
-          <a:xfrm flipH="1">
-            <a:off x="9827412" y="1335937"/>
-            <a:ext cx="867318" cy="4741638"/>
-          </a:xfrm>
-          <a:prstGeom prst="straightConnector1">
-            <a:avLst/>
-          </a:prstGeom>
-          <a:ln>
-            <a:solidFill>
-              <a:schemeClr val="accent6">
-                <a:lumMod val="75000"/>
-              </a:schemeClr>
-            </a:solidFill>
-            <a:prstDash val="sysDash"/>
-            <a:tailEnd type="triangle"/>
-          </a:ln>
-        </p:spPr>
-        <p:style>
-          <a:lnRef idx="1">
-            <a:schemeClr val="accent1"/>
-          </a:lnRef>
-          <a:fillRef idx="0">
-            <a:schemeClr val="accent1"/>
-          </a:fillRef>
-          <a:effectRef idx="0">
-            <a:schemeClr val="accent1"/>
-          </a:effectRef>
-          <a:fontRef idx="minor">
-            <a:schemeClr val="tx1"/>
-          </a:fontRef>
-        </p:style>
-      </p:cxnSp>
+        <p:txBody>
+          <a:bodyPr>
+            <a:normAutofit/>
+          </a:bodyPr>
+          <a:lstStyle/>
+          <a:p>
+            <a:r>
+              <a:rPr lang="en-US" altLang="ja-JP" dirty="0" err="1"/>
+              <a:t>y</a:t>
+            </a:r>
+            <a:r>
+              <a:rPr lang="en-US" altLang="ja-JP" baseline="-25000" dirty="0" err="1"/>
+              <a:t>i</a:t>
+            </a:r>
+            <a:r>
+              <a:rPr lang="en-US" altLang="ja-JP" dirty="0"/>
+              <a:t> = g</a:t>
+            </a:r>
+            <a:r>
+              <a:rPr lang="en-US" altLang="ja-JP" baseline="30000" dirty="0"/>
+              <a:t>-1</a:t>
+            </a:r>
+            <a:r>
+              <a:rPr lang="en-US" altLang="ja-JP" dirty="0"/>
+              <a:t>(β</a:t>
+            </a:r>
+            <a:r>
+              <a:rPr lang="en-US" altLang="ja-JP" baseline="-25000" dirty="0"/>
+              <a:t>0</a:t>
+            </a:r>
+            <a:r>
+              <a:rPr lang="ja-JP" altLang="en-US"/>
+              <a:t>＋</a:t>
+            </a:r>
+            <a:r>
+              <a:rPr lang="en-US" altLang="ja-JP"/>
+              <a:t>β</a:t>
+            </a:r>
+            <a:r>
+              <a:rPr lang="en-US" altLang="ja-JP" baseline="-25000"/>
+              <a:t>1</a:t>
+            </a:r>
+            <a:r>
+              <a:rPr lang="en-US" altLang="ja-JP"/>
+              <a:t> temp</a:t>
+            </a:r>
+            <a:r>
+              <a:rPr lang="en-US" altLang="ja-JP" baseline="-25000"/>
+              <a:t>i</a:t>
+            </a:r>
+            <a:r>
+              <a:rPr lang="en-US" altLang="ja-JP"/>
+              <a:t> </a:t>
+            </a:r>
+            <a:r>
+              <a:rPr lang="en-US" altLang="ja-JP" dirty="0"/>
+              <a:t>+ </a:t>
+            </a:r>
+            <a:r>
+              <a:rPr lang="en-US" altLang="ja-JP" dirty="0" err="1"/>
+              <a:t>Vessel</a:t>
+            </a:r>
+            <a:r>
+              <a:rPr lang="en-US" altLang="ja-JP" baseline="-25000" dirty="0" err="1"/>
+              <a:t>i</a:t>
+            </a:r>
+            <a:r>
+              <a:rPr lang="en-US" altLang="ja-JP" dirty="0"/>
+              <a:t> + </a:t>
+            </a:r>
+            <a:r>
+              <a:rPr lang="en-US" altLang="ja-JP" dirty="0" err="1"/>
+              <a:t>Area</a:t>
+            </a:r>
+            <a:r>
+              <a:rPr lang="en-US" altLang="ja-JP" baseline="-25000" dirty="0" err="1"/>
+              <a:t>i</a:t>
+            </a:r>
+            <a:r>
+              <a:rPr lang="en-US" altLang="ja-JP" dirty="0"/>
+              <a:t> ) +</a:t>
+            </a:r>
+            <a:r>
+              <a:rPr lang="en-US" altLang="ja-JP" dirty="0" err="1"/>
+              <a:t>ε</a:t>
+            </a:r>
+            <a:r>
+              <a:rPr lang="en-US" altLang="ja-JP" dirty="0"/>
+              <a:t>   </a:t>
+            </a:r>
+          </a:p>
+          <a:p>
+            <a:pPr marL="0" indent="0">
+              <a:buNone/>
+            </a:pPr>
+            <a:r>
+              <a:rPr lang="en-US" altLang="ja-JP" dirty="0"/>
+              <a:t>	Area ~ N(0, σ</a:t>
+            </a:r>
+            <a:r>
+              <a:rPr lang="en-US" altLang="ja-JP" baseline="-25000" dirty="0"/>
+              <a:t>area</a:t>
+            </a:r>
+            <a:r>
+              <a:rPr lang="en-US" altLang="ja-JP" baseline="30000" dirty="0"/>
+              <a:t>2</a:t>
+            </a:r>
+            <a:r>
+              <a:rPr lang="en-US" altLang="ja-JP" dirty="0"/>
+              <a:t>)</a:t>
+            </a:r>
+            <a:endParaRPr lang="en-US" altLang="ja-JP" b="1" dirty="0"/>
+          </a:p>
+          <a:p>
+            <a:pPr marL="0" indent="0" algn="r">
+              <a:buNone/>
+            </a:pPr>
+            <a:r>
+              <a:rPr lang="ja-JP" altLang="en-US" b="1"/>
+              <a:t>固定効果</a:t>
+            </a:r>
+            <a:r>
+              <a:rPr lang="en-US" altLang="ja-JP" b="1" dirty="0"/>
+              <a:t>(fix effect)</a:t>
+            </a:r>
+          </a:p>
+          <a:p>
+            <a:r>
+              <a:rPr lang="en-US" altLang="ja-JP" dirty="0"/>
+              <a:t>60</a:t>
+            </a:r>
+            <a:r>
+              <a:rPr lang="ja-JP" altLang="en-US"/>
+              <a:t>個の</a:t>
+            </a:r>
+            <a:r>
+              <a:rPr lang="en-US" altLang="ja-JP" dirty="0"/>
+              <a:t>Area</a:t>
+            </a:r>
+            <a:r>
+              <a:rPr lang="ja-JP" altLang="en-US"/>
+              <a:t>の値を推定する代わりに、</a:t>
+            </a:r>
+            <a:r>
+              <a:rPr lang="en-US" altLang="ja-JP" dirty="0"/>
+              <a:t>Area</a:t>
+            </a:r>
+            <a:r>
+              <a:rPr lang="ja-JP" altLang="en-US"/>
+              <a:t>が</a:t>
+            </a:r>
+            <a:r>
+              <a:rPr lang="en-US" altLang="ja-JP" dirty="0"/>
+              <a:t>N(0, σ</a:t>
+            </a:r>
+            <a:r>
+              <a:rPr lang="en-US" altLang="ja-JP" baseline="-25000" dirty="0"/>
+              <a:t>area</a:t>
+            </a:r>
+            <a:r>
+              <a:rPr lang="en-US" altLang="ja-JP" baseline="30000" dirty="0"/>
+              <a:t>2</a:t>
+            </a:r>
+            <a:r>
+              <a:rPr lang="en-US" altLang="ja-JP" dirty="0"/>
+              <a:t>)</a:t>
+            </a:r>
+            <a:r>
+              <a:rPr lang="ja-JP" altLang="en-US"/>
+              <a:t>に従うとの仮定のもと、</a:t>
+            </a:r>
+            <a:r>
+              <a:rPr lang="en-US" altLang="ja-JP" dirty="0" err="1"/>
+              <a:t>σ</a:t>
+            </a:r>
+            <a:r>
+              <a:rPr lang="en-US" altLang="ja-JP" baseline="-25000" dirty="0" err="1"/>
+              <a:t>area</a:t>
+            </a:r>
+            <a:r>
+              <a:rPr lang="ja-JP" altLang="en-US"/>
+              <a:t>のみを推定する→</a:t>
+            </a:r>
+            <a:r>
+              <a:rPr lang="ja-JP" altLang="en-US" b="1"/>
+              <a:t>ランダム効果</a:t>
+            </a:r>
+            <a:r>
+              <a:rPr lang="en-US" altLang="ja-JP" b="1" dirty="0"/>
+              <a:t>									  (random effect)</a:t>
+            </a:r>
+          </a:p>
+          <a:p>
+            <a:r>
+              <a:rPr lang="ja-JP" altLang="en-US"/>
+              <a:t>固定効果とランダム効果のどちらも含んだ</a:t>
+            </a:r>
+            <a:r>
+              <a:rPr lang="en-US" altLang="ja-JP" dirty="0"/>
+              <a:t>GLM</a:t>
+            </a:r>
+            <a:r>
+              <a:rPr lang="ja-JP" altLang="en-US"/>
+              <a:t>を一般化線形混合モデル</a:t>
+            </a:r>
+            <a:r>
+              <a:rPr lang="en-US" altLang="ja-JP" dirty="0"/>
+              <a:t>(Generalized Linear Mixed Model; GLMM)</a:t>
+            </a:r>
+            <a:r>
+              <a:rPr lang="ja-JP" altLang="en-US"/>
+              <a:t>という．</a:t>
+            </a:r>
+            <a:endParaRPr lang="en-US" altLang="ja-JP" dirty="0"/>
+          </a:p>
+          <a:p>
+            <a:endParaRPr lang="en-US" altLang="ja-JP" dirty="0"/>
+          </a:p>
+          <a:p>
+            <a:r>
+              <a:rPr lang="en-US" altLang="ja-JP" dirty="0"/>
+              <a:t>GLMM</a:t>
+            </a:r>
+            <a:r>
+              <a:rPr lang="ja-JP" altLang="en-US"/>
+              <a:t>を実行すると固定効果である切片・係数</a:t>
+            </a:r>
+            <a:r>
+              <a:rPr lang="en-US" altLang="ja-JP" dirty="0"/>
+              <a:t>β</a:t>
+            </a:r>
+            <a:r>
+              <a:rPr lang="ja-JP" altLang="en-US"/>
+              <a:t>とランダム効果の分布のばらつき</a:t>
+            </a:r>
+            <a:r>
+              <a:rPr lang="en-US" altLang="ja-JP" dirty="0" err="1"/>
+              <a:t>σ</a:t>
+            </a:r>
+            <a:r>
+              <a:rPr lang="en-US" altLang="ja-JP" baseline="-25000" dirty="0" err="1"/>
+              <a:t>area</a:t>
+            </a:r>
+            <a:r>
+              <a:rPr lang="ja-JP" altLang="en-US"/>
+              <a:t>が推定される．</a:t>
+            </a:r>
+            <a:endParaRPr lang="en-US" altLang="ja-JP" b="1" dirty="0"/>
+          </a:p>
+          <a:p>
+            <a:pPr marL="0" indent="0">
+              <a:buNone/>
+            </a:pPr>
+            <a:endParaRPr kumimoji="1" lang="ja-JP" altLang="en-US"/>
+          </a:p>
+        </p:txBody>
+      </p:sp>
     </p:spTree>
     <p:extLst>
       <p:ext uri="{BB962C8B-B14F-4D97-AF65-F5344CB8AC3E}">
-        <p14:creationId xmlns:p14="http://schemas.microsoft.com/office/powerpoint/2010/main" val="2426103001"/>
+        <p14:creationId xmlns:p14="http://schemas.microsoft.com/office/powerpoint/2010/main" val="1660451074"/>
       </p:ext>
     </p:extLst>
   </p:cSld>
@@ -7871,7 +5568,7 @@
           <p:cNvPr id="2" name="タイトル 1">
             <a:extLst>
               <a:ext uri="{FF2B5EF4-FFF2-40B4-BE49-F238E27FC236}">
-                <a16:creationId xmlns:a16="http://schemas.microsoft.com/office/drawing/2014/main" id="{4A961BD8-DD10-8B41-BC1D-B7691DF18879}"/>
+                <a16:creationId xmlns:a16="http://schemas.microsoft.com/office/drawing/2014/main" id="{ACC16AE0-3698-144E-98ED-A55CC938B50D}"/>
               </a:ext>
             </a:extLst>
           </p:cNvPr>
@@ -7888,8 +5585,20 @@
           <a:lstStyle/>
           <a:p>
             <a:r>
-              <a:rPr kumimoji="1" lang="ja-JP" altLang="en-US"/>
-              <a:t>どのようなランダム効果があるか？</a:t>
+              <a:rPr kumimoji="1" lang="en-US" altLang="ja-JP" dirty="0"/>
+              <a:t>R</a:t>
+            </a:r>
+            <a:r>
+              <a:rPr kumimoji="1" lang="ja-JP" altLang="en-US"/>
+              <a:t>で</a:t>
+            </a:r>
+            <a:r>
+              <a:rPr kumimoji="1" lang="en-US" altLang="ja-JP" dirty="0"/>
+              <a:t>GLMM</a:t>
+            </a:r>
+            <a:r>
+              <a:rPr kumimoji="1" lang="ja-JP" altLang="en-US"/>
+              <a:t>実践</a:t>
             </a:r>
           </a:p>
         </p:txBody>
@@ -7899,7 +5608,7 @@
           <p:cNvPr id="3" name="コンテンツ プレースホルダー 2">
             <a:extLst>
               <a:ext uri="{FF2B5EF4-FFF2-40B4-BE49-F238E27FC236}">
-                <a16:creationId xmlns:a16="http://schemas.microsoft.com/office/drawing/2014/main" id="{6B5549BF-3578-5C45-9242-2BFB7DB143DA}"/>
+                <a16:creationId xmlns:a16="http://schemas.microsoft.com/office/drawing/2014/main" id="{2900A259-287C-8746-BCB8-549AD2ECEA48}"/>
               </a:ext>
             </a:extLst>
           </p:cNvPr>
@@ -7910,12 +5619,7 @@
             <p:ph idx="1"/>
           </p:nvPr>
         </p:nvSpPr>
-        <p:spPr>
-          <a:xfrm>
-            <a:off x="533274" y="1825626"/>
-            <a:ext cx="6818156" cy="4351338"/>
-          </a:xfrm>
-        </p:spPr>
+        <p:spPr/>
         <p:txBody>
           <a:bodyPr>
             <a:normAutofit/>
@@ -7923,1386 +5627,11 @@
           <a:lstStyle/>
           <a:p>
             <a:r>
-              <a:rPr lang="ja-JP" altLang="en-US"/>
-              <a:t>個別の事情は異なるカテゴリごとの場合もあれば、あるカテゴリのさらに下の階層を含む場合もある．</a:t>
-            </a:r>
-            <a:endParaRPr lang="en-US" altLang="ja-JP" dirty="0"/>
-          </a:p>
-          <a:p>
-            <a:pPr lvl="1"/>
-            <a:r>
-              <a:rPr lang="ja-JP" altLang="en-US"/>
-              <a:t>船</a:t>
-            </a:r>
-            <a:r>
-              <a:rPr kumimoji="1" lang="ja-JP" altLang="en-US"/>
-              <a:t>・温度で漁獲のデータを説明するにあたって、操業した海域によって漁獲が異なる場合</a:t>
-            </a:r>
-            <a:endParaRPr kumimoji="1" lang="en-US" altLang="ja-JP" dirty="0"/>
-          </a:p>
-          <a:p>
-            <a:pPr lvl="1"/>
-            <a:r>
-              <a:rPr lang="ja-JP" altLang="en-US"/>
-              <a:t>上記に加えて操業海域ごとに漁具が異なり、漁獲に影響する場合</a:t>
-            </a:r>
-            <a:endParaRPr lang="en-US" altLang="ja-JP" dirty="0"/>
-          </a:p>
-          <a:p>
-            <a:pPr lvl="1"/>
-            <a:r>
-              <a:rPr lang="ja-JP" altLang="en-US"/>
-              <a:t>ただし、どちらも固定効果にすることが妥当でない</a:t>
-            </a:r>
-            <a:endParaRPr kumimoji="1" lang="en-US" altLang="ja-JP" dirty="0"/>
-          </a:p>
-          <a:p>
-            <a:pPr lvl="1"/>
-            <a:endParaRPr kumimoji="1" lang="en-US" altLang="ja-JP" dirty="0"/>
-          </a:p>
-          <a:p>
-            <a:pPr lvl="1"/>
-            <a:endParaRPr kumimoji="1" lang="en-US" altLang="ja-JP" dirty="0"/>
-          </a:p>
-          <a:p>
-            <a:endParaRPr kumimoji="1" lang="en-US" altLang="ja-JP" dirty="0"/>
-          </a:p>
-          <a:p>
-            <a:endParaRPr kumimoji="1" lang="ja-JP" altLang="en-US"/>
-          </a:p>
-        </p:txBody>
-      </p:sp>
-      <p:grpSp>
-        <p:nvGrpSpPr>
-          <p:cNvPr id="24" name="グループ化 23">
-            <a:extLst>
-              <a:ext uri="{FF2B5EF4-FFF2-40B4-BE49-F238E27FC236}">
-                <a16:creationId xmlns:a16="http://schemas.microsoft.com/office/drawing/2014/main" id="{2E8AD1A7-A6E4-9243-94F2-13D126315599}"/>
-              </a:ext>
-            </a:extLst>
-          </p:cNvPr>
-          <p:cNvGrpSpPr/>
-          <p:nvPr/>
-        </p:nvGrpSpPr>
-        <p:grpSpPr>
-          <a:xfrm>
-            <a:off x="7639864" y="1451715"/>
-            <a:ext cx="1582247" cy="3644348"/>
-            <a:chOff x="8139525" y="2251510"/>
-            <a:chExt cx="1582247" cy="3644348"/>
-          </a:xfrm>
-        </p:grpSpPr>
-        <p:grpSp>
-          <p:nvGrpSpPr>
-            <p:cNvPr id="4" name="グループ化 3">
-              <a:extLst>
-                <a:ext uri="{FF2B5EF4-FFF2-40B4-BE49-F238E27FC236}">
-                  <a16:creationId xmlns:a16="http://schemas.microsoft.com/office/drawing/2014/main" id="{2DD02C40-B7C6-7E42-8ADA-DC11351255C1}"/>
-                </a:ext>
-              </a:extLst>
-            </p:cNvPr>
-            <p:cNvGrpSpPr/>
-            <p:nvPr/>
-          </p:nvGrpSpPr>
-          <p:grpSpPr>
-            <a:xfrm>
-              <a:off x="8139525" y="2251510"/>
-              <a:ext cx="1576371" cy="3644348"/>
-              <a:chOff x="10525884" y="2251727"/>
-              <a:chExt cx="1576371" cy="3644348"/>
-            </a:xfrm>
-          </p:grpSpPr>
-          <p:sp>
-            <p:nvSpPr>
-              <p:cNvPr id="5" name="円/楕円 4">
-                <a:extLst>
-                  <a:ext uri="{FF2B5EF4-FFF2-40B4-BE49-F238E27FC236}">
-                    <a16:creationId xmlns:a16="http://schemas.microsoft.com/office/drawing/2014/main" id="{66A6CF0D-8134-8F4D-84B1-E646B256BC36}"/>
-                  </a:ext>
-                </a:extLst>
-              </p:cNvPr>
-              <p:cNvSpPr/>
-              <p:nvPr/>
-            </p:nvSpPr>
-            <p:spPr>
-              <a:xfrm>
-                <a:off x="10837767" y="2251727"/>
-                <a:ext cx="1000025" cy="1060687"/>
-              </a:xfrm>
-              <a:prstGeom prst="ellipse">
-                <a:avLst/>
-              </a:prstGeom>
-              <a:solidFill>
-                <a:srgbClr val="C00000"/>
-              </a:solidFill>
-              <a:ln>
-                <a:solidFill>
-                  <a:srgbClr val="C00000"/>
-                </a:solidFill>
-              </a:ln>
-            </p:spPr>
-            <p:style>
-              <a:lnRef idx="2">
-                <a:schemeClr val="accent1">
-                  <a:shade val="50000"/>
-                </a:schemeClr>
-              </a:lnRef>
-              <a:fillRef idx="1">
-                <a:schemeClr val="accent1"/>
-              </a:fillRef>
-              <a:effectRef idx="0">
-                <a:schemeClr val="accent1"/>
-              </a:effectRef>
-              <a:fontRef idx="minor">
-                <a:schemeClr val="lt1"/>
-              </a:fontRef>
-            </p:style>
-            <p:txBody>
-              <a:bodyPr rtlCol="0" anchor="ctr"/>
-              <a:lstStyle/>
-              <a:p>
-                <a:pPr algn="ctr"/>
-                <a:r>
-                  <a:rPr lang="ja-JP" altLang="en-US"/>
-                  <a:t>目的変数</a:t>
-                </a:r>
-                <a:r>
-                  <a:rPr lang="en-US" altLang="ja-JP" dirty="0"/>
-                  <a:t> </a:t>
-                </a:r>
-                <a:endParaRPr kumimoji="1" lang="ja-JP" altLang="en-US"/>
-              </a:p>
-            </p:txBody>
-          </p:sp>
-          <p:sp>
-            <p:nvSpPr>
-              <p:cNvPr id="6" name="正方形/長方形 5">
-                <a:extLst>
-                  <a:ext uri="{FF2B5EF4-FFF2-40B4-BE49-F238E27FC236}">
-                    <a16:creationId xmlns:a16="http://schemas.microsoft.com/office/drawing/2014/main" id="{F21EDA2C-200E-9440-9917-4C8EDB351FD3}"/>
-                  </a:ext>
-                </a:extLst>
-              </p:cNvPr>
-              <p:cNvSpPr/>
-              <p:nvPr/>
-            </p:nvSpPr>
-            <p:spPr>
-              <a:xfrm>
-                <a:off x="10525884" y="3447351"/>
-                <a:ext cx="1576371" cy="421443"/>
-              </a:xfrm>
-              <a:prstGeom prst="rect">
-                <a:avLst/>
-              </a:prstGeom>
-              <a:solidFill>
-                <a:schemeClr val="accent6">
-                  <a:lumMod val="75000"/>
-                </a:schemeClr>
-              </a:solidFill>
-              <a:ln>
-                <a:noFill/>
-              </a:ln>
-            </p:spPr>
-            <p:style>
-              <a:lnRef idx="2">
-                <a:schemeClr val="accent1">
-                  <a:shade val="50000"/>
-                </a:schemeClr>
-              </a:lnRef>
-              <a:fillRef idx="1">
-                <a:schemeClr val="accent1"/>
-              </a:fillRef>
-              <a:effectRef idx="0">
-                <a:schemeClr val="accent1"/>
-              </a:effectRef>
-              <a:fontRef idx="minor">
-                <a:schemeClr val="lt1"/>
-              </a:fontRef>
-            </p:style>
-            <p:txBody>
-              <a:bodyPr rtlCol="0" anchor="ctr"/>
-              <a:lstStyle/>
-              <a:p>
-                <a:pPr algn="ctr"/>
-                <a:r>
-                  <a:rPr lang="ja-JP" altLang="en-US"/>
-                  <a:t>個別の事情</a:t>
-                </a:r>
-                <a:r>
-                  <a:rPr lang="en-US" altLang="ja-JP" dirty="0"/>
-                  <a:t>A</a:t>
-                </a:r>
-                <a:endParaRPr kumimoji="1" lang="ja-JP" altLang="en-US"/>
-              </a:p>
-            </p:txBody>
-          </p:sp>
-          <p:cxnSp>
-            <p:nvCxnSpPr>
-              <p:cNvPr id="7" name="直線矢印コネクタ 6">
-                <a:extLst>
-                  <a:ext uri="{FF2B5EF4-FFF2-40B4-BE49-F238E27FC236}">
-                    <a16:creationId xmlns:a16="http://schemas.microsoft.com/office/drawing/2014/main" id="{FC351757-4397-D445-91E6-2F3D6444E605}"/>
-                  </a:ext>
-                </a:extLst>
-              </p:cNvPr>
-              <p:cNvCxnSpPr>
-                <a:cxnSpLocks/>
-                <a:stCxn id="10" idx="1"/>
-              </p:cNvCxnSpPr>
-              <p:nvPr/>
-            </p:nvCxnSpPr>
-            <p:spPr>
-              <a:xfrm flipH="1" flipV="1">
-                <a:off x="11331032" y="3312417"/>
-                <a:ext cx="7066" cy="1064114"/>
-              </a:xfrm>
-              <a:prstGeom prst="straightConnector1">
-                <a:avLst/>
-              </a:prstGeom>
-              <a:ln>
-                <a:tailEnd type="triangle"/>
-              </a:ln>
-            </p:spPr>
-            <p:style>
-              <a:lnRef idx="1">
-                <a:schemeClr val="accent1"/>
-              </a:lnRef>
-              <a:fillRef idx="0">
-                <a:schemeClr val="accent1"/>
-              </a:fillRef>
-              <a:effectRef idx="0">
-                <a:schemeClr val="accent1"/>
-              </a:effectRef>
-              <a:fontRef idx="minor">
-                <a:schemeClr val="tx1"/>
-              </a:fontRef>
-            </p:style>
-          </p:cxnSp>
-          <p:cxnSp>
-            <p:nvCxnSpPr>
-              <p:cNvPr id="8" name="直線矢印コネクタ 7">
-                <a:extLst>
-                  <a:ext uri="{FF2B5EF4-FFF2-40B4-BE49-F238E27FC236}">
-                    <a16:creationId xmlns:a16="http://schemas.microsoft.com/office/drawing/2014/main" id="{FE1F72B4-2F46-4D4B-89F7-568197E7A6C9}"/>
-                  </a:ext>
-                </a:extLst>
-              </p:cNvPr>
-              <p:cNvCxnSpPr>
-                <a:cxnSpLocks/>
-              </p:cNvCxnSpPr>
-              <p:nvPr/>
-            </p:nvCxnSpPr>
-            <p:spPr>
-              <a:xfrm flipH="1" flipV="1">
-                <a:off x="11331032" y="3332294"/>
-                <a:ext cx="560501" cy="1024359"/>
-              </a:xfrm>
-              <a:prstGeom prst="straightConnector1">
-                <a:avLst/>
-              </a:prstGeom>
-              <a:ln>
-                <a:tailEnd type="triangle"/>
-              </a:ln>
-            </p:spPr>
-            <p:style>
-              <a:lnRef idx="1">
-                <a:schemeClr val="accent1"/>
-              </a:lnRef>
-              <a:fillRef idx="0">
-                <a:schemeClr val="accent1"/>
-              </a:fillRef>
-              <a:effectRef idx="0">
-                <a:schemeClr val="accent1"/>
-              </a:effectRef>
-              <a:fontRef idx="minor">
-                <a:schemeClr val="tx1"/>
-              </a:fontRef>
-            </p:style>
-          </p:cxnSp>
-          <p:sp>
-            <p:nvSpPr>
-              <p:cNvPr id="9" name="角丸四角形 8">
-                <a:extLst>
-                  <a:ext uri="{FF2B5EF4-FFF2-40B4-BE49-F238E27FC236}">
-                    <a16:creationId xmlns:a16="http://schemas.microsoft.com/office/drawing/2014/main" id="{10F692D7-4156-9043-BFAD-6E362A5B31E3}"/>
-                  </a:ext>
-                </a:extLst>
-              </p:cNvPr>
-              <p:cNvSpPr/>
-              <p:nvPr/>
-            </p:nvSpPr>
-            <p:spPr>
-              <a:xfrm rot="5400000">
-                <a:off x="10019021" y="4918955"/>
-                <a:ext cx="1519544" cy="421444"/>
-              </a:xfrm>
-              <a:prstGeom prst="roundRect">
-                <a:avLst/>
-              </a:prstGeom>
-            </p:spPr>
-            <p:style>
-              <a:lnRef idx="2">
-                <a:schemeClr val="accent1">
-                  <a:shade val="50000"/>
-                </a:schemeClr>
-              </a:lnRef>
-              <a:fillRef idx="1">
-                <a:schemeClr val="accent1"/>
-              </a:fillRef>
-              <a:effectRef idx="0">
-                <a:schemeClr val="accent1"/>
-              </a:effectRef>
-              <a:fontRef idx="minor">
-                <a:schemeClr val="lt1"/>
-              </a:fontRef>
-            </p:style>
-            <p:txBody>
-              <a:bodyPr rtlCol="0" anchor="ctr"/>
-              <a:lstStyle/>
-              <a:p>
-                <a:pPr algn="just"/>
-                <a:r>
-                  <a:rPr kumimoji="1" lang="ja-JP" altLang="en-US"/>
-                  <a:t>説明変数</a:t>
-                </a:r>
-                <a:r>
-                  <a:rPr kumimoji="1" lang="en-US" altLang="ja-JP" dirty="0"/>
-                  <a:t>1</a:t>
-                </a:r>
-                <a:endParaRPr kumimoji="1" lang="ja-JP" altLang="en-US"/>
-              </a:p>
-            </p:txBody>
-          </p:sp>
-          <p:sp>
-            <p:nvSpPr>
-              <p:cNvPr id="10" name="角丸四角形 9">
-                <a:extLst>
-                  <a:ext uri="{FF2B5EF4-FFF2-40B4-BE49-F238E27FC236}">
-                    <a16:creationId xmlns:a16="http://schemas.microsoft.com/office/drawing/2014/main" id="{684E9209-C2C0-C944-ABC1-67E62F6EAE9F}"/>
-                  </a:ext>
-                </a:extLst>
-              </p:cNvPr>
-              <p:cNvSpPr/>
-              <p:nvPr/>
-            </p:nvSpPr>
-            <p:spPr>
-              <a:xfrm rot="5400000">
-                <a:off x="10578326" y="4925581"/>
-                <a:ext cx="1519544" cy="421444"/>
-              </a:xfrm>
-              <a:prstGeom prst="roundRect">
-                <a:avLst/>
-              </a:prstGeom>
-            </p:spPr>
-            <p:style>
-              <a:lnRef idx="2">
-                <a:schemeClr val="accent1">
-                  <a:shade val="50000"/>
-                </a:schemeClr>
-              </a:lnRef>
-              <a:fillRef idx="1">
-                <a:schemeClr val="accent1"/>
-              </a:fillRef>
-              <a:effectRef idx="0">
-                <a:schemeClr val="accent1"/>
-              </a:effectRef>
-              <a:fontRef idx="minor">
-                <a:schemeClr val="lt1"/>
-              </a:fontRef>
-            </p:style>
-            <p:txBody>
-              <a:bodyPr rtlCol="0" anchor="ctr"/>
-              <a:lstStyle/>
-              <a:p>
-                <a:pPr algn="just"/>
-                <a:r>
-                  <a:rPr kumimoji="1" lang="ja-JP" altLang="en-US"/>
-                  <a:t>説明変数</a:t>
-                </a:r>
-                <a:r>
-                  <a:rPr kumimoji="1" lang="en-US" altLang="ja-JP" dirty="0"/>
-                  <a:t>2</a:t>
-                </a:r>
-                <a:endParaRPr kumimoji="1" lang="ja-JP" altLang="en-US"/>
-              </a:p>
-            </p:txBody>
-          </p:sp>
-          <p:sp>
-            <p:nvSpPr>
-              <p:cNvPr id="11" name="角丸四角形 10">
-                <a:extLst>
-                  <a:ext uri="{FF2B5EF4-FFF2-40B4-BE49-F238E27FC236}">
-                    <a16:creationId xmlns:a16="http://schemas.microsoft.com/office/drawing/2014/main" id="{57B839CC-C78D-2E41-9AE3-0F8338DAB55B}"/>
-                  </a:ext>
-                </a:extLst>
-              </p:cNvPr>
-              <p:cNvSpPr/>
-              <p:nvPr/>
-            </p:nvSpPr>
-            <p:spPr>
-              <a:xfrm rot="5400000">
-                <a:off x="11131761" y="4918955"/>
-                <a:ext cx="1519544" cy="421444"/>
-              </a:xfrm>
-              <a:prstGeom prst="roundRect">
-                <a:avLst/>
-              </a:prstGeom>
-            </p:spPr>
-            <p:style>
-              <a:lnRef idx="2">
-                <a:schemeClr val="accent1">
-                  <a:shade val="50000"/>
-                </a:schemeClr>
-              </a:lnRef>
-              <a:fillRef idx="1">
-                <a:schemeClr val="accent1"/>
-              </a:fillRef>
-              <a:effectRef idx="0">
-                <a:schemeClr val="accent1"/>
-              </a:effectRef>
-              <a:fontRef idx="minor">
-                <a:schemeClr val="lt1"/>
-              </a:fontRef>
-            </p:style>
-            <p:txBody>
-              <a:bodyPr rtlCol="0" anchor="ctr"/>
-              <a:lstStyle/>
-              <a:p>
-                <a:pPr algn="just"/>
-                <a:r>
-                  <a:rPr kumimoji="1" lang="ja-JP" altLang="en-US"/>
-                  <a:t>説明変数</a:t>
-                </a:r>
-                <a:r>
-                  <a:rPr kumimoji="1" lang="en-US" altLang="ja-JP" dirty="0"/>
-                  <a:t>3</a:t>
-                </a:r>
-                <a:endParaRPr kumimoji="1" lang="ja-JP" altLang="en-US"/>
-              </a:p>
-            </p:txBody>
-          </p:sp>
-          <p:cxnSp>
-            <p:nvCxnSpPr>
-              <p:cNvPr id="12" name="直線矢印コネクタ 11">
-                <a:extLst>
-                  <a:ext uri="{FF2B5EF4-FFF2-40B4-BE49-F238E27FC236}">
-                    <a16:creationId xmlns:a16="http://schemas.microsoft.com/office/drawing/2014/main" id="{A946ED66-D19C-B241-809B-3EEC9F901A35}"/>
-                  </a:ext>
-                </a:extLst>
-              </p:cNvPr>
-              <p:cNvCxnSpPr>
-                <a:cxnSpLocks/>
-                <a:stCxn id="9" idx="1"/>
-              </p:cNvCxnSpPr>
-              <p:nvPr/>
-            </p:nvCxnSpPr>
-            <p:spPr>
-              <a:xfrm flipV="1">
-                <a:off x="10778793" y="3332295"/>
-                <a:ext cx="552238" cy="1037610"/>
-              </a:xfrm>
-              <a:prstGeom prst="straightConnector1">
-                <a:avLst/>
-              </a:prstGeom>
-              <a:ln>
-                <a:tailEnd type="triangle"/>
-              </a:ln>
-            </p:spPr>
-            <p:style>
-              <a:lnRef idx="1">
-                <a:schemeClr val="accent1"/>
-              </a:lnRef>
-              <a:fillRef idx="0">
-                <a:schemeClr val="accent1"/>
-              </a:fillRef>
-              <a:effectRef idx="0">
-                <a:schemeClr val="accent1"/>
-              </a:effectRef>
-              <a:fontRef idx="minor">
-                <a:schemeClr val="tx1"/>
-              </a:fontRef>
-            </p:style>
-          </p:cxnSp>
-        </p:grpSp>
-        <p:sp>
-          <p:nvSpPr>
-            <p:cNvPr id="13" name="正方形/長方形 12">
-              <a:extLst>
-                <a:ext uri="{FF2B5EF4-FFF2-40B4-BE49-F238E27FC236}">
-                  <a16:creationId xmlns:a16="http://schemas.microsoft.com/office/drawing/2014/main" id="{EDEAAD49-A2B4-6A49-B120-3796B13C06F1}"/>
-                </a:ext>
-              </a:extLst>
-            </p:cNvPr>
-            <p:cNvSpPr/>
-            <p:nvPr/>
-          </p:nvSpPr>
-          <p:spPr>
-            <a:xfrm>
-              <a:off x="8145401" y="3901785"/>
-              <a:ext cx="1576371" cy="421443"/>
-            </a:xfrm>
-            <a:prstGeom prst="rect">
-              <a:avLst/>
-            </a:prstGeom>
-            <a:solidFill>
-              <a:schemeClr val="accent6">
-                <a:lumMod val="75000"/>
-              </a:schemeClr>
-            </a:solidFill>
-            <a:ln>
-              <a:noFill/>
-            </a:ln>
-          </p:spPr>
-          <p:style>
-            <a:lnRef idx="2">
-              <a:schemeClr val="accent1">
-                <a:shade val="50000"/>
-              </a:schemeClr>
-            </a:lnRef>
-            <a:fillRef idx="1">
-              <a:schemeClr val="accent1"/>
-            </a:fillRef>
-            <a:effectRef idx="0">
-              <a:schemeClr val="accent1"/>
-            </a:effectRef>
-            <a:fontRef idx="minor">
-              <a:schemeClr val="lt1"/>
-            </a:fontRef>
-          </p:style>
-          <p:txBody>
-            <a:bodyPr rtlCol="0" anchor="ctr"/>
-            <a:lstStyle/>
-            <a:p>
-              <a:pPr algn="ctr"/>
-              <a:r>
-                <a:rPr lang="ja-JP" altLang="en-US"/>
-                <a:t>個別の事情</a:t>
-              </a:r>
-              <a:r>
-                <a:rPr lang="en-US" altLang="ja-JP" dirty="0"/>
-                <a:t>B</a:t>
-              </a:r>
-              <a:endParaRPr kumimoji="1" lang="ja-JP" altLang="en-US"/>
-            </a:p>
-          </p:txBody>
-        </p:sp>
-      </p:grpSp>
-      <p:grpSp>
-        <p:nvGrpSpPr>
-          <p:cNvPr id="14" name="グループ化 13">
-            <a:extLst>
-              <a:ext uri="{FF2B5EF4-FFF2-40B4-BE49-F238E27FC236}">
-                <a16:creationId xmlns:a16="http://schemas.microsoft.com/office/drawing/2014/main" id="{8025225F-60C1-274F-AE7E-34CA0601AC8F}"/>
-              </a:ext>
-            </a:extLst>
-          </p:cNvPr>
-          <p:cNvGrpSpPr/>
-          <p:nvPr/>
-        </p:nvGrpSpPr>
-        <p:grpSpPr>
-          <a:xfrm>
-            <a:off x="9418950" y="3281652"/>
-            <a:ext cx="1576371" cy="3388178"/>
-            <a:chOff x="10542845" y="2251727"/>
-            <a:chExt cx="1576371" cy="3644348"/>
-          </a:xfrm>
-        </p:grpSpPr>
-        <p:sp>
-          <p:nvSpPr>
-            <p:cNvPr id="15" name="円/楕円 14">
-              <a:extLst>
-                <a:ext uri="{FF2B5EF4-FFF2-40B4-BE49-F238E27FC236}">
-                  <a16:creationId xmlns:a16="http://schemas.microsoft.com/office/drawing/2014/main" id="{487371E8-BB64-6A47-B702-4672CAE0478C}"/>
-                </a:ext>
-              </a:extLst>
-            </p:cNvPr>
-            <p:cNvSpPr/>
-            <p:nvPr/>
-          </p:nvSpPr>
-          <p:spPr>
-            <a:xfrm>
-              <a:off x="10837767" y="2251727"/>
-              <a:ext cx="1000025" cy="1060687"/>
-            </a:xfrm>
-            <a:prstGeom prst="ellipse">
-              <a:avLst/>
-            </a:prstGeom>
-            <a:solidFill>
-              <a:srgbClr val="C00000"/>
-            </a:solidFill>
-            <a:ln>
-              <a:solidFill>
-                <a:srgbClr val="C00000"/>
-              </a:solidFill>
-            </a:ln>
-          </p:spPr>
-          <p:style>
-            <a:lnRef idx="2">
-              <a:schemeClr val="accent1">
-                <a:shade val="50000"/>
-              </a:schemeClr>
-            </a:lnRef>
-            <a:fillRef idx="1">
-              <a:schemeClr val="accent1"/>
-            </a:fillRef>
-            <a:effectRef idx="0">
-              <a:schemeClr val="accent1"/>
-            </a:effectRef>
-            <a:fontRef idx="minor">
-              <a:schemeClr val="lt1"/>
-            </a:fontRef>
-          </p:style>
-          <p:txBody>
-            <a:bodyPr rtlCol="0" anchor="ctr"/>
-            <a:lstStyle/>
-            <a:p>
-              <a:pPr algn="ctr"/>
-              <a:r>
-                <a:rPr lang="ja-JP" altLang="en-US"/>
-                <a:t>目的変数</a:t>
-              </a:r>
-              <a:r>
-                <a:rPr lang="en-US" altLang="ja-JP" dirty="0"/>
-                <a:t> </a:t>
-              </a:r>
-              <a:endParaRPr kumimoji="1" lang="ja-JP" altLang="en-US"/>
-            </a:p>
-          </p:txBody>
-        </p:sp>
-        <p:sp>
-          <p:nvSpPr>
-            <p:cNvPr id="16" name="正方形/長方形 15">
-              <a:extLst>
-                <a:ext uri="{FF2B5EF4-FFF2-40B4-BE49-F238E27FC236}">
-                  <a16:creationId xmlns:a16="http://schemas.microsoft.com/office/drawing/2014/main" id="{BF08BEB3-1FE0-C846-A72A-15E174B9BA6B}"/>
-                </a:ext>
-              </a:extLst>
-            </p:cNvPr>
-            <p:cNvSpPr/>
-            <p:nvPr/>
-          </p:nvSpPr>
-          <p:spPr>
-            <a:xfrm>
-              <a:off x="10542845" y="3688804"/>
-              <a:ext cx="1576371" cy="421443"/>
-            </a:xfrm>
-            <a:prstGeom prst="rect">
-              <a:avLst/>
-            </a:prstGeom>
-            <a:solidFill>
-              <a:schemeClr val="accent6">
-                <a:lumMod val="75000"/>
-              </a:schemeClr>
-            </a:solidFill>
-            <a:ln>
-              <a:noFill/>
-            </a:ln>
-          </p:spPr>
-          <p:style>
-            <a:lnRef idx="2">
-              <a:schemeClr val="accent1">
-                <a:shade val="50000"/>
-              </a:schemeClr>
-            </a:lnRef>
-            <a:fillRef idx="1">
-              <a:schemeClr val="accent1"/>
-            </a:fillRef>
-            <a:effectRef idx="0">
-              <a:schemeClr val="accent1"/>
-            </a:effectRef>
-            <a:fontRef idx="minor">
-              <a:schemeClr val="lt1"/>
-            </a:fontRef>
-          </p:style>
-          <p:txBody>
-            <a:bodyPr rtlCol="0" anchor="ctr"/>
-            <a:lstStyle/>
-            <a:p>
-              <a:pPr algn="ctr"/>
-              <a:r>
-                <a:rPr lang="ja-JP" altLang="en-US"/>
-                <a:t>個別の事情</a:t>
-              </a:r>
-              <a:r>
-                <a:rPr lang="en-US" altLang="ja-JP" dirty="0"/>
-                <a:t>A</a:t>
-              </a:r>
-              <a:endParaRPr kumimoji="1" lang="ja-JP" altLang="en-US"/>
-            </a:p>
-          </p:txBody>
-        </p:sp>
-        <p:cxnSp>
-          <p:nvCxnSpPr>
-            <p:cNvPr id="17" name="直線矢印コネクタ 16">
-              <a:extLst>
-                <a:ext uri="{FF2B5EF4-FFF2-40B4-BE49-F238E27FC236}">
-                  <a16:creationId xmlns:a16="http://schemas.microsoft.com/office/drawing/2014/main" id="{95F44A2C-9621-0E42-BAEC-2376542BF8DF}"/>
-                </a:ext>
-              </a:extLst>
-            </p:cNvPr>
-            <p:cNvCxnSpPr>
-              <a:cxnSpLocks/>
-              <a:stCxn id="20" idx="1"/>
-            </p:cNvCxnSpPr>
-            <p:nvPr/>
-          </p:nvCxnSpPr>
-          <p:spPr>
-            <a:xfrm flipH="1" flipV="1">
-              <a:off x="11331032" y="3312417"/>
-              <a:ext cx="7066" cy="1064114"/>
-            </a:xfrm>
-            <a:prstGeom prst="straightConnector1">
-              <a:avLst/>
-            </a:prstGeom>
-            <a:ln>
-              <a:tailEnd type="triangle"/>
-            </a:ln>
-          </p:spPr>
-          <p:style>
-            <a:lnRef idx="1">
-              <a:schemeClr val="accent1"/>
-            </a:lnRef>
-            <a:fillRef idx="0">
-              <a:schemeClr val="accent1"/>
-            </a:fillRef>
-            <a:effectRef idx="0">
-              <a:schemeClr val="accent1"/>
-            </a:effectRef>
-            <a:fontRef idx="minor">
-              <a:schemeClr val="tx1"/>
-            </a:fontRef>
-          </p:style>
-        </p:cxnSp>
-        <p:cxnSp>
-          <p:nvCxnSpPr>
-            <p:cNvPr id="18" name="直線矢印コネクタ 17">
-              <a:extLst>
-                <a:ext uri="{FF2B5EF4-FFF2-40B4-BE49-F238E27FC236}">
-                  <a16:creationId xmlns:a16="http://schemas.microsoft.com/office/drawing/2014/main" id="{D354FAB6-D130-6F47-940A-E7F4798E8AA7}"/>
-                </a:ext>
-              </a:extLst>
-            </p:cNvPr>
-            <p:cNvCxnSpPr>
-              <a:cxnSpLocks/>
-            </p:cNvCxnSpPr>
-            <p:nvPr/>
-          </p:nvCxnSpPr>
-          <p:spPr>
-            <a:xfrm flipH="1" flipV="1">
-              <a:off x="11331032" y="3332294"/>
-              <a:ext cx="560501" cy="1024359"/>
-            </a:xfrm>
-            <a:prstGeom prst="straightConnector1">
-              <a:avLst/>
-            </a:prstGeom>
-            <a:ln>
-              <a:tailEnd type="triangle"/>
-            </a:ln>
-          </p:spPr>
-          <p:style>
-            <a:lnRef idx="1">
-              <a:schemeClr val="accent1"/>
-            </a:lnRef>
-            <a:fillRef idx="0">
-              <a:schemeClr val="accent1"/>
-            </a:fillRef>
-            <a:effectRef idx="0">
-              <a:schemeClr val="accent1"/>
-            </a:effectRef>
-            <a:fontRef idx="minor">
-              <a:schemeClr val="tx1"/>
-            </a:fontRef>
-          </p:style>
-        </p:cxnSp>
-        <p:sp>
-          <p:nvSpPr>
-            <p:cNvPr id="19" name="角丸四角形 18">
-              <a:extLst>
-                <a:ext uri="{FF2B5EF4-FFF2-40B4-BE49-F238E27FC236}">
-                  <a16:creationId xmlns:a16="http://schemas.microsoft.com/office/drawing/2014/main" id="{62EC3F9C-92BC-4648-BCFB-AC414C46EAAB}"/>
-                </a:ext>
-              </a:extLst>
-            </p:cNvPr>
-            <p:cNvSpPr/>
-            <p:nvPr/>
-          </p:nvSpPr>
-          <p:spPr>
-            <a:xfrm rot="5400000">
-              <a:off x="10019021" y="4918955"/>
-              <a:ext cx="1519544" cy="421444"/>
-            </a:xfrm>
-            <a:prstGeom prst="roundRect">
-              <a:avLst/>
-            </a:prstGeom>
-          </p:spPr>
-          <p:style>
-            <a:lnRef idx="2">
-              <a:schemeClr val="accent1">
-                <a:shade val="50000"/>
-              </a:schemeClr>
-            </a:lnRef>
-            <a:fillRef idx="1">
-              <a:schemeClr val="accent1"/>
-            </a:fillRef>
-            <a:effectRef idx="0">
-              <a:schemeClr val="accent1"/>
-            </a:effectRef>
-            <a:fontRef idx="minor">
-              <a:schemeClr val="lt1"/>
-            </a:fontRef>
-          </p:style>
-          <p:txBody>
-            <a:bodyPr rtlCol="0" anchor="ctr"/>
-            <a:lstStyle/>
-            <a:p>
-              <a:pPr algn="just"/>
-              <a:r>
-                <a:rPr kumimoji="1" lang="ja-JP" altLang="en-US"/>
-                <a:t>説明変数</a:t>
-              </a:r>
-              <a:r>
-                <a:rPr kumimoji="1" lang="en-US" altLang="ja-JP" dirty="0"/>
-                <a:t>1</a:t>
-              </a:r>
-              <a:endParaRPr kumimoji="1" lang="ja-JP" altLang="en-US"/>
-            </a:p>
-          </p:txBody>
-        </p:sp>
-        <p:sp>
-          <p:nvSpPr>
-            <p:cNvPr id="20" name="角丸四角形 19">
-              <a:extLst>
-                <a:ext uri="{FF2B5EF4-FFF2-40B4-BE49-F238E27FC236}">
-                  <a16:creationId xmlns:a16="http://schemas.microsoft.com/office/drawing/2014/main" id="{46F653F5-A1F8-DD40-AAB9-238EBA0AF575}"/>
-                </a:ext>
-              </a:extLst>
-            </p:cNvPr>
-            <p:cNvSpPr/>
-            <p:nvPr/>
-          </p:nvSpPr>
-          <p:spPr>
-            <a:xfrm rot="5400000">
-              <a:off x="10578326" y="4925581"/>
-              <a:ext cx="1519544" cy="421444"/>
-            </a:xfrm>
-            <a:prstGeom prst="roundRect">
-              <a:avLst/>
-            </a:prstGeom>
-          </p:spPr>
-          <p:style>
-            <a:lnRef idx="2">
-              <a:schemeClr val="accent1">
-                <a:shade val="50000"/>
-              </a:schemeClr>
-            </a:lnRef>
-            <a:fillRef idx="1">
-              <a:schemeClr val="accent1"/>
-            </a:fillRef>
-            <a:effectRef idx="0">
-              <a:schemeClr val="accent1"/>
-            </a:effectRef>
-            <a:fontRef idx="minor">
-              <a:schemeClr val="lt1"/>
-            </a:fontRef>
-          </p:style>
-          <p:txBody>
-            <a:bodyPr rtlCol="0" anchor="ctr"/>
-            <a:lstStyle/>
-            <a:p>
-              <a:pPr algn="just"/>
-              <a:r>
-                <a:rPr kumimoji="1" lang="ja-JP" altLang="en-US"/>
-                <a:t>説明変数</a:t>
-              </a:r>
-              <a:r>
-                <a:rPr kumimoji="1" lang="en-US" altLang="ja-JP" dirty="0"/>
-                <a:t>2</a:t>
-              </a:r>
-              <a:endParaRPr kumimoji="1" lang="ja-JP" altLang="en-US"/>
-            </a:p>
-          </p:txBody>
-        </p:sp>
-        <p:sp>
-          <p:nvSpPr>
-            <p:cNvPr id="21" name="角丸四角形 20">
-              <a:extLst>
-                <a:ext uri="{FF2B5EF4-FFF2-40B4-BE49-F238E27FC236}">
-                  <a16:creationId xmlns:a16="http://schemas.microsoft.com/office/drawing/2014/main" id="{D7433CF6-1334-7948-B13A-573CC0E6001D}"/>
-                </a:ext>
-              </a:extLst>
-            </p:cNvPr>
-            <p:cNvSpPr/>
-            <p:nvPr/>
-          </p:nvSpPr>
-          <p:spPr>
-            <a:xfrm rot="5400000">
-              <a:off x="11131761" y="4918955"/>
-              <a:ext cx="1519544" cy="421444"/>
-            </a:xfrm>
-            <a:prstGeom prst="roundRect">
-              <a:avLst/>
-            </a:prstGeom>
-          </p:spPr>
-          <p:style>
-            <a:lnRef idx="2">
-              <a:schemeClr val="accent1">
-                <a:shade val="50000"/>
-              </a:schemeClr>
-            </a:lnRef>
-            <a:fillRef idx="1">
-              <a:schemeClr val="accent1"/>
-            </a:fillRef>
-            <a:effectRef idx="0">
-              <a:schemeClr val="accent1"/>
-            </a:effectRef>
-            <a:fontRef idx="minor">
-              <a:schemeClr val="lt1"/>
-            </a:fontRef>
-          </p:style>
-          <p:txBody>
-            <a:bodyPr rtlCol="0" anchor="ctr"/>
-            <a:lstStyle/>
-            <a:p>
-              <a:pPr algn="just"/>
-              <a:r>
-                <a:rPr kumimoji="1" lang="ja-JP" altLang="en-US"/>
-                <a:t>説明変数</a:t>
-              </a:r>
-              <a:r>
-                <a:rPr kumimoji="1" lang="en-US" altLang="ja-JP" dirty="0"/>
-                <a:t>3</a:t>
-              </a:r>
-              <a:endParaRPr kumimoji="1" lang="ja-JP" altLang="en-US"/>
-            </a:p>
-          </p:txBody>
-        </p:sp>
-        <p:cxnSp>
-          <p:nvCxnSpPr>
-            <p:cNvPr id="22" name="直線矢印コネクタ 21">
-              <a:extLst>
-                <a:ext uri="{FF2B5EF4-FFF2-40B4-BE49-F238E27FC236}">
-                  <a16:creationId xmlns:a16="http://schemas.microsoft.com/office/drawing/2014/main" id="{33C2C2E0-9663-AD40-A488-9B15B135C031}"/>
-                </a:ext>
-              </a:extLst>
-            </p:cNvPr>
-            <p:cNvCxnSpPr>
-              <a:cxnSpLocks/>
-              <a:stCxn id="19" idx="1"/>
-            </p:cNvCxnSpPr>
-            <p:nvPr/>
-          </p:nvCxnSpPr>
-          <p:spPr>
-            <a:xfrm flipV="1">
-              <a:off x="10778793" y="3332295"/>
-              <a:ext cx="552238" cy="1037610"/>
-            </a:xfrm>
-            <a:prstGeom prst="straightConnector1">
-              <a:avLst/>
-            </a:prstGeom>
-            <a:ln>
-              <a:tailEnd type="triangle"/>
-            </a:ln>
-          </p:spPr>
-          <p:style>
-            <a:lnRef idx="1">
-              <a:schemeClr val="accent1"/>
-            </a:lnRef>
-            <a:fillRef idx="0">
-              <a:schemeClr val="accent1"/>
-            </a:fillRef>
-            <a:effectRef idx="0">
-              <a:schemeClr val="accent1"/>
-            </a:effectRef>
-            <a:fontRef idx="minor">
-              <a:schemeClr val="tx1"/>
-            </a:fontRef>
-          </p:style>
-        </p:cxnSp>
-      </p:grpSp>
-      <p:sp>
-        <p:nvSpPr>
-          <p:cNvPr id="23" name="正方形/長方形 22">
-            <a:extLst>
-              <a:ext uri="{FF2B5EF4-FFF2-40B4-BE49-F238E27FC236}">
-                <a16:creationId xmlns:a16="http://schemas.microsoft.com/office/drawing/2014/main" id="{0ADCF31E-71D8-5244-9F1F-4AEC081B43D7}"/>
-              </a:ext>
-            </a:extLst>
-          </p:cNvPr>
-          <p:cNvSpPr/>
-          <p:nvPr/>
-        </p:nvSpPr>
-        <p:spPr>
-          <a:xfrm>
-            <a:off x="11126117" y="1077804"/>
-            <a:ext cx="974025" cy="747822"/>
-          </a:xfrm>
-          <a:prstGeom prst="rect">
-            <a:avLst/>
-          </a:prstGeom>
-          <a:solidFill>
-            <a:schemeClr val="accent6">
-              <a:lumMod val="75000"/>
-            </a:schemeClr>
-          </a:solidFill>
-          <a:ln>
-            <a:noFill/>
-          </a:ln>
-        </p:spPr>
-        <p:style>
-          <a:lnRef idx="2">
-            <a:schemeClr val="accent1">
-              <a:shade val="50000"/>
-            </a:schemeClr>
-          </a:lnRef>
-          <a:fillRef idx="1">
-            <a:schemeClr val="accent1"/>
-          </a:fillRef>
-          <a:effectRef idx="0">
-            <a:schemeClr val="accent1"/>
-          </a:effectRef>
-          <a:fontRef idx="minor">
-            <a:schemeClr val="lt1"/>
-          </a:fontRef>
-        </p:style>
-        <p:txBody>
-          <a:bodyPr rtlCol="0" anchor="ctr"/>
-          <a:lstStyle/>
-          <a:p>
-            <a:pPr algn="ctr"/>
-            <a:r>
-              <a:rPr lang="ja-JP" altLang="en-US"/>
-              <a:t>個別の事情</a:t>
-            </a:r>
-            <a:r>
-              <a:rPr lang="en-US" altLang="ja-JP" dirty="0" err="1"/>
-              <a:t>A’i</a:t>
-            </a:r>
-            <a:endParaRPr kumimoji="1" lang="ja-JP" altLang="en-US"/>
-          </a:p>
-        </p:txBody>
-      </p:sp>
-      <p:sp>
-        <p:nvSpPr>
-          <p:cNvPr id="25" name="正方形/長方形 24">
-            <a:extLst>
-              <a:ext uri="{FF2B5EF4-FFF2-40B4-BE49-F238E27FC236}">
-                <a16:creationId xmlns:a16="http://schemas.microsoft.com/office/drawing/2014/main" id="{2ED06459-2366-3746-BAA9-8C1069EC258B}"/>
-              </a:ext>
-            </a:extLst>
-          </p:cNvPr>
-          <p:cNvSpPr/>
-          <p:nvPr/>
-        </p:nvSpPr>
-        <p:spPr>
-          <a:xfrm>
-            <a:off x="11126117" y="1869520"/>
-            <a:ext cx="974025" cy="747822"/>
-          </a:xfrm>
-          <a:prstGeom prst="rect">
-            <a:avLst/>
-          </a:prstGeom>
-          <a:solidFill>
-            <a:schemeClr val="accent6">
-              <a:lumMod val="75000"/>
-            </a:schemeClr>
-          </a:solidFill>
-          <a:ln>
-            <a:noFill/>
-          </a:ln>
-        </p:spPr>
-        <p:style>
-          <a:lnRef idx="2">
-            <a:schemeClr val="accent1">
-              <a:shade val="50000"/>
-            </a:schemeClr>
-          </a:lnRef>
-          <a:fillRef idx="1">
-            <a:schemeClr val="accent1"/>
-          </a:fillRef>
-          <a:effectRef idx="0">
-            <a:schemeClr val="accent1"/>
-          </a:effectRef>
-          <a:fontRef idx="minor">
-            <a:schemeClr val="lt1"/>
-          </a:fontRef>
-        </p:style>
-        <p:txBody>
-          <a:bodyPr rtlCol="0" anchor="ctr"/>
-          <a:lstStyle/>
-          <a:p>
-            <a:pPr algn="ctr"/>
-            <a:r>
-              <a:rPr lang="ja-JP" altLang="en-US"/>
-              <a:t>個別の事情</a:t>
-            </a:r>
-            <a:r>
-              <a:rPr lang="en-US" altLang="ja-JP" dirty="0" err="1"/>
-              <a:t>A’j</a:t>
-            </a:r>
-            <a:endParaRPr kumimoji="1" lang="ja-JP" altLang="en-US"/>
-          </a:p>
-        </p:txBody>
-      </p:sp>
-      <p:sp>
-        <p:nvSpPr>
-          <p:cNvPr id="26" name="正方形/長方形 25">
-            <a:extLst>
-              <a:ext uri="{FF2B5EF4-FFF2-40B4-BE49-F238E27FC236}">
-                <a16:creationId xmlns:a16="http://schemas.microsoft.com/office/drawing/2014/main" id="{ADD9F221-B985-C640-B742-43EFA255E069}"/>
-              </a:ext>
-            </a:extLst>
-          </p:cNvPr>
-          <p:cNvSpPr/>
-          <p:nvPr/>
-        </p:nvSpPr>
-        <p:spPr>
-          <a:xfrm>
-            <a:off x="11126117" y="2657062"/>
-            <a:ext cx="974025" cy="747822"/>
-          </a:xfrm>
-          <a:prstGeom prst="rect">
-            <a:avLst/>
-          </a:prstGeom>
-          <a:solidFill>
-            <a:schemeClr val="accent6">
-              <a:lumMod val="75000"/>
-            </a:schemeClr>
-          </a:solidFill>
-          <a:ln>
-            <a:noFill/>
-          </a:ln>
-        </p:spPr>
-        <p:style>
-          <a:lnRef idx="2">
-            <a:schemeClr val="accent1">
-              <a:shade val="50000"/>
-            </a:schemeClr>
-          </a:lnRef>
-          <a:fillRef idx="1">
-            <a:schemeClr val="accent1"/>
-          </a:fillRef>
-          <a:effectRef idx="0">
-            <a:schemeClr val="accent1"/>
-          </a:effectRef>
-          <a:fontRef idx="minor">
-            <a:schemeClr val="lt1"/>
-          </a:fontRef>
-        </p:style>
-        <p:txBody>
-          <a:bodyPr rtlCol="0" anchor="ctr"/>
-          <a:lstStyle/>
-          <a:p>
-            <a:pPr algn="ctr"/>
-            <a:r>
-              <a:rPr lang="ja-JP" altLang="en-US"/>
-              <a:t>個別の事情</a:t>
-            </a:r>
-            <a:r>
-              <a:rPr lang="en-US" altLang="ja-JP" dirty="0" err="1"/>
-              <a:t>A’k</a:t>
-            </a:r>
-            <a:endParaRPr kumimoji="1" lang="ja-JP" altLang="en-US"/>
-          </a:p>
-        </p:txBody>
-      </p:sp>
-      <p:sp>
-        <p:nvSpPr>
-          <p:cNvPr id="27" name="左中かっこ 26">
-            <a:extLst>
-              <a:ext uri="{FF2B5EF4-FFF2-40B4-BE49-F238E27FC236}">
-                <a16:creationId xmlns:a16="http://schemas.microsoft.com/office/drawing/2014/main" id="{A1488E58-441D-C749-97DC-F18CADE42B26}"/>
-              </a:ext>
-            </a:extLst>
-          </p:cNvPr>
-          <p:cNvSpPr/>
-          <p:nvPr/>
-        </p:nvSpPr>
-        <p:spPr>
-          <a:xfrm>
-            <a:off x="10791666" y="1165972"/>
-            <a:ext cx="307342" cy="2238912"/>
-          </a:xfrm>
-          <a:prstGeom prst="leftBrace">
-            <a:avLst/>
-          </a:prstGeom>
-          <a:ln w="19050">
-            <a:solidFill>
-              <a:schemeClr val="accent6">
-                <a:lumMod val="50000"/>
-              </a:schemeClr>
-            </a:solidFill>
-          </a:ln>
-        </p:spPr>
-        <p:style>
-          <a:lnRef idx="1">
-            <a:schemeClr val="accent1"/>
-          </a:lnRef>
-          <a:fillRef idx="0">
-            <a:schemeClr val="accent1"/>
-          </a:fillRef>
-          <a:effectRef idx="0">
-            <a:schemeClr val="accent1"/>
-          </a:effectRef>
-          <a:fontRef idx="minor">
-            <a:schemeClr val="tx1"/>
-          </a:fontRef>
-        </p:style>
-        <p:txBody>
-          <a:bodyPr rtlCol="0" anchor="ctr"/>
-          <a:lstStyle/>
-          <a:p>
-            <a:pPr algn="ctr"/>
-            <a:endParaRPr kumimoji="1" lang="ja-JP" altLang="en-US"/>
-          </a:p>
-        </p:txBody>
-      </p:sp>
-      <p:cxnSp>
-        <p:nvCxnSpPr>
-          <p:cNvPr id="29" name="カギ線コネクタ 28">
-            <a:extLst>
-              <a:ext uri="{FF2B5EF4-FFF2-40B4-BE49-F238E27FC236}">
-                <a16:creationId xmlns:a16="http://schemas.microsoft.com/office/drawing/2014/main" id="{1C5D0AA3-8487-4647-BBFA-B856D2DF8D1A}"/>
-              </a:ext>
-            </a:extLst>
-          </p:cNvPr>
-          <p:cNvCxnSpPr>
-            <a:cxnSpLocks/>
-          </p:cNvCxnSpPr>
-          <p:nvPr/>
-        </p:nvCxnSpPr>
-        <p:spPr>
-          <a:xfrm rot="16200000" flipH="1">
-            <a:off x="9714747" y="3354099"/>
-            <a:ext cx="2333467" cy="193763"/>
-          </a:xfrm>
-          <a:prstGeom prst="bentConnector3">
-            <a:avLst>
-              <a:gd name="adj1" fmla="val 55111"/>
-            </a:avLst>
-          </a:prstGeom>
-          <a:ln w="22225">
-            <a:solidFill>
-              <a:schemeClr val="accent6">
-                <a:lumMod val="75000"/>
-              </a:schemeClr>
-            </a:solidFill>
-            <a:tailEnd type="arrow"/>
-          </a:ln>
-        </p:spPr>
-        <p:style>
-          <a:lnRef idx="1">
-            <a:schemeClr val="accent1"/>
-          </a:lnRef>
-          <a:fillRef idx="0">
-            <a:schemeClr val="accent1"/>
-          </a:fillRef>
-          <a:effectRef idx="0">
-            <a:schemeClr val="accent1"/>
-          </a:effectRef>
-          <a:fontRef idx="minor">
-            <a:schemeClr val="tx1"/>
-          </a:fontRef>
-        </p:style>
-      </p:cxnSp>
-    </p:spTree>
-    <p:extLst>
-      <p:ext uri="{BB962C8B-B14F-4D97-AF65-F5344CB8AC3E}">
-        <p14:creationId xmlns:p14="http://schemas.microsoft.com/office/powerpoint/2010/main" val="1777339200"/>
-      </p:ext>
-    </p:extLst>
-  </p:cSld>
-  <p:clrMapOvr>
-    <a:masterClrMapping/>
-  </p:clrMapOvr>
-</p:sld>
-</file>
-
-<file path=ppt/slides/slide5.xml><?xml version="1.0" encoding="utf-8"?>
-<p:sld xmlns:a="http://schemas.openxmlformats.org/drawingml/2006/main" xmlns:r="http://schemas.openxmlformats.org/officeDocument/2006/relationships" xmlns:p="http://schemas.openxmlformats.org/presentationml/2006/main">
-  <p:cSld>
-    <p:spTree>
-      <p:nvGrpSpPr>
-        <p:cNvPr id="1" name=""/>
-        <p:cNvGrpSpPr/>
-        <p:nvPr/>
-      </p:nvGrpSpPr>
-      <p:grpSpPr>
-        <a:xfrm>
-          <a:off x="0" y="0"/>
-          <a:ext cx="0" cy="0"/>
-          <a:chOff x="0" y="0"/>
-          <a:chExt cx="0" cy="0"/>
-        </a:xfrm>
-      </p:grpSpPr>
-      <p:sp>
-        <p:nvSpPr>
-          <p:cNvPr id="2" name="タイトル 1">
-            <a:extLst>
-              <a:ext uri="{FF2B5EF4-FFF2-40B4-BE49-F238E27FC236}">
-                <a16:creationId xmlns:a16="http://schemas.microsoft.com/office/drawing/2014/main" id="{ACC16AE0-3698-144E-98ED-A55CC938B50D}"/>
-              </a:ext>
-            </a:extLst>
-          </p:cNvPr>
-          <p:cNvSpPr>
-            <a:spLocks noGrp="1"/>
-          </p:cNvSpPr>
-          <p:nvPr>
-            <p:ph type="title"/>
-          </p:nvPr>
-        </p:nvSpPr>
-        <p:spPr/>
-        <p:txBody>
-          <a:bodyPr/>
-          <a:lstStyle/>
-          <a:p>
-            <a:r>
-              <a:rPr kumimoji="1" lang="en-US" altLang="ja-JP" dirty="0"/>
-              <a:t>R</a:t>
-            </a:r>
-            <a:r>
-              <a:rPr kumimoji="1" lang="ja-JP" altLang="en-US"/>
-              <a:t>で</a:t>
-            </a:r>
-            <a:r>
               <a:rPr kumimoji="1" lang="en-US" altLang="ja-JP" dirty="0"/>
               <a:t>GLMM</a:t>
             </a:r>
             <a:r>
               <a:rPr kumimoji="1" lang="ja-JP" altLang="en-US"/>
-              <a:t>実践</a:t>
-            </a:r>
-          </a:p>
-        </p:txBody>
-      </p:sp>
-      <p:sp>
-        <p:nvSpPr>
-          <p:cNvPr id="3" name="コンテンツ プレースホルダー 2">
-            <a:extLst>
-              <a:ext uri="{FF2B5EF4-FFF2-40B4-BE49-F238E27FC236}">
-                <a16:creationId xmlns:a16="http://schemas.microsoft.com/office/drawing/2014/main" id="{2900A259-287C-8746-BCB8-549AD2ECEA48}"/>
-              </a:ext>
-            </a:extLst>
-          </p:cNvPr>
-          <p:cNvSpPr>
-            <a:spLocks noGrp="1"/>
-          </p:cNvSpPr>
-          <p:nvPr>
-            <p:ph idx="1"/>
-          </p:nvPr>
-        </p:nvSpPr>
-        <p:spPr/>
-        <p:txBody>
-          <a:bodyPr>
-            <a:normAutofit/>
-          </a:bodyPr>
-          <a:lstStyle/>
-          <a:p>
-            <a:r>
-              <a:rPr kumimoji="1" lang="en-US" altLang="ja-JP" dirty="0"/>
-              <a:t>GLMM</a:t>
-            </a:r>
-            <a:r>
-              <a:rPr kumimoji="1" lang="ja-JP" altLang="en-US"/>
               <a:t>を行う関数はいろいろある．</a:t>
             </a:r>
             <a:endParaRPr kumimoji="1" lang="en-US" altLang="ja-JP" dirty="0"/>
@@ -9337,42 +5666,6 @@
           </a:p>
           <a:p>
             <a:pPr lvl="1"/>
-            <a:r>
-              <a:rPr lang="en-US" altLang="ja-JP" dirty="0" err="1"/>
-              <a:t>glmer</a:t>
-            </a:r>
-            <a:r>
-              <a:rPr lang="en-US" altLang="ja-JP"/>
-              <a:t> (</a:t>
-            </a:r>
-            <a:r>
-              <a:rPr lang="en-US" altLang="ja-JP" dirty="0" err="1"/>
-              <a:t>linrary</a:t>
-            </a:r>
-            <a:r>
-              <a:rPr lang="en-US" altLang="ja-JP" dirty="0"/>
-              <a:t> lme4) </a:t>
-            </a:r>
-            <a:r>
-              <a:rPr lang="ja-JP" altLang="en-US"/>
-              <a:t> </a:t>
-            </a:r>
-            <a:r>
-              <a:rPr lang="en-US" altLang="ja-JP" dirty="0" err="1"/>
-              <a:t>glm</a:t>
-            </a:r>
-            <a:r>
-              <a:rPr lang="ja-JP" altLang="en-US"/>
-              <a:t>関数で仮定できる分布．</a:t>
-            </a:r>
-            <a:endParaRPr lang="en-US" altLang="ja-JP" dirty="0"/>
-          </a:p>
-          <a:p>
-            <a:pPr lvl="1"/>
-            <a:r>
-              <a:rPr lang="ja-JP" altLang="en-US"/>
-              <a:t>そのほかにも様々なパッケージあり</a:t>
-            </a:r>
             <a:endParaRPr lang="en-US" altLang="ja-JP" dirty="0"/>
           </a:p>
           <a:p>
@@ -9431,7 +5724,7 @@
 </p:sld>
 </file>
 
-<file path=ppt/slides/slide6.xml><?xml version="1.0" encoding="utf-8"?>
+<file path=ppt/slides/slide5.xml><?xml version="1.0" encoding="utf-8"?>
 <p:sld xmlns:a="http://schemas.openxmlformats.org/drawingml/2006/main" xmlns:r="http://schemas.openxmlformats.org/officeDocument/2006/relationships" xmlns:p="http://schemas.openxmlformats.org/presentationml/2006/main">
   <p:cSld>
     <p:spTree>
